--- a/text/大湾区超构材料与微纳光学专题研讨会.pptx
+++ b/text/大湾区超构材料与微纳光学专题研讨会.pptx
@@ -114,7 +114,7 @@
   </p:defaultTextStyle>
   <p:extLst>
     <p:ext uri="{EFAFB233-063F-42B5-8137-9DF3F51BA10A}">
-      <p15:sldGuideLst xmlns="" xmlns:p15="http://schemas.microsoft.com/office/powerpoint/2012/main">
+      <p15:sldGuideLst xmlns:p15="http://schemas.microsoft.com/office/powerpoint/2012/main">
         <p15:guide id="1" orient="horz" pos="2159">
           <p15:clr>
             <a:srgbClr val="A4A3A4"/>
@@ -380,6 +380,11 @@
         </p:txBody>
       </p:sp>
     </p:spTree>
+    <p:extLst>
+      <p:ext uri="{BB962C8B-B14F-4D97-AF65-F5344CB8AC3E}">
+        <p14:creationId xmlns:p14="http://schemas.microsoft.com/office/powerpoint/2010/main" val="3025933236"/>
+      </p:ext>
+    </p:extLst>
   </p:cSld>
   <p:clrMap bg1="lt1" tx1="dk1" bg2="lt2" tx2="dk2" accent1="accent1" accent2="accent2" accent3="accent3" accent4="accent4" accent5="accent5" accent6="accent6" hlink="hlink" folHlink="folHlink"/>
   <p:notesStyle>
@@ -526,6 +531,11 @@
         </p:txBody>
       </p:sp>
     </p:spTree>
+    <p:extLst>
+      <p:ext uri="{BB962C8B-B14F-4D97-AF65-F5344CB8AC3E}">
+        <p14:creationId xmlns:p14="http://schemas.microsoft.com/office/powerpoint/2010/main" val="2249321338"/>
+      </p:ext>
+    </p:extLst>
   </p:cSld>
   <p:clrMapOvr>
     <a:masterClrMapping/>
@@ -608,7 +618,7 @@
     </p:spTree>
     <p:extLst>
       <p:ext uri="{BB962C8B-B14F-4D97-AF65-F5344CB8AC3E}">
-        <p14:creationId xmlns:p14="http://schemas.microsoft.com/office/powerpoint/2010/main" xmlns="" val="3972651860"/>
+        <p14:creationId xmlns:p14="http://schemas.microsoft.com/office/powerpoint/2010/main" val="3972651860"/>
       </p:ext>
     </p:extLst>
   </p:cSld>
@@ -693,7 +703,7 @@
     </p:spTree>
     <p:extLst>
       <p:ext uri="{BB962C8B-B14F-4D97-AF65-F5344CB8AC3E}">
-        <p14:creationId xmlns:p14="http://schemas.microsoft.com/office/powerpoint/2010/main" xmlns="" val="3972651860"/>
+        <p14:creationId xmlns:p14="http://schemas.microsoft.com/office/powerpoint/2010/main" val="3972651860"/>
       </p:ext>
     </p:extLst>
   </p:cSld>
@@ -778,7 +788,7 @@
     </p:spTree>
     <p:extLst>
       <p:ext uri="{BB962C8B-B14F-4D97-AF65-F5344CB8AC3E}">
-        <p14:creationId xmlns:p14="http://schemas.microsoft.com/office/powerpoint/2010/main" xmlns="" val="3972651860"/>
+        <p14:creationId xmlns:p14="http://schemas.microsoft.com/office/powerpoint/2010/main" val="3972651860"/>
       </p:ext>
     </p:extLst>
   </p:cSld>
@@ -863,7 +873,7 @@
     </p:spTree>
     <p:extLst>
       <p:ext uri="{BB962C8B-B14F-4D97-AF65-F5344CB8AC3E}">
-        <p14:creationId xmlns:p14="http://schemas.microsoft.com/office/powerpoint/2010/main" xmlns="" val="3972651860"/>
+        <p14:creationId xmlns:p14="http://schemas.microsoft.com/office/powerpoint/2010/main" val="3972651860"/>
       </p:ext>
     </p:extLst>
   </p:cSld>
@@ -15367,6 +15377,13 @@
   <p:clrMapOvr>
     <a:masterClrMapping/>
   </p:clrMapOvr>
+  <p:timing>
+    <p:tnLst>
+      <p:par>
+        <p:cTn id="1" dur="indefinite" restart="never" nodeType="tmRoot"/>
+      </p:par>
+    </p:tnLst>
+  </p:timing>
 </p:sld>
 </file>
 
@@ -15740,6 +15757,13 @@
   <p:clrMapOvr>
     <a:masterClrMapping/>
   </p:clrMapOvr>
+  <p:timing>
+    <p:tnLst>
+      <p:par>
+        <p:cTn id="1" dur="indefinite" restart="never" nodeType="tmRoot"/>
+      </p:par>
+    </p:tnLst>
+  </p:timing>
 </p:sld>
 </file>
 
@@ -15765,7 +15789,7 @@
           <p:cNvPr id="12" name="矩形 11">
             <a:extLst>
               <a:ext uri="{FF2B5EF4-FFF2-40B4-BE49-F238E27FC236}">
-                <a16:creationId xmlns:a16="http://schemas.microsoft.com/office/drawing/2014/main" xmlns="" id="{42B28CF3-1023-471A-85FC-9F9F3ADC12F8}"/>
+                <a16:creationId xmlns="" xmlns:a16="http://schemas.microsoft.com/office/drawing/2014/main" id="{42B28CF3-1023-471A-85FC-9F9F3ADC12F8}"/>
               </a:ext>
             </a:extLst>
           </p:cNvPr>
@@ -15831,7 +15855,7 @@
           <p:cNvPr id="8" name="表格 7">
             <a:extLst>
               <a:ext uri="{FF2B5EF4-FFF2-40B4-BE49-F238E27FC236}">
-                <a16:creationId xmlns:a16="http://schemas.microsoft.com/office/drawing/2014/main" xmlns="" id="{DF1018AF-4BB1-46F7-91DD-90F84352DBBF}"/>
+                <a16:creationId xmlns="" xmlns:a16="http://schemas.microsoft.com/office/drawing/2014/main" id="{DF1018AF-4BB1-46F7-91DD-90F84352DBBF}"/>
               </a:ext>
             </a:extLst>
           </p:cNvPr>
@@ -15841,14 +15865,14 @@
           <p:nvPr>
             <p:extLst>
               <p:ext uri="{D42A27DB-BD31-4B8C-83A1-F6EECF244321}">
-                <p14:modId xmlns:p14="http://schemas.microsoft.com/office/powerpoint/2010/main" xmlns="" val="1147174992"/>
+                <p14:modId xmlns:p14="http://schemas.microsoft.com/office/powerpoint/2010/main" val="376394287"/>
               </p:ext>
             </p:extLst>
           </p:nvPr>
         </p:nvGraphicFramePr>
         <p:xfrm>
           <a:off x="357158" y="1428736"/>
-          <a:ext cx="8471928" cy="4660534"/>
+          <a:ext cx="8471928" cy="4452912"/>
         </p:xfrm>
         <a:graphic>
           <a:graphicData uri="http://schemas.openxmlformats.org/drawingml/2006/table">
@@ -15860,21 +15884,21 @@
                 <a:gridCol w="2180823">
                   <a:extLst>
                     <a:ext uri="{9D8B030D-6E8A-4147-A177-3AD203B41FA5}">
-                      <a16:colId xmlns:a16="http://schemas.microsoft.com/office/drawing/2014/main" xmlns="" val="271949209"/>
+                      <a16:colId xmlns="" xmlns:a16="http://schemas.microsoft.com/office/drawing/2014/main" val="271949209"/>
                     </a:ext>
                   </a:extLst>
                 </a:gridCol>
                 <a:gridCol w="1940417">
                   <a:extLst>
                     <a:ext uri="{9D8B030D-6E8A-4147-A177-3AD203B41FA5}">
-                      <a16:colId xmlns:a16="http://schemas.microsoft.com/office/drawing/2014/main" xmlns="" val="483794282"/>
+                      <a16:colId xmlns="" xmlns:a16="http://schemas.microsoft.com/office/drawing/2014/main" val="483794282"/>
                     </a:ext>
                   </a:extLst>
                 </a:gridCol>
                 <a:gridCol w="4350688">
                   <a:extLst>
                     <a:ext uri="{9D8B030D-6E8A-4147-A177-3AD203B41FA5}">
-                      <a16:colId xmlns:a16="http://schemas.microsoft.com/office/drawing/2014/main" xmlns="" val="3157286281"/>
+                      <a16:colId xmlns="" xmlns:a16="http://schemas.microsoft.com/office/drawing/2014/main" val="3157286281"/>
                     </a:ext>
                   </a:extLst>
                 </a:gridCol>
@@ -15887,10 +15911,10 @@
                     <a:p>
                       <a:pPr algn="ctr"/>
                       <a:r>
-                        <a:rPr lang="en-US" altLang="zh-CN" sz="1200" dirty="0"/>
+                        <a:rPr lang="en-US" altLang="zh-CN" sz="1800" dirty="0"/>
                         <a:t>Speaker</a:t>
                       </a:r>
-                      <a:endParaRPr lang="zh-CN" altLang="en-US" sz="1200" dirty="0"/>
+                      <a:endParaRPr lang="zh-CN" altLang="en-US" sz="1800" dirty="0"/>
                     </a:p>
                   </a:txBody>
                   <a:tcPr marL="110604" marR="110604" marT="28714" marB="28714" anchor="ctr"/>
@@ -15902,10 +15926,10 @@
                     <a:p>
                       <a:pPr algn="ctr"/>
                       <a:r>
-                        <a:rPr lang="en-US" altLang="zh-CN" sz="1200" dirty="0"/>
+                        <a:rPr lang="en-US" altLang="zh-CN" sz="1800" dirty="0"/>
                         <a:t>Time</a:t>
                       </a:r>
-                      <a:endParaRPr lang="zh-CN" altLang="en-US" sz="1200" dirty="0"/>
+                      <a:endParaRPr lang="zh-CN" altLang="en-US" sz="1800" dirty="0"/>
                     </a:p>
                   </a:txBody>
                   <a:tcPr marL="110604" marR="110604" marT="28714" marB="28714" anchor="ctr"/>
@@ -15917,17 +15941,17 @@
                     <a:p>
                       <a:pPr algn="ctr"/>
                       <a:r>
-                        <a:rPr lang="en-US" altLang="zh-CN" sz="1200" dirty="0"/>
+                        <a:rPr lang="en-US" altLang="zh-CN" sz="1800" dirty="0"/>
                         <a:t>Topic</a:t>
                       </a:r>
-                      <a:endParaRPr lang="zh-CN" altLang="en-US" sz="1200" dirty="0"/>
+                      <a:endParaRPr lang="zh-CN" altLang="en-US" sz="1800" dirty="0"/>
                     </a:p>
                   </a:txBody>
                   <a:tcPr marL="110604" marR="110604" marT="28714" marB="28714" anchor="ctr"/>
                 </a:tc>
                 <a:extLst>
                   <a:ext uri="{0D108BD9-81ED-4DB2-BD59-A6C34878D82A}">
-                    <a16:rowId xmlns:a16="http://schemas.microsoft.com/office/drawing/2014/main" xmlns="" val="10357417"/>
+                    <a16:rowId xmlns="" xmlns:a16="http://schemas.microsoft.com/office/drawing/2014/main" val="10357417"/>
                   </a:ext>
                 </a:extLst>
               </a:tr>
@@ -15954,7 +15978,7 @@
                         <a:tabLst/>
                         <a:defRPr/>
                       </a:pPr>
-                      <a:endParaRPr lang="zh-CN" altLang="en-US" sz="900" b="1" kern="1200" dirty="0">
+                      <a:endParaRPr lang="zh-CN" altLang="en-US" sz="1100" b="1" kern="1200" dirty="0">
                         <a:solidFill>
                           <a:schemeClr val="dk1"/>
                         </a:solidFill>
@@ -15989,7 +16013,7 @@
                         <a:defRPr/>
                       </a:pPr>
                       <a:r>
-                        <a:rPr lang="en-US" altLang="zh-CN" sz="900" b="1" kern="1200" dirty="0" smtClean="0">
+                        <a:rPr lang="en-US" altLang="zh-CN" sz="1100" b="1" kern="1200" dirty="0" smtClean="0">
                           <a:solidFill>
                             <a:schemeClr val="dk1"/>
                           </a:solidFill>
@@ -15999,7 +16023,7 @@
                         </a:rPr>
                         <a:t>08:30-08:50</a:t>
                       </a:r>
-                      <a:endParaRPr lang="zh-CN" altLang="en-US" sz="900" b="1" kern="1200" dirty="0">
+                      <a:endParaRPr lang="zh-CN" altLang="en-US" sz="1100" b="1" kern="1200" dirty="0">
                         <a:solidFill>
                           <a:schemeClr val="dk1"/>
                         </a:solidFill>
@@ -16034,7 +16058,7 @@
                         <a:defRPr/>
                       </a:pPr>
                       <a:r>
-                        <a:rPr lang="en-US" altLang="zh-CN" sz="900" b="1" kern="1200" dirty="0" smtClean="0">
+                        <a:rPr lang="en-US" altLang="zh-CN" sz="1100" b="1" kern="1200" dirty="0" smtClean="0">
                           <a:solidFill>
                             <a:schemeClr val="dk1"/>
                           </a:solidFill>
@@ -16044,7 +16068,7 @@
                         </a:rPr>
                         <a:t>Opening ceremony</a:t>
                       </a:r>
-                      <a:endParaRPr lang="zh-CN" altLang="en-US" sz="900" b="1" kern="1200" dirty="0">
+                      <a:endParaRPr lang="zh-CN" altLang="en-US" sz="1100" b="1" kern="1200" dirty="0">
                         <a:solidFill>
                           <a:schemeClr val="dk1"/>
                         </a:solidFill>
@@ -16058,7 +16082,7 @@
                 </a:tc>
                 <a:extLst>
                   <a:ext uri="{0D108BD9-81ED-4DB2-BD59-A6C34878D82A}">
-                    <a16:rowId xmlns:a16="http://schemas.microsoft.com/office/drawing/2014/main" xmlns="" val="1881350119"/>
+                    <a16:rowId xmlns="" xmlns:a16="http://schemas.microsoft.com/office/drawing/2014/main" val="1881350119"/>
                   </a:ext>
                 </a:extLst>
               </a:tr>
@@ -16086,7 +16110,7 @@
                         <a:defRPr/>
                       </a:pPr>
                       <a:r>
-                        <a:rPr lang="en-US" altLang="zh-CN" sz="900" b="1" kern="1200" dirty="0" err="1" smtClean="0">
+                        <a:rPr lang="en-US" altLang="zh-CN" sz="1100" b="1" kern="1200" dirty="0" err="1" smtClean="0">
                           <a:solidFill>
                             <a:schemeClr val="dk1"/>
                           </a:solidFill>
@@ -16097,7 +16121,7 @@
                         <a:t>Xuehua</a:t>
                       </a:r>
                       <a:r>
-                        <a:rPr lang="en-US" altLang="zh-CN" sz="900" b="1" kern="1200" dirty="0" smtClean="0">
+                        <a:rPr lang="en-US" altLang="zh-CN" sz="1100" b="1" kern="1200" dirty="0" smtClean="0">
                           <a:solidFill>
                             <a:schemeClr val="dk1"/>
                           </a:solidFill>
@@ -16108,7 +16132,7 @@
                         <a:t> Wang (</a:t>
                       </a:r>
                       <a:r>
-                        <a:rPr lang="zh-CN" altLang="en-US" sz="900" b="1" kern="1200" dirty="0" smtClean="0">
+                        <a:rPr lang="zh-CN" altLang="en-US" sz="1100" b="1" kern="1200" dirty="0" smtClean="0">
                           <a:solidFill>
                             <a:schemeClr val="dk1"/>
                           </a:solidFill>
@@ -16119,7 +16143,7 @@
                         <a:t>王雪华</a:t>
                       </a:r>
                       <a:r>
-                        <a:rPr lang="en-US" altLang="zh-CN" sz="900" b="1" kern="1200" dirty="0" smtClean="0">
+                        <a:rPr lang="en-US" altLang="zh-CN" sz="1100" b="1" kern="1200" dirty="0" smtClean="0">
                           <a:solidFill>
                             <a:schemeClr val="dk1"/>
                           </a:solidFill>
@@ -16129,7 +16153,7 @@
                         </a:rPr>
                         <a:t>)</a:t>
                       </a:r>
-                      <a:endParaRPr lang="zh-CN" altLang="en-US" sz="900" b="1" kern="1200" dirty="0">
+                      <a:endParaRPr lang="zh-CN" altLang="en-US" sz="1100" b="1" kern="1200" dirty="0">
                         <a:solidFill>
                           <a:schemeClr val="dk1"/>
                         </a:solidFill>
@@ -16164,7 +16188,7 @@
                         <a:defRPr/>
                       </a:pPr>
                       <a:r>
-                        <a:rPr lang="en-US" altLang="zh-CN" sz="900" b="1" kern="1200" dirty="0" smtClean="0">
+                        <a:rPr lang="en-US" altLang="zh-CN" sz="1100" b="1" kern="1200" dirty="0" smtClean="0">
                           <a:solidFill>
                             <a:schemeClr val="dk1"/>
                           </a:solidFill>
@@ -16174,7 +16198,7 @@
                         </a:rPr>
                         <a:t>08:50-09:15</a:t>
                       </a:r>
-                      <a:endParaRPr lang="zh-CN" altLang="en-US" sz="900" b="1" kern="1200" dirty="0">
+                      <a:endParaRPr lang="zh-CN" altLang="en-US" sz="1100" b="1" kern="1200" dirty="0">
                         <a:solidFill>
                           <a:schemeClr val="dk1"/>
                         </a:solidFill>
@@ -16209,7 +16233,7 @@
                         <a:defRPr/>
                       </a:pPr>
                       <a:r>
-                        <a:rPr lang="zh-CN" altLang="en-US" sz="900" b="1" kern="1200" dirty="0" smtClean="0">
+                        <a:rPr lang="zh-CN" altLang="en-US" sz="1100" b="1" kern="1200" dirty="0" smtClean="0">
                           <a:solidFill>
                             <a:schemeClr val="dk1"/>
                           </a:solidFill>
@@ -16219,7 +16243,7 @@
                         </a:rPr>
                         <a:t>微纳结构中光与物质相互作用调控研究</a:t>
                       </a:r>
-                      <a:endParaRPr lang="zh-CN" altLang="en-US" sz="900" b="1" kern="1200" dirty="0">
+                      <a:endParaRPr lang="zh-CN" altLang="en-US" sz="1100" b="1" kern="1200" dirty="0">
                         <a:solidFill>
                           <a:schemeClr val="dk1"/>
                         </a:solidFill>
@@ -16233,7 +16257,7 @@
                 </a:tc>
                 <a:extLst>
                   <a:ext uri="{0D108BD9-81ED-4DB2-BD59-A6C34878D82A}">
-                    <a16:rowId xmlns:a16="http://schemas.microsoft.com/office/drawing/2014/main" xmlns="" val="1466771304"/>
+                    <a16:rowId xmlns="" xmlns:a16="http://schemas.microsoft.com/office/drawing/2014/main" val="1466771304"/>
                   </a:ext>
                 </a:extLst>
               </a:tr>
@@ -16261,7 +16285,7 @@
                         <a:defRPr/>
                       </a:pPr>
                       <a:r>
-                        <a:rPr lang="en-US" altLang="zh-CN" sz="900" b="1" kern="1200" dirty="0" err="1" smtClean="0">
+                        <a:rPr lang="en-US" altLang="zh-CN" sz="1100" b="1" kern="1200" dirty="0" err="1" smtClean="0">
                           <a:solidFill>
                             <a:schemeClr val="dk1"/>
                           </a:solidFill>
@@ -16272,7 +16296,7 @@
                         <a:t>Che</a:t>
                       </a:r>
                       <a:r>
-                        <a:rPr lang="en-US" altLang="zh-CN" sz="900" b="1" kern="1200" dirty="0" smtClean="0">
+                        <a:rPr lang="en-US" altLang="zh-CN" sz="1100" b="1" kern="1200" dirty="0" smtClean="0">
                           <a:solidFill>
                             <a:schemeClr val="dk1"/>
                           </a:solidFill>
@@ -16283,7 +16307,7 @@
                         <a:t> Ting Chan(</a:t>
                       </a:r>
                       <a:r>
-                        <a:rPr lang="zh-CN" altLang="en-US" sz="900" b="1" kern="1200" dirty="0" smtClean="0">
+                        <a:rPr lang="zh-CN" altLang="en-US" sz="1100" b="1" kern="1200" dirty="0" smtClean="0">
                           <a:solidFill>
                             <a:schemeClr val="dk1"/>
                           </a:solidFill>
@@ -16294,7 +16318,7 @@
                         <a:t>陈子亭</a:t>
                       </a:r>
                       <a:r>
-                        <a:rPr lang="en-US" altLang="zh-CN" sz="900" b="1" kern="1200" dirty="0" smtClean="0">
+                        <a:rPr lang="en-US" altLang="zh-CN" sz="1100" b="1" kern="1200" dirty="0" smtClean="0">
                           <a:solidFill>
                             <a:schemeClr val="dk1"/>
                           </a:solidFill>
@@ -16304,7 +16328,7 @@
                         </a:rPr>
                         <a:t>)</a:t>
                       </a:r>
-                      <a:endParaRPr lang="zh-CN" altLang="en-US" sz="900" b="1" kern="1200" dirty="0">
+                      <a:endParaRPr lang="zh-CN" altLang="en-US" sz="1100" b="1" kern="1200" dirty="0">
                         <a:solidFill>
                           <a:schemeClr val="dk1"/>
                         </a:solidFill>
@@ -16339,7 +16363,7 @@
                         <a:defRPr/>
                       </a:pPr>
                       <a:r>
-                        <a:rPr lang="en-US" altLang="zh-CN" sz="900" b="1" kern="1200" dirty="0" smtClean="0">
+                        <a:rPr lang="en-US" altLang="zh-CN" sz="1100" b="1" kern="1200" dirty="0" smtClean="0">
                           <a:solidFill>
                             <a:schemeClr val="dk1"/>
                           </a:solidFill>
@@ -16349,7 +16373,7 @@
                         </a:rPr>
                         <a:t>09:15-09:40</a:t>
                       </a:r>
-                      <a:endParaRPr lang="zh-CN" altLang="en-US" sz="900" b="1" kern="1200" dirty="0">
+                      <a:endParaRPr lang="zh-CN" altLang="en-US" sz="1100" b="1" kern="1200" dirty="0">
                         <a:solidFill>
                           <a:schemeClr val="dk1"/>
                         </a:solidFill>
@@ -16384,7 +16408,7 @@
                         <a:defRPr/>
                       </a:pPr>
                       <a:r>
-                        <a:rPr lang="en-US" altLang="zh-CN" sz="900" b="1" kern="1200" dirty="0" smtClean="0">
+                        <a:rPr lang="en-US" altLang="zh-CN" sz="1100" b="1" kern="1200" dirty="0" smtClean="0">
                           <a:solidFill>
                             <a:schemeClr val="dk1"/>
                           </a:solidFill>
@@ -16394,7 +16418,7 @@
                         </a:rPr>
                         <a:t>Some unusual effects enabled by photonic crystals</a:t>
                       </a:r>
-                      <a:endParaRPr lang="zh-CN" altLang="en-US" sz="900" b="1" kern="1200" dirty="0">
+                      <a:endParaRPr lang="zh-CN" altLang="en-US" sz="1100" b="1" kern="1200" dirty="0">
                         <a:solidFill>
                           <a:schemeClr val="dk1"/>
                         </a:solidFill>
@@ -16408,7 +16432,7 @@
                 </a:tc>
                 <a:extLst>
                   <a:ext uri="{0D108BD9-81ED-4DB2-BD59-A6C34878D82A}">
-                    <a16:rowId xmlns:a16="http://schemas.microsoft.com/office/drawing/2014/main" xmlns="" val="1360372986"/>
+                    <a16:rowId xmlns="" xmlns:a16="http://schemas.microsoft.com/office/drawing/2014/main" val="1360372986"/>
                   </a:ext>
                 </a:extLst>
               </a:tr>
@@ -16436,7 +16460,7 @@
                         <a:defRPr/>
                       </a:pPr>
                       <a:r>
-                        <a:rPr lang="en-US" altLang="zh-CN" sz="900" b="1" kern="1200" dirty="0" err="1" smtClean="0">
+                        <a:rPr lang="en-US" altLang="zh-CN" sz="1100" b="1" kern="1200" dirty="0" err="1" smtClean="0">
                           <a:solidFill>
                             <a:schemeClr val="dk1"/>
                           </a:solidFill>
@@ -16447,7 +16471,7 @@
                         <a:t>GuoPing</a:t>
                       </a:r>
                       <a:r>
-                        <a:rPr lang="en-US" altLang="zh-CN" sz="900" b="1" kern="1200" dirty="0" smtClean="0">
+                        <a:rPr lang="en-US" altLang="zh-CN" sz="1100" b="1" kern="1200" dirty="0" smtClean="0">
                           <a:solidFill>
                             <a:schemeClr val="dk1"/>
                           </a:solidFill>
@@ -16458,7 +16482,7 @@
                         <a:t> Wang(</a:t>
                       </a:r>
                       <a:r>
-                        <a:rPr lang="zh-CN" altLang="en-US" sz="900" b="1" kern="1200" dirty="0" smtClean="0">
+                        <a:rPr lang="zh-CN" altLang="en-US" sz="1100" b="1" kern="1200" dirty="0" smtClean="0">
                           <a:solidFill>
                             <a:schemeClr val="dk1"/>
                           </a:solidFill>
@@ -16469,7 +16493,7 @@
                         <a:t>汪国平</a:t>
                       </a:r>
                       <a:r>
-                        <a:rPr lang="en-US" altLang="zh-CN" sz="900" b="1" kern="1200" dirty="0" smtClean="0">
+                        <a:rPr lang="en-US" altLang="zh-CN" sz="1100" b="1" kern="1200" dirty="0" smtClean="0">
                           <a:solidFill>
                             <a:schemeClr val="dk1"/>
                           </a:solidFill>
@@ -16479,7 +16503,7 @@
                         </a:rPr>
                         <a:t>)</a:t>
                       </a:r>
-                      <a:endParaRPr lang="zh-CN" altLang="en-US" sz="900" b="1" kern="1200" dirty="0" smtClean="0">
+                      <a:endParaRPr lang="zh-CN" altLang="en-US" sz="1100" b="1" kern="1200" dirty="0" smtClean="0">
                         <a:solidFill>
                           <a:schemeClr val="dk1"/>
                         </a:solidFill>
@@ -16490,7 +16514,7 @@
                     </a:p>
                     <a:p>
                       <a:pPr marL="0" algn="ctr" defTabSz="685800" rtl="0" eaLnBrk="1" latinLnBrk="0" hangingPunct="1"/>
-                      <a:endParaRPr lang="en-US" altLang="zh-CN" sz="900" b="1" kern="1200" dirty="0" smtClean="0">
+                      <a:endParaRPr lang="en-US" altLang="zh-CN" sz="1100" b="1" kern="1200" dirty="0" smtClean="0">
                         <a:solidFill>
                           <a:schemeClr val="dk1"/>
                         </a:solidFill>
@@ -16525,7 +16549,7 @@
                         <a:defRPr/>
                       </a:pPr>
                       <a:r>
-                        <a:rPr lang="en-US" altLang="zh-CN" sz="900" b="1" kern="1200" dirty="0" smtClean="0">
+                        <a:rPr lang="en-US" altLang="zh-CN" sz="1100" b="1" kern="1200" dirty="0" smtClean="0">
                           <a:solidFill>
                             <a:schemeClr val="dk1"/>
                           </a:solidFill>
@@ -16535,7 +16559,7 @@
                         </a:rPr>
                         <a:t>09:40-10:05</a:t>
                       </a:r>
-                      <a:endParaRPr lang="zh-CN" altLang="en-US" sz="900" b="1" kern="1200" dirty="0" smtClean="0">
+                      <a:endParaRPr lang="zh-CN" altLang="en-US" sz="1100" b="1" kern="1200" dirty="0" smtClean="0">
                         <a:solidFill>
                           <a:schemeClr val="dk1"/>
                         </a:solidFill>
@@ -16562,7 +16586,7 @@
                         <a:tabLst/>
                         <a:defRPr/>
                       </a:pPr>
-                      <a:endParaRPr lang="zh-CN" altLang="en-US" sz="900" b="1" kern="1200" dirty="0">
+                      <a:endParaRPr lang="zh-CN" altLang="en-US" sz="1100" b="1" kern="1200" dirty="0">
                         <a:solidFill>
                           <a:schemeClr val="dk1"/>
                         </a:solidFill>
@@ -16597,7 +16621,7 @@
                         <a:defRPr/>
                       </a:pPr>
                       <a:r>
-                        <a:rPr lang="en-US" altLang="zh-CN" sz="900" b="1" kern="1200" dirty="0" smtClean="0">
+                        <a:rPr lang="en-US" altLang="zh-CN" sz="1100" b="1" kern="1200" dirty="0" smtClean="0">
                           <a:solidFill>
                             <a:schemeClr val="dk1"/>
                           </a:solidFill>
@@ -16605,32 +16629,10 @@
                           <a:ea typeface="微软雅黑" panose="020B0503020204020204" pitchFamily="34" charset="-122"/>
                           <a:cs typeface="+mn-cs"/>
                         </a:rPr>
-                        <a:t>Grating </a:t>
-                      </a:r>
-                      <a:r>
-                        <a:rPr lang="en-US" altLang="zh-CN" sz="900" b="1" kern="1200" dirty="0" err="1" smtClean="0">
-                          <a:solidFill>
-                            <a:schemeClr val="dk1"/>
-                          </a:solidFill>
-                          <a:latin typeface="微软雅黑" panose="020B0503020204020204" pitchFamily="34" charset="-122"/>
-                          <a:ea typeface="微软雅黑" panose="020B0503020204020204" pitchFamily="34" charset="-122"/>
-                          <a:cs typeface="+mn-cs"/>
-                        </a:rPr>
-                        <a:t>metasurfaces</a:t>
-                      </a:r>
-                      <a:r>
-                        <a:rPr lang="en-US" altLang="zh-CN" sz="900" b="1" kern="1200" dirty="0" smtClean="0">
-                          <a:solidFill>
-                            <a:schemeClr val="dk1"/>
-                          </a:solidFill>
-                          <a:latin typeface="微软雅黑" panose="020B0503020204020204" pitchFamily="34" charset="-122"/>
-                          <a:ea typeface="微软雅黑" panose="020B0503020204020204" pitchFamily="34" charset="-122"/>
-                          <a:cs typeface="+mn-cs"/>
-                        </a:rPr>
-                        <a:t> for </a:t>
-                      </a:r>
-                      <a:r>
-                        <a:rPr lang="en-US" altLang="zh-CN" sz="900" b="1" kern="1200" dirty="0" err="1" smtClean="0">
+                        <a:t>Grating metasurfaces for </a:t>
+                      </a:r>
+                      <a:r>
+                        <a:rPr lang="en-US" altLang="zh-CN" sz="1100" b="1" kern="1200" dirty="0" err="1" smtClean="0">
                           <a:solidFill>
                             <a:schemeClr val="dk1"/>
                           </a:solidFill>
@@ -16641,7 +16643,7 @@
                         <a:t>opticalfield</a:t>
                       </a:r>
                       <a:r>
-                        <a:rPr lang="en-US" altLang="zh-CN" sz="900" b="1" kern="1200" dirty="0" smtClean="0">
+                        <a:rPr lang="en-US" altLang="zh-CN" sz="1100" b="1" kern="1200" dirty="0" smtClean="0">
                           <a:solidFill>
                             <a:schemeClr val="dk1"/>
                           </a:solidFill>
@@ -16652,7 +16654,7 @@
                         <a:t> </a:t>
                       </a:r>
                       <a:r>
-                        <a:rPr lang="en-US" altLang="zh-CN" sz="900" b="1" kern="1200" dirty="0" err="1" smtClean="0">
+                        <a:rPr lang="en-US" altLang="zh-CN" sz="1100" b="1" kern="1200" dirty="0" err="1" smtClean="0">
                           <a:solidFill>
                             <a:schemeClr val="dk1"/>
                           </a:solidFill>
@@ -16662,34 +16664,7 @@
                         </a:rPr>
                         <a:t>controllingandsuper-resolutionimaging</a:t>
                       </a:r>
-                      <a:endParaRPr lang="zh-CN" altLang="en-US" sz="900" b="1" kern="1200" dirty="0" smtClean="0">
-                        <a:solidFill>
-                          <a:schemeClr val="dk1"/>
-                        </a:solidFill>
-                        <a:latin typeface="微软雅黑" panose="020B0503020204020204" pitchFamily="34" charset="-122"/>
-                        <a:ea typeface="微软雅黑" panose="020B0503020204020204" pitchFamily="34" charset="-122"/>
-                        <a:cs typeface="+mn-cs"/>
-                      </a:endParaRPr>
-                    </a:p>
-                    <a:p>
-                      <a:pPr marL="0" marR="0" lvl="0" indent="0" algn="ctr" defTabSz="685800" rtl="0" eaLnBrk="1" fontAlgn="auto" latinLnBrk="0" hangingPunct="1">
-                        <a:lnSpc>
-                          <a:spcPct val="100000"/>
-                        </a:lnSpc>
-                        <a:spcBef>
-                          <a:spcPts val="0"/>
-                        </a:spcBef>
-                        <a:spcAft>
-                          <a:spcPts val="0"/>
-                        </a:spcAft>
-                        <a:buClrTx/>
-                        <a:buSzTx/>
-                        <a:buFontTx/>
-                        <a:buNone/>
-                        <a:tabLst/>
-                        <a:defRPr/>
-                      </a:pPr>
-                      <a:endParaRPr lang="zh-CN" altLang="en-US" sz="900" b="1" kern="1200" dirty="0">
+                      <a:endParaRPr lang="zh-CN" altLang="en-US" sz="1100" b="1" kern="1200" dirty="0">
                         <a:solidFill>
                           <a:schemeClr val="dk1"/>
                         </a:solidFill>
@@ -16725,7 +16700,7 @@
                         <a:tabLst/>
                         <a:defRPr/>
                       </a:pPr>
-                      <a:endParaRPr lang="zh-CN" altLang="en-US" sz="900" b="1" kern="1200" dirty="0">
+                      <a:endParaRPr lang="zh-CN" altLang="en-US" sz="1100" b="1" kern="1200" dirty="0">
                         <a:solidFill>
                           <a:schemeClr val="dk1"/>
                         </a:solidFill>
@@ -16760,7 +16735,7 @@
                         <a:defRPr/>
                       </a:pPr>
                       <a:r>
-                        <a:rPr lang="en-US" altLang="zh-CN" sz="900" b="1" kern="1200" dirty="0" smtClean="0">
+                        <a:rPr lang="en-US" altLang="zh-CN" sz="1100" b="1" kern="1200" dirty="0" smtClean="0">
                           <a:solidFill>
                             <a:schemeClr val="dk1"/>
                           </a:solidFill>
@@ -16770,7 +16745,7 @@
                         </a:rPr>
                         <a:t>10:05-10:45</a:t>
                       </a:r>
-                      <a:endParaRPr lang="zh-CN" altLang="en-US" sz="900" b="1" kern="1200" dirty="0">
+                      <a:endParaRPr lang="zh-CN" altLang="en-US" sz="1100" b="1" kern="1200" dirty="0">
                         <a:solidFill>
                           <a:schemeClr val="dk1"/>
                         </a:solidFill>
@@ -16805,7 +16780,7 @@
                         <a:defRPr/>
                       </a:pPr>
                       <a:r>
-                        <a:rPr lang="en-US" altLang="zh-CN" sz="900" b="1" kern="1200" dirty="0" smtClean="0">
+                        <a:rPr lang="en-US" altLang="zh-CN" sz="1100" b="1" kern="1200" dirty="0" smtClean="0">
                           <a:solidFill>
                             <a:schemeClr val="dk1"/>
                           </a:solidFill>
@@ -16815,7 +16790,7 @@
                         </a:rPr>
                         <a:t>Coffee  Break</a:t>
                       </a:r>
-                      <a:endParaRPr lang="zh-CN" altLang="en-US" sz="900" b="1" kern="1200" dirty="0">
+                      <a:endParaRPr lang="zh-CN" altLang="en-US" sz="1100" b="1" kern="1200" dirty="0">
                         <a:solidFill>
                           <a:schemeClr val="dk1"/>
                         </a:solidFill>
@@ -16829,7 +16804,7 @@
                 </a:tc>
                 <a:extLst>
                   <a:ext uri="{0D108BD9-81ED-4DB2-BD59-A6C34878D82A}">
-                    <a16:rowId xmlns:a16="http://schemas.microsoft.com/office/drawing/2014/main" xmlns="" val="2030655908"/>
+                    <a16:rowId xmlns="" xmlns:a16="http://schemas.microsoft.com/office/drawing/2014/main" val="2030655908"/>
                   </a:ext>
                 </a:extLst>
               </a:tr>
@@ -16857,7 +16832,7 @@
                         <a:defRPr/>
                       </a:pPr>
                       <a:r>
-                        <a:rPr lang="en-US" altLang="zh-CN" sz="900" b="1" kern="1200" dirty="0" err="1" smtClean="0">
+                        <a:rPr lang="en-US" altLang="zh-CN" sz="1100" b="1" kern="1200" dirty="0" err="1" smtClean="0">
                           <a:solidFill>
                             <a:schemeClr val="dk1"/>
                           </a:solidFill>
@@ -16868,7 +16843,7 @@
                         <a:t>Kok</a:t>
                       </a:r>
                       <a:r>
-                        <a:rPr lang="en-US" altLang="zh-CN" sz="900" b="1" kern="1200" dirty="0" smtClean="0">
+                        <a:rPr lang="en-US" altLang="zh-CN" sz="1100" b="1" kern="1200" dirty="0" smtClean="0">
                           <a:solidFill>
                             <a:schemeClr val="dk1"/>
                           </a:solidFill>
@@ -16879,7 +16854,7 @@
                         <a:t> </a:t>
                       </a:r>
                       <a:r>
-                        <a:rPr lang="en-US" altLang="zh-CN" sz="900" b="1" kern="1200" dirty="0" err="1" smtClean="0">
+                        <a:rPr lang="en-US" altLang="zh-CN" sz="1100" b="1" kern="1200" dirty="0" err="1" smtClean="0">
                           <a:solidFill>
                             <a:schemeClr val="dk1"/>
                           </a:solidFill>
@@ -16890,7 +16865,7 @@
                         <a:t>Wai</a:t>
                       </a:r>
                       <a:r>
-                        <a:rPr lang="en-US" altLang="zh-CN" sz="900" b="1" kern="1200" dirty="0" smtClean="0">
+                        <a:rPr lang="en-US" altLang="zh-CN" sz="1100" b="1" kern="1200" dirty="0" smtClean="0">
                           <a:solidFill>
                             <a:schemeClr val="dk1"/>
                           </a:solidFill>
@@ -16901,7 +16876,7 @@
                         <a:t> </a:t>
                       </a:r>
                       <a:r>
-                        <a:rPr lang="en-US" altLang="zh-CN" sz="900" b="1" kern="1200" dirty="0" err="1" smtClean="0">
+                        <a:rPr lang="en-US" altLang="zh-CN" sz="1100" b="1" kern="1200" dirty="0" err="1" smtClean="0">
                           <a:solidFill>
                             <a:schemeClr val="dk1"/>
                           </a:solidFill>
@@ -16912,7 +16887,7 @@
                         <a:t>Cheah</a:t>
                       </a:r>
                       <a:r>
-                        <a:rPr lang="zh-CN" altLang="en-US" sz="900" b="1" kern="1200" dirty="0" smtClean="0">
+                        <a:rPr lang="zh-CN" altLang="en-US" sz="1100" b="1" kern="1200" dirty="0" smtClean="0">
                           <a:solidFill>
                             <a:schemeClr val="dk1"/>
                           </a:solidFill>
@@ -16922,7 +16897,7 @@
                         </a:rPr>
                         <a:t>（谢国伟）</a:t>
                       </a:r>
-                      <a:endParaRPr lang="zh-CN" altLang="zh-CN" sz="900" b="1" kern="1200" dirty="0">
+                      <a:endParaRPr lang="zh-CN" altLang="zh-CN" sz="1100" b="1" kern="1200" dirty="0">
                         <a:solidFill>
                           <a:schemeClr val="dk1"/>
                         </a:solidFill>
@@ -16957,7 +16932,7 @@
                         <a:defRPr/>
                       </a:pPr>
                       <a:r>
-                        <a:rPr lang="en-US" altLang="zh-CN" sz="900" b="1" kern="1200" dirty="0" smtClean="0">
+                        <a:rPr lang="en-US" altLang="zh-CN" sz="1100" b="1" kern="1200" dirty="0" smtClean="0">
                           <a:solidFill>
                             <a:schemeClr val="dk1"/>
                           </a:solidFill>
@@ -16967,7 +16942,7 @@
                         </a:rPr>
                         <a:t>10:45-11:10</a:t>
                       </a:r>
-                      <a:endParaRPr lang="zh-CN" altLang="en-US" sz="900" b="1" kern="1200" dirty="0">
+                      <a:endParaRPr lang="zh-CN" altLang="en-US" sz="1100" b="1" kern="1200" dirty="0">
                         <a:solidFill>
                           <a:schemeClr val="dk1"/>
                         </a:solidFill>
@@ -17002,7 +16977,7 @@
                         <a:defRPr/>
                       </a:pPr>
                       <a:r>
-                        <a:rPr lang="en-US" altLang="zh-CN" sz="900" b="1" kern="1200" dirty="0" err="1" smtClean="0">
+                        <a:rPr lang="en-US" altLang="zh-CN" sz="1100" b="1" kern="1200" dirty="0" err="1" smtClean="0">
                           <a:solidFill>
                             <a:schemeClr val="dk1"/>
                           </a:solidFill>
@@ -17013,7 +16988,7 @@
                         <a:t>Plasmonic</a:t>
                       </a:r>
                       <a:r>
-                        <a:rPr lang="en-US" altLang="zh-CN" sz="900" b="1" kern="1200" dirty="0" smtClean="0">
+                        <a:rPr lang="en-US" altLang="zh-CN" sz="1100" b="1" kern="1200" dirty="0" smtClean="0">
                           <a:solidFill>
                             <a:schemeClr val="dk1"/>
                           </a:solidFill>
@@ -17024,7 +16999,7 @@
                         <a:t> Coupling of </a:t>
                       </a:r>
                       <a:r>
-                        <a:rPr lang="en-US" altLang="zh-CN" sz="900" b="1" kern="1200" dirty="0" err="1" smtClean="0">
+                        <a:rPr lang="en-US" altLang="zh-CN" sz="1100" b="1" kern="1200" dirty="0" err="1" smtClean="0">
                           <a:solidFill>
                             <a:schemeClr val="dk1"/>
                           </a:solidFill>
@@ -17035,7 +17010,7 @@
                         <a:t>nano</a:t>
                       </a:r>
                       <a:r>
-                        <a:rPr lang="en-US" altLang="zh-CN" sz="900" b="1" kern="1200" dirty="0" smtClean="0">
+                        <a:rPr lang="en-US" altLang="zh-CN" sz="1100" b="1" kern="1200" dirty="0" smtClean="0">
                           <a:solidFill>
                             <a:schemeClr val="dk1"/>
                           </a:solidFill>
@@ -17045,7 +17020,7 @@
                         </a:rPr>
                         <a:t>-metals</a:t>
                       </a:r>
-                      <a:endParaRPr lang="zh-CN" altLang="en-US" sz="900" b="1" kern="1200" dirty="0">
+                      <a:endParaRPr lang="zh-CN" altLang="en-US" sz="1100" b="1" kern="1200" dirty="0">
                         <a:solidFill>
                           <a:schemeClr val="dk1"/>
                         </a:solidFill>
@@ -17059,7 +17034,7 @@
                 </a:tc>
                 <a:extLst>
                   <a:ext uri="{0D108BD9-81ED-4DB2-BD59-A6C34878D82A}">
-                    <a16:rowId xmlns:a16="http://schemas.microsoft.com/office/drawing/2014/main" xmlns="" val="409827977"/>
+                    <a16:rowId xmlns="" xmlns:a16="http://schemas.microsoft.com/office/drawing/2014/main" val="409827977"/>
                   </a:ext>
                 </a:extLst>
               </a:tr>
@@ -17087,7 +17062,7 @@
                         <a:defRPr/>
                       </a:pPr>
                       <a:r>
-                        <a:rPr lang="en-US" altLang="zh-CN" sz="900" b="1" kern="1200" dirty="0" smtClean="0">
+                        <a:rPr lang="en-US" altLang="zh-CN" sz="1100" b="1" kern="1200" dirty="0" smtClean="0">
                           <a:solidFill>
                             <a:schemeClr val="dk1"/>
                           </a:solidFill>
@@ -17098,7 +17073,7 @@
                         <a:t>Wing </a:t>
                       </a:r>
                       <a:r>
-                        <a:rPr lang="en-US" altLang="zh-CN" sz="900" b="1" kern="1200" dirty="0" err="1" smtClean="0">
+                        <a:rPr lang="en-US" altLang="zh-CN" sz="1100" b="1" kern="1200" dirty="0" err="1" smtClean="0">
                           <a:solidFill>
                             <a:schemeClr val="dk1"/>
                           </a:solidFill>
@@ -17109,7 +17084,7 @@
                         <a:t>Yim</a:t>
                       </a:r>
                       <a:r>
-                        <a:rPr lang="en-US" altLang="zh-CN" sz="900" b="1" kern="1200" dirty="0" smtClean="0">
+                        <a:rPr lang="en-US" altLang="zh-CN" sz="1100" b="1" kern="1200" dirty="0" smtClean="0">
                           <a:solidFill>
                             <a:schemeClr val="dk1"/>
                           </a:solidFill>
@@ -17120,7 +17095,7 @@
                         <a:t> Tam(</a:t>
                       </a:r>
                       <a:r>
-                        <a:rPr lang="zh-CN" altLang="en-US" sz="900" b="1" kern="1200" dirty="0" smtClean="0">
+                        <a:rPr lang="zh-CN" altLang="en-US" sz="1100" b="1" kern="1200" dirty="0" smtClean="0">
                           <a:solidFill>
                             <a:schemeClr val="dk1"/>
                           </a:solidFill>
@@ -17131,7 +17106,7 @@
                         <a:t>谭永炎</a:t>
                       </a:r>
                       <a:r>
-                        <a:rPr lang="en-US" altLang="zh-CN" sz="900" b="1" kern="1200" dirty="0" smtClean="0">
+                        <a:rPr lang="en-US" altLang="zh-CN" sz="1100" b="1" kern="1200" dirty="0" smtClean="0">
                           <a:solidFill>
                             <a:schemeClr val="dk1"/>
                           </a:solidFill>
@@ -17141,7 +17116,7 @@
                         </a:rPr>
                         <a:t>)</a:t>
                       </a:r>
-                      <a:endParaRPr lang="zh-CN" altLang="zh-CN" sz="900" b="1" kern="1200" dirty="0">
+                      <a:endParaRPr lang="zh-CN" altLang="zh-CN" sz="1100" b="1" kern="1200" dirty="0">
                         <a:solidFill>
                           <a:schemeClr val="dk1"/>
                         </a:solidFill>
@@ -17176,7 +17151,7 @@
                         <a:defRPr/>
                       </a:pPr>
                       <a:r>
-                        <a:rPr lang="en-US" altLang="zh-CN" sz="900" b="1" kern="1200" dirty="0" smtClean="0">
+                        <a:rPr lang="en-US" altLang="zh-CN" sz="1100" b="1" kern="1200" dirty="0" smtClean="0">
                           <a:solidFill>
                             <a:schemeClr val="dk1"/>
                           </a:solidFill>
@@ -17186,7 +17161,7 @@
                         </a:rPr>
                         <a:t>11:10-11:35</a:t>
                       </a:r>
-                      <a:endParaRPr lang="zh-CN" altLang="en-US" sz="900" b="1" kern="1200" dirty="0">
+                      <a:endParaRPr lang="zh-CN" altLang="en-US" sz="1100" b="1" kern="1200" dirty="0">
                         <a:solidFill>
                           <a:schemeClr val="dk1"/>
                         </a:solidFill>
@@ -17221,7 +17196,7 @@
                         <a:defRPr/>
                       </a:pPr>
                       <a:r>
-                        <a:rPr lang="en-US" altLang="zh-CN" sz="900" b="1" kern="1200" dirty="0" smtClean="0">
+                        <a:rPr lang="en-US" altLang="zh-CN" sz="1100" b="1" kern="1200" dirty="0" smtClean="0">
                           <a:solidFill>
                             <a:schemeClr val="dk1"/>
                           </a:solidFill>
@@ -17231,7 +17206,7 @@
                         </a:rPr>
                         <a:t>Zak phase of 1D photonic crystals</a:t>
                       </a:r>
-                      <a:endParaRPr lang="zh-CN" altLang="en-US" sz="900" b="1" kern="1200" dirty="0">
+                      <a:endParaRPr lang="zh-CN" altLang="en-US" sz="1100" b="1" kern="1200" dirty="0">
                         <a:solidFill>
                           <a:schemeClr val="dk1"/>
                         </a:solidFill>
@@ -17245,7 +17220,7 @@
                 </a:tc>
                 <a:extLst>
                   <a:ext uri="{0D108BD9-81ED-4DB2-BD59-A6C34878D82A}">
-                    <a16:rowId xmlns:a16="http://schemas.microsoft.com/office/drawing/2014/main" xmlns="" val="869534706"/>
+                    <a16:rowId xmlns="" xmlns:a16="http://schemas.microsoft.com/office/drawing/2014/main" val="869534706"/>
                   </a:ext>
                 </a:extLst>
               </a:tr>
@@ -17273,7 +17248,7 @@
                         <a:defRPr/>
                       </a:pPr>
                       <a:r>
-                        <a:rPr lang="en-US" altLang="zh-CN" sz="900" b="1" kern="1200" dirty="0" err="1" smtClean="0">
+                        <a:rPr lang="en-US" altLang="zh-CN" sz="1100" b="1" kern="1200" dirty="0" err="1" smtClean="0">
                           <a:solidFill>
                             <a:schemeClr val="dk1"/>
                           </a:solidFill>
@@ -17284,7 +17259,7 @@
                         <a:t>QingHai</a:t>
                       </a:r>
                       <a:r>
-                        <a:rPr lang="en-US" altLang="zh-CN" sz="900" b="1" kern="1200" dirty="0" smtClean="0">
+                        <a:rPr lang="en-US" altLang="zh-CN" sz="1100" b="1" kern="1200" dirty="0" smtClean="0">
                           <a:solidFill>
                             <a:schemeClr val="dk1"/>
                           </a:solidFill>
@@ -17295,7 +17270,7 @@
                         <a:t> Song(</a:t>
                       </a:r>
                       <a:r>
-                        <a:rPr lang="zh-CN" altLang="en-US" sz="900" b="1" kern="1200" dirty="0" smtClean="0">
+                        <a:rPr lang="zh-CN" altLang="en-US" sz="1100" b="1" kern="1200" dirty="0" smtClean="0">
                           <a:solidFill>
                             <a:schemeClr val="dk1"/>
                           </a:solidFill>
@@ -17306,7 +17281,7 @@
                         <a:t>宋清海</a:t>
                       </a:r>
                       <a:r>
-                        <a:rPr lang="en-US" altLang="zh-CN" sz="900" b="1" kern="1200" dirty="0" smtClean="0">
+                        <a:rPr lang="en-US" altLang="zh-CN" sz="1100" b="1" kern="1200" dirty="0" smtClean="0">
                           <a:solidFill>
                             <a:schemeClr val="dk1"/>
                           </a:solidFill>
@@ -17316,7 +17291,7 @@
                         </a:rPr>
                         <a:t>)</a:t>
                       </a:r>
-                      <a:endParaRPr lang="zh-CN" altLang="en-US" sz="900" b="1" kern="1200" dirty="0">
+                      <a:endParaRPr lang="zh-CN" altLang="en-US" sz="1100" b="1" kern="1200" dirty="0">
                         <a:solidFill>
                           <a:schemeClr val="dk1"/>
                         </a:solidFill>
@@ -17351,7 +17326,7 @@
                         <a:defRPr/>
                       </a:pPr>
                       <a:r>
-                        <a:rPr lang="en-US" altLang="zh-CN" sz="900" b="1" kern="1200" dirty="0" smtClean="0">
+                        <a:rPr lang="en-US" altLang="zh-CN" sz="1100" b="1" kern="1200" dirty="0" smtClean="0">
                           <a:solidFill>
                             <a:schemeClr val="dk1"/>
                           </a:solidFill>
@@ -17361,7 +17336,7 @@
                         </a:rPr>
                         <a:t>11:35-12:00</a:t>
                       </a:r>
-                      <a:endParaRPr lang="zh-CN" altLang="en-US" sz="900" b="1" kern="1200" dirty="0">
+                      <a:endParaRPr lang="zh-CN" altLang="en-US" sz="1100" b="1" kern="1200" dirty="0">
                         <a:solidFill>
                           <a:schemeClr val="dk1"/>
                         </a:solidFill>
@@ -17396,7 +17371,7 @@
                         <a:defRPr/>
                       </a:pPr>
                       <a:r>
-                        <a:rPr lang="en-US" altLang="zh-CN" sz="900" b="1" kern="1200" dirty="0" err="1" smtClean="0">
+                        <a:rPr lang="en-US" altLang="zh-CN" sz="1100" b="1" kern="1200" dirty="0" err="1" smtClean="0">
                           <a:solidFill>
                             <a:schemeClr val="dk1"/>
                           </a:solidFill>
@@ -17407,7 +17382,7 @@
                         <a:t>Microlaser</a:t>
                       </a:r>
                       <a:r>
-                        <a:rPr lang="en-US" altLang="zh-CN" sz="900" b="1" kern="1200" dirty="0" smtClean="0">
+                        <a:rPr lang="en-US" altLang="zh-CN" sz="1100" b="1" kern="1200" dirty="0" smtClean="0">
                           <a:solidFill>
                             <a:schemeClr val="dk1"/>
                           </a:solidFill>
@@ -17415,36 +17390,20 @@
                           <a:ea typeface="微软雅黑" panose="020B0503020204020204" pitchFamily="34" charset="-122"/>
                           <a:cs typeface="+mn-cs"/>
                         </a:rPr>
-                        <a:t> based highly-sensitive optical sensors</a:t>
-                      </a:r>
-                      <a:endParaRPr lang="zh-CN" altLang="en-US" sz="900" b="1" kern="1200" dirty="0" smtClean="0">
-                        <a:solidFill>
-                          <a:schemeClr val="dk1"/>
-                        </a:solidFill>
-                        <a:latin typeface="微软雅黑" panose="020B0503020204020204" pitchFamily="34" charset="-122"/>
-                        <a:ea typeface="微软雅黑" panose="020B0503020204020204" pitchFamily="34" charset="-122"/>
-                        <a:cs typeface="+mn-cs"/>
-                      </a:endParaRPr>
-                    </a:p>
-                    <a:p>
-                      <a:pPr marL="0" marR="0" lvl="0" indent="0" algn="ctr" defTabSz="685800" rtl="0" eaLnBrk="1" fontAlgn="auto" latinLnBrk="0" hangingPunct="1">
-                        <a:lnSpc>
-                          <a:spcPct val="100000"/>
-                        </a:lnSpc>
-                        <a:spcBef>
-                          <a:spcPts val="0"/>
-                        </a:spcBef>
-                        <a:spcAft>
-                          <a:spcPts val="0"/>
-                        </a:spcAft>
-                        <a:buClrTx/>
-                        <a:buSzTx/>
-                        <a:buFontTx/>
-                        <a:buNone/>
-                        <a:tabLst/>
-                        <a:defRPr/>
-                      </a:pPr>
-                      <a:endParaRPr lang="zh-CN" altLang="en-US" sz="900" b="1" kern="1200" dirty="0">
+                        <a:t> based highly-sensitive optical </a:t>
+                      </a:r>
+                      <a:r>
+                        <a:rPr lang="en-US" altLang="zh-CN" sz="1100" b="1" kern="1200" dirty="0" smtClean="0">
+                          <a:solidFill>
+                            <a:schemeClr val="dk1"/>
+                          </a:solidFill>
+                          <a:latin typeface="微软雅黑" panose="020B0503020204020204" pitchFamily="34" charset="-122"/>
+                          <a:ea typeface="微软雅黑" panose="020B0503020204020204" pitchFamily="34" charset="-122"/>
+                          <a:cs typeface="+mn-cs"/>
+                        </a:rPr>
+                        <a:t>sensors</a:t>
+                      </a:r>
+                      <a:endParaRPr lang="zh-CN" altLang="en-US" sz="1100" b="1" kern="1200" dirty="0">
                         <a:solidFill>
                           <a:schemeClr val="dk1"/>
                         </a:solidFill>
@@ -17458,7 +17417,7 @@
                 </a:tc>
                 <a:extLst>
                   <a:ext uri="{0D108BD9-81ED-4DB2-BD59-A6C34878D82A}">
-                    <a16:rowId xmlns:a16="http://schemas.microsoft.com/office/drawing/2014/main" xmlns="" val="376353898"/>
+                    <a16:rowId xmlns="" xmlns:a16="http://schemas.microsoft.com/office/drawing/2014/main" val="376353898"/>
                   </a:ext>
                 </a:extLst>
               </a:tr>
@@ -17486,7 +17445,7 @@
                         <a:defRPr/>
                       </a:pPr>
                       <a:r>
-                        <a:rPr lang="zh-CN" altLang="en-US" sz="900" b="1" kern="1200" dirty="0" smtClean="0">
+                        <a:rPr lang="zh-CN" altLang="en-US" sz="1100" b="1" kern="1200" dirty="0" smtClean="0">
                           <a:solidFill>
                             <a:schemeClr val="dk1"/>
                           </a:solidFill>
@@ -17496,7 +17455,7 @@
                         </a:rPr>
                         <a:t>午休</a:t>
                       </a:r>
-                      <a:endParaRPr lang="zh-CN" altLang="en-US" sz="900" b="1" kern="1200" dirty="0">
+                      <a:endParaRPr lang="zh-CN" altLang="en-US" sz="1100" b="1" kern="1200" dirty="0">
                         <a:solidFill>
                           <a:schemeClr val="dk1"/>
                         </a:solidFill>
@@ -17577,7 +17536,7 @@
                   <a:tcPr marL="110604" marR="110604" marT="28714" marB="28714" anchor="ctr"/>
                 </a:tc>
               </a:tr>
-              <a:tr h="606068">
+              <a:tr h="510680">
                 <a:tc>
                   <a:txBody>
                     <a:bodyPr/>
@@ -17601,7 +17560,7 @@
                         <a:defRPr/>
                       </a:pPr>
                       <a:r>
-                        <a:rPr lang="en-US" altLang="zh-CN" sz="900" b="1" kern="1200" dirty="0" smtClean="0">
+                        <a:rPr lang="en-US" altLang="zh-CN" sz="1100" b="1" kern="1200" dirty="0" smtClean="0">
                           <a:solidFill>
                             <a:schemeClr val="dk1"/>
                           </a:solidFill>
@@ -17612,7 +17571,7 @@
                         <a:t>Ting Lei</a:t>
                       </a:r>
                       <a:r>
-                        <a:rPr lang="zh-CN" altLang="en-US" sz="900" b="1" kern="1200" dirty="0" smtClean="0">
+                        <a:rPr lang="zh-CN" altLang="en-US" sz="1100" b="1" kern="1200" dirty="0" smtClean="0">
                           <a:solidFill>
                             <a:schemeClr val="dk1"/>
                           </a:solidFill>
@@ -17622,7 +17581,7 @@
                         </a:rPr>
                         <a:t>（雷霆）</a:t>
                       </a:r>
-                      <a:endParaRPr lang="zh-CN" altLang="en-US" sz="900" b="1" kern="1200" dirty="0">
+                      <a:endParaRPr lang="zh-CN" altLang="en-US" sz="1100" b="1" kern="1200" dirty="0">
                         <a:solidFill>
                           <a:schemeClr val="dk1"/>
                         </a:solidFill>
@@ -17657,7 +17616,7 @@
                         <a:defRPr/>
                       </a:pPr>
                       <a:r>
-                        <a:rPr lang="en-US" altLang="zh-CN" sz="900" b="1" kern="1200" dirty="0" smtClean="0">
+                        <a:rPr lang="en-US" altLang="zh-CN" sz="1100" b="1" kern="1200" dirty="0" smtClean="0">
                           <a:solidFill>
                             <a:schemeClr val="dk1"/>
                           </a:solidFill>
@@ -17667,7 +17626,7 @@
                         </a:rPr>
                         <a:t>14:30-14:55</a:t>
                       </a:r>
-                      <a:endParaRPr lang="zh-CN" altLang="en-US" sz="900" b="1" kern="1200" dirty="0">
+                      <a:endParaRPr lang="zh-CN" altLang="en-US" sz="1100" b="1" kern="1200" dirty="0">
                         <a:solidFill>
                           <a:schemeClr val="dk1"/>
                         </a:solidFill>
@@ -17702,7 +17661,7 @@
                         <a:defRPr/>
                       </a:pPr>
                       <a:r>
-                        <a:rPr lang="en-US" altLang="zh-CN" sz="900" b="1" kern="1200" dirty="0" smtClean="0">
+                        <a:rPr lang="en-US" altLang="zh-CN" sz="1100" b="1" kern="1200" dirty="0" smtClean="0">
                           <a:solidFill>
                             <a:schemeClr val="dk1"/>
                           </a:solidFill>
@@ -17710,36 +17669,20 @@
                           <a:ea typeface="微软雅黑" panose="020B0503020204020204" pitchFamily="34" charset="-122"/>
                           <a:cs typeface="+mn-cs"/>
                         </a:rPr>
-                        <a:t>Singular optical beam multiplexing communication towards high performance computing applications</a:t>
-                      </a:r>
-                      <a:endParaRPr lang="zh-CN" altLang="en-US" sz="900" b="1" kern="1200" dirty="0" smtClean="0">
-                        <a:solidFill>
-                          <a:schemeClr val="dk1"/>
-                        </a:solidFill>
-                        <a:latin typeface="微软雅黑" panose="020B0503020204020204" pitchFamily="34" charset="-122"/>
-                        <a:ea typeface="微软雅黑" panose="020B0503020204020204" pitchFamily="34" charset="-122"/>
-                        <a:cs typeface="+mn-cs"/>
-                      </a:endParaRPr>
-                    </a:p>
-                    <a:p>
-                      <a:pPr marL="0" marR="0" lvl="0" indent="0" algn="ctr" defTabSz="685800" rtl="0" eaLnBrk="1" fontAlgn="auto" latinLnBrk="0" hangingPunct="1">
-                        <a:lnSpc>
-                          <a:spcPct val="100000"/>
-                        </a:lnSpc>
-                        <a:spcBef>
-                          <a:spcPts val="0"/>
-                        </a:spcBef>
-                        <a:spcAft>
-                          <a:spcPts val="0"/>
-                        </a:spcAft>
-                        <a:buClrTx/>
-                        <a:buSzTx/>
-                        <a:buFontTx/>
-                        <a:buNone/>
-                        <a:tabLst/>
-                        <a:defRPr/>
-                      </a:pPr>
-                      <a:endParaRPr lang="zh-CN" altLang="en-US" sz="900" b="1" kern="1200" dirty="0">
+                        <a:t>Singular optical beam multiplexing communication towards high performance computing </a:t>
+                      </a:r>
+                      <a:r>
+                        <a:rPr lang="en-US" altLang="zh-CN" sz="1100" b="1" kern="1200" dirty="0" smtClean="0">
+                          <a:solidFill>
+                            <a:schemeClr val="dk1"/>
+                          </a:solidFill>
+                          <a:latin typeface="微软雅黑" panose="020B0503020204020204" pitchFamily="34" charset="-122"/>
+                          <a:ea typeface="微软雅黑" panose="020B0503020204020204" pitchFamily="34" charset="-122"/>
+                          <a:cs typeface="+mn-cs"/>
+                        </a:rPr>
+                        <a:t>applications</a:t>
+                      </a:r>
+                      <a:endParaRPr lang="zh-CN" altLang="en-US" sz="1100" b="1" kern="1200" dirty="0">
                         <a:solidFill>
                           <a:schemeClr val="dk1"/>
                         </a:solidFill>
@@ -17753,7 +17696,7 @@
                 </a:tc>
                 <a:extLst>
                   <a:ext uri="{0D108BD9-81ED-4DB2-BD59-A6C34878D82A}">
-                    <a16:rowId xmlns:a16="http://schemas.microsoft.com/office/drawing/2014/main" xmlns="" val="3084526821"/>
+                    <a16:rowId xmlns="" xmlns:a16="http://schemas.microsoft.com/office/drawing/2014/main" val="3084526821"/>
                   </a:ext>
                 </a:extLst>
               </a:tr>
@@ -17781,7 +17724,7 @@
                         <a:defRPr/>
                       </a:pPr>
                       <a:r>
-                        <a:rPr lang="en-US" altLang="zh-CN" sz="900" b="1" kern="1200" dirty="0" err="1" smtClean="0">
+                        <a:rPr lang="en-US" altLang="zh-CN" sz="1100" b="1" kern="1200" dirty="0" err="1" smtClean="0">
                           <a:solidFill>
                             <a:schemeClr val="dk1"/>
                           </a:solidFill>
@@ -17792,7 +17735,7 @@
                         <a:t>JianWen</a:t>
                       </a:r>
                       <a:r>
-                        <a:rPr lang="en-US" altLang="zh-CN" sz="900" b="1" kern="1200" dirty="0" smtClean="0">
+                        <a:rPr lang="en-US" altLang="zh-CN" sz="1100" b="1" kern="1200" dirty="0" smtClean="0">
                           <a:solidFill>
                             <a:schemeClr val="dk1"/>
                           </a:solidFill>
@@ -17803,7 +17746,7 @@
                         <a:t> Dong(</a:t>
                       </a:r>
                       <a:r>
-                        <a:rPr lang="zh-CN" altLang="en-US" sz="900" b="1" kern="1200" dirty="0" smtClean="0">
+                        <a:rPr lang="zh-CN" altLang="en-US" sz="1100" b="1" kern="1200" dirty="0" smtClean="0">
                           <a:solidFill>
                             <a:schemeClr val="dk1"/>
                           </a:solidFill>
@@ -17814,7 +17757,7 @@
                         <a:t>董建文</a:t>
                       </a:r>
                       <a:r>
-                        <a:rPr lang="en-US" altLang="zh-CN" sz="900" b="1" kern="1200" dirty="0" smtClean="0">
+                        <a:rPr lang="en-US" altLang="zh-CN" sz="1100" b="1" kern="1200" dirty="0" smtClean="0">
                           <a:solidFill>
                             <a:schemeClr val="dk1"/>
                           </a:solidFill>
@@ -17824,7 +17767,7 @@
                         </a:rPr>
                         <a:t>)</a:t>
                       </a:r>
-                      <a:endParaRPr lang="zh-CN" altLang="zh-CN" sz="900" b="1" kern="1200" dirty="0">
+                      <a:endParaRPr lang="zh-CN" altLang="zh-CN" sz="1100" b="1" kern="1200" dirty="0">
                         <a:solidFill>
                           <a:schemeClr val="dk1"/>
                         </a:solidFill>
@@ -17859,7 +17802,7 @@
                         <a:defRPr/>
                       </a:pPr>
                       <a:r>
-                        <a:rPr lang="en-US" altLang="zh-CN" sz="900" b="1" kern="1200" dirty="0" smtClean="0">
+                        <a:rPr lang="en-US" altLang="zh-CN" sz="1100" b="1" kern="1200" dirty="0" smtClean="0">
                           <a:solidFill>
                             <a:schemeClr val="dk1"/>
                           </a:solidFill>
@@ -17869,7 +17812,7 @@
                         </a:rPr>
                         <a:t>14:55-15:20</a:t>
                       </a:r>
-                      <a:endParaRPr lang="zh-CN" altLang="en-US" sz="900" b="1" kern="1200" dirty="0">
+                      <a:endParaRPr lang="zh-CN" altLang="en-US" sz="1100" b="1" kern="1200" dirty="0">
                         <a:solidFill>
                           <a:schemeClr val="dk1"/>
                         </a:solidFill>
@@ -17904,7 +17847,7 @@
                         <a:defRPr/>
                       </a:pPr>
                       <a:r>
-                        <a:rPr lang="zh-CN" altLang="en-US" sz="900" b="1" kern="1200" dirty="0" smtClean="0">
+                        <a:rPr lang="zh-CN" altLang="en-US" sz="1100" b="1" kern="1200" dirty="0" smtClean="0">
                           <a:solidFill>
                             <a:schemeClr val="dk1"/>
                           </a:solidFill>
@@ -17914,7 +17857,7 @@
                         </a:rPr>
                         <a:t>全介质能谷光子晶体：拓扑纳米光子学新途径</a:t>
                       </a:r>
-                      <a:endParaRPr lang="zh-CN" altLang="en-US" sz="900" b="1" kern="1200" dirty="0">
+                      <a:endParaRPr lang="zh-CN" altLang="en-US" sz="1100" b="1" kern="1200" dirty="0">
                         <a:solidFill>
                           <a:schemeClr val="dk1"/>
                         </a:solidFill>
@@ -17928,7 +17871,7 @@
                 </a:tc>
                 <a:extLst>
                   <a:ext uri="{0D108BD9-81ED-4DB2-BD59-A6C34878D82A}">
-                    <a16:rowId xmlns:a16="http://schemas.microsoft.com/office/drawing/2014/main" xmlns="" val="3303074763"/>
+                    <a16:rowId xmlns="" xmlns:a16="http://schemas.microsoft.com/office/drawing/2014/main" val="3303074763"/>
                   </a:ext>
                 </a:extLst>
               </a:tr>
@@ -17956,7 +17899,7 @@
                         <a:defRPr/>
                       </a:pPr>
                       <a:r>
-                        <a:rPr lang="en-US" altLang="zh-CN" sz="900" b="1" kern="1200" dirty="0" err="1" smtClean="0">
+                        <a:rPr lang="en-US" altLang="zh-CN" sz="1100" b="1" kern="1200" dirty="0" err="1" smtClean="0">
                           <a:solidFill>
                             <a:schemeClr val="dk1"/>
                           </a:solidFill>
@@ -17967,7 +17910,7 @@
                         <a:t>LuPing</a:t>
                       </a:r>
                       <a:r>
-                        <a:rPr lang="en-US" altLang="zh-CN" sz="900" b="1" kern="1200" dirty="0" smtClean="0">
+                        <a:rPr lang="en-US" altLang="zh-CN" sz="1100" b="1" kern="1200" dirty="0" smtClean="0">
                           <a:solidFill>
                             <a:schemeClr val="dk1"/>
                           </a:solidFill>
@@ -17978,7 +17921,7 @@
                         <a:t> Du(</a:t>
                       </a:r>
                       <a:r>
-                        <a:rPr lang="zh-CN" altLang="en-US" sz="900" b="1" kern="1200" dirty="0" smtClean="0">
+                        <a:rPr lang="zh-CN" altLang="en-US" sz="1100" b="1" kern="1200" dirty="0" smtClean="0">
                           <a:solidFill>
                             <a:schemeClr val="dk1"/>
                           </a:solidFill>
@@ -17989,7 +17932,7 @@
                         <a:t>杜路平</a:t>
                       </a:r>
                       <a:r>
-                        <a:rPr lang="en-US" altLang="zh-CN" sz="900" b="1" kern="1200" dirty="0" smtClean="0">
+                        <a:rPr lang="en-US" altLang="zh-CN" sz="1100" b="1" kern="1200" dirty="0" smtClean="0">
                           <a:solidFill>
                             <a:schemeClr val="dk1"/>
                           </a:solidFill>
@@ -17999,7 +17942,7 @@
                         </a:rPr>
                         <a:t>)</a:t>
                       </a:r>
-                      <a:endParaRPr lang="zh-CN" altLang="zh-CN" sz="900" b="1" kern="1200" dirty="0">
+                      <a:endParaRPr lang="zh-CN" altLang="zh-CN" sz="1100" b="1" kern="1200" dirty="0">
                         <a:solidFill>
                           <a:schemeClr val="dk1"/>
                         </a:solidFill>
@@ -18034,7 +17977,7 @@
                         <a:defRPr/>
                       </a:pPr>
                       <a:r>
-                        <a:rPr lang="en-US" altLang="zh-CN" sz="900" b="1" kern="1200" dirty="0" smtClean="0">
+                        <a:rPr lang="en-US" altLang="zh-CN" sz="1100" b="1" kern="1200" dirty="0" smtClean="0">
                           <a:solidFill>
                             <a:schemeClr val="dk1"/>
                           </a:solidFill>
@@ -18044,7 +17987,7 @@
                         </a:rPr>
                         <a:t>15:20-15:45</a:t>
                       </a:r>
-                      <a:endParaRPr lang="zh-CN" altLang="en-US" sz="900" b="1" kern="1200" dirty="0">
+                      <a:endParaRPr lang="zh-CN" altLang="en-US" sz="1100" b="1" kern="1200" dirty="0">
                         <a:solidFill>
                           <a:schemeClr val="dk1"/>
                         </a:solidFill>
@@ -18079,7 +18022,7 @@
                         <a:defRPr/>
                       </a:pPr>
                       <a:r>
-                        <a:rPr lang="en-US" altLang="en-US" sz="900" b="1" kern="1200" dirty="0" err="1" smtClean="0">
+                        <a:rPr lang="en-US" altLang="en-US" sz="1100" b="1" kern="1200" dirty="0" smtClean="0">
                           <a:solidFill>
                             <a:schemeClr val="dk1"/>
                           </a:solidFill>
@@ -18087,21 +18030,10 @@
                           <a:ea typeface="微软雅黑" panose="020B0503020204020204" pitchFamily="34" charset="-122"/>
                           <a:cs typeface="+mn-cs"/>
                         </a:rPr>
-                        <a:t>Metasurface</a:t>
-                      </a:r>
-                      <a:r>
-                        <a:rPr lang="en-US" altLang="en-US" sz="900" b="1" kern="1200" dirty="0" smtClean="0">
-                          <a:solidFill>
-                            <a:schemeClr val="dk1"/>
-                          </a:solidFill>
-                          <a:latin typeface="微软雅黑" panose="020B0503020204020204" pitchFamily="34" charset="-122"/>
-                          <a:ea typeface="微软雅黑" panose="020B0503020204020204" pitchFamily="34" charset="-122"/>
-                          <a:cs typeface="+mn-cs"/>
-                        </a:rPr>
-                        <a:t>-assisted </a:t>
-                      </a:r>
-                      <a:r>
-                        <a:rPr lang="en-US" altLang="en-US" sz="900" b="1" kern="1200" dirty="0" err="1" smtClean="0">
+                        <a:t>Metasurface-assisted </a:t>
+                      </a:r>
+                      <a:r>
+                        <a:rPr lang="en-US" altLang="en-US" sz="1100" b="1" kern="1200" dirty="0" err="1" smtClean="0">
                           <a:solidFill>
                             <a:schemeClr val="dk1"/>
                           </a:solidFill>
@@ -18112,7 +18044,7 @@
                         <a:t>plasmonic</a:t>
                       </a:r>
                       <a:r>
-                        <a:rPr lang="en-US" altLang="en-US" sz="900" b="1" kern="1200" dirty="0" smtClean="0">
+                        <a:rPr lang="en-US" altLang="en-US" sz="1100" b="1" kern="1200" dirty="0" smtClean="0">
                           <a:solidFill>
                             <a:schemeClr val="dk1"/>
                           </a:solidFill>
@@ -18120,10 +18052,10 @@
                           <a:ea typeface="微软雅黑" panose="020B0503020204020204" pitchFamily="34" charset="-122"/>
                           <a:cs typeface="+mn-cs"/>
                         </a:rPr>
-                        <a:t> </a:t>
-                      </a:r>
-                      <a:r>
-                        <a:rPr lang="en-US" altLang="en-US" sz="900" b="1" kern="1200" dirty="0" err="1" smtClean="0">
+                        <a:t> wavefront modulation with incident </a:t>
+                      </a:r>
+                      <a:r>
+                        <a:rPr lang="en-US" altLang="en-US" sz="1100" b="1" kern="1200" dirty="0" smtClean="0">
                           <a:solidFill>
                             <a:schemeClr val="dk1"/>
                           </a:solidFill>
@@ -18131,47 +18063,9 @@
                           <a:ea typeface="微软雅黑" panose="020B0503020204020204" pitchFamily="34" charset="-122"/>
                           <a:cs typeface="+mn-cs"/>
                         </a:rPr>
-                        <a:t>wavefront</a:t>
-                      </a:r>
-                      <a:r>
-                        <a:rPr lang="en-US" altLang="en-US" sz="900" b="1" kern="1200" dirty="0" smtClean="0">
-                          <a:solidFill>
-                            <a:schemeClr val="dk1"/>
-                          </a:solidFill>
-                          <a:latin typeface="微软雅黑" panose="020B0503020204020204" pitchFamily="34" charset="-122"/>
-                          <a:ea typeface="微软雅黑" panose="020B0503020204020204" pitchFamily="34" charset="-122"/>
-                          <a:cs typeface="+mn-cs"/>
-                        </a:rPr>
-                        <a:t> modulation with incident polarization</a:t>
-                      </a:r>
-                      <a:endParaRPr lang="zh-CN" altLang="en-US" sz="900" b="1" kern="1200" dirty="0" smtClean="0">
-                        <a:solidFill>
-                          <a:schemeClr val="dk1"/>
-                        </a:solidFill>
-                        <a:latin typeface="微软雅黑" panose="020B0503020204020204" pitchFamily="34" charset="-122"/>
-                        <a:ea typeface="微软雅黑" panose="020B0503020204020204" pitchFamily="34" charset="-122"/>
-                        <a:cs typeface="+mn-cs"/>
-                      </a:endParaRPr>
-                    </a:p>
-                    <a:p>
-                      <a:pPr marL="0" marR="0" lvl="0" indent="0" algn="ctr" defTabSz="685800" rtl="0" eaLnBrk="1" fontAlgn="auto" latinLnBrk="0" hangingPunct="1">
-                        <a:lnSpc>
-                          <a:spcPct val="100000"/>
-                        </a:lnSpc>
-                        <a:spcBef>
-                          <a:spcPts val="0"/>
-                        </a:spcBef>
-                        <a:spcAft>
-                          <a:spcPts val="0"/>
-                        </a:spcAft>
-                        <a:buClrTx/>
-                        <a:buSzTx/>
-                        <a:buFontTx/>
-                        <a:buNone/>
-                        <a:tabLst/>
-                        <a:defRPr/>
-                      </a:pPr>
-                      <a:endParaRPr lang="zh-CN" altLang="en-US" sz="900" b="1" kern="1200" dirty="0">
+                        <a:t>polarization</a:t>
+                      </a:r>
+                      <a:endParaRPr lang="zh-CN" altLang="en-US" sz="1100" b="1" kern="1200" dirty="0">
                         <a:solidFill>
                           <a:schemeClr val="dk1"/>
                         </a:solidFill>
@@ -18185,7 +18079,7 @@
                 </a:tc>
                 <a:extLst>
                   <a:ext uri="{0D108BD9-81ED-4DB2-BD59-A6C34878D82A}">
-                    <a16:rowId xmlns:a16="http://schemas.microsoft.com/office/drawing/2014/main" xmlns="" val="3971897777"/>
+                    <a16:rowId xmlns="" xmlns:a16="http://schemas.microsoft.com/office/drawing/2014/main" val="3971897777"/>
                   </a:ext>
                 </a:extLst>
               </a:tr>
@@ -18198,7 +18092,7 @@
           <p:cNvPr id="13" name="文本框 12">
             <a:extLst>
               <a:ext uri="{FF2B5EF4-FFF2-40B4-BE49-F238E27FC236}">
-                <a16:creationId xmlns:a16="http://schemas.microsoft.com/office/drawing/2014/main" xmlns="" id="{740F5E40-DCD1-41FA-94E2-CA9CA7EC8E7F}"/>
+                <a16:creationId xmlns="" xmlns:a16="http://schemas.microsoft.com/office/drawing/2014/main" id="{740F5E40-DCD1-41FA-94E2-CA9CA7EC8E7F}"/>
               </a:ext>
             </a:extLst>
           </p:cNvPr>
@@ -18280,7 +18174,7 @@
           <p:cNvPr id="14" name="文本框 13">
             <a:extLst>
               <a:ext uri="{FF2B5EF4-FFF2-40B4-BE49-F238E27FC236}">
-                <a16:creationId xmlns:a16="http://schemas.microsoft.com/office/drawing/2014/main" xmlns="" id="{66ED3A95-7245-4310-8354-479C4A30391B}"/>
+                <a16:creationId xmlns="" xmlns:a16="http://schemas.microsoft.com/office/drawing/2014/main" id="{66ED3A95-7245-4310-8354-479C4A30391B}"/>
               </a:ext>
             </a:extLst>
           </p:cNvPr>
@@ -18289,8 +18183,8 @@
         </p:nvSpPr>
         <p:spPr>
           <a:xfrm>
-            <a:off x="1071538" y="714356"/>
-            <a:ext cx="6670780" cy="1166025"/>
+            <a:off x="357158" y="980728"/>
+            <a:ext cx="8471928" cy="796693"/>
           </a:xfrm>
           <a:prstGeom prst="rect">
             <a:avLst/>
@@ -18305,13 +18199,6 @@
           <a:p>
             <a:pPr algn="ctr"/>
             <a:r>
-              <a:rPr lang="en-US" altLang="zh-CN" sz="2177" b="1" dirty="0">
-                <a:latin typeface="微软雅黑" panose="020B0503020204020204" pitchFamily="34" charset="-122"/>
-                <a:ea typeface="微软雅黑" panose="020B0503020204020204" pitchFamily="34" charset="-122"/>
-              </a:rPr>
-              <a:t>Conference Program in </a:t>
-            </a:r>
-            <a:r>
               <a:rPr lang="en-US" altLang="zh-CN" sz="2400" b="1" dirty="0" smtClean="0">
                 <a:latin typeface="+mj-ea"/>
               </a:rPr>
@@ -18321,14 +18208,8 @@
               <a:rPr lang="en-US" altLang="zh-CN" sz="2400" b="1" baseline="30000" dirty="0" smtClean="0">
                 <a:latin typeface="+mj-ea"/>
               </a:rPr>
-              <a:t>nd</a:t>
+              <a:t>nd  </a:t>
             </a:r>
-            <a:endParaRPr lang="en-US" altLang="zh-CN" sz="2400" b="1" baseline="30000" dirty="0">
-              <a:latin typeface="+mj-ea"/>
-            </a:endParaRPr>
-          </a:p>
-          <a:p>
-            <a:pPr algn="ctr"/>
             <a:r>
               <a:rPr lang="en-US" altLang="zh-CN" sz="2400" b="1" dirty="0" smtClean="0">
                 <a:latin typeface="+mj-ea"/>
@@ -18357,7 +18238,7 @@
     </p:spTree>
     <p:extLst>
       <p:ext uri="{BB962C8B-B14F-4D97-AF65-F5344CB8AC3E}">
-        <p14:creationId xmlns:p14="http://schemas.microsoft.com/office/powerpoint/2010/main" xmlns="" val="934251523"/>
+        <p14:creationId xmlns:p14="http://schemas.microsoft.com/office/powerpoint/2010/main" val="934251523"/>
       </p:ext>
     </p:extLst>
   </p:cSld>
@@ -18396,7 +18277,7 @@
           <p:cNvPr id="12" name="矩形 11">
             <a:extLst>
               <a:ext uri="{FF2B5EF4-FFF2-40B4-BE49-F238E27FC236}">
-                <a16:creationId xmlns:a16="http://schemas.microsoft.com/office/drawing/2014/main" xmlns="" id="{42B28CF3-1023-471A-85FC-9F9F3ADC12F8}"/>
+                <a16:creationId xmlns="" xmlns:a16="http://schemas.microsoft.com/office/drawing/2014/main" id="{42B28CF3-1023-471A-85FC-9F9F3ADC12F8}"/>
               </a:ext>
             </a:extLst>
           </p:cNvPr>
@@ -18462,7 +18343,7 @@
           <p:cNvPr id="8" name="表格 7">
             <a:extLst>
               <a:ext uri="{FF2B5EF4-FFF2-40B4-BE49-F238E27FC236}">
-                <a16:creationId xmlns:a16="http://schemas.microsoft.com/office/drawing/2014/main" xmlns="" id="{DF1018AF-4BB1-46F7-91DD-90F84352DBBF}"/>
+                <a16:creationId xmlns="" xmlns:a16="http://schemas.microsoft.com/office/drawing/2014/main" id="{DF1018AF-4BB1-46F7-91DD-90F84352DBBF}"/>
               </a:ext>
             </a:extLst>
           </p:cNvPr>
@@ -18472,14 +18353,14 @@
           <p:nvPr>
             <p:extLst>
               <p:ext uri="{D42A27DB-BD31-4B8C-83A1-F6EECF244321}">
-                <p14:modId xmlns:p14="http://schemas.microsoft.com/office/powerpoint/2010/main" xmlns="" val="1147174992"/>
+                <p14:modId xmlns:p14="http://schemas.microsoft.com/office/powerpoint/2010/main" val="2321234258"/>
               </p:ext>
             </p:extLst>
           </p:nvPr>
         </p:nvGraphicFramePr>
         <p:xfrm>
           <a:off x="412124" y="1559170"/>
-          <a:ext cx="8471928" cy="2476058"/>
+          <a:ext cx="8471928" cy="2285602"/>
         </p:xfrm>
         <a:graphic>
           <a:graphicData uri="http://schemas.openxmlformats.org/drawingml/2006/table">
@@ -18491,21 +18372,21 @@
                 <a:gridCol w="2180823">
                   <a:extLst>
                     <a:ext uri="{9D8B030D-6E8A-4147-A177-3AD203B41FA5}">
-                      <a16:colId xmlns:a16="http://schemas.microsoft.com/office/drawing/2014/main" xmlns="" val="271949209"/>
+                      <a16:colId xmlns="" xmlns:a16="http://schemas.microsoft.com/office/drawing/2014/main" val="271949209"/>
                     </a:ext>
                   </a:extLst>
                 </a:gridCol>
                 <a:gridCol w="1940417">
                   <a:extLst>
                     <a:ext uri="{9D8B030D-6E8A-4147-A177-3AD203B41FA5}">
-                      <a16:colId xmlns:a16="http://schemas.microsoft.com/office/drawing/2014/main" xmlns="" val="483794282"/>
+                      <a16:colId xmlns="" xmlns:a16="http://schemas.microsoft.com/office/drawing/2014/main" val="483794282"/>
                     </a:ext>
                   </a:extLst>
                 </a:gridCol>
                 <a:gridCol w="4350688">
                   <a:extLst>
                     <a:ext uri="{9D8B030D-6E8A-4147-A177-3AD203B41FA5}">
-                      <a16:colId xmlns:a16="http://schemas.microsoft.com/office/drawing/2014/main" xmlns="" val="3157286281"/>
+                      <a16:colId xmlns="" xmlns:a16="http://schemas.microsoft.com/office/drawing/2014/main" val="3157286281"/>
                     </a:ext>
                   </a:extLst>
                 </a:gridCol>
@@ -18518,10 +18399,10 @@
                     <a:p>
                       <a:pPr algn="ctr"/>
                       <a:r>
-                        <a:rPr lang="en-US" altLang="zh-CN" sz="1200" dirty="0"/>
+                        <a:rPr lang="en-US" altLang="zh-CN" sz="1800" dirty="0"/>
                         <a:t>Speaker</a:t>
                       </a:r>
-                      <a:endParaRPr lang="zh-CN" altLang="en-US" sz="1200" dirty="0"/>
+                      <a:endParaRPr lang="zh-CN" altLang="en-US" sz="1800" dirty="0"/>
                     </a:p>
                   </a:txBody>
                   <a:tcPr marL="110604" marR="110604" marT="28714" marB="28714" anchor="ctr"/>
@@ -18533,10 +18414,10 @@
                     <a:p>
                       <a:pPr algn="ctr"/>
                       <a:r>
-                        <a:rPr lang="en-US" altLang="zh-CN" sz="1200" dirty="0"/>
+                        <a:rPr lang="en-US" altLang="zh-CN" sz="1800" dirty="0"/>
                         <a:t>Time</a:t>
                       </a:r>
-                      <a:endParaRPr lang="zh-CN" altLang="en-US" sz="1200" dirty="0"/>
+                      <a:endParaRPr lang="zh-CN" altLang="en-US" sz="1800" dirty="0"/>
                     </a:p>
                   </a:txBody>
                   <a:tcPr marL="110604" marR="110604" marT="28714" marB="28714" anchor="ctr"/>
@@ -18548,17 +18429,17 @@
                     <a:p>
                       <a:pPr algn="ctr"/>
                       <a:r>
-                        <a:rPr lang="en-US" altLang="zh-CN" sz="1200" dirty="0"/>
+                        <a:rPr lang="en-US" altLang="zh-CN" sz="1800" dirty="0"/>
                         <a:t>Topic</a:t>
                       </a:r>
-                      <a:endParaRPr lang="zh-CN" altLang="en-US" sz="1200" dirty="0"/>
+                      <a:endParaRPr lang="zh-CN" altLang="en-US" sz="1800" dirty="0"/>
                     </a:p>
                   </a:txBody>
                   <a:tcPr marL="110604" marR="110604" marT="28714" marB="28714" anchor="ctr"/>
                 </a:tc>
                 <a:extLst>
                   <a:ext uri="{0D108BD9-81ED-4DB2-BD59-A6C34878D82A}">
-                    <a16:rowId xmlns:a16="http://schemas.microsoft.com/office/drawing/2014/main" xmlns="" val="10357417"/>
+                    <a16:rowId xmlns="" xmlns:a16="http://schemas.microsoft.com/office/drawing/2014/main" val="10357417"/>
                   </a:ext>
                 </a:extLst>
               </a:tr>
@@ -18585,7 +18466,7 @@
                         <a:tabLst/>
                         <a:defRPr/>
                       </a:pPr>
-                      <a:endParaRPr lang="zh-CN" altLang="en-US" sz="900" b="1" kern="1200" dirty="0">
+                      <a:endParaRPr lang="zh-CN" altLang="en-US" sz="1100" b="1" kern="1200" dirty="0">
                         <a:solidFill>
                           <a:schemeClr val="dk1"/>
                         </a:solidFill>
@@ -18620,7 +18501,7 @@
                         <a:defRPr/>
                       </a:pPr>
                       <a:r>
-                        <a:rPr lang="en-US" altLang="zh-CN" sz="900" b="1" kern="1200" dirty="0" smtClean="0">
+                        <a:rPr lang="en-US" altLang="zh-CN" sz="1100" b="1" kern="1200" dirty="0" smtClean="0">
                           <a:solidFill>
                             <a:schemeClr val="dk1"/>
                           </a:solidFill>
@@ -18630,7 +18511,7 @@
                         </a:rPr>
                         <a:t>15:45-16:10</a:t>
                       </a:r>
-                      <a:endParaRPr lang="zh-CN" altLang="en-US" sz="900" b="1" kern="1200" dirty="0">
+                      <a:endParaRPr lang="zh-CN" altLang="en-US" sz="1100" b="1" kern="1200" dirty="0">
                         <a:solidFill>
                           <a:schemeClr val="dk1"/>
                         </a:solidFill>
@@ -18665,7 +18546,7 @@
                         <a:defRPr/>
                       </a:pPr>
                       <a:r>
-                        <a:rPr lang="en-US" altLang="zh-CN" sz="900" b="1" kern="1200" dirty="0" smtClean="0">
+                        <a:rPr lang="en-US" altLang="zh-CN" sz="1100" b="1" kern="1200" dirty="0" smtClean="0">
                           <a:solidFill>
                             <a:schemeClr val="dk1"/>
                           </a:solidFill>
@@ -18675,7 +18556,7 @@
                         </a:rPr>
                         <a:t>Coffee  Break</a:t>
                       </a:r>
-                      <a:endParaRPr lang="zh-CN" altLang="en-US" sz="900" b="1" kern="1200" dirty="0">
+                      <a:endParaRPr lang="zh-CN" altLang="en-US" sz="1100" b="1" kern="1200" dirty="0">
                         <a:solidFill>
                           <a:schemeClr val="dk1"/>
                         </a:solidFill>
@@ -18696,7 +18577,7 @@
                     <a:p>
                       <a:pPr marL="0" algn="ctr" defTabSz="685800" rtl="0" eaLnBrk="1" latinLnBrk="0" hangingPunct="1"/>
                       <a:r>
-                        <a:rPr lang="en-US" altLang="zh-CN" sz="900" b="1" kern="1200" dirty="0" err="1" smtClean="0">
+                        <a:rPr lang="en-US" altLang="zh-CN" sz="1100" b="1" kern="1200" dirty="0" err="1" smtClean="0">
                           <a:solidFill>
                             <a:schemeClr val="dk1"/>
                           </a:solidFill>
@@ -18707,7 +18588,7 @@
                         <a:t>ShuMin</a:t>
                       </a:r>
                       <a:r>
-                        <a:rPr lang="en-US" altLang="zh-CN" sz="900" b="1" kern="1200" baseline="0" dirty="0" smtClean="0">
+                        <a:rPr lang="en-US" altLang="zh-CN" sz="1100" b="1" kern="1200" baseline="0" dirty="0" smtClean="0">
                           <a:solidFill>
                             <a:schemeClr val="dk1"/>
                           </a:solidFill>
@@ -18718,7 +18599,7 @@
                         <a:t> </a:t>
                       </a:r>
                       <a:r>
-                        <a:rPr lang="en-US" altLang="zh-CN" sz="900" b="1" kern="1200" dirty="0" smtClean="0">
+                        <a:rPr lang="en-US" altLang="zh-CN" sz="1100" b="1" kern="1200" dirty="0" smtClean="0">
                           <a:solidFill>
                             <a:schemeClr val="dk1"/>
                           </a:solidFill>
@@ -18729,7 +18610,7 @@
                         <a:t>Xiao(</a:t>
                       </a:r>
                       <a:r>
-                        <a:rPr lang="zh-CN" altLang="en-US" sz="900" b="1" kern="1200" dirty="0" smtClean="0">
+                        <a:rPr lang="zh-CN" altLang="en-US" sz="1100" b="1" kern="1200" dirty="0" smtClean="0">
                           <a:solidFill>
                             <a:schemeClr val="dk1"/>
                           </a:solidFill>
@@ -18740,7 +18621,7 @@
                         <a:t>肖淑敏</a:t>
                       </a:r>
                       <a:r>
-                        <a:rPr lang="en-US" altLang="zh-CN" sz="900" b="1" kern="1200" dirty="0" smtClean="0">
+                        <a:rPr lang="en-US" altLang="zh-CN" sz="1100" b="1" kern="1200" dirty="0" smtClean="0">
                           <a:solidFill>
                             <a:schemeClr val="dk1"/>
                           </a:solidFill>
@@ -18750,7 +18631,7 @@
                         </a:rPr>
                         <a:t>)</a:t>
                       </a:r>
-                      <a:endParaRPr lang="zh-CN" altLang="en-US" sz="900" b="1" kern="1200" dirty="0">
+                      <a:endParaRPr lang="zh-CN" altLang="en-US" sz="1100" b="1" kern="1200" dirty="0">
                         <a:solidFill>
                           <a:schemeClr val="dk1"/>
                         </a:solidFill>
@@ -18769,13 +18650,13 @@
                     <a:p>
                       <a:pPr algn="ctr"/>
                       <a:r>
-                        <a:rPr lang="en-US" altLang="zh-CN" sz="900" b="1" dirty="0" smtClean="0">
+                        <a:rPr lang="en-US" altLang="zh-CN" sz="1100" b="1" dirty="0" smtClean="0">
                           <a:latin typeface="微软雅黑" panose="020B0503020204020204" pitchFamily="34" charset="-122"/>
                           <a:ea typeface="微软雅黑" panose="020B0503020204020204" pitchFamily="34" charset="-122"/>
                         </a:rPr>
                         <a:t>16:10-16:35</a:t>
                       </a:r>
-                      <a:endParaRPr lang="zh-CN" altLang="en-US" sz="900" b="1" dirty="0">
+                      <a:endParaRPr lang="zh-CN" altLang="en-US" sz="1100" b="1" dirty="0">
                         <a:latin typeface="微软雅黑" panose="020B0503020204020204" pitchFamily="34" charset="-122"/>
                         <a:ea typeface="微软雅黑" panose="020B0503020204020204" pitchFamily="34" charset="-122"/>
                       </a:endParaRPr>
@@ -18806,7 +18687,7 @@
                         <a:defRPr/>
                       </a:pPr>
                       <a:r>
-                        <a:rPr lang="zh-CN" altLang="en-US" sz="900" b="1" kern="1200" dirty="0" smtClean="0">
+                        <a:rPr lang="zh-CN" altLang="en-US" sz="1100" b="1" kern="1200" dirty="0" smtClean="0">
                           <a:solidFill>
                             <a:schemeClr val="dk1"/>
                           </a:solidFill>
@@ -18817,7 +18698,7 @@
                         <a:t>全介质超构表面的研究（</a:t>
                       </a:r>
                       <a:r>
-                        <a:rPr lang="en-US" altLang="zh-CN" sz="900" b="1" kern="1200" dirty="0" smtClean="0">
+                        <a:rPr lang="en-US" altLang="zh-CN" sz="1100" b="1" kern="1200" dirty="0" smtClean="0">
                           <a:solidFill>
                             <a:schemeClr val="dk1"/>
                           </a:solidFill>
@@ -18828,7 +18709,7 @@
                         <a:t>All-dielectric </a:t>
                       </a:r>
                       <a:r>
-                        <a:rPr lang="en-US" altLang="zh-CN" sz="900" b="1" kern="1200" dirty="0" err="1" smtClean="0">
+                        <a:rPr lang="en-US" altLang="zh-CN" sz="1100" b="1" kern="1200" dirty="0" err="1" smtClean="0">
                           <a:solidFill>
                             <a:schemeClr val="dk1"/>
                           </a:solidFill>
@@ -18839,7 +18720,7 @@
                         <a:t>Metasurfaces</a:t>
                       </a:r>
                       <a:r>
-                        <a:rPr lang="zh-CN" altLang="en-US" sz="900" b="1" kern="1200" dirty="0" smtClean="0">
+                        <a:rPr lang="zh-CN" altLang="en-US" sz="1100" b="1" kern="1200" dirty="0" smtClean="0">
                           <a:solidFill>
                             <a:schemeClr val="dk1"/>
                           </a:solidFill>
@@ -18853,7 +18734,7 @@
                     <a:p>
                       <a:pPr algn="ctr"/>
                       <a:r>
-                        <a:rPr lang="en-US" altLang="zh-CN" sz="900" b="1" kern="1200" dirty="0" smtClean="0">
+                        <a:rPr lang="en-US" altLang="zh-CN" sz="1100" b="1" kern="1200" dirty="0" smtClean="0">
                           <a:solidFill>
                             <a:schemeClr val="dk1"/>
                           </a:solidFill>
@@ -18863,7 +18744,7 @@
                         </a:rPr>
                         <a:t>Opening ceremony</a:t>
                       </a:r>
-                      <a:endParaRPr lang="zh-CN" altLang="en-US" sz="900" b="1" kern="1200" dirty="0">
+                      <a:endParaRPr lang="zh-CN" altLang="en-US" sz="1100" b="1" kern="1200" dirty="0">
                         <a:solidFill>
                           <a:schemeClr val="dk1"/>
                         </a:solidFill>
@@ -18877,7 +18758,7 @@
                 </a:tc>
                 <a:extLst>
                   <a:ext uri="{0D108BD9-81ED-4DB2-BD59-A6C34878D82A}">
-                    <a16:rowId xmlns:a16="http://schemas.microsoft.com/office/drawing/2014/main" xmlns="" val="1881350119"/>
+                    <a16:rowId xmlns="" xmlns:a16="http://schemas.microsoft.com/office/drawing/2014/main" val="1881350119"/>
                   </a:ext>
                 </a:extLst>
               </a:tr>
@@ -18889,7 +18770,7 @@
                     <a:p>
                       <a:pPr marL="0" algn="ctr" defTabSz="685800" rtl="0" eaLnBrk="1" latinLnBrk="0" hangingPunct="1"/>
                       <a:r>
-                        <a:rPr lang="en-US" altLang="zh-CN" sz="900" b="1" kern="1200" dirty="0" err="1" smtClean="0">
+                        <a:rPr lang="en-US" altLang="zh-CN" sz="1100" b="1" kern="1200" dirty="0" err="1" smtClean="0">
                           <a:solidFill>
                             <a:schemeClr val="dk1"/>
                           </a:solidFill>
@@ -18900,7 +18781,7 @@
                         <a:t>ZhiYu</a:t>
                       </a:r>
                       <a:r>
-                        <a:rPr lang="en-US" altLang="zh-CN" sz="900" b="1" kern="1200" dirty="0" smtClean="0">
+                        <a:rPr lang="en-US" altLang="zh-CN" sz="1100" b="1" kern="1200" dirty="0" smtClean="0">
                           <a:solidFill>
                             <a:schemeClr val="dk1"/>
                           </a:solidFill>
@@ -18911,7 +18792,7 @@
                         <a:t> Yang(</a:t>
                       </a:r>
                       <a:r>
-                        <a:rPr lang="zh-CN" altLang="en-US" sz="900" b="1" kern="1200" dirty="0" smtClean="0">
+                        <a:rPr lang="zh-CN" altLang="en-US" sz="1100" b="1" kern="1200" dirty="0" smtClean="0">
                           <a:solidFill>
                             <a:schemeClr val="dk1"/>
                           </a:solidFill>
@@ -18922,7 +18803,7 @@
                         <a:t>杨志宇</a:t>
                       </a:r>
                       <a:r>
-                        <a:rPr lang="en-US" altLang="zh-CN" sz="900" b="1" kern="1200" dirty="0" smtClean="0">
+                        <a:rPr lang="en-US" altLang="zh-CN" sz="1100" b="1" kern="1200" dirty="0" smtClean="0">
                           <a:solidFill>
                             <a:schemeClr val="dk1"/>
                           </a:solidFill>
@@ -18932,7 +18813,7 @@
                         </a:rPr>
                         <a:t>)</a:t>
                       </a:r>
-                      <a:endParaRPr lang="zh-CN" altLang="en-US" sz="900" b="1" kern="1200" dirty="0">
+                      <a:endParaRPr lang="zh-CN" altLang="en-US" sz="1100" b="1" kern="1200" dirty="0">
                         <a:solidFill>
                           <a:schemeClr val="dk1"/>
                         </a:solidFill>
@@ -18951,7 +18832,7 @@
                     <a:p>
                       <a:pPr marL="0" algn="ctr" defTabSz="685800" rtl="0" eaLnBrk="1" latinLnBrk="0" hangingPunct="1"/>
                       <a:r>
-                        <a:rPr lang="en-US" altLang="zh-CN" sz="900" b="1" kern="1200" dirty="0" smtClean="0">
+                        <a:rPr lang="en-US" altLang="zh-CN" sz="1100" b="1" kern="1200" dirty="0" smtClean="0">
                           <a:solidFill>
                             <a:schemeClr val="dk1"/>
                           </a:solidFill>
@@ -18961,7 +18842,7 @@
                         </a:rPr>
                         <a:t>16:35-17:00</a:t>
                       </a:r>
-                      <a:endParaRPr lang="zh-CN" altLang="en-US" sz="900" b="1" kern="1200" dirty="0">
+                      <a:endParaRPr lang="zh-CN" altLang="en-US" sz="1100" b="1" kern="1200" dirty="0">
                         <a:solidFill>
                           <a:schemeClr val="dk1"/>
                         </a:solidFill>
@@ -18980,7 +18861,7 @@
                     <a:p>
                       <a:pPr marL="0" algn="ctr" defTabSz="685800" rtl="0" eaLnBrk="1" latinLnBrk="0" hangingPunct="1"/>
                       <a:r>
-                        <a:rPr lang="en-US" altLang="zh-CN" sz="900" b="1" kern="1200" dirty="0" smtClean="0">
+                        <a:rPr lang="en-US" altLang="zh-CN" sz="1100" b="1" kern="1200" dirty="0" smtClean="0">
                           <a:solidFill>
                             <a:schemeClr val="dk1"/>
                           </a:solidFill>
@@ -18990,7 +18871,7 @@
                         </a:rPr>
                         <a:t>Coherent wave manipulations</a:t>
                       </a:r>
-                      <a:endParaRPr lang="zh-CN" altLang="en-US" sz="900" b="1" kern="1200" dirty="0">
+                      <a:endParaRPr lang="zh-CN" altLang="en-US" sz="1100" b="1" kern="1200" dirty="0">
                         <a:solidFill>
                           <a:schemeClr val="dk1"/>
                         </a:solidFill>
@@ -19004,7 +18885,7 @@
                 </a:tc>
                 <a:extLst>
                   <a:ext uri="{0D108BD9-81ED-4DB2-BD59-A6C34878D82A}">
-                    <a16:rowId xmlns:a16="http://schemas.microsoft.com/office/drawing/2014/main" xmlns="" val="1466771304"/>
+                    <a16:rowId xmlns="" xmlns:a16="http://schemas.microsoft.com/office/drawing/2014/main" val="1466771304"/>
                   </a:ext>
                 </a:extLst>
               </a:tr>
@@ -19016,7 +18897,7 @@
                     <a:p>
                       <a:pPr marL="0" algn="ctr" defTabSz="685800" rtl="0" eaLnBrk="1" latinLnBrk="0" hangingPunct="1"/>
                       <a:r>
-                        <a:rPr lang="en-US" altLang="zh-CN" sz="900" b="1" kern="1200" dirty="0" err="1" smtClean="0">
+                        <a:rPr lang="en-US" altLang="zh-CN" sz="1100" b="1" kern="1200" dirty="0" err="1" smtClean="0">
                           <a:solidFill>
                             <a:schemeClr val="dk1"/>
                           </a:solidFill>
@@ -19027,7 +18908,7 @@
                         <a:t>GuanCong</a:t>
                       </a:r>
                       <a:r>
-                        <a:rPr lang="en-US" altLang="zh-CN" sz="900" b="1" kern="1200" dirty="0" smtClean="0">
+                        <a:rPr lang="en-US" altLang="zh-CN" sz="1100" b="1" kern="1200" dirty="0" smtClean="0">
                           <a:solidFill>
                             <a:schemeClr val="dk1"/>
                           </a:solidFill>
@@ -19038,7 +18919,7 @@
                         <a:t> Ma(</a:t>
                       </a:r>
                       <a:r>
-                        <a:rPr lang="zh-CN" altLang="en-US" sz="900" b="1" kern="1200" dirty="0" smtClean="0">
+                        <a:rPr lang="zh-CN" altLang="en-US" sz="1100" b="1" kern="1200" dirty="0" smtClean="0">
                           <a:solidFill>
                             <a:schemeClr val="dk1"/>
                           </a:solidFill>
@@ -19049,7 +18930,7 @@
                         <a:t>马冠聪</a:t>
                       </a:r>
                       <a:r>
-                        <a:rPr lang="en-US" altLang="zh-CN" sz="900" b="1" kern="1200" dirty="0" smtClean="0">
+                        <a:rPr lang="en-US" altLang="zh-CN" sz="1100" b="1" kern="1200" dirty="0" smtClean="0">
                           <a:solidFill>
                             <a:schemeClr val="dk1"/>
                           </a:solidFill>
@@ -19059,7 +18940,7 @@
                         </a:rPr>
                         <a:t>)</a:t>
                       </a:r>
-                      <a:endParaRPr lang="zh-CN" altLang="en-US" sz="900" b="1" kern="1200" dirty="0">
+                      <a:endParaRPr lang="zh-CN" altLang="en-US" sz="1100" b="1" kern="1200" dirty="0">
                         <a:solidFill>
                           <a:schemeClr val="dk1"/>
                         </a:solidFill>
@@ -19078,7 +18959,7 @@
                     <a:p>
                       <a:pPr marL="0" algn="ctr" defTabSz="685800" rtl="0" eaLnBrk="1" latinLnBrk="0" hangingPunct="1"/>
                       <a:r>
-                        <a:rPr lang="en-US" altLang="zh-CN" sz="900" b="1" kern="1200" dirty="0" smtClean="0">
+                        <a:rPr lang="en-US" altLang="zh-CN" sz="1100" b="1" kern="1200" dirty="0" smtClean="0">
                           <a:solidFill>
                             <a:schemeClr val="dk1"/>
                           </a:solidFill>
@@ -19088,7 +18969,7 @@
                         </a:rPr>
                         <a:t>17:00-17:25</a:t>
                       </a:r>
-                      <a:endParaRPr lang="zh-CN" altLang="en-US" sz="900" b="1" kern="1200" dirty="0">
+                      <a:endParaRPr lang="zh-CN" altLang="en-US" sz="1100" b="1" kern="1200" dirty="0">
                         <a:solidFill>
                           <a:schemeClr val="dk1"/>
                         </a:solidFill>
@@ -19107,7 +18988,7 @@
                     <a:p>
                       <a:pPr marL="0" algn="ctr" defTabSz="685800" rtl="0" eaLnBrk="1" latinLnBrk="0" hangingPunct="1"/>
                       <a:r>
-                        <a:rPr lang="en-US" altLang="zh-CN" sz="900" b="1" kern="1200" dirty="0" smtClean="0">
+                        <a:rPr lang="en-US" altLang="zh-CN" sz="1100" b="1" kern="1200" dirty="0" smtClean="0">
                           <a:solidFill>
                             <a:schemeClr val="dk1"/>
                           </a:solidFill>
@@ -19117,7 +18998,7 @@
                         </a:rPr>
                         <a:t>Controlling complex  sound field with spatial sound modulator</a:t>
                       </a:r>
-                      <a:endParaRPr lang="zh-CN" altLang="en-US" sz="900" b="1" kern="1200" dirty="0">
+                      <a:endParaRPr lang="zh-CN" altLang="en-US" sz="1100" b="1" kern="1200" dirty="0">
                         <a:solidFill>
                           <a:schemeClr val="dk1"/>
                         </a:solidFill>
@@ -19131,7 +19012,7 @@
                 </a:tc>
                 <a:extLst>
                   <a:ext uri="{0D108BD9-81ED-4DB2-BD59-A6C34878D82A}">
-                    <a16:rowId xmlns:a16="http://schemas.microsoft.com/office/drawing/2014/main" xmlns="" val="1360372986"/>
+                    <a16:rowId xmlns="" xmlns:a16="http://schemas.microsoft.com/office/drawing/2014/main" val="1360372986"/>
                   </a:ext>
                 </a:extLst>
               </a:tr>
@@ -19143,7 +19024,7 @@
                     <a:p>
                       <a:pPr marL="0" algn="ctr" defTabSz="685800" rtl="0" eaLnBrk="1" latinLnBrk="0" hangingPunct="1"/>
                       <a:r>
-                        <a:rPr lang="en-US" altLang="en-US" sz="900" b="1" kern="1200" dirty="0" smtClean="0">
+                        <a:rPr lang="en-US" altLang="en-US" sz="1100" b="1" kern="1200" dirty="0" smtClean="0">
                           <a:solidFill>
                             <a:schemeClr val="tx1"/>
                           </a:solidFill>
@@ -19154,7 +19035,7 @@
                         <a:t>LI Jensen </a:t>
                       </a:r>
                       <a:r>
-                        <a:rPr lang="en-US" altLang="en-US" sz="900" b="1" kern="1200" dirty="0" err="1" smtClean="0">
+                        <a:rPr lang="en-US" altLang="en-US" sz="1100" b="1" kern="1200" dirty="0" err="1" smtClean="0">
                           <a:solidFill>
                             <a:schemeClr val="tx1"/>
                           </a:solidFill>
@@ -19165,7 +19046,7 @@
                         <a:t>Tsan</a:t>
                       </a:r>
                       <a:r>
-                        <a:rPr lang="en-US" altLang="en-US" sz="900" b="1" kern="1200" dirty="0" smtClean="0">
+                        <a:rPr lang="en-US" altLang="en-US" sz="1100" b="1" kern="1200" dirty="0" smtClean="0">
                           <a:solidFill>
                             <a:schemeClr val="tx1"/>
                           </a:solidFill>
@@ -19176,7 +19057,7 @@
                         <a:t> Hang</a:t>
                       </a:r>
                       <a:r>
-                        <a:rPr lang="en-US" altLang="zh-CN" sz="900" b="1" kern="1200" dirty="0" smtClean="0">
+                        <a:rPr lang="en-US" altLang="zh-CN" sz="1100" b="1" kern="1200" dirty="0" smtClean="0">
                           <a:solidFill>
                             <a:schemeClr val="dk1"/>
                           </a:solidFill>
@@ -19187,7 +19068,7 @@
                         <a:t>(</a:t>
                       </a:r>
                       <a:r>
-                        <a:rPr lang="zh-CN" altLang="en-US" sz="900" b="1" kern="1200" dirty="0" smtClean="0">
+                        <a:rPr lang="zh-CN" altLang="en-US" sz="1100" b="1" kern="1200" dirty="0" smtClean="0">
                           <a:solidFill>
                             <a:schemeClr val="dk1"/>
                           </a:solidFill>
@@ -19198,7 +19079,7 @@
                         <a:t>李赞恒</a:t>
                       </a:r>
                       <a:r>
-                        <a:rPr lang="en-US" altLang="zh-CN" sz="900" b="1" kern="1200" dirty="0" smtClean="0">
+                        <a:rPr lang="en-US" altLang="zh-CN" sz="1100" b="1" kern="1200" dirty="0" smtClean="0">
                           <a:solidFill>
                             <a:schemeClr val="dk1"/>
                           </a:solidFill>
@@ -19208,7 +19089,7 @@
                         </a:rPr>
                         <a:t>)</a:t>
                       </a:r>
-                      <a:endParaRPr lang="zh-CN" altLang="zh-CN" sz="900" b="1" kern="1200" dirty="0">
+                      <a:endParaRPr lang="zh-CN" altLang="zh-CN" sz="1100" b="1" kern="1200" dirty="0">
                         <a:solidFill>
                           <a:schemeClr val="dk1"/>
                         </a:solidFill>
@@ -19227,7 +19108,7 @@
                     <a:p>
                       <a:pPr marL="0" algn="ctr" defTabSz="685800" rtl="0" eaLnBrk="1" latinLnBrk="0" hangingPunct="1"/>
                       <a:r>
-                        <a:rPr lang="en-US" altLang="zh-CN" sz="900" b="1" kern="1200" dirty="0" smtClean="0">
+                        <a:rPr lang="en-US" altLang="zh-CN" sz="1100" b="1" kern="1200" dirty="0" smtClean="0">
                           <a:solidFill>
                             <a:schemeClr val="dk1"/>
                           </a:solidFill>
@@ -19237,7 +19118,7 @@
                         </a:rPr>
                         <a:t>17:25-17:40</a:t>
                       </a:r>
-                      <a:endParaRPr lang="zh-CN" altLang="en-US" sz="900" b="1" kern="1200" dirty="0">
+                      <a:endParaRPr lang="zh-CN" altLang="en-US" sz="1100" b="1" kern="1200" dirty="0">
                         <a:solidFill>
                           <a:schemeClr val="dk1"/>
                         </a:solidFill>
@@ -19256,7 +19137,7 @@
                     <a:p>
                       <a:pPr marL="0" algn="ctr" defTabSz="685800" rtl="0" eaLnBrk="1" latinLnBrk="0" hangingPunct="1"/>
                       <a:r>
-                        <a:rPr lang="en-US" altLang="zh-CN" sz="900" b="1" kern="1200" dirty="0" smtClean="0">
+                        <a:rPr lang="en-US" altLang="zh-CN" sz="1100" b="1" kern="1200" dirty="0" smtClean="0">
                           <a:solidFill>
                             <a:schemeClr val="dk1"/>
                           </a:solidFill>
@@ -19267,7 +19148,7 @@
                         <a:t>Elastic </a:t>
                       </a:r>
                       <a:r>
-                        <a:rPr lang="en-US" altLang="zh-CN" sz="900" b="1" kern="1200" dirty="0" err="1" smtClean="0">
+                        <a:rPr lang="en-US" altLang="zh-CN" sz="1100" b="1" kern="1200" dirty="0" err="1" smtClean="0">
                           <a:solidFill>
                             <a:schemeClr val="dk1"/>
                           </a:solidFill>
@@ -19277,7 +19158,7 @@
                         </a:rPr>
                         <a:t>metasurfaces</a:t>
                       </a:r>
-                      <a:endParaRPr lang="zh-CN" altLang="en-US" sz="900" b="1" kern="1200" dirty="0">
+                      <a:endParaRPr lang="zh-CN" altLang="en-US" sz="1100" b="1" kern="1200" dirty="0">
                         <a:solidFill>
                           <a:schemeClr val="dk1"/>
                         </a:solidFill>
@@ -19291,68 +19172,7 @@
                 </a:tc>
                 <a:extLst>
                   <a:ext uri="{0D108BD9-81ED-4DB2-BD59-A6C34878D82A}">
-                    <a16:rowId xmlns:a16="http://schemas.microsoft.com/office/drawing/2014/main" xmlns="" val="3517042196"/>
-                  </a:ext>
-                </a:extLst>
-              </a:tr>
-              <a:tr h="291582">
-                <a:tc>
-                  <a:txBody>
-                    <a:bodyPr/>
-                    <a:lstStyle/>
-                    <a:p>
-                      <a:pPr marL="0" algn="ctr" defTabSz="685800" rtl="0" eaLnBrk="1" latinLnBrk="0" hangingPunct="1"/>
-                      <a:endParaRPr lang="zh-CN" altLang="en-US" sz="900" b="1" kern="1200" dirty="0">
-                        <a:solidFill>
-                          <a:schemeClr val="dk1"/>
-                        </a:solidFill>
-                        <a:latin typeface="微软雅黑" panose="020B0503020204020204" pitchFamily="34" charset="-122"/>
-                        <a:ea typeface="微软雅黑" panose="020B0503020204020204" pitchFamily="34" charset="-122"/>
-                        <a:cs typeface="+mn-cs"/>
-                      </a:endParaRPr>
-                    </a:p>
-                  </a:txBody>
-                  <a:tcPr marL="110604" marR="110604" marT="28714" marB="28714" anchor="ctr"/>
-                </a:tc>
-                <a:tc>
-                  <a:txBody>
-                    <a:bodyPr/>
-                    <a:lstStyle/>
-                    <a:p>
-                      <a:pPr marL="0" algn="ctr" defTabSz="685800" rtl="0" eaLnBrk="1" latinLnBrk="0" hangingPunct="1"/>
-                      <a:endParaRPr lang="zh-CN" altLang="en-US" sz="900" b="1" kern="1200" dirty="0">
-                        <a:solidFill>
-                          <a:schemeClr val="dk1"/>
-                        </a:solidFill>
-                        <a:latin typeface="微软雅黑" panose="020B0503020204020204" pitchFamily="34" charset="-122"/>
-                        <a:ea typeface="微软雅黑" panose="020B0503020204020204" pitchFamily="34" charset="-122"/>
-                        <a:cs typeface="+mn-cs"/>
-                      </a:endParaRPr>
-                    </a:p>
-                  </a:txBody>
-                  <a:tcPr marL="110604" marR="110604" marT="28714" marB="28714" anchor="ctr"/>
-                </a:tc>
-                <a:tc>
-                  <a:txBody>
-                    <a:bodyPr/>
-                    <a:lstStyle/>
-                    <a:p>
-                      <a:pPr marL="0" algn="ctr" defTabSz="685800" rtl="0" eaLnBrk="1" latinLnBrk="0" hangingPunct="1"/>
-                      <a:endParaRPr lang="zh-CN" altLang="en-US" sz="900" b="1" kern="1200" dirty="0">
-                        <a:solidFill>
-                          <a:schemeClr val="dk1"/>
-                        </a:solidFill>
-                        <a:latin typeface="微软雅黑" panose="020B0503020204020204" pitchFamily="34" charset="-122"/>
-                        <a:ea typeface="微软雅黑" panose="020B0503020204020204" pitchFamily="34" charset="-122"/>
-                        <a:cs typeface="+mn-cs"/>
-                      </a:endParaRPr>
-                    </a:p>
-                  </a:txBody>
-                  <a:tcPr marL="110604" marR="110604" marT="28714" marB="28714" anchor="ctr"/>
-                </a:tc>
-                <a:extLst>
-                  <a:ext uri="{0D108BD9-81ED-4DB2-BD59-A6C34878D82A}">
-                    <a16:rowId xmlns:a16="http://schemas.microsoft.com/office/drawing/2014/main" xmlns="" val="2030655908"/>
+                    <a16:rowId xmlns="" xmlns:a16="http://schemas.microsoft.com/office/drawing/2014/main" val="3517042196"/>
                   </a:ext>
                 </a:extLst>
               </a:tr>
@@ -19365,7 +19185,7 @@
           <p:cNvPr id="13" name="文本框 12">
             <a:extLst>
               <a:ext uri="{FF2B5EF4-FFF2-40B4-BE49-F238E27FC236}">
-                <a16:creationId xmlns:a16="http://schemas.microsoft.com/office/drawing/2014/main" xmlns="" id="{740F5E40-DCD1-41FA-94E2-CA9CA7EC8E7F}"/>
+                <a16:creationId xmlns="" xmlns:a16="http://schemas.microsoft.com/office/drawing/2014/main" id="{740F5E40-DCD1-41FA-94E2-CA9CA7EC8E7F}"/>
               </a:ext>
             </a:extLst>
           </p:cNvPr>
@@ -19447,7 +19267,7 @@
           <p:cNvPr id="14" name="文本框 13">
             <a:extLst>
               <a:ext uri="{FF2B5EF4-FFF2-40B4-BE49-F238E27FC236}">
-                <a16:creationId xmlns:a16="http://schemas.microsoft.com/office/drawing/2014/main" xmlns="" id="{66ED3A95-7245-4310-8354-479C4A30391B}"/>
+                <a16:creationId xmlns="" xmlns:a16="http://schemas.microsoft.com/office/drawing/2014/main" id="{66ED3A95-7245-4310-8354-479C4A30391B}"/>
               </a:ext>
             </a:extLst>
           </p:cNvPr>
@@ -19530,7 +19350,7 @@
     </p:spTree>
     <p:extLst>
       <p:ext uri="{BB962C8B-B14F-4D97-AF65-F5344CB8AC3E}">
-        <p14:creationId xmlns:p14="http://schemas.microsoft.com/office/powerpoint/2010/main" xmlns="" val="934251523"/>
+        <p14:creationId xmlns:p14="http://schemas.microsoft.com/office/powerpoint/2010/main" val="934251523"/>
       </p:ext>
     </p:extLst>
   </p:cSld>
@@ -19569,7 +19389,7 @@
           <p:cNvPr id="12" name="矩形 11">
             <a:extLst>
               <a:ext uri="{FF2B5EF4-FFF2-40B4-BE49-F238E27FC236}">
-                <a16:creationId xmlns:a16="http://schemas.microsoft.com/office/drawing/2014/main" xmlns="" id="{42B28CF3-1023-471A-85FC-9F9F3ADC12F8}"/>
+                <a16:creationId xmlns="" xmlns:a16="http://schemas.microsoft.com/office/drawing/2014/main" id="{42B28CF3-1023-471A-85FC-9F9F3ADC12F8}"/>
               </a:ext>
             </a:extLst>
           </p:cNvPr>
@@ -19635,7 +19455,7 @@
           <p:cNvPr id="8" name="表格 7">
             <a:extLst>
               <a:ext uri="{FF2B5EF4-FFF2-40B4-BE49-F238E27FC236}">
-                <a16:creationId xmlns:a16="http://schemas.microsoft.com/office/drawing/2014/main" xmlns="" id="{DF1018AF-4BB1-46F7-91DD-90F84352DBBF}"/>
+                <a16:creationId xmlns="" xmlns:a16="http://schemas.microsoft.com/office/drawing/2014/main" id="{DF1018AF-4BB1-46F7-91DD-90F84352DBBF}"/>
               </a:ext>
             </a:extLst>
           </p:cNvPr>
@@ -19645,14 +19465,14 @@
           <p:nvPr>
             <p:extLst>
               <p:ext uri="{D42A27DB-BD31-4B8C-83A1-F6EECF244321}">
-                <p14:modId xmlns:p14="http://schemas.microsoft.com/office/powerpoint/2010/main" xmlns="" val="1147174992"/>
+                <p14:modId xmlns:p14="http://schemas.microsoft.com/office/powerpoint/2010/main" val="1959035492"/>
               </p:ext>
             </p:extLst>
           </p:nvPr>
         </p:nvGraphicFramePr>
         <p:xfrm>
           <a:off x="357158" y="1571612"/>
-          <a:ext cx="8471929" cy="4918192"/>
+          <a:ext cx="8471929" cy="5040112"/>
         </p:xfrm>
         <a:graphic>
           <a:graphicData uri="http://schemas.openxmlformats.org/drawingml/2006/table">
@@ -19664,21 +19484,21 @@
                 <a:gridCol w="2180823">
                   <a:extLst>
                     <a:ext uri="{9D8B030D-6E8A-4147-A177-3AD203B41FA5}">
-                      <a16:colId xmlns:a16="http://schemas.microsoft.com/office/drawing/2014/main" xmlns="" val="271949209"/>
+                      <a16:colId xmlns="" xmlns:a16="http://schemas.microsoft.com/office/drawing/2014/main" val="271949209"/>
                     </a:ext>
                   </a:extLst>
                 </a:gridCol>
                 <a:gridCol w="1803043">
                   <a:extLst>
                     <a:ext uri="{9D8B030D-6E8A-4147-A177-3AD203B41FA5}">
-                      <a16:colId xmlns:a16="http://schemas.microsoft.com/office/drawing/2014/main" xmlns="" val="483794282"/>
+                      <a16:colId xmlns="" xmlns:a16="http://schemas.microsoft.com/office/drawing/2014/main" val="483794282"/>
                     </a:ext>
                   </a:extLst>
                 </a:gridCol>
                 <a:gridCol w="4488063">
                   <a:extLst>
                     <a:ext uri="{9D8B030D-6E8A-4147-A177-3AD203B41FA5}">
-                      <a16:colId xmlns:a16="http://schemas.microsoft.com/office/drawing/2014/main" xmlns="" val="3157286281"/>
+                      <a16:colId xmlns="" xmlns:a16="http://schemas.microsoft.com/office/drawing/2014/main" val="3157286281"/>
                     </a:ext>
                   </a:extLst>
                 </a:gridCol>
@@ -19691,10 +19511,10 @@
                     <a:p>
                       <a:pPr algn="ctr"/>
                       <a:r>
-                        <a:rPr lang="en-US" altLang="zh-CN" sz="1200" dirty="0"/>
+                        <a:rPr lang="en-US" altLang="zh-CN" sz="1800" dirty="0"/>
                         <a:t>Speaker</a:t>
                       </a:r>
-                      <a:endParaRPr lang="zh-CN" altLang="en-US" sz="1200" dirty="0"/>
+                      <a:endParaRPr lang="zh-CN" altLang="en-US" sz="1800" dirty="0"/>
                     </a:p>
                   </a:txBody>
                   <a:tcPr marL="110604" marR="110604" marT="28714" marB="28714" anchor="ctr"/>
@@ -19706,10 +19526,10 @@
                     <a:p>
                       <a:pPr algn="ctr"/>
                       <a:r>
-                        <a:rPr lang="en-US" altLang="zh-CN" sz="1200" dirty="0"/>
+                        <a:rPr lang="en-US" altLang="zh-CN" sz="1800" dirty="0"/>
                         <a:t>Time</a:t>
                       </a:r>
-                      <a:endParaRPr lang="zh-CN" altLang="en-US" sz="1200" dirty="0"/>
+                      <a:endParaRPr lang="zh-CN" altLang="en-US" sz="1800" dirty="0"/>
                     </a:p>
                   </a:txBody>
                   <a:tcPr marL="110604" marR="110604" marT="28714" marB="28714" anchor="ctr"/>
@@ -19721,17 +19541,17 @@
                     <a:p>
                       <a:pPr algn="ctr"/>
                       <a:r>
-                        <a:rPr lang="en-US" altLang="zh-CN" sz="1200" dirty="0"/>
+                        <a:rPr lang="en-US" altLang="zh-CN" sz="1800" dirty="0"/>
                         <a:t>Topic</a:t>
                       </a:r>
-                      <a:endParaRPr lang="zh-CN" altLang="en-US" sz="1200" dirty="0"/>
+                      <a:endParaRPr lang="zh-CN" altLang="en-US" sz="1800" dirty="0"/>
                     </a:p>
                   </a:txBody>
                   <a:tcPr marL="110604" marR="110604" marT="28714" marB="28714" anchor="ctr"/>
                 </a:tc>
                 <a:extLst>
                   <a:ext uri="{0D108BD9-81ED-4DB2-BD59-A6C34878D82A}">
-                    <a16:rowId xmlns:a16="http://schemas.microsoft.com/office/drawing/2014/main" xmlns="" val="10357417"/>
+                    <a16:rowId xmlns="" xmlns:a16="http://schemas.microsoft.com/office/drawing/2014/main" val="10357417"/>
                   </a:ext>
                 </a:extLst>
               </a:tr>
@@ -19743,7 +19563,7 @@
                     <a:p>
                       <a:pPr marL="0" algn="ctr" defTabSz="685800" rtl="0" eaLnBrk="1" latinLnBrk="0" hangingPunct="1"/>
                       <a:r>
-                        <a:rPr lang="en-US" altLang="zh-CN" sz="900" b="1" kern="1200" baseline="0" dirty="0" smtClean="0">
+                        <a:rPr lang="en-US" altLang="zh-CN" sz="1100" b="1" kern="1200" baseline="0" dirty="0" smtClean="0">
                           <a:solidFill>
                             <a:schemeClr val="dk1"/>
                           </a:solidFill>
@@ -19754,7 +19574,7 @@
                         <a:t>Nicholas Fang(</a:t>
                       </a:r>
                       <a:r>
-                        <a:rPr lang="zh-CN" altLang="en-US" sz="900" b="1" kern="1200" baseline="0" dirty="0" smtClean="0">
+                        <a:rPr lang="zh-CN" altLang="en-US" sz="1100" b="1" kern="1200" baseline="0" dirty="0" smtClean="0">
                           <a:solidFill>
                             <a:schemeClr val="dk1"/>
                           </a:solidFill>
@@ -19765,7 +19585,7 @@
                         <a:t>方绚莱</a:t>
                       </a:r>
                       <a:r>
-                        <a:rPr lang="en-US" altLang="zh-CN" sz="900" b="1" kern="1200" baseline="0" dirty="0" smtClean="0">
+                        <a:rPr lang="en-US" altLang="zh-CN" sz="1100" b="1" kern="1200" baseline="0" dirty="0" smtClean="0">
                           <a:solidFill>
                             <a:schemeClr val="dk1"/>
                           </a:solidFill>
@@ -19775,7 +19595,7 @@
                         </a:rPr>
                         <a:t>)</a:t>
                       </a:r>
-                      <a:endParaRPr lang="zh-CN" altLang="en-US" sz="900" b="1" kern="1200" baseline="0" dirty="0">
+                      <a:endParaRPr lang="zh-CN" altLang="en-US" sz="1100" b="1" kern="1200" baseline="0" dirty="0">
                         <a:solidFill>
                           <a:schemeClr val="dk1"/>
                         </a:solidFill>
@@ -19794,7 +19614,7 @@
                     <a:p>
                       <a:pPr algn="ctr"/>
                       <a:r>
-                        <a:rPr lang="en-US" altLang="zh-CN" sz="900" b="1" kern="1200" baseline="0" dirty="0" smtClean="0">
+                        <a:rPr lang="en-US" altLang="zh-CN" sz="1100" b="1" kern="1200" baseline="0" dirty="0" smtClean="0">
                           <a:solidFill>
                             <a:schemeClr val="dk1"/>
                           </a:solidFill>
@@ -19804,7 +19624,7 @@
                         </a:rPr>
                         <a:t>08:30-08:55</a:t>
                       </a:r>
-                      <a:endParaRPr lang="zh-CN" altLang="en-US" sz="900" b="1" kern="1200" baseline="0" dirty="0">
+                      <a:endParaRPr lang="zh-CN" altLang="en-US" sz="1100" b="1" kern="1200" baseline="0" dirty="0">
                         <a:solidFill>
                           <a:schemeClr val="dk1"/>
                         </a:solidFill>
@@ -19823,7 +19643,7 @@
                     <a:p>
                       <a:pPr algn="ctr"/>
                       <a:r>
-                        <a:rPr lang="en-US" altLang="zh-CN" sz="900" b="1" kern="1200" baseline="0" dirty="0" smtClean="0">
+                        <a:rPr lang="en-US" altLang="zh-CN" sz="1100" b="1" kern="1200" baseline="0" dirty="0" smtClean="0">
                           <a:solidFill>
                             <a:schemeClr val="dk1"/>
                           </a:solidFill>
@@ -19833,7 +19653,7 @@
                         </a:rPr>
                         <a:t>Engineered Light Emission Rate in Two-dimensional Molecular Aggregates </a:t>
                       </a:r>
-                      <a:endParaRPr lang="zh-CN" altLang="en-US" sz="900" b="1" kern="1200" baseline="0" dirty="0">
+                      <a:endParaRPr lang="zh-CN" altLang="en-US" sz="1100" b="1" kern="1200" baseline="0" dirty="0">
                         <a:solidFill>
                           <a:schemeClr val="dk1"/>
                         </a:solidFill>
@@ -19847,7 +19667,7 @@
                 </a:tc>
                 <a:extLst>
                   <a:ext uri="{0D108BD9-81ED-4DB2-BD59-A6C34878D82A}">
-                    <a16:rowId xmlns:a16="http://schemas.microsoft.com/office/drawing/2014/main" xmlns="" val="1881350119"/>
+                    <a16:rowId xmlns="" xmlns:a16="http://schemas.microsoft.com/office/drawing/2014/main" val="1881350119"/>
                   </a:ext>
                 </a:extLst>
               </a:tr>
@@ -19875,7 +19695,7 @@
                         <a:defRPr/>
                       </a:pPr>
                       <a:r>
-                        <a:rPr lang="en-US" altLang="zh-CN" sz="900" b="1" kern="1200" baseline="0" dirty="0" err="1" smtClean="0">
+                        <a:rPr lang="en-US" altLang="zh-CN" sz="1100" b="1" kern="1200" baseline="0" dirty="0" err="1" smtClean="0">
                           <a:solidFill>
                             <a:schemeClr val="dk1"/>
                           </a:solidFill>
@@ -19886,7 +19706,7 @@
                         <a:t>Kam</a:t>
                       </a:r>
                       <a:r>
-                        <a:rPr lang="en-US" altLang="zh-CN" sz="900" b="1" kern="1200" baseline="0" dirty="0" smtClean="0">
+                        <a:rPr lang="en-US" altLang="zh-CN" sz="1100" b="1" kern="1200" baseline="0" dirty="0" smtClean="0">
                           <a:solidFill>
                             <a:schemeClr val="dk1"/>
                           </a:solidFill>
@@ -19897,7 +19717,7 @@
                         <a:t> Sing Wong(</a:t>
                       </a:r>
                       <a:r>
-                        <a:rPr lang="zh-CN" altLang="en-US" sz="900" b="1" kern="1200" baseline="0" dirty="0" smtClean="0">
+                        <a:rPr lang="zh-CN" altLang="en-US" sz="1100" b="1" kern="1200" baseline="0" dirty="0" smtClean="0">
                           <a:solidFill>
                             <a:schemeClr val="dk1"/>
                           </a:solidFill>
@@ -19908,7 +19728,7 @@
                         <a:t>黃錦聖</a:t>
                       </a:r>
                       <a:r>
-                        <a:rPr lang="en-US" altLang="zh-CN" sz="900" b="1" kern="1200" baseline="0" dirty="0" smtClean="0">
+                        <a:rPr lang="en-US" altLang="zh-CN" sz="1100" b="1" kern="1200" baseline="0" dirty="0" smtClean="0">
                           <a:solidFill>
                             <a:schemeClr val="dk1"/>
                           </a:solidFill>
@@ -19918,7 +19738,7 @@
                         </a:rPr>
                         <a:t>)</a:t>
                       </a:r>
-                      <a:endParaRPr lang="zh-CN" altLang="zh-CN" sz="900" b="1" kern="1200" baseline="0" dirty="0" smtClean="0">
+                      <a:endParaRPr lang="zh-CN" altLang="zh-CN" sz="1100" b="1" kern="1200" baseline="0" dirty="0" smtClean="0">
                         <a:solidFill>
                           <a:schemeClr val="dk1"/>
                         </a:solidFill>
@@ -19937,7 +19757,7 @@
                     <a:p>
                       <a:pPr marL="0" algn="ctr" defTabSz="685800" rtl="0" eaLnBrk="1" latinLnBrk="0" hangingPunct="1"/>
                       <a:r>
-                        <a:rPr lang="en-US" altLang="zh-CN" sz="900" b="1" kern="1200" baseline="0" dirty="0" smtClean="0">
+                        <a:rPr lang="en-US" altLang="zh-CN" sz="1100" b="1" kern="1200" baseline="0" dirty="0" smtClean="0">
                           <a:solidFill>
                             <a:schemeClr val="dk1"/>
                           </a:solidFill>
@@ -19947,7 +19767,7 @@
                         </a:rPr>
                         <a:t>08:55-09:20</a:t>
                       </a:r>
-                      <a:endParaRPr lang="zh-CN" altLang="en-US" sz="900" b="1" kern="1200" baseline="0" dirty="0">
+                      <a:endParaRPr lang="zh-CN" altLang="en-US" sz="1100" b="1" kern="1200" baseline="0" dirty="0">
                         <a:solidFill>
                           <a:schemeClr val="dk1"/>
                         </a:solidFill>
@@ -19966,7 +19786,7 @@
                     <a:p>
                       <a:pPr marL="0" algn="ctr" defTabSz="685800" rtl="0" eaLnBrk="1" latinLnBrk="0" hangingPunct="1"/>
                       <a:r>
-                        <a:rPr lang="en-US" altLang="zh-CN" sz="900" b="1" kern="1200" baseline="0" dirty="0" smtClean="0">
+                        <a:rPr lang="en-US" altLang="zh-CN" sz="1100" b="1" kern="1200" baseline="0" dirty="0" smtClean="0">
                           <a:solidFill>
                             <a:schemeClr val="dk1"/>
                           </a:solidFill>
@@ -19977,7 +19797,7 @@
                         <a:t>Ultrafast  dynamics and nonlinear optics in </a:t>
                       </a:r>
                       <a:r>
-                        <a:rPr lang="en-US" altLang="zh-CN" sz="900" b="1" kern="1200" baseline="0" dirty="0" err="1" smtClean="0">
+                        <a:rPr lang="en-US" altLang="zh-CN" sz="1100" b="1" kern="1200" baseline="0" dirty="0" err="1" smtClean="0">
                           <a:solidFill>
                             <a:schemeClr val="dk1"/>
                           </a:solidFill>
@@ -19988,7 +19808,7 @@
                         <a:t>metamaterial</a:t>
                       </a:r>
                       <a:r>
-                        <a:rPr lang="en-US" altLang="zh-CN" sz="900" b="1" kern="1200" baseline="0" dirty="0" smtClean="0">
+                        <a:rPr lang="en-US" altLang="zh-CN" sz="1100" b="1" kern="1200" baseline="0" dirty="0" smtClean="0">
                           <a:solidFill>
                             <a:schemeClr val="dk1"/>
                           </a:solidFill>
@@ -19999,7 +19819,7 @@
                         <a:t>/</a:t>
                       </a:r>
                       <a:r>
-                        <a:rPr lang="en-US" altLang="zh-CN" sz="900" b="1" kern="1200" baseline="0" dirty="0" err="1" smtClean="0">
+                        <a:rPr lang="en-US" altLang="zh-CN" sz="1100" b="1" kern="1200" baseline="0" dirty="0" err="1" smtClean="0">
                           <a:solidFill>
                             <a:schemeClr val="dk1"/>
                           </a:solidFill>
@@ -20010,7 +19830,7 @@
                         <a:t>plasmonic</a:t>
                       </a:r>
                       <a:r>
-                        <a:rPr lang="en-US" altLang="zh-CN" sz="900" b="1" kern="1200" baseline="0" dirty="0" smtClean="0">
+                        <a:rPr lang="en-US" altLang="zh-CN" sz="1100" b="1" kern="1200" baseline="0" dirty="0" smtClean="0">
                           <a:solidFill>
                             <a:schemeClr val="dk1"/>
                           </a:solidFill>
@@ -20020,7 +19840,7 @@
                         </a:rPr>
                         <a:t> structures</a:t>
                       </a:r>
-                      <a:endParaRPr lang="zh-CN" altLang="en-US" sz="900" b="1" kern="1200" baseline="0" dirty="0">
+                      <a:endParaRPr lang="zh-CN" altLang="en-US" sz="1100" b="1" kern="1200" baseline="0" dirty="0">
                         <a:solidFill>
                           <a:schemeClr val="dk1"/>
                         </a:solidFill>
@@ -20034,7 +19854,7 @@
                 </a:tc>
                 <a:extLst>
                   <a:ext uri="{0D108BD9-81ED-4DB2-BD59-A6C34878D82A}">
-                    <a16:rowId xmlns:a16="http://schemas.microsoft.com/office/drawing/2014/main" xmlns="" val="1466771304"/>
+                    <a16:rowId xmlns="" xmlns:a16="http://schemas.microsoft.com/office/drawing/2014/main" val="1466771304"/>
                   </a:ext>
                 </a:extLst>
               </a:tr>
@@ -20046,7 +19866,7 @@
                     <a:p>
                       <a:pPr marL="0" algn="ctr" defTabSz="685800" rtl="0" eaLnBrk="1" latinLnBrk="0" hangingPunct="1"/>
                       <a:r>
-                        <a:rPr lang="en-US" altLang="zh-CN" sz="900" b="1" kern="1200" baseline="0" dirty="0" err="1" smtClean="0">
+                        <a:rPr lang="en-US" altLang="zh-CN" sz="1100" b="1" kern="1200" baseline="0" dirty="0" err="1" smtClean="0">
                           <a:solidFill>
                             <a:schemeClr val="dk1"/>
                           </a:solidFill>
@@ -20057,7 +19877,7 @@
                         <a:t>BaoJun</a:t>
                       </a:r>
                       <a:r>
-                        <a:rPr lang="en-US" altLang="zh-CN" sz="900" b="1" kern="1200" baseline="0" dirty="0" smtClean="0">
+                        <a:rPr lang="en-US" altLang="zh-CN" sz="1100" b="1" kern="1200" baseline="0" dirty="0" smtClean="0">
                           <a:solidFill>
                             <a:schemeClr val="dk1"/>
                           </a:solidFill>
@@ -20068,7 +19888,7 @@
                         <a:t> Li (</a:t>
                       </a:r>
                       <a:r>
-                        <a:rPr lang="zh-CN" altLang="en-US" sz="900" b="1" kern="1200" baseline="0" dirty="0" smtClean="0">
+                        <a:rPr lang="zh-CN" altLang="en-US" sz="1100" b="1" kern="1200" baseline="0" dirty="0" smtClean="0">
                           <a:solidFill>
                             <a:schemeClr val="dk1"/>
                           </a:solidFill>
@@ -20079,7 +19899,7 @@
                         <a:t>李宝军</a:t>
                       </a:r>
                       <a:r>
-                        <a:rPr lang="en-US" altLang="zh-CN" sz="900" b="1" kern="1200" baseline="0" dirty="0" smtClean="0">
+                        <a:rPr lang="en-US" altLang="zh-CN" sz="1100" b="1" kern="1200" baseline="0" dirty="0" smtClean="0">
                           <a:solidFill>
                             <a:schemeClr val="dk1"/>
                           </a:solidFill>
@@ -20089,7 +19909,7 @@
                         </a:rPr>
                         <a:t>)</a:t>
                       </a:r>
-                      <a:endParaRPr lang="zh-CN" altLang="en-US" sz="900" b="1" kern="1200" baseline="0" dirty="0">
+                      <a:endParaRPr lang="zh-CN" altLang="en-US" sz="1100" b="1" kern="1200" baseline="0" dirty="0">
                         <a:solidFill>
                           <a:schemeClr val="dk1"/>
                         </a:solidFill>
@@ -20108,7 +19928,7 @@
                     <a:p>
                       <a:pPr marL="0" algn="ctr" defTabSz="685800" rtl="0" eaLnBrk="1" latinLnBrk="0" hangingPunct="1"/>
                       <a:r>
-                        <a:rPr lang="en-US" altLang="zh-CN" sz="900" b="1" kern="1200" baseline="0" dirty="0" smtClean="0">
+                        <a:rPr lang="en-US" altLang="zh-CN" sz="1100" b="1" kern="1200" baseline="0" dirty="0" smtClean="0">
                           <a:solidFill>
                             <a:schemeClr val="dk1"/>
                           </a:solidFill>
@@ -20118,7 +19938,7 @@
                         </a:rPr>
                         <a:t>09:20-09:55</a:t>
                       </a:r>
-                      <a:endParaRPr lang="zh-CN" altLang="en-US" sz="900" b="1" kern="1200" baseline="0" dirty="0">
+                      <a:endParaRPr lang="zh-CN" altLang="en-US" sz="1100" b="1" kern="1200" baseline="0" dirty="0">
                         <a:solidFill>
                           <a:schemeClr val="dk1"/>
                         </a:solidFill>
@@ -20137,7 +19957,7 @@
                     <a:p>
                       <a:pPr algn="ctr"/>
                       <a:r>
-                        <a:rPr lang="zh-CN" altLang="en-US" sz="900" b="1" kern="1200" baseline="0" dirty="0" smtClean="0">
+                        <a:rPr lang="zh-CN" altLang="en-US" sz="1100" b="1" kern="1200" baseline="0" dirty="0" smtClean="0">
                           <a:solidFill>
                             <a:schemeClr val="dk1"/>
                           </a:solidFill>
@@ -20147,7 +19967,7 @@
                         </a:rPr>
                         <a:t>用光纤探针操控微粒和细胞</a:t>
                       </a:r>
-                      <a:endParaRPr lang="zh-CN" altLang="en-US" sz="900" b="1" kern="1200" baseline="0" dirty="0">
+                      <a:endParaRPr lang="zh-CN" altLang="en-US" sz="1100" b="1" kern="1200" baseline="0" dirty="0">
                         <a:solidFill>
                           <a:schemeClr val="dk1"/>
                         </a:solidFill>
@@ -20161,7 +19981,7 @@
                 </a:tc>
                 <a:extLst>
                   <a:ext uri="{0D108BD9-81ED-4DB2-BD59-A6C34878D82A}">
-                    <a16:rowId xmlns:a16="http://schemas.microsoft.com/office/drawing/2014/main" xmlns="" val="1360372986"/>
+                    <a16:rowId xmlns="" xmlns:a16="http://schemas.microsoft.com/office/drawing/2014/main" val="1360372986"/>
                   </a:ext>
                 </a:extLst>
               </a:tr>
@@ -20173,7 +19993,7 @@
                     <a:p>
                       <a:pPr marL="0" algn="ctr" defTabSz="685800" rtl="0" eaLnBrk="1" latinLnBrk="0" hangingPunct="1"/>
                       <a:r>
-                        <a:rPr lang="en-US" altLang="zh-CN" sz="900" b="1" kern="1200" baseline="0" dirty="0" err="1" smtClean="0">
+                        <a:rPr lang="en-US" altLang="zh-CN" sz="1100" b="1" kern="1200" baseline="0" dirty="0" err="1" smtClean="0">
                           <a:solidFill>
                             <a:schemeClr val="dk1"/>
                           </a:solidFill>
@@ -20184,7 +20004,7 @@
                         <a:t>DangYuan</a:t>
                       </a:r>
                       <a:r>
-                        <a:rPr lang="en-US" altLang="zh-CN" sz="900" b="1" kern="1200" baseline="0" dirty="0" smtClean="0">
+                        <a:rPr lang="en-US" altLang="zh-CN" sz="1100" b="1" kern="1200" baseline="0" dirty="0" smtClean="0">
                           <a:solidFill>
                             <a:schemeClr val="dk1"/>
                           </a:solidFill>
@@ -20195,7 +20015,7 @@
                         <a:t> Lei(</a:t>
                       </a:r>
                       <a:r>
-                        <a:rPr lang="zh-CN" altLang="en-US" sz="900" b="1" kern="1200" baseline="0" dirty="0" smtClean="0">
+                        <a:rPr lang="zh-CN" altLang="en-US" sz="1100" b="1" kern="1200" baseline="0" dirty="0" smtClean="0">
                           <a:solidFill>
                             <a:schemeClr val="dk1"/>
                           </a:solidFill>
@@ -20206,7 +20026,7 @@
                         <a:t>雷党愿</a:t>
                       </a:r>
                       <a:r>
-                        <a:rPr lang="en-US" altLang="zh-CN" sz="900" b="1" kern="1200" baseline="0" dirty="0" smtClean="0">
+                        <a:rPr lang="en-US" altLang="zh-CN" sz="1100" b="1" kern="1200" baseline="0" dirty="0" smtClean="0">
                           <a:solidFill>
                             <a:schemeClr val="dk1"/>
                           </a:solidFill>
@@ -20216,7 +20036,7 @@
                         </a:rPr>
                         <a:t>)</a:t>
                       </a:r>
-                      <a:endParaRPr lang="zh-CN" altLang="en-US" sz="900" b="1" kern="1200" baseline="0" dirty="0">
+                      <a:endParaRPr lang="zh-CN" altLang="en-US" sz="1100" b="1" kern="1200" baseline="0" dirty="0">
                         <a:solidFill>
                           <a:schemeClr val="dk1"/>
                         </a:solidFill>
@@ -20235,7 +20055,7 @@
                     <a:p>
                       <a:pPr marL="0" algn="ctr" defTabSz="685800" rtl="0" eaLnBrk="1" latinLnBrk="0" hangingPunct="1"/>
                       <a:r>
-                        <a:rPr lang="en-US" altLang="zh-CN" sz="900" b="1" kern="1200" baseline="0" dirty="0" smtClean="0">
+                        <a:rPr lang="en-US" altLang="zh-CN" sz="1100" b="1" kern="1200" baseline="0" dirty="0" smtClean="0">
                           <a:solidFill>
                             <a:schemeClr val="dk1"/>
                           </a:solidFill>
@@ -20245,7 +20065,7 @@
                         </a:rPr>
                         <a:t>09:55-10:20</a:t>
                       </a:r>
-                      <a:endParaRPr lang="zh-CN" altLang="en-US" sz="900" b="1" kern="1200" baseline="0" dirty="0">
+                      <a:endParaRPr lang="zh-CN" altLang="en-US" sz="1100" b="1" kern="1200" baseline="0" dirty="0">
                         <a:solidFill>
                           <a:schemeClr val="dk1"/>
                         </a:solidFill>
@@ -20264,7 +20084,7 @@
                     <a:p>
                       <a:pPr marL="0" algn="ctr" defTabSz="685800" rtl="0" eaLnBrk="1" latinLnBrk="0" hangingPunct="1"/>
                       <a:r>
-                        <a:rPr lang="en-US" altLang="zh-CN" sz="900" b="1" kern="1200" baseline="0" dirty="0" smtClean="0">
+                        <a:rPr lang="en-US" altLang="zh-CN" sz="1100" b="1" kern="1200" baseline="0" dirty="0" smtClean="0">
                           <a:solidFill>
                             <a:schemeClr val="dk1"/>
                           </a:solidFill>
@@ -20275,7 +20095,7 @@
                         <a:t>Some interesting </a:t>
                       </a:r>
                       <a:r>
-                        <a:rPr lang="en-US" altLang="zh-CN" sz="900" b="1" kern="1200" baseline="0" dirty="0" err="1" smtClean="0">
+                        <a:rPr lang="en-US" altLang="zh-CN" sz="1100" b="1" kern="1200" baseline="0" dirty="0" err="1" smtClean="0">
                           <a:solidFill>
                             <a:schemeClr val="dk1"/>
                           </a:solidFill>
@@ -20286,7 +20106,7 @@
                         <a:t>nano</a:t>
                       </a:r>
                       <a:r>
-                        <a:rPr lang="en-US" altLang="zh-CN" sz="900" b="1" kern="1200" baseline="0" dirty="0" smtClean="0">
+                        <a:rPr lang="en-US" altLang="zh-CN" sz="1100" b="1" kern="1200" baseline="0" dirty="0" smtClean="0">
                           <a:solidFill>
                             <a:schemeClr val="dk1"/>
                           </a:solidFill>
@@ -20297,7 +20117,7 @@
                         <a:t>-optics phenomena in </a:t>
                       </a:r>
                       <a:r>
-                        <a:rPr lang="en-US" altLang="zh-CN" sz="900" b="1" kern="1200" baseline="0" dirty="0" err="1" smtClean="0">
+                        <a:rPr lang="en-US" altLang="zh-CN" sz="1100" b="1" kern="1200" baseline="0" dirty="0" err="1" smtClean="0">
                           <a:solidFill>
                             <a:schemeClr val="dk1"/>
                           </a:solidFill>
@@ -20308,7 +20128,7 @@
                         <a:t>plasmonic</a:t>
                       </a:r>
                       <a:r>
-                        <a:rPr lang="en-US" altLang="zh-CN" sz="900" b="1" kern="1200" baseline="0" dirty="0" smtClean="0">
+                        <a:rPr lang="en-US" altLang="zh-CN" sz="1100" b="1" kern="1200" baseline="0" dirty="0" smtClean="0">
                           <a:solidFill>
                             <a:schemeClr val="dk1"/>
                           </a:solidFill>
@@ -20319,7 +20139,7 @@
                         <a:t> particle-on-film </a:t>
                       </a:r>
                       <a:r>
-                        <a:rPr lang="en-US" altLang="zh-CN" sz="900" b="1" kern="1200" baseline="0" dirty="0" err="1" smtClean="0">
+                        <a:rPr lang="en-US" altLang="zh-CN" sz="1100" b="1" kern="1200" baseline="0" dirty="0" err="1" smtClean="0">
                           <a:solidFill>
                             <a:schemeClr val="dk1"/>
                           </a:solidFill>
@@ -20329,7 +20149,7 @@
                         </a:rPr>
                         <a:t>nanocavities</a:t>
                       </a:r>
-                      <a:endParaRPr lang="zh-CN" altLang="en-US" sz="900" b="1" kern="1200" baseline="0" dirty="0">
+                      <a:endParaRPr lang="zh-CN" altLang="en-US" sz="1100" b="1" kern="1200" baseline="0" dirty="0">
                         <a:solidFill>
                           <a:schemeClr val="dk1"/>
                         </a:solidFill>
@@ -20343,7 +20163,7 @@
                 </a:tc>
                 <a:extLst>
                   <a:ext uri="{0D108BD9-81ED-4DB2-BD59-A6C34878D82A}">
-                    <a16:rowId xmlns:a16="http://schemas.microsoft.com/office/drawing/2014/main" xmlns="" val="3517042196"/>
+                    <a16:rowId xmlns="" xmlns:a16="http://schemas.microsoft.com/office/drawing/2014/main" val="3517042196"/>
                   </a:ext>
                 </a:extLst>
               </a:tr>
@@ -20354,7 +20174,7 @@
                     <a:lstStyle/>
                     <a:p>
                       <a:pPr marL="0" algn="ctr" defTabSz="685800" rtl="0" eaLnBrk="1" latinLnBrk="0" hangingPunct="1"/>
-                      <a:endParaRPr lang="zh-CN" altLang="en-US" sz="900" b="1" kern="1200" baseline="0" dirty="0">
+                      <a:endParaRPr lang="zh-CN" altLang="en-US" sz="1100" b="1" kern="1200" baseline="0" dirty="0">
                         <a:solidFill>
                           <a:schemeClr val="dk1"/>
                         </a:solidFill>
@@ -20373,7 +20193,7 @@
                     <a:p>
                       <a:pPr marL="0" algn="ctr" defTabSz="685800" rtl="0" eaLnBrk="1" latinLnBrk="0" hangingPunct="1"/>
                       <a:r>
-                        <a:rPr lang="en-US" altLang="zh-CN" sz="900" b="1" kern="1200" baseline="0" dirty="0" smtClean="0">
+                        <a:rPr lang="en-US" altLang="zh-CN" sz="1100" b="1" kern="1200" baseline="0" dirty="0" smtClean="0">
                           <a:solidFill>
                             <a:schemeClr val="dk1"/>
                           </a:solidFill>
@@ -20383,7 +20203,7 @@
                         </a:rPr>
                         <a:t>10:20-10:45</a:t>
                       </a:r>
-                      <a:endParaRPr lang="zh-CN" altLang="en-US" sz="900" b="1" kern="1200" baseline="0" dirty="0">
+                      <a:endParaRPr lang="zh-CN" altLang="en-US" sz="1100" b="1" kern="1200" baseline="0" dirty="0">
                         <a:solidFill>
                           <a:schemeClr val="dk1"/>
                         </a:solidFill>
@@ -20418,7 +20238,7 @@
                         <a:defRPr/>
                       </a:pPr>
                       <a:r>
-                        <a:rPr lang="en-US" altLang="zh-CN" sz="900" b="1" kern="1200" baseline="0" dirty="0" smtClean="0">
+                        <a:rPr lang="en-US" altLang="zh-CN" sz="1100" b="1" kern="1200" baseline="0" dirty="0" smtClean="0">
                           <a:solidFill>
                             <a:schemeClr val="dk1"/>
                           </a:solidFill>
@@ -20426,20 +20246,20 @@
                           <a:ea typeface="微软雅黑" panose="020B0503020204020204" pitchFamily="34" charset="-122"/>
                           <a:cs typeface="+mn-cs"/>
                         </a:rPr>
-                        <a:t>Coffee  Break</a:t>
-                      </a:r>
-                      <a:endParaRPr lang="zh-CN" altLang="en-US" sz="900" b="1" kern="1200" baseline="0" dirty="0" smtClean="0">
-                        <a:solidFill>
-                          <a:schemeClr val="dk1"/>
-                        </a:solidFill>
-                        <a:latin typeface="微软雅黑" panose="020B0503020204020204" pitchFamily="34" charset="-122"/>
-                        <a:ea typeface="微软雅黑" panose="020B0503020204020204" pitchFamily="34" charset="-122"/>
-                        <a:cs typeface="+mn-cs"/>
-                      </a:endParaRPr>
-                    </a:p>
-                    <a:p>
-                      <a:pPr marL="0" algn="ctr" defTabSz="685800" rtl="0" eaLnBrk="1" latinLnBrk="0" hangingPunct="1"/>
-                      <a:endParaRPr lang="zh-CN" altLang="en-US" sz="900" b="1" kern="1200" baseline="0" dirty="0">
+                        <a:t>Coffee  </a:t>
+                      </a:r>
+                      <a:r>
+                        <a:rPr lang="en-US" altLang="zh-CN" sz="1100" b="1" kern="1200" baseline="0" dirty="0" smtClean="0">
+                          <a:solidFill>
+                            <a:schemeClr val="dk1"/>
+                          </a:solidFill>
+                          <a:latin typeface="微软雅黑" panose="020B0503020204020204" pitchFamily="34" charset="-122"/>
+                          <a:ea typeface="微软雅黑" panose="020B0503020204020204" pitchFamily="34" charset="-122"/>
+                          <a:cs typeface="+mn-cs"/>
+                        </a:rPr>
+                        <a:t>Break</a:t>
+                      </a:r>
+                      <a:endParaRPr lang="zh-CN" altLang="en-US" sz="1100" b="1" kern="1200" baseline="0" dirty="0">
                         <a:solidFill>
                           <a:schemeClr val="dk1"/>
                         </a:solidFill>
@@ -20453,7 +20273,7 @@
                 </a:tc>
                 <a:extLst>
                   <a:ext uri="{0D108BD9-81ED-4DB2-BD59-A6C34878D82A}">
-                    <a16:rowId xmlns:a16="http://schemas.microsoft.com/office/drawing/2014/main" xmlns="" val="2030655908"/>
+                    <a16:rowId xmlns="" xmlns:a16="http://schemas.microsoft.com/office/drawing/2014/main" val="2030655908"/>
                   </a:ext>
                 </a:extLst>
               </a:tr>
@@ -20481,7 +20301,7 @@
                         <a:defRPr/>
                       </a:pPr>
                       <a:r>
-                        <a:rPr lang="en-US" altLang="zh-CN" sz="900" b="1" kern="1200" baseline="0" dirty="0" err="1" smtClean="0">
+                        <a:rPr lang="en-US" altLang="zh-CN" sz="1100" b="1" kern="1200" baseline="0" dirty="0" err="1" smtClean="0">
                           <a:solidFill>
                             <a:schemeClr val="dk1"/>
                           </a:solidFill>
@@ -20492,7 +20312,7 @@
                         <a:t>ZhangKai</a:t>
                       </a:r>
                       <a:r>
-                        <a:rPr lang="en-US" altLang="zh-CN" sz="900" b="1" kern="1200" baseline="0" dirty="0" smtClean="0">
+                        <a:rPr lang="en-US" altLang="zh-CN" sz="1100" b="1" kern="1200" baseline="0" dirty="0" smtClean="0">
                           <a:solidFill>
                             <a:schemeClr val="dk1"/>
                           </a:solidFill>
@@ -20503,7 +20323,7 @@
                         <a:t> Zhou(</a:t>
                       </a:r>
                       <a:r>
-                        <a:rPr lang="zh-CN" altLang="en-US" sz="900" b="1" kern="1200" baseline="0" dirty="0" smtClean="0">
+                        <a:rPr lang="zh-CN" altLang="en-US" sz="1100" b="1" kern="1200" baseline="0" dirty="0" smtClean="0">
                           <a:solidFill>
                             <a:schemeClr val="dk1"/>
                           </a:solidFill>
@@ -20514,7 +20334,7 @@
                         <a:t>周张凯</a:t>
                       </a:r>
                       <a:r>
-                        <a:rPr lang="en-US" altLang="zh-CN" sz="900" b="1" kern="1200" baseline="0" dirty="0" smtClean="0">
+                        <a:rPr lang="en-US" altLang="zh-CN" sz="1100" b="1" kern="1200" baseline="0" dirty="0" smtClean="0">
                           <a:solidFill>
                             <a:schemeClr val="dk1"/>
                           </a:solidFill>
@@ -20524,7 +20344,7 @@
                         </a:rPr>
                         <a:t>)</a:t>
                       </a:r>
-                      <a:endParaRPr lang="zh-CN" altLang="zh-CN" sz="900" b="1" kern="1200" baseline="0" dirty="0">
+                      <a:endParaRPr lang="zh-CN" altLang="zh-CN" sz="1100" b="1" kern="1200" baseline="0" dirty="0">
                         <a:solidFill>
                           <a:schemeClr val="dk1"/>
                         </a:solidFill>
@@ -20543,7 +20363,7 @@
                     <a:p>
                       <a:pPr marL="0" algn="ctr" defTabSz="685800" rtl="0" eaLnBrk="1" latinLnBrk="0" hangingPunct="1"/>
                       <a:r>
-                        <a:rPr lang="en-US" altLang="zh-CN" sz="900" b="1" kern="1200" baseline="0" dirty="0" smtClean="0">
+                        <a:rPr lang="en-US" altLang="zh-CN" sz="1100" b="1" kern="1200" baseline="0" dirty="0" smtClean="0">
                           <a:solidFill>
                             <a:schemeClr val="dk1"/>
                           </a:solidFill>
@@ -20553,7 +20373,7 @@
                         </a:rPr>
                         <a:t>10:45-11:10</a:t>
                       </a:r>
-                      <a:endParaRPr lang="zh-CN" altLang="en-US" sz="900" b="1" kern="1200" baseline="0" dirty="0">
+                      <a:endParaRPr lang="zh-CN" altLang="en-US" sz="1100" b="1" kern="1200" baseline="0" dirty="0">
                         <a:solidFill>
                           <a:schemeClr val="dk1"/>
                         </a:solidFill>
@@ -20572,7 +20392,7 @@
                     <a:p>
                       <a:pPr marL="0" algn="ctr" defTabSz="685800" rtl="0" eaLnBrk="1" latinLnBrk="0" hangingPunct="1"/>
                       <a:r>
-                        <a:rPr lang="zh-CN" altLang="en-US" sz="900" b="1" kern="1200" baseline="0" dirty="0" smtClean="0">
+                        <a:rPr lang="zh-CN" altLang="en-US" sz="1100" b="1" kern="1200" baseline="0" dirty="0" smtClean="0">
                           <a:solidFill>
                             <a:schemeClr val="dk1"/>
                           </a:solidFill>
@@ -20582,7 +20402,7 @@
                         </a:rPr>
                         <a:t>基于等离激元结构的功能图像器件</a:t>
                       </a:r>
-                      <a:endParaRPr lang="zh-CN" altLang="en-US" sz="900" b="1" kern="1200" baseline="0" dirty="0">
+                      <a:endParaRPr lang="zh-CN" altLang="en-US" sz="1100" b="1" kern="1200" baseline="0" dirty="0">
                         <a:solidFill>
                           <a:schemeClr val="dk1"/>
                         </a:solidFill>
@@ -20596,7 +20416,7 @@
                 </a:tc>
                 <a:extLst>
                   <a:ext uri="{0D108BD9-81ED-4DB2-BD59-A6C34878D82A}">
-                    <a16:rowId xmlns:a16="http://schemas.microsoft.com/office/drawing/2014/main" xmlns="" val="409827977"/>
+                    <a16:rowId xmlns="" xmlns:a16="http://schemas.microsoft.com/office/drawing/2014/main" val="409827977"/>
                   </a:ext>
                 </a:extLst>
               </a:tr>
@@ -20608,7 +20428,7 @@
                     <a:p>
                       <a:pPr marL="0" algn="ctr" defTabSz="685800" rtl="0" eaLnBrk="1" latinLnBrk="0" hangingPunct="1"/>
                       <a:r>
-                        <a:rPr lang="en-US" altLang="zh-CN" sz="900" b="1" kern="1200" dirty="0" err="1" smtClean="0">
+                        <a:rPr lang="en-US" altLang="zh-CN" sz="1100" b="1" kern="1200" dirty="0" err="1" smtClean="0">
                           <a:solidFill>
                             <a:schemeClr val="dk1"/>
                           </a:solidFill>
@@ -20619,7 +20439,7 @@
                         <a:t>Chongjun</a:t>
                       </a:r>
                       <a:r>
-                        <a:rPr lang="en-US" altLang="zh-CN" sz="900" b="1" kern="1200" dirty="0" smtClean="0">
+                        <a:rPr lang="en-US" altLang="zh-CN" sz="1100" b="1" kern="1200" dirty="0" smtClean="0">
                           <a:solidFill>
                             <a:schemeClr val="dk1"/>
                           </a:solidFill>
@@ -20630,7 +20450,7 @@
                         <a:t> Jin</a:t>
                       </a:r>
                       <a:r>
-                        <a:rPr lang="zh-CN" altLang="en-US" sz="900" b="1" kern="1200" dirty="0" smtClean="0">
+                        <a:rPr lang="zh-CN" altLang="en-US" sz="1100" b="1" kern="1200" dirty="0" smtClean="0">
                           <a:solidFill>
                             <a:schemeClr val="dk1"/>
                           </a:solidFill>
@@ -20640,7 +20460,7 @@
                         </a:rPr>
                         <a:t>（金崇君）</a:t>
                       </a:r>
-                      <a:endParaRPr lang="en-US" altLang="zh-CN" sz="900" b="1" kern="1200" dirty="0" smtClean="0">
+                      <a:endParaRPr lang="en-US" altLang="zh-CN" sz="1100" b="1" kern="1200" dirty="0" smtClean="0">
                         <a:solidFill>
                           <a:schemeClr val="dk1"/>
                         </a:solidFill>
@@ -20659,7 +20479,7 @@
                     <a:p>
                       <a:pPr marL="0" algn="ctr" defTabSz="685800" rtl="0" eaLnBrk="1" latinLnBrk="0" hangingPunct="1"/>
                       <a:r>
-                        <a:rPr lang="en-US" altLang="zh-CN" sz="900" b="1" kern="1200" dirty="0" smtClean="0">
+                        <a:rPr lang="en-US" altLang="zh-CN" sz="1100" b="1" kern="1200" dirty="0" smtClean="0">
                           <a:solidFill>
                             <a:schemeClr val="dk1"/>
                           </a:solidFill>
@@ -20669,7 +20489,7 @@
                         </a:rPr>
                         <a:t>11:10-11:35</a:t>
                       </a:r>
-                      <a:endParaRPr lang="zh-CN" altLang="en-US" sz="900" b="1" kern="1200" dirty="0">
+                      <a:endParaRPr lang="zh-CN" altLang="en-US" sz="1100" b="1" kern="1200" dirty="0">
                         <a:solidFill>
                           <a:schemeClr val="dk1"/>
                         </a:solidFill>
@@ -20704,7 +20524,7 @@
                         <a:defRPr/>
                       </a:pPr>
                       <a:r>
-                        <a:rPr lang="en-US" altLang="zh-CN" sz="900" b="1" kern="1200" dirty="0" smtClean="0">
+                        <a:rPr lang="en-US" altLang="zh-CN" sz="1100" b="1" kern="1200" dirty="0" smtClean="0">
                           <a:solidFill>
                             <a:schemeClr val="dk1"/>
                           </a:solidFill>
@@ -20715,7 +20535,7 @@
                         <a:t>Sensors based on surface </a:t>
                       </a:r>
                       <a:r>
-                        <a:rPr lang="en-US" altLang="zh-CN" sz="900" b="1" kern="1200" dirty="0" err="1" smtClean="0">
+                        <a:rPr lang="en-US" altLang="zh-CN" sz="1100" b="1" kern="1200" dirty="0" err="1" smtClean="0">
                           <a:solidFill>
                             <a:schemeClr val="dk1"/>
                           </a:solidFill>
@@ -20726,7 +20546,7 @@
                         <a:t>plasmon</a:t>
                       </a:r>
                       <a:r>
-                        <a:rPr lang="en-US" altLang="zh-CN" sz="900" b="1" kern="1200" dirty="0" smtClean="0">
+                        <a:rPr lang="en-US" altLang="zh-CN" sz="1100" b="1" kern="1200" dirty="0" smtClean="0">
                           <a:solidFill>
                             <a:schemeClr val="dk1"/>
                           </a:solidFill>
@@ -20737,7 +20557,7 @@
                         <a:t> </a:t>
                       </a:r>
                       <a:r>
-                        <a:rPr lang="en-US" altLang="zh-CN" sz="900" b="1" kern="1200" dirty="0" err="1" smtClean="0">
+                        <a:rPr lang="en-US" altLang="zh-CN" sz="1100" b="1" kern="1200" dirty="0" err="1" smtClean="0">
                           <a:solidFill>
                             <a:schemeClr val="dk1"/>
                           </a:solidFill>
@@ -20747,7 +20567,7 @@
                         </a:rPr>
                         <a:t>polaritons</a:t>
                       </a:r>
-                      <a:endParaRPr lang="zh-CN" altLang="en-US" sz="900" b="1" kern="1200" dirty="0" smtClean="0">
+                      <a:endParaRPr lang="zh-CN" altLang="en-US" sz="1100" b="1" kern="1200" dirty="0" smtClean="0">
                         <a:solidFill>
                           <a:schemeClr val="dk1"/>
                         </a:solidFill>
@@ -20761,7 +20581,7 @@
                 </a:tc>
                 <a:extLst>
                   <a:ext uri="{0D108BD9-81ED-4DB2-BD59-A6C34878D82A}">
-                    <a16:rowId xmlns:a16="http://schemas.microsoft.com/office/drawing/2014/main" xmlns="" val="869534706"/>
+                    <a16:rowId xmlns="" xmlns:a16="http://schemas.microsoft.com/office/drawing/2014/main" val="869534706"/>
                   </a:ext>
                 </a:extLst>
               </a:tr>
@@ -20789,7 +20609,7 @@
                         <a:defRPr/>
                       </a:pPr>
                       <a:r>
-                        <a:rPr lang="en-US" altLang="zh-CN" sz="900" b="1" kern="1200" baseline="0" dirty="0" err="1" smtClean="0">
+                        <a:rPr lang="en-US" altLang="zh-CN" sz="1100" b="1" kern="1200" baseline="0" dirty="0" err="1" smtClean="0">
                           <a:solidFill>
                             <a:schemeClr val="dk1"/>
                           </a:solidFill>
@@ -20800,7 +20620,7 @@
                         <a:t>HuaKang</a:t>
                       </a:r>
                       <a:r>
-                        <a:rPr lang="en-US" altLang="zh-CN" sz="900" b="1" kern="1200" baseline="0" dirty="0" smtClean="0">
+                        <a:rPr lang="en-US" altLang="zh-CN" sz="1100" b="1" kern="1200" baseline="0" dirty="0" smtClean="0">
                           <a:solidFill>
                             <a:schemeClr val="dk1"/>
                           </a:solidFill>
@@ -20811,7 +20631,7 @@
                         <a:t> Yu(</a:t>
                       </a:r>
                       <a:r>
-                        <a:rPr lang="zh-CN" altLang="en-US" sz="900" b="1" kern="1200" baseline="0" dirty="0" smtClean="0">
+                        <a:rPr lang="zh-CN" altLang="en-US" sz="1100" b="1" kern="1200" baseline="0" dirty="0" smtClean="0">
                           <a:solidFill>
                             <a:schemeClr val="dk1"/>
                           </a:solidFill>
@@ -20822,7 +20642,7 @@
                         <a:t>虞华康</a:t>
                       </a:r>
                       <a:r>
-                        <a:rPr lang="en-US" altLang="zh-CN" sz="900" b="1" kern="1200" baseline="0" dirty="0" smtClean="0">
+                        <a:rPr lang="en-US" altLang="zh-CN" sz="1100" b="1" kern="1200" baseline="0" dirty="0" smtClean="0">
                           <a:solidFill>
                             <a:schemeClr val="dk1"/>
                           </a:solidFill>
@@ -20832,7 +20652,7 @@
                         </a:rPr>
                         <a:t>)</a:t>
                       </a:r>
-                      <a:endParaRPr lang="zh-CN" altLang="en-US" sz="900" b="1" kern="1200" baseline="0" dirty="0">
+                      <a:endParaRPr lang="zh-CN" altLang="en-US" sz="1100" b="1" kern="1200" baseline="0" dirty="0">
                         <a:solidFill>
                           <a:schemeClr val="dk1"/>
                         </a:solidFill>
@@ -20851,7 +20671,7 @@
                     <a:p>
                       <a:pPr algn="ctr"/>
                       <a:r>
-                        <a:rPr lang="en-US" altLang="zh-CN" sz="900" b="1" kern="1200" baseline="0" dirty="0" smtClean="0">
+                        <a:rPr lang="en-US" altLang="zh-CN" sz="1100" b="1" kern="1200" baseline="0" dirty="0" smtClean="0">
                           <a:solidFill>
                             <a:schemeClr val="dk1"/>
                           </a:solidFill>
@@ -20861,7 +20681,7 @@
                         </a:rPr>
                         <a:t>11:35-12:00</a:t>
                       </a:r>
-                      <a:endParaRPr lang="zh-CN" altLang="en-US" sz="900" b="1" kern="1200" baseline="0" dirty="0">
+                      <a:endParaRPr lang="zh-CN" altLang="en-US" sz="1100" b="1" kern="1200" baseline="0" dirty="0">
                         <a:solidFill>
                           <a:schemeClr val="dk1"/>
                         </a:solidFill>
@@ -20896,7 +20716,7 @@
                         <a:defRPr/>
                       </a:pPr>
                       <a:r>
-                        <a:rPr lang="zh-CN" altLang="en-US" sz="900" b="1" kern="1200" baseline="0" dirty="0" smtClean="0">
+                        <a:rPr lang="zh-CN" altLang="en-US" sz="1100" b="1" kern="1200" baseline="0" dirty="0" smtClean="0">
                           <a:solidFill>
                             <a:schemeClr val="dk1"/>
                           </a:solidFill>
@@ -20904,12 +20724,20 @@
                           <a:ea typeface="微软雅黑" panose="020B0503020204020204" pitchFamily="34" charset="-122"/>
                           <a:cs typeface="+mn-cs"/>
                         </a:rPr>
-                        <a:t>低维纳米材料的光学二倍频效应</a:t>
-                      </a:r>
-                    </a:p>
-                    <a:p>
-                      <a:pPr algn="ctr"/>
-                      <a:endParaRPr lang="zh-CN" altLang="en-US" sz="900" b="1" kern="1200" baseline="0" dirty="0">
+                        <a:t>低维纳米材料的光学二倍频</a:t>
+                      </a:r>
+                      <a:r>
+                        <a:rPr lang="zh-CN" altLang="en-US" sz="1100" b="1" kern="1200" baseline="0" dirty="0" smtClean="0">
+                          <a:solidFill>
+                            <a:schemeClr val="dk1"/>
+                          </a:solidFill>
+                          <a:latin typeface="微软雅黑" panose="020B0503020204020204" pitchFamily="34" charset="-122"/>
+                          <a:ea typeface="微软雅黑" panose="020B0503020204020204" pitchFamily="34" charset="-122"/>
+                          <a:cs typeface="+mn-cs"/>
+                        </a:rPr>
+                        <a:t>效应</a:t>
+                      </a:r>
+                      <a:endParaRPr lang="zh-CN" altLang="en-US" sz="1100" b="1" kern="1200" baseline="0" dirty="0">
                         <a:solidFill>
                           <a:schemeClr val="dk1"/>
                         </a:solidFill>
@@ -20923,7 +20751,7 @@
                 </a:tc>
                 <a:extLst>
                   <a:ext uri="{0D108BD9-81ED-4DB2-BD59-A6C34878D82A}">
-                    <a16:rowId xmlns:a16="http://schemas.microsoft.com/office/drawing/2014/main" xmlns="" val="376353898"/>
+                    <a16:rowId xmlns="" xmlns:a16="http://schemas.microsoft.com/office/drawing/2014/main" val="376353898"/>
                   </a:ext>
                 </a:extLst>
               </a:tr>
@@ -20935,7 +20763,7 @@
                     <a:p>
                       <a:pPr marL="0" algn="ctr" defTabSz="685800" rtl="0" eaLnBrk="1" latinLnBrk="0" hangingPunct="1"/>
                       <a:r>
-                        <a:rPr lang="zh-CN" altLang="en-US" sz="900" b="1" kern="1200" baseline="0" dirty="0" smtClean="0">
+                        <a:rPr lang="zh-CN" altLang="en-US" sz="1100" b="1" kern="1200" baseline="0" dirty="0" smtClean="0">
                           <a:solidFill>
                             <a:schemeClr val="dk1"/>
                           </a:solidFill>
@@ -20945,7 +20773,7 @@
                         </a:rPr>
                         <a:t>午休</a:t>
                       </a:r>
-                      <a:endParaRPr lang="zh-CN" altLang="en-US" sz="900" b="1" kern="1200" baseline="0" dirty="0">
+                      <a:endParaRPr lang="zh-CN" altLang="en-US" sz="1100" b="1" kern="1200" baseline="0" dirty="0">
                         <a:solidFill>
                           <a:schemeClr val="dk1"/>
                         </a:solidFill>
@@ -21002,7 +20830,7 @@
                     <a:p>
                       <a:pPr marL="0" algn="ctr" defTabSz="685800" rtl="0" eaLnBrk="1" latinLnBrk="0" hangingPunct="1"/>
                       <a:r>
-                        <a:rPr lang="en-US" altLang="zh-CN" sz="900" b="1" kern="1200" baseline="0" dirty="0" err="1" smtClean="0">
+                        <a:rPr lang="en-US" altLang="zh-CN" sz="1100" b="1" kern="1200" baseline="0" dirty="0" err="1" smtClean="0">
                           <a:solidFill>
                             <a:schemeClr val="dk1"/>
                           </a:solidFill>
@@ -21013,7 +20841,7 @@
                         <a:t>XiangPing</a:t>
                       </a:r>
                       <a:r>
-                        <a:rPr lang="en-US" altLang="zh-CN" sz="900" b="1" kern="1200" baseline="0" dirty="0" smtClean="0">
+                        <a:rPr lang="en-US" altLang="zh-CN" sz="1100" b="1" kern="1200" baseline="0" dirty="0" smtClean="0">
                           <a:solidFill>
                             <a:schemeClr val="dk1"/>
                           </a:solidFill>
@@ -21024,7 +20852,7 @@
                         <a:t> Li(</a:t>
                       </a:r>
                       <a:r>
-                        <a:rPr lang="zh-CN" altLang="en-US" sz="900" b="1" kern="1200" baseline="0" dirty="0" smtClean="0">
+                        <a:rPr lang="zh-CN" altLang="en-US" sz="1100" b="1" kern="1200" baseline="0" dirty="0" smtClean="0">
                           <a:solidFill>
                             <a:schemeClr val="dk1"/>
                           </a:solidFill>
@@ -21035,7 +20863,7 @@
                         <a:t>李向平</a:t>
                       </a:r>
                       <a:r>
-                        <a:rPr lang="en-US" altLang="zh-CN" sz="900" b="1" kern="1200" baseline="0" dirty="0" smtClean="0">
+                        <a:rPr lang="en-US" altLang="zh-CN" sz="1100" b="1" kern="1200" baseline="0" dirty="0" smtClean="0">
                           <a:solidFill>
                             <a:schemeClr val="dk1"/>
                           </a:solidFill>
@@ -21045,7 +20873,7 @@
                         </a:rPr>
                         <a:t>)</a:t>
                       </a:r>
-                      <a:endParaRPr lang="zh-CN" altLang="en-US" sz="900" b="1" kern="1200" baseline="0" dirty="0">
+                      <a:endParaRPr lang="zh-CN" altLang="en-US" sz="1100" b="1" kern="1200" baseline="0" dirty="0">
                         <a:solidFill>
                           <a:schemeClr val="dk1"/>
                         </a:solidFill>
@@ -21064,7 +20892,7 @@
                     <a:p>
                       <a:pPr algn="ctr"/>
                       <a:r>
-                        <a:rPr lang="en-US" altLang="zh-CN" sz="900" b="1" kern="1200" baseline="0" dirty="0" smtClean="0">
+                        <a:rPr lang="en-US" altLang="zh-CN" sz="1100" b="1" kern="1200" baseline="0" dirty="0" smtClean="0">
                           <a:solidFill>
                             <a:schemeClr val="dk1"/>
                           </a:solidFill>
@@ -21074,7 +20902,7 @@
                         </a:rPr>
                         <a:t>14:30-14:55</a:t>
                       </a:r>
-                      <a:endParaRPr lang="zh-CN" altLang="en-US" sz="900" b="1" kern="1200" baseline="0" dirty="0">
+                      <a:endParaRPr lang="zh-CN" altLang="en-US" sz="1100" b="1" kern="1200" baseline="0" dirty="0">
                         <a:solidFill>
                           <a:schemeClr val="dk1"/>
                         </a:solidFill>
@@ -21093,7 +20921,7 @@
                     <a:p>
                       <a:pPr algn="ctr"/>
                       <a:r>
-                        <a:rPr lang="en-US" altLang="en-US" sz="900" b="1" kern="1200" baseline="0" dirty="0" err="1" smtClean="0">
+                        <a:rPr lang="en-US" altLang="en-US" sz="1100" b="1" kern="1200" baseline="0" dirty="0" err="1" smtClean="0">
                           <a:solidFill>
                             <a:schemeClr val="dk1"/>
                           </a:solidFill>
@@ -21104,7 +20932,7 @@
                         <a:t>Metahologram</a:t>
                       </a:r>
                       <a:r>
-                        <a:rPr lang="en-US" altLang="en-US" sz="900" b="1" kern="1200" baseline="0" dirty="0" smtClean="0">
+                        <a:rPr lang="en-US" altLang="en-US" sz="1100" b="1" kern="1200" baseline="0" dirty="0" smtClean="0">
                           <a:solidFill>
                             <a:schemeClr val="dk1"/>
                           </a:solidFill>
@@ -21115,7 +20943,7 @@
                         <a:t> from </a:t>
                       </a:r>
                       <a:r>
-                        <a:rPr lang="en-US" altLang="en-US" sz="900" b="1" kern="1200" baseline="0" dirty="0" err="1" smtClean="0">
+                        <a:rPr lang="en-US" altLang="en-US" sz="1100" b="1" kern="1200" baseline="0" dirty="0" err="1" smtClean="0">
                           <a:solidFill>
                             <a:schemeClr val="dk1"/>
                           </a:solidFill>
@@ -21126,7 +20954,7 @@
                         <a:t>vectorial</a:t>
                       </a:r>
                       <a:r>
-                        <a:rPr lang="en-US" altLang="en-US" sz="900" b="1" kern="1200" baseline="0" dirty="0" smtClean="0">
+                        <a:rPr lang="en-US" altLang="en-US" sz="1100" b="1" kern="1200" baseline="0" dirty="0" smtClean="0">
                           <a:solidFill>
                             <a:schemeClr val="dk1"/>
                           </a:solidFill>
@@ -21134,20 +20962,20 @@
                           <a:ea typeface="微软雅黑" panose="020B0503020204020204" pitchFamily="34" charset="-122"/>
                           <a:cs typeface="+mn-cs"/>
                         </a:rPr>
-                        <a:t> polarization to atomic thickness</a:t>
-                      </a:r>
-                      <a:endParaRPr lang="zh-CN" altLang="en-US" sz="900" b="1" kern="1200" baseline="0" dirty="0" smtClean="0">
-                        <a:solidFill>
-                          <a:schemeClr val="dk1"/>
-                        </a:solidFill>
-                        <a:latin typeface="微软雅黑" panose="020B0503020204020204" pitchFamily="34" charset="-122"/>
-                        <a:ea typeface="微软雅黑" panose="020B0503020204020204" pitchFamily="34" charset="-122"/>
-                        <a:cs typeface="+mn-cs"/>
-                      </a:endParaRPr>
-                    </a:p>
-                    <a:p>
-                      <a:pPr algn="ctr"/>
-                      <a:endParaRPr lang="zh-CN" altLang="en-US" sz="900" b="1" kern="1200" baseline="0" dirty="0">
+                        <a:t> polarization to atomic </a:t>
+                      </a:r>
+                      <a:r>
+                        <a:rPr lang="en-US" altLang="en-US" sz="1100" b="1" kern="1200" baseline="0" dirty="0" smtClean="0">
+                          <a:solidFill>
+                            <a:schemeClr val="dk1"/>
+                          </a:solidFill>
+                          <a:latin typeface="微软雅黑" panose="020B0503020204020204" pitchFamily="34" charset="-122"/>
+                          <a:ea typeface="微软雅黑" panose="020B0503020204020204" pitchFamily="34" charset="-122"/>
+                          <a:cs typeface="+mn-cs"/>
+                        </a:rPr>
+                        <a:t>thickness</a:t>
+                      </a:r>
+                      <a:endParaRPr lang="zh-CN" altLang="en-US" sz="1100" b="1" kern="1200" baseline="0" dirty="0">
                         <a:solidFill>
                           <a:schemeClr val="dk1"/>
                         </a:solidFill>
@@ -21161,7 +20989,7 @@
                 </a:tc>
                 <a:extLst>
                   <a:ext uri="{0D108BD9-81ED-4DB2-BD59-A6C34878D82A}">
-                    <a16:rowId xmlns:a16="http://schemas.microsoft.com/office/drawing/2014/main" xmlns="" val="3084526821"/>
+                    <a16:rowId xmlns="" xmlns:a16="http://schemas.microsoft.com/office/drawing/2014/main" val="3084526821"/>
                   </a:ext>
                 </a:extLst>
               </a:tr>
@@ -21189,7 +21017,7 @@
                         <a:defRPr/>
                       </a:pPr>
                       <a:r>
-                        <a:rPr lang="en-US" altLang="zh-CN" sz="900" b="1" kern="1200" baseline="0" dirty="0" err="1" smtClean="0">
+                        <a:rPr lang="en-US" altLang="zh-CN" sz="1100" b="1" kern="1200" baseline="0" dirty="0" err="1" smtClean="0">
                           <a:solidFill>
                             <a:schemeClr val="dk1"/>
                           </a:solidFill>
@@ -21200,7 +21028,7 @@
                         <a:t>ShuBo</a:t>
                       </a:r>
                       <a:r>
-                        <a:rPr lang="en-US" altLang="zh-CN" sz="900" b="1" kern="1200" baseline="0" dirty="0" smtClean="0">
+                        <a:rPr lang="en-US" altLang="zh-CN" sz="1100" b="1" kern="1200" baseline="0" dirty="0" smtClean="0">
                           <a:solidFill>
                             <a:schemeClr val="dk1"/>
                           </a:solidFill>
@@ -21211,7 +21039,7 @@
                         <a:t> Wang (</a:t>
                       </a:r>
                       <a:r>
-                        <a:rPr lang="zh-CN" altLang="en-US" sz="900" b="1" kern="1200" baseline="0" dirty="0" smtClean="0">
+                        <a:rPr lang="zh-CN" altLang="en-US" sz="1100" b="1" kern="1200" baseline="0" dirty="0" smtClean="0">
                           <a:solidFill>
                             <a:schemeClr val="dk1"/>
                           </a:solidFill>
@@ -21222,7 +21050,7 @@
                         <a:t>王书波</a:t>
                       </a:r>
                       <a:r>
-                        <a:rPr lang="en-US" altLang="zh-CN" sz="900" b="1" kern="1200" baseline="0" dirty="0" smtClean="0">
+                        <a:rPr lang="en-US" altLang="zh-CN" sz="1100" b="1" kern="1200" baseline="0" dirty="0" smtClean="0">
                           <a:solidFill>
                             <a:schemeClr val="dk1"/>
                           </a:solidFill>
@@ -21232,7 +21060,7 @@
                         </a:rPr>
                         <a:t>)</a:t>
                       </a:r>
-                      <a:endParaRPr lang="zh-CN" altLang="zh-CN" sz="900" b="1" kern="1200" baseline="0" dirty="0">
+                      <a:endParaRPr lang="zh-CN" altLang="zh-CN" sz="1100" b="1" kern="1200" baseline="0" dirty="0">
                         <a:solidFill>
                           <a:schemeClr val="dk1"/>
                         </a:solidFill>
@@ -21251,7 +21079,7 @@
                     <a:p>
                       <a:pPr algn="ctr"/>
                       <a:r>
-                        <a:rPr lang="en-US" altLang="zh-CN" sz="900" b="1" kern="1200" baseline="0" dirty="0" smtClean="0">
+                        <a:rPr lang="en-US" altLang="zh-CN" sz="1100" b="1" kern="1200" baseline="0" dirty="0" smtClean="0">
                           <a:solidFill>
                             <a:schemeClr val="dk1"/>
                           </a:solidFill>
@@ -21261,7 +21089,7 @@
                         </a:rPr>
                         <a:t>14:55-15:20</a:t>
                       </a:r>
-                      <a:endParaRPr lang="zh-CN" altLang="en-US" sz="900" b="1" kern="1200" baseline="0" dirty="0">
+                      <a:endParaRPr lang="zh-CN" altLang="en-US" sz="1100" b="1" kern="1200" baseline="0" dirty="0">
                         <a:solidFill>
                           <a:schemeClr val="dk1"/>
                         </a:solidFill>
@@ -21280,7 +21108,7 @@
                     <a:p>
                       <a:pPr algn="ctr"/>
                       <a:r>
-                        <a:rPr lang="en-US" altLang="zh-CN" sz="900" b="1" kern="1200" baseline="0" dirty="0" smtClean="0">
+                        <a:rPr lang="en-US" altLang="zh-CN" sz="1100" b="1" kern="1200" baseline="0" dirty="0" smtClean="0">
                           <a:solidFill>
                             <a:schemeClr val="dk1"/>
                           </a:solidFill>
@@ -21290,7 +21118,7 @@
                         </a:rPr>
                         <a:t>Controlling wave propagation by manipulating angular momentum</a:t>
                       </a:r>
-                      <a:endParaRPr lang="zh-CN" altLang="en-US" sz="900" b="1" kern="1200" baseline="0" dirty="0">
+                      <a:endParaRPr lang="zh-CN" altLang="en-US" sz="1100" b="1" kern="1200" baseline="0" dirty="0">
                         <a:solidFill>
                           <a:schemeClr val="dk1"/>
                         </a:solidFill>
@@ -21304,7 +21132,7 @@
                 </a:tc>
                 <a:extLst>
                   <a:ext uri="{0D108BD9-81ED-4DB2-BD59-A6C34878D82A}">
-                    <a16:rowId xmlns:a16="http://schemas.microsoft.com/office/drawing/2014/main" xmlns="" val="3303074763"/>
+                    <a16:rowId xmlns="" xmlns:a16="http://schemas.microsoft.com/office/drawing/2014/main" val="3303074763"/>
                   </a:ext>
                 </a:extLst>
               </a:tr>
@@ -21332,7 +21160,7 @@
                         <a:defRPr/>
                       </a:pPr>
                       <a:r>
-                        <a:rPr lang="en-US" altLang="zh-CN" sz="900" b="1" kern="1200" baseline="0" dirty="0" err="1" smtClean="0">
+                        <a:rPr lang="en-US" altLang="zh-CN" sz="1100" b="1" kern="1200" baseline="0" dirty="0" err="1" smtClean="0">
                           <a:solidFill>
                             <a:schemeClr val="dk1"/>
                           </a:solidFill>
@@ -21343,7 +21171,7 @@
                         <a:t>XinLun</a:t>
                       </a:r>
                       <a:r>
-                        <a:rPr lang="en-US" altLang="zh-CN" sz="900" b="1" kern="1200" baseline="0" dirty="0" smtClean="0">
+                        <a:rPr lang="en-US" altLang="zh-CN" sz="1100" b="1" kern="1200" baseline="0" dirty="0" smtClean="0">
                           <a:solidFill>
                             <a:schemeClr val="dk1"/>
                           </a:solidFill>
@@ -21354,7 +21182,7 @@
                         <a:t> </a:t>
                       </a:r>
                       <a:r>
-                        <a:rPr lang="en-US" altLang="zh-CN" sz="900" b="1" kern="1200" baseline="0" dirty="0" err="1" smtClean="0">
+                        <a:rPr lang="en-US" altLang="zh-CN" sz="1100" b="1" kern="1200" baseline="0" dirty="0" err="1" smtClean="0">
                           <a:solidFill>
                             <a:schemeClr val="dk1"/>
                           </a:solidFill>
@@ -21365,7 +21193,7 @@
                         <a:t>Cai</a:t>
                       </a:r>
                       <a:r>
-                        <a:rPr lang="en-US" altLang="zh-CN" sz="900" b="1" kern="1200" baseline="0" dirty="0" smtClean="0">
+                        <a:rPr lang="en-US" altLang="zh-CN" sz="1100" b="1" kern="1200" baseline="0" dirty="0" smtClean="0">
                           <a:solidFill>
                             <a:schemeClr val="dk1"/>
                           </a:solidFill>
@@ -21376,7 +21204,7 @@
                         <a:t> (</a:t>
                       </a:r>
                       <a:r>
-                        <a:rPr lang="zh-CN" altLang="en-US" sz="900" b="1" kern="1200" baseline="0" dirty="0" smtClean="0">
+                        <a:rPr lang="zh-CN" altLang="en-US" sz="1100" b="1" kern="1200" baseline="0" dirty="0" smtClean="0">
                           <a:solidFill>
                             <a:schemeClr val="dk1"/>
                           </a:solidFill>
@@ -21387,7 +21215,7 @@
                         <a:t>蔡鑫伦</a:t>
                       </a:r>
                       <a:r>
-                        <a:rPr lang="en-US" altLang="zh-CN" sz="900" b="1" kern="1200" baseline="0" dirty="0" smtClean="0">
+                        <a:rPr lang="en-US" altLang="zh-CN" sz="1100" b="1" kern="1200" baseline="0" dirty="0" smtClean="0">
                           <a:solidFill>
                             <a:schemeClr val="dk1"/>
                           </a:solidFill>
@@ -21397,7 +21225,7 @@
                         </a:rPr>
                         <a:t>)</a:t>
                       </a:r>
-                      <a:endParaRPr lang="zh-CN" altLang="zh-CN" sz="900" b="1" kern="1200" baseline="0" dirty="0">
+                      <a:endParaRPr lang="zh-CN" altLang="zh-CN" sz="1100" b="1" kern="1200" baseline="0" dirty="0">
                         <a:solidFill>
                           <a:schemeClr val="dk1"/>
                         </a:solidFill>
@@ -21416,7 +21244,7 @@
                     <a:p>
                       <a:pPr algn="ctr"/>
                       <a:r>
-                        <a:rPr lang="en-US" altLang="zh-CN" sz="900" b="1" kern="1200" baseline="0" dirty="0" smtClean="0">
+                        <a:rPr lang="en-US" altLang="zh-CN" sz="1100" b="1" kern="1200" baseline="0" dirty="0" smtClean="0">
                           <a:solidFill>
                             <a:schemeClr val="dk1"/>
                           </a:solidFill>
@@ -21426,7 +21254,7 @@
                         </a:rPr>
                         <a:t>15:20-15:45</a:t>
                       </a:r>
-                      <a:endParaRPr lang="zh-CN" altLang="en-US" sz="900" b="1" kern="1200" baseline="0" dirty="0">
+                      <a:endParaRPr lang="zh-CN" altLang="en-US" sz="1100" b="1" kern="1200" baseline="0" dirty="0">
                         <a:solidFill>
                           <a:schemeClr val="dk1"/>
                         </a:solidFill>
@@ -21445,7 +21273,7 @@
                     <a:p>
                       <a:pPr algn="ctr"/>
                       <a:r>
-                        <a:rPr lang="en-US" altLang="en-US" sz="900" b="1" kern="1200" baseline="0" dirty="0" smtClean="0">
+                        <a:rPr lang="en-US" altLang="en-US" sz="1100" b="1" kern="1200" baseline="0" dirty="0" smtClean="0">
                           <a:solidFill>
                             <a:schemeClr val="dk1"/>
                           </a:solidFill>
@@ -21456,7 +21284,7 @@
                         <a:t>Hybrid Silicon and Lithium </a:t>
                       </a:r>
                       <a:r>
-                        <a:rPr lang="en-US" altLang="en-US" sz="900" b="1" kern="1200" baseline="0" dirty="0" err="1" smtClean="0">
+                        <a:rPr lang="en-US" altLang="en-US" sz="1100" b="1" kern="1200" baseline="0" dirty="0" err="1" smtClean="0">
                           <a:solidFill>
                             <a:schemeClr val="dk1"/>
                           </a:solidFill>
@@ -21467,7 +21295,7 @@
                         <a:t>Niobate</a:t>
                       </a:r>
                       <a:r>
-                        <a:rPr lang="en-US" altLang="en-US" sz="900" b="1" kern="1200" baseline="0" dirty="0" smtClean="0">
+                        <a:rPr lang="en-US" altLang="en-US" sz="1100" b="1" kern="1200" baseline="0" dirty="0" smtClean="0">
                           <a:solidFill>
                             <a:schemeClr val="dk1"/>
                           </a:solidFill>
@@ -21478,7 +21306,7 @@
                         <a:t> Mach–</a:t>
                       </a:r>
                       <a:r>
-                        <a:rPr lang="en-US" altLang="en-US" sz="900" b="1" kern="1200" baseline="0" dirty="0" err="1" smtClean="0">
+                        <a:rPr lang="en-US" altLang="en-US" sz="1100" b="1" kern="1200" baseline="0" dirty="0" err="1" smtClean="0">
                           <a:solidFill>
                             <a:schemeClr val="dk1"/>
                           </a:solidFill>
@@ -21489,7 +21317,7 @@
                         <a:t>Zehnder</a:t>
                       </a:r>
                       <a:r>
-                        <a:rPr lang="en-US" altLang="en-US" sz="900" b="1" kern="1200" baseline="0" dirty="0" smtClean="0">
+                        <a:rPr lang="en-US" altLang="en-US" sz="1100" b="1" kern="1200" baseline="0" dirty="0" smtClean="0">
                           <a:solidFill>
                             <a:schemeClr val="dk1"/>
                           </a:solidFill>
@@ -21500,7 +21328,7 @@
                         <a:t> Modulators for 100 </a:t>
                       </a:r>
                       <a:r>
-                        <a:rPr lang="en-US" altLang="en-US" sz="900" b="1" kern="1200" baseline="0" dirty="0" err="1" smtClean="0">
+                        <a:rPr lang="en-US" altLang="en-US" sz="1100" b="1" kern="1200" baseline="0" dirty="0" err="1" smtClean="0">
                           <a:solidFill>
                             <a:schemeClr val="dk1"/>
                           </a:solidFill>
@@ -21511,7 +21339,7 @@
                         <a:t>Gbit</a:t>
                       </a:r>
                       <a:r>
-                        <a:rPr lang="en-US" altLang="en-US" sz="900" b="1" kern="1200" baseline="0" dirty="0" smtClean="0">
+                        <a:rPr lang="en-US" altLang="en-US" sz="1100" b="1" kern="1200" baseline="0" dirty="0" smtClean="0">
                           <a:solidFill>
                             <a:schemeClr val="dk1"/>
                           </a:solidFill>
@@ -21522,7 +21350,7 @@
                         <a:t>/s and </a:t>
                       </a:r>
                       <a:r>
-                        <a:rPr lang="en-US" altLang="en-US" sz="900" b="1" kern="1200" baseline="0" dirty="0" err="1" smtClean="0">
+                        <a:rPr lang="en-US" altLang="en-US" sz="1100" b="1" kern="1200" baseline="0" dirty="0" err="1" smtClean="0">
                           <a:solidFill>
                             <a:schemeClr val="dk1"/>
                           </a:solidFill>
@@ -21532,7 +21360,7 @@
                         </a:rPr>
                         <a:t>Byond</a:t>
                       </a:r>
-                      <a:endParaRPr lang="zh-CN" altLang="en-US" sz="900" b="1" kern="1200" baseline="0" dirty="0">
+                      <a:endParaRPr lang="zh-CN" altLang="en-US" sz="1100" b="1" kern="1200" baseline="0" dirty="0">
                         <a:solidFill>
                           <a:schemeClr val="dk1"/>
                         </a:solidFill>
@@ -21546,7 +21374,7 @@
                 </a:tc>
                 <a:extLst>
                   <a:ext uri="{0D108BD9-81ED-4DB2-BD59-A6C34878D82A}">
-                    <a16:rowId xmlns:a16="http://schemas.microsoft.com/office/drawing/2014/main" xmlns="" val="3971897777"/>
+                    <a16:rowId xmlns="" xmlns:a16="http://schemas.microsoft.com/office/drawing/2014/main" val="3971897777"/>
                   </a:ext>
                 </a:extLst>
               </a:tr>
@@ -21559,7 +21387,7 @@
           <p:cNvPr id="13" name="文本框 12">
             <a:extLst>
               <a:ext uri="{FF2B5EF4-FFF2-40B4-BE49-F238E27FC236}">
-                <a16:creationId xmlns:a16="http://schemas.microsoft.com/office/drawing/2014/main" xmlns="" id="{740F5E40-DCD1-41FA-94E2-CA9CA7EC8E7F}"/>
+                <a16:creationId xmlns="" xmlns:a16="http://schemas.microsoft.com/office/drawing/2014/main" id="{740F5E40-DCD1-41FA-94E2-CA9CA7EC8E7F}"/>
               </a:ext>
             </a:extLst>
           </p:cNvPr>
@@ -21638,10 +21466,10 @@
       </p:sp>
       <p:sp>
         <p:nvSpPr>
-          <p:cNvPr id="14" name="文本框 13">
+          <p:cNvPr id="6" name="文本框 5">
             <a:extLst>
               <a:ext uri="{FF2B5EF4-FFF2-40B4-BE49-F238E27FC236}">
-                <a16:creationId xmlns:a16="http://schemas.microsoft.com/office/drawing/2014/main" xmlns="" id="{66ED3A95-7245-4310-8354-479C4A30391B}"/>
+                <a16:creationId xmlns="" xmlns:a16="http://schemas.microsoft.com/office/drawing/2014/main" id="{66ED3A95-7245-4310-8354-479C4A30391B}"/>
               </a:ext>
             </a:extLst>
           </p:cNvPr>
@@ -21650,8 +21478,8 @@
         </p:nvSpPr>
         <p:spPr>
           <a:xfrm>
-            <a:off x="1071538" y="785794"/>
-            <a:ext cx="6670780" cy="1166025"/>
+            <a:off x="336034" y="1052736"/>
+            <a:ext cx="8471928" cy="796693"/>
           </a:xfrm>
           <a:prstGeom prst="rect">
             <a:avLst/>
@@ -21666,13 +21494,6 @@
           <a:p>
             <a:pPr algn="ctr"/>
             <a:r>
-              <a:rPr lang="en-US" altLang="zh-CN" sz="2177" b="1" dirty="0">
-                <a:latin typeface="微软雅黑" panose="020B0503020204020204" pitchFamily="34" charset="-122"/>
-                <a:ea typeface="微软雅黑" panose="020B0503020204020204" pitchFamily="34" charset="-122"/>
-              </a:rPr>
-              <a:t>Conference Program in </a:t>
-            </a:r>
-            <a:r>
               <a:rPr lang="en-US" altLang="zh-CN" sz="2400" b="1" dirty="0" smtClean="0">
                 <a:latin typeface="+mj-ea"/>
               </a:rPr>
@@ -21682,14 +21503,14 @@
               <a:rPr lang="en-US" altLang="zh-CN" sz="2400" b="1" baseline="30000" dirty="0" smtClean="0">
                 <a:latin typeface="+mj-ea"/>
               </a:rPr>
-              <a:t>nd</a:t>
+              <a:t>r</a:t>
             </a:r>
-            <a:endParaRPr lang="en-US" altLang="zh-CN" sz="2400" b="1" baseline="30000" dirty="0">
-              <a:latin typeface="+mj-ea"/>
-            </a:endParaRPr>
-          </a:p>
-          <a:p>
-            <a:pPr algn="ctr"/>
+            <a:r>
+              <a:rPr lang="en-US" altLang="zh-CN" sz="2400" b="1" baseline="30000" dirty="0" smtClean="0">
+                <a:latin typeface="+mj-ea"/>
+              </a:rPr>
+              <a:t>d  </a:t>
+            </a:r>
             <a:r>
               <a:rPr lang="en-US" altLang="zh-CN" sz="2400" b="1" dirty="0" smtClean="0">
                 <a:latin typeface="+mj-ea"/>
@@ -21718,13 +21539,20 @@
     </p:spTree>
     <p:extLst>
       <p:ext uri="{BB962C8B-B14F-4D97-AF65-F5344CB8AC3E}">
-        <p14:creationId xmlns:p14="http://schemas.microsoft.com/office/powerpoint/2010/main" xmlns="" val="934251523"/>
+        <p14:creationId xmlns:p14="http://schemas.microsoft.com/office/powerpoint/2010/main" val="934251523"/>
       </p:ext>
     </p:extLst>
   </p:cSld>
   <p:clrMapOvr>
     <a:masterClrMapping/>
   </p:clrMapOvr>
+  <p:timing>
+    <p:tnLst>
+      <p:par>
+        <p:cTn id="1" dur="indefinite" restart="never" nodeType="tmRoot"/>
+      </p:par>
+    </p:tnLst>
+  </p:timing>
 </p:sld>
 </file>
 
@@ -21750,7 +21578,7 @@
           <p:cNvPr id="12" name="矩形 11">
             <a:extLst>
               <a:ext uri="{FF2B5EF4-FFF2-40B4-BE49-F238E27FC236}">
-                <a16:creationId xmlns:a16="http://schemas.microsoft.com/office/drawing/2014/main" xmlns="" id="{42B28CF3-1023-471A-85FC-9F9F3ADC12F8}"/>
+                <a16:creationId xmlns="" xmlns:a16="http://schemas.microsoft.com/office/drawing/2014/main" id="{42B28CF3-1023-471A-85FC-9F9F3ADC12F8}"/>
               </a:ext>
             </a:extLst>
           </p:cNvPr>
@@ -21816,7 +21644,7 @@
           <p:cNvPr id="8" name="表格 7">
             <a:extLst>
               <a:ext uri="{FF2B5EF4-FFF2-40B4-BE49-F238E27FC236}">
-                <a16:creationId xmlns:a16="http://schemas.microsoft.com/office/drawing/2014/main" xmlns="" id="{DF1018AF-4BB1-46F7-91DD-90F84352DBBF}"/>
+                <a16:creationId xmlns="" xmlns:a16="http://schemas.microsoft.com/office/drawing/2014/main" id="{DF1018AF-4BB1-46F7-91DD-90F84352DBBF}"/>
               </a:ext>
             </a:extLst>
           </p:cNvPr>
@@ -21826,14 +21654,14 @@
           <p:nvPr>
             <p:extLst>
               <p:ext uri="{D42A27DB-BD31-4B8C-83A1-F6EECF244321}">
-                <p14:modId xmlns:p14="http://schemas.microsoft.com/office/powerpoint/2010/main" xmlns="" val="1147174992"/>
+                <p14:modId xmlns:p14="http://schemas.microsoft.com/office/powerpoint/2010/main" val="3014165757"/>
               </p:ext>
             </p:extLst>
           </p:nvPr>
         </p:nvGraphicFramePr>
         <p:xfrm>
           <a:off x="285720" y="2000240"/>
-          <a:ext cx="8471929" cy="2184476"/>
+          <a:ext cx="8471929" cy="2285602"/>
         </p:xfrm>
         <a:graphic>
           <a:graphicData uri="http://schemas.openxmlformats.org/drawingml/2006/table">
@@ -21845,21 +21673,21 @@
                 <a:gridCol w="2180823">
                   <a:extLst>
                     <a:ext uri="{9D8B030D-6E8A-4147-A177-3AD203B41FA5}">
-                      <a16:colId xmlns:a16="http://schemas.microsoft.com/office/drawing/2014/main" xmlns="" val="271949209"/>
+                      <a16:colId xmlns="" xmlns:a16="http://schemas.microsoft.com/office/drawing/2014/main" val="271949209"/>
                     </a:ext>
                   </a:extLst>
                 </a:gridCol>
                 <a:gridCol w="1803043">
                   <a:extLst>
                     <a:ext uri="{9D8B030D-6E8A-4147-A177-3AD203B41FA5}">
-                      <a16:colId xmlns:a16="http://schemas.microsoft.com/office/drawing/2014/main" xmlns="" val="483794282"/>
+                      <a16:colId xmlns="" xmlns:a16="http://schemas.microsoft.com/office/drawing/2014/main" val="483794282"/>
                     </a:ext>
                   </a:extLst>
                 </a:gridCol>
                 <a:gridCol w="4488063">
                   <a:extLst>
                     <a:ext uri="{9D8B030D-6E8A-4147-A177-3AD203B41FA5}">
-                      <a16:colId xmlns:a16="http://schemas.microsoft.com/office/drawing/2014/main" xmlns="" val="3157286281"/>
+                      <a16:colId xmlns="" xmlns:a16="http://schemas.microsoft.com/office/drawing/2014/main" val="3157286281"/>
                     </a:ext>
                   </a:extLst>
                 </a:gridCol>
@@ -21872,10 +21700,10 @@
                     <a:p>
                       <a:pPr algn="ctr"/>
                       <a:r>
-                        <a:rPr lang="en-US" altLang="zh-CN" sz="1200" dirty="0"/>
+                        <a:rPr lang="en-US" altLang="zh-CN" sz="1800" dirty="0"/>
                         <a:t>Speaker</a:t>
                       </a:r>
-                      <a:endParaRPr lang="zh-CN" altLang="en-US" sz="1200" dirty="0"/>
+                      <a:endParaRPr lang="zh-CN" altLang="en-US" sz="1800" dirty="0"/>
                     </a:p>
                   </a:txBody>
                   <a:tcPr marL="110604" marR="110604" marT="28714" marB="28714" anchor="ctr"/>
@@ -21887,10 +21715,10 @@
                     <a:p>
                       <a:pPr algn="ctr"/>
                       <a:r>
-                        <a:rPr lang="en-US" altLang="zh-CN" sz="1200" dirty="0"/>
+                        <a:rPr lang="en-US" altLang="zh-CN" sz="1800" dirty="0"/>
                         <a:t>Time</a:t>
                       </a:r>
-                      <a:endParaRPr lang="zh-CN" altLang="en-US" sz="1200" dirty="0"/>
+                      <a:endParaRPr lang="zh-CN" altLang="en-US" sz="1800" dirty="0"/>
                     </a:p>
                   </a:txBody>
                   <a:tcPr marL="110604" marR="110604" marT="28714" marB="28714" anchor="ctr"/>
@@ -21902,17 +21730,17 @@
                     <a:p>
                       <a:pPr algn="ctr"/>
                       <a:r>
-                        <a:rPr lang="en-US" altLang="zh-CN" sz="1200" dirty="0"/>
+                        <a:rPr lang="en-US" altLang="zh-CN" sz="1800" dirty="0"/>
                         <a:t>Topic</a:t>
                       </a:r>
-                      <a:endParaRPr lang="zh-CN" altLang="en-US" sz="1200" dirty="0"/>
+                      <a:endParaRPr lang="zh-CN" altLang="en-US" sz="1800" dirty="0"/>
                     </a:p>
                   </a:txBody>
                   <a:tcPr marL="110604" marR="110604" marT="28714" marB="28714" anchor="ctr"/>
                 </a:tc>
                 <a:extLst>
                   <a:ext uri="{0D108BD9-81ED-4DB2-BD59-A6C34878D82A}">
-                    <a16:rowId xmlns:a16="http://schemas.microsoft.com/office/drawing/2014/main" xmlns="" val="10357417"/>
+                    <a16:rowId xmlns="" xmlns:a16="http://schemas.microsoft.com/office/drawing/2014/main" val="10357417"/>
                   </a:ext>
                 </a:extLst>
               </a:tr>
@@ -21939,7 +21767,7 @@
                         <a:tabLst/>
                         <a:defRPr/>
                       </a:pPr>
-                      <a:endParaRPr lang="zh-CN" altLang="en-US" sz="900" b="1" kern="1200" baseline="0" dirty="0">
+                      <a:endParaRPr lang="zh-CN" altLang="en-US" sz="1100" b="1" kern="1200" baseline="0" dirty="0">
                         <a:solidFill>
                           <a:schemeClr val="dk1"/>
                         </a:solidFill>
@@ -21958,7 +21786,7 @@
                     <a:p>
                       <a:pPr algn="ctr"/>
                       <a:r>
-                        <a:rPr lang="en-US" altLang="zh-CN" sz="900" b="1" kern="1200" baseline="0" dirty="0" smtClean="0">
+                        <a:rPr lang="en-US" altLang="zh-CN" sz="1100" b="1" kern="1200" baseline="0" dirty="0" smtClean="0">
                           <a:solidFill>
                             <a:schemeClr val="dk1"/>
                           </a:solidFill>
@@ -21969,7 +21797,7 @@
                         <a:t>15</a:t>
                       </a:r>
                       <a:r>
-                        <a:rPr lang="zh-CN" altLang="en-US" sz="900" b="1" kern="1200" baseline="0" dirty="0" smtClean="0">
+                        <a:rPr lang="zh-CN" altLang="en-US" sz="1100" b="1" kern="1200" baseline="0" dirty="0" smtClean="0">
                           <a:solidFill>
                             <a:schemeClr val="dk1"/>
                           </a:solidFill>
@@ -21980,7 +21808,7 @@
                         <a:t>：</a:t>
                       </a:r>
                       <a:r>
-                        <a:rPr lang="en-US" altLang="zh-CN" sz="900" b="1" kern="1200" baseline="0" dirty="0" smtClean="0">
+                        <a:rPr lang="en-US" altLang="zh-CN" sz="1100" b="1" kern="1200" baseline="0" dirty="0" smtClean="0">
                           <a:solidFill>
                             <a:schemeClr val="dk1"/>
                           </a:solidFill>
@@ -21990,7 +21818,7 @@
                         </a:rPr>
                         <a:t>45-16:10</a:t>
                       </a:r>
-                      <a:endParaRPr lang="zh-CN" altLang="en-US" sz="900" b="1" kern="1200" baseline="0" dirty="0">
+                      <a:endParaRPr lang="zh-CN" altLang="en-US" sz="1100" b="1" kern="1200" baseline="0" dirty="0">
                         <a:solidFill>
                           <a:schemeClr val="dk1"/>
                         </a:solidFill>
@@ -22025,7 +21853,7 @@
                         <a:defRPr/>
                       </a:pPr>
                       <a:r>
-                        <a:rPr lang="en-US" altLang="zh-CN" sz="900" b="1" kern="1200" baseline="0" dirty="0" smtClean="0">
+                        <a:rPr lang="en-US" altLang="zh-CN" sz="1100" b="1" kern="1200" baseline="0" dirty="0" smtClean="0">
                           <a:solidFill>
                             <a:schemeClr val="dk1"/>
                           </a:solidFill>
@@ -22035,7 +21863,7 @@
                         </a:rPr>
                         <a:t>Coffee  Break</a:t>
                       </a:r>
-                      <a:endParaRPr lang="zh-CN" altLang="en-US" sz="900" b="1" kern="1200" baseline="0" dirty="0" smtClean="0">
+                      <a:endParaRPr lang="zh-CN" altLang="en-US" sz="1100" b="1" kern="1200" baseline="0" dirty="0" smtClean="0">
                         <a:solidFill>
                           <a:schemeClr val="dk1"/>
                         </a:solidFill>
@@ -22056,7 +21884,7 @@
                     <a:p>
                       <a:pPr marL="0" algn="ctr" defTabSz="685800" rtl="0" eaLnBrk="1" latinLnBrk="0" hangingPunct="1"/>
                       <a:r>
-                        <a:rPr lang="en-US" altLang="zh-CN" sz="900" b="1" kern="1200" dirty="0" smtClean="0">
+                        <a:rPr lang="en-US" altLang="zh-CN" sz="1100" b="1" kern="1200" dirty="0" smtClean="0">
                           <a:solidFill>
                             <a:schemeClr val="dk1"/>
                           </a:solidFill>
@@ -22067,7 +21895,7 @@
                         <a:t>Jack Ng(</a:t>
                       </a:r>
                       <a:r>
-                        <a:rPr lang="zh-CN" altLang="en-US" sz="900" b="1" kern="1200" dirty="0" smtClean="0">
+                        <a:rPr lang="zh-CN" altLang="en-US" sz="1100" b="1" kern="1200" dirty="0" smtClean="0">
                           <a:solidFill>
                             <a:schemeClr val="dk1"/>
                           </a:solidFill>
@@ -22078,7 +21906,7 @@
                         <a:t>吴紫辉</a:t>
                       </a:r>
                       <a:r>
-                        <a:rPr lang="en-US" altLang="zh-CN" sz="900" b="1" kern="1200" dirty="0" smtClean="0">
+                        <a:rPr lang="en-US" altLang="zh-CN" sz="1100" b="1" kern="1200" dirty="0" smtClean="0">
                           <a:solidFill>
                             <a:schemeClr val="dk1"/>
                           </a:solidFill>
@@ -22088,7 +21916,7 @@
                         </a:rPr>
                         <a:t>)</a:t>
                       </a:r>
-                      <a:endParaRPr lang="zh-CN" altLang="en-US" sz="900" b="1" kern="1200" dirty="0">
+                      <a:endParaRPr lang="zh-CN" altLang="en-US" sz="1100" b="1" kern="1200" dirty="0">
                         <a:solidFill>
                           <a:schemeClr val="dk1"/>
                         </a:solidFill>
@@ -22107,7 +21935,7 @@
                     <a:p>
                       <a:pPr algn="ctr"/>
                       <a:r>
-                        <a:rPr lang="en-US" altLang="zh-CN" sz="900" b="1" kern="1200" dirty="0" smtClean="0">
+                        <a:rPr lang="en-US" altLang="zh-CN" sz="1100" b="1" kern="1200" dirty="0" smtClean="0">
                           <a:solidFill>
                             <a:schemeClr val="dk1"/>
                           </a:solidFill>
@@ -22117,7 +21945,7 @@
                         </a:rPr>
                         <a:t>16:10-16:35</a:t>
                       </a:r>
-                      <a:endParaRPr lang="zh-CN" altLang="en-US" sz="900" b="1" kern="1200" dirty="0">
+                      <a:endParaRPr lang="zh-CN" altLang="en-US" sz="1100" b="1" kern="1200" dirty="0">
                         <a:solidFill>
                           <a:schemeClr val="dk1"/>
                         </a:solidFill>
@@ -22136,7 +21964,7 @@
                     <a:p>
                       <a:pPr algn="ctr"/>
                       <a:r>
-                        <a:rPr lang="en-US" altLang="zh-CN" sz="900" b="1" kern="1200" dirty="0" smtClean="0">
+                        <a:rPr lang="en-US" altLang="zh-CN" sz="1100" b="1" kern="1200" dirty="0" smtClean="0">
                           <a:solidFill>
                             <a:schemeClr val="dk1"/>
                           </a:solidFill>
@@ -22146,7 +21974,7 @@
                         </a:rPr>
                         <a:t>Optical Tractor Beam with Macroscopic Range</a:t>
                       </a:r>
-                      <a:endParaRPr lang="zh-CN" altLang="en-US" sz="900" b="1" kern="1200" dirty="0">
+                      <a:endParaRPr lang="zh-CN" altLang="en-US" sz="1100" b="1" kern="1200" dirty="0">
                         <a:solidFill>
                           <a:schemeClr val="dk1"/>
                         </a:solidFill>
@@ -22160,7 +21988,7 @@
                 </a:tc>
                 <a:extLst>
                   <a:ext uri="{0D108BD9-81ED-4DB2-BD59-A6C34878D82A}">
-                    <a16:rowId xmlns:a16="http://schemas.microsoft.com/office/drawing/2014/main" xmlns="" val="1881350119"/>
+                    <a16:rowId xmlns="" xmlns:a16="http://schemas.microsoft.com/office/drawing/2014/main" val="1881350119"/>
                   </a:ext>
                 </a:extLst>
               </a:tr>
@@ -22172,7 +22000,7 @@
                     <a:p>
                       <a:pPr marL="0" algn="ctr" defTabSz="685800" rtl="0" eaLnBrk="1" latinLnBrk="0" hangingPunct="1"/>
                       <a:r>
-                        <a:rPr lang="en-US" altLang="zh-CN" sz="900" b="1" kern="1200" dirty="0" err="1" smtClean="0">
+                        <a:rPr lang="en-US" altLang="zh-CN" sz="1100" b="1" kern="1200" dirty="0" err="1" smtClean="0">
                           <a:solidFill>
                             <a:schemeClr val="dk1"/>
                           </a:solidFill>
@@ -22183,7 +22011,7 @@
                         <a:t>YaoYu</a:t>
                       </a:r>
                       <a:r>
-                        <a:rPr lang="en-US" altLang="zh-CN" sz="900" b="1" kern="1200" dirty="0" smtClean="0">
+                        <a:rPr lang="en-US" altLang="zh-CN" sz="1100" b="1" kern="1200" dirty="0" smtClean="0">
                           <a:solidFill>
                             <a:schemeClr val="dk1"/>
                           </a:solidFill>
@@ -22194,7 +22022,7 @@
                         <a:t>  Cao(</a:t>
                       </a:r>
                       <a:r>
-                        <a:rPr lang="zh-CN" altLang="en-US" sz="900" b="1" kern="1200" dirty="0" smtClean="0">
+                        <a:rPr lang="zh-CN" altLang="en-US" sz="1100" b="1" kern="1200" dirty="0" smtClean="0">
                           <a:solidFill>
                             <a:schemeClr val="dk1"/>
                           </a:solidFill>
@@ -22205,7 +22033,7 @@
                         <a:t>曹耀宇</a:t>
                       </a:r>
                       <a:r>
-                        <a:rPr lang="en-US" altLang="zh-CN" sz="900" b="1" kern="1200" dirty="0" smtClean="0">
+                        <a:rPr lang="en-US" altLang="zh-CN" sz="1100" b="1" kern="1200" dirty="0" smtClean="0">
                           <a:solidFill>
                             <a:schemeClr val="dk1"/>
                           </a:solidFill>
@@ -22215,7 +22043,7 @@
                         </a:rPr>
                         <a:t>)</a:t>
                       </a:r>
-                      <a:endParaRPr lang="zh-CN" altLang="en-US" sz="900" b="1" kern="1200" dirty="0">
+                      <a:endParaRPr lang="zh-CN" altLang="en-US" sz="1100" b="1" kern="1200" dirty="0">
                         <a:solidFill>
                           <a:schemeClr val="dk1"/>
                         </a:solidFill>
@@ -22234,7 +22062,7 @@
                     <a:p>
                       <a:pPr marL="0" algn="ctr" defTabSz="685800" rtl="0" eaLnBrk="1" latinLnBrk="0" hangingPunct="1"/>
                       <a:r>
-                        <a:rPr lang="en-US" altLang="zh-CN" sz="900" b="1" kern="1200" dirty="0" smtClean="0">
+                        <a:rPr lang="en-US" altLang="zh-CN" sz="1100" b="1" kern="1200" dirty="0" smtClean="0">
                           <a:solidFill>
                             <a:schemeClr val="dk1"/>
                           </a:solidFill>
@@ -22244,7 +22072,7 @@
                         </a:rPr>
                         <a:t>16:35-17:00</a:t>
                       </a:r>
-                      <a:endParaRPr lang="zh-CN" altLang="en-US" sz="900" b="1" kern="1200" dirty="0">
+                      <a:endParaRPr lang="zh-CN" altLang="en-US" sz="1100" b="1" kern="1200" dirty="0">
                         <a:solidFill>
                           <a:schemeClr val="dk1"/>
                         </a:solidFill>
@@ -22279,7 +22107,7 @@
                         <a:defRPr/>
                       </a:pPr>
                       <a:r>
-                        <a:rPr lang="en-US" altLang="zh-CN" sz="900" b="1" kern="1200" dirty="0" smtClean="0">
+                        <a:rPr lang="en-US" altLang="zh-CN" sz="1100" b="1" kern="1200" dirty="0" smtClean="0">
                           <a:solidFill>
                             <a:schemeClr val="dk1"/>
                           </a:solidFill>
@@ -22290,7 +22118,7 @@
                         <a:t>Optical beam lithography (OBL) facilitated </a:t>
                       </a:r>
                       <a:r>
-                        <a:rPr lang="en-US" altLang="zh-CN" sz="900" b="1" kern="1200" dirty="0" err="1" smtClean="0">
+                        <a:rPr lang="en-US" altLang="zh-CN" sz="1100" b="1" kern="1200" dirty="0" err="1" smtClean="0">
                           <a:solidFill>
                             <a:schemeClr val="dk1"/>
                           </a:solidFill>
@@ -22301,7 +22129,7 @@
                         <a:t>nanophotonics</a:t>
                       </a:r>
                       <a:r>
-                        <a:rPr lang="en-US" altLang="zh-CN" sz="900" b="1" kern="1200" dirty="0" smtClean="0">
+                        <a:rPr lang="en-US" altLang="zh-CN" sz="1100" b="1" kern="1200" dirty="0" smtClean="0">
                           <a:solidFill>
                             <a:schemeClr val="dk1"/>
                           </a:solidFill>
@@ -22309,20 +22137,20 @@
                           <a:ea typeface="微软雅黑" panose="020B0503020204020204" pitchFamily="34" charset="-122"/>
                           <a:cs typeface="+mn-cs"/>
                         </a:rPr>
-                        <a:t>: new challenges and opportunities</a:t>
-                      </a:r>
-                      <a:endParaRPr lang="zh-CN" altLang="en-US" sz="900" b="1" kern="1200" dirty="0" smtClean="0">
-                        <a:solidFill>
-                          <a:schemeClr val="dk1"/>
-                        </a:solidFill>
-                        <a:latin typeface="微软雅黑" panose="020B0503020204020204" pitchFamily="34" charset="-122"/>
-                        <a:ea typeface="微软雅黑" panose="020B0503020204020204" pitchFamily="34" charset="-122"/>
-                        <a:cs typeface="+mn-cs"/>
-                      </a:endParaRPr>
-                    </a:p>
-                    <a:p>
-                      <a:pPr marL="0" algn="ctr" defTabSz="685800" rtl="0" eaLnBrk="1" latinLnBrk="0" hangingPunct="1"/>
-                      <a:endParaRPr lang="zh-CN" altLang="en-US" sz="900" b="1" kern="1200" dirty="0">
+                        <a:t>: new challenges and </a:t>
+                      </a:r>
+                      <a:r>
+                        <a:rPr lang="en-US" altLang="zh-CN" sz="1100" b="1" kern="1200" dirty="0" smtClean="0">
+                          <a:solidFill>
+                            <a:schemeClr val="dk1"/>
+                          </a:solidFill>
+                          <a:latin typeface="微软雅黑" panose="020B0503020204020204" pitchFamily="34" charset="-122"/>
+                          <a:ea typeface="微软雅黑" panose="020B0503020204020204" pitchFamily="34" charset="-122"/>
+                          <a:cs typeface="+mn-cs"/>
+                        </a:rPr>
+                        <a:t>opportunities</a:t>
+                      </a:r>
+                      <a:endParaRPr lang="zh-CN" altLang="en-US" sz="1100" b="1" kern="1200" dirty="0">
                         <a:solidFill>
                           <a:schemeClr val="dk1"/>
                         </a:solidFill>
@@ -22336,7 +22164,7 @@
                 </a:tc>
                 <a:extLst>
                   <a:ext uri="{0D108BD9-81ED-4DB2-BD59-A6C34878D82A}">
-                    <a16:rowId xmlns:a16="http://schemas.microsoft.com/office/drawing/2014/main" xmlns="" val="1466771304"/>
+                    <a16:rowId xmlns="" xmlns:a16="http://schemas.microsoft.com/office/drawing/2014/main" val="1466771304"/>
                   </a:ext>
                 </a:extLst>
               </a:tr>
@@ -22348,7 +22176,7 @@
                     <a:p>
                       <a:pPr marL="0" algn="ctr" defTabSz="685800" rtl="0" eaLnBrk="1" latinLnBrk="0" hangingPunct="1"/>
                       <a:r>
-                        <a:rPr lang="en-US" altLang="zh-CN" sz="900" b="1" kern="1200" dirty="0" smtClean="0">
+                        <a:rPr lang="en-US" altLang="zh-CN" sz="1100" b="1" kern="1200" dirty="0" smtClean="0">
                           <a:solidFill>
                             <a:schemeClr val="dk1"/>
                           </a:solidFill>
@@ -22359,7 +22187,7 @@
                         <a:t>Alex Wong(</a:t>
                       </a:r>
                       <a:r>
-                        <a:rPr lang="zh-CN" altLang="en-US" sz="900" b="1" kern="1200" dirty="0" smtClean="0">
+                        <a:rPr lang="zh-CN" altLang="en-US" sz="1100" b="1" kern="1200" dirty="0" smtClean="0">
                           <a:solidFill>
                             <a:schemeClr val="dk1"/>
                           </a:solidFill>
@@ -22370,7 +22198,7 @@
                         <a:t>王文瀚</a:t>
                       </a:r>
                       <a:r>
-                        <a:rPr lang="en-US" altLang="zh-CN" sz="900" b="1" kern="1200" dirty="0" smtClean="0">
+                        <a:rPr lang="en-US" altLang="zh-CN" sz="1100" b="1" kern="1200" dirty="0" smtClean="0">
                           <a:solidFill>
                             <a:schemeClr val="dk1"/>
                           </a:solidFill>
@@ -22380,7 +22208,7 @@
                         </a:rPr>
                         <a:t>)</a:t>
                       </a:r>
-                      <a:endParaRPr lang="zh-CN" altLang="en-US" sz="900" b="1" kern="1200" dirty="0">
+                      <a:endParaRPr lang="zh-CN" altLang="en-US" sz="1100" b="1" kern="1200" dirty="0">
                         <a:solidFill>
                           <a:schemeClr val="dk1"/>
                         </a:solidFill>
@@ -22399,7 +22227,7 @@
                     <a:p>
                       <a:pPr marL="0" algn="ctr" defTabSz="685800" rtl="0" eaLnBrk="1" latinLnBrk="0" hangingPunct="1"/>
                       <a:r>
-                        <a:rPr lang="en-US" altLang="zh-CN" sz="900" b="1" kern="1200" dirty="0" smtClean="0">
+                        <a:rPr lang="en-US" altLang="zh-CN" sz="1100" b="1" kern="1200" dirty="0" smtClean="0">
                           <a:solidFill>
                             <a:schemeClr val="dk1"/>
                           </a:solidFill>
@@ -22409,7 +22237,7 @@
                         </a:rPr>
                         <a:t>17:00-17:25</a:t>
                       </a:r>
-                      <a:endParaRPr lang="zh-CN" altLang="en-US" sz="900" b="1" kern="1200" dirty="0">
+                      <a:endParaRPr lang="zh-CN" altLang="en-US" sz="1100" b="1" kern="1200" dirty="0">
                         <a:solidFill>
                           <a:schemeClr val="dk1"/>
                         </a:solidFill>
@@ -22426,8 +22254,9 @@
                     <a:bodyPr/>
                     <a:lstStyle/>
                     <a:p>
-                      <a:r>
-                        <a:rPr lang="en-US" altLang="zh-CN" sz="900" b="1" kern="1200" dirty="0" smtClean="0">
+                      <a:pPr algn="ctr"/>
+                      <a:r>
+                        <a:rPr lang="en-US" altLang="zh-CN" sz="1100" b="1" kern="1200" dirty="0" smtClean="0">
                           <a:solidFill>
                             <a:schemeClr val="dk1"/>
                           </a:solidFill>
@@ -22435,10 +22264,43 @@
                           <a:ea typeface="微软雅黑" panose="020B0503020204020204" pitchFamily="34" charset="-122"/>
                           <a:cs typeface="+mn-cs"/>
                         </a:rPr>
-                        <a:t>Arbitrary Electromagnetic Wave Manipulation with a Huygens’ </a:t>
-                      </a:r>
-                      <a:r>
-                        <a:rPr lang="en-US" altLang="zh-CN" sz="900" b="1" kern="1200" dirty="0" err="1" smtClean="0">
+                        <a:t>Arbitrary Electromagnetic Wave Manipulation with a </a:t>
+                      </a:r>
+                      <a:r>
+                        <a:rPr lang="en-US" altLang="zh-CN" sz="1100" b="1" kern="1200" dirty="0" smtClean="0">
+                          <a:solidFill>
+                            <a:schemeClr val="dk1"/>
+                          </a:solidFill>
+                          <a:latin typeface="微软雅黑" panose="020B0503020204020204" pitchFamily="34" charset="-122"/>
+                          <a:ea typeface="微软雅黑" panose="020B0503020204020204" pitchFamily="34" charset="-122"/>
+                          <a:cs typeface="+mn-cs"/>
+                        </a:rPr>
+                        <a:t>Huygens</a:t>
+                      </a:r>
+                      <a:r>
+                        <a:rPr lang="zh-CN" altLang="en-US" sz="1100" b="1" kern="1200" dirty="0" smtClean="0">
+                          <a:solidFill>
+                            <a:schemeClr val="dk1"/>
+                          </a:solidFill>
+                          <a:latin typeface="微软雅黑" panose="020B0503020204020204" pitchFamily="34" charset="-122"/>
+                          <a:ea typeface="微软雅黑" panose="020B0503020204020204" pitchFamily="34" charset="-122"/>
+                          <a:cs typeface="+mn-cs"/>
+                        </a:rPr>
+                        <a:t>’</a:t>
+                      </a:r>
+                      <a:r>
+                        <a:rPr lang="en-US" altLang="zh-CN" sz="1100" b="1" kern="1200" dirty="0" smtClean="0">
+                          <a:solidFill>
+                            <a:schemeClr val="dk1"/>
+                          </a:solidFill>
+                          <a:latin typeface="微软雅黑" panose="020B0503020204020204" pitchFamily="34" charset="-122"/>
+                          <a:ea typeface="微软雅黑" panose="020B0503020204020204" pitchFamily="34" charset="-122"/>
+                          <a:cs typeface="+mn-cs"/>
+                        </a:rPr>
+                        <a:t> </a:t>
+                      </a:r>
+                      <a:r>
+                        <a:rPr lang="en-US" altLang="zh-CN" sz="1100" b="1" kern="1200" dirty="0" smtClean="0">
                           <a:solidFill>
                             <a:schemeClr val="dk1"/>
                           </a:solidFill>
@@ -22448,7 +22310,7 @@
                         </a:rPr>
                         <a:t>metasurface</a:t>
                       </a:r>
-                      <a:endParaRPr lang="zh-CN" altLang="en-US" sz="900" b="1" kern="1200" dirty="0">
+                      <a:endParaRPr lang="zh-CN" altLang="en-US" sz="1100" b="1" kern="1200" dirty="0">
                         <a:solidFill>
                           <a:schemeClr val="dk1"/>
                         </a:solidFill>
@@ -22462,7 +22324,7 @@
                 </a:tc>
                 <a:extLst>
                   <a:ext uri="{0D108BD9-81ED-4DB2-BD59-A6C34878D82A}">
-                    <a16:rowId xmlns:a16="http://schemas.microsoft.com/office/drawing/2014/main" xmlns="" val="1360372986"/>
+                    <a16:rowId xmlns="" xmlns:a16="http://schemas.microsoft.com/office/drawing/2014/main" val="1360372986"/>
                   </a:ext>
                 </a:extLst>
               </a:tr>
@@ -22474,7 +22336,7 @@
                     <a:p>
                       <a:pPr marL="0" algn="ctr" defTabSz="685800" rtl="0" eaLnBrk="1" latinLnBrk="0" hangingPunct="1"/>
                       <a:r>
-                        <a:rPr lang="en-US" altLang="zh-CN" sz="900" b="1" kern="1200" dirty="0" err="1" smtClean="0">
+                        <a:rPr lang="en-US" altLang="zh-CN" sz="1100" b="1" kern="1200" dirty="0" err="1" smtClean="0">
                           <a:solidFill>
                             <a:schemeClr val="dk1"/>
                           </a:solidFill>
@@ -22485,7 +22347,7 @@
                         <a:t>GuiXin</a:t>
                       </a:r>
                       <a:r>
-                        <a:rPr lang="en-US" altLang="zh-CN" sz="900" b="1" kern="1200" dirty="0" smtClean="0">
+                        <a:rPr lang="en-US" altLang="zh-CN" sz="1100" b="1" kern="1200" dirty="0" smtClean="0">
                           <a:solidFill>
                             <a:schemeClr val="dk1"/>
                           </a:solidFill>
@@ -22496,7 +22358,7 @@
                         <a:t>  Li (</a:t>
                       </a:r>
                       <a:r>
-                        <a:rPr lang="zh-CN" altLang="en-US" sz="900" b="1" kern="1200" dirty="0" smtClean="0">
+                        <a:rPr lang="zh-CN" altLang="en-US" sz="1100" b="1" kern="1200" dirty="0" smtClean="0">
                           <a:solidFill>
                             <a:schemeClr val="dk1"/>
                           </a:solidFill>
@@ -22507,7 +22369,7 @@
                         <a:t>李贵新</a:t>
                       </a:r>
                       <a:r>
-                        <a:rPr lang="en-US" altLang="zh-CN" sz="900" b="1" kern="1200" dirty="0" smtClean="0">
+                        <a:rPr lang="en-US" altLang="zh-CN" sz="1100" b="1" kern="1200" dirty="0" smtClean="0">
                           <a:solidFill>
                             <a:schemeClr val="dk1"/>
                           </a:solidFill>
@@ -22528,7 +22390,7 @@
                     <a:p>
                       <a:pPr marL="0" algn="ctr" defTabSz="685800" rtl="0" eaLnBrk="1" latinLnBrk="0" hangingPunct="1"/>
                       <a:r>
-                        <a:rPr lang="en-US" altLang="zh-CN" sz="900" b="1" kern="1200" dirty="0" smtClean="0">
+                        <a:rPr lang="en-US" altLang="zh-CN" sz="1100" b="1" kern="1200" dirty="0" smtClean="0">
                           <a:solidFill>
                             <a:schemeClr val="dk1"/>
                           </a:solidFill>
@@ -22538,7 +22400,7 @@
                         </a:rPr>
                         <a:t>17:25-17:40</a:t>
                       </a:r>
-                      <a:endParaRPr lang="zh-CN" altLang="en-US" sz="900" b="1" kern="1200" dirty="0">
+                      <a:endParaRPr lang="zh-CN" altLang="en-US" sz="1100" b="1" kern="1200" dirty="0">
                         <a:solidFill>
                           <a:schemeClr val="dk1"/>
                         </a:solidFill>
@@ -22557,7 +22419,7 @@
                     <a:p>
                       <a:pPr marL="0" algn="ctr" defTabSz="685800" rtl="0" eaLnBrk="1" latinLnBrk="0" hangingPunct="1"/>
                       <a:r>
-                        <a:rPr lang="en-US" altLang="zh-CN" sz="900" b="1" kern="1200" dirty="0" smtClean="0">
+                        <a:rPr lang="en-US" altLang="zh-CN" sz="1100" b="1" kern="1200" dirty="0" smtClean="0">
                           <a:solidFill>
                             <a:schemeClr val="dk1"/>
                           </a:solidFill>
@@ -22568,7 +22430,7 @@
                         <a:t>Nonlinear Photonic </a:t>
                       </a:r>
                       <a:r>
-                        <a:rPr lang="en-US" altLang="zh-CN" sz="900" b="1" kern="1200" dirty="0" err="1" smtClean="0">
+                        <a:rPr lang="en-US" altLang="zh-CN" sz="1100" b="1" kern="1200" dirty="0" err="1" smtClean="0">
                           <a:solidFill>
                             <a:schemeClr val="dk1"/>
                           </a:solidFill>
@@ -22578,7 +22440,7 @@
                         </a:rPr>
                         <a:t>Metasurfaces</a:t>
                       </a:r>
-                      <a:endParaRPr lang="zh-CN" altLang="en-US" sz="900" b="1" kern="1200" dirty="0">
+                      <a:endParaRPr lang="zh-CN" altLang="en-US" sz="1100" b="1" kern="1200" dirty="0">
                         <a:solidFill>
                           <a:schemeClr val="dk1"/>
                         </a:solidFill>
@@ -22592,7 +22454,7 @@
                 </a:tc>
                 <a:extLst>
                   <a:ext uri="{0D108BD9-81ED-4DB2-BD59-A6C34878D82A}">
-                    <a16:rowId xmlns:a16="http://schemas.microsoft.com/office/drawing/2014/main" xmlns="" val="3517042196"/>
+                    <a16:rowId xmlns="" xmlns:a16="http://schemas.microsoft.com/office/drawing/2014/main" val="3517042196"/>
                   </a:ext>
                 </a:extLst>
               </a:tr>
@@ -22605,7 +22467,7 @@
           <p:cNvPr id="13" name="文本框 12">
             <a:extLst>
               <a:ext uri="{FF2B5EF4-FFF2-40B4-BE49-F238E27FC236}">
-                <a16:creationId xmlns:a16="http://schemas.microsoft.com/office/drawing/2014/main" xmlns="" id="{740F5E40-DCD1-41FA-94E2-CA9CA7EC8E7F}"/>
+                <a16:creationId xmlns="" xmlns:a16="http://schemas.microsoft.com/office/drawing/2014/main" id="{740F5E40-DCD1-41FA-94E2-CA9CA7EC8E7F}"/>
               </a:ext>
             </a:extLst>
           </p:cNvPr>
@@ -22687,7 +22549,7 @@
           <p:cNvPr id="14" name="文本框 13">
             <a:extLst>
               <a:ext uri="{FF2B5EF4-FFF2-40B4-BE49-F238E27FC236}">
-                <a16:creationId xmlns:a16="http://schemas.microsoft.com/office/drawing/2014/main" xmlns="" id="{66ED3A95-7245-4310-8354-479C4A30391B}"/>
+                <a16:creationId xmlns="" xmlns:a16="http://schemas.microsoft.com/office/drawing/2014/main" id="{66ED3A95-7245-4310-8354-479C4A30391B}"/>
               </a:ext>
             </a:extLst>
           </p:cNvPr>
@@ -22764,13 +22626,20 @@
     </p:spTree>
     <p:extLst>
       <p:ext uri="{BB962C8B-B14F-4D97-AF65-F5344CB8AC3E}">
-        <p14:creationId xmlns:p14="http://schemas.microsoft.com/office/powerpoint/2010/main" xmlns="" val="934251523"/>
+        <p14:creationId xmlns:p14="http://schemas.microsoft.com/office/powerpoint/2010/main" val="934251523"/>
       </p:ext>
     </p:extLst>
   </p:cSld>
   <p:clrMapOvr>
     <a:masterClrMapping/>
   </p:clrMapOvr>
+  <p:timing>
+    <p:tnLst>
+      <p:par>
+        <p:cTn id="1" dur="indefinite" restart="never" nodeType="tmRoot"/>
+      </p:par>
+    </p:tnLst>
+  </p:timing>
 </p:sld>
 </file>
 
@@ -23071,7 +22940,7 @@
   <a:extraClrSchemeLst/>
   <a:extLst>
     <a:ext uri="{05A4C25C-085E-4340-85A3-A5531E510DB2}">
-      <thm15:themeFamily xmlns="" xmlns:thm15="http://schemas.microsoft.com/office/thememl/2012/main" name="Office Theme" id="{62F939B6-93AF-4DB8-9C6B-D6C7DFDC589F}" vid="{4A3C46E8-61CC-4603-A589-7422A47A8E4A}"/>
+      <thm15:themeFamily xmlns:thm15="http://schemas.microsoft.com/office/thememl/2012/main" name="Office Theme" id="{62F939B6-93AF-4DB8-9C6B-D6C7DFDC589F}" vid="{4A3C46E8-61CC-4603-A589-7422A47A8E4A}"/>
     </a:ext>
   </a:extLst>
 </a:theme>
@@ -23332,7 +23201,7 @@
   <a:extraClrSchemeLst/>
   <a:extLst>
     <a:ext uri="{05A4C25C-085E-4340-85A3-A5531E510DB2}">
-      <thm15:themeFamily xmlns="" xmlns:thm15="http://schemas.microsoft.com/office/thememl/2012/main" name="Office Theme" id="{62F939B6-93AF-4DB8-9C6B-D6C7DFDC589F}" vid="{4A3C46E8-61CC-4603-A589-7422A47A8E4A}"/>
+      <thm15:themeFamily xmlns:thm15="http://schemas.microsoft.com/office/thememl/2012/main" name="Office Theme" id="{62F939B6-93AF-4DB8-9C6B-D6C7DFDC589F}" vid="{4A3C46E8-61CC-4603-A589-7422A47A8E4A}"/>
     </a:ext>
   </a:extLst>
 </a:theme>

--- a/text/大湾区超构材料与微纳光学专题研讨会.pptx
+++ b/text/大湾区超构材料与微纳光学专题研讨会.pptx
@@ -214,7 +214,7 @@
             <a:fld id="{D2A48B96-639E-45A3-A0BA-2464DFDB1FAA}" type="datetimeFigureOut">
               <a:rPr lang="zh-CN" altLang="en-US" smtClean="0"/>
               <a:pPr/>
-              <a:t>2018/5/18</a:t>
+              <a:t>2018/5/28</a:t>
             </a:fld>
             <a:endParaRPr lang="zh-CN" altLang="en-US"/>
           </a:p>
@@ -2656,7 +2656,7 @@
             <a:fld id="{530820CF-B880-4189-942D-D702A7CBA730}" type="datetimeFigureOut">
               <a:rPr lang="zh-CN" altLang="en-US" smtClean="0"/>
               <a:pPr/>
-              <a:t>2018/5/18</a:t>
+              <a:t>2018/5/28</a:t>
             </a:fld>
             <a:endParaRPr lang="zh-CN" altLang="en-US"/>
           </a:p>
@@ -2839,7 +2839,7 @@
             <a:fld id="{530820CF-B880-4189-942D-D702A7CBA730}" type="datetimeFigureOut">
               <a:rPr lang="zh-CN" altLang="en-US" smtClean="0"/>
               <a:pPr/>
-              <a:t>2018/5/18</a:t>
+              <a:t>2018/5/28</a:t>
             </a:fld>
             <a:endParaRPr lang="zh-CN" altLang="en-US"/>
           </a:p>
@@ -2992,7 +2992,7 @@
             <a:fld id="{530820CF-B880-4189-942D-D702A7CBA730}" type="datetimeFigureOut">
               <a:rPr lang="zh-CN" altLang="en-US" smtClean="0"/>
               <a:pPr/>
-              <a:t>2018/5/18</a:t>
+              <a:t>2018/5/28</a:t>
             </a:fld>
             <a:endParaRPr lang="zh-CN" altLang="en-US"/>
           </a:p>
@@ -4780,7 +4780,7 @@
             <a:fld id="{530820CF-B880-4189-942D-D702A7CBA730}" type="datetimeFigureOut">
               <a:rPr lang="zh-CN" altLang="en-US" smtClean="0"/>
               <a:pPr/>
-              <a:t>2018/5/18</a:t>
+              <a:t>2018/5/28</a:t>
             </a:fld>
             <a:endParaRPr lang="zh-CN" altLang="en-US"/>
           </a:p>
@@ -6612,7 +6612,7 @@
             <a:fld id="{530820CF-B880-4189-942D-D702A7CBA730}" type="datetimeFigureOut">
               <a:rPr lang="zh-CN" altLang="en-US" smtClean="0"/>
               <a:pPr/>
-              <a:t>2018/5/18</a:t>
+              <a:t>2018/5/28</a:t>
             </a:fld>
             <a:endParaRPr lang="zh-CN" altLang="en-US"/>
           </a:p>
@@ -6727,7 +6727,7 @@
             <a:fld id="{530820CF-B880-4189-942D-D702A7CBA730}" type="datetimeFigureOut">
               <a:rPr lang="zh-CN" altLang="en-US" smtClean="0"/>
               <a:pPr/>
-              <a:t>2018/5/18</a:t>
+              <a:t>2018/5/28</a:t>
             </a:fld>
             <a:endParaRPr lang="zh-CN" altLang="en-US"/>
           </a:p>
@@ -7270,7 +7270,7 @@
             <a:fld id="{530820CF-B880-4189-942D-D702A7CBA730}" type="datetimeFigureOut">
               <a:rPr lang="zh-CN" altLang="en-US" smtClean="0"/>
               <a:pPr/>
-              <a:t>2018/5/18</a:t>
+              <a:t>2018/5/28</a:t>
             </a:fld>
             <a:endParaRPr lang="zh-CN" altLang="en-US"/>
           </a:p>
@@ -7385,7 +7385,7 @@
             <a:fld id="{530820CF-B880-4189-942D-D702A7CBA730}" type="datetimeFigureOut">
               <a:rPr lang="zh-CN" altLang="en-US" smtClean="0"/>
               <a:pPr/>
-              <a:t>2018/5/18</a:t>
+              <a:t>2018/5/28</a:t>
             </a:fld>
             <a:endParaRPr lang="zh-CN" altLang="en-US"/>
           </a:p>
@@ -9058,7 +9058,7 @@
             <a:fld id="{530820CF-B880-4189-942D-D702A7CBA730}" type="datetimeFigureOut">
               <a:rPr lang="zh-CN" altLang="en-US" smtClean="0"/>
               <a:pPr/>
-              <a:t>2018/5/18</a:t>
+              <a:t>2018/5/28</a:t>
             </a:fld>
             <a:endParaRPr lang="zh-CN" altLang="en-US"/>
           </a:p>
@@ -9211,7 +9211,7 @@
             <a:fld id="{530820CF-B880-4189-942D-D702A7CBA730}" type="datetimeFigureOut">
               <a:rPr lang="zh-CN" altLang="en-US" smtClean="0"/>
               <a:pPr/>
-              <a:t>2018/5/18</a:t>
+              <a:t>2018/5/28</a:t>
             </a:fld>
             <a:endParaRPr lang="zh-CN" altLang="en-US"/>
           </a:p>
@@ -12748,7 +12748,7 @@
             <a:fld id="{530820CF-B880-4189-942D-D702A7CBA730}" type="datetimeFigureOut">
               <a:rPr lang="zh-CN" altLang="en-US" smtClean="0"/>
               <a:pPr/>
-              <a:t>2018/5/18</a:t>
+              <a:t>2018/5/28</a:t>
             </a:fld>
             <a:endParaRPr lang="zh-CN" altLang="en-US"/>
           </a:p>
@@ -14569,7 +14569,7 @@
             <a:fld id="{530820CF-B880-4189-942D-D702A7CBA730}" type="datetimeFigureOut">
               <a:rPr lang="zh-CN" altLang="en-US" smtClean="0"/>
               <a:pPr/>
-              <a:t>2018/5/18</a:t>
+              <a:t>2018/5/28</a:t>
             </a:fld>
             <a:endParaRPr lang="zh-CN" altLang="en-US"/>
           </a:p>
@@ -15789,7 +15789,7 @@
           <p:cNvPr id="12" name="矩形 11">
             <a:extLst>
               <a:ext uri="{FF2B5EF4-FFF2-40B4-BE49-F238E27FC236}">
-                <a16:creationId xmlns="" xmlns:a16="http://schemas.microsoft.com/office/drawing/2014/main" id="{42B28CF3-1023-471A-85FC-9F9F3ADC12F8}"/>
+                <a16:creationId xmlns:a16="http://schemas.microsoft.com/office/drawing/2014/main" xmlns="" id="{42B28CF3-1023-471A-85FC-9F9F3ADC12F8}"/>
               </a:ext>
             </a:extLst>
           </p:cNvPr>
@@ -15855,7 +15855,7 @@
           <p:cNvPr id="8" name="表格 7">
             <a:extLst>
               <a:ext uri="{FF2B5EF4-FFF2-40B4-BE49-F238E27FC236}">
-                <a16:creationId xmlns="" xmlns:a16="http://schemas.microsoft.com/office/drawing/2014/main" id="{DF1018AF-4BB1-46F7-91DD-90F84352DBBF}"/>
+                <a16:creationId xmlns:a16="http://schemas.microsoft.com/office/drawing/2014/main" xmlns="" id="{DF1018AF-4BB1-46F7-91DD-90F84352DBBF}"/>
               </a:ext>
             </a:extLst>
           </p:cNvPr>
@@ -15884,21 +15884,21 @@
                 <a:gridCol w="2180823">
                   <a:extLst>
                     <a:ext uri="{9D8B030D-6E8A-4147-A177-3AD203B41FA5}">
-                      <a16:colId xmlns="" xmlns:a16="http://schemas.microsoft.com/office/drawing/2014/main" val="271949209"/>
+                      <a16:colId xmlns:a16="http://schemas.microsoft.com/office/drawing/2014/main" xmlns="" val="271949209"/>
                     </a:ext>
                   </a:extLst>
                 </a:gridCol>
                 <a:gridCol w="1940417">
                   <a:extLst>
                     <a:ext uri="{9D8B030D-6E8A-4147-A177-3AD203B41FA5}">
-                      <a16:colId xmlns="" xmlns:a16="http://schemas.microsoft.com/office/drawing/2014/main" val="483794282"/>
+                      <a16:colId xmlns:a16="http://schemas.microsoft.com/office/drawing/2014/main" xmlns="" val="483794282"/>
                     </a:ext>
                   </a:extLst>
                 </a:gridCol>
                 <a:gridCol w="4350688">
                   <a:extLst>
                     <a:ext uri="{9D8B030D-6E8A-4147-A177-3AD203B41FA5}">
-                      <a16:colId xmlns="" xmlns:a16="http://schemas.microsoft.com/office/drawing/2014/main" val="3157286281"/>
+                      <a16:colId xmlns:a16="http://schemas.microsoft.com/office/drawing/2014/main" xmlns="" val="3157286281"/>
                     </a:ext>
                   </a:extLst>
                 </a:gridCol>
@@ -15951,7 +15951,7 @@
                 </a:tc>
                 <a:extLst>
                   <a:ext uri="{0D108BD9-81ED-4DB2-BD59-A6C34878D82A}">
-                    <a16:rowId xmlns="" xmlns:a16="http://schemas.microsoft.com/office/drawing/2014/main" val="10357417"/>
+                    <a16:rowId xmlns:a16="http://schemas.microsoft.com/office/drawing/2014/main" xmlns="" val="10357417"/>
                   </a:ext>
                 </a:extLst>
               </a:tr>
@@ -16082,7 +16082,7 @@
                 </a:tc>
                 <a:extLst>
                   <a:ext uri="{0D108BD9-81ED-4DB2-BD59-A6C34878D82A}">
-                    <a16:rowId xmlns="" xmlns:a16="http://schemas.microsoft.com/office/drawing/2014/main" val="1881350119"/>
+                    <a16:rowId xmlns:a16="http://schemas.microsoft.com/office/drawing/2014/main" xmlns="" val="1881350119"/>
                   </a:ext>
                 </a:extLst>
               </a:tr>
@@ -16257,7 +16257,7 @@
                 </a:tc>
                 <a:extLst>
                   <a:ext uri="{0D108BD9-81ED-4DB2-BD59-A6C34878D82A}">
-                    <a16:rowId xmlns="" xmlns:a16="http://schemas.microsoft.com/office/drawing/2014/main" val="1466771304"/>
+                    <a16:rowId xmlns:a16="http://schemas.microsoft.com/office/drawing/2014/main" xmlns="" val="1466771304"/>
                   </a:ext>
                 </a:extLst>
               </a:tr>
@@ -16432,7 +16432,7 @@
                 </a:tc>
                 <a:extLst>
                   <a:ext uri="{0D108BD9-81ED-4DB2-BD59-A6C34878D82A}">
-                    <a16:rowId xmlns="" xmlns:a16="http://schemas.microsoft.com/office/drawing/2014/main" val="1360372986"/>
+                    <a16:rowId xmlns:a16="http://schemas.microsoft.com/office/drawing/2014/main" xmlns="" val="1360372986"/>
                   </a:ext>
                 </a:extLst>
               </a:tr>
@@ -16804,7 +16804,7 @@
                 </a:tc>
                 <a:extLst>
                   <a:ext uri="{0D108BD9-81ED-4DB2-BD59-A6C34878D82A}">
-                    <a16:rowId xmlns="" xmlns:a16="http://schemas.microsoft.com/office/drawing/2014/main" val="2030655908"/>
+                    <a16:rowId xmlns:a16="http://schemas.microsoft.com/office/drawing/2014/main" xmlns="" val="2030655908"/>
                   </a:ext>
                 </a:extLst>
               </a:tr>
@@ -17034,7 +17034,7 @@
                 </a:tc>
                 <a:extLst>
                   <a:ext uri="{0D108BD9-81ED-4DB2-BD59-A6C34878D82A}">
-                    <a16:rowId xmlns="" xmlns:a16="http://schemas.microsoft.com/office/drawing/2014/main" val="409827977"/>
+                    <a16:rowId xmlns:a16="http://schemas.microsoft.com/office/drawing/2014/main" xmlns="" val="409827977"/>
                   </a:ext>
                 </a:extLst>
               </a:tr>
@@ -17220,7 +17220,7 @@
                 </a:tc>
                 <a:extLst>
                   <a:ext uri="{0D108BD9-81ED-4DB2-BD59-A6C34878D82A}">
-                    <a16:rowId xmlns="" xmlns:a16="http://schemas.microsoft.com/office/drawing/2014/main" val="869534706"/>
+                    <a16:rowId xmlns:a16="http://schemas.microsoft.com/office/drawing/2014/main" xmlns="" val="869534706"/>
                   </a:ext>
                 </a:extLst>
               </a:tr>
@@ -17390,18 +17390,7 @@
                           <a:ea typeface="微软雅黑" panose="020B0503020204020204" pitchFamily="34" charset="-122"/>
                           <a:cs typeface="+mn-cs"/>
                         </a:rPr>
-                        <a:t> based highly-sensitive optical </a:t>
-                      </a:r>
-                      <a:r>
-                        <a:rPr lang="en-US" altLang="zh-CN" sz="1100" b="1" kern="1200" dirty="0" smtClean="0">
-                          <a:solidFill>
-                            <a:schemeClr val="dk1"/>
-                          </a:solidFill>
-                          <a:latin typeface="微软雅黑" panose="020B0503020204020204" pitchFamily="34" charset="-122"/>
-                          <a:ea typeface="微软雅黑" panose="020B0503020204020204" pitchFamily="34" charset="-122"/>
-                          <a:cs typeface="+mn-cs"/>
-                        </a:rPr>
-                        <a:t>sensors</a:t>
+                        <a:t> based highly-sensitive optical sensors</a:t>
                       </a:r>
                       <a:endParaRPr lang="zh-CN" altLang="en-US" sz="1100" b="1" kern="1200" dirty="0">
                         <a:solidFill>
@@ -17417,7 +17406,7 @@
                 </a:tc>
                 <a:extLst>
                   <a:ext uri="{0D108BD9-81ED-4DB2-BD59-A6C34878D82A}">
-                    <a16:rowId xmlns="" xmlns:a16="http://schemas.microsoft.com/office/drawing/2014/main" val="376353898"/>
+                    <a16:rowId xmlns:a16="http://schemas.microsoft.com/office/drawing/2014/main" xmlns="" val="376353898"/>
                   </a:ext>
                 </a:extLst>
               </a:tr>
@@ -17669,18 +17658,7 @@
                           <a:ea typeface="微软雅黑" panose="020B0503020204020204" pitchFamily="34" charset="-122"/>
                           <a:cs typeface="+mn-cs"/>
                         </a:rPr>
-                        <a:t>Singular optical beam multiplexing communication towards high performance computing </a:t>
-                      </a:r>
-                      <a:r>
-                        <a:rPr lang="en-US" altLang="zh-CN" sz="1100" b="1" kern="1200" dirty="0" smtClean="0">
-                          <a:solidFill>
-                            <a:schemeClr val="dk1"/>
-                          </a:solidFill>
-                          <a:latin typeface="微软雅黑" panose="020B0503020204020204" pitchFamily="34" charset="-122"/>
-                          <a:ea typeface="微软雅黑" panose="020B0503020204020204" pitchFamily="34" charset="-122"/>
-                          <a:cs typeface="+mn-cs"/>
-                        </a:rPr>
-                        <a:t>applications</a:t>
+                        <a:t>Singular optical beam multiplexing communication towards high performance computing applications</a:t>
                       </a:r>
                       <a:endParaRPr lang="zh-CN" altLang="en-US" sz="1100" b="1" kern="1200" dirty="0">
                         <a:solidFill>
@@ -17696,7 +17674,7 @@
                 </a:tc>
                 <a:extLst>
                   <a:ext uri="{0D108BD9-81ED-4DB2-BD59-A6C34878D82A}">
-                    <a16:rowId xmlns="" xmlns:a16="http://schemas.microsoft.com/office/drawing/2014/main" val="3084526821"/>
+                    <a16:rowId xmlns:a16="http://schemas.microsoft.com/office/drawing/2014/main" xmlns="" val="3084526821"/>
                   </a:ext>
                 </a:extLst>
               </a:tr>
@@ -17871,7 +17849,7 @@
                 </a:tc>
                 <a:extLst>
                   <a:ext uri="{0D108BD9-81ED-4DB2-BD59-A6C34878D82A}">
-                    <a16:rowId xmlns="" xmlns:a16="http://schemas.microsoft.com/office/drawing/2014/main" val="3303074763"/>
+                    <a16:rowId xmlns:a16="http://schemas.microsoft.com/office/drawing/2014/main" xmlns="" val="3303074763"/>
                   </a:ext>
                 </a:extLst>
               </a:tr>
@@ -18052,18 +18030,7 @@
                           <a:ea typeface="微软雅黑" panose="020B0503020204020204" pitchFamily="34" charset="-122"/>
                           <a:cs typeface="+mn-cs"/>
                         </a:rPr>
-                        <a:t> wavefront modulation with incident </a:t>
-                      </a:r>
-                      <a:r>
-                        <a:rPr lang="en-US" altLang="en-US" sz="1100" b="1" kern="1200" dirty="0" smtClean="0">
-                          <a:solidFill>
-                            <a:schemeClr val="dk1"/>
-                          </a:solidFill>
-                          <a:latin typeface="微软雅黑" panose="020B0503020204020204" pitchFamily="34" charset="-122"/>
-                          <a:ea typeface="微软雅黑" panose="020B0503020204020204" pitchFamily="34" charset="-122"/>
-                          <a:cs typeface="+mn-cs"/>
-                        </a:rPr>
-                        <a:t>polarization</a:t>
+                        <a:t> wavefront modulation with incident polarization</a:t>
                       </a:r>
                       <a:endParaRPr lang="zh-CN" altLang="en-US" sz="1100" b="1" kern="1200" dirty="0">
                         <a:solidFill>
@@ -18079,7 +18046,7 @@
                 </a:tc>
                 <a:extLst>
                   <a:ext uri="{0D108BD9-81ED-4DB2-BD59-A6C34878D82A}">
-                    <a16:rowId xmlns="" xmlns:a16="http://schemas.microsoft.com/office/drawing/2014/main" val="3971897777"/>
+                    <a16:rowId xmlns:a16="http://schemas.microsoft.com/office/drawing/2014/main" xmlns="" val="3971897777"/>
                   </a:ext>
                 </a:extLst>
               </a:tr>
@@ -18092,7 +18059,7 @@
           <p:cNvPr id="13" name="文本框 12">
             <a:extLst>
               <a:ext uri="{FF2B5EF4-FFF2-40B4-BE49-F238E27FC236}">
-                <a16:creationId xmlns="" xmlns:a16="http://schemas.microsoft.com/office/drawing/2014/main" id="{740F5E40-DCD1-41FA-94E2-CA9CA7EC8E7F}"/>
+                <a16:creationId xmlns:a16="http://schemas.microsoft.com/office/drawing/2014/main" xmlns="" id="{740F5E40-DCD1-41FA-94E2-CA9CA7EC8E7F}"/>
               </a:ext>
             </a:extLst>
           </p:cNvPr>
@@ -18174,7 +18141,7 @@
           <p:cNvPr id="14" name="文本框 13">
             <a:extLst>
               <a:ext uri="{FF2B5EF4-FFF2-40B4-BE49-F238E27FC236}">
-                <a16:creationId xmlns="" xmlns:a16="http://schemas.microsoft.com/office/drawing/2014/main" id="{66ED3A95-7245-4310-8354-479C4A30391B}"/>
+                <a16:creationId xmlns:a16="http://schemas.microsoft.com/office/drawing/2014/main" xmlns="" id="{66ED3A95-7245-4310-8354-479C4A30391B}"/>
               </a:ext>
             </a:extLst>
           </p:cNvPr>
@@ -18277,7 +18244,7 @@
           <p:cNvPr id="12" name="矩形 11">
             <a:extLst>
               <a:ext uri="{FF2B5EF4-FFF2-40B4-BE49-F238E27FC236}">
-                <a16:creationId xmlns="" xmlns:a16="http://schemas.microsoft.com/office/drawing/2014/main" id="{42B28CF3-1023-471A-85FC-9F9F3ADC12F8}"/>
+                <a16:creationId xmlns:a16="http://schemas.microsoft.com/office/drawing/2014/main" xmlns="" id="{42B28CF3-1023-471A-85FC-9F9F3ADC12F8}"/>
               </a:ext>
             </a:extLst>
           </p:cNvPr>
@@ -18343,7 +18310,7 @@
           <p:cNvPr id="8" name="表格 7">
             <a:extLst>
               <a:ext uri="{FF2B5EF4-FFF2-40B4-BE49-F238E27FC236}">
-                <a16:creationId xmlns="" xmlns:a16="http://schemas.microsoft.com/office/drawing/2014/main" id="{DF1018AF-4BB1-46F7-91DD-90F84352DBBF}"/>
+                <a16:creationId xmlns:a16="http://schemas.microsoft.com/office/drawing/2014/main" xmlns="" id="{DF1018AF-4BB1-46F7-91DD-90F84352DBBF}"/>
               </a:ext>
             </a:extLst>
           </p:cNvPr>
@@ -18353,14 +18320,14 @@
           <p:nvPr>
             <p:extLst>
               <p:ext uri="{D42A27DB-BD31-4B8C-83A1-F6EECF244321}">
-                <p14:modId xmlns:p14="http://schemas.microsoft.com/office/powerpoint/2010/main" val="2321234258"/>
+                <p14:modId xmlns:p14="http://schemas.microsoft.com/office/powerpoint/2010/main" val="1969583333"/>
               </p:ext>
             </p:extLst>
           </p:nvPr>
         </p:nvGraphicFramePr>
         <p:xfrm>
           <a:off x="412124" y="1559170"/>
-          <a:ext cx="8471928" cy="2285602"/>
+          <a:ext cx="8471928" cy="2386728"/>
         </p:xfrm>
         <a:graphic>
           <a:graphicData uri="http://schemas.openxmlformats.org/drawingml/2006/table">
@@ -18372,21 +18339,21 @@
                 <a:gridCol w="2180823">
                   <a:extLst>
                     <a:ext uri="{9D8B030D-6E8A-4147-A177-3AD203B41FA5}">
-                      <a16:colId xmlns="" xmlns:a16="http://schemas.microsoft.com/office/drawing/2014/main" val="271949209"/>
+                      <a16:colId xmlns:a16="http://schemas.microsoft.com/office/drawing/2014/main" xmlns="" val="271949209"/>
                     </a:ext>
                   </a:extLst>
                 </a:gridCol>
                 <a:gridCol w="1940417">
                   <a:extLst>
                     <a:ext uri="{9D8B030D-6E8A-4147-A177-3AD203B41FA5}">
-                      <a16:colId xmlns="" xmlns:a16="http://schemas.microsoft.com/office/drawing/2014/main" val="483794282"/>
+                      <a16:colId xmlns:a16="http://schemas.microsoft.com/office/drawing/2014/main" xmlns="" val="483794282"/>
                     </a:ext>
                   </a:extLst>
                 </a:gridCol>
                 <a:gridCol w="4350688">
                   <a:extLst>
                     <a:ext uri="{9D8B030D-6E8A-4147-A177-3AD203B41FA5}">
-                      <a16:colId xmlns="" xmlns:a16="http://schemas.microsoft.com/office/drawing/2014/main" val="3157286281"/>
+                      <a16:colId xmlns:a16="http://schemas.microsoft.com/office/drawing/2014/main" xmlns="" val="3157286281"/>
                     </a:ext>
                   </a:extLst>
                 </a:gridCol>
@@ -18439,7 +18406,7 @@
                 </a:tc>
                 <a:extLst>
                   <a:ext uri="{0D108BD9-81ED-4DB2-BD59-A6C34878D82A}">
-                    <a16:rowId xmlns="" xmlns:a16="http://schemas.microsoft.com/office/drawing/2014/main" val="10357417"/>
+                    <a16:rowId xmlns:a16="http://schemas.microsoft.com/office/drawing/2014/main" xmlns="" val="10357417"/>
                   </a:ext>
                 </a:extLst>
               </a:tr>
@@ -18758,7 +18725,7 @@
                 </a:tc>
                 <a:extLst>
                   <a:ext uri="{0D108BD9-81ED-4DB2-BD59-A6C34878D82A}">
-                    <a16:rowId xmlns="" xmlns:a16="http://schemas.microsoft.com/office/drawing/2014/main" val="1881350119"/>
+                    <a16:rowId xmlns:a16="http://schemas.microsoft.com/office/drawing/2014/main" xmlns="" val="1881350119"/>
                   </a:ext>
                 </a:extLst>
               </a:tr>
@@ -18885,7 +18852,7 @@
                 </a:tc>
                 <a:extLst>
                   <a:ext uri="{0D108BD9-81ED-4DB2-BD59-A6C34878D82A}">
-                    <a16:rowId xmlns="" xmlns:a16="http://schemas.microsoft.com/office/drawing/2014/main" val="1466771304"/>
+                    <a16:rowId xmlns:a16="http://schemas.microsoft.com/office/drawing/2014/main" xmlns="" val="1466771304"/>
                   </a:ext>
                 </a:extLst>
               </a:tr>
@@ -19012,7 +18979,7 @@
                 </a:tc>
                 <a:extLst>
                   <a:ext uri="{0D108BD9-81ED-4DB2-BD59-A6C34878D82A}">
-                    <a16:rowId xmlns="" xmlns:a16="http://schemas.microsoft.com/office/drawing/2014/main" val="1360372986"/>
+                    <a16:rowId xmlns:a16="http://schemas.microsoft.com/office/drawing/2014/main" xmlns="" val="1360372986"/>
                   </a:ext>
                 </a:extLst>
               </a:tr>
@@ -19024,39 +18991,6 @@
                     <a:p>
                       <a:pPr marL="0" algn="ctr" defTabSz="685800" rtl="0" eaLnBrk="1" latinLnBrk="0" hangingPunct="1"/>
                       <a:r>
-                        <a:rPr lang="en-US" altLang="en-US" sz="1100" b="1" kern="1200" dirty="0" smtClean="0">
-                          <a:solidFill>
-                            <a:schemeClr val="tx1"/>
-                          </a:solidFill>
-                          <a:latin typeface="微软雅黑" panose="020B0503020204020204" pitchFamily="34" charset="-122"/>
-                          <a:ea typeface="微软雅黑" panose="020B0503020204020204" pitchFamily="34" charset="-122"/>
-                          <a:cs typeface="+mn-cs"/>
-                        </a:rPr>
-                        <a:t>LI Jensen </a:t>
-                      </a:r>
-                      <a:r>
-                        <a:rPr lang="en-US" altLang="en-US" sz="1100" b="1" kern="1200" dirty="0" err="1" smtClean="0">
-                          <a:solidFill>
-                            <a:schemeClr val="tx1"/>
-                          </a:solidFill>
-                          <a:latin typeface="微软雅黑" panose="020B0503020204020204" pitchFamily="34" charset="-122"/>
-                          <a:ea typeface="微软雅黑" panose="020B0503020204020204" pitchFamily="34" charset="-122"/>
-                          <a:cs typeface="+mn-cs"/>
-                        </a:rPr>
-                        <a:t>Tsan</a:t>
-                      </a:r>
-                      <a:r>
-                        <a:rPr lang="en-US" altLang="en-US" sz="1100" b="1" kern="1200" dirty="0" smtClean="0">
-                          <a:solidFill>
-                            <a:schemeClr val="tx1"/>
-                          </a:solidFill>
-                          <a:latin typeface="微软雅黑" panose="020B0503020204020204" pitchFamily="34" charset="-122"/>
-                          <a:ea typeface="微软雅黑" panose="020B0503020204020204" pitchFamily="34" charset="-122"/>
-                          <a:cs typeface="+mn-cs"/>
-                        </a:rPr>
-                        <a:t> Hang</a:t>
-                      </a:r>
-                      <a:r>
                         <a:rPr lang="en-US" altLang="zh-CN" sz="1100" b="1" kern="1200" dirty="0" smtClean="0">
                           <a:solidFill>
                             <a:schemeClr val="dk1"/>
@@ -19065,7 +18999,7 @@
                           <a:ea typeface="微软雅黑" panose="020B0503020204020204" pitchFamily="34" charset="-122"/>
                           <a:cs typeface="+mn-cs"/>
                         </a:rPr>
-                        <a:t>(</a:t>
+                        <a:t>Alex Wong(</a:t>
                       </a:r>
                       <a:r>
                         <a:rPr lang="zh-CN" altLang="en-US" sz="1100" b="1" kern="1200" dirty="0" smtClean="0">
@@ -19076,7 +19010,7 @@
                           <a:ea typeface="微软雅黑" panose="020B0503020204020204" pitchFamily="34" charset="-122"/>
                           <a:cs typeface="+mn-cs"/>
                         </a:rPr>
-                        <a:t>李赞恒</a:t>
+                        <a:t>王文瀚</a:t>
                       </a:r>
                       <a:r>
                         <a:rPr lang="en-US" altLang="zh-CN" sz="1100" b="1" kern="1200" dirty="0" smtClean="0">
@@ -19116,7 +19050,7 @@
                           <a:ea typeface="微软雅黑" panose="020B0503020204020204" pitchFamily="34" charset="-122"/>
                           <a:cs typeface="+mn-cs"/>
                         </a:rPr>
-                        <a:t>17:25-17:40</a:t>
+                        <a:t>17:25-17:55</a:t>
                       </a:r>
                       <a:endParaRPr lang="zh-CN" altLang="en-US" sz="1100" b="1" kern="1200" dirty="0">
                         <a:solidFill>
@@ -19135,7 +19069,23 @@
                     <a:bodyPr/>
                     <a:lstStyle/>
                     <a:p>
-                      <a:pPr marL="0" algn="ctr" defTabSz="685800" rtl="0" eaLnBrk="1" latinLnBrk="0" hangingPunct="1"/>
+                      <a:pPr marL="0" marR="0" lvl="0" indent="0" algn="ctr" defTabSz="685800" rtl="0" eaLnBrk="1" fontAlgn="auto" latinLnBrk="0" hangingPunct="1">
+                        <a:lnSpc>
+                          <a:spcPct val="100000"/>
+                        </a:lnSpc>
+                        <a:spcBef>
+                          <a:spcPts val="0"/>
+                        </a:spcBef>
+                        <a:spcAft>
+                          <a:spcPts val="0"/>
+                        </a:spcAft>
+                        <a:buClrTx/>
+                        <a:buSzTx/>
+                        <a:buFontTx/>
+                        <a:buNone/>
+                        <a:tabLst/>
+                        <a:defRPr/>
+                      </a:pPr>
                       <a:r>
                         <a:rPr lang="en-US" altLang="zh-CN" sz="1100" b="1" kern="1200" dirty="0" smtClean="0">
                           <a:solidFill>
@@ -19145,10 +19095,10 @@
                           <a:ea typeface="微软雅黑" panose="020B0503020204020204" pitchFamily="34" charset="-122"/>
                           <a:cs typeface="+mn-cs"/>
                         </a:rPr>
-                        <a:t>Elastic </a:t>
+                        <a:t>Arbitrary Electromagnetic Wave Manipulation with a Huygens</a:t>
                       </a:r>
                       <a:r>
-                        <a:rPr lang="en-US" altLang="zh-CN" sz="1100" b="1" kern="1200" dirty="0" err="1" smtClean="0">
+                        <a:rPr lang="zh-CN" altLang="en-US" sz="1100" b="1" kern="1200" dirty="0" smtClean="0">
                           <a:solidFill>
                             <a:schemeClr val="dk1"/>
                           </a:solidFill>
@@ -19156,9 +19106,20 @@
                           <a:ea typeface="微软雅黑" panose="020B0503020204020204" pitchFamily="34" charset="-122"/>
                           <a:cs typeface="+mn-cs"/>
                         </a:rPr>
-                        <a:t>metasurfaces</a:t>
+                        <a:t>’</a:t>
                       </a:r>
-                      <a:endParaRPr lang="zh-CN" altLang="en-US" sz="1100" b="1" kern="1200" dirty="0">
+                      <a:r>
+                        <a:rPr lang="en-US" altLang="zh-CN" sz="1100" b="1" kern="1200" dirty="0" smtClean="0">
+                          <a:solidFill>
+                            <a:schemeClr val="dk1"/>
+                          </a:solidFill>
+                          <a:latin typeface="微软雅黑" panose="020B0503020204020204" pitchFamily="34" charset="-122"/>
+                          <a:ea typeface="微软雅黑" panose="020B0503020204020204" pitchFamily="34" charset="-122"/>
+                          <a:cs typeface="+mn-cs"/>
+                        </a:rPr>
+                        <a:t> metasurface</a:t>
+                      </a:r>
+                      <a:endParaRPr lang="zh-CN" altLang="en-US" sz="1100" b="1" kern="1200" dirty="0" smtClean="0">
                         <a:solidFill>
                           <a:schemeClr val="dk1"/>
                         </a:solidFill>
@@ -19172,7 +19133,7 @@
                 </a:tc>
                 <a:extLst>
                   <a:ext uri="{0D108BD9-81ED-4DB2-BD59-A6C34878D82A}">
-                    <a16:rowId xmlns="" xmlns:a16="http://schemas.microsoft.com/office/drawing/2014/main" val="3517042196"/>
+                    <a16:rowId xmlns:a16="http://schemas.microsoft.com/office/drawing/2014/main" xmlns="" val="3517042196"/>
                   </a:ext>
                 </a:extLst>
               </a:tr>
@@ -19185,7 +19146,7 @@
           <p:cNvPr id="13" name="文本框 12">
             <a:extLst>
               <a:ext uri="{FF2B5EF4-FFF2-40B4-BE49-F238E27FC236}">
-                <a16:creationId xmlns="" xmlns:a16="http://schemas.microsoft.com/office/drawing/2014/main" id="{740F5E40-DCD1-41FA-94E2-CA9CA7EC8E7F}"/>
+                <a16:creationId xmlns:a16="http://schemas.microsoft.com/office/drawing/2014/main" xmlns="" id="{740F5E40-DCD1-41FA-94E2-CA9CA7EC8E7F}"/>
               </a:ext>
             </a:extLst>
           </p:cNvPr>
@@ -19267,7 +19228,7 @@
           <p:cNvPr id="14" name="文本框 13">
             <a:extLst>
               <a:ext uri="{FF2B5EF4-FFF2-40B4-BE49-F238E27FC236}">
-                <a16:creationId xmlns="" xmlns:a16="http://schemas.microsoft.com/office/drawing/2014/main" id="{66ED3A95-7245-4310-8354-479C4A30391B}"/>
+                <a16:creationId xmlns:a16="http://schemas.microsoft.com/office/drawing/2014/main" xmlns="" id="{66ED3A95-7245-4310-8354-479C4A30391B}"/>
               </a:ext>
             </a:extLst>
           </p:cNvPr>
@@ -19389,7 +19350,7 @@
           <p:cNvPr id="12" name="矩形 11">
             <a:extLst>
               <a:ext uri="{FF2B5EF4-FFF2-40B4-BE49-F238E27FC236}">
-                <a16:creationId xmlns="" xmlns:a16="http://schemas.microsoft.com/office/drawing/2014/main" id="{42B28CF3-1023-471A-85FC-9F9F3ADC12F8}"/>
+                <a16:creationId xmlns:a16="http://schemas.microsoft.com/office/drawing/2014/main" xmlns="" id="{42B28CF3-1023-471A-85FC-9F9F3ADC12F8}"/>
               </a:ext>
             </a:extLst>
           </p:cNvPr>
@@ -19455,7 +19416,7 @@
           <p:cNvPr id="8" name="表格 7">
             <a:extLst>
               <a:ext uri="{FF2B5EF4-FFF2-40B4-BE49-F238E27FC236}">
-                <a16:creationId xmlns="" xmlns:a16="http://schemas.microsoft.com/office/drawing/2014/main" id="{DF1018AF-4BB1-46F7-91DD-90F84352DBBF}"/>
+                <a16:creationId xmlns:a16="http://schemas.microsoft.com/office/drawing/2014/main" xmlns="" id="{DF1018AF-4BB1-46F7-91DD-90F84352DBBF}"/>
               </a:ext>
             </a:extLst>
           </p:cNvPr>
@@ -19484,21 +19445,21 @@
                 <a:gridCol w="2180823">
                   <a:extLst>
                     <a:ext uri="{9D8B030D-6E8A-4147-A177-3AD203B41FA5}">
-                      <a16:colId xmlns="" xmlns:a16="http://schemas.microsoft.com/office/drawing/2014/main" val="271949209"/>
+                      <a16:colId xmlns:a16="http://schemas.microsoft.com/office/drawing/2014/main" xmlns="" val="271949209"/>
                     </a:ext>
                   </a:extLst>
                 </a:gridCol>
                 <a:gridCol w="1803043">
                   <a:extLst>
                     <a:ext uri="{9D8B030D-6E8A-4147-A177-3AD203B41FA5}">
-                      <a16:colId xmlns="" xmlns:a16="http://schemas.microsoft.com/office/drawing/2014/main" val="483794282"/>
+                      <a16:colId xmlns:a16="http://schemas.microsoft.com/office/drawing/2014/main" xmlns="" val="483794282"/>
                     </a:ext>
                   </a:extLst>
                 </a:gridCol>
                 <a:gridCol w="4488063">
                   <a:extLst>
                     <a:ext uri="{9D8B030D-6E8A-4147-A177-3AD203B41FA5}">
-                      <a16:colId xmlns="" xmlns:a16="http://schemas.microsoft.com/office/drawing/2014/main" val="3157286281"/>
+                      <a16:colId xmlns:a16="http://schemas.microsoft.com/office/drawing/2014/main" xmlns="" val="3157286281"/>
                     </a:ext>
                   </a:extLst>
                 </a:gridCol>
@@ -19551,7 +19512,7 @@
                 </a:tc>
                 <a:extLst>
                   <a:ext uri="{0D108BD9-81ED-4DB2-BD59-A6C34878D82A}">
-                    <a16:rowId xmlns="" xmlns:a16="http://schemas.microsoft.com/office/drawing/2014/main" val="10357417"/>
+                    <a16:rowId xmlns:a16="http://schemas.microsoft.com/office/drawing/2014/main" xmlns="" val="10357417"/>
                   </a:ext>
                 </a:extLst>
               </a:tr>
@@ -19667,7 +19628,7 @@
                 </a:tc>
                 <a:extLst>
                   <a:ext uri="{0D108BD9-81ED-4DB2-BD59-A6C34878D82A}">
-                    <a16:rowId xmlns="" xmlns:a16="http://schemas.microsoft.com/office/drawing/2014/main" val="1881350119"/>
+                    <a16:rowId xmlns:a16="http://schemas.microsoft.com/office/drawing/2014/main" xmlns="" val="1881350119"/>
                   </a:ext>
                 </a:extLst>
               </a:tr>
@@ -19854,7 +19815,7 @@
                 </a:tc>
                 <a:extLst>
                   <a:ext uri="{0D108BD9-81ED-4DB2-BD59-A6C34878D82A}">
-                    <a16:rowId xmlns="" xmlns:a16="http://schemas.microsoft.com/office/drawing/2014/main" val="1466771304"/>
+                    <a16:rowId xmlns:a16="http://schemas.microsoft.com/office/drawing/2014/main" xmlns="" val="1466771304"/>
                   </a:ext>
                 </a:extLst>
               </a:tr>
@@ -19981,7 +19942,7 @@
                 </a:tc>
                 <a:extLst>
                   <a:ext uri="{0D108BD9-81ED-4DB2-BD59-A6C34878D82A}">
-                    <a16:rowId xmlns="" xmlns:a16="http://schemas.microsoft.com/office/drawing/2014/main" val="1360372986"/>
+                    <a16:rowId xmlns:a16="http://schemas.microsoft.com/office/drawing/2014/main" xmlns="" val="1360372986"/>
                   </a:ext>
                 </a:extLst>
               </a:tr>
@@ -20163,7 +20124,7 @@
                 </a:tc>
                 <a:extLst>
                   <a:ext uri="{0D108BD9-81ED-4DB2-BD59-A6C34878D82A}">
-                    <a16:rowId xmlns="" xmlns:a16="http://schemas.microsoft.com/office/drawing/2014/main" val="3517042196"/>
+                    <a16:rowId xmlns:a16="http://schemas.microsoft.com/office/drawing/2014/main" xmlns="" val="3517042196"/>
                   </a:ext>
                 </a:extLst>
               </a:tr>
@@ -20246,18 +20207,7 @@
                           <a:ea typeface="微软雅黑" panose="020B0503020204020204" pitchFamily="34" charset="-122"/>
                           <a:cs typeface="+mn-cs"/>
                         </a:rPr>
-                        <a:t>Coffee  </a:t>
-                      </a:r>
-                      <a:r>
-                        <a:rPr lang="en-US" altLang="zh-CN" sz="1100" b="1" kern="1200" baseline="0" dirty="0" smtClean="0">
-                          <a:solidFill>
-                            <a:schemeClr val="dk1"/>
-                          </a:solidFill>
-                          <a:latin typeface="微软雅黑" panose="020B0503020204020204" pitchFamily="34" charset="-122"/>
-                          <a:ea typeface="微软雅黑" panose="020B0503020204020204" pitchFamily="34" charset="-122"/>
-                          <a:cs typeface="+mn-cs"/>
-                        </a:rPr>
-                        <a:t>Break</a:t>
+                        <a:t>Coffee  Break</a:t>
                       </a:r>
                       <a:endParaRPr lang="zh-CN" altLang="en-US" sz="1100" b="1" kern="1200" baseline="0" dirty="0">
                         <a:solidFill>
@@ -20273,7 +20223,7 @@
                 </a:tc>
                 <a:extLst>
                   <a:ext uri="{0D108BD9-81ED-4DB2-BD59-A6C34878D82A}">
-                    <a16:rowId xmlns="" xmlns:a16="http://schemas.microsoft.com/office/drawing/2014/main" val="2030655908"/>
+                    <a16:rowId xmlns:a16="http://schemas.microsoft.com/office/drawing/2014/main" xmlns="" val="2030655908"/>
                   </a:ext>
                 </a:extLst>
               </a:tr>
@@ -20416,7 +20366,7 @@
                 </a:tc>
                 <a:extLst>
                   <a:ext uri="{0D108BD9-81ED-4DB2-BD59-A6C34878D82A}">
-                    <a16:rowId xmlns="" xmlns:a16="http://schemas.microsoft.com/office/drawing/2014/main" val="409827977"/>
+                    <a16:rowId xmlns:a16="http://schemas.microsoft.com/office/drawing/2014/main" xmlns="" val="409827977"/>
                   </a:ext>
                 </a:extLst>
               </a:tr>
@@ -20581,7 +20531,7 @@
                 </a:tc>
                 <a:extLst>
                   <a:ext uri="{0D108BD9-81ED-4DB2-BD59-A6C34878D82A}">
-                    <a16:rowId xmlns="" xmlns:a16="http://schemas.microsoft.com/office/drawing/2014/main" val="869534706"/>
+                    <a16:rowId xmlns:a16="http://schemas.microsoft.com/office/drawing/2014/main" xmlns="" val="869534706"/>
                   </a:ext>
                 </a:extLst>
               </a:tr>
@@ -20724,18 +20674,7 @@
                           <a:ea typeface="微软雅黑" panose="020B0503020204020204" pitchFamily="34" charset="-122"/>
                           <a:cs typeface="+mn-cs"/>
                         </a:rPr>
-                        <a:t>低维纳米材料的光学二倍频</a:t>
-                      </a:r>
-                      <a:r>
-                        <a:rPr lang="zh-CN" altLang="en-US" sz="1100" b="1" kern="1200" baseline="0" dirty="0" smtClean="0">
-                          <a:solidFill>
-                            <a:schemeClr val="dk1"/>
-                          </a:solidFill>
-                          <a:latin typeface="微软雅黑" panose="020B0503020204020204" pitchFamily="34" charset="-122"/>
-                          <a:ea typeface="微软雅黑" panose="020B0503020204020204" pitchFamily="34" charset="-122"/>
-                          <a:cs typeface="+mn-cs"/>
-                        </a:rPr>
-                        <a:t>效应</a:t>
+                        <a:t>低维纳米材料的光学二倍频效应</a:t>
                       </a:r>
                       <a:endParaRPr lang="zh-CN" altLang="en-US" sz="1100" b="1" kern="1200" baseline="0" dirty="0">
                         <a:solidFill>
@@ -20751,7 +20690,7 @@
                 </a:tc>
                 <a:extLst>
                   <a:ext uri="{0D108BD9-81ED-4DB2-BD59-A6C34878D82A}">
-                    <a16:rowId xmlns="" xmlns:a16="http://schemas.microsoft.com/office/drawing/2014/main" val="376353898"/>
+                    <a16:rowId xmlns:a16="http://schemas.microsoft.com/office/drawing/2014/main" xmlns="" val="376353898"/>
                   </a:ext>
                 </a:extLst>
               </a:tr>
@@ -20962,18 +20901,7 @@
                           <a:ea typeface="微软雅黑" panose="020B0503020204020204" pitchFamily="34" charset="-122"/>
                           <a:cs typeface="+mn-cs"/>
                         </a:rPr>
-                        <a:t> polarization to atomic </a:t>
-                      </a:r>
-                      <a:r>
-                        <a:rPr lang="en-US" altLang="en-US" sz="1100" b="1" kern="1200" baseline="0" dirty="0" smtClean="0">
-                          <a:solidFill>
-                            <a:schemeClr val="dk1"/>
-                          </a:solidFill>
-                          <a:latin typeface="微软雅黑" panose="020B0503020204020204" pitchFamily="34" charset="-122"/>
-                          <a:ea typeface="微软雅黑" panose="020B0503020204020204" pitchFamily="34" charset="-122"/>
-                          <a:cs typeface="+mn-cs"/>
-                        </a:rPr>
-                        <a:t>thickness</a:t>
+                        <a:t> polarization to atomic thickness</a:t>
                       </a:r>
                       <a:endParaRPr lang="zh-CN" altLang="en-US" sz="1100" b="1" kern="1200" baseline="0" dirty="0">
                         <a:solidFill>
@@ -20989,7 +20917,7 @@
                 </a:tc>
                 <a:extLst>
                   <a:ext uri="{0D108BD9-81ED-4DB2-BD59-A6C34878D82A}">
-                    <a16:rowId xmlns="" xmlns:a16="http://schemas.microsoft.com/office/drawing/2014/main" val="3084526821"/>
+                    <a16:rowId xmlns:a16="http://schemas.microsoft.com/office/drawing/2014/main" xmlns="" val="3084526821"/>
                   </a:ext>
                 </a:extLst>
               </a:tr>
@@ -21132,7 +21060,7 @@
                 </a:tc>
                 <a:extLst>
                   <a:ext uri="{0D108BD9-81ED-4DB2-BD59-A6C34878D82A}">
-                    <a16:rowId xmlns="" xmlns:a16="http://schemas.microsoft.com/office/drawing/2014/main" val="3303074763"/>
+                    <a16:rowId xmlns:a16="http://schemas.microsoft.com/office/drawing/2014/main" xmlns="" val="3303074763"/>
                   </a:ext>
                 </a:extLst>
               </a:tr>
@@ -21374,7 +21302,7 @@
                 </a:tc>
                 <a:extLst>
                   <a:ext uri="{0D108BD9-81ED-4DB2-BD59-A6C34878D82A}">
-                    <a16:rowId xmlns="" xmlns:a16="http://schemas.microsoft.com/office/drawing/2014/main" val="3971897777"/>
+                    <a16:rowId xmlns:a16="http://schemas.microsoft.com/office/drawing/2014/main" xmlns="" val="3971897777"/>
                   </a:ext>
                 </a:extLst>
               </a:tr>
@@ -21387,7 +21315,7 @@
           <p:cNvPr id="13" name="文本框 12">
             <a:extLst>
               <a:ext uri="{FF2B5EF4-FFF2-40B4-BE49-F238E27FC236}">
-                <a16:creationId xmlns="" xmlns:a16="http://schemas.microsoft.com/office/drawing/2014/main" id="{740F5E40-DCD1-41FA-94E2-CA9CA7EC8E7F}"/>
+                <a16:creationId xmlns:a16="http://schemas.microsoft.com/office/drawing/2014/main" xmlns="" id="{740F5E40-DCD1-41FA-94E2-CA9CA7EC8E7F}"/>
               </a:ext>
             </a:extLst>
           </p:cNvPr>
@@ -21469,7 +21397,7 @@
           <p:cNvPr id="6" name="文本框 5">
             <a:extLst>
               <a:ext uri="{FF2B5EF4-FFF2-40B4-BE49-F238E27FC236}">
-                <a16:creationId xmlns="" xmlns:a16="http://schemas.microsoft.com/office/drawing/2014/main" id="{66ED3A95-7245-4310-8354-479C4A30391B}"/>
+                <a16:creationId xmlns:a16="http://schemas.microsoft.com/office/drawing/2014/main" xmlns="" id="{66ED3A95-7245-4310-8354-479C4A30391B}"/>
               </a:ext>
             </a:extLst>
           </p:cNvPr>
@@ -21503,13 +21431,7 @@
               <a:rPr lang="en-US" altLang="zh-CN" sz="2400" b="1" baseline="30000" dirty="0" smtClean="0">
                 <a:latin typeface="+mj-ea"/>
               </a:rPr>
-              <a:t>r</a:t>
-            </a:r>
-            <a:r>
-              <a:rPr lang="en-US" altLang="zh-CN" sz="2400" b="1" baseline="30000" dirty="0" smtClean="0">
-                <a:latin typeface="+mj-ea"/>
-              </a:rPr>
-              <a:t>d  </a:t>
+              <a:t>rd  </a:t>
             </a:r>
             <a:r>
               <a:rPr lang="en-US" altLang="zh-CN" sz="2400" b="1" dirty="0" smtClean="0">
@@ -21578,7 +21500,7 @@
           <p:cNvPr id="12" name="矩形 11">
             <a:extLst>
               <a:ext uri="{FF2B5EF4-FFF2-40B4-BE49-F238E27FC236}">
-                <a16:creationId xmlns="" xmlns:a16="http://schemas.microsoft.com/office/drawing/2014/main" id="{42B28CF3-1023-471A-85FC-9F9F3ADC12F8}"/>
+                <a16:creationId xmlns:a16="http://schemas.microsoft.com/office/drawing/2014/main" xmlns="" id="{42B28CF3-1023-471A-85FC-9F9F3ADC12F8}"/>
               </a:ext>
             </a:extLst>
           </p:cNvPr>
@@ -21644,7 +21566,7 @@
           <p:cNvPr id="8" name="表格 7">
             <a:extLst>
               <a:ext uri="{FF2B5EF4-FFF2-40B4-BE49-F238E27FC236}">
-                <a16:creationId xmlns="" xmlns:a16="http://schemas.microsoft.com/office/drawing/2014/main" id="{DF1018AF-4BB1-46F7-91DD-90F84352DBBF}"/>
+                <a16:creationId xmlns:a16="http://schemas.microsoft.com/office/drawing/2014/main" xmlns="" id="{DF1018AF-4BB1-46F7-91DD-90F84352DBBF}"/>
               </a:ext>
             </a:extLst>
           </p:cNvPr>
@@ -21654,14 +21576,14 @@
           <p:nvPr>
             <p:extLst>
               <p:ext uri="{D42A27DB-BD31-4B8C-83A1-F6EECF244321}">
-                <p14:modId xmlns:p14="http://schemas.microsoft.com/office/powerpoint/2010/main" val="3014165757"/>
+                <p14:modId xmlns:p14="http://schemas.microsoft.com/office/powerpoint/2010/main" val="2366831841"/>
               </p:ext>
             </p:extLst>
           </p:nvPr>
         </p:nvGraphicFramePr>
         <p:xfrm>
           <a:off x="285720" y="2000240"/>
-          <a:ext cx="8471929" cy="2285602"/>
+          <a:ext cx="8471929" cy="2224642"/>
         </p:xfrm>
         <a:graphic>
           <a:graphicData uri="http://schemas.openxmlformats.org/drawingml/2006/table">
@@ -21673,21 +21595,21 @@
                 <a:gridCol w="2180823">
                   <a:extLst>
                     <a:ext uri="{9D8B030D-6E8A-4147-A177-3AD203B41FA5}">
-                      <a16:colId xmlns="" xmlns:a16="http://schemas.microsoft.com/office/drawing/2014/main" val="271949209"/>
+                      <a16:colId xmlns:a16="http://schemas.microsoft.com/office/drawing/2014/main" xmlns="" val="271949209"/>
                     </a:ext>
                   </a:extLst>
                 </a:gridCol>
                 <a:gridCol w="1803043">
                   <a:extLst>
                     <a:ext uri="{9D8B030D-6E8A-4147-A177-3AD203B41FA5}">
-                      <a16:colId xmlns="" xmlns:a16="http://schemas.microsoft.com/office/drawing/2014/main" val="483794282"/>
+                      <a16:colId xmlns:a16="http://schemas.microsoft.com/office/drawing/2014/main" xmlns="" val="483794282"/>
                     </a:ext>
                   </a:extLst>
                 </a:gridCol>
                 <a:gridCol w="4488063">
                   <a:extLst>
                     <a:ext uri="{9D8B030D-6E8A-4147-A177-3AD203B41FA5}">
-                      <a16:colId xmlns="" xmlns:a16="http://schemas.microsoft.com/office/drawing/2014/main" val="3157286281"/>
+                      <a16:colId xmlns:a16="http://schemas.microsoft.com/office/drawing/2014/main" xmlns="" val="3157286281"/>
                     </a:ext>
                   </a:extLst>
                 </a:gridCol>
@@ -21740,7 +21662,7 @@
                 </a:tc>
                 <a:extLst>
                   <a:ext uri="{0D108BD9-81ED-4DB2-BD59-A6C34878D82A}">
-                    <a16:rowId xmlns="" xmlns:a16="http://schemas.microsoft.com/office/drawing/2014/main" val="10357417"/>
+                    <a16:rowId xmlns:a16="http://schemas.microsoft.com/office/drawing/2014/main" xmlns="" val="10357417"/>
                   </a:ext>
                 </a:extLst>
               </a:tr>
@@ -21988,7 +21910,7 @@
                 </a:tc>
                 <a:extLst>
                   <a:ext uri="{0D108BD9-81ED-4DB2-BD59-A6C34878D82A}">
-                    <a16:rowId xmlns="" xmlns:a16="http://schemas.microsoft.com/office/drawing/2014/main" val="1881350119"/>
+                    <a16:rowId xmlns:a16="http://schemas.microsoft.com/office/drawing/2014/main" xmlns="" val="1881350119"/>
                   </a:ext>
                 </a:extLst>
               </a:tr>
@@ -22137,18 +22059,7 @@
                           <a:ea typeface="微软雅黑" panose="020B0503020204020204" pitchFamily="34" charset="-122"/>
                           <a:cs typeface="+mn-cs"/>
                         </a:rPr>
-                        <a:t>: new challenges and </a:t>
-                      </a:r>
-                      <a:r>
-                        <a:rPr lang="en-US" altLang="zh-CN" sz="1100" b="1" kern="1200" dirty="0" smtClean="0">
-                          <a:solidFill>
-                            <a:schemeClr val="dk1"/>
-                          </a:solidFill>
-                          <a:latin typeface="微软雅黑" panose="020B0503020204020204" pitchFamily="34" charset="-122"/>
-                          <a:ea typeface="微软雅黑" panose="020B0503020204020204" pitchFamily="34" charset="-122"/>
-                          <a:cs typeface="+mn-cs"/>
-                        </a:rPr>
-                        <a:t>opportunities</a:t>
+                        <a:t>: new challenges and opportunities</a:t>
                       </a:r>
                       <a:endParaRPr lang="zh-CN" altLang="en-US" sz="1100" b="1" kern="1200" dirty="0">
                         <a:solidFill>
@@ -22164,7 +22075,7 @@
                 </a:tc>
                 <a:extLst>
                   <a:ext uri="{0D108BD9-81ED-4DB2-BD59-A6C34878D82A}">
-                    <a16:rowId xmlns="" xmlns:a16="http://schemas.microsoft.com/office/drawing/2014/main" val="1466771304"/>
+                    <a16:rowId xmlns:a16="http://schemas.microsoft.com/office/drawing/2014/main" xmlns="" val="1466771304"/>
                   </a:ext>
                 </a:extLst>
               </a:tr>
@@ -22174,7 +22085,56 @@
                     <a:bodyPr/>
                     <a:lstStyle/>
                     <a:p>
-                      <a:pPr marL="0" algn="ctr" defTabSz="685800" rtl="0" eaLnBrk="1" latinLnBrk="0" hangingPunct="1"/>
+                      <a:pPr marL="0" marR="0" lvl="0" indent="0" algn="ctr" defTabSz="685800" rtl="0" eaLnBrk="1" fontAlgn="auto" latinLnBrk="0" hangingPunct="1">
+                        <a:lnSpc>
+                          <a:spcPct val="100000"/>
+                        </a:lnSpc>
+                        <a:spcBef>
+                          <a:spcPts val="0"/>
+                        </a:spcBef>
+                        <a:spcAft>
+                          <a:spcPts val="0"/>
+                        </a:spcAft>
+                        <a:buClrTx/>
+                        <a:buSzTx/>
+                        <a:buFontTx/>
+                        <a:buNone/>
+                        <a:tabLst/>
+                        <a:defRPr/>
+                      </a:pPr>
+                      <a:r>
+                        <a:rPr lang="en-US" altLang="en-US" sz="1100" b="1" kern="1200" dirty="0" smtClean="0">
+                          <a:solidFill>
+                            <a:schemeClr val="tx1"/>
+                          </a:solidFill>
+                          <a:latin typeface="微软雅黑" panose="020B0503020204020204" pitchFamily="34" charset="-122"/>
+                          <a:ea typeface="微软雅黑" panose="020B0503020204020204" pitchFamily="34" charset="-122"/>
+                          <a:cs typeface="+mn-cs"/>
+                        </a:rPr>
+                        <a:t>LI Jensen </a:t>
+                      </a:r>
+                      <a:r>
+                        <a:rPr lang="en-US" altLang="en-US" sz="1100" b="1" kern="1200" dirty="0" err="1" smtClean="0">
+                          <a:solidFill>
+                            <a:schemeClr val="tx1"/>
+                          </a:solidFill>
+                          <a:latin typeface="微软雅黑" panose="020B0503020204020204" pitchFamily="34" charset="-122"/>
+                          <a:ea typeface="微软雅黑" panose="020B0503020204020204" pitchFamily="34" charset="-122"/>
+                          <a:cs typeface="+mn-cs"/>
+                        </a:rPr>
+                        <a:t>Tsan</a:t>
+                      </a:r>
+                      <a:r>
+                        <a:rPr lang="en-US" altLang="en-US" sz="1100" b="1" kern="1200" dirty="0" smtClean="0">
+                          <a:solidFill>
+                            <a:schemeClr val="tx1"/>
+                          </a:solidFill>
+                          <a:latin typeface="微软雅黑" panose="020B0503020204020204" pitchFamily="34" charset="-122"/>
+                          <a:ea typeface="微软雅黑" panose="020B0503020204020204" pitchFamily="34" charset="-122"/>
+                          <a:cs typeface="+mn-cs"/>
+                        </a:rPr>
+                        <a:t> Hang</a:t>
+                      </a:r>
                       <a:r>
                         <a:rPr lang="en-US" altLang="zh-CN" sz="1100" b="1" kern="1200" dirty="0" smtClean="0">
                           <a:solidFill>
@@ -22184,7 +22144,7 @@
                           <a:ea typeface="微软雅黑" panose="020B0503020204020204" pitchFamily="34" charset="-122"/>
                           <a:cs typeface="+mn-cs"/>
                         </a:rPr>
-                        <a:t>Alex Wong(</a:t>
+                        <a:t>(</a:t>
                       </a:r>
                       <a:r>
                         <a:rPr lang="zh-CN" altLang="en-US" sz="1100" b="1" kern="1200" dirty="0" smtClean="0">
@@ -22195,7 +22155,7 @@
                           <a:ea typeface="微软雅黑" panose="020B0503020204020204" pitchFamily="34" charset="-122"/>
                           <a:cs typeface="+mn-cs"/>
                         </a:rPr>
-                        <a:t>王文瀚</a:t>
+                        <a:t>李赞恒</a:t>
                       </a:r>
                       <a:r>
                         <a:rPr lang="en-US" altLang="zh-CN" sz="1100" b="1" kern="1200" dirty="0" smtClean="0">
@@ -22208,7 +22168,7 @@
                         </a:rPr>
                         <a:t>)</a:t>
                       </a:r>
-                      <a:endParaRPr lang="zh-CN" altLang="en-US" sz="1100" b="1" kern="1200" dirty="0">
+                      <a:endParaRPr lang="zh-CN" altLang="zh-CN" sz="1100" b="1" kern="1200" dirty="0" smtClean="0">
                         <a:solidFill>
                           <a:schemeClr val="dk1"/>
                         </a:solidFill>
@@ -22254,7 +22214,7 @@
                     <a:bodyPr/>
                     <a:lstStyle/>
                     <a:p>
-                      <a:pPr algn="ctr"/>
+                      <a:pPr marL="0" algn="ctr" defTabSz="685800" rtl="0" eaLnBrk="1" latinLnBrk="0" hangingPunct="1"/>
                       <a:r>
                         <a:rPr lang="en-US" altLang="zh-CN" sz="1100" b="1" kern="1200" dirty="0" smtClean="0">
                           <a:solidFill>
@@ -22264,53 +22224,9 @@
                           <a:ea typeface="微软雅黑" panose="020B0503020204020204" pitchFamily="34" charset="-122"/>
                           <a:cs typeface="+mn-cs"/>
                         </a:rPr>
-                        <a:t>Arbitrary Electromagnetic Wave Manipulation with a </a:t>
+                        <a:t>Elastic metasurfaces</a:t>
                       </a:r>
-                      <a:r>
-                        <a:rPr lang="en-US" altLang="zh-CN" sz="1100" b="1" kern="1200" dirty="0" smtClean="0">
-                          <a:solidFill>
-                            <a:schemeClr val="dk1"/>
-                          </a:solidFill>
-                          <a:latin typeface="微软雅黑" panose="020B0503020204020204" pitchFamily="34" charset="-122"/>
-                          <a:ea typeface="微软雅黑" panose="020B0503020204020204" pitchFamily="34" charset="-122"/>
-                          <a:cs typeface="+mn-cs"/>
-                        </a:rPr>
-                        <a:t>Huygens</a:t>
-                      </a:r>
-                      <a:r>
-                        <a:rPr lang="zh-CN" altLang="en-US" sz="1100" b="1" kern="1200" dirty="0" smtClean="0">
-                          <a:solidFill>
-                            <a:schemeClr val="dk1"/>
-                          </a:solidFill>
-                          <a:latin typeface="微软雅黑" panose="020B0503020204020204" pitchFamily="34" charset="-122"/>
-                          <a:ea typeface="微软雅黑" panose="020B0503020204020204" pitchFamily="34" charset="-122"/>
-                          <a:cs typeface="+mn-cs"/>
-                        </a:rPr>
-                        <a:t>’</a:t>
-                      </a:r>
-                      <a:r>
-                        <a:rPr lang="en-US" altLang="zh-CN" sz="1100" b="1" kern="1200" dirty="0" smtClean="0">
-                          <a:solidFill>
-                            <a:schemeClr val="dk1"/>
-                          </a:solidFill>
-                          <a:latin typeface="微软雅黑" panose="020B0503020204020204" pitchFamily="34" charset="-122"/>
-                          <a:ea typeface="微软雅黑" panose="020B0503020204020204" pitchFamily="34" charset="-122"/>
-                          <a:cs typeface="+mn-cs"/>
-                        </a:rPr>
-                        <a:t> </a:t>
-                      </a:r>
-                      <a:r>
-                        <a:rPr lang="en-US" altLang="zh-CN" sz="1100" b="1" kern="1200" dirty="0" smtClean="0">
-                          <a:solidFill>
-                            <a:schemeClr val="dk1"/>
-                          </a:solidFill>
-                          <a:latin typeface="微软雅黑" panose="020B0503020204020204" pitchFamily="34" charset="-122"/>
-                          <a:ea typeface="微软雅黑" panose="020B0503020204020204" pitchFamily="34" charset="-122"/>
-                          <a:cs typeface="+mn-cs"/>
-                        </a:rPr>
-                        <a:t>metasurface</a:t>
-                      </a:r>
-                      <a:endParaRPr lang="zh-CN" altLang="en-US" sz="1100" b="1" kern="1200" dirty="0">
+                      <a:endParaRPr lang="en-US" altLang="zh-CN" sz="1100" b="1" kern="1200" dirty="0" smtClean="0">
                         <a:solidFill>
                           <a:schemeClr val="dk1"/>
                         </a:solidFill>
@@ -22324,7 +22240,7 @@
                 </a:tc>
                 <a:extLst>
                   <a:ext uri="{0D108BD9-81ED-4DB2-BD59-A6C34878D82A}">
-                    <a16:rowId xmlns="" xmlns:a16="http://schemas.microsoft.com/office/drawing/2014/main" val="1360372986"/>
+                    <a16:rowId xmlns:a16="http://schemas.microsoft.com/office/drawing/2014/main" xmlns="" val="1360372986"/>
                   </a:ext>
                 </a:extLst>
               </a:tr>
@@ -22454,7 +22370,7 @@
                 </a:tc>
                 <a:extLst>
                   <a:ext uri="{0D108BD9-81ED-4DB2-BD59-A6C34878D82A}">
-                    <a16:rowId xmlns="" xmlns:a16="http://schemas.microsoft.com/office/drawing/2014/main" val="3517042196"/>
+                    <a16:rowId xmlns:a16="http://schemas.microsoft.com/office/drawing/2014/main" xmlns="" val="3517042196"/>
                   </a:ext>
                 </a:extLst>
               </a:tr>
@@ -22467,7 +22383,7 @@
           <p:cNvPr id="13" name="文本框 12">
             <a:extLst>
               <a:ext uri="{FF2B5EF4-FFF2-40B4-BE49-F238E27FC236}">
-                <a16:creationId xmlns="" xmlns:a16="http://schemas.microsoft.com/office/drawing/2014/main" id="{740F5E40-DCD1-41FA-94E2-CA9CA7EC8E7F}"/>
+                <a16:creationId xmlns:a16="http://schemas.microsoft.com/office/drawing/2014/main" xmlns="" id="{740F5E40-DCD1-41FA-94E2-CA9CA7EC8E7F}"/>
               </a:ext>
             </a:extLst>
           </p:cNvPr>
@@ -22549,7 +22465,7 @@
           <p:cNvPr id="14" name="文本框 13">
             <a:extLst>
               <a:ext uri="{FF2B5EF4-FFF2-40B4-BE49-F238E27FC236}">
-                <a16:creationId xmlns="" xmlns:a16="http://schemas.microsoft.com/office/drawing/2014/main" id="{66ED3A95-7245-4310-8354-479C4A30391B}"/>
+                <a16:creationId xmlns:a16="http://schemas.microsoft.com/office/drawing/2014/main" xmlns="" id="{66ED3A95-7245-4310-8354-479C4A30391B}"/>
               </a:ext>
             </a:extLst>
           </p:cNvPr>

--- a/text/大湾区超构材料与微纳光学专题研讨会.pptx
+++ b/text/大湾区超构材料与微纳光学专题研讨会.pptx
@@ -5,7 +5,7 @@
     <p:sldMasterId id="2147483648" r:id="rId1"/>
   </p:sldMasterIdLst>
   <p:notesMasterIdLst>
-    <p:notesMasterId r:id="rId8"/>
+    <p:notesMasterId r:id="rId13"/>
   </p:notesMasterIdLst>
   <p:sldIdLst>
     <p:sldId id="257" r:id="rId2"/>
@@ -14,6 +14,11 @@
     <p:sldId id="287" r:id="rId5"/>
     <p:sldId id="288" r:id="rId6"/>
     <p:sldId id="289" r:id="rId7"/>
+    <p:sldId id="290" r:id="rId8"/>
+    <p:sldId id="291" r:id="rId9"/>
+    <p:sldId id="292" r:id="rId10"/>
+    <p:sldId id="293" r:id="rId11"/>
+    <p:sldId id="294" r:id="rId12"/>
   </p:sldIdLst>
   <p:sldSz cx="9144000" cy="6858000" type="screen4x3"/>
   <p:notesSz cx="6858000" cy="9144000"/>
@@ -214,7 +219,7 @@
             <a:fld id="{D2A48B96-639E-45A3-A0BA-2464DFDB1FAA}" type="datetimeFigureOut">
               <a:rPr lang="zh-CN" altLang="en-US" smtClean="0"/>
               <a:pPr/>
-              <a:t>2018/5/28</a:t>
+              <a:t>2018/5/29</a:t>
             </a:fld>
             <a:endParaRPr lang="zh-CN" altLang="en-US"/>
           </a:p>
@@ -883,6 +888,346 @@
 </p:notes>
 </file>
 
+<file path=ppt/notesSlides/notesSlide6.xml><?xml version="1.0" encoding="utf-8"?>
+<p:notes xmlns:a="http://schemas.openxmlformats.org/drawingml/2006/main" xmlns:r="http://schemas.openxmlformats.org/officeDocument/2006/relationships" xmlns:p="http://schemas.openxmlformats.org/presentationml/2006/main">
+  <p:cSld>
+    <p:spTree>
+      <p:nvGrpSpPr>
+        <p:cNvPr id="1" name=""/>
+        <p:cNvGrpSpPr/>
+        <p:nvPr/>
+      </p:nvGrpSpPr>
+      <p:grpSpPr>
+        <a:xfrm>
+          <a:off x="0" y="0"/>
+          <a:ext cx="0" cy="0"/>
+          <a:chOff x="0" y="0"/>
+          <a:chExt cx="0" cy="0"/>
+        </a:xfrm>
+      </p:grpSpPr>
+      <p:sp>
+        <p:nvSpPr>
+          <p:cNvPr id="2" name="幻灯片图像占位符 1"/>
+          <p:cNvSpPr>
+            <a:spLocks noGrp="1" noRot="1" noChangeAspect="1"/>
+          </p:cNvSpPr>
+          <p:nvPr>
+            <p:ph type="sldImg"/>
+          </p:nvPr>
+        </p:nvSpPr>
+        <p:spPr/>
+      </p:sp>
+      <p:sp>
+        <p:nvSpPr>
+          <p:cNvPr id="3" name="备注占位符 2"/>
+          <p:cNvSpPr>
+            <a:spLocks noGrp="1"/>
+          </p:cNvSpPr>
+          <p:nvPr>
+            <p:ph type="body" idx="1"/>
+          </p:nvPr>
+        </p:nvSpPr>
+        <p:spPr/>
+        <p:txBody>
+          <a:bodyPr/>
+          <a:lstStyle/>
+          <a:p>
+            <a:endParaRPr lang="zh-CN" altLang="en-US" dirty="0"/>
+          </a:p>
+        </p:txBody>
+      </p:sp>
+      <p:sp>
+        <p:nvSpPr>
+          <p:cNvPr id="4" name="灯片编号占位符 3"/>
+          <p:cNvSpPr>
+            <a:spLocks noGrp="1"/>
+          </p:cNvSpPr>
+          <p:nvPr>
+            <p:ph type="sldNum" sz="quarter" idx="10"/>
+          </p:nvPr>
+        </p:nvSpPr>
+        <p:spPr/>
+        <p:txBody>
+          <a:bodyPr/>
+          <a:lstStyle/>
+          <a:p>
+            <a:fld id="{16D7ACB7-2DBB-4481-8823-4569647842CE}" type="slidenum">
+              <a:rPr lang="zh-CN" altLang="en-US" smtClean="0"/>
+              <a:pPr/>
+              <a:t>8</a:t>
+            </a:fld>
+            <a:endParaRPr lang="zh-CN" altLang="en-US"/>
+          </a:p>
+        </p:txBody>
+      </p:sp>
+    </p:spTree>
+    <p:extLst>
+      <p:ext uri="{BB962C8B-B14F-4D97-AF65-F5344CB8AC3E}">
+        <p14:creationId xmlns:p14="http://schemas.microsoft.com/office/powerpoint/2010/main" val="712047168"/>
+      </p:ext>
+    </p:extLst>
+  </p:cSld>
+  <p:clrMapOvr>
+    <a:masterClrMapping/>
+  </p:clrMapOvr>
+</p:notes>
+</file>
+
+<file path=ppt/notesSlides/notesSlide7.xml><?xml version="1.0" encoding="utf-8"?>
+<p:notes xmlns:a="http://schemas.openxmlformats.org/drawingml/2006/main" xmlns:r="http://schemas.openxmlformats.org/officeDocument/2006/relationships" xmlns:p="http://schemas.openxmlformats.org/presentationml/2006/main">
+  <p:cSld>
+    <p:spTree>
+      <p:nvGrpSpPr>
+        <p:cNvPr id="1" name=""/>
+        <p:cNvGrpSpPr/>
+        <p:nvPr/>
+      </p:nvGrpSpPr>
+      <p:grpSpPr>
+        <a:xfrm>
+          <a:off x="0" y="0"/>
+          <a:ext cx="0" cy="0"/>
+          <a:chOff x="0" y="0"/>
+          <a:chExt cx="0" cy="0"/>
+        </a:xfrm>
+      </p:grpSpPr>
+      <p:sp>
+        <p:nvSpPr>
+          <p:cNvPr id="2" name="幻灯片图像占位符 1"/>
+          <p:cNvSpPr>
+            <a:spLocks noGrp="1" noRot="1" noChangeAspect="1"/>
+          </p:cNvSpPr>
+          <p:nvPr>
+            <p:ph type="sldImg"/>
+          </p:nvPr>
+        </p:nvSpPr>
+        <p:spPr/>
+      </p:sp>
+      <p:sp>
+        <p:nvSpPr>
+          <p:cNvPr id="3" name="备注占位符 2"/>
+          <p:cNvSpPr>
+            <a:spLocks noGrp="1"/>
+          </p:cNvSpPr>
+          <p:nvPr>
+            <p:ph type="body" idx="1"/>
+          </p:nvPr>
+        </p:nvSpPr>
+        <p:spPr/>
+        <p:txBody>
+          <a:bodyPr/>
+          <a:lstStyle/>
+          <a:p>
+            <a:endParaRPr lang="zh-CN" altLang="en-US" dirty="0"/>
+          </a:p>
+        </p:txBody>
+      </p:sp>
+      <p:sp>
+        <p:nvSpPr>
+          <p:cNvPr id="4" name="灯片编号占位符 3"/>
+          <p:cNvSpPr>
+            <a:spLocks noGrp="1"/>
+          </p:cNvSpPr>
+          <p:nvPr>
+            <p:ph type="sldNum" sz="quarter" idx="10"/>
+          </p:nvPr>
+        </p:nvSpPr>
+        <p:spPr/>
+        <p:txBody>
+          <a:bodyPr/>
+          <a:lstStyle/>
+          <a:p>
+            <a:fld id="{16D7ACB7-2DBB-4481-8823-4569647842CE}" type="slidenum">
+              <a:rPr lang="zh-CN" altLang="en-US" smtClean="0"/>
+              <a:pPr/>
+              <a:t>9</a:t>
+            </a:fld>
+            <a:endParaRPr lang="zh-CN" altLang="en-US"/>
+          </a:p>
+        </p:txBody>
+      </p:sp>
+    </p:spTree>
+    <p:extLst>
+      <p:ext uri="{BB962C8B-B14F-4D97-AF65-F5344CB8AC3E}">
+        <p14:creationId xmlns:p14="http://schemas.microsoft.com/office/powerpoint/2010/main" val="2345845624"/>
+      </p:ext>
+    </p:extLst>
+  </p:cSld>
+  <p:clrMapOvr>
+    <a:masterClrMapping/>
+  </p:clrMapOvr>
+</p:notes>
+</file>
+
+<file path=ppt/notesSlides/notesSlide8.xml><?xml version="1.0" encoding="utf-8"?>
+<p:notes xmlns:a="http://schemas.openxmlformats.org/drawingml/2006/main" xmlns:r="http://schemas.openxmlformats.org/officeDocument/2006/relationships" xmlns:p="http://schemas.openxmlformats.org/presentationml/2006/main">
+  <p:cSld>
+    <p:spTree>
+      <p:nvGrpSpPr>
+        <p:cNvPr id="1" name=""/>
+        <p:cNvGrpSpPr/>
+        <p:nvPr/>
+      </p:nvGrpSpPr>
+      <p:grpSpPr>
+        <a:xfrm>
+          <a:off x="0" y="0"/>
+          <a:ext cx="0" cy="0"/>
+          <a:chOff x="0" y="0"/>
+          <a:chExt cx="0" cy="0"/>
+        </a:xfrm>
+      </p:grpSpPr>
+      <p:sp>
+        <p:nvSpPr>
+          <p:cNvPr id="2" name="幻灯片图像占位符 1"/>
+          <p:cNvSpPr>
+            <a:spLocks noGrp="1" noRot="1" noChangeAspect="1"/>
+          </p:cNvSpPr>
+          <p:nvPr>
+            <p:ph type="sldImg"/>
+          </p:nvPr>
+        </p:nvSpPr>
+        <p:spPr/>
+      </p:sp>
+      <p:sp>
+        <p:nvSpPr>
+          <p:cNvPr id="3" name="备注占位符 2"/>
+          <p:cNvSpPr>
+            <a:spLocks noGrp="1"/>
+          </p:cNvSpPr>
+          <p:nvPr>
+            <p:ph type="body" idx="1"/>
+          </p:nvPr>
+        </p:nvSpPr>
+        <p:spPr/>
+        <p:txBody>
+          <a:bodyPr/>
+          <a:lstStyle/>
+          <a:p>
+            <a:endParaRPr lang="zh-CN" altLang="en-US" dirty="0"/>
+          </a:p>
+        </p:txBody>
+      </p:sp>
+      <p:sp>
+        <p:nvSpPr>
+          <p:cNvPr id="4" name="灯片编号占位符 3"/>
+          <p:cNvSpPr>
+            <a:spLocks noGrp="1"/>
+          </p:cNvSpPr>
+          <p:nvPr>
+            <p:ph type="sldNum" sz="quarter" idx="10"/>
+          </p:nvPr>
+        </p:nvSpPr>
+        <p:spPr/>
+        <p:txBody>
+          <a:bodyPr/>
+          <a:lstStyle/>
+          <a:p>
+            <a:fld id="{16D7ACB7-2DBB-4481-8823-4569647842CE}" type="slidenum">
+              <a:rPr lang="zh-CN" altLang="en-US" smtClean="0"/>
+              <a:pPr/>
+              <a:t>10</a:t>
+            </a:fld>
+            <a:endParaRPr lang="zh-CN" altLang="en-US"/>
+          </a:p>
+        </p:txBody>
+      </p:sp>
+    </p:spTree>
+    <p:extLst>
+      <p:ext uri="{BB962C8B-B14F-4D97-AF65-F5344CB8AC3E}">
+        <p14:creationId xmlns:p14="http://schemas.microsoft.com/office/powerpoint/2010/main" val="2163125966"/>
+      </p:ext>
+    </p:extLst>
+  </p:cSld>
+  <p:clrMapOvr>
+    <a:masterClrMapping/>
+  </p:clrMapOvr>
+</p:notes>
+</file>
+
+<file path=ppt/notesSlides/notesSlide9.xml><?xml version="1.0" encoding="utf-8"?>
+<p:notes xmlns:a="http://schemas.openxmlformats.org/drawingml/2006/main" xmlns:r="http://schemas.openxmlformats.org/officeDocument/2006/relationships" xmlns:p="http://schemas.openxmlformats.org/presentationml/2006/main">
+  <p:cSld>
+    <p:spTree>
+      <p:nvGrpSpPr>
+        <p:cNvPr id="1" name=""/>
+        <p:cNvGrpSpPr/>
+        <p:nvPr/>
+      </p:nvGrpSpPr>
+      <p:grpSpPr>
+        <a:xfrm>
+          <a:off x="0" y="0"/>
+          <a:ext cx="0" cy="0"/>
+          <a:chOff x="0" y="0"/>
+          <a:chExt cx="0" cy="0"/>
+        </a:xfrm>
+      </p:grpSpPr>
+      <p:sp>
+        <p:nvSpPr>
+          <p:cNvPr id="2" name="幻灯片图像占位符 1"/>
+          <p:cNvSpPr>
+            <a:spLocks noGrp="1" noRot="1" noChangeAspect="1"/>
+          </p:cNvSpPr>
+          <p:nvPr>
+            <p:ph type="sldImg"/>
+          </p:nvPr>
+        </p:nvSpPr>
+        <p:spPr/>
+      </p:sp>
+      <p:sp>
+        <p:nvSpPr>
+          <p:cNvPr id="3" name="备注占位符 2"/>
+          <p:cNvSpPr>
+            <a:spLocks noGrp="1"/>
+          </p:cNvSpPr>
+          <p:nvPr>
+            <p:ph type="body" idx="1"/>
+          </p:nvPr>
+        </p:nvSpPr>
+        <p:spPr/>
+        <p:txBody>
+          <a:bodyPr/>
+          <a:lstStyle/>
+          <a:p>
+            <a:endParaRPr lang="zh-CN" altLang="en-US" dirty="0"/>
+          </a:p>
+        </p:txBody>
+      </p:sp>
+      <p:sp>
+        <p:nvSpPr>
+          <p:cNvPr id="4" name="灯片编号占位符 3"/>
+          <p:cNvSpPr>
+            <a:spLocks noGrp="1"/>
+          </p:cNvSpPr>
+          <p:nvPr>
+            <p:ph type="sldNum" sz="quarter" idx="10"/>
+          </p:nvPr>
+        </p:nvSpPr>
+        <p:spPr/>
+        <p:txBody>
+          <a:bodyPr/>
+          <a:lstStyle/>
+          <a:p>
+            <a:fld id="{16D7ACB7-2DBB-4481-8823-4569647842CE}" type="slidenum">
+              <a:rPr lang="zh-CN" altLang="en-US" smtClean="0"/>
+              <a:pPr/>
+              <a:t>11</a:t>
+            </a:fld>
+            <a:endParaRPr lang="zh-CN" altLang="en-US"/>
+          </a:p>
+        </p:txBody>
+      </p:sp>
+    </p:spTree>
+    <p:extLst>
+      <p:ext uri="{BB962C8B-B14F-4D97-AF65-F5344CB8AC3E}">
+        <p14:creationId xmlns:p14="http://schemas.microsoft.com/office/powerpoint/2010/main" val="3103511099"/>
+      </p:ext>
+    </p:extLst>
+  </p:cSld>
+  <p:clrMapOvr>
+    <a:masterClrMapping/>
+  </p:clrMapOvr>
+</p:notes>
+</file>
+
 <file path=ppt/slideLayouts/slideLayout1.xml><?xml version="1.0" encoding="utf-8"?>
 <p:sldLayout xmlns:a="http://schemas.openxmlformats.org/drawingml/2006/main" xmlns:r="http://schemas.openxmlformats.org/officeDocument/2006/relationships" xmlns:p="http://schemas.openxmlformats.org/presentationml/2006/main" showMasterSp="0" type="title" preserve="1">
   <p:cSld name="标题幻灯片">
@@ -2656,7 +3001,7 @@
             <a:fld id="{530820CF-B880-4189-942D-D702A7CBA730}" type="datetimeFigureOut">
               <a:rPr lang="zh-CN" altLang="en-US" smtClean="0"/>
               <a:pPr/>
-              <a:t>2018/5/28</a:t>
+              <a:t>2018/5/29</a:t>
             </a:fld>
             <a:endParaRPr lang="zh-CN" altLang="en-US"/>
           </a:p>
@@ -2839,7 +3184,7 @@
             <a:fld id="{530820CF-B880-4189-942D-D702A7CBA730}" type="datetimeFigureOut">
               <a:rPr lang="zh-CN" altLang="en-US" smtClean="0"/>
               <a:pPr/>
-              <a:t>2018/5/28</a:t>
+              <a:t>2018/5/29</a:t>
             </a:fld>
             <a:endParaRPr lang="zh-CN" altLang="en-US"/>
           </a:p>
@@ -2992,7 +3337,7 @@
             <a:fld id="{530820CF-B880-4189-942D-D702A7CBA730}" type="datetimeFigureOut">
               <a:rPr lang="zh-CN" altLang="en-US" smtClean="0"/>
               <a:pPr/>
-              <a:t>2018/5/28</a:t>
+              <a:t>2018/5/29</a:t>
             </a:fld>
             <a:endParaRPr lang="zh-CN" altLang="en-US"/>
           </a:p>
@@ -4780,7 +5125,7 @@
             <a:fld id="{530820CF-B880-4189-942D-D702A7CBA730}" type="datetimeFigureOut">
               <a:rPr lang="zh-CN" altLang="en-US" smtClean="0"/>
               <a:pPr/>
-              <a:t>2018/5/28</a:t>
+              <a:t>2018/5/29</a:t>
             </a:fld>
             <a:endParaRPr lang="zh-CN" altLang="en-US"/>
           </a:p>
@@ -6612,7 +6957,7 @@
             <a:fld id="{530820CF-B880-4189-942D-D702A7CBA730}" type="datetimeFigureOut">
               <a:rPr lang="zh-CN" altLang="en-US" smtClean="0"/>
               <a:pPr/>
-              <a:t>2018/5/28</a:t>
+              <a:t>2018/5/29</a:t>
             </a:fld>
             <a:endParaRPr lang="zh-CN" altLang="en-US"/>
           </a:p>
@@ -6727,7 +7072,7 @@
             <a:fld id="{530820CF-B880-4189-942D-D702A7CBA730}" type="datetimeFigureOut">
               <a:rPr lang="zh-CN" altLang="en-US" smtClean="0"/>
               <a:pPr/>
-              <a:t>2018/5/28</a:t>
+              <a:t>2018/5/29</a:t>
             </a:fld>
             <a:endParaRPr lang="zh-CN" altLang="en-US"/>
           </a:p>
@@ -7270,7 +7615,7 @@
             <a:fld id="{530820CF-B880-4189-942D-D702A7CBA730}" type="datetimeFigureOut">
               <a:rPr lang="zh-CN" altLang="en-US" smtClean="0"/>
               <a:pPr/>
-              <a:t>2018/5/28</a:t>
+              <a:t>2018/5/29</a:t>
             </a:fld>
             <a:endParaRPr lang="zh-CN" altLang="en-US"/>
           </a:p>
@@ -7385,7 +7730,7 @@
             <a:fld id="{530820CF-B880-4189-942D-D702A7CBA730}" type="datetimeFigureOut">
               <a:rPr lang="zh-CN" altLang="en-US" smtClean="0"/>
               <a:pPr/>
-              <a:t>2018/5/28</a:t>
+              <a:t>2018/5/29</a:t>
             </a:fld>
             <a:endParaRPr lang="zh-CN" altLang="en-US"/>
           </a:p>
@@ -9058,7 +9403,7 @@
             <a:fld id="{530820CF-B880-4189-942D-D702A7CBA730}" type="datetimeFigureOut">
               <a:rPr lang="zh-CN" altLang="en-US" smtClean="0"/>
               <a:pPr/>
-              <a:t>2018/5/28</a:t>
+              <a:t>2018/5/29</a:t>
             </a:fld>
             <a:endParaRPr lang="zh-CN" altLang="en-US"/>
           </a:p>
@@ -9211,7 +9556,7 @@
             <a:fld id="{530820CF-B880-4189-942D-D702A7CBA730}" type="datetimeFigureOut">
               <a:rPr lang="zh-CN" altLang="en-US" smtClean="0"/>
               <a:pPr/>
-              <a:t>2018/5/28</a:t>
+              <a:t>2018/5/29</a:t>
             </a:fld>
             <a:endParaRPr lang="zh-CN" altLang="en-US"/>
           </a:p>
@@ -12748,7 +13093,7 @@
             <a:fld id="{530820CF-B880-4189-942D-D702A7CBA730}" type="datetimeFigureOut">
               <a:rPr lang="zh-CN" altLang="en-US" smtClean="0"/>
               <a:pPr/>
-              <a:t>2018/5/28</a:t>
+              <a:t>2018/5/29</a:t>
             </a:fld>
             <a:endParaRPr lang="zh-CN" altLang="en-US"/>
           </a:p>
@@ -14569,7 +14914,7 @@
             <a:fld id="{530820CF-B880-4189-942D-D702A7CBA730}" type="datetimeFigureOut">
               <a:rPr lang="zh-CN" altLang="en-US" smtClean="0"/>
               <a:pPr/>
-              <a:t>2018/5/28</a:t>
+              <a:t>2018/5/29</a:t>
             </a:fld>
             <a:endParaRPr lang="zh-CN" altLang="en-US"/>
           </a:p>
@@ -15387,6 +15732,3000 @@
 </p:sld>
 </file>
 
+<file path=ppt/slides/slide10.xml><?xml version="1.0" encoding="utf-8"?>
+<p:sld xmlns:a="http://schemas.openxmlformats.org/drawingml/2006/main" xmlns:r="http://schemas.openxmlformats.org/officeDocument/2006/relationships" xmlns:p="http://schemas.openxmlformats.org/presentationml/2006/main">
+  <p:cSld>
+    <p:spTree>
+      <p:nvGrpSpPr>
+        <p:cNvPr id="1" name=""/>
+        <p:cNvGrpSpPr/>
+        <p:nvPr/>
+      </p:nvGrpSpPr>
+      <p:grpSpPr>
+        <a:xfrm>
+          <a:off x="0" y="0"/>
+          <a:ext cx="0" cy="0"/>
+          <a:chOff x="0" y="0"/>
+          <a:chExt cx="0" cy="0"/>
+        </a:xfrm>
+      </p:grpSpPr>
+      <p:sp>
+        <p:nvSpPr>
+          <p:cNvPr id="12" name="矩形 11"/>
+          <p:cNvSpPr/>
+          <p:nvPr/>
+        </p:nvSpPr>
+        <p:spPr>
+          <a:xfrm>
+            <a:off x="0" y="329897"/>
+            <a:ext cx="9144000" cy="5908677"/>
+          </a:xfrm>
+          <a:prstGeom prst="rect">
+            <a:avLst/>
+          </a:prstGeom>
+          <a:gradFill>
+            <a:gsLst>
+              <a:gs pos="28000">
+                <a:schemeClr val="bg1"/>
+              </a:gs>
+              <a:gs pos="0">
+                <a:schemeClr val="accent1">
+                  <a:lumMod val="5000"/>
+                  <a:lumOff val="95000"/>
+                </a:schemeClr>
+              </a:gs>
+              <a:gs pos="100000">
+                <a:srgbClr val="8FB2EF"/>
+              </a:gs>
+            </a:gsLst>
+            <a:lin ang="5400000" scaled="1"/>
+          </a:gradFill>
+          <a:ln>
+            <a:noFill/>
+          </a:ln>
+        </p:spPr>
+        <p:style>
+          <a:lnRef idx="2">
+            <a:schemeClr val="accent1">
+              <a:shade val="50000"/>
+            </a:schemeClr>
+          </a:lnRef>
+          <a:fillRef idx="1">
+            <a:schemeClr val="accent1"/>
+          </a:fillRef>
+          <a:effectRef idx="0">
+            <a:schemeClr val="accent1"/>
+          </a:effectRef>
+          <a:fontRef idx="minor">
+            <a:schemeClr val="lt1"/>
+          </a:fontRef>
+        </p:style>
+        <p:txBody>
+          <a:bodyPr rtlCol="0" anchor="ctr"/>
+          <a:lstStyle/>
+          <a:p>
+            <a:pPr algn="ctr"/>
+            <a:endParaRPr lang="zh-CN" altLang="en-US" sz="1500"/>
+          </a:p>
+        </p:txBody>
+      </p:sp>
+      <p:graphicFrame>
+        <p:nvGraphicFramePr>
+          <p:cNvPr id="8" name="表格 7"/>
+          <p:cNvGraphicFramePr>
+            <a:graphicFrameLocks noGrp="1"/>
+          </p:cNvGraphicFramePr>
+          <p:nvPr>
+            <p:extLst>
+              <p:ext uri="{D42A27DB-BD31-4B8C-83A1-F6EECF244321}">
+                <p14:modId xmlns:p14="http://schemas.microsoft.com/office/powerpoint/2010/main" val="1079758329"/>
+              </p:ext>
+            </p:extLst>
+          </p:nvPr>
+        </p:nvGraphicFramePr>
+        <p:xfrm>
+          <a:off x="251520" y="2033270"/>
+          <a:ext cx="8471929" cy="4824730"/>
+        </p:xfrm>
+        <a:graphic>
+          <a:graphicData uri="http://schemas.openxmlformats.org/drawingml/2006/table">
+            <a:tbl>
+              <a:tblPr firstRow="1" bandRow="1">
+                <a:tableStyleId>{5C22544A-7EE6-4342-B048-85BDC9FD1C3A}</a:tableStyleId>
+              </a:tblPr>
+              <a:tblGrid>
+                <a:gridCol w="2180823">
+                  <a:extLst>
+                    <a:ext uri="{9D8B030D-6E8A-4147-A177-3AD203B41FA5}">
+                      <a16:colId xmlns="" xmlns:a16="http://schemas.microsoft.com/office/drawing/2014/main" val="20000"/>
+                    </a:ext>
+                  </a:extLst>
+                </a:gridCol>
+                <a:gridCol w="1803043">
+                  <a:extLst>
+                    <a:ext uri="{9D8B030D-6E8A-4147-A177-3AD203B41FA5}">
+                      <a16:colId xmlns="" xmlns:a16="http://schemas.microsoft.com/office/drawing/2014/main" val="20001"/>
+                    </a:ext>
+                  </a:extLst>
+                </a:gridCol>
+                <a:gridCol w="4488063">
+                  <a:extLst>
+                    <a:ext uri="{9D8B030D-6E8A-4147-A177-3AD203B41FA5}">
+                      <a16:colId xmlns="" xmlns:a16="http://schemas.microsoft.com/office/drawing/2014/main" val="20002"/>
+                    </a:ext>
+                  </a:extLst>
+                </a:gridCol>
+              </a:tblGrid>
+              <a:tr h="291582">
+                <a:tc>
+                  <a:txBody>
+                    <a:bodyPr/>
+                    <a:lstStyle/>
+                    <a:p>
+                      <a:pPr algn="ctr"/>
+                      <a:r>
+                        <a:rPr lang="en-US" altLang="zh-CN" sz="1800" dirty="0"/>
+                        <a:t>Speaker</a:t>
+                      </a:r>
+                      <a:endParaRPr lang="zh-CN" altLang="en-US" sz="1800" dirty="0"/>
+                    </a:p>
+                  </a:txBody>
+                  <a:tcPr marL="110604" marR="110604" marT="28714" marB="28714" anchor="ctr"/>
+                </a:tc>
+                <a:tc>
+                  <a:txBody>
+                    <a:bodyPr/>
+                    <a:lstStyle/>
+                    <a:p>
+                      <a:pPr algn="ctr"/>
+                      <a:r>
+                        <a:rPr lang="en-US" altLang="zh-CN" sz="1800" dirty="0"/>
+                        <a:t>Time</a:t>
+                      </a:r>
+                      <a:endParaRPr lang="zh-CN" altLang="en-US" sz="1800" dirty="0"/>
+                    </a:p>
+                  </a:txBody>
+                  <a:tcPr marL="110604" marR="110604" marT="28714" marB="28714" anchor="ctr"/>
+                </a:tc>
+                <a:tc>
+                  <a:txBody>
+                    <a:bodyPr/>
+                    <a:lstStyle/>
+                    <a:p>
+                      <a:pPr algn="ctr"/>
+                      <a:r>
+                        <a:rPr lang="en-US" altLang="zh-CN" sz="1800" dirty="0"/>
+                        <a:t>Topic</a:t>
+                      </a:r>
+                      <a:endParaRPr lang="zh-CN" altLang="en-US" sz="1800" dirty="0"/>
+                    </a:p>
+                  </a:txBody>
+                  <a:tcPr marL="110604" marR="110604" marT="28714" marB="28714" anchor="ctr"/>
+                </a:tc>
+                <a:extLst>
+                  <a:ext uri="{0D108BD9-81ED-4DB2-BD59-A6C34878D82A}">
+                    <a16:rowId xmlns="" xmlns:a16="http://schemas.microsoft.com/office/drawing/2014/main" val="10000"/>
+                  </a:ext>
+                </a:extLst>
+              </a:tr>
+              <a:tr h="468908">
+                <a:tc>
+                  <a:txBody>
+                    <a:bodyPr/>
+                    <a:lstStyle/>
+                    <a:p>
+                      <a:pPr marL="0" algn="ctr" defTabSz="685800" rtl="0" eaLnBrk="1" latinLnBrk="0" hangingPunct="1"/>
+                      <a:r>
+                        <a:rPr lang="en-US" altLang="zh-CN" sz="1100" b="1" kern="1200" baseline="0" dirty="0" smtClean="0">
+                          <a:solidFill>
+                            <a:schemeClr val="dk1"/>
+                          </a:solidFill>
+                          <a:latin typeface="微软雅黑" panose="020B0503020204020204" pitchFamily="34" charset="-122"/>
+                          <a:ea typeface="微软雅黑" panose="020B0503020204020204" pitchFamily="34" charset="-122"/>
+                          <a:cs typeface="+mn-cs"/>
+                        </a:rPr>
+                        <a:t>Nicholas Fang(</a:t>
+                      </a:r>
+                      <a:r>
+                        <a:rPr lang="zh-CN" altLang="en-US" sz="1100" b="1" kern="1200" baseline="0" dirty="0" smtClean="0">
+                          <a:solidFill>
+                            <a:schemeClr val="dk1"/>
+                          </a:solidFill>
+                          <a:latin typeface="微软雅黑" panose="020B0503020204020204" pitchFamily="34" charset="-122"/>
+                          <a:ea typeface="微软雅黑" panose="020B0503020204020204" pitchFamily="34" charset="-122"/>
+                          <a:cs typeface="+mn-cs"/>
+                        </a:rPr>
+                        <a:t>方绚莱</a:t>
+                      </a:r>
+                      <a:r>
+                        <a:rPr lang="en-US" altLang="zh-CN" sz="1100" b="1" kern="1200" baseline="0" dirty="0" smtClean="0">
+                          <a:solidFill>
+                            <a:schemeClr val="dk1"/>
+                          </a:solidFill>
+                          <a:latin typeface="微软雅黑" panose="020B0503020204020204" pitchFamily="34" charset="-122"/>
+                          <a:ea typeface="微软雅黑" panose="020B0503020204020204" pitchFamily="34" charset="-122"/>
+                          <a:cs typeface="+mn-cs"/>
+                        </a:rPr>
+                        <a:t>)</a:t>
+                      </a:r>
+                      <a:endParaRPr lang="zh-CN" altLang="en-US" sz="1100" b="1" kern="1200" baseline="0" dirty="0">
+                        <a:solidFill>
+                          <a:schemeClr val="dk1"/>
+                        </a:solidFill>
+                        <a:latin typeface="微软雅黑" panose="020B0503020204020204" pitchFamily="34" charset="-122"/>
+                        <a:ea typeface="微软雅黑" panose="020B0503020204020204" pitchFamily="34" charset="-122"/>
+                        <a:cs typeface="+mn-cs"/>
+                      </a:endParaRPr>
+                    </a:p>
+                  </a:txBody>
+                  <a:tcPr marL="110604" marR="110604" marT="28714" marB="28714" anchor="ctr"/>
+                </a:tc>
+                <a:tc>
+                  <a:txBody>
+                    <a:bodyPr/>
+                    <a:lstStyle/>
+                    <a:p>
+                      <a:pPr algn="ctr"/>
+                      <a:r>
+                        <a:rPr lang="en-US" altLang="zh-CN" sz="1100" b="1" kern="1200" baseline="0" dirty="0" smtClean="0">
+                          <a:solidFill>
+                            <a:schemeClr val="dk1"/>
+                          </a:solidFill>
+                          <a:latin typeface="微软雅黑" panose="020B0503020204020204" pitchFamily="34" charset="-122"/>
+                          <a:ea typeface="微软雅黑" panose="020B0503020204020204" pitchFamily="34" charset="-122"/>
+                          <a:cs typeface="+mn-cs"/>
+                        </a:rPr>
+                        <a:t>08:30-08:55</a:t>
+                      </a:r>
+                      <a:endParaRPr lang="zh-CN" altLang="en-US" sz="1100" b="1" kern="1200" baseline="0" dirty="0">
+                        <a:solidFill>
+                          <a:schemeClr val="dk1"/>
+                        </a:solidFill>
+                        <a:latin typeface="微软雅黑" panose="020B0503020204020204" pitchFamily="34" charset="-122"/>
+                        <a:ea typeface="微软雅黑" panose="020B0503020204020204" pitchFamily="34" charset="-122"/>
+                        <a:cs typeface="+mn-cs"/>
+                      </a:endParaRPr>
+                    </a:p>
+                  </a:txBody>
+                  <a:tcPr marL="110604" marR="110604" marT="28714" marB="28714" anchor="ctr"/>
+                </a:tc>
+                <a:tc>
+                  <a:txBody>
+                    <a:bodyPr/>
+                    <a:lstStyle/>
+                    <a:p>
+                      <a:pPr algn="ctr"/>
+                      <a:r>
+                        <a:rPr lang="en-US" altLang="zh-CN" sz="1100" b="1" kern="1200" baseline="0" dirty="0" smtClean="0">
+                          <a:solidFill>
+                            <a:schemeClr val="dk1"/>
+                          </a:solidFill>
+                          <a:latin typeface="微软雅黑" panose="020B0503020204020204" pitchFamily="34" charset="-122"/>
+                          <a:ea typeface="微软雅黑" panose="020B0503020204020204" pitchFamily="34" charset="-122"/>
+                          <a:cs typeface="+mn-cs"/>
+                        </a:rPr>
+                        <a:t>Engineered Light Emission Rate in Two-dimensional Molecular Aggregates </a:t>
+                      </a:r>
+                      <a:endParaRPr lang="zh-CN" altLang="en-US" sz="1100" b="1" kern="1200" baseline="0" dirty="0">
+                        <a:solidFill>
+                          <a:schemeClr val="dk1"/>
+                        </a:solidFill>
+                        <a:latin typeface="微软雅黑" panose="020B0503020204020204" pitchFamily="34" charset="-122"/>
+                        <a:ea typeface="微软雅黑" panose="020B0503020204020204" pitchFamily="34" charset="-122"/>
+                        <a:cs typeface="+mn-cs"/>
+                      </a:endParaRPr>
+                    </a:p>
+                  </a:txBody>
+                  <a:tcPr marL="110604" marR="110604" marT="28714" marB="28714" anchor="ctr"/>
+                </a:tc>
+                <a:extLst>
+                  <a:ext uri="{0D108BD9-81ED-4DB2-BD59-A6C34878D82A}">
+                    <a16:rowId xmlns="" xmlns:a16="http://schemas.microsoft.com/office/drawing/2014/main" val="10001"/>
+                  </a:ext>
+                </a:extLst>
+              </a:tr>
+              <a:tr h="291582">
+                <a:tc>
+                  <a:txBody>
+                    <a:bodyPr/>
+                    <a:lstStyle/>
+                    <a:p>
+                      <a:pPr marL="0" marR="0" indent="0" algn="ctr" defTabSz="685800" rtl="0" eaLnBrk="1" fontAlgn="auto" latinLnBrk="0" hangingPunct="1">
+                        <a:lnSpc>
+                          <a:spcPct val="100000"/>
+                        </a:lnSpc>
+                        <a:spcBef>
+                          <a:spcPts val="0"/>
+                        </a:spcBef>
+                        <a:spcAft>
+                          <a:spcPts val="0"/>
+                        </a:spcAft>
+                        <a:buClrTx/>
+                        <a:buSzTx/>
+                        <a:buFontTx/>
+                        <a:buNone/>
+                        <a:defRPr/>
+                      </a:pPr>
+                      <a:r>
+                        <a:rPr lang="en-US" altLang="zh-CN" sz="1100" b="1" kern="1200" baseline="0" dirty="0" err="1" smtClean="0">
+                          <a:solidFill>
+                            <a:schemeClr val="dk1"/>
+                          </a:solidFill>
+                          <a:latin typeface="微软雅黑" panose="020B0503020204020204" pitchFamily="34" charset="-122"/>
+                          <a:ea typeface="微软雅黑" panose="020B0503020204020204" pitchFamily="34" charset="-122"/>
+                          <a:cs typeface="+mn-cs"/>
+                        </a:rPr>
+                        <a:t>Kam</a:t>
+                      </a:r>
+                      <a:r>
+                        <a:rPr lang="en-US" altLang="zh-CN" sz="1100" b="1" kern="1200" baseline="0" dirty="0" smtClean="0">
+                          <a:solidFill>
+                            <a:schemeClr val="dk1"/>
+                          </a:solidFill>
+                          <a:latin typeface="微软雅黑" panose="020B0503020204020204" pitchFamily="34" charset="-122"/>
+                          <a:ea typeface="微软雅黑" panose="020B0503020204020204" pitchFamily="34" charset="-122"/>
+                          <a:cs typeface="+mn-cs"/>
+                        </a:rPr>
+                        <a:t> Sing Wong(</a:t>
+                      </a:r>
+                      <a:r>
+                        <a:rPr lang="zh-CN" altLang="en-US" sz="1100" b="1" kern="1200" baseline="0" dirty="0" smtClean="0">
+                          <a:solidFill>
+                            <a:schemeClr val="dk1"/>
+                          </a:solidFill>
+                          <a:latin typeface="微软雅黑" panose="020B0503020204020204" pitchFamily="34" charset="-122"/>
+                          <a:ea typeface="微软雅黑" panose="020B0503020204020204" pitchFamily="34" charset="-122"/>
+                          <a:cs typeface="+mn-cs"/>
+                        </a:rPr>
+                        <a:t>黃錦聖</a:t>
+                      </a:r>
+                      <a:r>
+                        <a:rPr lang="en-US" altLang="zh-CN" sz="1100" b="1" kern="1200" baseline="0" dirty="0" smtClean="0">
+                          <a:solidFill>
+                            <a:schemeClr val="dk1"/>
+                          </a:solidFill>
+                          <a:latin typeface="微软雅黑" panose="020B0503020204020204" pitchFamily="34" charset="-122"/>
+                          <a:ea typeface="微软雅黑" panose="020B0503020204020204" pitchFamily="34" charset="-122"/>
+                          <a:cs typeface="+mn-cs"/>
+                        </a:rPr>
+                        <a:t>)</a:t>
+                      </a:r>
+                      <a:endParaRPr lang="zh-CN" altLang="zh-CN" sz="1100" b="1" kern="1200" baseline="0" dirty="0" smtClean="0">
+                        <a:solidFill>
+                          <a:schemeClr val="dk1"/>
+                        </a:solidFill>
+                        <a:latin typeface="微软雅黑" panose="020B0503020204020204" pitchFamily="34" charset="-122"/>
+                        <a:ea typeface="微软雅黑" panose="020B0503020204020204" pitchFamily="34" charset="-122"/>
+                        <a:cs typeface="+mn-cs"/>
+                      </a:endParaRPr>
+                    </a:p>
+                  </a:txBody>
+                  <a:tcPr marL="110604" marR="110604" marT="28714" marB="28714" anchor="ctr"/>
+                </a:tc>
+                <a:tc>
+                  <a:txBody>
+                    <a:bodyPr/>
+                    <a:lstStyle/>
+                    <a:p>
+                      <a:pPr marL="0" algn="ctr" defTabSz="685800" rtl="0" eaLnBrk="1" latinLnBrk="0" hangingPunct="1"/>
+                      <a:r>
+                        <a:rPr lang="en-US" altLang="zh-CN" sz="1100" b="1" kern="1200" baseline="0" dirty="0" smtClean="0">
+                          <a:solidFill>
+                            <a:schemeClr val="dk1"/>
+                          </a:solidFill>
+                          <a:latin typeface="微软雅黑" panose="020B0503020204020204" pitchFamily="34" charset="-122"/>
+                          <a:ea typeface="微软雅黑" panose="020B0503020204020204" pitchFamily="34" charset="-122"/>
+                          <a:cs typeface="+mn-cs"/>
+                        </a:rPr>
+                        <a:t>08:55-09:20</a:t>
+                      </a:r>
+                      <a:endParaRPr lang="zh-CN" altLang="en-US" sz="1100" b="1" kern="1200" baseline="0" dirty="0">
+                        <a:solidFill>
+                          <a:schemeClr val="dk1"/>
+                        </a:solidFill>
+                        <a:latin typeface="微软雅黑" panose="020B0503020204020204" pitchFamily="34" charset="-122"/>
+                        <a:ea typeface="微软雅黑" panose="020B0503020204020204" pitchFamily="34" charset="-122"/>
+                        <a:cs typeface="+mn-cs"/>
+                      </a:endParaRPr>
+                    </a:p>
+                  </a:txBody>
+                  <a:tcPr marL="110604" marR="110604" marT="28714" marB="28714" anchor="ctr"/>
+                </a:tc>
+                <a:tc>
+                  <a:txBody>
+                    <a:bodyPr/>
+                    <a:lstStyle/>
+                    <a:p>
+                      <a:pPr marL="0" algn="ctr" defTabSz="685800" rtl="0" eaLnBrk="1" latinLnBrk="0" hangingPunct="1"/>
+                      <a:r>
+                        <a:rPr lang="en-US" altLang="zh-CN" sz="1100" b="1" kern="1200" baseline="0" dirty="0" smtClean="0">
+                          <a:solidFill>
+                            <a:schemeClr val="dk1"/>
+                          </a:solidFill>
+                          <a:latin typeface="微软雅黑" panose="020B0503020204020204" pitchFamily="34" charset="-122"/>
+                          <a:ea typeface="微软雅黑" panose="020B0503020204020204" pitchFamily="34" charset="-122"/>
+                          <a:cs typeface="+mn-cs"/>
+                        </a:rPr>
+                        <a:t>Ultrafast  dynamics and nonlinear optics in </a:t>
+                      </a:r>
+                      <a:r>
+                        <a:rPr lang="en-US" altLang="zh-CN" sz="1100" b="1" kern="1200" baseline="0" dirty="0" err="1" smtClean="0">
+                          <a:solidFill>
+                            <a:schemeClr val="dk1"/>
+                          </a:solidFill>
+                          <a:latin typeface="微软雅黑" panose="020B0503020204020204" pitchFamily="34" charset="-122"/>
+                          <a:ea typeface="微软雅黑" panose="020B0503020204020204" pitchFamily="34" charset="-122"/>
+                          <a:cs typeface="+mn-cs"/>
+                        </a:rPr>
+                        <a:t>metamaterial</a:t>
+                      </a:r>
+                      <a:r>
+                        <a:rPr lang="en-US" altLang="zh-CN" sz="1100" b="1" kern="1200" baseline="0" dirty="0" smtClean="0">
+                          <a:solidFill>
+                            <a:schemeClr val="dk1"/>
+                          </a:solidFill>
+                          <a:latin typeface="微软雅黑" panose="020B0503020204020204" pitchFamily="34" charset="-122"/>
+                          <a:ea typeface="微软雅黑" panose="020B0503020204020204" pitchFamily="34" charset="-122"/>
+                          <a:cs typeface="+mn-cs"/>
+                        </a:rPr>
+                        <a:t>/</a:t>
+                      </a:r>
+                      <a:r>
+                        <a:rPr lang="en-US" altLang="zh-CN" sz="1100" b="1" kern="1200" baseline="0" dirty="0" err="1" smtClean="0">
+                          <a:solidFill>
+                            <a:schemeClr val="dk1"/>
+                          </a:solidFill>
+                          <a:latin typeface="微软雅黑" panose="020B0503020204020204" pitchFamily="34" charset="-122"/>
+                          <a:ea typeface="微软雅黑" panose="020B0503020204020204" pitchFamily="34" charset="-122"/>
+                          <a:cs typeface="+mn-cs"/>
+                        </a:rPr>
+                        <a:t>plasmonic</a:t>
+                      </a:r>
+                      <a:r>
+                        <a:rPr lang="en-US" altLang="zh-CN" sz="1100" b="1" kern="1200" baseline="0" dirty="0" smtClean="0">
+                          <a:solidFill>
+                            <a:schemeClr val="dk1"/>
+                          </a:solidFill>
+                          <a:latin typeface="微软雅黑" panose="020B0503020204020204" pitchFamily="34" charset="-122"/>
+                          <a:ea typeface="微软雅黑" panose="020B0503020204020204" pitchFamily="34" charset="-122"/>
+                          <a:cs typeface="+mn-cs"/>
+                        </a:rPr>
+                        <a:t> structures</a:t>
+                      </a:r>
+                      <a:endParaRPr lang="zh-CN" altLang="en-US" sz="1100" b="1" kern="1200" baseline="0" dirty="0">
+                        <a:solidFill>
+                          <a:schemeClr val="dk1"/>
+                        </a:solidFill>
+                        <a:latin typeface="微软雅黑" panose="020B0503020204020204" pitchFamily="34" charset="-122"/>
+                        <a:ea typeface="微软雅黑" panose="020B0503020204020204" pitchFamily="34" charset="-122"/>
+                        <a:cs typeface="+mn-cs"/>
+                      </a:endParaRPr>
+                    </a:p>
+                  </a:txBody>
+                  <a:tcPr marL="110604" marR="110604" marT="28714" marB="28714" anchor="ctr"/>
+                </a:tc>
+                <a:extLst>
+                  <a:ext uri="{0D108BD9-81ED-4DB2-BD59-A6C34878D82A}">
+                    <a16:rowId xmlns="" xmlns:a16="http://schemas.microsoft.com/office/drawing/2014/main" val="10002"/>
+                  </a:ext>
+                </a:extLst>
+              </a:tr>
+              <a:tr h="468908">
+                <a:tc>
+                  <a:txBody>
+                    <a:bodyPr/>
+                    <a:lstStyle/>
+                    <a:p>
+                      <a:pPr marL="0" algn="ctr" defTabSz="685800" rtl="0" eaLnBrk="1" latinLnBrk="0" hangingPunct="1"/>
+                      <a:r>
+                        <a:rPr lang="en-US" altLang="zh-CN" sz="1100" b="1" kern="1200" baseline="0" dirty="0" err="1" smtClean="0">
+                          <a:solidFill>
+                            <a:schemeClr val="dk1"/>
+                          </a:solidFill>
+                          <a:latin typeface="微软雅黑" panose="020B0503020204020204" pitchFamily="34" charset="-122"/>
+                          <a:ea typeface="微软雅黑" panose="020B0503020204020204" pitchFamily="34" charset="-122"/>
+                          <a:cs typeface="+mn-cs"/>
+                        </a:rPr>
+                        <a:t>DangYuan</a:t>
+                      </a:r>
+                      <a:r>
+                        <a:rPr lang="en-US" altLang="zh-CN" sz="1100" b="1" kern="1200" baseline="0" dirty="0" smtClean="0">
+                          <a:solidFill>
+                            <a:schemeClr val="dk1"/>
+                          </a:solidFill>
+                          <a:latin typeface="微软雅黑" panose="020B0503020204020204" pitchFamily="34" charset="-122"/>
+                          <a:ea typeface="微软雅黑" panose="020B0503020204020204" pitchFamily="34" charset="-122"/>
+                          <a:cs typeface="+mn-cs"/>
+                        </a:rPr>
+                        <a:t> Lei(</a:t>
+                      </a:r>
+                      <a:r>
+                        <a:rPr lang="zh-CN" altLang="en-US" sz="1100" b="1" kern="1200" baseline="0" dirty="0" smtClean="0">
+                          <a:solidFill>
+                            <a:schemeClr val="dk1"/>
+                          </a:solidFill>
+                          <a:latin typeface="微软雅黑" panose="020B0503020204020204" pitchFamily="34" charset="-122"/>
+                          <a:ea typeface="微软雅黑" panose="020B0503020204020204" pitchFamily="34" charset="-122"/>
+                          <a:cs typeface="+mn-cs"/>
+                        </a:rPr>
+                        <a:t>雷党愿</a:t>
+                      </a:r>
+                      <a:r>
+                        <a:rPr lang="en-US" altLang="zh-CN" sz="1100" b="1" kern="1200" baseline="0" dirty="0" smtClean="0">
+                          <a:solidFill>
+                            <a:schemeClr val="dk1"/>
+                          </a:solidFill>
+                          <a:latin typeface="微软雅黑" panose="020B0503020204020204" pitchFamily="34" charset="-122"/>
+                          <a:ea typeface="微软雅黑" panose="020B0503020204020204" pitchFamily="34" charset="-122"/>
+                          <a:cs typeface="+mn-cs"/>
+                        </a:rPr>
+                        <a:t>)</a:t>
+                      </a:r>
+                      <a:endParaRPr lang="zh-CN" altLang="en-US" sz="1100" b="1" kern="1200" baseline="0" dirty="0">
+                        <a:solidFill>
+                          <a:schemeClr val="dk1"/>
+                        </a:solidFill>
+                        <a:latin typeface="微软雅黑" panose="020B0503020204020204" pitchFamily="34" charset="-122"/>
+                        <a:ea typeface="微软雅黑" panose="020B0503020204020204" pitchFamily="34" charset="-122"/>
+                        <a:cs typeface="+mn-cs"/>
+                      </a:endParaRPr>
+                    </a:p>
+                  </a:txBody>
+                  <a:tcPr marL="110604" marR="110604" marT="28714" marB="28714" anchor="ctr"/>
+                </a:tc>
+                <a:tc>
+                  <a:txBody>
+                    <a:bodyPr/>
+                    <a:lstStyle/>
+                    <a:p>
+                      <a:pPr marL="0" algn="ctr" defTabSz="685800" rtl="0" eaLnBrk="1" latinLnBrk="0" hangingPunct="1"/>
+                      <a:r>
+                        <a:rPr lang="en-US" altLang="zh-CN" sz="1100" b="1" kern="1200" baseline="0" dirty="0" smtClean="0">
+                          <a:solidFill>
+                            <a:schemeClr val="dk1"/>
+                          </a:solidFill>
+                          <a:latin typeface="微软雅黑" panose="020B0503020204020204" pitchFamily="34" charset="-122"/>
+                          <a:ea typeface="微软雅黑" panose="020B0503020204020204" pitchFamily="34" charset="-122"/>
+                          <a:cs typeface="+mn-cs"/>
+                        </a:rPr>
+                        <a:t>09:20-09:55 </a:t>
+                      </a:r>
+                      <a:endParaRPr lang="zh-CN" altLang="en-US" sz="1100" b="1" kern="1200" baseline="0" dirty="0">
+                        <a:solidFill>
+                          <a:schemeClr val="dk1"/>
+                        </a:solidFill>
+                        <a:latin typeface="微软雅黑" panose="020B0503020204020204" pitchFamily="34" charset="-122"/>
+                        <a:ea typeface="微软雅黑" panose="020B0503020204020204" pitchFamily="34" charset="-122"/>
+                        <a:cs typeface="+mn-cs"/>
+                      </a:endParaRPr>
+                    </a:p>
+                  </a:txBody>
+                  <a:tcPr marL="110604" marR="110604" marT="28714" marB="28714" anchor="ctr"/>
+                </a:tc>
+                <a:tc>
+                  <a:txBody>
+                    <a:bodyPr/>
+                    <a:lstStyle/>
+                    <a:p>
+                      <a:pPr marL="0" algn="ctr" defTabSz="685800" rtl="0" eaLnBrk="1" latinLnBrk="0" hangingPunct="1"/>
+                      <a:r>
+                        <a:rPr lang="en-US" altLang="zh-CN" sz="1100" b="1" kern="1200" baseline="0" dirty="0" smtClean="0">
+                          <a:solidFill>
+                            <a:schemeClr val="dk1"/>
+                          </a:solidFill>
+                          <a:latin typeface="微软雅黑" panose="020B0503020204020204" pitchFamily="34" charset="-122"/>
+                          <a:ea typeface="微软雅黑" panose="020B0503020204020204" pitchFamily="34" charset="-122"/>
+                          <a:cs typeface="+mn-cs"/>
+                        </a:rPr>
+                        <a:t>Some interesting </a:t>
+                      </a:r>
+                      <a:r>
+                        <a:rPr lang="en-US" altLang="zh-CN" sz="1100" b="1" kern="1200" baseline="0" dirty="0" err="1" smtClean="0">
+                          <a:solidFill>
+                            <a:schemeClr val="dk1"/>
+                          </a:solidFill>
+                          <a:latin typeface="微软雅黑" panose="020B0503020204020204" pitchFamily="34" charset="-122"/>
+                          <a:ea typeface="微软雅黑" panose="020B0503020204020204" pitchFamily="34" charset="-122"/>
+                          <a:cs typeface="+mn-cs"/>
+                        </a:rPr>
+                        <a:t>nano</a:t>
+                      </a:r>
+                      <a:r>
+                        <a:rPr lang="en-US" altLang="zh-CN" sz="1100" b="1" kern="1200" baseline="0" dirty="0" smtClean="0">
+                          <a:solidFill>
+                            <a:schemeClr val="dk1"/>
+                          </a:solidFill>
+                          <a:latin typeface="微软雅黑" panose="020B0503020204020204" pitchFamily="34" charset="-122"/>
+                          <a:ea typeface="微软雅黑" panose="020B0503020204020204" pitchFamily="34" charset="-122"/>
+                          <a:cs typeface="+mn-cs"/>
+                        </a:rPr>
+                        <a:t>-optics phenomena in </a:t>
+                      </a:r>
+                      <a:r>
+                        <a:rPr lang="en-US" altLang="zh-CN" sz="1100" b="1" kern="1200" baseline="0" dirty="0" err="1" smtClean="0">
+                          <a:solidFill>
+                            <a:schemeClr val="dk1"/>
+                          </a:solidFill>
+                          <a:latin typeface="微软雅黑" panose="020B0503020204020204" pitchFamily="34" charset="-122"/>
+                          <a:ea typeface="微软雅黑" panose="020B0503020204020204" pitchFamily="34" charset="-122"/>
+                          <a:cs typeface="+mn-cs"/>
+                        </a:rPr>
+                        <a:t>plasmonic</a:t>
+                      </a:r>
+                      <a:r>
+                        <a:rPr lang="en-US" altLang="zh-CN" sz="1100" b="1" kern="1200" baseline="0" dirty="0" smtClean="0">
+                          <a:solidFill>
+                            <a:schemeClr val="dk1"/>
+                          </a:solidFill>
+                          <a:latin typeface="微软雅黑" panose="020B0503020204020204" pitchFamily="34" charset="-122"/>
+                          <a:ea typeface="微软雅黑" panose="020B0503020204020204" pitchFamily="34" charset="-122"/>
+                          <a:cs typeface="+mn-cs"/>
+                        </a:rPr>
+                        <a:t> particle-on-film </a:t>
+                      </a:r>
+                      <a:r>
+                        <a:rPr lang="en-US" altLang="zh-CN" sz="1100" b="1" kern="1200" baseline="0" dirty="0" err="1" smtClean="0">
+                          <a:solidFill>
+                            <a:schemeClr val="dk1"/>
+                          </a:solidFill>
+                          <a:latin typeface="微软雅黑" panose="020B0503020204020204" pitchFamily="34" charset="-122"/>
+                          <a:ea typeface="微软雅黑" panose="020B0503020204020204" pitchFamily="34" charset="-122"/>
+                          <a:cs typeface="+mn-cs"/>
+                        </a:rPr>
+                        <a:t>nanocavities</a:t>
+                      </a:r>
+                      <a:endParaRPr lang="zh-CN" altLang="en-US" sz="1100" b="1" kern="1200" baseline="0" dirty="0">
+                        <a:solidFill>
+                          <a:schemeClr val="dk1"/>
+                        </a:solidFill>
+                        <a:latin typeface="微软雅黑" panose="020B0503020204020204" pitchFamily="34" charset="-122"/>
+                        <a:ea typeface="微软雅黑" panose="020B0503020204020204" pitchFamily="34" charset="-122"/>
+                        <a:cs typeface="+mn-cs"/>
+                      </a:endParaRPr>
+                    </a:p>
+                  </a:txBody>
+                  <a:tcPr marL="110604" marR="110604" marT="28714" marB="28714" anchor="ctr"/>
+                </a:tc>
+                <a:extLst>
+                  <a:ext uri="{0D108BD9-81ED-4DB2-BD59-A6C34878D82A}">
+                    <a16:rowId xmlns="" xmlns:a16="http://schemas.microsoft.com/office/drawing/2014/main" val="10003"/>
+                  </a:ext>
+                </a:extLst>
+              </a:tr>
+              <a:tr h="291582">
+                <a:tc>
+                  <a:txBody>
+                    <a:bodyPr/>
+                    <a:lstStyle/>
+                    <a:p>
+                      <a:pPr marL="0" marR="0" lvl="0" indent="0" algn="ctr" defTabSz="685800" rtl="0" eaLnBrk="1" fontAlgn="auto" latinLnBrk="0" hangingPunct="1">
+                        <a:lnSpc>
+                          <a:spcPct val="100000"/>
+                        </a:lnSpc>
+                        <a:spcBef>
+                          <a:spcPts val="0"/>
+                        </a:spcBef>
+                        <a:spcAft>
+                          <a:spcPts val="0"/>
+                        </a:spcAft>
+                        <a:buClrTx/>
+                        <a:buSzTx/>
+                        <a:buFontTx/>
+                        <a:buNone/>
+                        <a:defRPr/>
+                      </a:pPr>
+                      <a:r>
+                        <a:rPr lang="en-US" altLang="zh-CN" sz="1100" b="1" kern="1200" baseline="0" dirty="0" err="1" smtClean="0">
+                          <a:solidFill>
+                            <a:schemeClr val="dk1"/>
+                          </a:solidFill>
+                          <a:latin typeface="微软雅黑" panose="020B0503020204020204" pitchFamily="34" charset="-122"/>
+                          <a:ea typeface="微软雅黑" panose="020B0503020204020204" pitchFamily="34" charset="-122"/>
+                          <a:cs typeface="+mn-cs"/>
+                        </a:rPr>
+                        <a:t>ZhangKai</a:t>
+                      </a:r>
+                      <a:r>
+                        <a:rPr lang="en-US" altLang="zh-CN" sz="1100" b="1" kern="1200" baseline="0" dirty="0" smtClean="0">
+                          <a:solidFill>
+                            <a:schemeClr val="dk1"/>
+                          </a:solidFill>
+                          <a:latin typeface="微软雅黑" panose="020B0503020204020204" pitchFamily="34" charset="-122"/>
+                          <a:ea typeface="微软雅黑" panose="020B0503020204020204" pitchFamily="34" charset="-122"/>
+                          <a:cs typeface="+mn-cs"/>
+                        </a:rPr>
+                        <a:t> Zhou(</a:t>
+                      </a:r>
+                      <a:r>
+                        <a:rPr lang="zh-CN" altLang="en-US" sz="1100" b="1" kern="1200" baseline="0" dirty="0" smtClean="0">
+                          <a:solidFill>
+                            <a:schemeClr val="dk1"/>
+                          </a:solidFill>
+                          <a:latin typeface="微软雅黑" panose="020B0503020204020204" pitchFamily="34" charset="-122"/>
+                          <a:ea typeface="微软雅黑" panose="020B0503020204020204" pitchFamily="34" charset="-122"/>
+                          <a:cs typeface="+mn-cs"/>
+                        </a:rPr>
+                        <a:t>周张凯</a:t>
+                      </a:r>
+                      <a:r>
+                        <a:rPr lang="en-US" altLang="zh-CN" sz="1100" b="1" kern="1200" baseline="0" dirty="0" smtClean="0">
+                          <a:solidFill>
+                            <a:schemeClr val="dk1"/>
+                          </a:solidFill>
+                          <a:latin typeface="微软雅黑" panose="020B0503020204020204" pitchFamily="34" charset="-122"/>
+                          <a:ea typeface="微软雅黑" panose="020B0503020204020204" pitchFamily="34" charset="-122"/>
+                          <a:cs typeface="+mn-cs"/>
+                        </a:rPr>
+                        <a:t>)</a:t>
+                      </a:r>
+                      <a:endParaRPr lang="zh-CN" altLang="en-US" sz="1100" b="1" kern="1200" baseline="0" dirty="0">
+                        <a:solidFill>
+                          <a:schemeClr val="dk1"/>
+                        </a:solidFill>
+                        <a:latin typeface="微软雅黑" panose="020B0503020204020204" pitchFamily="34" charset="-122"/>
+                        <a:ea typeface="微软雅黑" panose="020B0503020204020204" pitchFamily="34" charset="-122"/>
+                        <a:cs typeface="+mn-cs"/>
+                      </a:endParaRPr>
+                    </a:p>
+                  </a:txBody>
+                  <a:tcPr marL="110604" marR="110604" marT="28714" marB="28714" anchor="ctr"/>
+                </a:tc>
+                <a:tc>
+                  <a:txBody>
+                    <a:bodyPr/>
+                    <a:lstStyle/>
+                    <a:p>
+                      <a:pPr marL="0" algn="ctr" defTabSz="685800" rtl="0" eaLnBrk="1" latinLnBrk="0" hangingPunct="1"/>
+                      <a:r>
+                        <a:rPr lang="en-US" altLang="zh-CN" sz="1100" b="1" kern="1200" baseline="0" dirty="0" smtClean="0">
+                          <a:solidFill>
+                            <a:schemeClr val="dk1"/>
+                          </a:solidFill>
+                          <a:latin typeface="微软雅黑" panose="020B0503020204020204" pitchFamily="34" charset="-122"/>
+                          <a:ea typeface="微软雅黑" panose="020B0503020204020204" pitchFamily="34" charset="-122"/>
+                          <a:cs typeface="+mn-cs"/>
+                        </a:rPr>
+                        <a:t>09:55-10:20</a:t>
+                      </a:r>
+                      <a:endParaRPr lang="zh-CN" altLang="en-US" sz="1100" b="1" kern="1200" baseline="0" dirty="0">
+                        <a:solidFill>
+                          <a:schemeClr val="dk1"/>
+                        </a:solidFill>
+                        <a:latin typeface="微软雅黑" panose="020B0503020204020204" pitchFamily="34" charset="-122"/>
+                        <a:ea typeface="微软雅黑" panose="020B0503020204020204" pitchFamily="34" charset="-122"/>
+                        <a:cs typeface="+mn-cs"/>
+                      </a:endParaRPr>
+                    </a:p>
+                  </a:txBody>
+                  <a:tcPr marL="110604" marR="110604" marT="28714" marB="28714" anchor="ctr"/>
+                </a:tc>
+                <a:tc>
+                  <a:txBody>
+                    <a:bodyPr/>
+                    <a:lstStyle/>
+                    <a:p>
+                      <a:pPr marL="0" algn="ctr" defTabSz="685800" rtl="0" eaLnBrk="1" latinLnBrk="0" hangingPunct="1"/>
+                      <a:r>
+                        <a:rPr lang="zh-CN" altLang="en-US" sz="1100" b="1" kern="1200" baseline="0" dirty="0" smtClean="0">
+                          <a:solidFill>
+                            <a:schemeClr val="dk1"/>
+                          </a:solidFill>
+                          <a:latin typeface="微软雅黑" panose="020B0503020204020204" pitchFamily="34" charset="-122"/>
+                          <a:ea typeface="微软雅黑" panose="020B0503020204020204" pitchFamily="34" charset="-122"/>
+                          <a:cs typeface="+mn-cs"/>
+                        </a:rPr>
+                        <a:t>基于等离激元结构的功能图像器件</a:t>
+                      </a:r>
+                      <a:endParaRPr lang="zh-CN" altLang="en-US" sz="1100" b="1" kern="1200" baseline="0" dirty="0">
+                        <a:solidFill>
+                          <a:schemeClr val="dk1"/>
+                        </a:solidFill>
+                        <a:latin typeface="微软雅黑" panose="020B0503020204020204" pitchFamily="34" charset="-122"/>
+                        <a:ea typeface="微软雅黑" panose="020B0503020204020204" pitchFamily="34" charset="-122"/>
+                        <a:cs typeface="+mn-cs"/>
+                      </a:endParaRPr>
+                    </a:p>
+                  </a:txBody>
+                  <a:tcPr marL="110604" marR="110604" marT="28714" marB="28714" anchor="ctr"/>
+                </a:tc>
+                <a:extLst>
+                  <a:ext uri="{0D108BD9-81ED-4DB2-BD59-A6C34878D82A}">
+                    <a16:rowId xmlns="" xmlns:a16="http://schemas.microsoft.com/office/drawing/2014/main" val="10004"/>
+                  </a:ext>
+                </a:extLst>
+              </a:tr>
+              <a:tr h="331748">
+                <a:tc>
+                  <a:txBody>
+                    <a:bodyPr/>
+                    <a:lstStyle/>
+                    <a:p>
+                      <a:pPr marL="0" marR="0" lvl="0" indent="0" algn="ctr" defTabSz="685800" rtl="0" eaLnBrk="1" fontAlgn="auto" latinLnBrk="0" hangingPunct="1">
+                        <a:lnSpc>
+                          <a:spcPct val="100000"/>
+                        </a:lnSpc>
+                        <a:spcBef>
+                          <a:spcPts val="0"/>
+                        </a:spcBef>
+                        <a:spcAft>
+                          <a:spcPts val="0"/>
+                        </a:spcAft>
+                        <a:buClrTx/>
+                        <a:buSzTx/>
+                        <a:buFontTx/>
+                        <a:buNone/>
+                        <a:defRPr/>
+                      </a:pPr>
+                      <a:endParaRPr lang="zh-CN" altLang="zh-CN" sz="1100" b="1" kern="1200" baseline="0" dirty="0">
+                        <a:solidFill>
+                          <a:schemeClr val="dk1"/>
+                        </a:solidFill>
+                        <a:latin typeface="微软雅黑" panose="020B0503020204020204" pitchFamily="34" charset="-122"/>
+                        <a:ea typeface="微软雅黑" panose="020B0503020204020204" pitchFamily="34" charset="-122"/>
+                        <a:cs typeface="+mn-cs"/>
+                      </a:endParaRPr>
+                    </a:p>
+                  </a:txBody>
+                  <a:tcPr marL="110604" marR="110604" marT="28714" marB="28714" anchor="ctr"/>
+                </a:tc>
+                <a:tc>
+                  <a:txBody>
+                    <a:bodyPr/>
+                    <a:lstStyle/>
+                    <a:p>
+                      <a:pPr marL="0" algn="ctr" defTabSz="685800" rtl="0" eaLnBrk="1" latinLnBrk="0" hangingPunct="1"/>
+                      <a:r>
+                        <a:rPr lang="en-US" altLang="zh-CN" sz="1100" b="1" kern="1200" baseline="0" dirty="0" smtClean="0">
+                          <a:solidFill>
+                            <a:schemeClr val="dk1"/>
+                          </a:solidFill>
+                          <a:latin typeface="微软雅黑" panose="020B0503020204020204" pitchFamily="34" charset="-122"/>
+                          <a:ea typeface="微软雅黑" panose="020B0503020204020204" pitchFamily="34" charset="-122"/>
+                          <a:cs typeface="+mn-cs"/>
+                        </a:rPr>
+                        <a:t>10:20-10:45 </a:t>
+                      </a:r>
+                      <a:endParaRPr lang="zh-CN" altLang="en-US" sz="1100" b="1" kern="1200" baseline="0" dirty="0">
+                        <a:solidFill>
+                          <a:schemeClr val="dk1"/>
+                        </a:solidFill>
+                        <a:latin typeface="微软雅黑" panose="020B0503020204020204" pitchFamily="34" charset="-122"/>
+                        <a:ea typeface="微软雅黑" panose="020B0503020204020204" pitchFamily="34" charset="-122"/>
+                        <a:cs typeface="+mn-cs"/>
+                      </a:endParaRPr>
+                    </a:p>
+                  </a:txBody>
+                  <a:tcPr marL="110604" marR="110604" marT="28714" marB="28714" anchor="ctr"/>
+                </a:tc>
+                <a:tc>
+                  <a:txBody>
+                    <a:bodyPr/>
+                    <a:lstStyle/>
+                    <a:p>
+                      <a:pPr marL="0" marR="0" lvl="0" indent="0" algn="ctr" defTabSz="685800" rtl="0" eaLnBrk="1" fontAlgn="auto" latinLnBrk="0" hangingPunct="1">
+                        <a:lnSpc>
+                          <a:spcPct val="100000"/>
+                        </a:lnSpc>
+                        <a:spcBef>
+                          <a:spcPts val="0"/>
+                        </a:spcBef>
+                        <a:spcAft>
+                          <a:spcPts val="0"/>
+                        </a:spcAft>
+                        <a:buClrTx/>
+                        <a:buSzTx/>
+                        <a:buFontTx/>
+                        <a:buNone/>
+                        <a:defRPr/>
+                      </a:pPr>
+                      <a:r>
+                        <a:rPr lang="en-US" altLang="zh-CN" sz="1100" b="1" kern="1200" dirty="0" smtClean="0">
+                          <a:solidFill>
+                            <a:schemeClr val="dk1"/>
+                          </a:solidFill>
+                          <a:latin typeface="微软雅黑" panose="020B0503020204020204" pitchFamily="34" charset="-122"/>
+                          <a:ea typeface="微软雅黑" panose="020B0503020204020204" pitchFamily="34" charset="-122"/>
+                          <a:cs typeface="+mn-cs"/>
+                        </a:rPr>
+                        <a:t>Coffee  Break</a:t>
+                      </a:r>
+                      <a:endParaRPr lang="zh-CN" altLang="en-US" sz="1100" b="1" kern="1200" baseline="0" dirty="0">
+                        <a:solidFill>
+                          <a:schemeClr val="dk1"/>
+                        </a:solidFill>
+                        <a:latin typeface="微软雅黑" panose="020B0503020204020204" pitchFamily="34" charset="-122"/>
+                        <a:ea typeface="微软雅黑" panose="020B0503020204020204" pitchFamily="34" charset="-122"/>
+                        <a:cs typeface="+mn-cs"/>
+                      </a:endParaRPr>
+                    </a:p>
+                  </a:txBody>
+                  <a:tcPr marL="110604" marR="110604" marT="28714" marB="28714" anchor="ctr"/>
+                </a:tc>
+                <a:extLst>
+                  <a:ext uri="{0D108BD9-81ED-4DB2-BD59-A6C34878D82A}">
+                    <a16:rowId xmlns="" xmlns:a16="http://schemas.microsoft.com/office/drawing/2014/main" val="10005"/>
+                  </a:ext>
+                </a:extLst>
+              </a:tr>
+              <a:tr h="331748">
+                <a:tc>
+                  <a:txBody>
+                    <a:bodyPr/>
+                    <a:lstStyle/>
+                    <a:p>
+                      <a:pPr marL="0" algn="ctr" defTabSz="685800" rtl="0" eaLnBrk="1" latinLnBrk="0" hangingPunct="1"/>
+                      <a:r>
+                        <a:rPr lang="en-US" altLang="zh-CN" sz="1100" b="1" kern="1200" dirty="0" err="1" smtClean="0">
+                          <a:solidFill>
+                            <a:schemeClr val="dk1"/>
+                          </a:solidFill>
+                          <a:latin typeface="微软雅黑" panose="020B0503020204020204" pitchFamily="34" charset="-122"/>
+                          <a:ea typeface="微软雅黑" panose="020B0503020204020204" pitchFamily="34" charset="-122"/>
+                          <a:cs typeface="+mn-cs"/>
+                        </a:rPr>
+                        <a:t>Chongjun</a:t>
+                      </a:r>
+                      <a:r>
+                        <a:rPr lang="en-US" altLang="zh-CN" sz="1100" b="1" kern="1200" dirty="0" smtClean="0">
+                          <a:solidFill>
+                            <a:schemeClr val="dk1"/>
+                          </a:solidFill>
+                          <a:latin typeface="微软雅黑" panose="020B0503020204020204" pitchFamily="34" charset="-122"/>
+                          <a:ea typeface="微软雅黑" panose="020B0503020204020204" pitchFamily="34" charset="-122"/>
+                          <a:cs typeface="+mn-cs"/>
+                        </a:rPr>
+                        <a:t> Jin</a:t>
+                      </a:r>
+                      <a:r>
+                        <a:rPr lang="zh-CN" altLang="en-US" sz="1100" b="1" kern="1200" dirty="0" smtClean="0">
+                          <a:solidFill>
+                            <a:schemeClr val="dk1"/>
+                          </a:solidFill>
+                          <a:latin typeface="微软雅黑" panose="020B0503020204020204" pitchFamily="34" charset="-122"/>
+                          <a:ea typeface="微软雅黑" panose="020B0503020204020204" pitchFamily="34" charset="-122"/>
+                          <a:cs typeface="+mn-cs"/>
+                        </a:rPr>
+                        <a:t>（金崇君）</a:t>
+                      </a:r>
+                      <a:endParaRPr lang="en-US" altLang="zh-CN" sz="1100" b="1" kern="1200" dirty="0" smtClean="0">
+                        <a:solidFill>
+                          <a:schemeClr val="dk1"/>
+                        </a:solidFill>
+                        <a:latin typeface="微软雅黑" panose="020B0503020204020204" pitchFamily="34" charset="-122"/>
+                        <a:ea typeface="微软雅黑" panose="020B0503020204020204" pitchFamily="34" charset="-122"/>
+                        <a:cs typeface="+mn-cs"/>
+                      </a:endParaRPr>
+                    </a:p>
+                  </a:txBody>
+                  <a:tcPr marL="110604" marR="110604" marT="28714" marB="28714" anchor="ctr"/>
+                </a:tc>
+                <a:tc>
+                  <a:txBody>
+                    <a:bodyPr/>
+                    <a:lstStyle/>
+                    <a:p>
+                      <a:pPr marL="0" algn="ctr" defTabSz="685800" rtl="0" eaLnBrk="1" latinLnBrk="0" hangingPunct="1"/>
+                      <a:r>
+                        <a:rPr lang="en-US" altLang="zh-CN" sz="1100" b="1" kern="1200" dirty="0" smtClean="0">
+                          <a:solidFill>
+                            <a:schemeClr val="dk1"/>
+                          </a:solidFill>
+                          <a:latin typeface="微软雅黑" panose="020B0503020204020204" pitchFamily="34" charset="-122"/>
+                          <a:ea typeface="微软雅黑" panose="020B0503020204020204" pitchFamily="34" charset="-122"/>
+                          <a:cs typeface="+mn-cs"/>
+                        </a:rPr>
+                        <a:t>10:45-11:10</a:t>
+                      </a:r>
+                      <a:endParaRPr lang="zh-CN" altLang="en-US" sz="1100" b="1" kern="1200" dirty="0">
+                        <a:solidFill>
+                          <a:schemeClr val="dk1"/>
+                        </a:solidFill>
+                        <a:latin typeface="微软雅黑" panose="020B0503020204020204" pitchFamily="34" charset="-122"/>
+                        <a:ea typeface="微软雅黑" panose="020B0503020204020204" pitchFamily="34" charset="-122"/>
+                        <a:cs typeface="+mn-cs"/>
+                      </a:endParaRPr>
+                    </a:p>
+                  </a:txBody>
+                  <a:tcPr marL="110604" marR="110604" marT="28714" marB="28714" anchor="ctr"/>
+                </a:tc>
+                <a:tc>
+                  <a:txBody>
+                    <a:bodyPr/>
+                    <a:lstStyle/>
+                    <a:p>
+                      <a:pPr marL="0" marR="0" indent="0" algn="ctr" defTabSz="685800" rtl="0" eaLnBrk="1" fontAlgn="auto" latinLnBrk="0" hangingPunct="1">
+                        <a:lnSpc>
+                          <a:spcPct val="100000"/>
+                        </a:lnSpc>
+                        <a:spcBef>
+                          <a:spcPts val="0"/>
+                        </a:spcBef>
+                        <a:spcAft>
+                          <a:spcPts val="0"/>
+                        </a:spcAft>
+                        <a:buClrTx/>
+                        <a:buSzTx/>
+                        <a:buFontTx/>
+                        <a:buNone/>
+                        <a:defRPr/>
+                      </a:pPr>
+                      <a:r>
+                        <a:rPr lang="en-US" altLang="zh-CN" sz="1100" b="1" kern="1200" dirty="0" smtClean="0">
+                          <a:solidFill>
+                            <a:schemeClr val="dk1"/>
+                          </a:solidFill>
+                          <a:latin typeface="微软雅黑" panose="020B0503020204020204" pitchFamily="34" charset="-122"/>
+                          <a:ea typeface="微软雅黑" panose="020B0503020204020204" pitchFamily="34" charset="-122"/>
+                          <a:cs typeface="+mn-cs"/>
+                        </a:rPr>
+                        <a:t>Sensors based on surface </a:t>
+                      </a:r>
+                      <a:r>
+                        <a:rPr lang="en-US" altLang="zh-CN" sz="1100" b="1" kern="1200" dirty="0" err="1" smtClean="0">
+                          <a:solidFill>
+                            <a:schemeClr val="dk1"/>
+                          </a:solidFill>
+                          <a:latin typeface="微软雅黑" panose="020B0503020204020204" pitchFamily="34" charset="-122"/>
+                          <a:ea typeface="微软雅黑" panose="020B0503020204020204" pitchFamily="34" charset="-122"/>
+                          <a:cs typeface="+mn-cs"/>
+                        </a:rPr>
+                        <a:t>plasmon</a:t>
+                      </a:r>
+                      <a:r>
+                        <a:rPr lang="en-US" altLang="zh-CN" sz="1100" b="1" kern="1200" dirty="0" smtClean="0">
+                          <a:solidFill>
+                            <a:schemeClr val="dk1"/>
+                          </a:solidFill>
+                          <a:latin typeface="微软雅黑" panose="020B0503020204020204" pitchFamily="34" charset="-122"/>
+                          <a:ea typeface="微软雅黑" panose="020B0503020204020204" pitchFamily="34" charset="-122"/>
+                          <a:cs typeface="+mn-cs"/>
+                        </a:rPr>
+                        <a:t> </a:t>
+                      </a:r>
+                      <a:r>
+                        <a:rPr lang="en-US" altLang="zh-CN" sz="1100" b="1" kern="1200" dirty="0" err="1" smtClean="0">
+                          <a:solidFill>
+                            <a:schemeClr val="dk1"/>
+                          </a:solidFill>
+                          <a:latin typeface="微软雅黑" panose="020B0503020204020204" pitchFamily="34" charset="-122"/>
+                          <a:ea typeface="微软雅黑" panose="020B0503020204020204" pitchFamily="34" charset="-122"/>
+                          <a:cs typeface="+mn-cs"/>
+                        </a:rPr>
+                        <a:t>polaritons</a:t>
+                      </a:r>
+                      <a:endParaRPr lang="zh-CN" altLang="en-US" sz="1100" b="1" kern="1200" dirty="0" smtClean="0">
+                        <a:solidFill>
+                          <a:schemeClr val="dk1"/>
+                        </a:solidFill>
+                        <a:latin typeface="微软雅黑" panose="020B0503020204020204" pitchFamily="34" charset="-122"/>
+                        <a:ea typeface="微软雅黑" panose="020B0503020204020204" pitchFamily="34" charset="-122"/>
+                        <a:cs typeface="+mn-cs"/>
+                      </a:endParaRPr>
+                    </a:p>
+                  </a:txBody>
+                  <a:tcPr marL="110604" marR="110604" marT="28714" marB="28714" anchor="ctr"/>
+                </a:tc>
+                <a:extLst>
+                  <a:ext uri="{0D108BD9-81ED-4DB2-BD59-A6C34878D82A}">
+                    <a16:rowId xmlns="" xmlns:a16="http://schemas.microsoft.com/office/drawing/2014/main" val="10006"/>
+                  </a:ext>
+                </a:extLst>
+              </a:tr>
+              <a:tr h="331748">
+                <a:tc>
+                  <a:txBody>
+                    <a:bodyPr/>
+                    <a:lstStyle/>
+                    <a:p>
+                      <a:pPr marL="0" marR="0" lvl="0" indent="0" algn="ctr" defTabSz="685800" rtl="0" eaLnBrk="1" fontAlgn="auto" latinLnBrk="0" hangingPunct="1">
+                        <a:lnSpc>
+                          <a:spcPct val="100000"/>
+                        </a:lnSpc>
+                        <a:spcBef>
+                          <a:spcPts val="0"/>
+                        </a:spcBef>
+                        <a:spcAft>
+                          <a:spcPts val="0"/>
+                        </a:spcAft>
+                        <a:buClrTx/>
+                        <a:buSzTx/>
+                        <a:buFontTx/>
+                        <a:buNone/>
+                        <a:defRPr/>
+                      </a:pPr>
+                      <a:r>
+                        <a:rPr lang="en-US" altLang="zh-CN" sz="1100" b="1" kern="1200" baseline="0" dirty="0" err="1" smtClean="0">
+                          <a:solidFill>
+                            <a:schemeClr val="dk1"/>
+                          </a:solidFill>
+                          <a:latin typeface="微软雅黑" panose="020B0503020204020204" pitchFamily="34" charset="-122"/>
+                          <a:ea typeface="微软雅黑" panose="020B0503020204020204" pitchFamily="34" charset="-122"/>
+                          <a:cs typeface="+mn-cs"/>
+                        </a:rPr>
+                        <a:t>HuaKang</a:t>
+                      </a:r>
+                      <a:r>
+                        <a:rPr lang="en-US" altLang="zh-CN" sz="1100" b="1" kern="1200" baseline="0" dirty="0" smtClean="0">
+                          <a:solidFill>
+                            <a:schemeClr val="dk1"/>
+                          </a:solidFill>
+                          <a:latin typeface="微软雅黑" panose="020B0503020204020204" pitchFamily="34" charset="-122"/>
+                          <a:ea typeface="微软雅黑" panose="020B0503020204020204" pitchFamily="34" charset="-122"/>
+                          <a:cs typeface="+mn-cs"/>
+                        </a:rPr>
+                        <a:t> Yu(</a:t>
+                      </a:r>
+                      <a:r>
+                        <a:rPr lang="zh-CN" altLang="en-US" sz="1100" b="1" kern="1200" baseline="0" dirty="0" smtClean="0">
+                          <a:solidFill>
+                            <a:schemeClr val="dk1"/>
+                          </a:solidFill>
+                          <a:latin typeface="微软雅黑" panose="020B0503020204020204" pitchFamily="34" charset="-122"/>
+                          <a:ea typeface="微软雅黑" panose="020B0503020204020204" pitchFamily="34" charset="-122"/>
+                          <a:cs typeface="+mn-cs"/>
+                        </a:rPr>
+                        <a:t>虞华康</a:t>
+                      </a:r>
+                      <a:r>
+                        <a:rPr lang="en-US" altLang="zh-CN" sz="1100" b="1" kern="1200" baseline="0" dirty="0" smtClean="0">
+                          <a:solidFill>
+                            <a:schemeClr val="dk1"/>
+                          </a:solidFill>
+                          <a:latin typeface="微软雅黑" panose="020B0503020204020204" pitchFamily="34" charset="-122"/>
+                          <a:ea typeface="微软雅黑" panose="020B0503020204020204" pitchFamily="34" charset="-122"/>
+                          <a:cs typeface="+mn-cs"/>
+                        </a:rPr>
+                        <a:t>)</a:t>
+                      </a:r>
+                      <a:endParaRPr lang="zh-CN" altLang="en-US" sz="1100" b="1" kern="1200" baseline="0" dirty="0">
+                        <a:solidFill>
+                          <a:schemeClr val="dk1"/>
+                        </a:solidFill>
+                        <a:latin typeface="微软雅黑" panose="020B0503020204020204" pitchFamily="34" charset="-122"/>
+                        <a:ea typeface="微软雅黑" panose="020B0503020204020204" pitchFamily="34" charset="-122"/>
+                        <a:cs typeface="+mn-cs"/>
+                      </a:endParaRPr>
+                    </a:p>
+                  </a:txBody>
+                  <a:tcPr marL="110604" marR="110604" marT="28714" marB="28714" anchor="ctr"/>
+                </a:tc>
+                <a:tc>
+                  <a:txBody>
+                    <a:bodyPr/>
+                    <a:lstStyle/>
+                    <a:p>
+                      <a:pPr algn="ctr"/>
+                      <a:r>
+                        <a:rPr lang="en-US" altLang="zh-CN" sz="1100" b="1" kern="1200" baseline="0" dirty="0" smtClean="0">
+                          <a:solidFill>
+                            <a:schemeClr val="dk1"/>
+                          </a:solidFill>
+                          <a:latin typeface="微软雅黑" panose="020B0503020204020204" pitchFamily="34" charset="-122"/>
+                          <a:ea typeface="微软雅黑" panose="020B0503020204020204" pitchFamily="34" charset="-122"/>
+                          <a:cs typeface="+mn-cs"/>
+                        </a:rPr>
+                        <a:t>11:10-11:35</a:t>
+                      </a:r>
+                      <a:endParaRPr lang="zh-CN" altLang="en-US" sz="1100" b="1" kern="1200" baseline="0" dirty="0">
+                        <a:solidFill>
+                          <a:schemeClr val="dk1"/>
+                        </a:solidFill>
+                        <a:latin typeface="微软雅黑" panose="020B0503020204020204" pitchFamily="34" charset="-122"/>
+                        <a:ea typeface="微软雅黑" panose="020B0503020204020204" pitchFamily="34" charset="-122"/>
+                        <a:cs typeface="+mn-cs"/>
+                      </a:endParaRPr>
+                    </a:p>
+                  </a:txBody>
+                  <a:tcPr marL="110604" marR="110604" marT="28714" marB="28714" anchor="ctr"/>
+                </a:tc>
+                <a:tc>
+                  <a:txBody>
+                    <a:bodyPr/>
+                    <a:lstStyle/>
+                    <a:p>
+                      <a:pPr marL="0" marR="0" indent="0" algn="ctr" defTabSz="685800" rtl="0" eaLnBrk="1" fontAlgn="auto" latinLnBrk="0" hangingPunct="1">
+                        <a:lnSpc>
+                          <a:spcPct val="100000"/>
+                        </a:lnSpc>
+                        <a:spcBef>
+                          <a:spcPts val="0"/>
+                        </a:spcBef>
+                        <a:spcAft>
+                          <a:spcPts val="0"/>
+                        </a:spcAft>
+                        <a:buClrTx/>
+                        <a:buSzTx/>
+                        <a:buFontTx/>
+                        <a:buNone/>
+                        <a:defRPr/>
+                      </a:pPr>
+                      <a:r>
+                        <a:rPr lang="zh-CN" altLang="en-US" sz="1100" b="1" kern="1200" baseline="0" dirty="0" smtClean="0">
+                          <a:solidFill>
+                            <a:schemeClr val="dk1"/>
+                          </a:solidFill>
+                          <a:latin typeface="微软雅黑" panose="020B0503020204020204" pitchFamily="34" charset="-122"/>
+                          <a:ea typeface="微软雅黑" panose="020B0503020204020204" pitchFamily="34" charset="-122"/>
+                          <a:cs typeface="+mn-cs"/>
+                        </a:rPr>
+                        <a:t>低维纳米材料的光学二倍频效应</a:t>
+                      </a:r>
+                      <a:endParaRPr lang="zh-CN" altLang="en-US" sz="1100" b="1" kern="1200" baseline="0" dirty="0">
+                        <a:solidFill>
+                          <a:schemeClr val="dk1"/>
+                        </a:solidFill>
+                        <a:latin typeface="微软雅黑" panose="020B0503020204020204" pitchFamily="34" charset="-122"/>
+                        <a:ea typeface="微软雅黑" panose="020B0503020204020204" pitchFamily="34" charset="-122"/>
+                        <a:cs typeface="+mn-cs"/>
+                      </a:endParaRPr>
+                    </a:p>
+                  </a:txBody>
+                  <a:tcPr marL="110604" marR="110604" marT="28714" marB="28714" anchor="ctr"/>
+                </a:tc>
+                <a:extLst>
+                  <a:ext uri="{0D108BD9-81ED-4DB2-BD59-A6C34878D82A}">
+                    <a16:rowId xmlns="" xmlns:a16="http://schemas.microsoft.com/office/drawing/2014/main" val="10007"/>
+                  </a:ext>
+                </a:extLst>
+              </a:tr>
+              <a:tr h="468908">
+                <a:tc gridSpan="3">
+                  <a:txBody>
+                    <a:bodyPr/>
+                    <a:lstStyle/>
+                    <a:p>
+                      <a:pPr marL="0" algn="ctr" defTabSz="685800" rtl="0" eaLnBrk="1" latinLnBrk="0" hangingPunct="1"/>
+                      <a:r>
+                        <a:rPr lang="zh-CN" altLang="en-US" sz="1100" b="1" kern="1200" baseline="0" dirty="0" smtClean="0">
+                          <a:solidFill>
+                            <a:schemeClr val="dk1"/>
+                          </a:solidFill>
+                          <a:latin typeface="微软雅黑" panose="020B0503020204020204" pitchFamily="34" charset="-122"/>
+                          <a:ea typeface="微软雅黑" panose="020B0503020204020204" pitchFamily="34" charset="-122"/>
+                          <a:cs typeface="+mn-cs"/>
+                        </a:rPr>
+                        <a:t>午休</a:t>
+                      </a:r>
+                      <a:endParaRPr lang="zh-CN" altLang="en-US" sz="1100" b="1" kern="1200" baseline="0" dirty="0">
+                        <a:solidFill>
+                          <a:schemeClr val="dk1"/>
+                        </a:solidFill>
+                        <a:latin typeface="微软雅黑" panose="020B0503020204020204" pitchFamily="34" charset="-122"/>
+                        <a:ea typeface="微软雅黑" panose="020B0503020204020204" pitchFamily="34" charset="-122"/>
+                        <a:cs typeface="+mn-cs"/>
+                      </a:endParaRPr>
+                    </a:p>
+                  </a:txBody>
+                  <a:tcPr marL="110604" marR="110604" marT="28714" marB="28714" anchor="ctr"/>
+                </a:tc>
+                <a:tc hMerge="1">
+                  <a:txBody>
+                    <a:bodyPr/>
+                    <a:lstStyle/>
+                    <a:p>
+                      <a:endParaRPr lang="zh-CN"/>
+                    </a:p>
+                  </a:txBody>
+                  <a:tcPr marL="110604" marR="110604" marT="28714" marB="28714" anchor="ctr"/>
+                </a:tc>
+                <a:tc hMerge="1">
+                  <a:txBody>
+                    <a:bodyPr/>
+                    <a:lstStyle/>
+                    <a:p>
+                      <a:endParaRPr lang="zh-CN"/>
+                    </a:p>
+                  </a:txBody>
+                  <a:tcPr marL="110604" marR="110604" marT="28714" marB="28714" anchor="ctr"/>
+                </a:tc>
+                <a:extLst>
+                  <a:ext uri="{0D108BD9-81ED-4DB2-BD59-A6C34878D82A}">
+                    <a16:rowId xmlns="" xmlns:a16="http://schemas.microsoft.com/office/drawing/2014/main" val="10008"/>
+                  </a:ext>
+                </a:extLst>
+              </a:tr>
+              <a:tr h="468908">
+                <a:tc>
+                  <a:txBody>
+                    <a:bodyPr/>
+                    <a:lstStyle/>
+                    <a:p>
+                      <a:pPr marL="0" algn="ctr" defTabSz="685800" rtl="0" eaLnBrk="1" latinLnBrk="0" hangingPunct="1"/>
+                      <a:r>
+                        <a:rPr lang="en-US" altLang="zh-CN" sz="1100" b="1" kern="1200" baseline="0" dirty="0" err="1" smtClean="0">
+                          <a:solidFill>
+                            <a:schemeClr val="tx1"/>
+                          </a:solidFill>
+                          <a:latin typeface="微软雅黑" panose="020B0503020204020204" pitchFamily="34" charset="-122"/>
+                          <a:ea typeface="微软雅黑" panose="020B0503020204020204" pitchFamily="34" charset="-122"/>
+                          <a:cs typeface="+mn-cs"/>
+                        </a:rPr>
+                        <a:t>XiaoFeng</a:t>
+                      </a:r>
+                      <a:r>
+                        <a:rPr lang="en-US" altLang="zh-CN" sz="1100" b="1" kern="1200" baseline="0" dirty="0" smtClean="0">
+                          <a:solidFill>
+                            <a:schemeClr val="tx1"/>
+                          </a:solidFill>
+                          <a:latin typeface="微软雅黑" panose="020B0503020204020204" pitchFamily="34" charset="-122"/>
+                          <a:ea typeface="微软雅黑" panose="020B0503020204020204" pitchFamily="34" charset="-122"/>
+                          <a:cs typeface="+mn-cs"/>
+                        </a:rPr>
+                        <a:t> Wang(</a:t>
+                      </a:r>
+                      <a:r>
+                        <a:rPr lang="zh-CN" altLang="en-US" sz="1100" b="1" kern="1200" baseline="0" dirty="0" smtClean="0">
+                          <a:solidFill>
+                            <a:schemeClr val="tx1"/>
+                          </a:solidFill>
+                          <a:latin typeface="微软雅黑" panose="020B0503020204020204" pitchFamily="34" charset="-122"/>
+                          <a:ea typeface="微软雅黑" panose="020B0503020204020204" pitchFamily="34" charset="-122"/>
+                          <a:cs typeface="+mn-cs"/>
+                        </a:rPr>
+                        <a:t>王晓峰</a:t>
+                      </a:r>
+                      <a:r>
+                        <a:rPr lang="en-US" altLang="zh-CN" sz="1100" b="1" kern="1200" baseline="0" dirty="0" smtClean="0">
+                          <a:solidFill>
+                            <a:schemeClr val="tx1"/>
+                          </a:solidFill>
+                          <a:latin typeface="微软雅黑" panose="020B0503020204020204" pitchFamily="34" charset="-122"/>
+                          <a:ea typeface="微软雅黑" panose="020B0503020204020204" pitchFamily="34" charset="-122"/>
+                          <a:cs typeface="+mn-cs"/>
+                        </a:rPr>
+                        <a:t>)</a:t>
+                      </a:r>
+                      <a:endParaRPr lang="zh-CN" altLang="en-US" sz="1100" b="1" kern="1200" baseline="0" dirty="0">
+                        <a:solidFill>
+                          <a:schemeClr val="tx1"/>
+                        </a:solidFill>
+                        <a:latin typeface="微软雅黑" panose="020B0503020204020204" pitchFamily="34" charset="-122"/>
+                        <a:ea typeface="微软雅黑" panose="020B0503020204020204" pitchFamily="34" charset="-122"/>
+                        <a:cs typeface="+mn-cs"/>
+                      </a:endParaRPr>
+                    </a:p>
+                  </a:txBody>
+                  <a:tcPr marL="110604" marR="110604" marT="28714" marB="28714" anchor="ctr"/>
+                </a:tc>
+                <a:tc>
+                  <a:txBody>
+                    <a:bodyPr/>
+                    <a:lstStyle/>
+                    <a:p>
+                      <a:pPr marL="0" marR="0" lvl="0" indent="0" algn="ctr" defTabSz="914400" rtl="0" eaLnBrk="1" fontAlgn="auto" latinLnBrk="0" hangingPunct="1">
+                        <a:lnSpc>
+                          <a:spcPct val="100000"/>
+                        </a:lnSpc>
+                        <a:spcBef>
+                          <a:spcPts val="0"/>
+                        </a:spcBef>
+                        <a:spcAft>
+                          <a:spcPts val="0"/>
+                        </a:spcAft>
+                        <a:buClrTx/>
+                        <a:buSzTx/>
+                        <a:buFontTx/>
+                        <a:buNone/>
+                        <a:defRPr/>
+                      </a:pPr>
+                      <a:r>
+                        <a:rPr lang="en-US" altLang="zh-CN" sz="1100" b="1" kern="1200" baseline="0" dirty="0" smtClean="0">
+                          <a:solidFill>
+                            <a:schemeClr val="tx1"/>
+                          </a:solidFill>
+                          <a:latin typeface="微软雅黑" panose="020B0503020204020204" pitchFamily="34" charset="-122"/>
+                          <a:ea typeface="微软雅黑" panose="020B0503020204020204" pitchFamily="34" charset="-122"/>
+                          <a:cs typeface="+mn-cs"/>
+                        </a:rPr>
+                        <a:t>14:00-14:15</a:t>
+                      </a:r>
+                      <a:endParaRPr lang="zh-CN" altLang="en-US" sz="1100" b="1" kern="1200" baseline="0" dirty="0">
+                        <a:solidFill>
+                          <a:schemeClr val="tx1"/>
+                        </a:solidFill>
+                        <a:latin typeface="微软雅黑" panose="020B0503020204020204" pitchFamily="34" charset="-122"/>
+                        <a:ea typeface="微软雅黑" panose="020B0503020204020204" pitchFamily="34" charset="-122"/>
+                        <a:cs typeface="+mn-cs"/>
+                      </a:endParaRPr>
+                    </a:p>
+                  </a:txBody>
+                  <a:tcPr marL="110604" marR="110604" marT="28714" marB="28714" anchor="ctr"/>
+                </a:tc>
+                <a:tc>
+                  <a:txBody>
+                    <a:bodyPr/>
+                    <a:lstStyle/>
+                    <a:p>
+                      <a:pPr algn="ctr"/>
+                      <a:r>
+                        <a:rPr lang="en-US" altLang="zh-CN" sz="1100" b="1" kern="1200" baseline="0" dirty="0" smtClean="0">
+                          <a:solidFill>
+                            <a:schemeClr val="tx1"/>
+                          </a:solidFill>
+                          <a:latin typeface="微软雅黑" panose="020B0503020204020204" pitchFamily="34" charset="-122"/>
+                          <a:ea typeface="微软雅黑" panose="020B0503020204020204" pitchFamily="34" charset="-122"/>
+                          <a:cs typeface="+mn-cs"/>
+                        </a:rPr>
+                        <a:t>Advanced Photonics</a:t>
+                      </a:r>
+                      <a:r>
+                        <a:rPr lang="zh-CN" altLang="en-US" sz="1100" b="1" kern="1200" baseline="0" dirty="0" smtClean="0">
+                          <a:solidFill>
+                            <a:schemeClr val="tx1"/>
+                          </a:solidFill>
+                          <a:latin typeface="微软雅黑" panose="020B0503020204020204" pitchFamily="34" charset="-122"/>
+                          <a:ea typeface="微软雅黑" panose="020B0503020204020204" pitchFamily="34" charset="-122"/>
+                          <a:cs typeface="+mn-cs"/>
+                        </a:rPr>
+                        <a:t>杂志介绍</a:t>
+                      </a:r>
+                      <a:endParaRPr lang="zh-CN" altLang="en-US" sz="1100" b="1" kern="1200" baseline="0" dirty="0">
+                        <a:solidFill>
+                          <a:schemeClr val="tx1"/>
+                        </a:solidFill>
+                        <a:latin typeface="微软雅黑" panose="020B0503020204020204" pitchFamily="34" charset="-122"/>
+                        <a:ea typeface="微软雅黑" panose="020B0503020204020204" pitchFamily="34" charset="-122"/>
+                        <a:cs typeface="+mn-cs"/>
+                      </a:endParaRPr>
+                    </a:p>
+                  </a:txBody>
+                  <a:tcPr marL="110604" marR="110604" marT="28714" marB="28714" anchor="ctr"/>
+                </a:tc>
+                <a:extLst>
+                  <a:ext uri="{0D108BD9-81ED-4DB2-BD59-A6C34878D82A}">
+                    <a16:rowId xmlns="" xmlns:a16="http://schemas.microsoft.com/office/drawing/2014/main" val="10009"/>
+                  </a:ext>
+                </a:extLst>
+              </a:tr>
+              <a:tr h="468908">
+                <a:tc>
+                  <a:txBody>
+                    <a:bodyPr/>
+                    <a:lstStyle/>
+                    <a:p>
+                      <a:pPr marL="0" algn="ctr" defTabSz="685800" rtl="0" eaLnBrk="1" latinLnBrk="0" hangingPunct="1"/>
+                      <a:r>
+                        <a:rPr lang="en-US" altLang="zh-CN" sz="1100" b="1" kern="1200" baseline="0" dirty="0" err="1" smtClean="0">
+                          <a:solidFill>
+                            <a:schemeClr val="dk1"/>
+                          </a:solidFill>
+                          <a:latin typeface="微软雅黑" panose="020B0503020204020204" pitchFamily="34" charset="-122"/>
+                          <a:ea typeface="微软雅黑" panose="020B0503020204020204" pitchFamily="34" charset="-122"/>
+                          <a:cs typeface="+mn-cs"/>
+                        </a:rPr>
+                        <a:t>XiangPing</a:t>
+                      </a:r>
+                      <a:r>
+                        <a:rPr lang="en-US" altLang="zh-CN" sz="1100" b="1" kern="1200" baseline="0" dirty="0" smtClean="0">
+                          <a:solidFill>
+                            <a:schemeClr val="dk1"/>
+                          </a:solidFill>
+                          <a:latin typeface="微软雅黑" panose="020B0503020204020204" pitchFamily="34" charset="-122"/>
+                          <a:ea typeface="微软雅黑" panose="020B0503020204020204" pitchFamily="34" charset="-122"/>
+                          <a:cs typeface="+mn-cs"/>
+                        </a:rPr>
+                        <a:t> Li(</a:t>
+                      </a:r>
+                      <a:r>
+                        <a:rPr lang="zh-CN" altLang="en-US" sz="1100" b="1" kern="1200" baseline="0" dirty="0" smtClean="0">
+                          <a:solidFill>
+                            <a:schemeClr val="dk1"/>
+                          </a:solidFill>
+                          <a:latin typeface="微软雅黑" panose="020B0503020204020204" pitchFamily="34" charset="-122"/>
+                          <a:ea typeface="微软雅黑" panose="020B0503020204020204" pitchFamily="34" charset="-122"/>
+                          <a:cs typeface="+mn-cs"/>
+                        </a:rPr>
+                        <a:t>李向平</a:t>
+                      </a:r>
+                      <a:r>
+                        <a:rPr lang="en-US" altLang="zh-CN" sz="1100" b="1" kern="1200" baseline="0" dirty="0" smtClean="0">
+                          <a:solidFill>
+                            <a:schemeClr val="dk1"/>
+                          </a:solidFill>
+                          <a:latin typeface="微软雅黑" panose="020B0503020204020204" pitchFamily="34" charset="-122"/>
+                          <a:ea typeface="微软雅黑" panose="020B0503020204020204" pitchFamily="34" charset="-122"/>
+                          <a:cs typeface="+mn-cs"/>
+                        </a:rPr>
+                        <a:t>)</a:t>
+                      </a:r>
+                      <a:endParaRPr lang="zh-CN" altLang="en-US" sz="1100" b="1" kern="1200" baseline="0" dirty="0">
+                        <a:solidFill>
+                          <a:schemeClr val="dk1"/>
+                        </a:solidFill>
+                        <a:latin typeface="微软雅黑" panose="020B0503020204020204" pitchFamily="34" charset="-122"/>
+                        <a:ea typeface="微软雅黑" panose="020B0503020204020204" pitchFamily="34" charset="-122"/>
+                        <a:cs typeface="+mn-cs"/>
+                      </a:endParaRPr>
+                    </a:p>
+                  </a:txBody>
+                  <a:tcPr marL="110604" marR="110604" marT="28714" marB="28714" anchor="ctr"/>
+                </a:tc>
+                <a:tc>
+                  <a:txBody>
+                    <a:bodyPr/>
+                    <a:lstStyle/>
+                    <a:p>
+                      <a:pPr marL="0" marR="0" lvl="0" indent="0" algn="ctr" defTabSz="914400" rtl="0" eaLnBrk="1" fontAlgn="auto" latinLnBrk="0" hangingPunct="1">
+                        <a:lnSpc>
+                          <a:spcPct val="100000"/>
+                        </a:lnSpc>
+                        <a:spcBef>
+                          <a:spcPts val="0"/>
+                        </a:spcBef>
+                        <a:spcAft>
+                          <a:spcPts val="0"/>
+                        </a:spcAft>
+                        <a:buClrTx/>
+                        <a:buSzTx/>
+                        <a:buFontTx/>
+                        <a:buNone/>
+                        <a:defRPr/>
+                      </a:pPr>
+                      <a:r>
+                        <a:rPr lang="en-US" altLang="zh-CN" sz="1100" b="1" kern="1200" baseline="0" dirty="0" smtClean="0">
+                          <a:solidFill>
+                            <a:schemeClr val="dk1"/>
+                          </a:solidFill>
+                          <a:latin typeface="微软雅黑" panose="020B0503020204020204" pitchFamily="34" charset="-122"/>
+                          <a:ea typeface="微软雅黑" panose="020B0503020204020204" pitchFamily="34" charset="-122"/>
+                          <a:cs typeface="+mn-cs"/>
+                        </a:rPr>
+                        <a:t>14:15-14:40</a:t>
+                      </a:r>
+                      <a:endParaRPr lang="zh-CN" altLang="en-US" sz="1100" b="1" kern="1200" baseline="0" dirty="0" smtClean="0">
+                        <a:solidFill>
+                          <a:schemeClr val="dk1"/>
+                        </a:solidFill>
+                        <a:latin typeface="微软雅黑" panose="020B0503020204020204" pitchFamily="34" charset="-122"/>
+                        <a:ea typeface="微软雅黑" panose="020B0503020204020204" pitchFamily="34" charset="-122"/>
+                        <a:cs typeface="+mn-cs"/>
+                      </a:endParaRPr>
+                    </a:p>
+                  </a:txBody>
+                  <a:tcPr marL="110604" marR="110604" marT="28714" marB="28714" anchor="ctr"/>
+                </a:tc>
+                <a:tc>
+                  <a:txBody>
+                    <a:bodyPr/>
+                    <a:lstStyle/>
+                    <a:p>
+                      <a:pPr algn="ctr"/>
+                      <a:r>
+                        <a:rPr lang="en-US" altLang="en-US" sz="1100" b="1" kern="1200" baseline="0" dirty="0" err="1" smtClean="0">
+                          <a:solidFill>
+                            <a:schemeClr val="dk1"/>
+                          </a:solidFill>
+                          <a:latin typeface="微软雅黑" panose="020B0503020204020204" pitchFamily="34" charset="-122"/>
+                          <a:ea typeface="微软雅黑" panose="020B0503020204020204" pitchFamily="34" charset="-122"/>
+                          <a:cs typeface="+mn-cs"/>
+                        </a:rPr>
+                        <a:t>Metahologram</a:t>
+                      </a:r>
+                      <a:r>
+                        <a:rPr lang="en-US" altLang="en-US" sz="1100" b="1" kern="1200" baseline="0" dirty="0" smtClean="0">
+                          <a:solidFill>
+                            <a:schemeClr val="dk1"/>
+                          </a:solidFill>
+                          <a:latin typeface="微软雅黑" panose="020B0503020204020204" pitchFamily="34" charset="-122"/>
+                          <a:ea typeface="微软雅黑" panose="020B0503020204020204" pitchFamily="34" charset="-122"/>
+                          <a:cs typeface="+mn-cs"/>
+                        </a:rPr>
+                        <a:t> from </a:t>
+                      </a:r>
+                      <a:r>
+                        <a:rPr lang="en-US" altLang="en-US" sz="1100" b="1" kern="1200" baseline="0" dirty="0" err="1" smtClean="0">
+                          <a:solidFill>
+                            <a:schemeClr val="dk1"/>
+                          </a:solidFill>
+                          <a:latin typeface="微软雅黑" panose="020B0503020204020204" pitchFamily="34" charset="-122"/>
+                          <a:ea typeface="微软雅黑" panose="020B0503020204020204" pitchFamily="34" charset="-122"/>
+                          <a:cs typeface="+mn-cs"/>
+                        </a:rPr>
+                        <a:t>vectorial</a:t>
+                      </a:r>
+                      <a:r>
+                        <a:rPr lang="en-US" altLang="en-US" sz="1100" b="1" kern="1200" baseline="0" dirty="0" smtClean="0">
+                          <a:solidFill>
+                            <a:schemeClr val="dk1"/>
+                          </a:solidFill>
+                          <a:latin typeface="微软雅黑" panose="020B0503020204020204" pitchFamily="34" charset="-122"/>
+                          <a:ea typeface="微软雅黑" panose="020B0503020204020204" pitchFamily="34" charset="-122"/>
+                          <a:cs typeface="+mn-cs"/>
+                        </a:rPr>
+                        <a:t> polarization to atomic thickness</a:t>
+                      </a:r>
+                      <a:endParaRPr lang="zh-CN" altLang="en-US" sz="1100" b="1" kern="1200" baseline="0" dirty="0">
+                        <a:solidFill>
+                          <a:schemeClr val="dk1"/>
+                        </a:solidFill>
+                        <a:latin typeface="微软雅黑" panose="020B0503020204020204" pitchFamily="34" charset="-122"/>
+                        <a:ea typeface="微软雅黑" panose="020B0503020204020204" pitchFamily="34" charset="-122"/>
+                        <a:cs typeface="+mn-cs"/>
+                      </a:endParaRPr>
+                    </a:p>
+                  </a:txBody>
+                  <a:tcPr marL="110604" marR="110604" marT="28714" marB="28714" anchor="ctr"/>
+                </a:tc>
+                <a:extLst>
+                  <a:ext uri="{0D108BD9-81ED-4DB2-BD59-A6C34878D82A}">
+                    <a16:rowId xmlns="" xmlns:a16="http://schemas.microsoft.com/office/drawing/2014/main" val="10010"/>
+                  </a:ext>
+                </a:extLst>
+              </a:tr>
+              <a:tr h="468908">
+                <a:tc>
+                  <a:txBody>
+                    <a:bodyPr/>
+                    <a:lstStyle/>
+                    <a:p>
+                      <a:pPr marL="0" marR="0" lvl="0" indent="0" algn="ctr" defTabSz="685800" rtl="0" eaLnBrk="1" fontAlgn="auto" latinLnBrk="0" hangingPunct="1">
+                        <a:lnSpc>
+                          <a:spcPct val="100000"/>
+                        </a:lnSpc>
+                        <a:spcBef>
+                          <a:spcPts val="0"/>
+                        </a:spcBef>
+                        <a:spcAft>
+                          <a:spcPts val="0"/>
+                        </a:spcAft>
+                        <a:buClrTx/>
+                        <a:buSzTx/>
+                        <a:buFontTx/>
+                        <a:buNone/>
+                        <a:defRPr/>
+                      </a:pPr>
+                      <a:r>
+                        <a:rPr lang="en-US" altLang="zh-CN" sz="1100" b="1" kern="1200" baseline="0" dirty="0" smtClean="0">
+                          <a:solidFill>
+                            <a:schemeClr val="tx1"/>
+                          </a:solidFill>
+                          <a:latin typeface="微软雅黑" panose="020B0503020204020204" pitchFamily="34" charset="-122"/>
+                          <a:ea typeface="微软雅黑" panose="020B0503020204020204" pitchFamily="34" charset="-122"/>
+                          <a:cs typeface="+mn-cs"/>
+                        </a:rPr>
+                        <a:t>Ting Lei(</a:t>
+                      </a:r>
+                      <a:r>
+                        <a:rPr lang="zh-CN" altLang="en-US" sz="1100" b="1" kern="1200" baseline="0" dirty="0" smtClean="0">
+                          <a:solidFill>
+                            <a:schemeClr val="tx1"/>
+                          </a:solidFill>
+                          <a:latin typeface="微软雅黑" panose="020B0503020204020204" pitchFamily="34" charset="-122"/>
+                          <a:ea typeface="微软雅黑" panose="020B0503020204020204" pitchFamily="34" charset="-122"/>
+                          <a:cs typeface="+mn-cs"/>
+                        </a:rPr>
+                        <a:t>雷霆</a:t>
+                      </a:r>
+                      <a:r>
+                        <a:rPr lang="en-US" altLang="zh-CN" sz="1100" b="1" kern="1200" baseline="0" dirty="0" smtClean="0">
+                          <a:solidFill>
+                            <a:schemeClr val="tx1"/>
+                          </a:solidFill>
+                          <a:latin typeface="微软雅黑" panose="020B0503020204020204" pitchFamily="34" charset="-122"/>
+                          <a:ea typeface="微软雅黑" panose="020B0503020204020204" pitchFamily="34" charset="-122"/>
+                          <a:cs typeface="+mn-cs"/>
+                        </a:rPr>
+                        <a:t>)</a:t>
+                      </a:r>
+                      <a:endParaRPr lang="zh-CN" altLang="en-US" sz="1100" b="1" kern="1200" dirty="0">
+                        <a:solidFill>
+                          <a:schemeClr val="tx1"/>
+                        </a:solidFill>
+                        <a:latin typeface="微软雅黑" panose="020B0503020204020204" pitchFamily="34" charset="-122"/>
+                        <a:ea typeface="微软雅黑" panose="020B0503020204020204" pitchFamily="34" charset="-122"/>
+                        <a:cs typeface="+mn-cs"/>
+                      </a:endParaRPr>
+                    </a:p>
+                  </a:txBody>
+                  <a:tcPr marL="110604" marR="110604" marT="28714" marB="28714" anchor="ctr"/>
+                </a:tc>
+                <a:tc>
+                  <a:txBody>
+                    <a:bodyPr/>
+                    <a:lstStyle/>
+                    <a:p>
+                      <a:pPr algn="ctr"/>
+                      <a:r>
+                        <a:rPr lang="en-US" altLang="zh-CN" sz="1100" b="1" kern="1200" baseline="0" dirty="0" smtClean="0">
+                          <a:solidFill>
+                            <a:schemeClr val="tx1"/>
+                          </a:solidFill>
+                          <a:latin typeface="微软雅黑" panose="020B0503020204020204" pitchFamily="34" charset="-122"/>
+                          <a:ea typeface="微软雅黑" panose="020B0503020204020204" pitchFamily="34" charset="-122"/>
+                          <a:cs typeface="+mn-cs"/>
+                        </a:rPr>
+                        <a:t>14:40-15:05</a:t>
+                      </a:r>
+                      <a:endParaRPr lang="zh-CN" altLang="en-US" sz="1100" b="1" kern="1200" baseline="0" dirty="0">
+                        <a:solidFill>
+                          <a:schemeClr val="tx1"/>
+                        </a:solidFill>
+                        <a:latin typeface="微软雅黑" panose="020B0503020204020204" pitchFamily="34" charset="-122"/>
+                        <a:ea typeface="微软雅黑" panose="020B0503020204020204" pitchFamily="34" charset="-122"/>
+                        <a:cs typeface="+mn-cs"/>
+                      </a:endParaRPr>
+                    </a:p>
+                  </a:txBody>
+                  <a:tcPr marL="110604" marR="110604" marT="28714" marB="28714" anchor="ctr"/>
+                </a:tc>
+                <a:tc>
+                  <a:txBody>
+                    <a:bodyPr/>
+                    <a:lstStyle/>
+                    <a:p>
+                      <a:pPr algn="ctr"/>
+                      <a:r>
+                        <a:rPr lang="en-US" altLang="zh-CN" sz="1100" b="1" kern="1200" dirty="0" smtClean="0">
+                          <a:solidFill>
+                            <a:schemeClr val="tx1"/>
+                          </a:solidFill>
+                          <a:latin typeface="微软雅黑" panose="020B0503020204020204" pitchFamily="34" charset="-122"/>
+                          <a:ea typeface="微软雅黑" panose="020B0503020204020204" pitchFamily="34" charset="-122"/>
+                          <a:cs typeface="+mn-cs"/>
+                        </a:rPr>
+                        <a:t>Singular optical beam multiplexing communication towards high performance computing applications </a:t>
+                      </a:r>
+                      <a:endParaRPr lang="zh-CN" altLang="en-US" sz="1100" b="1" kern="1200" baseline="0" dirty="0">
+                        <a:solidFill>
+                          <a:schemeClr val="tx1"/>
+                        </a:solidFill>
+                        <a:latin typeface="微软雅黑" panose="020B0503020204020204" pitchFamily="34" charset="-122"/>
+                        <a:ea typeface="微软雅黑" panose="020B0503020204020204" pitchFamily="34" charset="-122"/>
+                        <a:cs typeface="+mn-cs"/>
+                      </a:endParaRPr>
+                    </a:p>
+                  </a:txBody>
+                  <a:tcPr marL="110604" marR="110604" marT="28714" marB="28714" anchor="ctr"/>
+                </a:tc>
+                <a:extLst>
+                  <a:ext uri="{0D108BD9-81ED-4DB2-BD59-A6C34878D82A}">
+                    <a16:rowId xmlns="" xmlns:a16="http://schemas.microsoft.com/office/drawing/2014/main" val="10011"/>
+                  </a:ext>
+                </a:extLst>
+              </a:tr>
+            </a:tbl>
+          </a:graphicData>
+        </a:graphic>
+      </p:graphicFrame>
+      <p:sp>
+        <p:nvSpPr>
+          <p:cNvPr id="13" name="文本框 12"/>
+          <p:cNvSpPr txBox="1"/>
+          <p:nvPr/>
+        </p:nvSpPr>
+        <p:spPr>
+          <a:xfrm>
+            <a:off x="0" y="0"/>
+            <a:ext cx="9144000" cy="1569660"/>
+          </a:xfrm>
+          <a:prstGeom prst="rect">
+            <a:avLst/>
+          </a:prstGeom>
+          <a:solidFill>
+            <a:srgbClr val="215CC1"/>
+          </a:solidFill>
+        </p:spPr>
+        <p:txBody>
+          <a:bodyPr wrap="square" rtlCol="0">
+            <a:spAutoFit/>
+          </a:bodyPr>
+          <a:lstStyle/>
+          <a:p>
+            <a:r>
+              <a:rPr lang="en-US" altLang="zh-CN" sz="2175" b="1" dirty="0" smtClean="0">
+                <a:solidFill>
+                  <a:schemeClr val="bg1"/>
+                </a:solidFill>
+                <a:latin typeface="华文行楷" panose="02010800040101010101" pitchFamily="2" charset="-122"/>
+                <a:ea typeface="华文行楷" panose="02010800040101010101" pitchFamily="2" charset="-122"/>
+              </a:rPr>
+              <a:t>2018 </a:t>
+            </a:r>
+            <a:r>
+              <a:rPr lang="zh-CN" altLang="en-US" sz="2175" b="1" dirty="0" smtClean="0">
+                <a:solidFill>
+                  <a:schemeClr val="bg1"/>
+                </a:solidFill>
+                <a:latin typeface="华文行楷" panose="02010800040101010101" pitchFamily="2" charset="-122"/>
+                <a:ea typeface="华文行楷" panose="02010800040101010101" pitchFamily="2" charset="-122"/>
+              </a:rPr>
+              <a:t>南方科技大学</a:t>
+            </a:r>
+            <a:r>
+              <a:rPr lang="zh-CN" altLang="en-US" sz="2400" b="1" dirty="0" smtClean="0">
+                <a:ln w="10160">
+                  <a:solidFill>
+                    <a:schemeClr val="accent1">
+                      <a:lumMod val="60000"/>
+                      <a:lumOff val="40000"/>
+                    </a:schemeClr>
+                  </a:solidFill>
+                  <a:prstDash val="solid"/>
+                </a:ln>
+                <a:solidFill>
+                  <a:schemeClr val="bg1"/>
+                </a:solidFill>
+                <a:effectLst>
+                  <a:outerShdw blurRad="38100" dist="22860" dir="5400000" algn="tl" rotWithShape="0">
+                    <a:srgbClr val="000000">
+                      <a:alpha val="30000"/>
+                    </a:srgbClr>
+                  </a:outerShdw>
+                </a:effectLst>
+                <a:latin typeface="楷体" panose="02010609060101010101" pitchFamily="49" charset="-122"/>
+                <a:ea typeface="楷体" panose="02010609060101010101" pitchFamily="49" charset="-122"/>
+                <a:sym typeface="+mn-ea"/>
+              </a:rPr>
+              <a:t>“</a:t>
+            </a:r>
+            <a:r>
+              <a:rPr lang="zh-CN" altLang="en-US" sz="2175" b="1" dirty="0" smtClean="0">
+                <a:solidFill>
+                  <a:schemeClr val="bg1"/>
+                </a:solidFill>
+                <a:latin typeface="华文行楷" panose="02010800040101010101" pitchFamily="2" charset="-122"/>
+                <a:ea typeface="华文行楷" panose="02010800040101010101" pitchFamily="2" charset="-122"/>
+                <a:sym typeface="+mn-ea"/>
+              </a:rPr>
+              <a:t>大湾区超构材料与微纳光学”专题研讨会</a:t>
+            </a:r>
+            <a:endParaRPr lang="en-US" altLang="zh-CN" sz="2175" b="1" dirty="0" smtClean="0">
+              <a:solidFill>
+                <a:schemeClr val="bg1"/>
+              </a:solidFill>
+              <a:latin typeface="华文行楷" panose="02010800040101010101" pitchFamily="2" charset="-122"/>
+              <a:ea typeface="华文行楷" panose="02010800040101010101" pitchFamily="2" charset="-122"/>
+              <a:sym typeface="+mn-ea"/>
+            </a:endParaRPr>
+          </a:p>
+          <a:p>
+            <a:r>
+              <a:rPr lang="en-US" sz="2400" b="1" dirty="0" smtClean="0"/>
+              <a:t>Advanced Photonics Conference: Greater Bay Area Symposium for Wave Functional Materials  </a:t>
+            </a:r>
+            <a:endParaRPr lang="zh-CN" altLang="zh-CN" sz="2175" b="1" dirty="0" smtClean="0">
+              <a:solidFill>
+                <a:schemeClr val="bg1"/>
+              </a:solidFill>
+              <a:ea typeface="华文行楷" panose="02010800040101010101" pitchFamily="2" charset="-122"/>
+            </a:endParaRPr>
+          </a:p>
+          <a:p>
+            <a:r>
+              <a:rPr lang="en-US" sz="2400" b="1" dirty="0" smtClean="0"/>
+              <a:t> </a:t>
+            </a:r>
+            <a:endParaRPr lang="zh-CN" altLang="zh-CN" sz="2175" b="1" dirty="0">
+              <a:solidFill>
+                <a:schemeClr val="bg1"/>
+              </a:solidFill>
+              <a:ea typeface="华文行楷" panose="02010800040101010101" pitchFamily="2" charset="-122"/>
+            </a:endParaRPr>
+          </a:p>
+        </p:txBody>
+      </p:sp>
+      <p:sp>
+        <p:nvSpPr>
+          <p:cNvPr id="14" name="文本框 13"/>
+          <p:cNvSpPr txBox="1"/>
+          <p:nvPr/>
+        </p:nvSpPr>
+        <p:spPr>
+          <a:xfrm>
+            <a:off x="1043608" y="1571605"/>
+            <a:ext cx="6670780" cy="461665"/>
+          </a:xfrm>
+          <a:prstGeom prst="rect">
+            <a:avLst/>
+          </a:prstGeom>
+          <a:noFill/>
+        </p:spPr>
+        <p:txBody>
+          <a:bodyPr wrap="square" rtlCol="0">
+            <a:spAutoFit/>
+          </a:bodyPr>
+          <a:lstStyle/>
+          <a:p>
+            <a:pPr algn="ctr"/>
+            <a:r>
+              <a:rPr lang="en-US" altLang="zh-CN" sz="2400" b="1" dirty="0" smtClean="0">
+                <a:latin typeface="+mj-ea"/>
+              </a:rPr>
+              <a:t>3</a:t>
+            </a:r>
+            <a:r>
+              <a:rPr lang="en-US" altLang="zh-CN" sz="2400" b="1" baseline="30000" dirty="0" smtClean="0">
+                <a:latin typeface="+mj-ea"/>
+              </a:rPr>
+              <a:t>nd</a:t>
+            </a:r>
+            <a:r>
+              <a:rPr lang="en-US" altLang="zh-CN" sz="2400" b="1" dirty="0" smtClean="0">
+                <a:latin typeface="+mj-ea"/>
+              </a:rPr>
+              <a:t>June 2018</a:t>
+            </a:r>
+            <a:endParaRPr lang="zh-CN" altLang="en-US" sz="2400" b="1" dirty="0">
+              <a:latin typeface="+mj-ea"/>
+            </a:endParaRPr>
+          </a:p>
+        </p:txBody>
+      </p:sp>
+    </p:spTree>
+    <p:extLst>
+      <p:ext uri="{BB962C8B-B14F-4D97-AF65-F5344CB8AC3E}">
+        <p14:creationId xmlns:p14="http://schemas.microsoft.com/office/powerpoint/2010/main" val="3433496946"/>
+      </p:ext>
+    </p:extLst>
+  </p:cSld>
+  <p:clrMapOvr>
+    <a:masterClrMapping/>
+  </p:clrMapOvr>
+</p:sld>
+</file>
+
+<file path=ppt/slides/slide11.xml><?xml version="1.0" encoding="utf-8"?>
+<p:sld xmlns:a="http://schemas.openxmlformats.org/drawingml/2006/main" xmlns:r="http://schemas.openxmlformats.org/officeDocument/2006/relationships" xmlns:p="http://schemas.openxmlformats.org/presentationml/2006/main">
+  <p:cSld>
+    <p:spTree>
+      <p:nvGrpSpPr>
+        <p:cNvPr id="1" name=""/>
+        <p:cNvGrpSpPr/>
+        <p:nvPr/>
+      </p:nvGrpSpPr>
+      <p:grpSpPr>
+        <a:xfrm>
+          <a:off x="0" y="0"/>
+          <a:ext cx="0" cy="0"/>
+          <a:chOff x="0" y="0"/>
+          <a:chExt cx="0" cy="0"/>
+        </a:xfrm>
+      </p:grpSpPr>
+      <p:sp>
+        <p:nvSpPr>
+          <p:cNvPr id="12" name="矩形 11"/>
+          <p:cNvSpPr/>
+          <p:nvPr/>
+        </p:nvSpPr>
+        <p:spPr>
+          <a:xfrm>
+            <a:off x="0" y="476672"/>
+            <a:ext cx="9144000" cy="5908677"/>
+          </a:xfrm>
+          <a:prstGeom prst="rect">
+            <a:avLst/>
+          </a:prstGeom>
+          <a:gradFill>
+            <a:gsLst>
+              <a:gs pos="28000">
+                <a:schemeClr val="bg1"/>
+              </a:gs>
+              <a:gs pos="0">
+                <a:schemeClr val="accent1">
+                  <a:lumMod val="5000"/>
+                  <a:lumOff val="95000"/>
+                </a:schemeClr>
+              </a:gs>
+              <a:gs pos="100000">
+                <a:srgbClr val="8FB2EF"/>
+              </a:gs>
+            </a:gsLst>
+            <a:lin ang="5400000" scaled="1"/>
+          </a:gradFill>
+          <a:ln>
+            <a:noFill/>
+          </a:ln>
+        </p:spPr>
+        <p:style>
+          <a:lnRef idx="2">
+            <a:schemeClr val="accent1">
+              <a:shade val="50000"/>
+            </a:schemeClr>
+          </a:lnRef>
+          <a:fillRef idx="1">
+            <a:schemeClr val="accent1"/>
+          </a:fillRef>
+          <a:effectRef idx="0">
+            <a:schemeClr val="accent1"/>
+          </a:effectRef>
+          <a:fontRef idx="minor">
+            <a:schemeClr val="lt1"/>
+          </a:fontRef>
+        </p:style>
+        <p:txBody>
+          <a:bodyPr rtlCol="0" anchor="ctr"/>
+          <a:lstStyle/>
+          <a:p>
+            <a:pPr algn="ctr"/>
+            <a:endParaRPr lang="zh-CN" altLang="en-US" sz="1500"/>
+          </a:p>
+        </p:txBody>
+      </p:sp>
+      <p:graphicFrame>
+        <p:nvGraphicFramePr>
+          <p:cNvPr id="8" name="表格 7"/>
+          <p:cNvGraphicFramePr>
+            <a:graphicFrameLocks noGrp="1"/>
+          </p:cNvGraphicFramePr>
+          <p:nvPr>
+            <p:extLst>
+              <p:ext uri="{D42A27DB-BD31-4B8C-83A1-F6EECF244321}">
+                <p14:modId xmlns:p14="http://schemas.microsoft.com/office/powerpoint/2010/main" val="3715760720"/>
+              </p:ext>
+            </p:extLst>
+          </p:nvPr>
+        </p:nvGraphicFramePr>
+        <p:xfrm>
+          <a:off x="285720" y="2285992"/>
+          <a:ext cx="8471929" cy="2155496"/>
+        </p:xfrm>
+        <a:graphic>
+          <a:graphicData uri="http://schemas.openxmlformats.org/drawingml/2006/table">
+            <a:tbl>
+              <a:tblPr firstRow="1" bandRow="1">
+                <a:tableStyleId>{5C22544A-7EE6-4342-B048-85BDC9FD1C3A}</a:tableStyleId>
+              </a:tblPr>
+              <a:tblGrid>
+                <a:gridCol w="2180823">
+                  <a:extLst>
+                    <a:ext uri="{9D8B030D-6E8A-4147-A177-3AD203B41FA5}">
+                      <a16:colId xmlns="" xmlns:a16="http://schemas.microsoft.com/office/drawing/2014/main" val="20000"/>
+                    </a:ext>
+                  </a:extLst>
+                </a:gridCol>
+                <a:gridCol w="1803043">
+                  <a:extLst>
+                    <a:ext uri="{9D8B030D-6E8A-4147-A177-3AD203B41FA5}">
+                      <a16:colId xmlns="" xmlns:a16="http://schemas.microsoft.com/office/drawing/2014/main" val="20001"/>
+                    </a:ext>
+                  </a:extLst>
+                </a:gridCol>
+                <a:gridCol w="4488063">
+                  <a:extLst>
+                    <a:ext uri="{9D8B030D-6E8A-4147-A177-3AD203B41FA5}">
+                      <a16:colId xmlns="" xmlns:a16="http://schemas.microsoft.com/office/drawing/2014/main" val="20002"/>
+                    </a:ext>
+                  </a:extLst>
+                </a:gridCol>
+              </a:tblGrid>
+              <a:tr h="291582">
+                <a:tc>
+                  <a:txBody>
+                    <a:bodyPr/>
+                    <a:lstStyle/>
+                    <a:p>
+                      <a:pPr algn="ctr"/>
+                      <a:r>
+                        <a:rPr lang="en-US" altLang="zh-CN" sz="1800" dirty="0"/>
+                        <a:t>Speaker</a:t>
+                      </a:r>
+                      <a:endParaRPr lang="zh-CN" altLang="en-US" sz="1800" dirty="0"/>
+                    </a:p>
+                  </a:txBody>
+                  <a:tcPr marL="110604" marR="110604" marT="28714" marB="28714" anchor="ctr"/>
+                </a:tc>
+                <a:tc>
+                  <a:txBody>
+                    <a:bodyPr/>
+                    <a:lstStyle/>
+                    <a:p>
+                      <a:pPr algn="ctr"/>
+                      <a:r>
+                        <a:rPr lang="en-US" altLang="zh-CN" sz="1800" dirty="0"/>
+                        <a:t>Time</a:t>
+                      </a:r>
+                      <a:endParaRPr lang="zh-CN" altLang="en-US" sz="1800" dirty="0"/>
+                    </a:p>
+                  </a:txBody>
+                  <a:tcPr marL="110604" marR="110604" marT="28714" marB="28714" anchor="ctr"/>
+                </a:tc>
+                <a:tc>
+                  <a:txBody>
+                    <a:bodyPr/>
+                    <a:lstStyle/>
+                    <a:p>
+                      <a:pPr algn="ctr"/>
+                      <a:r>
+                        <a:rPr lang="en-US" altLang="zh-CN" sz="1800" dirty="0"/>
+                        <a:t>Topic</a:t>
+                      </a:r>
+                      <a:endParaRPr lang="zh-CN" altLang="en-US" sz="1800" dirty="0"/>
+                    </a:p>
+                  </a:txBody>
+                  <a:tcPr marL="110604" marR="110604" marT="28714" marB="28714" anchor="ctr"/>
+                </a:tc>
+                <a:extLst>
+                  <a:ext uri="{0D108BD9-81ED-4DB2-BD59-A6C34878D82A}">
+                    <a16:rowId xmlns="" xmlns:a16="http://schemas.microsoft.com/office/drawing/2014/main" val="10000"/>
+                  </a:ext>
+                </a:extLst>
+              </a:tr>
+              <a:tr h="331748">
+                <a:tc>
+                  <a:txBody>
+                    <a:bodyPr/>
+                    <a:lstStyle/>
+                    <a:p>
+                      <a:pPr marL="0" algn="ctr" defTabSz="685800" rtl="0" eaLnBrk="1" latinLnBrk="0" hangingPunct="1"/>
+                      <a:endParaRPr lang="zh-CN" altLang="en-US" sz="1100" b="1" kern="1200" dirty="0">
+                        <a:solidFill>
+                          <a:schemeClr val="dk1"/>
+                        </a:solidFill>
+                        <a:latin typeface="微软雅黑" panose="020B0503020204020204" pitchFamily="34" charset="-122"/>
+                        <a:ea typeface="微软雅黑" panose="020B0503020204020204" pitchFamily="34" charset="-122"/>
+                        <a:cs typeface="+mn-cs"/>
+                      </a:endParaRPr>
+                    </a:p>
+                  </a:txBody>
+                  <a:tcPr marL="110604" marR="110604" marT="28714" marB="28714" anchor="ctr"/>
+                </a:tc>
+                <a:tc>
+                  <a:txBody>
+                    <a:bodyPr/>
+                    <a:lstStyle/>
+                    <a:p>
+                      <a:pPr algn="ctr"/>
+                      <a:r>
+                        <a:rPr lang="en-US" altLang="zh-CN" sz="1100" b="1" kern="1200" dirty="0" smtClean="0">
+                          <a:solidFill>
+                            <a:schemeClr val="dk1"/>
+                          </a:solidFill>
+                          <a:latin typeface="微软雅黑" panose="020B0503020204020204" pitchFamily="34" charset="-122"/>
+                          <a:ea typeface="微软雅黑" panose="020B0503020204020204" pitchFamily="34" charset="-122"/>
+                          <a:cs typeface="+mn-cs"/>
+                        </a:rPr>
+                        <a:t>15:05-15:30</a:t>
+                      </a:r>
+                      <a:endParaRPr lang="zh-CN" altLang="en-US" sz="1100" b="1" kern="1200" dirty="0">
+                        <a:solidFill>
+                          <a:schemeClr val="dk1"/>
+                        </a:solidFill>
+                        <a:latin typeface="微软雅黑" panose="020B0503020204020204" pitchFamily="34" charset="-122"/>
+                        <a:ea typeface="微软雅黑" panose="020B0503020204020204" pitchFamily="34" charset="-122"/>
+                        <a:cs typeface="+mn-cs"/>
+                      </a:endParaRPr>
+                    </a:p>
+                  </a:txBody>
+                  <a:tcPr marL="110604" marR="110604" marT="28714" marB="28714" anchor="ctr"/>
+                </a:tc>
+                <a:tc>
+                  <a:txBody>
+                    <a:bodyPr/>
+                    <a:lstStyle/>
+                    <a:p>
+                      <a:pPr marL="0" marR="0" lvl="0" indent="0" algn="ctr" defTabSz="914400" rtl="0" eaLnBrk="1" fontAlgn="auto" latinLnBrk="0" hangingPunct="1">
+                        <a:lnSpc>
+                          <a:spcPct val="100000"/>
+                        </a:lnSpc>
+                        <a:spcBef>
+                          <a:spcPts val="0"/>
+                        </a:spcBef>
+                        <a:spcAft>
+                          <a:spcPts val="0"/>
+                        </a:spcAft>
+                        <a:buClrTx/>
+                        <a:buSzTx/>
+                        <a:buFontTx/>
+                        <a:buNone/>
+                        <a:defRPr/>
+                      </a:pPr>
+                      <a:r>
+                        <a:rPr lang="en-US" altLang="zh-CN" sz="1100" b="1" kern="1200" dirty="0" smtClean="0">
+                          <a:solidFill>
+                            <a:schemeClr val="dk1"/>
+                          </a:solidFill>
+                          <a:latin typeface="微软雅黑" panose="020B0503020204020204" pitchFamily="34" charset="-122"/>
+                          <a:ea typeface="微软雅黑" panose="020B0503020204020204" pitchFamily="34" charset="-122"/>
+                          <a:cs typeface="+mn-cs"/>
+                        </a:rPr>
+                        <a:t>Coffee  Break</a:t>
+                      </a:r>
+                      <a:endParaRPr lang="zh-CN" altLang="en-US" sz="1100" b="1" kern="1200" dirty="0">
+                        <a:solidFill>
+                          <a:schemeClr val="dk1"/>
+                        </a:solidFill>
+                        <a:latin typeface="微软雅黑" panose="020B0503020204020204" pitchFamily="34" charset="-122"/>
+                        <a:ea typeface="微软雅黑" panose="020B0503020204020204" pitchFamily="34" charset="-122"/>
+                        <a:cs typeface="+mn-cs"/>
+                      </a:endParaRPr>
+                    </a:p>
+                  </a:txBody>
+                  <a:tcPr marL="110604" marR="110604" marT="28714" marB="28714" anchor="ctr"/>
+                </a:tc>
+                <a:extLst>
+                  <a:ext uri="{0D108BD9-81ED-4DB2-BD59-A6C34878D82A}">
+                    <a16:rowId xmlns="" xmlns:a16="http://schemas.microsoft.com/office/drawing/2014/main" val="10001"/>
+                  </a:ext>
+                </a:extLst>
+              </a:tr>
+              <a:tr h="331748">
+                <a:tc>
+                  <a:txBody>
+                    <a:bodyPr/>
+                    <a:lstStyle/>
+                    <a:p>
+                      <a:pPr marL="0" algn="ctr" defTabSz="685800" rtl="0" eaLnBrk="1" latinLnBrk="0" hangingPunct="1"/>
+                      <a:r>
+                        <a:rPr lang="en-US" altLang="zh-CN" sz="1100" b="1" kern="1200" dirty="0" smtClean="0">
+                          <a:solidFill>
+                            <a:schemeClr val="dk1"/>
+                          </a:solidFill>
+                          <a:latin typeface="微软雅黑" panose="020B0503020204020204" pitchFamily="34" charset="-122"/>
+                          <a:ea typeface="微软雅黑" panose="020B0503020204020204" pitchFamily="34" charset="-122"/>
+                          <a:cs typeface="+mn-cs"/>
+                        </a:rPr>
+                        <a:t>Jack Ng(</a:t>
+                      </a:r>
+                      <a:r>
+                        <a:rPr lang="zh-CN" altLang="en-US" sz="1100" b="1" kern="1200" dirty="0" smtClean="0">
+                          <a:solidFill>
+                            <a:schemeClr val="dk1"/>
+                          </a:solidFill>
+                          <a:latin typeface="微软雅黑" panose="020B0503020204020204" pitchFamily="34" charset="-122"/>
+                          <a:ea typeface="微软雅黑" panose="020B0503020204020204" pitchFamily="34" charset="-122"/>
+                          <a:cs typeface="+mn-cs"/>
+                        </a:rPr>
+                        <a:t>吴紫辉</a:t>
+                      </a:r>
+                      <a:r>
+                        <a:rPr lang="en-US" altLang="zh-CN" sz="1100" b="1" kern="1200" dirty="0" smtClean="0">
+                          <a:solidFill>
+                            <a:schemeClr val="dk1"/>
+                          </a:solidFill>
+                          <a:latin typeface="微软雅黑" panose="020B0503020204020204" pitchFamily="34" charset="-122"/>
+                          <a:ea typeface="微软雅黑" panose="020B0503020204020204" pitchFamily="34" charset="-122"/>
+                          <a:cs typeface="+mn-cs"/>
+                        </a:rPr>
+                        <a:t>)</a:t>
+                      </a:r>
+                      <a:endParaRPr lang="zh-CN" altLang="en-US" sz="1100" b="1" kern="1200" dirty="0">
+                        <a:solidFill>
+                          <a:schemeClr val="dk1"/>
+                        </a:solidFill>
+                        <a:latin typeface="微软雅黑" panose="020B0503020204020204" pitchFamily="34" charset="-122"/>
+                        <a:ea typeface="微软雅黑" panose="020B0503020204020204" pitchFamily="34" charset="-122"/>
+                        <a:cs typeface="+mn-cs"/>
+                      </a:endParaRPr>
+                    </a:p>
+                  </a:txBody>
+                  <a:tcPr marL="110604" marR="110604" marT="28714" marB="28714" anchor="ctr"/>
+                </a:tc>
+                <a:tc>
+                  <a:txBody>
+                    <a:bodyPr/>
+                    <a:lstStyle/>
+                    <a:p>
+                      <a:pPr marL="0" algn="ctr" defTabSz="685800" rtl="0" eaLnBrk="1" latinLnBrk="0" hangingPunct="1"/>
+                      <a:r>
+                        <a:rPr lang="en-US" altLang="zh-CN" sz="1100" b="1" kern="1200" dirty="0" smtClean="0">
+                          <a:solidFill>
+                            <a:schemeClr val="dk1"/>
+                          </a:solidFill>
+                          <a:latin typeface="微软雅黑" panose="020B0503020204020204" pitchFamily="34" charset="-122"/>
+                          <a:ea typeface="微软雅黑" panose="020B0503020204020204" pitchFamily="34" charset="-122"/>
+                          <a:cs typeface="+mn-cs"/>
+                        </a:rPr>
+                        <a:t>15:30-15:55</a:t>
+                      </a:r>
+                      <a:endParaRPr lang="zh-CN" altLang="en-US" sz="1100" b="1" kern="1200" dirty="0">
+                        <a:solidFill>
+                          <a:schemeClr val="dk1"/>
+                        </a:solidFill>
+                        <a:latin typeface="微软雅黑" panose="020B0503020204020204" pitchFamily="34" charset="-122"/>
+                        <a:ea typeface="微软雅黑" panose="020B0503020204020204" pitchFamily="34" charset="-122"/>
+                        <a:cs typeface="+mn-cs"/>
+                      </a:endParaRPr>
+                    </a:p>
+                  </a:txBody>
+                  <a:tcPr marL="110604" marR="110604" marT="28714" marB="28714" anchor="ctr"/>
+                </a:tc>
+                <a:tc>
+                  <a:txBody>
+                    <a:bodyPr/>
+                    <a:lstStyle/>
+                    <a:p>
+                      <a:pPr algn="ctr"/>
+                      <a:r>
+                        <a:rPr lang="en-US" altLang="zh-CN" sz="1100" b="1" kern="1200" dirty="0" smtClean="0">
+                          <a:solidFill>
+                            <a:schemeClr val="dk1"/>
+                          </a:solidFill>
+                          <a:latin typeface="微软雅黑" panose="020B0503020204020204" pitchFamily="34" charset="-122"/>
+                          <a:ea typeface="微软雅黑" panose="020B0503020204020204" pitchFamily="34" charset="-122"/>
+                          <a:cs typeface="+mn-cs"/>
+                        </a:rPr>
+                        <a:t>Optical Tractor Beam with Macroscopic Range</a:t>
+                      </a:r>
+                      <a:endParaRPr lang="zh-CN" altLang="en-US" sz="1100" b="1" kern="1200" dirty="0">
+                        <a:solidFill>
+                          <a:schemeClr val="dk1"/>
+                        </a:solidFill>
+                        <a:latin typeface="微软雅黑" panose="020B0503020204020204" pitchFamily="34" charset="-122"/>
+                        <a:ea typeface="微软雅黑" panose="020B0503020204020204" pitchFamily="34" charset="-122"/>
+                        <a:cs typeface="+mn-cs"/>
+                      </a:endParaRPr>
+                    </a:p>
+                  </a:txBody>
+                  <a:tcPr marL="110604" marR="110604" marT="28714" marB="28714" anchor="ctr"/>
+                </a:tc>
+                <a:extLst>
+                  <a:ext uri="{0D108BD9-81ED-4DB2-BD59-A6C34878D82A}">
+                    <a16:rowId xmlns="" xmlns:a16="http://schemas.microsoft.com/office/drawing/2014/main" val="10002"/>
+                  </a:ext>
+                </a:extLst>
+              </a:tr>
+              <a:tr h="475962">
+                <a:tc>
+                  <a:txBody>
+                    <a:bodyPr/>
+                    <a:lstStyle/>
+                    <a:p>
+                      <a:pPr marL="0" algn="ctr" defTabSz="685800" rtl="0" eaLnBrk="1" latinLnBrk="0" hangingPunct="1"/>
+                      <a:r>
+                        <a:rPr lang="en-US" altLang="zh-CN" sz="1100" b="1" kern="1200" dirty="0" err="1" smtClean="0">
+                          <a:solidFill>
+                            <a:schemeClr val="dk1"/>
+                          </a:solidFill>
+                          <a:latin typeface="微软雅黑" panose="020B0503020204020204" pitchFamily="34" charset="-122"/>
+                          <a:ea typeface="微软雅黑" panose="020B0503020204020204" pitchFamily="34" charset="-122"/>
+                          <a:cs typeface="+mn-cs"/>
+                        </a:rPr>
+                        <a:t>YaoYu</a:t>
+                      </a:r>
+                      <a:r>
+                        <a:rPr lang="en-US" altLang="zh-CN" sz="1100" b="1" kern="1200" dirty="0" smtClean="0">
+                          <a:solidFill>
+                            <a:schemeClr val="dk1"/>
+                          </a:solidFill>
+                          <a:latin typeface="微软雅黑" panose="020B0503020204020204" pitchFamily="34" charset="-122"/>
+                          <a:ea typeface="微软雅黑" panose="020B0503020204020204" pitchFamily="34" charset="-122"/>
+                          <a:cs typeface="+mn-cs"/>
+                        </a:rPr>
+                        <a:t>  Cao(</a:t>
+                      </a:r>
+                      <a:r>
+                        <a:rPr lang="zh-CN" altLang="en-US" sz="1100" b="1" kern="1200" dirty="0" smtClean="0">
+                          <a:solidFill>
+                            <a:schemeClr val="dk1"/>
+                          </a:solidFill>
+                          <a:latin typeface="微软雅黑" panose="020B0503020204020204" pitchFamily="34" charset="-122"/>
+                          <a:ea typeface="微软雅黑" panose="020B0503020204020204" pitchFamily="34" charset="-122"/>
+                          <a:cs typeface="+mn-cs"/>
+                        </a:rPr>
+                        <a:t>曹耀宇</a:t>
+                      </a:r>
+                      <a:r>
+                        <a:rPr lang="en-US" altLang="zh-CN" sz="1100" b="1" kern="1200" dirty="0" smtClean="0">
+                          <a:solidFill>
+                            <a:schemeClr val="dk1"/>
+                          </a:solidFill>
+                          <a:latin typeface="微软雅黑" panose="020B0503020204020204" pitchFamily="34" charset="-122"/>
+                          <a:ea typeface="微软雅黑" panose="020B0503020204020204" pitchFamily="34" charset="-122"/>
+                          <a:cs typeface="+mn-cs"/>
+                        </a:rPr>
+                        <a:t>)</a:t>
+                      </a:r>
+                      <a:endParaRPr lang="zh-CN" altLang="en-US" sz="1100" b="1" kern="1200" dirty="0">
+                        <a:solidFill>
+                          <a:schemeClr val="dk1"/>
+                        </a:solidFill>
+                        <a:latin typeface="微软雅黑" panose="020B0503020204020204" pitchFamily="34" charset="-122"/>
+                        <a:ea typeface="微软雅黑" panose="020B0503020204020204" pitchFamily="34" charset="-122"/>
+                        <a:cs typeface="+mn-cs"/>
+                      </a:endParaRPr>
+                    </a:p>
+                  </a:txBody>
+                  <a:tcPr marL="110604" marR="110604" marT="28714" marB="28714" anchor="ctr"/>
+                </a:tc>
+                <a:tc>
+                  <a:txBody>
+                    <a:bodyPr/>
+                    <a:lstStyle/>
+                    <a:p>
+                      <a:pPr marL="0" algn="ctr" defTabSz="685800" rtl="0" eaLnBrk="1" latinLnBrk="0" hangingPunct="1"/>
+                      <a:r>
+                        <a:rPr lang="en-US" altLang="zh-CN" sz="1100" b="1" kern="1200" dirty="0" smtClean="0">
+                          <a:solidFill>
+                            <a:schemeClr val="dk1"/>
+                          </a:solidFill>
+                          <a:latin typeface="微软雅黑" panose="020B0503020204020204" pitchFamily="34" charset="-122"/>
+                          <a:ea typeface="微软雅黑" panose="020B0503020204020204" pitchFamily="34" charset="-122"/>
+                          <a:cs typeface="+mn-cs"/>
+                        </a:rPr>
+                        <a:t>15:55-16:20</a:t>
+                      </a:r>
+                      <a:endParaRPr lang="zh-CN" altLang="en-US" sz="1100" b="1" kern="1200" dirty="0">
+                        <a:solidFill>
+                          <a:schemeClr val="dk1"/>
+                        </a:solidFill>
+                        <a:latin typeface="微软雅黑" panose="020B0503020204020204" pitchFamily="34" charset="-122"/>
+                        <a:ea typeface="微软雅黑" panose="020B0503020204020204" pitchFamily="34" charset="-122"/>
+                        <a:cs typeface="+mn-cs"/>
+                      </a:endParaRPr>
+                    </a:p>
+                  </a:txBody>
+                  <a:tcPr marL="110604" marR="110604" marT="28714" marB="28714" anchor="ctr"/>
+                </a:tc>
+                <a:tc>
+                  <a:txBody>
+                    <a:bodyPr/>
+                    <a:lstStyle/>
+                    <a:p>
+                      <a:pPr marL="0" marR="0" indent="0" algn="ctr" defTabSz="685800" rtl="0" eaLnBrk="1" fontAlgn="auto" latinLnBrk="0" hangingPunct="1">
+                        <a:lnSpc>
+                          <a:spcPct val="100000"/>
+                        </a:lnSpc>
+                        <a:spcBef>
+                          <a:spcPts val="0"/>
+                        </a:spcBef>
+                        <a:spcAft>
+                          <a:spcPts val="0"/>
+                        </a:spcAft>
+                        <a:buClrTx/>
+                        <a:buSzTx/>
+                        <a:buFontTx/>
+                        <a:buNone/>
+                        <a:defRPr/>
+                      </a:pPr>
+                      <a:r>
+                        <a:rPr lang="en-US" altLang="zh-CN" sz="1100" b="1" kern="1200" dirty="0" smtClean="0">
+                          <a:solidFill>
+                            <a:schemeClr val="dk1"/>
+                          </a:solidFill>
+                          <a:latin typeface="微软雅黑" panose="020B0503020204020204" pitchFamily="34" charset="-122"/>
+                          <a:ea typeface="微软雅黑" panose="020B0503020204020204" pitchFamily="34" charset="-122"/>
+                          <a:cs typeface="+mn-cs"/>
+                        </a:rPr>
+                        <a:t>Optical beam lithography (OBL) facilitated </a:t>
+                      </a:r>
+                      <a:r>
+                        <a:rPr lang="en-US" altLang="zh-CN" sz="1100" b="1" kern="1200" dirty="0" err="1" smtClean="0">
+                          <a:solidFill>
+                            <a:schemeClr val="dk1"/>
+                          </a:solidFill>
+                          <a:latin typeface="微软雅黑" panose="020B0503020204020204" pitchFamily="34" charset="-122"/>
+                          <a:ea typeface="微软雅黑" panose="020B0503020204020204" pitchFamily="34" charset="-122"/>
+                          <a:cs typeface="+mn-cs"/>
+                        </a:rPr>
+                        <a:t>nanophotonics</a:t>
+                      </a:r>
+                      <a:r>
+                        <a:rPr lang="en-US" altLang="zh-CN" sz="1100" b="1" kern="1200" dirty="0" smtClean="0">
+                          <a:solidFill>
+                            <a:schemeClr val="dk1"/>
+                          </a:solidFill>
+                          <a:latin typeface="微软雅黑" panose="020B0503020204020204" pitchFamily="34" charset="-122"/>
+                          <a:ea typeface="微软雅黑" panose="020B0503020204020204" pitchFamily="34" charset="-122"/>
+                          <a:cs typeface="+mn-cs"/>
+                        </a:rPr>
+                        <a:t>: new challenges and opportunities</a:t>
+                      </a:r>
+                      <a:endParaRPr lang="zh-CN" altLang="en-US" sz="1100" b="1" kern="1200" dirty="0">
+                        <a:solidFill>
+                          <a:schemeClr val="dk1"/>
+                        </a:solidFill>
+                        <a:latin typeface="微软雅黑" panose="020B0503020204020204" pitchFamily="34" charset="-122"/>
+                        <a:ea typeface="微软雅黑" panose="020B0503020204020204" pitchFamily="34" charset="-122"/>
+                        <a:cs typeface="+mn-cs"/>
+                      </a:endParaRPr>
+                    </a:p>
+                  </a:txBody>
+                  <a:tcPr marL="110604" marR="110604" marT="28714" marB="28714" anchor="ctr"/>
+                </a:tc>
+                <a:extLst>
+                  <a:ext uri="{0D108BD9-81ED-4DB2-BD59-A6C34878D82A}">
+                    <a16:rowId xmlns="" xmlns:a16="http://schemas.microsoft.com/office/drawing/2014/main" val="10003"/>
+                  </a:ext>
+                </a:extLst>
+              </a:tr>
+              <a:tr h="331748">
+                <a:tc>
+                  <a:txBody>
+                    <a:bodyPr/>
+                    <a:lstStyle/>
+                    <a:p>
+                      <a:pPr marL="0" algn="ctr" defTabSz="685800" rtl="0" eaLnBrk="1" latinLnBrk="0" hangingPunct="1"/>
+                      <a:r>
+                        <a:rPr lang="en-US" altLang="zh-CN" sz="1100" b="1" kern="1200" dirty="0" err="1" smtClean="0">
+                          <a:solidFill>
+                            <a:schemeClr val="dk1"/>
+                          </a:solidFill>
+                          <a:latin typeface="微软雅黑" panose="020B0503020204020204" pitchFamily="34" charset="-122"/>
+                          <a:ea typeface="微软雅黑" panose="020B0503020204020204" pitchFamily="34" charset="-122"/>
+                          <a:cs typeface="+mn-cs"/>
+                        </a:rPr>
+                        <a:t>LuPing</a:t>
+                      </a:r>
+                      <a:r>
+                        <a:rPr lang="en-US" altLang="zh-CN" sz="1100" b="1" kern="1200" dirty="0" smtClean="0">
+                          <a:solidFill>
+                            <a:schemeClr val="dk1"/>
+                          </a:solidFill>
+                          <a:latin typeface="微软雅黑" panose="020B0503020204020204" pitchFamily="34" charset="-122"/>
+                          <a:ea typeface="微软雅黑" panose="020B0503020204020204" pitchFamily="34" charset="-122"/>
+                          <a:cs typeface="+mn-cs"/>
+                        </a:rPr>
+                        <a:t> Du(</a:t>
+                      </a:r>
+                      <a:r>
+                        <a:rPr lang="zh-CN" altLang="en-US" sz="1100" b="1" kern="1200" dirty="0" smtClean="0">
+                          <a:solidFill>
+                            <a:schemeClr val="dk1"/>
+                          </a:solidFill>
+                          <a:latin typeface="微软雅黑" panose="020B0503020204020204" pitchFamily="34" charset="-122"/>
+                          <a:ea typeface="微软雅黑" panose="020B0503020204020204" pitchFamily="34" charset="-122"/>
+                          <a:cs typeface="+mn-cs"/>
+                        </a:rPr>
+                        <a:t>杜路平）</a:t>
+                      </a:r>
+                      <a:endParaRPr lang="zh-CN" altLang="en-US" sz="1100" b="1" kern="1200" dirty="0">
+                        <a:solidFill>
+                          <a:schemeClr val="dk1"/>
+                        </a:solidFill>
+                        <a:latin typeface="微软雅黑" panose="020B0503020204020204" pitchFamily="34" charset="-122"/>
+                        <a:ea typeface="微软雅黑" panose="020B0503020204020204" pitchFamily="34" charset="-122"/>
+                        <a:cs typeface="+mn-cs"/>
+                      </a:endParaRPr>
+                    </a:p>
+                  </a:txBody>
+                  <a:tcPr marL="110604" marR="110604" marT="28714" marB="28714" anchor="ctr"/>
+                </a:tc>
+                <a:tc>
+                  <a:txBody>
+                    <a:bodyPr/>
+                    <a:lstStyle/>
+                    <a:p>
+                      <a:pPr marL="0" algn="ctr" defTabSz="685800" rtl="0" eaLnBrk="1" latinLnBrk="0" hangingPunct="1"/>
+                      <a:r>
+                        <a:rPr lang="en-US" altLang="zh-CN" sz="1100" b="1" kern="1200" dirty="0" smtClean="0">
+                          <a:solidFill>
+                            <a:schemeClr val="dk1"/>
+                          </a:solidFill>
+                          <a:latin typeface="微软雅黑" panose="020B0503020204020204" pitchFamily="34" charset="-122"/>
+                          <a:ea typeface="微软雅黑" panose="020B0503020204020204" pitchFamily="34" charset="-122"/>
+                          <a:cs typeface="+mn-cs"/>
+                        </a:rPr>
+                        <a:t>16:20-16:45</a:t>
+                      </a:r>
+                      <a:endParaRPr lang="zh-CN" altLang="en-US" sz="1100" b="1" kern="1200" dirty="0">
+                        <a:solidFill>
+                          <a:schemeClr val="dk1"/>
+                        </a:solidFill>
+                        <a:latin typeface="微软雅黑" panose="020B0503020204020204" pitchFamily="34" charset="-122"/>
+                        <a:ea typeface="微软雅黑" panose="020B0503020204020204" pitchFamily="34" charset="-122"/>
+                        <a:cs typeface="+mn-cs"/>
+                      </a:endParaRPr>
+                    </a:p>
+                  </a:txBody>
+                  <a:tcPr marL="110604" marR="110604" marT="28714" marB="28714" anchor="ctr"/>
+                </a:tc>
+                <a:tc>
+                  <a:txBody>
+                    <a:bodyPr/>
+                    <a:lstStyle/>
+                    <a:p>
+                      <a:pPr algn="ctr"/>
+                      <a:r>
+                        <a:rPr lang="en-US" altLang="en-US" sz="1100" b="1" kern="1200" dirty="0" err="1" smtClean="0">
+                          <a:solidFill>
+                            <a:schemeClr val="dk1"/>
+                          </a:solidFill>
+                          <a:latin typeface="微软雅黑" panose="020B0503020204020204" pitchFamily="34" charset="-122"/>
+                          <a:ea typeface="微软雅黑" panose="020B0503020204020204" pitchFamily="34" charset="-122"/>
+                          <a:cs typeface="+mn-cs"/>
+                        </a:rPr>
+                        <a:t>Metasurface</a:t>
+                      </a:r>
+                      <a:r>
+                        <a:rPr lang="en-US" altLang="en-US" sz="1100" b="1" kern="1200" dirty="0" smtClean="0">
+                          <a:solidFill>
+                            <a:schemeClr val="dk1"/>
+                          </a:solidFill>
+                          <a:latin typeface="微软雅黑" panose="020B0503020204020204" pitchFamily="34" charset="-122"/>
+                          <a:ea typeface="微软雅黑" panose="020B0503020204020204" pitchFamily="34" charset="-122"/>
+                          <a:cs typeface="+mn-cs"/>
+                        </a:rPr>
+                        <a:t>-assisted </a:t>
+                      </a:r>
+                      <a:r>
+                        <a:rPr lang="en-US" altLang="en-US" sz="1100" b="1" kern="1200" dirty="0" err="1" smtClean="0">
+                          <a:solidFill>
+                            <a:schemeClr val="dk1"/>
+                          </a:solidFill>
+                          <a:latin typeface="微软雅黑" panose="020B0503020204020204" pitchFamily="34" charset="-122"/>
+                          <a:ea typeface="微软雅黑" panose="020B0503020204020204" pitchFamily="34" charset="-122"/>
+                          <a:cs typeface="+mn-cs"/>
+                        </a:rPr>
+                        <a:t>plasmonic</a:t>
+                      </a:r>
+                      <a:r>
+                        <a:rPr lang="en-US" altLang="en-US" sz="1100" b="1" kern="1200" dirty="0" smtClean="0">
+                          <a:solidFill>
+                            <a:schemeClr val="dk1"/>
+                          </a:solidFill>
+                          <a:latin typeface="微软雅黑" panose="020B0503020204020204" pitchFamily="34" charset="-122"/>
+                          <a:ea typeface="微软雅黑" panose="020B0503020204020204" pitchFamily="34" charset="-122"/>
+                          <a:cs typeface="+mn-cs"/>
+                        </a:rPr>
+                        <a:t> </a:t>
+                      </a:r>
+                      <a:r>
+                        <a:rPr lang="en-US" altLang="en-US" sz="1100" b="1" kern="1200" dirty="0" err="1" smtClean="0">
+                          <a:solidFill>
+                            <a:schemeClr val="dk1"/>
+                          </a:solidFill>
+                          <a:latin typeface="微软雅黑" panose="020B0503020204020204" pitchFamily="34" charset="-122"/>
+                          <a:ea typeface="微软雅黑" panose="020B0503020204020204" pitchFamily="34" charset="-122"/>
+                          <a:cs typeface="+mn-cs"/>
+                        </a:rPr>
+                        <a:t>wavefront</a:t>
+                      </a:r>
+                      <a:r>
+                        <a:rPr lang="en-US" altLang="en-US" sz="1100" b="1" kern="1200" dirty="0" smtClean="0">
+                          <a:solidFill>
+                            <a:schemeClr val="dk1"/>
+                          </a:solidFill>
+                          <a:latin typeface="微软雅黑" panose="020B0503020204020204" pitchFamily="34" charset="-122"/>
+                          <a:ea typeface="微软雅黑" panose="020B0503020204020204" pitchFamily="34" charset="-122"/>
+                          <a:cs typeface="+mn-cs"/>
+                        </a:rPr>
+                        <a:t> modulation with incident polarization </a:t>
+                      </a:r>
+                      <a:endParaRPr lang="zh-CN" altLang="en-US" sz="1100" b="1" kern="1200" dirty="0">
+                        <a:solidFill>
+                          <a:schemeClr val="dk1"/>
+                        </a:solidFill>
+                        <a:latin typeface="微软雅黑" panose="020B0503020204020204" pitchFamily="34" charset="-122"/>
+                        <a:ea typeface="微软雅黑" panose="020B0503020204020204" pitchFamily="34" charset="-122"/>
+                        <a:cs typeface="+mn-cs"/>
+                      </a:endParaRPr>
+                    </a:p>
+                  </a:txBody>
+                  <a:tcPr marL="110604" marR="110604" marT="28714" marB="28714" anchor="ctr"/>
+                </a:tc>
+                <a:extLst>
+                  <a:ext uri="{0D108BD9-81ED-4DB2-BD59-A6C34878D82A}">
+                    <a16:rowId xmlns="" xmlns:a16="http://schemas.microsoft.com/office/drawing/2014/main" val="10004"/>
+                  </a:ext>
+                </a:extLst>
+              </a:tr>
+              <a:tr h="291582">
+                <a:tc>
+                  <a:txBody>
+                    <a:bodyPr/>
+                    <a:lstStyle/>
+                    <a:p>
+                      <a:pPr marL="0" algn="ctr" defTabSz="685800" rtl="0" eaLnBrk="1" latinLnBrk="0" hangingPunct="1"/>
+                      <a:r>
+                        <a:rPr lang="en-US" altLang="zh-CN" sz="1100" b="1" kern="1200" dirty="0" err="1" smtClean="0">
+                          <a:solidFill>
+                            <a:schemeClr val="dk1"/>
+                          </a:solidFill>
+                          <a:latin typeface="微软雅黑" panose="020B0503020204020204" pitchFamily="34" charset="-122"/>
+                          <a:ea typeface="微软雅黑" panose="020B0503020204020204" pitchFamily="34" charset="-122"/>
+                          <a:cs typeface="+mn-cs"/>
+                        </a:rPr>
+                        <a:t>GuiXin</a:t>
+                      </a:r>
+                      <a:r>
+                        <a:rPr lang="en-US" altLang="zh-CN" sz="1100" b="1" kern="1200" dirty="0" smtClean="0">
+                          <a:solidFill>
+                            <a:schemeClr val="dk1"/>
+                          </a:solidFill>
+                          <a:latin typeface="微软雅黑" panose="020B0503020204020204" pitchFamily="34" charset="-122"/>
+                          <a:ea typeface="微软雅黑" panose="020B0503020204020204" pitchFamily="34" charset="-122"/>
+                          <a:cs typeface="+mn-cs"/>
+                        </a:rPr>
+                        <a:t>  Li (</a:t>
+                      </a:r>
+                      <a:r>
+                        <a:rPr lang="zh-CN" altLang="en-US" sz="1100" b="1" kern="1200" dirty="0" smtClean="0">
+                          <a:solidFill>
+                            <a:schemeClr val="dk1"/>
+                          </a:solidFill>
+                          <a:latin typeface="微软雅黑" panose="020B0503020204020204" pitchFamily="34" charset="-122"/>
+                          <a:ea typeface="微软雅黑" panose="020B0503020204020204" pitchFamily="34" charset="-122"/>
+                          <a:cs typeface="+mn-cs"/>
+                        </a:rPr>
+                        <a:t>李贵新</a:t>
+                      </a:r>
+                      <a:r>
+                        <a:rPr lang="en-US" altLang="zh-CN" sz="1100" b="1" kern="1200" dirty="0" smtClean="0">
+                          <a:solidFill>
+                            <a:schemeClr val="dk1"/>
+                          </a:solidFill>
+                          <a:latin typeface="微软雅黑" panose="020B0503020204020204" pitchFamily="34" charset="-122"/>
+                          <a:ea typeface="微软雅黑" panose="020B0503020204020204" pitchFamily="34" charset="-122"/>
+                          <a:cs typeface="+mn-cs"/>
+                        </a:rPr>
+                        <a:t>)</a:t>
+                      </a:r>
+                    </a:p>
+                  </a:txBody>
+                  <a:tcPr marL="110604" marR="110604" marT="28714" marB="28714" anchor="ctr"/>
+                </a:tc>
+                <a:tc>
+                  <a:txBody>
+                    <a:bodyPr/>
+                    <a:lstStyle/>
+                    <a:p>
+                      <a:pPr marL="0" algn="ctr" defTabSz="685800" rtl="0" eaLnBrk="1" latinLnBrk="0" hangingPunct="1"/>
+                      <a:r>
+                        <a:rPr lang="en-US" altLang="zh-CN" sz="1100" b="1" kern="1200" dirty="0" smtClean="0">
+                          <a:solidFill>
+                            <a:schemeClr val="dk1"/>
+                          </a:solidFill>
+                          <a:latin typeface="微软雅黑" panose="020B0503020204020204" pitchFamily="34" charset="-122"/>
+                          <a:ea typeface="微软雅黑" panose="020B0503020204020204" pitchFamily="34" charset="-122"/>
+                          <a:cs typeface="+mn-cs"/>
+                        </a:rPr>
+                        <a:t>16:45-17:10</a:t>
+                      </a:r>
+                      <a:endParaRPr lang="zh-CN" altLang="en-US" sz="1100" b="1" kern="1200" dirty="0">
+                        <a:solidFill>
+                          <a:schemeClr val="dk1"/>
+                        </a:solidFill>
+                        <a:latin typeface="微软雅黑" panose="020B0503020204020204" pitchFamily="34" charset="-122"/>
+                        <a:ea typeface="微软雅黑" panose="020B0503020204020204" pitchFamily="34" charset="-122"/>
+                        <a:cs typeface="+mn-cs"/>
+                      </a:endParaRPr>
+                    </a:p>
+                  </a:txBody>
+                  <a:tcPr marL="110604" marR="110604" marT="28714" marB="28714" anchor="ctr"/>
+                </a:tc>
+                <a:tc>
+                  <a:txBody>
+                    <a:bodyPr/>
+                    <a:lstStyle/>
+                    <a:p>
+                      <a:pPr marL="0" algn="ctr" defTabSz="685800" rtl="0" eaLnBrk="1" latinLnBrk="0" hangingPunct="1"/>
+                      <a:r>
+                        <a:rPr lang="en-US" altLang="zh-CN" sz="1100" b="1" kern="1200" dirty="0" smtClean="0">
+                          <a:solidFill>
+                            <a:schemeClr val="dk1"/>
+                          </a:solidFill>
+                          <a:latin typeface="微软雅黑" panose="020B0503020204020204" pitchFamily="34" charset="-122"/>
+                          <a:ea typeface="微软雅黑" panose="020B0503020204020204" pitchFamily="34" charset="-122"/>
+                          <a:cs typeface="+mn-cs"/>
+                        </a:rPr>
+                        <a:t>Nonlinear Photonic </a:t>
+                      </a:r>
+                      <a:r>
+                        <a:rPr lang="en-US" altLang="zh-CN" sz="1100" b="1" kern="1200" dirty="0" err="1" smtClean="0">
+                          <a:solidFill>
+                            <a:schemeClr val="dk1"/>
+                          </a:solidFill>
+                          <a:latin typeface="微软雅黑" panose="020B0503020204020204" pitchFamily="34" charset="-122"/>
+                          <a:ea typeface="微软雅黑" panose="020B0503020204020204" pitchFamily="34" charset="-122"/>
+                          <a:cs typeface="+mn-cs"/>
+                        </a:rPr>
+                        <a:t>Metasurfaces</a:t>
+                      </a:r>
+                      <a:endParaRPr lang="zh-CN" altLang="en-US" sz="1100" b="1" kern="1200" dirty="0">
+                        <a:solidFill>
+                          <a:schemeClr val="dk1"/>
+                        </a:solidFill>
+                        <a:latin typeface="微软雅黑" panose="020B0503020204020204" pitchFamily="34" charset="-122"/>
+                        <a:ea typeface="微软雅黑" panose="020B0503020204020204" pitchFamily="34" charset="-122"/>
+                        <a:cs typeface="+mn-cs"/>
+                      </a:endParaRPr>
+                    </a:p>
+                  </a:txBody>
+                  <a:tcPr marL="110604" marR="110604" marT="28714" marB="28714" anchor="ctr"/>
+                </a:tc>
+                <a:extLst>
+                  <a:ext uri="{0D108BD9-81ED-4DB2-BD59-A6C34878D82A}">
+                    <a16:rowId xmlns="" xmlns:a16="http://schemas.microsoft.com/office/drawing/2014/main" val="10005"/>
+                  </a:ext>
+                </a:extLst>
+              </a:tr>
+            </a:tbl>
+          </a:graphicData>
+        </a:graphic>
+      </p:graphicFrame>
+      <p:sp>
+        <p:nvSpPr>
+          <p:cNvPr id="13" name="文本框 12"/>
+          <p:cNvSpPr txBox="1"/>
+          <p:nvPr/>
+        </p:nvSpPr>
+        <p:spPr>
+          <a:xfrm>
+            <a:off x="222249" y="142852"/>
+            <a:ext cx="8921751" cy="1569660"/>
+          </a:xfrm>
+          <a:prstGeom prst="rect">
+            <a:avLst/>
+          </a:prstGeom>
+          <a:solidFill>
+            <a:srgbClr val="215CC1"/>
+          </a:solidFill>
+        </p:spPr>
+        <p:txBody>
+          <a:bodyPr wrap="square" rtlCol="0">
+            <a:spAutoFit/>
+          </a:bodyPr>
+          <a:lstStyle/>
+          <a:p>
+            <a:r>
+              <a:rPr lang="en-US" altLang="zh-CN" sz="2175" b="1" dirty="0" smtClean="0">
+                <a:solidFill>
+                  <a:schemeClr val="bg1"/>
+                </a:solidFill>
+                <a:latin typeface="华文行楷" panose="02010800040101010101" pitchFamily="2" charset="-122"/>
+                <a:ea typeface="华文行楷" panose="02010800040101010101" pitchFamily="2" charset="-122"/>
+              </a:rPr>
+              <a:t>2018 </a:t>
+            </a:r>
+            <a:r>
+              <a:rPr lang="zh-CN" altLang="en-US" sz="2175" b="1" dirty="0" smtClean="0">
+                <a:solidFill>
+                  <a:schemeClr val="bg1"/>
+                </a:solidFill>
+                <a:latin typeface="华文行楷" panose="02010800040101010101" pitchFamily="2" charset="-122"/>
+                <a:ea typeface="华文行楷" panose="02010800040101010101" pitchFamily="2" charset="-122"/>
+              </a:rPr>
+              <a:t>南方科技大学</a:t>
+            </a:r>
+            <a:r>
+              <a:rPr lang="zh-CN" altLang="en-US" sz="2400" b="1" dirty="0" smtClean="0">
+                <a:ln w="10160">
+                  <a:solidFill>
+                    <a:schemeClr val="accent1">
+                      <a:lumMod val="60000"/>
+                      <a:lumOff val="40000"/>
+                    </a:schemeClr>
+                  </a:solidFill>
+                  <a:prstDash val="solid"/>
+                </a:ln>
+                <a:solidFill>
+                  <a:schemeClr val="bg1"/>
+                </a:solidFill>
+                <a:effectLst>
+                  <a:outerShdw blurRad="38100" dist="22860" dir="5400000" algn="tl" rotWithShape="0">
+                    <a:srgbClr val="000000">
+                      <a:alpha val="30000"/>
+                    </a:srgbClr>
+                  </a:outerShdw>
+                </a:effectLst>
+                <a:latin typeface="楷体" panose="02010609060101010101" pitchFamily="49" charset="-122"/>
+                <a:ea typeface="楷体" panose="02010609060101010101" pitchFamily="49" charset="-122"/>
+                <a:sym typeface="+mn-ea"/>
+              </a:rPr>
+              <a:t>“</a:t>
+            </a:r>
+            <a:r>
+              <a:rPr lang="zh-CN" altLang="en-US" sz="2175" b="1" dirty="0" smtClean="0">
+                <a:solidFill>
+                  <a:schemeClr val="bg1"/>
+                </a:solidFill>
+                <a:latin typeface="华文行楷" panose="02010800040101010101" pitchFamily="2" charset="-122"/>
+                <a:ea typeface="华文行楷" panose="02010800040101010101" pitchFamily="2" charset="-122"/>
+                <a:sym typeface="+mn-ea"/>
+              </a:rPr>
+              <a:t>大湾区超构材料与微纳光学”专题研讨会</a:t>
+            </a:r>
+            <a:endParaRPr lang="en-US" altLang="zh-CN" sz="2175" b="1" dirty="0" smtClean="0">
+              <a:solidFill>
+                <a:schemeClr val="bg1"/>
+              </a:solidFill>
+              <a:latin typeface="华文行楷" panose="02010800040101010101" pitchFamily="2" charset="-122"/>
+              <a:ea typeface="华文行楷" panose="02010800040101010101" pitchFamily="2" charset="-122"/>
+              <a:sym typeface="+mn-ea"/>
+            </a:endParaRPr>
+          </a:p>
+          <a:p>
+            <a:r>
+              <a:rPr lang="en-US" sz="2400" b="1" dirty="0" smtClean="0"/>
+              <a:t>Advanced Photonics Conference: Greater Bay Area Symposium for Wave Functional Materials  </a:t>
+            </a:r>
+            <a:endParaRPr lang="zh-CN" altLang="zh-CN" sz="2175" b="1" dirty="0" smtClean="0">
+              <a:solidFill>
+                <a:schemeClr val="bg1"/>
+              </a:solidFill>
+              <a:ea typeface="华文行楷" panose="02010800040101010101" pitchFamily="2" charset="-122"/>
+            </a:endParaRPr>
+          </a:p>
+          <a:p>
+            <a:r>
+              <a:rPr lang="en-US" sz="2400" b="1" dirty="0" smtClean="0"/>
+              <a:t> </a:t>
+            </a:r>
+            <a:endParaRPr lang="zh-CN" altLang="zh-CN" sz="2175" b="1" dirty="0">
+              <a:solidFill>
+                <a:schemeClr val="bg1"/>
+              </a:solidFill>
+              <a:ea typeface="华文行楷" panose="02010800040101010101" pitchFamily="2" charset="-122"/>
+            </a:endParaRPr>
+          </a:p>
+        </p:txBody>
+      </p:sp>
+      <p:sp>
+        <p:nvSpPr>
+          <p:cNvPr id="14" name="文本框 13"/>
+          <p:cNvSpPr txBox="1"/>
+          <p:nvPr/>
+        </p:nvSpPr>
+        <p:spPr>
+          <a:xfrm>
+            <a:off x="928662" y="1785926"/>
+            <a:ext cx="6670780" cy="581249"/>
+          </a:xfrm>
+          <a:prstGeom prst="rect">
+            <a:avLst/>
+          </a:prstGeom>
+          <a:noFill/>
+        </p:spPr>
+        <p:txBody>
+          <a:bodyPr wrap="square" rtlCol="0">
+            <a:spAutoFit/>
+          </a:bodyPr>
+          <a:lstStyle/>
+          <a:p>
+            <a:pPr algn="ctr"/>
+            <a:r>
+              <a:rPr lang="en-US" altLang="zh-CN" sz="1000" b="1" dirty="0">
+                <a:latin typeface="微软雅黑" panose="020B0503020204020204" pitchFamily="34" charset="-122"/>
+                <a:ea typeface="微软雅黑" panose="020B0503020204020204" pitchFamily="34" charset="-122"/>
+              </a:rPr>
+              <a:t>Conference Program in </a:t>
+            </a:r>
+            <a:r>
+              <a:rPr lang="en-US" altLang="zh-CN" sz="1000" b="1" dirty="0" smtClean="0">
+                <a:latin typeface="+mn-ea"/>
+              </a:rPr>
+              <a:t>3</a:t>
+            </a:r>
+            <a:r>
+              <a:rPr lang="en-US" altLang="zh-CN" sz="1000" b="1" baseline="30000" dirty="0" smtClean="0">
+                <a:latin typeface="+mn-ea"/>
+              </a:rPr>
+              <a:t>nd</a:t>
+            </a:r>
+            <a:r>
+              <a:rPr lang="en-US" altLang="zh-CN" sz="1000" b="1" dirty="0" smtClean="0">
+                <a:latin typeface="+mn-ea"/>
+              </a:rPr>
+              <a:t>June</a:t>
+            </a:r>
+            <a:r>
+              <a:rPr lang="en-US" altLang="zh-CN" sz="1000" b="1" dirty="0" smtClean="0">
+                <a:latin typeface="+mj-ea"/>
+              </a:rPr>
+              <a:t> </a:t>
+            </a:r>
+            <a:r>
+              <a:rPr lang="en-US" altLang="zh-CN" sz="1000" b="1" dirty="0">
+                <a:latin typeface="+mj-ea"/>
+              </a:rPr>
+              <a:t>2018</a:t>
+            </a:r>
+            <a:endParaRPr lang="zh-CN" altLang="en-US" sz="1000" b="1" dirty="0">
+              <a:latin typeface="+mj-ea"/>
+            </a:endParaRPr>
+          </a:p>
+          <a:p>
+            <a:pPr algn="ctr"/>
+            <a:endParaRPr lang="zh-CN" altLang="en-US" sz="2175" dirty="0">
+              <a:latin typeface="微软雅黑" panose="020B0503020204020204" pitchFamily="34" charset="-122"/>
+              <a:ea typeface="微软雅黑" panose="020B0503020204020204" pitchFamily="34" charset="-122"/>
+            </a:endParaRPr>
+          </a:p>
+        </p:txBody>
+      </p:sp>
+    </p:spTree>
+    <p:extLst>
+      <p:ext uri="{BB962C8B-B14F-4D97-AF65-F5344CB8AC3E}">
+        <p14:creationId xmlns:p14="http://schemas.microsoft.com/office/powerpoint/2010/main" val="4129125628"/>
+      </p:ext>
+    </p:extLst>
+  </p:cSld>
+  <p:clrMapOvr>
+    <a:masterClrMapping/>
+  </p:clrMapOvr>
+</p:sld>
+</file>
+
 <file path=ppt/slides/slide2.xml><?xml version="1.0" encoding="utf-8"?>
 <p:sld xmlns:a="http://schemas.openxmlformats.org/drawingml/2006/main" xmlns:r="http://schemas.openxmlformats.org/officeDocument/2006/relationships" xmlns:p="http://schemas.openxmlformats.org/presentationml/2006/main">
   <p:cSld>
@@ -22226,14 +25565,6 @@
                         </a:rPr>
                         <a:t>Elastic metasurfaces</a:t>
                       </a:r>
-                      <a:endParaRPr lang="en-US" altLang="zh-CN" sz="1100" b="1" kern="1200" dirty="0" smtClean="0">
-                        <a:solidFill>
-                          <a:schemeClr val="dk1"/>
-                        </a:solidFill>
-                        <a:latin typeface="微软雅黑" panose="020B0503020204020204" pitchFamily="34" charset="-122"/>
-                        <a:ea typeface="微软雅黑" panose="020B0503020204020204" pitchFamily="34" charset="-122"/>
-                        <a:cs typeface="+mn-cs"/>
-                      </a:endParaRPr>
                     </a:p>
                   </a:txBody>
                   <a:tcPr marL="110604" marR="110604" marT="28714" marB="28714" anchor="ctr"/>
@@ -22543,6 +25874,3869 @@
     <p:extLst>
       <p:ext uri="{BB962C8B-B14F-4D97-AF65-F5344CB8AC3E}">
         <p14:creationId xmlns:p14="http://schemas.microsoft.com/office/powerpoint/2010/main" val="934251523"/>
+      </p:ext>
+    </p:extLst>
+  </p:cSld>
+  <p:clrMapOvr>
+    <a:masterClrMapping/>
+  </p:clrMapOvr>
+  <p:timing>
+    <p:tnLst>
+      <p:par>
+        <p:cTn id="1" dur="indefinite" restart="never" nodeType="tmRoot"/>
+      </p:par>
+    </p:tnLst>
+  </p:timing>
+</p:sld>
+</file>
+
+<file path=ppt/slides/slide7.xml><?xml version="1.0" encoding="utf-8"?>
+<p:sld xmlns:a="http://schemas.openxmlformats.org/drawingml/2006/main" xmlns:r="http://schemas.openxmlformats.org/officeDocument/2006/relationships" xmlns:p="http://schemas.openxmlformats.org/presentationml/2006/main">
+  <p:cSld>
+    <p:spTree>
+      <p:nvGrpSpPr>
+        <p:cNvPr id="1" name=""/>
+        <p:cNvGrpSpPr/>
+        <p:nvPr/>
+      </p:nvGrpSpPr>
+      <p:grpSpPr>
+        <a:xfrm>
+          <a:off x="0" y="0"/>
+          <a:ext cx="0" cy="0"/>
+          <a:chOff x="0" y="0"/>
+          <a:chExt cx="0" cy="0"/>
+        </a:xfrm>
+      </p:grpSpPr>
+      <p:sp>
+        <p:nvSpPr>
+          <p:cNvPr id="2" name="内容占位符 1"/>
+          <p:cNvSpPr>
+            <a:spLocks noGrp="1"/>
+          </p:cNvSpPr>
+          <p:nvPr>
+            <p:ph idx="1"/>
+          </p:nvPr>
+        </p:nvSpPr>
+        <p:spPr/>
+        <p:txBody>
+          <a:bodyPr/>
+          <a:lstStyle/>
+          <a:p>
+            <a:endParaRPr lang="zh-CN" altLang="en-US"/>
+          </a:p>
+        </p:txBody>
+      </p:sp>
+      <p:sp>
+        <p:nvSpPr>
+          <p:cNvPr id="3" name="标题 2"/>
+          <p:cNvSpPr>
+            <a:spLocks noGrp="1"/>
+          </p:cNvSpPr>
+          <p:nvPr>
+            <p:ph type="title"/>
+          </p:nvPr>
+        </p:nvSpPr>
+        <p:spPr/>
+        <p:txBody>
+          <a:bodyPr/>
+          <a:lstStyle/>
+          <a:p>
+            <a:endParaRPr lang="zh-CN" altLang="en-US"/>
+          </a:p>
+        </p:txBody>
+      </p:sp>
+    </p:spTree>
+    <p:extLst>
+      <p:ext uri="{BB962C8B-B14F-4D97-AF65-F5344CB8AC3E}">
+        <p14:creationId xmlns:p14="http://schemas.microsoft.com/office/powerpoint/2010/main" val="2777090927"/>
+      </p:ext>
+    </p:extLst>
+  </p:cSld>
+  <p:clrMapOvr>
+    <a:masterClrMapping/>
+  </p:clrMapOvr>
+</p:sld>
+</file>
+
+<file path=ppt/slides/slide8.xml><?xml version="1.0" encoding="utf-8"?>
+<p:sld xmlns:a="http://schemas.openxmlformats.org/drawingml/2006/main" xmlns:r="http://schemas.openxmlformats.org/officeDocument/2006/relationships" xmlns:p="http://schemas.openxmlformats.org/presentationml/2006/main">
+  <p:cSld>
+    <p:spTree>
+      <p:nvGrpSpPr>
+        <p:cNvPr id="1" name=""/>
+        <p:cNvGrpSpPr/>
+        <p:nvPr/>
+      </p:nvGrpSpPr>
+      <p:grpSpPr>
+        <a:xfrm>
+          <a:off x="0" y="0"/>
+          <a:ext cx="0" cy="0"/>
+          <a:chOff x="0" y="0"/>
+          <a:chExt cx="0" cy="0"/>
+        </a:xfrm>
+      </p:grpSpPr>
+      <p:sp>
+        <p:nvSpPr>
+          <p:cNvPr id="12" name="矩形 11"/>
+          <p:cNvSpPr/>
+          <p:nvPr/>
+        </p:nvSpPr>
+        <p:spPr>
+          <a:xfrm>
+            <a:off x="0" y="329897"/>
+            <a:ext cx="9144000" cy="5908677"/>
+          </a:xfrm>
+          <a:prstGeom prst="rect">
+            <a:avLst/>
+          </a:prstGeom>
+          <a:gradFill>
+            <a:gsLst>
+              <a:gs pos="28000">
+                <a:schemeClr val="bg1"/>
+              </a:gs>
+              <a:gs pos="0">
+                <a:schemeClr val="accent1">
+                  <a:lumMod val="5000"/>
+                  <a:lumOff val="95000"/>
+                </a:schemeClr>
+              </a:gs>
+              <a:gs pos="100000">
+                <a:srgbClr val="8FB2EF"/>
+              </a:gs>
+            </a:gsLst>
+            <a:lin ang="5400000" scaled="1"/>
+          </a:gradFill>
+          <a:ln>
+            <a:noFill/>
+          </a:ln>
+        </p:spPr>
+        <p:style>
+          <a:lnRef idx="2">
+            <a:schemeClr val="accent1">
+              <a:shade val="50000"/>
+            </a:schemeClr>
+          </a:lnRef>
+          <a:fillRef idx="1">
+            <a:schemeClr val="accent1"/>
+          </a:fillRef>
+          <a:effectRef idx="0">
+            <a:schemeClr val="accent1"/>
+          </a:effectRef>
+          <a:fontRef idx="minor">
+            <a:schemeClr val="lt1"/>
+          </a:fontRef>
+        </p:style>
+        <p:txBody>
+          <a:bodyPr rtlCol="0" anchor="ctr"/>
+          <a:lstStyle/>
+          <a:p>
+            <a:pPr algn="ctr"/>
+            <a:endParaRPr lang="zh-CN" altLang="en-US" sz="1500"/>
+          </a:p>
+        </p:txBody>
+      </p:sp>
+      <p:graphicFrame>
+        <p:nvGraphicFramePr>
+          <p:cNvPr id="8" name="表格 7"/>
+          <p:cNvGraphicFramePr>
+            <a:graphicFrameLocks noGrp="1"/>
+          </p:cNvGraphicFramePr>
+          <p:nvPr>
+            <p:extLst>
+              <p:ext uri="{D42A27DB-BD31-4B8C-83A1-F6EECF244321}">
+                <p14:modId xmlns:p14="http://schemas.microsoft.com/office/powerpoint/2010/main" val="1083846229"/>
+              </p:ext>
+            </p:extLst>
+          </p:nvPr>
+        </p:nvGraphicFramePr>
+        <p:xfrm>
+          <a:off x="336036" y="1790248"/>
+          <a:ext cx="8471928" cy="4759014"/>
+        </p:xfrm>
+        <a:graphic>
+          <a:graphicData uri="http://schemas.openxmlformats.org/drawingml/2006/table">
+            <a:tbl>
+              <a:tblPr firstRow="1" bandRow="1">
+                <a:tableStyleId>{5C22544A-7EE6-4342-B048-85BDC9FD1C3A}</a:tableStyleId>
+              </a:tblPr>
+              <a:tblGrid>
+                <a:gridCol w="2180823">
+                  <a:extLst>
+                    <a:ext uri="{9D8B030D-6E8A-4147-A177-3AD203B41FA5}">
+                      <a16:colId xmlns="" xmlns:a16="http://schemas.microsoft.com/office/drawing/2014/main" val="20000"/>
+                    </a:ext>
+                  </a:extLst>
+                </a:gridCol>
+                <a:gridCol w="1940417">
+                  <a:extLst>
+                    <a:ext uri="{9D8B030D-6E8A-4147-A177-3AD203B41FA5}">
+                      <a16:colId xmlns="" xmlns:a16="http://schemas.microsoft.com/office/drawing/2014/main" val="20001"/>
+                    </a:ext>
+                  </a:extLst>
+                </a:gridCol>
+                <a:gridCol w="4350688">
+                  <a:extLst>
+                    <a:ext uri="{9D8B030D-6E8A-4147-A177-3AD203B41FA5}">
+                      <a16:colId xmlns="" xmlns:a16="http://schemas.microsoft.com/office/drawing/2014/main" val="20002"/>
+                    </a:ext>
+                  </a:extLst>
+                </a:gridCol>
+              </a:tblGrid>
+              <a:tr h="291582">
+                <a:tc>
+                  <a:txBody>
+                    <a:bodyPr/>
+                    <a:lstStyle/>
+                    <a:p>
+                      <a:pPr algn="ctr"/>
+                      <a:r>
+                        <a:rPr lang="en-US" altLang="zh-CN" sz="1800" dirty="0"/>
+                        <a:t>Speaker</a:t>
+                      </a:r>
+                      <a:endParaRPr lang="zh-CN" altLang="en-US" sz="1800" dirty="0"/>
+                    </a:p>
+                  </a:txBody>
+                  <a:tcPr marL="110604" marR="110604" marT="28714" marB="28714" anchor="ctr"/>
+                </a:tc>
+                <a:tc>
+                  <a:txBody>
+                    <a:bodyPr/>
+                    <a:lstStyle/>
+                    <a:p>
+                      <a:pPr algn="ctr"/>
+                      <a:r>
+                        <a:rPr lang="en-US" altLang="zh-CN" sz="1800" dirty="0"/>
+                        <a:t>Time</a:t>
+                      </a:r>
+                      <a:endParaRPr lang="zh-CN" altLang="en-US" sz="1800" dirty="0"/>
+                    </a:p>
+                  </a:txBody>
+                  <a:tcPr marL="110604" marR="110604" marT="28714" marB="28714" anchor="ctr"/>
+                </a:tc>
+                <a:tc>
+                  <a:txBody>
+                    <a:bodyPr/>
+                    <a:lstStyle/>
+                    <a:p>
+                      <a:pPr algn="ctr"/>
+                      <a:r>
+                        <a:rPr lang="en-US" altLang="zh-CN" sz="1800" dirty="0"/>
+                        <a:t>Topic</a:t>
+                      </a:r>
+                      <a:endParaRPr lang="zh-CN" altLang="en-US" sz="1800" dirty="0"/>
+                    </a:p>
+                  </a:txBody>
+                  <a:tcPr marL="110604" marR="110604" marT="28714" marB="28714" anchor="ctr"/>
+                </a:tc>
+                <a:extLst>
+                  <a:ext uri="{0D108BD9-81ED-4DB2-BD59-A6C34878D82A}">
+                    <a16:rowId xmlns="" xmlns:a16="http://schemas.microsoft.com/office/drawing/2014/main" val="10000"/>
+                  </a:ext>
+                </a:extLst>
+              </a:tr>
+              <a:tr h="291582">
+                <a:tc>
+                  <a:txBody>
+                    <a:bodyPr/>
+                    <a:lstStyle/>
+                    <a:p>
+                      <a:pPr marL="0" marR="0" lvl="0" indent="0" algn="ctr" defTabSz="685800" rtl="0" eaLnBrk="1" fontAlgn="auto" latinLnBrk="0" hangingPunct="1">
+                        <a:lnSpc>
+                          <a:spcPct val="100000"/>
+                        </a:lnSpc>
+                        <a:spcBef>
+                          <a:spcPts val="0"/>
+                        </a:spcBef>
+                        <a:spcAft>
+                          <a:spcPts val="0"/>
+                        </a:spcAft>
+                        <a:buClrTx/>
+                        <a:buSzTx/>
+                        <a:buFontTx/>
+                        <a:buNone/>
+                        <a:defRPr/>
+                      </a:pPr>
+                      <a:endParaRPr lang="zh-CN" altLang="en-US" sz="1100" b="1" kern="1200" dirty="0" smtClean="0">
+                        <a:solidFill>
+                          <a:schemeClr val="dk1"/>
+                        </a:solidFill>
+                        <a:latin typeface="微软雅黑" panose="020B0503020204020204" pitchFamily="34" charset="-122"/>
+                        <a:ea typeface="微软雅黑" panose="020B0503020204020204" pitchFamily="34" charset="-122"/>
+                        <a:cs typeface="+mn-cs"/>
+                      </a:endParaRPr>
+                    </a:p>
+                  </a:txBody>
+                  <a:tcPr marL="110604" marR="110604" marT="28714" marB="28714" anchor="ctr"/>
+                </a:tc>
+                <a:tc>
+                  <a:txBody>
+                    <a:bodyPr/>
+                    <a:lstStyle/>
+                    <a:p>
+                      <a:pPr marL="0" marR="0" lvl="0" indent="0" algn="ctr" defTabSz="685800" rtl="0" eaLnBrk="1" fontAlgn="auto" latinLnBrk="0" hangingPunct="1">
+                        <a:lnSpc>
+                          <a:spcPct val="100000"/>
+                        </a:lnSpc>
+                        <a:spcBef>
+                          <a:spcPts val="0"/>
+                        </a:spcBef>
+                        <a:spcAft>
+                          <a:spcPts val="0"/>
+                        </a:spcAft>
+                        <a:buClrTx/>
+                        <a:buSzTx/>
+                        <a:buFontTx/>
+                        <a:buNone/>
+                        <a:defRPr/>
+                      </a:pPr>
+                      <a:r>
+                        <a:rPr lang="en-US" altLang="zh-CN" sz="1100" b="1" kern="1200" dirty="0" smtClean="0">
+                          <a:solidFill>
+                            <a:schemeClr val="dk1"/>
+                          </a:solidFill>
+                          <a:latin typeface="微软雅黑" panose="020B0503020204020204" pitchFamily="34" charset="-122"/>
+                          <a:ea typeface="微软雅黑" panose="020B0503020204020204" pitchFamily="34" charset="-122"/>
+                          <a:cs typeface="+mn-cs"/>
+                        </a:rPr>
+                        <a:t>08:30-08:50</a:t>
+                      </a:r>
+                      <a:endParaRPr lang="zh-CN" altLang="en-US" sz="1100" b="1" kern="1200" dirty="0">
+                        <a:solidFill>
+                          <a:schemeClr val="dk1"/>
+                        </a:solidFill>
+                        <a:latin typeface="微软雅黑" panose="020B0503020204020204" pitchFamily="34" charset="-122"/>
+                        <a:ea typeface="微软雅黑" panose="020B0503020204020204" pitchFamily="34" charset="-122"/>
+                        <a:cs typeface="+mn-cs"/>
+                      </a:endParaRPr>
+                    </a:p>
+                  </a:txBody>
+                  <a:tcPr marL="110604" marR="110604" marT="28714" marB="28714" anchor="ctr"/>
+                </a:tc>
+                <a:tc>
+                  <a:txBody>
+                    <a:bodyPr/>
+                    <a:lstStyle/>
+                    <a:p>
+                      <a:pPr marL="0" marR="0" lvl="0" indent="0" algn="ctr" defTabSz="685800" rtl="0" eaLnBrk="1" fontAlgn="auto" latinLnBrk="0" hangingPunct="1">
+                        <a:lnSpc>
+                          <a:spcPct val="100000"/>
+                        </a:lnSpc>
+                        <a:spcBef>
+                          <a:spcPts val="0"/>
+                        </a:spcBef>
+                        <a:spcAft>
+                          <a:spcPts val="0"/>
+                        </a:spcAft>
+                        <a:buClrTx/>
+                        <a:buSzTx/>
+                        <a:buFontTx/>
+                        <a:buNone/>
+                        <a:defRPr/>
+                      </a:pPr>
+                      <a:r>
+                        <a:rPr lang="en-US" altLang="zh-CN" sz="1100" b="1" kern="1200" dirty="0" smtClean="0">
+                          <a:solidFill>
+                            <a:schemeClr val="dk1"/>
+                          </a:solidFill>
+                          <a:latin typeface="微软雅黑" panose="020B0503020204020204" pitchFamily="34" charset="-122"/>
+                          <a:ea typeface="微软雅黑" panose="020B0503020204020204" pitchFamily="34" charset="-122"/>
+                          <a:cs typeface="+mn-cs"/>
+                        </a:rPr>
+                        <a:t>Opening ceremony</a:t>
+                      </a:r>
+                      <a:endParaRPr lang="zh-CN" altLang="en-US" sz="1100" b="1" kern="1200" dirty="0">
+                        <a:solidFill>
+                          <a:schemeClr val="dk1"/>
+                        </a:solidFill>
+                        <a:latin typeface="微软雅黑" panose="020B0503020204020204" pitchFamily="34" charset="-122"/>
+                        <a:ea typeface="微软雅黑" panose="020B0503020204020204" pitchFamily="34" charset="-122"/>
+                        <a:cs typeface="+mn-cs"/>
+                      </a:endParaRPr>
+                    </a:p>
+                  </a:txBody>
+                  <a:tcPr marL="110604" marR="110604" marT="28714" marB="28714" anchor="ctr"/>
+                </a:tc>
+                <a:extLst>
+                  <a:ext uri="{0D108BD9-81ED-4DB2-BD59-A6C34878D82A}">
+                    <a16:rowId xmlns="" xmlns:a16="http://schemas.microsoft.com/office/drawing/2014/main" val="10001"/>
+                  </a:ext>
+                </a:extLst>
+              </a:tr>
+              <a:tr h="331748">
+                <a:tc>
+                  <a:txBody>
+                    <a:bodyPr/>
+                    <a:lstStyle/>
+                    <a:p>
+                      <a:pPr marL="0" marR="0" lvl="0" indent="0" algn="ctr" defTabSz="685800" rtl="0" eaLnBrk="1" fontAlgn="auto" latinLnBrk="0" hangingPunct="1">
+                        <a:lnSpc>
+                          <a:spcPct val="100000"/>
+                        </a:lnSpc>
+                        <a:spcBef>
+                          <a:spcPts val="0"/>
+                        </a:spcBef>
+                        <a:spcAft>
+                          <a:spcPts val="0"/>
+                        </a:spcAft>
+                        <a:buClrTx/>
+                        <a:buSzTx/>
+                        <a:buFontTx/>
+                        <a:buNone/>
+                        <a:defRPr/>
+                      </a:pPr>
+                      <a:r>
+                        <a:rPr lang="en-US" altLang="zh-CN" sz="1100" b="1" kern="1200" dirty="0" err="1" smtClean="0">
+                          <a:solidFill>
+                            <a:schemeClr val="dk1"/>
+                          </a:solidFill>
+                          <a:latin typeface="微软雅黑" panose="020B0503020204020204" pitchFamily="34" charset="-122"/>
+                          <a:ea typeface="微软雅黑" panose="020B0503020204020204" pitchFamily="34" charset="-122"/>
+                          <a:cs typeface="+mn-cs"/>
+                        </a:rPr>
+                        <a:t>Che</a:t>
+                      </a:r>
+                      <a:r>
+                        <a:rPr lang="en-US" altLang="zh-CN" sz="1100" b="1" kern="1200" dirty="0" smtClean="0">
+                          <a:solidFill>
+                            <a:schemeClr val="dk1"/>
+                          </a:solidFill>
+                          <a:latin typeface="微软雅黑" panose="020B0503020204020204" pitchFamily="34" charset="-122"/>
+                          <a:ea typeface="微软雅黑" panose="020B0503020204020204" pitchFamily="34" charset="-122"/>
+                          <a:cs typeface="+mn-cs"/>
+                        </a:rPr>
+                        <a:t> Ting Chan(</a:t>
+                      </a:r>
+                      <a:r>
+                        <a:rPr lang="zh-CN" altLang="en-US" sz="1100" b="1" kern="1200" dirty="0" smtClean="0">
+                          <a:solidFill>
+                            <a:schemeClr val="dk1"/>
+                          </a:solidFill>
+                          <a:latin typeface="微软雅黑" panose="020B0503020204020204" pitchFamily="34" charset="-122"/>
+                          <a:ea typeface="微软雅黑" panose="020B0503020204020204" pitchFamily="34" charset="-122"/>
+                          <a:cs typeface="+mn-cs"/>
+                        </a:rPr>
+                        <a:t>陈子亭</a:t>
+                      </a:r>
+                      <a:r>
+                        <a:rPr lang="en-US" altLang="zh-CN" sz="1100" b="1" kern="1200" dirty="0" smtClean="0">
+                          <a:solidFill>
+                            <a:schemeClr val="dk1"/>
+                          </a:solidFill>
+                          <a:latin typeface="微软雅黑" panose="020B0503020204020204" pitchFamily="34" charset="-122"/>
+                          <a:ea typeface="微软雅黑" panose="020B0503020204020204" pitchFamily="34" charset="-122"/>
+                          <a:cs typeface="+mn-cs"/>
+                        </a:rPr>
+                        <a:t>)</a:t>
+                      </a:r>
+                      <a:endParaRPr lang="zh-CN" altLang="en-US" sz="1100" b="1" kern="1200" dirty="0" smtClean="0">
+                        <a:solidFill>
+                          <a:schemeClr val="dk1"/>
+                        </a:solidFill>
+                        <a:latin typeface="微软雅黑" panose="020B0503020204020204" pitchFamily="34" charset="-122"/>
+                        <a:ea typeface="微软雅黑" panose="020B0503020204020204" pitchFamily="34" charset="-122"/>
+                        <a:cs typeface="+mn-cs"/>
+                      </a:endParaRPr>
+                    </a:p>
+                  </a:txBody>
+                  <a:tcPr marL="110604" marR="110604" marT="28714" marB="28714" anchor="ctr"/>
+                </a:tc>
+                <a:tc>
+                  <a:txBody>
+                    <a:bodyPr/>
+                    <a:lstStyle/>
+                    <a:p>
+                      <a:pPr marL="0" marR="0" lvl="0" indent="0" algn="ctr" defTabSz="685800" rtl="0" eaLnBrk="1" fontAlgn="auto" latinLnBrk="0" hangingPunct="1">
+                        <a:lnSpc>
+                          <a:spcPct val="100000"/>
+                        </a:lnSpc>
+                        <a:spcBef>
+                          <a:spcPts val="0"/>
+                        </a:spcBef>
+                        <a:spcAft>
+                          <a:spcPts val="0"/>
+                        </a:spcAft>
+                        <a:buClrTx/>
+                        <a:buSzTx/>
+                        <a:buFontTx/>
+                        <a:buNone/>
+                        <a:defRPr/>
+                      </a:pPr>
+                      <a:r>
+                        <a:rPr lang="en-US" altLang="zh-CN" sz="1100" b="1" kern="1200" dirty="0" smtClean="0">
+                          <a:solidFill>
+                            <a:schemeClr val="dk1"/>
+                          </a:solidFill>
+                          <a:latin typeface="微软雅黑" panose="020B0503020204020204" pitchFamily="34" charset="-122"/>
+                          <a:ea typeface="微软雅黑" panose="020B0503020204020204" pitchFamily="34" charset="-122"/>
+                          <a:cs typeface="+mn-cs"/>
+                        </a:rPr>
+                        <a:t>08:50-09:15</a:t>
+                      </a:r>
+                      <a:endParaRPr lang="zh-CN" altLang="en-US" sz="1100" b="1" kern="1200" dirty="0">
+                        <a:solidFill>
+                          <a:schemeClr val="dk1"/>
+                        </a:solidFill>
+                        <a:latin typeface="微软雅黑" panose="020B0503020204020204" pitchFamily="34" charset="-122"/>
+                        <a:ea typeface="微软雅黑" panose="020B0503020204020204" pitchFamily="34" charset="-122"/>
+                        <a:cs typeface="+mn-cs"/>
+                      </a:endParaRPr>
+                    </a:p>
+                  </a:txBody>
+                  <a:tcPr marL="110604" marR="110604" marT="28714" marB="28714" anchor="ctr"/>
+                </a:tc>
+                <a:tc>
+                  <a:txBody>
+                    <a:bodyPr/>
+                    <a:lstStyle/>
+                    <a:p>
+                      <a:pPr marL="0" marR="0" lvl="0" indent="0" algn="ctr" defTabSz="685800" rtl="0" eaLnBrk="1" fontAlgn="auto" latinLnBrk="0" hangingPunct="1">
+                        <a:lnSpc>
+                          <a:spcPct val="100000"/>
+                        </a:lnSpc>
+                        <a:spcBef>
+                          <a:spcPts val="0"/>
+                        </a:spcBef>
+                        <a:spcAft>
+                          <a:spcPts val="0"/>
+                        </a:spcAft>
+                        <a:buClrTx/>
+                        <a:buSzTx/>
+                        <a:buFontTx/>
+                        <a:buNone/>
+                        <a:defRPr/>
+                      </a:pPr>
+                      <a:r>
+                        <a:rPr lang="en-US" altLang="zh-CN" sz="1100" b="1" kern="1200" dirty="0" smtClean="0">
+                          <a:solidFill>
+                            <a:schemeClr val="dk1"/>
+                          </a:solidFill>
+                          <a:latin typeface="微软雅黑" panose="020B0503020204020204" pitchFamily="34" charset="-122"/>
+                          <a:ea typeface="微软雅黑" panose="020B0503020204020204" pitchFamily="34" charset="-122"/>
+                          <a:cs typeface="+mn-cs"/>
+                        </a:rPr>
+                        <a:t>Some unusual effects enabled by photonic crystals</a:t>
+                      </a:r>
+                      <a:endParaRPr lang="zh-CN" altLang="en-US" sz="1100" b="1" kern="1200" dirty="0">
+                        <a:solidFill>
+                          <a:schemeClr val="dk1"/>
+                        </a:solidFill>
+                        <a:latin typeface="微软雅黑" panose="020B0503020204020204" pitchFamily="34" charset="-122"/>
+                        <a:ea typeface="微软雅黑" panose="020B0503020204020204" pitchFamily="34" charset="-122"/>
+                        <a:cs typeface="+mn-cs"/>
+                      </a:endParaRPr>
+                    </a:p>
+                  </a:txBody>
+                  <a:tcPr marL="110604" marR="110604" marT="28714" marB="28714" anchor="ctr"/>
+                </a:tc>
+                <a:extLst>
+                  <a:ext uri="{0D108BD9-81ED-4DB2-BD59-A6C34878D82A}">
+                    <a16:rowId xmlns="" xmlns:a16="http://schemas.microsoft.com/office/drawing/2014/main" val="10002"/>
+                  </a:ext>
+                </a:extLst>
+              </a:tr>
+              <a:tr h="331748">
+                <a:tc>
+                  <a:txBody>
+                    <a:bodyPr/>
+                    <a:lstStyle/>
+                    <a:p>
+                      <a:pPr marL="0" marR="0" lvl="0" indent="0" algn="ctr" defTabSz="685800" rtl="0" eaLnBrk="1" fontAlgn="auto" latinLnBrk="0" hangingPunct="1">
+                        <a:lnSpc>
+                          <a:spcPct val="100000"/>
+                        </a:lnSpc>
+                        <a:spcBef>
+                          <a:spcPts val="0"/>
+                        </a:spcBef>
+                        <a:spcAft>
+                          <a:spcPts val="0"/>
+                        </a:spcAft>
+                        <a:buClrTx/>
+                        <a:buSzTx/>
+                        <a:buFontTx/>
+                        <a:buNone/>
+                        <a:defRPr/>
+                      </a:pPr>
+                      <a:r>
+                        <a:rPr lang="en-US" altLang="zh-CN" sz="1100" b="1" kern="1200" dirty="0" err="1" smtClean="0">
+                          <a:solidFill>
+                            <a:schemeClr val="dk1"/>
+                          </a:solidFill>
+                          <a:latin typeface="微软雅黑" panose="020B0503020204020204" pitchFamily="34" charset="-122"/>
+                          <a:ea typeface="微软雅黑" panose="020B0503020204020204" pitchFamily="34" charset="-122"/>
+                          <a:cs typeface="+mn-cs"/>
+                        </a:rPr>
+                        <a:t>Xuehua</a:t>
+                      </a:r>
+                      <a:r>
+                        <a:rPr lang="en-US" altLang="zh-CN" sz="1100" b="1" kern="1200" dirty="0" smtClean="0">
+                          <a:solidFill>
+                            <a:schemeClr val="dk1"/>
+                          </a:solidFill>
+                          <a:latin typeface="微软雅黑" panose="020B0503020204020204" pitchFamily="34" charset="-122"/>
+                          <a:ea typeface="微软雅黑" panose="020B0503020204020204" pitchFamily="34" charset="-122"/>
+                          <a:cs typeface="+mn-cs"/>
+                        </a:rPr>
+                        <a:t> Wang (</a:t>
+                      </a:r>
+                      <a:r>
+                        <a:rPr lang="zh-CN" altLang="en-US" sz="1100" b="1" kern="1200" dirty="0" smtClean="0">
+                          <a:solidFill>
+                            <a:schemeClr val="dk1"/>
+                          </a:solidFill>
+                          <a:latin typeface="微软雅黑" panose="020B0503020204020204" pitchFamily="34" charset="-122"/>
+                          <a:ea typeface="微软雅黑" panose="020B0503020204020204" pitchFamily="34" charset="-122"/>
+                          <a:cs typeface="+mn-cs"/>
+                        </a:rPr>
+                        <a:t>王雪华</a:t>
+                      </a:r>
+                      <a:r>
+                        <a:rPr lang="en-US" altLang="zh-CN" sz="1100" b="1" kern="1200" dirty="0" smtClean="0">
+                          <a:solidFill>
+                            <a:schemeClr val="dk1"/>
+                          </a:solidFill>
+                          <a:latin typeface="微软雅黑" panose="020B0503020204020204" pitchFamily="34" charset="-122"/>
+                          <a:ea typeface="微软雅黑" panose="020B0503020204020204" pitchFamily="34" charset="-122"/>
+                          <a:cs typeface="+mn-cs"/>
+                        </a:rPr>
+                        <a:t>) </a:t>
+                      </a:r>
+                      <a:endParaRPr lang="zh-CN" altLang="en-US" sz="1100" b="1" kern="1200" dirty="0">
+                        <a:solidFill>
+                          <a:schemeClr val="dk1"/>
+                        </a:solidFill>
+                        <a:latin typeface="微软雅黑" panose="020B0503020204020204" pitchFamily="34" charset="-122"/>
+                        <a:ea typeface="微软雅黑" panose="020B0503020204020204" pitchFamily="34" charset="-122"/>
+                        <a:cs typeface="+mn-cs"/>
+                      </a:endParaRPr>
+                    </a:p>
+                  </a:txBody>
+                  <a:tcPr marL="110604" marR="110604" marT="28714" marB="28714" anchor="ctr"/>
+                </a:tc>
+                <a:tc>
+                  <a:txBody>
+                    <a:bodyPr/>
+                    <a:lstStyle/>
+                    <a:p>
+                      <a:pPr marL="0" marR="0" lvl="0" indent="0" algn="ctr" defTabSz="685800" rtl="0" eaLnBrk="1" fontAlgn="auto" latinLnBrk="0" hangingPunct="1">
+                        <a:lnSpc>
+                          <a:spcPct val="100000"/>
+                        </a:lnSpc>
+                        <a:spcBef>
+                          <a:spcPts val="0"/>
+                        </a:spcBef>
+                        <a:spcAft>
+                          <a:spcPts val="0"/>
+                        </a:spcAft>
+                        <a:buClrTx/>
+                        <a:buSzTx/>
+                        <a:buFontTx/>
+                        <a:buNone/>
+                        <a:defRPr/>
+                      </a:pPr>
+                      <a:r>
+                        <a:rPr lang="en-US" altLang="zh-CN" sz="1100" b="1" kern="1200" dirty="0" smtClean="0">
+                          <a:solidFill>
+                            <a:schemeClr val="dk1"/>
+                          </a:solidFill>
+                          <a:latin typeface="微软雅黑" panose="020B0503020204020204" pitchFamily="34" charset="-122"/>
+                          <a:ea typeface="微软雅黑" panose="020B0503020204020204" pitchFamily="34" charset="-122"/>
+                          <a:cs typeface="+mn-cs"/>
+                        </a:rPr>
+                        <a:t>09:15-09:40</a:t>
+                      </a:r>
+                      <a:endParaRPr lang="zh-CN" altLang="en-US" sz="1100" b="1" kern="1200" dirty="0">
+                        <a:solidFill>
+                          <a:schemeClr val="dk1"/>
+                        </a:solidFill>
+                        <a:latin typeface="微软雅黑" panose="020B0503020204020204" pitchFamily="34" charset="-122"/>
+                        <a:ea typeface="微软雅黑" panose="020B0503020204020204" pitchFamily="34" charset="-122"/>
+                        <a:cs typeface="+mn-cs"/>
+                      </a:endParaRPr>
+                    </a:p>
+                  </a:txBody>
+                  <a:tcPr marL="110604" marR="110604" marT="28714" marB="28714" anchor="ctr"/>
+                </a:tc>
+                <a:tc>
+                  <a:txBody>
+                    <a:bodyPr/>
+                    <a:lstStyle/>
+                    <a:p>
+                      <a:pPr marL="0" marR="0" lvl="0" indent="0" algn="ctr" defTabSz="685800" rtl="0" eaLnBrk="1" fontAlgn="auto" latinLnBrk="0" hangingPunct="1">
+                        <a:lnSpc>
+                          <a:spcPct val="100000"/>
+                        </a:lnSpc>
+                        <a:spcBef>
+                          <a:spcPts val="0"/>
+                        </a:spcBef>
+                        <a:spcAft>
+                          <a:spcPts val="0"/>
+                        </a:spcAft>
+                        <a:buClrTx/>
+                        <a:buSzTx/>
+                        <a:buFontTx/>
+                        <a:buNone/>
+                        <a:defRPr/>
+                      </a:pPr>
+                      <a:r>
+                        <a:rPr lang="zh-CN" altLang="en-US" sz="1100" b="1" kern="1200" dirty="0" smtClean="0">
+                          <a:solidFill>
+                            <a:schemeClr val="dk1"/>
+                          </a:solidFill>
+                          <a:latin typeface="微软雅黑" panose="020B0503020204020204" pitchFamily="34" charset="-122"/>
+                          <a:ea typeface="微软雅黑" panose="020B0503020204020204" pitchFamily="34" charset="-122"/>
+                          <a:cs typeface="+mn-cs"/>
+                        </a:rPr>
+                        <a:t>微纳结构中光与物质相互作用调控研究</a:t>
+                      </a:r>
+                      <a:endParaRPr lang="zh-CN" altLang="en-US" sz="1100" b="1" kern="1200" dirty="0">
+                        <a:solidFill>
+                          <a:schemeClr val="dk1"/>
+                        </a:solidFill>
+                        <a:latin typeface="微软雅黑" panose="020B0503020204020204" pitchFamily="34" charset="-122"/>
+                        <a:ea typeface="微软雅黑" panose="020B0503020204020204" pitchFamily="34" charset="-122"/>
+                        <a:cs typeface="+mn-cs"/>
+                      </a:endParaRPr>
+                    </a:p>
+                  </a:txBody>
+                  <a:tcPr marL="110604" marR="110604" marT="28714" marB="28714" anchor="ctr"/>
+                </a:tc>
+                <a:extLst>
+                  <a:ext uri="{0D108BD9-81ED-4DB2-BD59-A6C34878D82A}">
+                    <a16:rowId xmlns="" xmlns:a16="http://schemas.microsoft.com/office/drawing/2014/main" val="10003"/>
+                  </a:ext>
+                </a:extLst>
+              </a:tr>
+              <a:tr h="331748">
+                <a:tc>
+                  <a:txBody>
+                    <a:bodyPr/>
+                    <a:lstStyle/>
+                    <a:p>
+                      <a:pPr marL="0" marR="0" lvl="0" indent="0" algn="ctr" defTabSz="685800" rtl="0" eaLnBrk="1" fontAlgn="auto" latinLnBrk="0" hangingPunct="1">
+                        <a:lnSpc>
+                          <a:spcPct val="100000"/>
+                        </a:lnSpc>
+                        <a:spcBef>
+                          <a:spcPts val="0"/>
+                        </a:spcBef>
+                        <a:spcAft>
+                          <a:spcPts val="0"/>
+                        </a:spcAft>
+                        <a:buClrTx/>
+                        <a:buSzTx/>
+                        <a:buFontTx/>
+                        <a:buNone/>
+                        <a:defRPr/>
+                      </a:pPr>
+                      <a:r>
+                        <a:rPr lang="en-US" altLang="zh-CN" sz="1100" b="1" kern="1200" dirty="0" err="1" smtClean="0">
+                          <a:solidFill>
+                            <a:schemeClr val="dk1"/>
+                          </a:solidFill>
+                          <a:latin typeface="微软雅黑" panose="020B0503020204020204" pitchFamily="34" charset="-122"/>
+                          <a:ea typeface="微软雅黑" panose="020B0503020204020204" pitchFamily="34" charset="-122"/>
+                          <a:cs typeface="+mn-cs"/>
+                        </a:rPr>
+                        <a:t>GuoPing</a:t>
+                      </a:r>
+                      <a:r>
+                        <a:rPr lang="en-US" altLang="zh-CN" sz="1100" b="1" kern="1200" dirty="0" smtClean="0">
+                          <a:solidFill>
+                            <a:schemeClr val="dk1"/>
+                          </a:solidFill>
+                          <a:latin typeface="微软雅黑" panose="020B0503020204020204" pitchFamily="34" charset="-122"/>
+                          <a:ea typeface="微软雅黑" panose="020B0503020204020204" pitchFamily="34" charset="-122"/>
+                          <a:cs typeface="+mn-cs"/>
+                        </a:rPr>
+                        <a:t> Wang(</a:t>
+                      </a:r>
+                      <a:r>
+                        <a:rPr lang="zh-CN" altLang="en-US" sz="1100" b="1" kern="1200" dirty="0" smtClean="0">
+                          <a:solidFill>
+                            <a:schemeClr val="dk1"/>
+                          </a:solidFill>
+                          <a:latin typeface="微软雅黑" panose="020B0503020204020204" pitchFamily="34" charset="-122"/>
+                          <a:ea typeface="微软雅黑" panose="020B0503020204020204" pitchFamily="34" charset="-122"/>
+                          <a:cs typeface="+mn-cs"/>
+                        </a:rPr>
+                        <a:t>汪国平</a:t>
+                      </a:r>
+                      <a:r>
+                        <a:rPr lang="en-US" altLang="zh-CN" sz="1100" b="1" kern="1200" dirty="0" smtClean="0">
+                          <a:solidFill>
+                            <a:schemeClr val="dk1"/>
+                          </a:solidFill>
+                          <a:latin typeface="微软雅黑" panose="020B0503020204020204" pitchFamily="34" charset="-122"/>
+                          <a:ea typeface="微软雅黑" panose="020B0503020204020204" pitchFamily="34" charset="-122"/>
+                          <a:cs typeface="+mn-cs"/>
+                        </a:rPr>
+                        <a:t>)</a:t>
+                      </a:r>
+                    </a:p>
+                  </a:txBody>
+                  <a:tcPr marL="110604" marR="110604" marT="28714" marB="28714" anchor="ctr"/>
+                </a:tc>
+                <a:tc>
+                  <a:txBody>
+                    <a:bodyPr/>
+                    <a:lstStyle/>
+                    <a:p>
+                      <a:pPr marL="0" marR="0" lvl="0" indent="0" algn="ctr" defTabSz="685800" rtl="0" eaLnBrk="1" fontAlgn="auto" latinLnBrk="0" hangingPunct="1">
+                        <a:lnSpc>
+                          <a:spcPct val="100000"/>
+                        </a:lnSpc>
+                        <a:spcBef>
+                          <a:spcPts val="0"/>
+                        </a:spcBef>
+                        <a:spcAft>
+                          <a:spcPts val="0"/>
+                        </a:spcAft>
+                        <a:buClrTx/>
+                        <a:buSzTx/>
+                        <a:buFontTx/>
+                        <a:buNone/>
+                        <a:defRPr/>
+                      </a:pPr>
+                      <a:r>
+                        <a:rPr lang="en-US" altLang="zh-CN" sz="1100" b="1" kern="1200" dirty="0" smtClean="0">
+                          <a:solidFill>
+                            <a:schemeClr val="dk1"/>
+                          </a:solidFill>
+                          <a:latin typeface="微软雅黑" panose="020B0503020204020204" pitchFamily="34" charset="-122"/>
+                          <a:ea typeface="微软雅黑" panose="020B0503020204020204" pitchFamily="34" charset="-122"/>
+                          <a:cs typeface="+mn-cs"/>
+                        </a:rPr>
+                        <a:t>09:40-10:05</a:t>
+                      </a:r>
+                      <a:endParaRPr lang="zh-CN" altLang="en-US" sz="1100" b="1" kern="1200" dirty="0" smtClean="0">
+                        <a:solidFill>
+                          <a:schemeClr val="dk1"/>
+                        </a:solidFill>
+                        <a:latin typeface="微软雅黑" panose="020B0503020204020204" pitchFamily="34" charset="-122"/>
+                        <a:ea typeface="微软雅黑" panose="020B0503020204020204" pitchFamily="34" charset="-122"/>
+                        <a:cs typeface="+mn-cs"/>
+                      </a:endParaRPr>
+                    </a:p>
+                    <a:p>
+                      <a:pPr marL="0" marR="0" lvl="0" indent="0" algn="ctr" defTabSz="685800" rtl="0" eaLnBrk="1" fontAlgn="auto" latinLnBrk="0" hangingPunct="1">
+                        <a:lnSpc>
+                          <a:spcPct val="100000"/>
+                        </a:lnSpc>
+                        <a:spcBef>
+                          <a:spcPts val="0"/>
+                        </a:spcBef>
+                        <a:spcAft>
+                          <a:spcPts val="0"/>
+                        </a:spcAft>
+                        <a:buClrTx/>
+                        <a:buSzTx/>
+                        <a:buFontTx/>
+                        <a:buNone/>
+                        <a:defRPr/>
+                      </a:pPr>
+                      <a:endParaRPr lang="zh-CN" altLang="en-US" sz="1100" b="1" kern="1200" dirty="0">
+                        <a:solidFill>
+                          <a:schemeClr val="dk1"/>
+                        </a:solidFill>
+                        <a:latin typeface="微软雅黑" panose="020B0503020204020204" pitchFamily="34" charset="-122"/>
+                        <a:ea typeface="微软雅黑" panose="020B0503020204020204" pitchFamily="34" charset="-122"/>
+                        <a:cs typeface="+mn-cs"/>
+                      </a:endParaRPr>
+                    </a:p>
+                  </a:txBody>
+                  <a:tcPr marL="110604" marR="110604" marT="28714" marB="28714" anchor="ctr"/>
+                </a:tc>
+                <a:tc>
+                  <a:txBody>
+                    <a:bodyPr/>
+                    <a:lstStyle/>
+                    <a:p>
+                      <a:pPr marL="0" marR="0" lvl="0" indent="0" algn="ctr" defTabSz="685800" rtl="0" eaLnBrk="1" fontAlgn="auto" latinLnBrk="0" hangingPunct="1">
+                        <a:lnSpc>
+                          <a:spcPct val="100000"/>
+                        </a:lnSpc>
+                        <a:spcBef>
+                          <a:spcPts val="0"/>
+                        </a:spcBef>
+                        <a:spcAft>
+                          <a:spcPts val="0"/>
+                        </a:spcAft>
+                        <a:buClrTx/>
+                        <a:buSzTx/>
+                        <a:buFontTx/>
+                        <a:buNone/>
+                        <a:defRPr/>
+                      </a:pPr>
+                      <a:r>
+                        <a:rPr lang="en-US" altLang="zh-CN" sz="1100" b="1" kern="1200" dirty="0" smtClean="0">
+                          <a:solidFill>
+                            <a:schemeClr val="dk1"/>
+                          </a:solidFill>
+                          <a:latin typeface="微软雅黑" panose="020B0503020204020204" pitchFamily="34" charset="-122"/>
+                          <a:ea typeface="微软雅黑" panose="020B0503020204020204" pitchFamily="34" charset="-122"/>
+                          <a:cs typeface="+mn-cs"/>
+                        </a:rPr>
+                        <a:t>Grating metasurfaces for </a:t>
+                      </a:r>
+                      <a:r>
+                        <a:rPr lang="en-US" altLang="zh-CN" sz="1100" b="1" kern="1200" dirty="0" err="1" smtClean="0">
+                          <a:solidFill>
+                            <a:schemeClr val="dk1"/>
+                          </a:solidFill>
+                          <a:latin typeface="微软雅黑" panose="020B0503020204020204" pitchFamily="34" charset="-122"/>
+                          <a:ea typeface="微软雅黑" panose="020B0503020204020204" pitchFamily="34" charset="-122"/>
+                          <a:cs typeface="+mn-cs"/>
+                        </a:rPr>
+                        <a:t>opticalfield</a:t>
+                      </a:r>
+                      <a:r>
+                        <a:rPr lang="en-US" altLang="zh-CN" sz="1100" b="1" kern="1200" dirty="0" smtClean="0">
+                          <a:solidFill>
+                            <a:schemeClr val="dk1"/>
+                          </a:solidFill>
+                          <a:latin typeface="微软雅黑" panose="020B0503020204020204" pitchFamily="34" charset="-122"/>
+                          <a:ea typeface="微软雅黑" panose="020B0503020204020204" pitchFamily="34" charset="-122"/>
+                          <a:cs typeface="+mn-cs"/>
+                        </a:rPr>
+                        <a:t> </a:t>
+                      </a:r>
+                      <a:r>
+                        <a:rPr lang="en-US" altLang="zh-CN" sz="1100" b="1" kern="1200" dirty="0" err="1" smtClean="0">
+                          <a:solidFill>
+                            <a:schemeClr val="dk1"/>
+                          </a:solidFill>
+                          <a:latin typeface="微软雅黑" panose="020B0503020204020204" pitchFamily="34" charset="-122"/>
+                          <a:ea typeface="微软雅黑" panose="020B0503020204020204" pitchFamily="34" charset="-122"/>
+                          <a:cs typeface="+mn-cs"/>
+                        </a:rPr>
+                        <a:t>controllingandsuper-resolutionimaging</a:t>
+                      </a:r>
+                      <a:endParaRPr lang="zh-CN" altLang="en-US" sz="1100" b="1" kern="1200" dirty="0">
+                        <a:solidFill>
+                          <a:schemeClr val="dk1"/>
+                        </a:solidFill>
+                        <a:latin typeface="微软雅黑" panose="020B0503020204020204" pitchFamily="34" charset="-122"/>
+                        <a:ea typeface="微软雅黑" panose="020B0503020204020204" pitchFamily="34" charset="-122"/>
+                        <a:cs typeface="+mn-cs"/>
+                      </a:endParaRPr>
+                    </a:p>
+                  </a:txBody>
+                  <a:tcPr marL="110604" marR="110604" marT="28714" marB="28714" anchor="ctr"/>
+                </a:tc>
+                <a:extLst>
+                  <a:ext uri="{0D108BD9-81ED-4DB2-BD59-A6C34878D82A}">
+                    <a16:rowId xmlns="" xmlns:a16="http://schemas.microsoft.com/office/drawing/2014/main" val="10004"/>
+                  </a:ext>
+                </a:extLst>
+              </a:tr>
+              <a:tr h="291582">
+                <a:tc>
+                  <a:txBody>
+                    <a:bodyPr/>
+                    <a:lstStyle/>
+                    <a:p>
+                      <a:pPr marL="0" marR="0" lvl="0" indent="0" algn="ctr" defTabSz="685800" rtl="0" eaLnBrk="1" fontAlgn="auto" latinLnBrk="0" hangingPunct="1">
+                        <a:lnSpc>
+                          <a:spcPct val="100000"/>
+                        </a:lnSpc>
+                        <a:spcBef>
+                          <a:spcPts val="0"/>
+                        </a:spcBef>
+                        <a:spcAft>
+                          <a:spcPts val="0"/>
+                        </a:spcAft>
+                        <a:buClrTx/>
+                        <a:buSzTx/>
+                        <a:buFontTx/>
+                        <a:buNone/>
+                        <a:defRPr/>
+                      </a:pPr>
+                      <a:endParaRPr lang="zh-CN" altLang="en-US" sz="1100" b="1" kern="1200" dirty="0">
+                        <a:solidFill>
+                          <a:schemeClr val="dk1"/>
+                        </a:solidFill>
+                        <a:latin typeface="微软雅黑" panose="020B0503020204020204" pitchFamily="34" charset="-122"/>
+                        <a:ea typeface="微软雅黑" panose="020B0503020204020204" pitchFamily="34" charset="-122"/>
+                        <a:cs typeface="+mn-cs"/>
+                      </a:endParaRPr>
+                    </a:p>
+                  </a:txBody>
+                  <a:tcPr marL="110604" marR="110604" marT="28714" marB="28714" anchor="ctr"/>
+                </a:tc>
+                <a:tc>
+                  <a:txBody>
+                    <a:bodyPr/>
+                    <a:lstStyle/>
+                    <a:p>
+                      <a:pPr marL="0" marR="0" lvl="0" indent="0" algn="ctr" defTabSz="685800" rtl="0" eaLnBrk="1" fontAlgn="auto" latinLnBrk="0" hangingPunct="1">
+                        <a:lnSpc>
+                          <a:spcPct val="100000"/>
+                        </a:lnSpc>
+                        <a:spcBef>
+                          <a:spcPts val="0"/>
+                        </a:spcBef>
+                        <a:spcAft>
+                          <a:spcPts val="0"/>
+                        </a:spcAft>
+                        <a:buClrTx/>
+                        <a:buSzTx/>
+                        <a:buFontTx/>
+                        <a:buNone/>
+                        <a:defRPr/>
+                      </a:pPr>
+                      <a:r>
+                        <a:rPr lang="en-US" altLang="zh-CN" sz="1100" b="1" kern="1200" dirty="0" smtClean="0">
+                          <a:solidFill>
+                            <a:schemeClr val="dk1"/>
+                          </a:solidFill>
+                          <a:latin typeface="微软雅黑" panose="020B0503020204020204" pitchFamily="34" charset="-122"/>
+                          <a:ea typeface="微软雅黑" panose="020B0503020204020204" pitchFamily="34" charset="-122"/>
+                          <a:cs typeface="+mn-cs"/>
+                        </a:rPr>
+                        <a:t>10:05-10:25</a:t>
+                      </a:r>
+                      <a:endParaRPr lang="zh-CN" altLang="en-US" sz="1100" b="1" kern="1200" dirty="0">
+                        <a:solidFill>
+                          <a:schemeClr val="dk1"/>
+                        </a:solidFill>
+                        <a:latin typeface="微软雅黑" panose="020B0503020204020204" pitchFamily="34" charset="-122"/>
+                        <a:ea typeface="微软雅黑" panose="020B0503020204020204" pitchFamily="34" charset="-122"/>
+                        <a:cs typeface="+mn-cs"/>
+                      </a:endParaRPr>
+                    </a:p>
+                  </a:txBody>
+                  <a:tcPr marL="110604" marR="110604" marT="28714" marB="28714" anchor="ctr"/>
+                </a:tc>
+                <a:tc>
+                  <a:txBody>
+                    <a:bodyPr/>
+                    <a:lstStyle/>
+                    <a:p>
+                      <a:pPr marL="0" marR="0" lvl="0" indent="0" algn="ctr" defTabSz="685800" rtl="0" eaLnBrk="1" fontAlgn="auto" latinLnBrk="0" hangingPunct="1">
+                        <a:lnSpc>
+                          <a:spcPct val="100000"/>
+                        </a:lnSpc>
+                        <a:spcBef>
+                          <a:spcPts val="0"/>
+                        </a:spcBef>
+                        <a:spcAft>
+                          <a:spcPts val="0"/>
+                        </a:spcAft>
+                        <a:buClrTx/>
+                        <a:buSzTx/>
+                        <a:buFontTx/>
+                        <a:buNone/>
+                        <a:defRPr/>
+                      </a:pPr>
+                      <a:r>
+                        <a:rPr lang="en-US" altLang="zh-CN" sz="1100" b="1" kern="1200" dirty="0" smtClean="0">
+                          <a:solidFill>
+                            <a:schemeClr val="dk1"/>
+                          </a:solidFill>
+                          <a:latin typeface="微软雅黑" panose="020B0503020204020204" pitchFamily="34" charset="-122"/>
+                          <a:ea typeface="微软雅黑" panose="020B0503020204020204" pitchFamily="34" charset="-122"/>
+                          <a:cs typeface="+mn-cs"/>
+                        </a:rPr>
+                        <a:t>Coffee  Break</a:t>
+                      </a:r>
+                      <a:endParaRPr lang="zh-CN" altLang="en-US" sz="1100" b="1" kern="1200" dirty="0">
+                        <a:solidFill>
+                          <a:schemeClr val="dk1"/>
+                        </a:solidFill>
+                        <a:latin typeface="微软雅黑" panose="020B0503020204020204" pitchFamily="34" charset="-122"/>
+                        <a:ea typeface="微软雅黑" panose="020B0503020204020204" pitchFamily="34" charset="-122"/>
+                        <a:cs typeface="+mn-cs"/>
+                      </a:endParaRPr>
+                    </a:p>
+                  </a:txBody>
+                  <a:tcPr marL="110604" marR="110604" marT="28714" marB="28714" anchor="ctr"/>
+                </a:tc>
+                <a:extLst>
+                  <a:ext uri="{0D108BD9-81ED-4DB2-BD59-A6C34878D82A}">
+                    <a16:rowId xmlns="" xmlns:a16="http://schemas.microsoft.com/office/drawing/2014/main" val="10005"/>
+                  </a:ext>
+                </a:extLst>
+              </a:tr>
+              <a:tr h="291582">
+                <a:tc>
+                  <a:txBody>
+                    <a:bodyPr/>
+                    <a:lstStyle/>
+                    <a:p>
+                      <a:pPr marL="0" marR="0" lvl="0" indent="0" algn="ctr" defTabSz="685800" rtl="0" eaLnBrk="1" fontAlgn="auto" latinLnBrk="0" hangingPunct="1">
+                        <a:lnSpc>
+                          <a:spcPct val="100000"/>
+                        </a:lnSpc>
+                        <a:spcBef>
+                          <a:spcPts val="0"/>
+                        </a:spcBef>
+                        <a:spcAft>
+                          <a:spcPts val="0"/>
+                        </a:spcAft>
+                        <a:buClrTx/>
+                        <a:buSzTx/>
+                        <a:buFontTx/>
+                        <a:buNone/>
+                        <a:defRPr/>
+                      </a:pPr>
+                      <a:r>
+                        <a:rPr lang="en-US" altLang="zh-CN" sz="1100" b="1" kern="1200" dirty="0" err="1" smtClean="0">
+                          <a:solidFill>
+                            <a:schemeClr val="dk1"/>
+                          </a:solidFill>
+                          <a:latin typeface="微软雅黑" panose="020B0503020204020204" pitchFamily="34" charset="-122"/>
+                          <a:ea typeface="微软雅黑" panose="020B0503020204020204" pitchFamily="34" charset="-122"/>
+                          <a:cs typeface="+mn-cs"/>
+                        </a:rPr>
+                        <a:t>Wenshan</a:t>
+                      </a:r>
+                      <a:r>
+                        <a:rPr lang="en-US" altLang="zh-CN" sz="1100" b="1" kern="1200" dirty="0" smtClean="0">
+                          <a:solidFill>
+                            <a:schemeClr val="dk1"/>
+                          </a:solidFill>
+                          <a:latin typeface="微软雅黑" panose="020B0503020204020204" pitchFamily="34" charset="-122"/>
+                          <a:ea typeface="微软雅黑" panose="020B0503020204020204" pitchFamily="34" charset="-122"/>
+                          <a:cs typeface="+mn-cs"/>
+                        </a:rPr>
+                        <a:t> </a:t>
+                      </a:r>
+                      <a:r>
+                        <a:rPr lang="en-US" altLang="zh-CN" sz="1100" b="1" kern="1200" dirty="0" err="1" smtClean="0">
+                          <a:solidFill>
+                            <a:schemeClr val="dk1"/>
+                          </a:solidFill>
+                          <a:latin typeface="微软雅黑" panose="020B0503020204020204" pitchFamily="34" charset="-122"/>
+                          <a:ea typeface="微软雅黑" panose="020B0503020204020204" pitchFamily="34" charset="-122"/>
+                          <a:cs typeface="+mn-cs"/>
+                        </a:rPr>
+                        <a:t>Cai</a:t>
+                      </a:r>
+                      <a:r>
+                        <a:rPr lang="en-US" altLang="zh-CN" sz="1100" b="1" kern="1200" dirty="0" smtClean="0">
+                          <a:solidFill>
+                            <a:schemeClr val="dk1"/>
+                          </a:solidFill>
+                          <a:latin typeface="微软雅黑" panose="020B0503020204020204" pitchFamily="34" charset="-122"/>
+                          <a:ea typeface="微软雅黑" panose="020B0503020204020204" pitchFamily="34" charset="-122"/>
+                          <a:cs typeface="+mn-cs"/>
+                        </a:rPr>
+                        <a:t> </a:t>
+                      </a:r>
+                      <a:r>
+                        <a:rPr lang="zh-CN" altLang="en-US" sz="1100" b="1" kern="1200" dirty="0" smtClean="0">
+                          <a:solidFill>
+                            <a:schemeClr val="dk1"/>
+                          </a:solidFill>
+                          <a:latin typeface="微软雅黑" panose="020B0503020204020204" pitchFamily="34" charset="-122"/>
+                          <a:ea typeface="微软雅黑" panose="020B0503020204020204" pitchFamily="34" charset="-122"/>
+                          <a:cs typeface="+mn-cs"/>
+                        </a:rPr>
+                        <a:t>（蔡文山）</a:t>
+                      </a:r>
+                      <a:endParaRPr lang="zh-CN" altLang="en-US" sz="1100" b="1" kern="1200" dirty="0">
+                        <a:solidFill>
+                          <a:schemeClr val="dk1"/>
+                        </a:solidFill>
+                        <a:latin typeface="微软雅黑" panose="020B0503020204020204" pitchFamily="34" charset="-122"/>
+                        <a:ea typeface="微软雅黑" panose="020B0503020204020204" pitchFamily="34" charset="-122"/>
+                        <a:cs typeface="+mn-cs"/>
+                      </a:endParaRPr>
+                    </a:p>
+                  </a:txBody>
+                  <a:tcPr marL="110604" marR="110604" marT="28714" marB="28714" anchor="ctr"/>
+                </a:tc>
+                <a:tc>
+                  <a:txBody>
+                    <a:bodyPr/>
+                    <a:lstStyle/>
+                    <a:p>
+                      <a:pPr marL="0" marR="0" lvl="0" indent="0" algn="ctr" defTabSz="685800" rtl="0" eaLnBrk="1" fontAlgn="auto" latinLnBrk="0" hangingPunct="1">
+                        <a:lnSpc>
+                          <a:spcPct val="100000"/>
+                        </a:lnSpc>
+                        <a:spcBef>
+                          <a:spcPts val="0"/>
+                        </a:spcBef>
+                        <a:spcAft>
+                          <a:spcPts val="0"/>
+                        </a:spcAft>
+                        <a:buClrTx/>
+                        <a:buSzTx/>
+                        <a:buFontTx/>
+                        <a:buNone/>
+                        <a:defRPr/>
+                      </a:pPr>
+                      <a:r>
+                        <a:rPr lang="en-US" altLang="zh-CN" sz="1100" b="1" kern="1200" dirty="0" smtClean="0">
+                          <a:solidFill>
+                            <a:schemeClr val="dk1"/>
+                          </a:solidFill>
+                          <a:latin typeface="微软雅黑" panose="020B0503020204020204" pitchFamily="34" charset="-122"/>
+                          <a:ea typeface="微软雅黑" panose="020B0503020204020204" pitchFamily="34" charset="-122"/>
+                          <a:cs typeface="+mn-cs"/>
+                        </a:rPr>
+                        <a:t>10:25-10:45</a:t>
+                      </a:r>
+                      <a:endParaRPr lang="zh-CN" altLang="en-US" sz="1100" b="1" kern="1200" dirty="0">
+                        <a:solidFill>
+                          <a:schemeClr val="dk1"/>
+                        </a:solidFill>
+                        <a:latin typeface="微软雅黑" panose="020B0503020204020204" pitchFamily="34" charset="-122"/>
+                        <a:ea typeface="微软雅黑" panose="020B0503020204020204" pitchFamily="34" charset="-122"/>
+                        <a:cs typeface="+mn-cs"/>
+                      </a:endParaRPr>
+                    </a:p>
+                  </a:txBody>
+                  <a:tcPr marL="110604" marR="110604" marT="28714" marB="28714" anchor="ctr"/>
+                </a:tc>
+                <a:tc>
+                  <a:txBody>
+                    <a:bodyPr/>
+                    <a:lstStyle/>
+                    <a:p>
+                      <a:pPr marL="0" marR="0" lvl="0" indent="0" algn="ctr" defTabSz="685800" rtl="0" eaLnBrk="1" fontAlgn="auto" latinLnBrk="0" hangingPunct="1">
+                        <a:lnSpc>
+                          <a:spcPct val="100000"/>
+                        </a:lnSpc>
+                        <a:spcBef>
+                          <a:spcPts val="0"/>
+                        </a:spcBef>
+                        <a:spcAft>
+                          <a:spcPts val="0"/>
+                        </a:spcAft>
+                        <a:buClrTx/>
+                        <a:buSzTx/>
+                        <a:buFontTx/>
+                        <a:buNone/>
+                        <a:defRPr/>
+                      </a:pPr>
+                      <a:r>
+                        <a:rPr lang="en-US" altLang="zh-CN" sz="1100" b="1" kern="1200" dirty="0" err="1" smtClean="0">
+                          <a:solidFill>
+                            <a:schemeClr val="dk1"/>
+                          </a:solidFill>
+                          <a:latin typeface="微软雅黑" panose="020B0503020204020204" pitchFamily="34" charset="-122"/>
+                          <a:ea typeface="微软雅黑" panose="020B0503020204020204" pitchFamily="34" charset="-122"/>
+                          <a:cs typeface="+mn-cs"/>
+                        </a:rPr>
+                        <a:t>Femtosecond</a:t>
+                      </a:r>
+                      <a:r>
+                        <a:rPr lang="en-US" altLang="zh-CN" sz="1100" b="1" kern="1200" dirty="0" smtClean="0">
+                          <a:solidFill>
+                            <a:schemeClr val="dk1"/>
+                          </a:solidFill>
+                          <a:latin typeface="微软雅黑" panose="020B0503020204020204" pitchFamily="34" charset="-122"/>
+                          <a:ea typeface="微软雅黑" panose="020B0503020204020204" pitchFamily="34" charset="-122"/>
+                          <a:cs typeface="+mn-cs"/>
+                        </a:rPr>
+                        <a:t> Light Modulation Expedited by Hot Carriers in </a:t>
+                      </a:r>
+                      <a:r>
+                        <a:rPr lang="en-US" altLang="zh-CN" sz="1100" b="1" kern="1200" dirty="0" err="1" smtClean="0">
+                          <a:solidFill>
+                            <a:schemeClr val="dk1"/>
+                          </a:solidFill>
+                          <a:latin typeface="微软雅黑" panose="020B0503020204020204" pitchFamily="34" charset="-122"/>
+                          <a:ea typeface="微软雅黑" panose="020B0503020204020204" pitchFamily="34" charset="-122"/>
+                          <a:cs typeface="+mn-cs"/>
+                        </a:rPr>
+                        <a:t>Plasmonics</a:t>
+                      </a:r>
+                      <a:endParaRPr lang="zh-CN" altLang="en-US" sz="1100" b="1" kern="1200" dirty="0">
+                        <a:solidFill>
+                          <a:schemeClr val="dk1"/>
+                        </a:solidFill>
+                        <a:latin typeface="微软雅黑" panose="020B0503020204020204" pitchFamily="34" charset="-122"/>
+                        <a:ea typeface="微软雅黑" panose="020B0503020204020204" pitchFamily="34" charset="-122"/>
+                        <a:cs typeface="+mn-cs"/>
+                      </a:endParaRPr>
+                    </a:p>
+                  </a:txBody>
+                  <a:tcPr marL="110604" marR="110604" marT="28714" marB="28714" anchor="ctr"/>
+                </a:tc>
+                <a:extLst>
+                  <a:ext uri="{0D108BD9-81ED-4DB2-BD59-A6C34878D82A}">
+                    <a16:rowId xmlns="" xmlns:a16="http://schemas.microsoft.com/office/drawing/2014/main" val="10006"/>
+                  </a:ext>
+                </a:extLst>
+              </a:tr>
+              <a:tr h="291582">
+                <a:tc>
+                  <a:txBody>
+                    <a:bodyPr/>
+                    <a:lstStyle/>
+                    <a:p>
+                      <a:pPr marL="0" marR="0" lvl="0" indent="0" algn="ctr" defTabSz="685800" rtl="0" eaLnBrk="1" fontAlgn="auto" latinLnBrk="0" hangingPunct="1">
+                        <a:lnSpc>
+                          <a:spcPct val="100000"/>
+                        </a:lnSpc>
+                        <a:spcBef>
+                          <a:spcPts val="0"/>
+                        </a:spcBef>
+                        <a:spcAft>
+                          <a:spcPts val="0"/>
+                        </a:spcAft>
+                        <a:buClrTx/>
+                        <a:buSzTx/>
+                        <a:buFontTx/>
+                        <a:buNone/>
+                        <a:defRPr/>
+                      </a:pPr>
+                      <a:r>
+                        <a:rPr lang="en-US" altLang="zh-CN" sz="1100" b="1" kern="1200" dirty="0" err="1" smtClean="0">
+                          <a:solidFill>
+                            <a:schemeClr val="dk1"/>
+                          </a:solidFill>
+                          <a:latin typeface="微软雅黑" panose="020B0503020204020204" pitchFamily="34" charset="-122"/>
+                          <a:ea typeface="微软雅黑" panose="020B0503020204020204" pitchFamily="34" charset="-122"/>
+                          <a:cs typeface="+mn-cs"/>
+                        </a:rPr>
+                        <a:t>Kok</a:t>
+                      </a:r>
+                      <a:r>
+                        <a:rPr lang="en-US" altLang="zh-CN" sz="1100" b="1" kern="1200" dirty="0" smtClean="0">
+                          <a:solidFill>
+                            <a:schemeClr val="dk1"/>
+                          </a:solidFill>
+                          <a:latin typeface="微软雅黑" panose="020B0503020204020204" pitchFamily="34" charset="-122"/>
+                          <a:ea typeface="微软雅黑" panose="020B0503020204020204" pitchFamily="34" charset="-122"/>
+                          <a:cs typeface="+mn-cs"/>
+                        </a:rPr>
+                        <a:t> </a:t>
+                      </a:r>
+                      <a:r>
+                        <a:rPr lang="en-US" altLang="zh-CN" sz="1100" b="1" kern="1200" dirty="0" err="1" smtClean="0">
+                          <a:solidFill>
+                            <a:schemeClr val="dk1"/>
+                          </a:solidFill>
+                          <a:latin typeface="微软雅黑" panose="020B0503020204020204" pitchFamily="34" charset="-122"/>
+                          <a:ea typeface="微软雅黑" panose="020B0503020204020204" pitchFamily="34" charset="-122"/>
+                          <a:cs typeface="+mn-cs"/>
+                        </a:rPr>
+                        <a:t>Wai</a:t>
+                      </a:r>
+                      <a:r>
+                        <a:rPr lang="en-US" altLang="zh-CN" sz="1100" b="1" kern="1200" dirty="0" smtClean="0">
+                          <a:solidFill>
+                            <a:schemeClr val="dk1"/>
+                          </a:solidFill>
+                          <a:latin typeface="微软雅黑" panose="020B0503020204020204" pitchFamily="34" charset="-122"/>
+                          <a:ea typeface="微软雅黑" panose="020B0503020204020204" pitchFamily="34" charset="-122"/>
+                          <a:cs typeface="+mn-cs"/>
+                        </a:rPr>
+                        <a:t> </a:t>
+                      </a:r>
+                      <a:r>
+                        <a:rPr lang="en-US" altLang="zh-CN" sz="1100" b="1" kern="1200" dirty="0" err="1" smtClean="0">
+                          <a:solidFill>
+                            <a:schemeClr val="dk1"/>
+                          </a:solidFill>
+                          <a:latin typeface="微软雅黑" panose="020B0503020204020204" pitchFamily="34" charset="-122"/>
+                          <a:ea typeface="微软雅黑" panose="020B0503020204020204" pitchFamily="34" charset="-122"/>
+                          <a:cs typeface="+mn-cs"/>
+                        </a:rPr>
+                        <a:t>Cheah</a:t>
+                      </a:r>
+                      <a:r>
+                        <a:rPr lang="zh-CN" altLang="en-US" sz="1100" b="1" kern="1200" dirty="0" smtClean="0">
+                          <a:solidFill>
+                            <a:schemeClr val="dk1"/>
+                          </a:solidFill>
+                          <a:latin typeface="微软雅黑" panose="020B0503020204020204" pitchFamily="34" charset="-122"/>
+                          <a:ea typeface="微软雅黑" panose="020B0503020204020204" pitchFamily="34" charset="-122"/>
+                          <a:cs typeface="+mn-cs"/>
+                        </a:rPr>
+                        <a:t>（谢国伟）</a:t>
+                      </a:r>
+                      <a:endParaRPr lang="zh-CN" altLang="zh-CN" sz="1100" b="1" kern="1200" dirty="0">
+                        <a:solidFill>
+                          <a:schemeClr val="dk1"/>
+                        </a:solidFill>
+                        <a:latin typeface="微软雅黑" panose="020B0503020204020204" pitchFamily="34" charset="-122"/>
+                        <a:ea typeface="微软雅黑" panose="020B0503020204020204" pitchFamily="34" charset="-122"/>
+                        <a:cs typeface="+mn-cs"/>
+                      </a:endParaRPr>
+                    </a:p>
+                  </a:txBody>
+                  <a:tcPr marL="110604" marR="110604" marT="28714" marB="28714" anchor="ctr"/>
+                </a:tc>
+                <a:tc>
+                  <a:txBody>
+                    <a:bodyPr/>
+                    <a:lstStyle/>
+                    <a:p>
+                      <a:pPr marL="0" marR="0" lvl="0" indent="0" algn="ctr" defTabSz="685800" rtl="0" eaLnBrk="1" fontAlgn="auto" latinLnBrk="0" hangingPunct="1">
+                        <a:lnSpc>
+                          <a:spcPct val="100000"/>
+                        </a:lnSpc>
+                        <a:spcBef>
+                          <a:spcPts val="0"/>
+                        </a:spcBef>
+                        <a:spcAft>
+                          <a:spcPts val="0"/>
+                        </a:spcAft>
+                        <a:buClrTx/>
+                        <a:buSzTx/>
+                        <a:buFontTx/>
+                        <a:buNone/>
+                        <a:defRPr/>
+                      </a:pPr>
+                      <a:r>
+                        <a:rPr lang="en-US" altLang="zh-CN" sz="1100" b="1" kern="1200" dirty="0" smtClean="0">
+                          <a:solidFill>
+                            <a:schemeClr val="dk1"/>
+                          </a:solidFill>
+                          <a:latin typeface="微软雅黑" panose="020B0503020204020204" pitchFamily="34" charset="-122"/>
+                          <a:ea typeface="微软雅黑" panose="020B0503020204020204" pitchFamily="34" charset="-122"/>
+                          <a:cs typeface="+mn-cs"/>
+                        </a:rPr>
+                        <a:t>10:45-11:10</a:t>
+                      </a:r>
+                      <a:endParaRPr lang="zh-CN" altLang="en-US" sz="1100" b="1" kern="1200" dirty="0">
+                        <a:solidFill>
+                          <a:schemeClr val="dk1"/>
+                        </a:solidFill>
+                        <a:latin typeface="微软雅黑" panose="020B0503020204020204" pitchFamily="34" charset="-122"/>
+                        <a:ea typeface="微软雅黑" panose="020B0503020204020204" pitchFamily="34" charset="-122"/>
+                        <a:cs typeface="+mn-cs"/>
+                      </a:endParaRPr>
+                    </a:p>
+                  </a:txBody>
+                  <a:tcPr marL="110604" marR="110604" marT="28714" marB="28714" anchor="ctr"/>
+                </a:tc>
+                <a:tc>
+                  <a:txBody>
+                    <a:bodyPr/>
+                    <a:lstStyle/>
+                    <a:p>
+                      <a:pPr marL="0" marR="0" lvl="0" indent="0" algn="ctr" defTabSz="685800" rtl="0" eaLnBrk="1" fontAlgn="auto" latinLnBrk="0" hangingPunct="1">
+                        <a:lnSpc>
+                          <a:spcPct val="100000"/>
+                        </a:lnSpc>
+                        <a:spcBef>
+                          <a:spcPts val="0"/>
+                        </a:spcBef>
+                        <a:spcAft>
+                          <a:spcPts val="0"/>
+                        </a:spcAft>
+                        <a:buClrTx/>
+                        <a:buSzTx/>
+                        <a:buFontTx/>
+                        <a:buNone/>
+                        <a:defRPr/>
+                      </a:pPr>
+                      <a:r>
+                        <a:rPr lang="en-US" altLang="zh-CN" sz="1100" b="1" kern="1200" dirty="0" err="1" smtClean="0">
+                          <a:solidFill>
+                            <a:schemeClr val="dk1"/>
+                          </a:solidFill>
+                          <a:latin typeface="微软雅黑" panose="020B0503020204020204" pitchFamily="34" charset="-122"/>
+                          <a:ea typeface="微软雅黑" panose="020B0503020204020204" pitchFamily="34" charset="-122"/>
+                          <a:cs typeface="+mn-cs"/>
+                        </a:rPr>
+                        <a:t>Plasmonic</a:t>
+                      </a:r>
+                      <a:r>
+                        <a:rPr lang="en-US" altLang="zh-CN" sz="1100" b="1" kern="1200" dirty="0" smtClean="0">
+                          <a:solidFill>
+                            <a:schemeClr val="dk1"/>
+                          </a:solidFill>
+                          <a:latin typeface="微软雅黑" panose="020B0503020204020204" pitchFamily="34" charset="-122"/>
+                          <a:ea typeface="微软雅黑" panose="020B0503020204020204" pitchFamily="34" charset="-122"/>
+                          <a:cs typeface="+mn-cs"/>
+                        </a:rPr>
+                        <a:t> Coupling of </a:t>
+                      </a:r>
+                      <a:r>
+                        <a:rPr lang="en-US" altLang="zh-CN" sz="1100" b="1" kern="1200" dirty="0" err="1" smtClean="0">
+                          <a:solidFill>
+                            <a:schemeClr val="dk1"/>
+                          </a:solidFill>
+                          <a:latin typeface="微软雅黑" panose="020B0503020204020204" pitchFamily="34" charset="-122"/>
+                          <a:ea typeface="微软雅黑" panose="020B0503020204020204" pitchFamily="34" charset="-122"/>
+                          <a:cs typeface="+mn-cs"/>
+                        </a:rPr>
+                        <a:t>nano</a:t>
+                      </a:r>
+                      <a:r>
+                        <a:rPr lang="en-US" altLang="zh-CN" sz="1100" b="1" kern="1200" dirty="0" smtClean="0">
+                          <a:solidFill>
+                            <a:schemeClr val="dk1"/>
+                          </a:solidFill>
+                          <a:latin typeface="微软雅黑" panose="020B0503020204020204" pitchFamily="34" charset="-122"/>
+                          <a:ea typeface="微软雅黑" panose="020B0503020204020204" pitchFamily="34" charset="-122"/>
+                          <a:cs typeface="+mn-cs"/>
+                        </a:rPr>
+                        <a:t>-metals</a:t>
+                      </a:r>
+                      <a:endParaRPr lang="zh-CN" altLang="en-US" sz="1100" b="1" kern="1200" dirty="0">
+                        <a:solidFill>
+                          <a:schemeClr val="dk1"/>
+                        </a:solidFill>
+                        <a:latin typeface="微软雅黑" panose="020B0503020204020204" pitchFamily="34" charset="-122"/>
+                        <a:ea typeface="微软雅黑" panose="020B0503020204020204" pitchFamily="34" charset="-122"/>
+                        <a:cs typeface="+mn-cs"/>
+                      </a:endParaRPr>
+                    </a:p>
+                  </a:txBody>
+                  <a:tcPr marL="110604" marR="110604" marT="28714" marB="28714" anchor="ctr"/>
+                </a:tc>
+                <a:extLst>
+                  <a:ext uri="{0D108BD9-81ED-4DB2-BD59-A6C34878D82A}">
+                    <a16:rowId xmlns="" xmlns:a16="http://schemas.microsoft.com/office/drawing/2014/main" val="10007"/>
+                  </a:ext>
+                </a:extLst>
+              </a:tr>
+              <a:tr h="291582">
+                <a:tc>
+                  <a:txBody>
+                    <a:bodyPr/>
+                    <a:lstStyle/>
+                    <a:p>
+                      <a:pPr marL="0" marR="0" lvl="0" indent="0" algn="ctr" defTabSz="685800" rtl="0" eaLnBrk="1" fontAlgn="auto" latinLnBrk="0" hangingPunct="1">
+                        <a:lnSpc>
+                          <a:spcPct val="100000"/>
+                        </a:lnSpc>
+                        <a:spcBef>
+                          <a:spcPts val="0"/>
+                        </a:spcBef>
+                        <a:spcAft>
+                          <a:spcPts val="0"/>
+                        </a:spcAft>
+                        <a:buClrTx/>
+                        <a:buSzTx/>
+                        <a:buFontTx/>
+                        <a:buNone/>
+                        <a:defRPr/>
+                      </a:pPr>
+                      <a:r>
+                        <a:rPr lang="en-US" altLang="zh-CN" sz="1100" b="1" kern="1200" dirty="0" smtClean="0">
+                          <a:solidFill>
+                            <a:schemeClr val="dk1"/>
+                          </a:solidFill>
+                          <a:latin typeface="微软雅黑" panose="020B0503020204020204" pitchFamily="34" charset="-122"/>
+                          <a:ea typeface="微软雅黑" panose="020B0503020204020204" pitchFamily="34" charset="-122"/>
+                          <a:cs typeface="+mn-cs"/>
+                        </a:rPr>
+                        <a:t>Wing </a:t>
+                      </a:r>
+                      <a:r>
+                        <a:rPr lang="en-US" altLang="zh-CN" sz="1100" b="1" kern="1200" dirty="0" err="1" smtClean="0">
+                          <a:solidFill>
+                            <a:schemeClr val="dk1"/>
+                          </a:solidFill>
+                          <a:latin typeface="微软雅黑" panose="020B0503020204020204" pitchFamily="34" charset="-122"/>
+                          <a:ea typeface="微软雅黑" panose="020B0503020204020204" pitchFamily="34" charset="-122"/>
+                          <a:cs typeface="+mn-cs"/>
+                        </a:rPr>
+                        <a:t>Yim</a:t>
+                      </a:r>
+                      <a:r>
+                        <a:rPr lang="en-US" altLang="zh-CN" sz="1100" b="1" kern="1200" dirty="0" smtClean="0">
+                          <a:solidFill>
+                            <a:schemeClr val="dk1"/>
+                          </a:solidFill>
+                          <a:latin typeface="微软雅黑" panose="020B0503020204020204" pitchFamily="34" charset="-122"/>
+                          <a:ea typeface="微软雅黑" panose="020B0503020204020204" pitchFamily="34" charset="-122"/>
+                          <a:cs typeface="+mn-cs"/>
+                        </a:rPr>
+                        <a:t> Tam(</a:t>
+                      </a:r>
+                      <a:r>
+                        <a:rPr lang="zh-CN" altLang="en-US" sz="1100" b="1" kern="1200" dirty="0" smtClean="0">
+                          <a:solidFill>
+                            <a:schemeClr val="dk1"/>
+                          </a:solidFill>
+                          <a:latin typeface="微软雅黑" panose="020B0503020204020204" pitchFamily="34" charset="-122"/>
+                          <a:ea typeface="微软雅黑" panose="020B0503020204020204" pitchFamily="34" charset="-122"/>
+                          <a:cs typeface="+mn-cs"/>
+                        </a:rPr>
+                        <a:t>谭永炎</a:t>
+                      </a:r>
+                      <a:r>
+                        <a:rPr lang="en-US" altLang="zh-CN" sz="1100" b="1" kern="1200" dirty="0" smtClean="0">
+                          <a:solidFill>
+                            <a:schemeClr val="dk1"/>
+                          </a:solidFill>
+                          <a:latin typeface="微软雅黑" panose="020B0503020204020204" pitchFamily="34" charset="-122"/>
+                          <a:ea typeface="微软雅黑" panose="020B0503020204020204" pitchFamily="34" charset="-122"/>
+                          <a:cs typeface="+mn-cs"/>
+                        </a:rPr>
+                        <a:t>)</a:t>
+                      </a:r>
+                      <a:endParaRPr lang="zh-CN" altLang="zh-CN" sz="1100" b="1" kern="1200" dirty="0">
+                        <a:solidFill>
+                          <a:schemeClr val="dk1"/>
+                        </a:solidFill>
+                        <a:latin typeface="微软雅黑" panose="020B0503020204020204" pitchFamily="34" charset="-122"/>
+                        <a:ea typeface="微软雅黑" panose="020B0503020204020204" pitchFamily="34" charset="-122"/>
+                        <a:cs typeface="+mn-cs"/>
+                      </a:endParaRPr>
+                    </a:p>
+                  </a:txBody>
+                  <a:tcPr marL="110604" marR="110604" marT="28714" marB="28714" anchor="ctr"/>
+                </a:tc>
+                <a:tc>
+                  <a:txBody>
+                    <a:bodyPr/>
+                    <a:lstStyle/>
+                    <a:p>
+                      <a:pPr marL="0" marR="0" lvl="0" indent="0" algn="ctr" defTabSz="685800" rtl="0" eaLnBrk="1" fontAlgn="auto" latinLnBrk="0" hangingPunct="1">
+                        <a:lnSpc>
+                          <a:spcPct val="100000"/>
+                        </a:lnSpc>
+                        <a:spcBef>
+                          <a:spcPts val="0"/>
+                        </a:spcBef>
+                        <a:spcAft>
+                          <a:spcPts val="0"/>
+                        </a:spcAft>
+                        <a:buClrTx/>
+                        <a:buSzTx/>
+                        <a:buFontTx/>
+                        <a:buNone/>
+                        <a:defRPr/>
+                      </a:pPr>
+                      <a:r>
+                        <a:rPr lang="en-US" altLang="zh-CN" sz="1100" b="1" kern="1200" dirty="0" smtClean="0">
+                          <a:solidFill>
+                            <a:schemeClr val="dk1"/>
+                          </a:solidFill>
+                          <a:latin typeface="微软雅黑" panose="020B0503020204020204" pitchFamily="34" charset="-122"/>
+                          <a:ea typeface="微软雅黑" panose="020B0503020204020204" pitchFamily="34" charset="-122"/>
+                          <a:cs typeface="+mn-cs"/>
+                        </a:rPr>
+                        <a:t>11:10-11:35</a:t>
+                      </a:r>
+                      <a:endParaRPr lang="zh-CN" altLang="en-US" sz="1100" b="1" kern="1200" dirty="0">
+                        <a:solidFill>
+                          <a:schemeClr val="dk1"/>
+                        </a:solidFill>
+                        <a:latin typeface="微软雅黑" panose="020B0503020204020204" pitchFamily="34" charset="-122"/>
+                        <a:ea typeface="微软雅黑" panose="020B0503020204020204" pitchFamily="34" charset="-122"/>
+                        <a:cs typeface="+mn-cs"/>
+                      </a:endParaRPr>
+                    </a:p>
+                  </a:txBody>
+                  <a:tcPr marL="110604" marR="110604" marT="28714" marB="28714" anchor="ctr"/>
+                </a:tc>
+                <a:tc>
+                  <a:txBody>
+                    <a:bodyPr/>
+                    <a:lstStyle/>
+                    <a:p>
+                      <a:pPr marL="0" marR="0" lvl="0" indent="0" algn="ctr" defTabSz="685800" rtl="0" eaLnBrk="1" fontAlgn="auto" latinLnBrk="0" hangingPunct="1">
+                        <a:lnSpc>
+                          <a:spcPct val="100000"/>
+                        </a:lnSpc>
+                        <a:spcBef>
+                          <a:spcPts val="0"/>
+                        </a:spcBef>
+                        <a:spcAft>
+                          <a:spcPts val="0"/>
+                        </a:spcAft>
+                        <a:buClrTx/>
+                        <a:buSzTx/>
+                        <a:buFontTx/>
+                        <a:buNone/>
+                        <a:defRPr/>
+                      </a:pPr>
+                      <a:r>
+                        <a:rPr lang="en-US" altLang="zh-CN" sz="1100" b="1" kern="1200" dirty="0" smtClean="0">
+                          <a:solidFill>
+                            <a:schemeClr val="dk1"/>
+                          </a:solidFill>
+                          <a:latin typeface="微软雅黑" panose="020B0503020204020204" pitchFamily="34" charset="-122"/>
+                          <a:ea typeface="微软雅黑" panose="020B0503020204020204" pitchFamily="34" charset="-122"/>
+                          <a:cs typeface="+mn-cs"/>
+                        </a:rPr>
+                        <a:t>Zak phase of 1D photonic crystals</a:t>
+                      </a:r>
+                      <a:endParaRPr lang="zh-CN" altLang="en-US" sz="1100" b="1" kern="1200" dirty="0">
+                        <a:solidFill>
+                          <a:schemeClr val="dk1"/>
+                        </a:solidFill>
+                        <a:latin typeface="微软雅黑" panose="020B0503020204020204" pitchFamily="34" charset="-122"/>
+                        <a:ea typeface="微软雅黑" panose="020B0503020204020204" pitchFamily="34" charset="-122"/>
+                        <a:cs typeface="+mn-cs"/>
+                      </a:endParaRPr>
+                    </a:p>
+                  </a:txBody>
+                  <a:tcPr marL="110604" marR="110604" marT="28714" marB="28714" anchor="ctr"/>
+                </a:tc>
+                <a:extLst>
+                  <a:ext uri="{0D108BD9-81ED-4DB2-BD59-A6C34878D82A}">
+                    <a16:rowId xmlns="" xmlns:a16="http://schemas.microsoft.com/office/drawing/2014/main" val="10008"/>
+                  </a:ext>
+                </a:extLst>
+              </a:tr>
+              <a:tr h="331748">
+                <a:tc>
+                  <a:txBody>
+                    <a:bodyPr/>
+                    <a:lstStyle/>
+                    <a:p>
+                      <a:pPr marL="0" marR="0" lvl="0" indent="0" algn="ctr" defTabSz="685800" rtl="0" eaLnBrk="1" fontAlgn="auto" latinLnBrk="0" hangingPunct="1">
+                        <a:lnSpc>
+                          <a:spcPct val="100000"/>
+                        </a:lnSpc>
+                        <a:spcBef>
+                          <a:spcPts val="0"/>
+                        </a:spcBef>
+                        <a:spcAft>
+                          <a:spcPts val="0"/>
+                        </a:spcAft>
+                        <a:buClrTx/>
+                        <a:buSzTx/>
+                        <a:buFontTx/>
+                        <a:buNone/>
+                        <a:defRPr/>
+                      </a:pPr>
+                      <a:r>
+                        <a:rPr lang="en-US" altLang="zh-CN" sz="1100" b="1" kern="1200" dirty="0" err="1" smtClean="0">
+                          <a:solidFill>
+                            <a:schemeClr val="dk1"/>
+                          </a:solidFill>
+                          <a:latin typeface="微软雅黑" panose="020B0503020204020204" pitchFamily="34" charset="-122"/>
+                          <a:ea typeface="微软雅黑" panose="020B0503020204020204" pitchFamily="34" charset="-122"/>
+                          <a:cs typeface="+mn-cs"/>
+                        </a:rPr>
+                        <a:t>QingHai</a:t>
+                      </a:r>
+                      <a:r>
+                        <a:rPr lang="en-US" altLang="zh-CN" sz="1100" b="1" kern="1200" dirty="0" smtClean="0">
+                          <a:solidFill>
+                            <a:schemeClr val="dk1"/>
+                          </a:solidFill>
+                          <a:latin typeface="微软雅黑" panose="020B0503020204020204" pitchFamily="34" charset="-122"/>
+                          <a:ea typeface="微软雅黑" panose="020B0503020204020204" pitchFamily="34" charset="-122"/>
+                          <a:cs typeface="+mn-cs"/>
+                        </a:rPr>
+                        <a:t> Song(</a:t>
+                      </a:r>
+                      <a:r>
+                        <a:rPr lang="zh-CN" altLang="en-US" sz="1100" b="1" kern="1200" dirty="0" smtClean="0">
+                          <a:solidFill>
+                            <a:schemeClr val="dk1"/>
+                          </a:solidFill>
+                          <a:latin typeface="微软雅黑" panose="020B0503020204020204" pitchFamily="34" charset="-122"/>
+                          <a:ea typeface="微软雅黑" panose="020B0503020204020204" pitchFamily="34" charset="-122"/>
+                          <a:cs typeface="+mn-cs"/>
+                        </a:rPr>
+                        <a:t>宋清海</a:t>
+                      </a:r>
+                      <a:r>
+                        <a:rPr lang="en-US" altLang="zh-CN" sz="1100" b="1" kern="1200" dirty="0" smtClean="0">
+                          <a:solidFill>
+                            <a:schemeClr val="dk1"/>
+                          </a:solidFill>
+                          <a:latin typeface="微软雅黑" panose="020B0503020204020204" pitchFamily="34" charset="-122"/>
+                          <a:ea typeface="微软雅黑" panose="020B0503020204020204" pitchFamily="34" charset="-122"/>
+                          <a:cs typeface="+mn-cs"/>
+                        </a:rPr>
+                        <a:t>)</a:t>
+                      </a:r>
+                      <a:endParaRPr lang="zh-CN" altLang="en-US" sz="1100" b="1" kern="1200" dirty="0">
+                        <a:solidFill>
+                          <a:schemeClr val="dk1"/>
+                        </a:solidFill>
+                        <a:latin typeface="微软雅黑" panose="020B0503020204020204" pitchFamily="34" charset="-122"/>
+                        <a:ea typeface="微软雅黑" panose="020B0503020204020204" pitchFamily="34" charset="-122"/>
+                        <a:cs typeface="+mn-cs"/>
+                      </a:endParaRPr>
+                    </a:p>
+                  </a:txBody>
+                  <a:tcPr marL="110604" marR="110604" marT="28714" marB="28714" anchor="ctr"/>
+                </a:tc>
+                <a:tc>
+                  <a:txBody>
+                    <a:bodyPr/>
+                    <a:lstStyle/>
+                    <a:p>
+                      <a:pPr marL="0" marR="0" lvl="0" indent="0" algn="ctr" defTabSz="685800" rtl="0" eaLnBrk="1" fontAlgn="auto" latinLnBrk="0" hangingPunct="1">
+                        <a:lnSpc>
+                          <a:spcPct val="100000"/>
+                        </a:lnSpc>
+                        <a:spcBef>
+                          <a:spcPts val="0"/>
+                        </a:spcBef>
+                        <a:spcAft>
+                          <a:spcPts val="0"/>
+                        </a:spcAft>
+                        <a:buClrTx/>
+                        <a:buSzTx/>
+                        <a:buFontTx/>
+                        <a:buNone/>
+                        <a:defRPr/>
+                      </a:pPr>
+                      <a:r>
+                        <a:rPr lang="en-US" altLang="zh-CN" sz="1100" b="1" kern="1200" dirty="0" smtClean="0">
+                          <a:solidFill>
+                            <a:schemeClr val="dk1"/>
+                          </a:solidFill>
+                          <a:latin typeface="微软雅黑" panose="020B0503020204020204" pitchFamily="34" charset="-122"/>
+                          <a:ea typeface="微软雅黑" panose="020B0503020204020204" pitchFamily="34" charset="-122"/>
+                          <a:cs typeface="+mn-cs"/>
+                        </a:rPr>
+                        <a:t>11:35-12:00</a:t>
+                      </a:r>
+                      <a:endParaRPr lang="zh-CN" altLang="en-US" sz="1100" b="1" kern="1200" dirty="0">
+                        <a:solidFill>
+                          <a:schemeClr val="dk1"/>
+                        </a:solidFill>
+                        <a:latin typeface="微软雅黑" panose="020B0503020204020204" pitchFamily="34" charset="-122"/>
+                        <a:ea typeface="微软雅黑" panose="020B0503020204020204" pitchFamily="34" charset="-122"/>
+                        <a:cs typeface="+mn-cs"/>
+                      </a:endParaRPr>
+                    </a:p>
+                  </a:txBody>
+                  <a:tcPr marL="110604" marR="110604" marT="28714" marB="28714" anchor="ctr"/>
+                </a:tc>
+                <a:tc>
+                  <a:txBody>
+                    <a:bodyPr/>
+                    <a:lstStyle/>
+                    <a:p>
+                      <a:pPr marL="0" marR="0" lvl="0" indent="0" algn="ctr" defTabSz="685800" rtl="0" eaLnBrk="1" fontAlgn="auto" latinLnBrk="0" hangingPunct="1">
+                        <a:lnSpc>
+                          <a:spcPct val="100000"/>
+                        </a:lnSpc>
+                        <a:spcBef>
+                          <a:spcPts val="0"/>
+                        </a:spcBef>
+                        <a:spcAft>
+                          <a:spcPts val="0"/>
+                        </a:spcAft>
+                        <a:buClrTx/>
+                        <a:buSzTx/>
+                        <a:buFontTx/>
+                        <a:buNone/>
+                        <a:defRPr/>
+                      </a:pPr>
+                      <a:r>
+                        <a:rPr lang="en-US" altLang="zh-CN" sz="1100" b="1" kern="1200" dirty="0" err="1" smtClean="0">
+                          <a:solidFill>
+                            <a:schemeClr val="dk1"/>
+                          </a:solidFill>
+                          <a:latin typeface="微软雅黑" panose="020B0503020204020204" pitchFamily="34" charset="-122"/>
+                          <a:ea typeface="微软雅黑" panose="020B0503020204020204" pitchFamily="34" charset="-122"/>
+                          <a:cs typeface="+mn-cs"/>
+                        </a:rPr>
+                        <a:t>Microlaser</a:t>
+                      </a:r>
+                      <a:r>
+                        <a:rPr lang="en-US" altLang="zh-CN" sz="1100" b="1" kern="1200" dirty="0" smtClean="0">
+                          <a:solidFill>
+                            <a:schemeClr val="dk1"/>
+                          </a:solidFill>
+                          <a:latin typeface="微软雅黑" panose="020B0503020204020204" pitchFamily="34" charset="-122"/>
+                          <a:ea typeface="微软雅黑" panose="020B0503020204020204" pitchFamily="34" charset="-122"/>
+                          <a:cs typeface="+mn-cs"/>
+                        </a:rPr>
+                        <a:t> based highly-sensitive optical sensors</a:t>
+                      </a:r>
+                      <a:endParaRPr lang="zh-CN" altLang="en-US" sz="1100" b="1" kern="1200" dirty="0">
+                        <a:solidFill>
+                          <a:schemeClr val="dk1"/>
+                        </a:solidFill>
+                        <a:latin typeface="微软雅黑" panose="020B0503020204020204" pitchFamily="34" charset="-122"/>
+                        <a:ea typeface="微软雅黑" panose="020B0503020204020204" pitchFamily="34" charset="-122"/>
+                        <a:cs typeface="+mn-cs"/>
+                      </a:endParaRPr>
+                    </a:p>
+                  </a:txBody>
+                  <a:tcPr marL="110604" marR="110604" marT="28714" marB="28714" anchor="ctr"/>
+                </a:tc>
+                <a:extLst>
+                  <a:ext uri="{0D108BD9-81ED-4DB2-BD59-A6C34878D82A}">
+                    <a16:rowId xmlns="" xmlns:a16="http://schemas.microsoft.com/office/drawing/2014/main" val="10009"/>
+                  </a:ext>
+                </a:extLst>
+              </a:tr>
+              <a:tr h="331748">
+                <a:tc gridSpan="3">
+                  <a:txBody>
+                    <a:bodyPr/>
+                    <a:lstStyle/>
+                    <a:p>
+                      <a:pPr marL="0" marR="0" lvl="0" indent="0" algn="ctr" defTabSz="685800" rtl="0" eaLnBrk="1" fontAlgn="auto" latinLnBrk="0" hangingPunct="1">
+                        <a:lnSpc>
+                          <a:spcPct val="100000"/>
+                        </a:lnSpc>
+                        <a:spcBef>
+                          <a:spcPts val="0"/>
+                        </a:spcBef>
+                        <a:spcAft>
+                          <a:spcPts val="0"/>
+                        </a:spcAft>
+                        <a:buClrTx/>
+                        <a:buSzTx/>
+                        <a:buFontTx/>
+                        <a:buNone/>
+                        <a:defRPr/>
+                      </a:pPr>
+                      <a:r>
+                        <a:rPr lang="zh-CN" altLang="en-US" sz="1100" b="1" kern="1200" dirty="0" smtClean="0">
+                          <a:solidFill>
+                            <a:schemeClr val="dk1"/>
+                          </a:solidFill>
+                          <a:latin typeface="微软雅黑" panose="020B0503020204020204" pitchFamily="34" charset="-122"/>
+                          <a:ea typeface="微软雅黑" panose="020B0503020204020204" pitchFamily="34" charset="-122"/>
+                          <a:cs typeface="+mn-cs"/>
+                        </a:rPr>
+                        <a:t>午休</a:t>
+                      </a:r>
+                      <a:endParaRPr lang="zh-CN" altLang="en-US" sz="1100" b="1" kern="1200" dirty="0">
+                        <a:solidFill>
+                          <a:schemeClr val="dk1"/>
+                        </a:solidFill>
+                        <a:latin typeface="微软雅黑" panose="020B0503020204020204" pitchFamily="34" charset="-122"/>
+                        <a:ea typeface="微软雅黑" panose="020B0503020204020204" pitchFamily="34" charset="-122"/>
+                        <a:cs typeface="+mn-cs"/>
+                      </a:endParaRPr>
+                    </a:p>
+                  </a:txBody>
+                  <a:tcPr marL="110604" marR="110604" marT="28714" marB="28714" anchor="ctr"/>
+                </a:tc>
+                <a:tc hMerge="1">
+                  <a:txBody>
+                    <a:bodyPr/>
+                    <a:lstStyle/>
+                    <a:p>
+                      <a:endParaRPr lang="zh-CN"/>
+                    </a:p>
+                  </a:txBody>
+                  <a:tcPr marL="110604" marR="110604" marT="28714" marB="28714" anchor="ctr"/>
+                </a:tc>
+                <a:tc hMerge="1">
+                  <a:txBody>
+                    <a:bodyPr/>
+                    <a:lstStyle/>
+                    <a:p>
+                      <a:endParaRPr lang="zh-CN"/>
+                    </a:p>
+                  </a:txBody>
+                  <a:tcPr marL="110604" marR="110604" marT="28714" marB="28714" anchor="ctr"/>
+                </a:tc>
+                <a:extLst>
+                  <a:ext uri="{0D108BD9-81ED-4DB2-BD59-A6C34878D82A}">
+                    <a16:rowId xmlns="" xmlns:a16="http://schemas.microsoft.com/office/drawing/2014/main" val="10010"/>
+                  </a:ext>
+                </a:extLst>
+              </a:tr>
+              <a:tr h="424074">
+                <a:tc>
+                  <a:txBody>
+                    <a:bodyPr/>
+                    <a:lstStyle/>
+                    <a:p>
+                      <a:pPr marL="0" marR="0" lvl="0" indent="0" algn="ctr" defTabSz="685800" rtl="0" eaLnBrk="1" fontAlgn="auto" latinLnBrk="0" hangingPunct="1">
+                        <a:lnSpc>
+                          <a:spcPct val="100000"/>
+                        </a:lnSpc>
+                        <a:spcBef>
+                          <a:spcPts val="0"/>
+                        </a:spcBef>
+                        <a:spcAft>
+                          <a:spcPts val="0"/>
+                        </a:spcAft>
+                        <a:buClrTx/>
+                        <a:buSzTx/>
+                        <a:buFontTx/>
+                        <a:buNone/>
+                        <a:defRPr/>
+                      </a:pPr>
+                      <a:r>
+                        <a:rPr lang="en-US" altLang="zh-CN" sz="1100" b="1" kern="1200" baseline="0" dirty="0" err="1" smtClean="0">
+                          <a:solidFill>
+                            <a:schemeClr val="tx1"/>
+                          </a:solidFill>
+                          <a:latin typeface="微软雅黑" panose="020B0503020204020204" pitchFamily="34" charset="-122"/>
+                          <a:ea typeface="微软雅黑" panose="020B0503020204020204" pitchFamily="34" charset="-122"/>
+                          <a:cs typeface="+mn-cs"/>
+                        </a:rPr>
+                        <a:t>XinLun</a:t>
+                      </a:r>
+                      <a:r>
+                        <a:rPr lang="en-US" altLang="zh-CN" sz="1100" b="1" kern="1200" baseline="0" dirty="0" smtClean="0">
+                          <a:solidFill>
+                            <a:schemeClr val="tx1"/>
+                          </a:solidFill>
+                          <a:latin typeface="微软雅黑" panose="020B0503020204020204" pitchFamily="34" charset="-122"/>
+                          <a:ea typeface="微软雅黑" panose="020B0503020204020204" pitchFamily="34" charset="-122"/>
+                          <a:cs typeface="+mn-cs"/>
+                        </a:rPr>
+                        <a:t> </a:t>
+                      </a:r>
+                      <a:r>
+                        <a:rPr lang="en-US" altLang="zh-CN" sz="1100" b="1" kern="1200" baseline="0" dirty="0" err="1" smtClean="0">
+                          <a:solidFill>
+                            <a:schemeClr val="tx1"/>
+                          </a:solidFill>
+                          <a:latin typeface="微软雅黑" panose="020B0503020204020204" pitchFamily="34" charset="-122"/>
+                          <a:ea typeface="微软雅黑" panose="020B0503020204020204" pitchFamily="34" charset="-122"/>
+                          <a:cs typeface="+mn-cs"/>
+                        </a:rPr>
+                        <a:t>Cai</a:t>
+                      </a:r>
+                      <a:r>
+                        <a:rPr lang="en-US" altLang="zh-CN" sz="1100" b="1" kern="1200" baseline="0" dirty="0" smtClean="0">
+                          <a:solidFill>
+                            <a:schemeClr val="tx1"/>
+                          </a:solidFill>
+                          <a:latin typeface="微软雅黑" panose="020B0503020204020204" pitchFamily="34" charset="-122"/>
+                          <a:ea typeface="微软雅黑" panose="020B0503020204020204" pitchFamily="34" charset="-122"/>
+                          <a:cs typeface="+mn-cs"/>
+                        </a:rPr>
+                        <a:t> (</a:t>
+                      </a:r>
+                      <a:r>
+                        <a:rPr lang="zh-CN" altLang="en-US" sz="1100" b="1" kern="1200" baseline="0" dirty="0" smtClean="0">
+                          <a:solidFill>
+                            <a:schemeClr val="tx1"/>
+                          </a:solidFill>
+                          <a:latin typeface="微软雅黑" panose="020B0503020204020204" pitchFamily="34" charset="-122"/>
+                          <a:ea typeface="微软雅黑" panose="020B0503020204020204" pitchFamily="34" charset="-122"/>
+                          <a:cs typeface="+mn-cs"/>
+                        </a:rPr>
+                        <a:t>蔡鑫伦</a:t>
+                      </a:r>
+                      <a:r>
+                        <a:rPr lang="en-US" altLang="zh-CN" sz="1100" b="1" kern="1200" baseline="0" dirty="0" smtClean="0">
+                          <a:solidFill>
+                            <a:schemeClr val="tx1"/>
+                          </a:solidFill>
+                          <a:latin typeface="微软雅黑" panose="020B0503020204020204" pitchFamily="34" charset="-122"/>
+                          <a:ea typeface="微软雅黑" panose="020B0503020204020204" pitchFamily="34" charset="-122"/>
+                          <a:cs typeface="+mn-cs"/>
+                        </a:rPr>
+                        <a:t>)</a:t>
+                      </a:r>
+                      <a:endParaRPr lang="zh-CN" altLang="en-US" sz="1100" b="1" kern="1200" dirty="0">
+                        <a:solidFill>
+                          <a:schemeClr val="tx1"/>
+                        </a:solidFill>
+                        <a:latin typeface="微软雅黑" panose="020B0503020204020204" pitchFamily="34" charset="-122"/>
+                        <a:ea typeface="微软雅黑" panose="020B0503020204020204" pitchFamily="34" charset="-122"/>
+                        <a:cs typeface="+mn-cs"/>
+                      </a:endParaRPr>
+                    </a:p>
+                  </a:txBody>
+                  <a:tcPr marL="110604" marR="110604" marT="28714" marB="28714" anchor="ctr"/>
+                </a:tc>
+                <a:tc>
+                  <a:txBody>
+                    <a:bodyPr/>
+                    <a:lstStyle/>
+                    <a:p>
+                      <a:pPr marL="0" marR="0" lvl="0" indent="0" algn="ctr" defTabSz="685800" rtl="0" eaLnBrk="1" fontAlgn="auto" latinLnBrk="0" hangingPunct="1">
+                        <a:lnSpc>
+                          <a:spcPct val="100000"/>
+                        </a:lnSpc>
+                        <a:spcBef>
+                          <a:spcPts val="0"/>
+                        </a:spcBef>
+                        <a:spcAft>
+                          <a:spcPts val="0"/>
+                        </a:spcAft>
+                        <a:buClrTx/>
+                        <a:buSzTx/>
+                        <a:buFontTx/>
+                        <a:buNone/>
+                        <a:defRPr/>
+                      </a:pPr>
+                      <a:r>
+                        <a:rPr lang="en-US" altLang="zh-CN" sz="1100" b="1" kern="1200" dirty="0" smtClean="0">
+                          <a:solidFill>
+                            <a:schemeClr val="tx1"/>
+                          </a:solidFill>
+                          <a:latin typeface="微软雅黑" panose="020B0503020204020204" pitchFamily="34" charset="-122"/>
+                          <a:ea typeface="微软雅黑" panose="020B0503020204020204" pitchFamily="34" charset="-122"/>
+                          <a:cs typeface="+mn-cs"/>
+                        </a:rPr>
+                        <a:t>14:30-14:55</a:t>
+                      </a:r>
+                      <a:endParaRPr lang="zh-CN" altLang="en-US" sz="1100" b="1" kern="1200" dirty="0">
+                        <a:solidFill>
+                          <a:schemeClr val="tx1"/>
+                        </a:solidFill>
+                        <a:latin typeface="微软雅黑" panose="020B0503020204020204" pitchFamily="34" charset="-122"/>
+                        <a:ea typeface="微软雅黑" panose="020B0503020204020204" pitchFamily="34" charset="-122"/>
+                        <a:cs typeface="+mn-cs"/>
+                      </a:endParaRPr>
+                    </a:p>
+                  </a:txBody>
+                  <a:tcPr marL="110604" marR="110604" marT="28714" marB="28714" anchor="ctr"/>
+                </a:tc>
+                <a:tc>
+                  <a:txBody>
+                    <a:bodyPr/>
+                    <a:lstStyle/>
+                    <a:p>
+                      <a:pPr marL="0" marR="0" lvl="0" indent="0" algn="ctr" defTabSz="685800" rtl="0" eaLnBrk="1" fontAlgn="auto" latinLnBrk="0" hangingPunct="1">
+                        <a:lnSpc>
+                          <a:spcPct val="100000"/>
+                        </a:lnSpc>
+                        <a:spcBef>
+                          <a:spcPts val="0"/>
+                        </a:spcBef>
+                        <a:spcAft>
+                          <a:spcPts val="0"/>
+                        </a:spcAft>
+                        <a:buClrTx/>
+                        <a:buSzTx/>
+                        <a:buFontTx/>
+                        <a:buNone/>
+                        <a:defRPr/>
+                      </a:pPr>
+                      <a:r>
+                        <a:rPr lang="en-US" altLang="en-US" sz="1100" b="1" kern="1200" baseline="0" dirty="0" smtClean="0">
+                          <a:solidFill>
+                            <a:schemeClr val="tx1"/>
+                          </a:solidFill>
+                          <a:latin typeface="微软雅黑" panose="020B0503020204020204" pitchFamily="34" charset="-122"/>
+                          <a:ea typeface="微软雅黑" panose="020B0503020204020204" pitchFamily="34" charset="-122"/>
+                          <a:cs typeface="+mn-cs"/>
+                        </a:rPr>
+                        <a:t>Hybrid Silicon and Lithium </a:t>
+                      </a:r>
+                      <a:r>
+                        <a:rPr lang="en-US" altLang="en-US" sz="1100" b="1" kern="1200" baseline="0" dirty="0" err="1" smtClean="0">
+                          <a:solidFill>
+                            <a:schemeClr val="tx1"/>
+                          </a:solidFill>
+                          <a:latin typeface="微软雅黑" panose="020B0503020204020204" pitchFamily="34" charset="-122"/>
+                          <a:ea typeface="微软雅黑" panose="020B0503020204020204" pitchFamily="34" charset="-122"/>
+                          <a:cs typeface="+mn-cs"/>
+                        </a:rPr>
+                        <a:t>Niobate</a:t>
+                      </a:r>
+                      <a:r>
+                        <a:rPr lang="en-US" altLang="en-US" sz="1100" b="1" kern="1200" baseline="0" dirty="0" smtClean="0">
+                          <a:solidFill>
+                            <a:schemeClr val="tx1"/>
+                          </a:solidFill>
+                          <a:latin typeface="微软雅黑" panose="020B0503020204020204" pitchFamily="34" charset="-122"/>
+                          <a:ea typeface="微软雅黑" panose="020B0503020204020204" pitchFamily="34" charset="-122"/>
+                          <a:cs typeface="+mn-cs"/>
+                        </a:rPr>
+                        <a:t> Mach–</a:t>
+                      </a:r>
+                      <a:r>
+                        <a:rPr lang="en-US" altLang="en-US" sz="1100" b="1" kern="1200" baseline="0" dirty="0" err="1" smtClean="0">
+                          <a:solidFill>
+                            <a:schemeClr val="tx1"/>
+                          </a:solidFill>
+                          <a:latin typeface="微软雅黑" panose="020B0503020204020204" pitchFamily="34" charset="-122"/>
+                          <a:ea typeface="微软雅黑" panose="020B0503020204020204" pitchFamily="34" charset="-122"/>
+                          <a:cs typeface="+mn-cs"/>
+                        </a:rPr>
+                        <a:t>Zehnder</a:t>
+                      </a:r>
+                      <a:r>
+                        <a:rPr lang="en-US" altLang="en-US" sz="1100" b="1" kern="1200" baseline="0" dirty="0" smtClean="0">
+                          <a:solidFill>
+                            <a:schemeClr val="tx1"/>
+                          </a:solidFill>
+                          <a:latin typeface="微软雅黑" panose="020B0503020204020204" pitchFamily="34" charset="-122"/>
+                          <a:ea typeface="微软雅黑" panose="020B0503020204020204" pitchFamily="34" charset="-122"/>
+                          <a:cs typeface="+mn-cs"/>
+                        </a:rPr>
+                        <a:t> Modulators for 100 </a:t>
+                      </a:r>
+                      <a:r>
+                        <a:rPr lang="en-US" altLang="en-US" sz="1100" b="1" kern="1200" baseline="0" dirty="0" err="1" smtClean="0">
+                          <a:solidFill>
+                            <a:schemeClr val="tx1"/>
+                          </a:solidFill>
+                          <a:latin typeface="微软雅黑" panose="020B0503020204020204" pitchFamily="34" charset="-122"/>
+                          <a:ea typeface="微软雅黑" panose="020B0503020204020204" pitchFamily="34" charset="-122"/>
+                          <a:cs typeface="+mn-cs"/>
+                        </a:rPr>
+                        <a:t>Gbit</a:t>
+                      </a:r>
+                      <a:r>
+                        <a:rPr lang="en-US" altLang="en-US" sz="1100" b="1" kern="1200" baseline="0" dirty="0" smtClean="0">
+                          <a:solidFill>
+                            <a:schemeClr val="tx1"/>
+                          </a:solidFill>
+                          <a:latin typeface="微软雅黑" panose="020B0503020204020204" pitchFamily="34" charset="-122"/>
+                          <a:ea typeface="微软雅黑" panose="020B0503020204020204" pitchFamily="34" charset="-122"/>
+                          <a:cs typeface="+mn-cs"/>
+                        </a:rPr>
+                        <a:t>/s and </a:t>
+                      </a:r>
+                      <a:r>
+                        <a:rPr lang="en-US" altLang="en-US" sz="1100" b="1" kern="1200" baseline="0" dirty="0" err="1" smtClean="0">
+                          <a:solidFill>
+                            <a:schemeClr val="tx1"/>
+                          </a:solidFill>
+                          <a:latin typeface="微软雅黑" panose="020B0503020204020204" pitchFamily="34" charset="-122"/>
+                          <a:ea typeface="微软雅黑" panose="020B0503020204020204" pitchFamily="34" charset="-122"/>
+                          <a:cs typeface="+mn-cs"/>
+                        </a:rPr>
+                        <a:t>Byond</a:t>
+                      </a:r>
+                      <a:endParaRPr lang="zh-CN" altLang="en-US" sz="1100" b="1" kern="1200" baseline="0" dirty="0" smtClean="0">
+                        <a:solidFill>
+                          <a:schemeClr val="tx1"/>
+                        </a:solidFill>
+                        <a:latin typeface="微软雅黑" panose="020B0503020204020204" pitchFamily="34" charset="-122"/>
+                        <a:ea typeface="微软雅黑" panose="020B0503020204020204" pitchFamily="34" charset="-122"/>
+                        <a:cs typeface="+mn-cs"/>
+                      </a:endParaRPr>
+                    </a:p>
+                  </a:txBody>
+                  <a:tcPr marL="110604" marR="110604" marT="28714" marB="28714" anchor="ctr"/>
+                </a:tc>
+                <a:extLst>
+                  <a:ext uri="{0D108BD9-81ED-4DB2-BD59-A6C34878D82A}">
+                    <a16:rowId xmlns="" xmlns:a16="http://schemas.microsoft.com/office/drawing/2014/main" val="10011"/>
+                  </a:ext>
+                </a:extLst>
+              </a:tr>
+              <a:tr h="331748">
+                <a:tc>
+                  <a:txBody>
+                    <a:bodyPr/>
+                    <a:lstStyle/>
+                    <a:p>
+                      <a:pPr marL="0" marR="0" lvl="0" indent="0" algn="ctr" defTabSz="685800" rtl="0" eaLnBrk="1" fontAlgn="auto" latinLnBrk="0" hangingPunct="1">
+                        <a:lnSpc>
+                          <a:spcPct val="100000"/>
+                        </a:lnSpc>
+                        <a:spcBef>
+                          <a:spcPts val="0"/>
+                        </a:spcBef>
+                        <a:spcAft>
+                          <a:spcPts val="0"/>
+                        </a:spcAft>
+                        <a:buClrTx/>
+                        <a:buSzTx/>
+                        <a:buFontTx/>
+                        <a:buNone/>
+                        <a:defRPr/>
+                      </a:pPr>
+                      <a:r>
+                        <a:rPr lang="en-US" altLang="zh-CN" sz="1100" b="1" kern="1200" dirty="0" err="1" smtClean="0">
+                          <a:solidFill>
+                            <a:schemeClr val="dk1"/>
+                          </a:solidFill>
+                          <a:latin typeface="微软雅黑" panose="020B0503020204020204" pitchFamily="34" charset="-122"/>
+                          <a:ea typeface="微软雅黑" panose="020B0503020204020204" pitchFamily="34" charset="-122"/>
+                          <a:cs typeface="+mn-cs"/>
+                        </a:rPr>
+                        <a:t>JianWen</a:t>
+                      </a:r>
+                      <a:r>
+                        <a:rPr lang="en-US" altLang="zh-CN" sz="1100" b="1" kern="1200" dirty="0" smtClean="0">
+                          <a:solidFill>
+                            <a:schemeClr val="dk1"/>
+                          </a:solidFill>
+                          <a:latin typeface="微软雅黑" panose="020B0503020204020204" pitchFamily="34" charset="-122"/>
+                          <a:ea typeface="微软雅黑" panose="020B0503020204020204" pitchFamily="34" charset="-122"/>
+                          <a:cs typeface="+mn-cs"/>
+                        </a:rPr>
+                        <a:t> Dong(</a:t>
+                      </a:r>
+                      <a:r>
+                        <a:rPr lang="zh-CN" altLang="en-US" sz="1100" b="1" kern="1200" dirty="0" smtClean="0">
+                          <a:solidFill>
+                            <a:schemeClr val="dk1"/>
+                          </a:solidFill>
+                          <a:latin typeface="微软雅黑" panose="020B0503020204020204" pitchFamily="34" charset="-122"/>
+                          <a:ea typeface="微软雅黑" panose="020B0503020204020204" pitchFamily="34" charset="-122"/>
+                          <a:cs typeface="+mn-cs"/>
+                        </a:rPr>
+                        <a:t>董建文</a:t>
+                      </a:r>
+                      <a:r>
+                        <a:rPr lang="en-US" altLang="zh-CN" sz="1100" b="1" kern="1200" dirty="0" smtClean="0">
+                          <a:solidFill>
+                            <a:schemeClr val="dk1"/>
+                          </a:solidFill>
+                          <a:latin typeface="微软雅黑" panose="020B0503020204020204" pitchFamily="34" charset="-122"/>
+                          <a:ea typeface="微软雅黑" panose="020B0503020204020204" pitchFamily="34" charset="-122"/>
+                          <a:cs typeface="+mn-cs"/>
+                        </a:rPr>
+                        <a:t>)</a:t>
+                      </a:r>
+                      <a:endParaRPr lang="zh-CN" altLang="zh-CN" sz="1100" b="1" kern="1200" dirty="0">
+                        <a:solidFill>
+                          <a:schemeClr val="dk1"/>
+                        </a:solidFill>
+                        <a:latin typeface="微软雅黑" panose="020B0503020204020204" pitchFamily="34" charset="-122"/>
+                        <a:ea typeface="微软雅黑" panose="020B0503020204020204" pitchFamily="34" charset="-122"/>
+                        <a:cs typeface="+mn-cs"/>
+                      </a:endParaRPr>
+                    </a:p>
+                  </a:txBody>
+                  <a:tcPr marL="110604" marR="110604" marT="28714" marB="28714" anchor="ctr"/>
+                </a:tc>
+                <a:tc>
+                  <a:txBody>
+                    <a:bodyPr/>
+                    <a:lstStyle/>
+                    <a:p>
+                      <a:pPr marL="0" marR="0" lvl="0" indent="0" algn="ctr" defTabSz="685800" rtl="0" eaLnBrk="1" fontAlgn="auto" latinLnBrk="0" hangingPunct="1">
+                        <a:lnSpc>
+                          <a:spcPct val="100000"/>
+                        </a:lnSpc>
+                        <a:spcBef>
+                          <a:spcPts val="0"/>
+                        </a:spcBef>
+                        <a:spcAft>
+                          <a:spcPts val="0"/>
+                        </a:spcAft>
+                        <a:buClrTx/>
+                        <a:buSzTx/>
+                        <a:buFontTx/>
+                        <a:buNone/>
+                        <a:defRPr/>
+                      </a:pPr>
+                      <a:r>
+                        <a:rPr lang="en-US" altLang="zh-CN" sz="1100" b="1" kern="1200" dirty="0" smtClean="0">
+                          <a:solidFill>
+                            <a:schemeClr val="dk1"/>
+                          </a:solidFill>
+                          <a:latin typeface="微软雅黑" panose="020B0503020204020204" pitchFamily="34" charset="-122"/>
+                          <a:ea typeface="微软雅黑" panose="020B0503020204020204" pitchFamily="34" charset="-122"/>
+                          <a:cs typeface="+mn-cs"/>
+                        </a:rPr>
+                        <a:t>14:55-15:20</a:t>
+                      </a:r>
+                      <a:endParaRPr lang="zh-CN" altLang="en-US" sz="1100" b="1" kern="1200" dirty="0">
+                        <a:solidFill>
+                          <a:schemeClr val="dk1"/>
+                        </a:solidFill>
+                        <a:latin typeface="微软雅黑" panose="020B0503020204020204" pitchFamily="34" charset="-122"/>
+                        <a:ea typeface="微软雅黑" panose="020B0503020204020204" pitchFamily="34" charset="-122"/>
+                        <a:cs typeface="+mn-cs"/>
+                      </a:endParaRPr>
+                    </a:p>
+                  </a:txBody>
+                  <a:tcPr marL="110604" marR="110604" marT="28714" marB="28714" anchor="ctr"/>
+                </a:tc>
+                <a:tc>
+                  <a:txBody>
+                    <a:bodyPr/>
+                    <a:lstStyle/>
+                    <a:p>
+                      <a:pPr marL="0" marR="0" lvl="0" indent="0" algn="ctr" defTabSz="685800" rtl="0" eaLnBrk="1" fontAlgn="auto" latinLnBrk="0" hangingPunct="1">
+                        <a:lnSpc>
+                          <a:spcPct val="100000"/>
+                        </a:lnSpc>
+                        <a:spcBef>
+                          <a:spcPts val="0"/>
+                        </a:spcBef>
+                        <a:spcAft>
+                          <a:spcPts val="0"/>
+                        </a:spcAft>
+                        <a:buClrTx/>
+                        <a:buSzTx/>
+                        <a:buFontTx/>
+                        <a:buNone/>
+                        <a:defRPr/>
+                      </a:pPr>
+                      <a:r>
+                        <a:rPr lang="zh-CN" altLang="en-US" sz="1100" b="1" kern="1200" dirty="0" smtClean="0">
+                          <a:solidFill>
+                            <a:schemeClr val="dk1"/>
+                          </a:solidFill>
+                          <a:latin typeface="微软雅黑" panose="020B0503020204020204" pitchFamily="34" charset="-122"/>
+                          <a:ea typeface="微软雅黑" panose="020B0503020204020204" pitchFamily="34" charset="-122"/>
+                          <a:cs typeface="+mn-cs"/>
+                        </a:rPr>
+                        <a:t>全介质能谷光子晶体：拓扑纳米光子学新途径</a:t>
+                      </a:r>
+                      <a:endParaRPr lang="zh-CN" altLang="en-US" sz="1100" b="1" kern="1200" dirty="0">
+                        <a:solidFill>
+                          <a:schemeClr val="dk1"/>
+                        </a:solidFill>
+                        <a:latin typeface="微软雅黑" panose="020B0503020204020204" pitchFamily="34" charset="-122"/>
+                        <a:ea typeface="微软雅黑" panose="020B0503020204020204" pitchFamily="34" charset="-122"/>
+                        <a:cs typeface="+mn-cs"/>
+                      </a:endParaRPr>
+                    </a:p>
+                  </a:txBody>
+                  <a:tcPr marL="110604" marR="110604" marT="28714" marB="28714" anchor="ctr"/>
+                </a:tc>
+                <a:extLst>
+                  <a:ext uri="{0D108BD9-81ED-4DB2-BD59-A6C34878D82A}">
+                    <a16:rowId xmlns="" xmlns:a16="http://schemas.microsoft.com/office/drawing/2014/main" val="10012"/>
+                  </a:ext>
+                </a:extLst>
+              </a:tr>
+              <a:tr h="291582">
+                <a:tc>
+                  <a:txBody>
+                    <a:bodyPr/>
+                    <a:lstStyle/>
+                    <a:p>
+                      <a:pPr marL="0" marR="0" lvl="0" indent="0" algn="ctr" defTabSz="685800" rtl="0" eaLnBrk="1" fontAlgn="auto" latinLnBrk="0" hangingPunct="1">
+                        <a:lnSpc>
+                          <a:spcPct val="100000"/>
+                        </a:lnSpc>
+                        <a:spcBef>
+                          <a:spcPts val="0"/>
+                        </a:spcBef>
+                        <a:spcAft>
+                          <a:spcPts val="0"/>
+                        </a:spcAft>
+                        <a:buClrTx/>
+                        <a:buSzTx/>
+                        <a:buFontTx/>
+                        <a:buNone/>
+                        <a:tabLst/>
+                        <a:defRPr/>
+                      </a:pPr>
+                      <a:r>
+                        <a:rPr lang="en-US" altLang="zh-CN" sz="1100" b="1" kern="1200" dirty="0" smtClean="0">
+                          <a:solidFill>
+                            <a:schemeClr val="dk1"/>
+                          </a:solidFill>
+                          <a:latin typeface="微软雅黑" panose="020B0503020204020204" pitchFamily="34" charset="-122"/>
+                          <a:ea typeface="微软雅黑" panose="020B0503020204020204" pitchFamily="34" charset="-122"/>
+                          <a:cs typeface="+mn-cs"/>
+                        </a:rPr>
+                        <a:t>Alex Wong(</a:t>
+                      </a:r>
+                      <a:r>
+                        <a:rPr lang="zh-CN" altLang="en-US" sz="1100" b="1" kern="1200" dirty="0" smtClean="0">
+                          <a:solidFill>
+                            <a:schemeClr val="dk1"/>
+                          </a:solidFill>
+                          <a:latin typeface="微软雅黑" panose="020B0503020204020204" pitchFamily="34" charset="-122"/>
+                          <a:ea typeface="微软雅黑" panose="020B0503020204020204" pitchFamily="34" charset="-122"/>
+                          <a:cs typeface="+mn-cs"/>
+                        </a:rPr>
+                        <a:t>王文瀚</a:t>
+                      </a:r>
+                      <a:r>
+                        <a:rPr lang="en-US" altLang="zh-CN" sz="1100" b="1" kern="1200" dirty="0" smtClean="0">
+                          <a:solidFill>
+                            <a:schemeClr val="dk1"/>
+                          </a:solidFill>
+                          <a:latin typeface="微软雅黑" panose="020B0503020204020204" pitchFamily="34" charset="-122"/>
+                          <a:ea typeface="微软雅黑" panose="020B0503020204020204" pitchFamily="34" charset="-122"/>
+                          <a:cs typeface="+mn-cs"/>
+                        </a:rPr>
+                        <a:t>)</a:t>
+                      </a:r>
+                      <a:endParaRPr lang="zh-CN" altLang="en-US" sz="1100" b="1" kern="1200" dirty="0" smtClean="0">
+                        <a:solidFill>
+                          <a:schemeClr val="dk1"/>
+                        </a:solidFill>
+                        <a:latin typeface="微软雅黑" panose="020B0503020204020204" pitchFamily="34" charset="-122"/>
+                        <a:ea typeface="微软雅黑" panose="020B0503020204020204" pitchFamily="34" charset="-122"/>
+                        <a:cs typeface="+mn-cs"/>
+                      </a:endParaRPr>
+                    </a:p>
+                    <a:p>
+                      <a:pPr marL="0" marR="0" lvl="0" indent="0" algn="ctr" defTabSz="685800" rtl="0" eaLnBrk="1" fontAlgn="auto" latinLnBrk="0" hangingPunct="1">
+                        <a:lnSpc>
+                          <a:spcPct val="100000"/>
+                        </a:lnSpc>
+                        <a:spcBef>
+                          <a:spcPts val="0"/>
+                        </a:spcBef>
+                        <a:spcAft>
+                          <a:spcPts val="0"/>
+                        </a:spcAft>
+                        <a:buClrTx/>
+                        <a:buSzTx/>
+                        <a:buFontTx/>
+                        <a:buNone/>
+                        <a:defRPr/>
+                      </a:pPr>
+                      <a:endParaRPr lang="zh-CN" altLang="zh-CN" sz="1100" b="1" kern="1200" dirty="0">
+                        <a:solidFill>
+                          <a:schemeClr val="dk1"/>
+                        </a:solidFill>
+                        <a:latin typeface="微软雅黑" panose="020B0503020204020204" pitchFamily="34" charset="-122"/>
+                        <a:ea typeface="微软雅黑" panose="020B0503020204020204" pitchFamily="34" charset="-122"/>
+                        <a:cs typeface="+mn-cs"/>
+                      </a:endParaRPr>
+                    </a:p>
+                  </a:txBody>
+                  <a:tcPr marL="110604" marR="110604" marT="28714" marB="28714" anchor="ctr"/>
+                </a:tc>
+                <a:tc>
+                  <a:txBody>
+                    <a:bodyPr/>
+                    <a:lstStyle/>
+                    <a:p>
+                      <a:pPr marL="0" marR="0" lvl="0" indent="0" algn="ctr" defTabSz="685800" rtl="0" eaLnBrk="1" fontAlgn="auto" latinLnBrk="0" hangingPunct="1">
+                        <a:lnSpc>
+                          <a:spcPct val="100000"/>
+                        </a:lnSpc>
+                        <a:spcBef>
+                          <a:spcPts val="0"/>
+                        </a:spcBef>
+                        <a:spcAft>
+                          <a:spcPts val="0"/>
+                        </a:spcAft>
+                        <a:buClrTx/>
+                        <a:buSzTx/>
+                        <a:buFontTx/>
+                        <a:buNone/>
+                        <a:defRPr/>
+                      </a:pPr>
+                      <a:r>
+                        <a:rPr lang="en-US" altLang="zh-CN" sz="1100" b="1" kern="1200" dirty="0" smtClean="0">
+                          <a:solidFill>
+                            <a:schemeClr val="dk1"/>
+                          </a:solidFill>
+                          <a:latin typeface="微软雅黑" panose="020B0503020204020204" pitchFamily="34" charset="-122"/>
+                          <a:ea typeface="微软雅黑" panose="020B0503020204020204" pitchFamily="34" charset="-122"/>
+                          <a:cs typeface="+mn-cs"/>
+                        </a:rPr>
+                        <a:t>15:20-15:45</a:t>
+                      </a:r>
+                      <a:endParaRPr lang="zh-CN" altLang="en-US" sz="1100" b="1" kern="1200" dirty="0">
+                        <a:solidFill>
+                          <a:schemeClr val="dk1"/>
+                        </a:solidFill>
+                        <a:latin typeface="微软雅黑" panose="020B0503020204020204" pitchFamily="34" charset="-122"/>
+                        <a:ea typeface="微软雅黑" panose="020B0503020204020204" pitchFamily="34" charset="-122"/>
+                        <a:cs typeface="+mn-cs"/>
+                      </a:endParaRPr>
+                    </a:p>
+                  </a:txBody>
+                  <a:tcPr marL="110604" marR="110604" marT="28714" marB="28714" anchor="ctr"/>
+                </a:tc>
+                <a:tc>
+                  <a:txBody>
+                    <a:bodyPr/>
+                    <a:lstStyle/>
+                    <a:p>
+                      <a:pPr marL="0" marR="0" lvl="0" indent="0" algn="ctr" defTabSz="685800" rtl="0" eaLnBrk="1" fontAlgn="auto" latinLnBrk="0" hangingPunct="1">
+                        <a:lnSpc>
+                          <a:spcPct val="100000"/>
+                        </a:lnSpc>
+                        <a:spcBef>
+                          <a:spcPts val="0"/>
+                        </a:spcBef>
+                        <a:spcAft>
+                          <a:spcPts val="0"/>
+                        </a:spcAft>
+                        <a:buClrTx/>
+                        <a:buSzTx/>
+                        <a:buFontTx/>
+                        <a:buNone/>
+                        <a:tabLst/>
+                        <a:defRPr/>
+                      </a:pPr>
+                      <a:r>
+                        <a:rPr lang="en-US" altLang="zh-CN" sz="1100" b="1" kern="1200" dirty="0" smtClean="0">
+                          <a:solidFill>
+                            <a:schemeClr val="dk1"/>
+                          </a:solidFill>
+                          <a:latin typeface="微软雅黑" panose="020B0503020204020204" pitchFamily="34" charset="-122"/>
+                          <a:ea typeface="微软雅黑" panose="020B0503020204020204" pitchFamily="34" charset="-122"/>
+                          <a:cs typeface="+mn-cs"/>
+                        </a:rPr>
+                        <a:t>Arbitrary Electromagnetic Wave Manipulation with a Huygens’ metasurface</a:t>
+                      </a:r>
+                      <a:endParaRPr lang="zh-CN" altLang="en-US" sz="1100" b="1" kern="1200" dirty="0">
+                        <a:solidFill>
+                          <a:schemeClr val="dk1"/>
+                        </a:solidFill>
+                        <a:latin typeface="微软雅黑" panose="020B0503020204020204" pitchFamily="34" charset="-122"/>
+                        <a:ea typeface="微软雅黑" panose="020B0503020204020204" pitchFamily="34" charset="-122"/>
+                        <a:cs typeface="+mn-cs"/>
+                      </a:endParaRPr>
+                    </a:p>
+                  </a:txBody>
+                  <a:tcPr marL="110604" marR="110604" marT="28714" marB="28714" anchor="ctr"/>
+                </a:tc>
+                <a:extLst>
+                  <a:ext uri="{0D108BD9-81ED-4DB2-BD59-A6C34878D82A}">
+                    <a16:rowId xmlns="" xmlns:a16="http://schemas.microsoft.com/office/drawing/2014/main" val="10013"/>
+                  </a:ext>
+                </a:extLst>
+              </a:tr>
+            </a:tbl>
+          </a:graphicData>
+        </a:graphic>
+      </p:graphicFrame>
+      <p:sp>
+        <p:nvSpPr>
+          <p:cNvPr id="13" name="文本框 12"/>
+          <p:cNvSpPr txBox="1"/>
+          <p:nvPr/>
+        </p:nvSpPr>
+        <p:spPr>
+          <a:xfrm>
+            <a:off x="222249" y="0"/>
+            <a:ext cx="8921751" cy="1200329"/>
+          </a:xfrm>
+          <a:prstGeom prst="rect">
+            <a:avLst/>
+          </a:prstGeom>
+          <a:solidFill>
+            <a:srgbClr val="215CC1"/>
+          </a:solidFill>
+        </p:spPr>
+        <p:txBody>
+          <a:bodyPr wrap="square" rtlCol="0">
+            <a:spAutoFit/>
+          </a:bodyPr>
+          <a:lstStyle/>
+          <a:p>
+            <a:r>
+              <a:rPr lang="en-US" altLang="zh-CN" sz="2175" b="1" dirty="0">
+                <a:solidFill>
+                  <a:schemeClr val="bg1"/>
+                </a:solidFill>
+                <a:latin typeface="华文行楷" panose="02010800040101010101" pitchFamily="2" charset="-122"/>
+                <a:ea typeface="华文行楷" panose="02010800040101010101" pitchFamily="2" charset="-122"/>
+              </a:rPr>
+              <a:t>2018 </a:t>
+            </a:r>
+            <a:r>
+              <a:rPr lang="zh-CN" altLang="en-US" sz="2175" b="1" dirty="0" smtClean="0">
+                <a:solidFill>
+                  <a:schemeClr val="bg1"/>
+                </a:solidFill>
+                <a:latin typeface="华文行楷" panose="02010800040101010101" pitchFamily="2" charset="-122"/>
+                <a:ea typeface="华文行楷" panose="02010800040101010101" pitchFamily="2" charset="-122"/>
+              </a:rPr>
+              <a:t>南方科技大学</a:t>
+            </a:r>
+            <a:r>
+              <a:rPr lang="zh-CN" altLang="en-US" sz="2400" b="1" dirty="0" smtClean="0">
+                <a:ln w="10160">
+                  <a:solidFill>
+                    <a:schemeClr val="accent1">
+                      <a:lumMod val="60000"/>
+                      <a:lumOff val="40000"/>
+                    </a:schemeClr>
+                  </a:solidFill>
+                  <a:prstDash val="solid"/>
+                </a:ln>
+                <a:solidFill>
+                  <a:schemeClr val="bg1"/>
+                </a:solidFill>
+                <a:effectLst>
+                  <a:outerShdw blurRad="38100" dist="22860" dir="5400000" algn="tl" rotWithShape="0">
+                    <a:srgbClr val="000000">
+                      <a:alpha val="30000"/>
+                    </a:srgbClr>
+                  </a:outerShdw>
+                </a:effectLst>
+                <a:latin typeface="楷体" panose="02010609060101010101" pitchFamily="49" charset="-122"/>
+                <a:ea typeface="楷体" panose="02010609060101010101" pitchFamily="49" charset="-122"/>
+                <a:sym typeface="+mn-ea"/>
+              </a:rPr>
+              <a:t>“</a:t>
+            </a:r>
+            <a:r>
+              <a:rPr lang="zh-CN" altLang="en-US" sz="2175" b="1" dirty="0" smtClean="0">
+                <a:solidFill>
+                  <a:schemeClr val="bg1"/>
+                </a:solidFill>
+                <a:latin typeface="华文行楷" panose="02010800040101010101" pitchFamily="2" charset="-122"/>
+                <a:ea typeface="华文行楷" panose="02010800040101010101" pitchFamily="2" charset="-122"/>
+                <a:sym typeface="+mn-ea"/>
+              </a:rPr>
+              <a:t>大湾区超构材料与微纳光学”专题研讨会</a:t>
+            </a:r>
+            <a:endParaRPr lang="en-US" altLang="zh-CN" sz="2175" b="1" dirty="0" smtClean="0">
+              <a:solidFill>
+                <a:schemeClr val="bg1"/>
+              </a:solidFill>
+              <a:latin typeface="华文行楷" panose="02010800040101010101" pitchFamily="2" charset="-122"/>
+              <a:ea typeface="华文行楷" panose="02010800040101010101" pitchFamily="2" charset="-122"/>
+              <a:sym typeface="+mn-ea"/>
+            </a:endParaRPr>
+          </a:p>
+          <a:p>
+            <a:r>
+              <a:rPr lang="en-US" sz="2400" b="1" dirty="0" smtClean="0"/>
+              <a:t>Advanced Photonics Conference: Greater Bay Area Symposium for Wave Functional Materials  </a:t>
+            </a:r>
+            <a:endParaRPr lang="zh-CN" altLang="zh-CN" sz="2175" b="1" dirty="0">
+              <a:solidFill>
+                <a:schemeClr val="bg1"/>
+              </a:solidFill>
+              <a:ea typeface="华文行楷" panose="02010800040101010101" pitchFamily="2" charset="-122"/>
+            </a:endParaRPr>
+          </a:p>
+        </p:txBody>
+      </p:sp>
+      <p:sp>
+        <p:nvSpPr>
+          <p:cNvPr id="14" name="文本框 13"/>
+          <p:cNvSpPr txBox="1"/>
+          <p:nvPr/>
+        </p:nvSpPr>
+        <p:spPr>
+          <a:xfrm>
+            <a:off x="1043608" y="1264456"/>
+            <a:ext cx="6670780" cy="461665"/>
+          </a:xfrm>
+          <a:prstGeom prst="rect">
+            <a:avLst/>
+          </a:prstGeom>
+          <a:noFill/>
+        </p:spPr>
+        <p:txBody>
+          <a:bodyPr wrap="square" rtlCol="0">
+            <a:spAutoFit/>
+          </a:bodyPr>
+          <a:lstStyle/>
+          <a:p>
+            <a:pPr algn="ctr"/>
+            <a:r>
+              <a:rPr lang="en-US" altLang="zh-CN" sz="2400" b="1" dirty="0" smtClean="0">
+                <a:latin typeface="+mj-ea"/>
+              </a:rPr>
+              <a:t>2</a:t>
+            </a:r>
+            <a:r>
+              <a:rPr lang="en-US" altLang="zh-CN" sz="2400" b="1" baseline="30000" dirty="0" smtClean="0">
+                <a:latin typeface="+mj-ea"/>
+              </a:rPr>
+              <a:t>nd</a:t>
+            </a:r>
+            <a:r>
+              <a:rPr lang="en-US" altLang="zh-CN" sz="2400" b="1" dirty="0" smtClean="0">
+                <a:latin typeface="+mj-ea"/>
+              </a:rPr>
+              <a:t>June 2018</a:t>
+            </a:r>
+            <a:endParaRPr lang="zh-CN" altLang="en-US" sz="4000" dirty="0">
+              <a:latin typeface="微软雅黑" panose="020B0503020204020204" pitchFamily="34" charset="-122"/>
+              <a:ea typeface="微软雅黑" panose="020B0503020204020204" pitchFamily="34" charset="-122"/>
+            </a:endParaRPr>
+          </a:p>
+        </p:txBody>
+      </p:sp>
+    </p:spTree>
+    <p:extLst>
+      <p:ext uri="{BB962C8B-B14F-4D97-AF65-F5344CB8AC3E}">
+        <p14:creationId xmlns:p14="http://schemas.microsoft.com/office/powerpoint/2010/main" val="1177786918"/>
+      </p:ext>
+    </p:extLst>
+  </p:cSld>
+  <p:clrMapOvr>
+    <a:masterClrMapping/>
+  </p:clrMapOvr>
+  <p:timing>
+    <p:tnLst>
+      <p:par>
+        <p:cTn id="1" dur="indefinite" restart="never" nodeType="tmRoot"/>
+      </p:par>
+    </p:tnLst>
+  </p:timing>
+</p:sld>
+</file>
+
+<file path=ppt/slides/slide9.xml><?xml version="1.0" encoding="utf-8"?>
+<p:sld xmlns:a="http://schemas.openxmlformats.org/drawingml/2006/main" xmlns:r="http://schemas.openxmlformats.org/officeDocument/2006/relationships" xmlns:p="http://schemas.openxmlformats.org/presentationml/2006/main">
+  <p:cSld>
+    <p:spTree>
+      <p:nvGrpSpPr>
+        <p:cNvPr id="1" name=""/>
+        <p:cNvGrpSpPr/>
+        <p:nvPr/>
+      </p:nvGrpSpPr>
+      <p:grpSpPr>
+        <a:xfrm>
+          <a:off x="0" y="0"/>
+          <a:ext cx="0" cy="0"/>
+          <a:chOff x="0" y="0"/>
+          <a:chExt cx="0" cy="0"/>
+        </a:xfrm>
+      </p:grpSpPr>
+      <p:sp>
+        <p:nvSpPr>
+          <p:cNvPr id="12" name="矩形 11"/>
+          <p:cNvSpPr/>
+          <p:nvPr/>
+        </p:nvSpPr>
+        <p:spPr>
+          <a:xfrm>
+            <a:off x="0" y="329897"/>
+            <a:ext cx="9144000" cy="5908677"/>
+          </a:xfrm>
+          <a:prstGeom prst="rect">
+            <a:avLst/>
+          </a:prstGeom>
+          <a:gradFill>
+            <a:gsLst>
+              <a:gs pos="28000">
+                <a:schemeClr val="bg1"/>
+              </a:gs>
+              <a:gs pos="0">
+                <a:schemeClr val="accent1">
+                  <a:lumMod val="5000"/>
+                  <a:lumOff val="95000"/>
+                </a:schemeClr>
+              </a:gs>
+              <a:gs pos="100000">
+                <a:srgbClr val="8FB2EF"/>
+              </a:gs>
+            </a:gsLst>
+            <a:lin ang="5400000" scaled="1"/>
+          </a:gradFill>
+          <a:ln>
+            <a:noFill/>
+          </a:ln>
+        </p:spPr>
+        <p:style>
+          <a:lnRef idx="2">
+            <a:schemeClr val="accent1">
+              <a:shade val="50000"/>
+            </a:schemeClr>
+          </a:lnRef>
+          <a:fillRef idx="1">
+            <a:schemeClr val="accent1"/>
+          </a:fillRef>
+          <a:effectRef idx="0">
+            <a:schemeClr val="accent1"/>
+          </a:effectRef>
+          <a:fontRef idx="minor">
+            <a:schemeClr val="lt1"/>
+          </a:fontRef>
+        </p:style>
+        <p:txBody>
+          <a:bodyPr rtlCol="0" anchor="ctr"/>
+          <a:lstStyle/>
+          <a:p>
+            <a:pPr algn="ctr"/>
+            <a:endParaRPr lang="zh-CN" altLang="en-US" sz="1500"/>
+          </a:p>
+        </p:txBody>
+      </p:sp>
+      <p:graphicFrame>
+        <p:nvGraphicFramePr>
+          <p:cNvPr id="8" name="表格 7"/>
+          <p:cNvGraphicFramePr>
+            <a:graphicFrameLocks noGrp="1"/>
+          </p:cNvGraphicFramePr>
+          <p:nvPr>
+            <p:extLst>
+              <p:ext uri="{D42A27DB-BD31-4B8C-83A1-F6EECF244321}">
+                <p14:modId xmlns:p14="http://schemas.microsoft.com/office/powerpoint/2010/main" val="2660696191"/>
+              </p:ext>
+            </p:extLst>
+          </p:nvPr>
+        </p:nvGraphicFramePr>
+        <p:xfrm>
+          <a:off x="285720" y="2000240"/>
+          <a:ext cx="8471928" cy="2285602"/>
+        </p:xfrm>
+        <a:graphic>
+          <a:graphicData uri="http://schemas.openxmlformats.org/drawingml/2006/table">
+            <a:tbl>
+              <a:tblPr firstRow="1" bandRow="1">
+                <a:tableStyleId>{5C22544A-7EE6-4342-B048-85BDC9FD1C3A}</a:tableStyleId>
+              </a:tblPr>
+              <a:tblGrid>
+                <a:gridCol w="2180823">
+                  <a:extLst>
+                    <a:ext uri="{9D8B030D-6E8A-4147-A177-3AD203B41FA5}">
+                      <a16:colId xmlns="" xmlns:a16="http://schemas.microsoft.com/office/drawing/2014/main" val="20000"/>
+                    </a:ext>
+                  </a:extLst>
+                </a:gridCol>
+                <a:gridCol w="1940417">
+                  <a:extLst>
+                    <a:ext uri="{9D8B030D-6E8A-4147-A177-3AD203B41FA5}">
+                      <a16:colId xmlns="" xmlns:a16="http://schemas.microsoft.com/office/drawing/2014/main" val="20001"/>
+                    </a:ext>
+                  </a:extLst>
+                </a:gridCol>
+                <a:gridCol w="4350688">
+                  <a:extLst>
+                    <a:ext uri="{9D8B030D-6E8A-4147-A177-3AD203B41FA5}">
+                      <a16:colId xmlns="" xmlns:a16="http://schemas.microsoft.com/office/drawing/2014/main" val="20002"/>
+                    </a:ext>
+                  </a:extLst>
+                </a:gridCol>
+              </a:tblGrid>
+              <a:tr h="291582">
+                <a:tc>
+                  <a:txBody>
+                    <a:bodyPr/>
+                    <a:lstStyle/>
+                    <a:p>
+                      <a:pPr algn="ctr"/>
+                      <a:r>
+                        <a:rPr lang="en-US" altLang="zh-CN" sz="1800" dirty="0"/>
+                        <a:t>Speaker</a:t>
+                      </a:r>
+                      <a:endParaRPr lang="zh-CN" altLang="en-US" sz="1800" dirty="0"/>
+                    </a:p>
+                  </a:txBody>
+                  <a:tcPr marL="110604" marR="110604" marT="28714" marB="28714" anchor="ctr"/>
+                </a:tc>
+                <a:tc>
+                  <a:txBody>
+                    <a:bodyPr/>
+                    <a:lstStyle/>
+                    <a:p>
+                      <a:pPr algn="ctr"/>
+                      <a:r>
+                        <a:rPr lang="en-US" altLang="zh-CN" sz="1800" dirty="0"/>
+                        <a:t>Time</a:t>
+                      </a:r>
+                      <a:endParaRPr lang="zh-CN" altLang="en-US" sz="1800" dirty="0"/>
+                    </a:p>
+                  </a:txBody>
+                  <a:tcPr marL="110604" marR="110604" marT="28714" marB="28714" anchor="ctr"/>
+                </a:tc>
+                <a:tc>
+                  <a:txBody>
+                    <a:bodyPr/>
+                    <a:lstStyle/>
+                    <a:p>
+                      <a:pPr algn="ctr"/>
+                      <a:r>
+                        <a:rPr lang="en-US" altLang="zh-CN" sz="1800" dirty="0"/>
+                        <a:t>Topic</a:t>
+                      </a:r>
+                      <a:endParaRPr lang="zh-CN" altLang="en-US" sz="1800" dirty="0"/>
+                    </a:p>
+                  </a:txBody>
+                  <a:tcPr marL="110604" marR="110604" marT="28714" marB="28714" anchor="ctr"/>
+                </a:tc>
+                <a:extLst>
+                  <a:ext uri="{0D108BD9-81ED-4DB2-BD59-A6C34878D82A}">
+                    <a16:rowId xmlns="" xmlns:a16="http://schemas.microsoft.com/office/drawing/2014/main" val="10000"/>
+                  </a:ext>
+                </a:extLst>
+              </a:tr>
+              <a:tr h="468908">
+                <a:tc>
+                  <a:txBody>
+                    <a:bodyPr/>
+                    <a:lstStyle/>
+                    <a:p>
+                      <a:pPr marL="0" marR="0" lvl="0" indent="0" algn="ctr" defTabSz="685800" rtl="0" eaLnBrk="1" fontAlgn="auto" latinLnBrk="0" hangingPunct="1">
+                        <a:lnSpc>
+                          <a:spcPct val="100000"/>
+                        </a:lnSpc>
+                        <a:spcBef>
+                          <a:spcPts val="0"/>
+                        </a:spcBef>
+                        <a:spcAft>
+                          <a:spcPts val="0"/>
+                        </a:spcAft>
+                        <a:buClrTx/>
+                        <a:buSzTx/>
+                        <a:buFontTx/>
+                        <a:buNone/>
+                        <a:defRPr/>
+                      </a:pPr>
+                      <a:endParaRPr lang="zh-CN" altLang="en-US" sz="1100" b="1" kern="1200" dirty="0">
+                        <a:solidFill>
+                          <a:schemeClr val="dk1"/>
+                        </a:solidFill>
+                        <a:latin typeface="微软雅黑" panose="020B0503020204020204" pitchFamily="34" charset="-122"/>
+                        <a:ea typeface="微软雅黑" panose="020B0503020204020204" pitchFamily="34" charset="-122"/>
+                        <a:cs typeface="+mn-cs"/>
+                      </a:endParaRPr>
+                    </a:p>
+                  </a:txBody>
+                  <a:tcPr marL="110604" marR="110604" marT="28714" marB="28714" anchor="ctr"/>
+                </a:tc>
+                <a:tc>
+                  <a:txBody>
+                    <a:bodyPr/>
+                    <a:lstStyle/>
+                    <a:p>
+                      <a:pPr marL="0" marR="0" lvl="0" indent="0" algn="ctr" defTabSz="685800" rtl="0" eaLnBrk="1" fontAlgn="auto" latinLnBrk="0" hangingPunct="1">
+                        <a:lnSpc>
+                          <a:spcPct val="100000"/>
+                        </a:lnSpc>
+                        <a:spcBef>
+                          <a:spcPts val="0"/>
+                        </a:spcBef>
+                        <a:spcAft>
+                          <a:spcPts val="0"/>
+                        </a:spcAft>
+                        <a:buClrTx/>
+                        <a:buSzTx/>
+                        <a:buFontTx/>
+                        <a:buNone/>
+                        <a:defRPr/>
+                      </a:pPr>
+                      <a:r>
+                        <a:rPr lang="en-US" altLang="zh-CN" sz="1100" b="1" kern="1200" dirty="0" smtClean="0">
+                          <a:solidFill>
+                            <a:schemeClr val="dk1"/>
+                          </a:solidFill>
+                          <a:latin typeface="微软雅黑" panose="020B0503020204020204" pitchFamily="34" charset="-122"/>
+                          <a:ea typeface="微软雅黑" panose="020B0503020204020204" pitchFamily="34" charset="-122"/>
+                          <a:cs typeface="+mn-cs"/>
+                        </a:rPr>
+                        <a:t>15:45-16:10</a:t>
+                      </a:r>
+                      <a:endParaRPr lang="zh-CN" altLang="en-US" sz="1100" b="1" kern="1200" dirty="0">
+                        <a:solidFill>
+                          <a:schemeClr val="dk1"/>
+                        </a:solidFill>
+                        <a:latin typeface="微软雅黑" panose="020B0503020204020204" pitchFamily="34" charset="-122"/>
+                        <a:ea typeface="微软雅黑" panose="020B0503020204020204" pitchFamily="34" charset="-122"/>
+                        <a:cs typeface="+mn-cs"/>
+                      </a:endParaRPr>
+                    </a:p>
+                  </a:txBody>
+                  <a:tcPr marL="110604" marR="110604" marT="28714" marB="28714" anchor="ctr"/>
+                </a:tc>
+                <a:tc>
+                  <a:txBody>
+                    <a:bodyPr/>
+                    <a:lstStyle/>
+                    <a:p>
+                      <a:pPr marL="0" marR="0" lvl="0" indent="0" algn="ctr" defTabSz="685800" rtl="0" eaLnBrk="1" fontAlgn="auto" latinLnBrk="0" hangingPunct="1">
+                        <a:lnSpc>
+                          <a:spcPct val="100000"/>
+                        </a:lnSpc>
+                        <a:spcBef>
+                          <a:spcPts val="0"/>
+                        </a:spcBef>
+                        <a:spcAft>
+                          <a:spcPts val="0"/>
+                        </a:spcAft>
+                        <a:buClrTx/>
+                        <a:buSzTx/>
+                        <a:buFontTx/>
+                        <a:buNone/>
+                        <a:defRPr/>
+                      </a:pPr>
+                      <a:r>
+                        <a:rPr lang="en-US" altLang="zh-CN" sz="1100" b="1" kern="1200" dirty="0" smtClean="0">
+                          <a:solidFill>
+                            <a:schemeClr val="dk1"/>
+                          </a:solidFill>
+                          <a:latin typeface="微软雅黑" panose="020B0503020204020204" pitchFamily="34" charset="-122"/>
+                          <a:ea typeface="微软雅黑" panose="020B0503020204020204" pitchFamily="34" charset="-122"/>
+                          <a:cs typeface="+mn-cs"/>
+                        </a:rPr>
+                        <a:t>Coffee  Break</a:t>
+                      </a:r>
+                      <a:endParaRPr lang="zh-CN" altLang="en-US" sz="1100" b="1" kern="1200" dirty="0">
+                        <a:solidFill>
+                          <a:schemeClr val="dk1"/>
+                        </a:solidFill>
+                        <a:latin typeface="微软雅黑" panose="020B0503020204020204" pitchFamily="34" charset="-122"/>
+                        <a:ea typeface="微软雅黑" panose="020B0503020204020204" pitchFamily="34" charset="-122"/>
+                        <a:cs typeface="+mn-cs"/>
+                      </a:endParaRPr>
+                    </a:p>
+                  </a:txBody>
+                  <a:tcPr marL="110604" marR="110604" marT="28714" marB="28714" anchor="ctr"/>
+                </a:tc>
+                <a:extLst>
+                  <a:ext uri="{0D108BD9-81ED-4DB2-BD59-A6C34878D82A}">
+                    <a16:rowId xmlns="" xmlns:a16="http://schemas.microsoft.com/office/drawing/2014/main" val="10001"/>
+                  </a:ext>
+                </a:extLst>
+              </a:tr>
+              <a:tr h="468908">
+                <a:tc>
+                  <a:txBody>
+                    <a:bodyPr/>
+                    <a:lstStyle/>
+                    <a:p>
+                      <a:pPr marL="0" algn="ctr" defTabSz="685800" rtl="0" eaLnBrk="1" latinLnBrk="0" hangingPunct="1"/>
+                      <a:r>
+                        <a:rPr lang="en-US" altLang="zh-CN" sz="1100" b="1" kern="1200" dirty="0" err="1" smtClean="0">
+                          <a:solidFill>
+                            <a:schemeClr val="dk1"/>
+                          </a:solidFill>
+                          <a:latin typeface="微软雅黑" panose="020B0503020204020204" pitchFamily="34" charset="-122"/>
+                          <a:ea typeface="微软雅黑" panose="020B0503020204020204" pitchFamily="34" charset="-122"/>
+                          <a:cs typeface="+mn-cs"/>
+                        </a:rPr>
+                        <a:t>ShuMin</a:t>
+                      </a:r>
+                      <a:r>
+                        <a:rPr lang="en-US" altLang="zh-CN" sz="1100" b="1" kern="1200" baseline="0" dirty="0" smtClean="0">
+                          <a:solidFill>
+                            <a:schemeClr val="dk1"/>
+                          </a:solidFill>
+                          <a:latin typeface="微软雅黑" panose="020B0503020204020204" pitchFamily="34" charset="-122"/>
+                          <a:ea typeface="微软雅黑" panose="020B0503020204020204" pitchFamily="34" charset="-122"/>
+                          <a:cs typeface="+mn-cs"/>
+                        </a:rPr>
+                        <a:t> </a:t>
+                      </a:r>
+                      <a:r>
+                        <a:rPr lang="en-US" altLang="zh-CN" sz="1100" b="1" kern="1200" dirty="0" smtClean="0">
+                          <a:solidFill>
+                            <a:schemeClr val="dk1"/>
+                          </a:solidFill>
+                          <a:latin typeface="微软雅黑" panose="020B0503020204020204" pitchFamily="34" charset="-122"/>
+                          <a:ea typeface="微软雅黑" panose="020B0503020204020204" pitchFamily="34" charset="-122"/>
+                          <a:cs typeface="+mn-cs"/>
+                        </a:rPr>
+                        <a:t>Xiao(</a:t>
+                      </a:r>
+                      <a:r>
+                        <a:rPr lang="zh-CN" altLang="en-US" sz="1100" b="1" kern="1200" dirty="0" smtClean="0">
+                          <a:solidFill>
+                            <a:schemeClr val="dk1"/>
+                          </a:solidFill>
+                          <a:latin typeface="微软雅黑" panose="020B0503020204020204" pitchFamily="34" charset="-122"/>
+                          <a:ea typeface="微软雅黑" panose="020B0503020204020204" pitchFamily="34" charset="-122"/>
+                          <a:cs typeface="+mn-cs"/>
+                        </a:rPr>
+                        <a:t>肖淑敏</a:t>
+                      </a:r>
+                      <a:r>
+                        <a:rPr lang="en-US" altLang="zh-CN" sz="1100" b="1" kern="1200" dirty="0" smtClean="0">
+                          <a:solidFill>
+                            <a:schemeClr val="dk1"/>
+                          </a:solidFill>
+                          <a:latin typeface="微软雅黑" panose="020B0503020204020204" pitchFamily="34" charset="-122"/>
+                          <a:ea typeface="微软雅黑" panose="020B0503020204020204" pitchFamily="34" charset="-122"/>
+                          <a:cs typeface="+mn-cs"/>
+                        </a:rPr>
+                        <a:t>)</a:t>
+                      </a:r>
+                      <a:endParaRPr lang="zh-CN" altLang="en-US" sz="1100" b="1" kern="1200" dirty="0">
+                        <a:solidFill>
+                          <a:schemeClr val="dk1"/>
+                        </a:solidFill>
+                        <a:latin typeface="微软雅黑" panose="020B0503020204020204" pitchFamily="34" charset="-122"/>
+                        <a:ea typeface="微软雅黑" panose="020B0503020204020204" pitchFamily="34" charset="-122"/>
+                        <a:cs typeface="+mn-cs"/>
+                      </a:endParaRPr>
+                    </a:p>
+                  </a:txBody>
+                  <a:tcPr marL="110604" marR="110604" marT="28714" marB="28714" anchor="ctr"/>
+                </a:tc>
+                <a:tc>
+                  <a:txBody>
+                    <a:bodyPr/>
+                    <a:lstStyle/>
+                    <a:p>
+                      <a:pPr algn="ctr"/>
+                      <a:r>
+                        <a:rPr lang="en-US" altLang="zh-CN" sz="1100" b="1" dirty="0" smtClean="0">
+                          <a:latin typeface="微软雅黑" panose="020B0503020204020204" pitchFamily="34" charset="-122"/>
+                          <a:ea typeface="微软雅黑" panose="020B0503020204020204" pitchFamily="34" charset="-122"/>
+                        </a:rPr>
+                        <a:t>16:10-16:35</a:t>
+                      </a:r>
+                      <a:endParaRPr lang="zh-CN" altLang="en-US" sz="1100" b="1" dirty="0">
+                        <a:latin typeface="微软雅黑" panose="020B0503020204020204" pitchFamily="34" charset="-122"/>
+                        <a:ea typeface="微软雅黑" panose="020B0503020204020204" pitchFamily="34" charset="-122"/>
+                      </a:endParaRPr>
+                    </a:p>
+                  </a:txBody>
+                  <a:tcPr marL="110604" marR="110604" marT="28714" marB="28714" anchor="ctr"/>
+                </a:tc>
+                <a:tc>
+                  <a:txBody>
+                    <a:bodyPr/>
+                    <a:lstStyle/>
+                    <a:p>
+                      <a:pPr marL="0" marR="0" indent="0" algn="ctr" defTabSz="685800" rtl="0" eaLnBrk="1" fontAlgn="auto" latinLnBrk="0" hangingPunct="1">
+                        <a:lnSpc>
+                          <a:spcPct val="100000"/>
+                        </a:lnSpc>
+                        <a:spcBef>
+                          <a:spcPts val="0"/>
+                        </a:spcBef>
+                        <a:spcAft>
+                          <a:spcPts val="0"/>
+                        </a:spcAft>
+                        <a:buClrTx/>
+                        <a:buSzTx/>
+                        <a:buFontTx/>
+                        <a:buNone/>
+                        <a:defRPr/>
+                      </a:pPr>
+                      <a:r>
+                        <a:rPr lang="zh-CN" altLang="en-US" sz="1100" b="1" kern="1200" dirty="0" smtClean="0">
+                          <a:solidFill>
+                            <a:schemeClr val="dk1"/>
+                          </a:solidFill>
+                          <a:latin typeface="微软雅黑" panose="020B0503020204020204" pitchFamily="34" charset="-122"/>
+                          <a:ea typeface="微软雅黑" panose="020B0503020204020204" pitchFamily="34" charset="-122"/>
+                          <a:cs typeface="+mn-cs"/>
+                        </a:rPr>
+                        <a:t>全介质超构表面的研究（</a:t>
+                      </a:r>
+                      <a:r>
+                        <a:rPr lang="en-US" altLang="zh-CN" sz="1100" b="1" kern="1200" dirty="0" smtClean="0">
+                          <a:solidFill>
+                            <a:schemeClr val="dk1"/>
+                          </a:solidFill>
+                          <a:latin typeface="微软雅黑" panose="020B0503020204020204" pitchFamily="34" charset="-122"/>
+                          <a:ea typeface="微软雅黑" panose="020B0503020204020204" pitchFamily="34" charset="-122"/>
+                          <a:cs typeface="+mn-cs"/>
+                        </a:rPr>
+                        <a:t>All-dielectric </a:t>
+                      </a:r>
+                      <a:r>
+                        <a:rPr lang="en-US" altLang="zh-CN" sz="1100" b="1" kern="1200" dirty="0" err="1" smtClean="0">
+                          <a:solidFill>
+                            <a:schemeClr val="dk1"/>
+                          </a:solidFill>
+                          <a:latin typeface="微软雅黑" panose="020B0503020204020204" pitchFamily="34" charset="-122"/>
+                          <a:ea typeface="微软雅黑" panose="020B0503020204020204" pitchFamily="34" charset="-122"/>
+                          <a:cs typeface="+mn-cs"/>
+                        </a:rPr>
+                        <a:t>Metasurfaces</a:t>
+                      </a:r>
+                      <a:r>
+                        <a:rPr lang="zh-CN" altLang="en-US" sz="1100" b="1" kern="1200" dirty="0" smtClean="0">
+                          <a:solidFill>
+                            <a:schemeClr val="dk1"/>
+                          </a:solidFill>
+                          <a:latin typeface="微软雅黑" panose="020B0503020204020204" pitchFamily="34" charset="-122"/>
+                          <a:ea typeface="微软雅黑" panose="020B0503020204020204" pitchFamily="34" charset="-122"/>
+                          <a:cs typeface="+mn-cs"/>
+                        </a:rPr>
+                        <a:t>）</a:t>
+                      </a:r>
+                    </a:p>
+                    <a:p>
+                      <a:pPr algn="ctr"/>
+                      <a:r>
+                        <a:rPr lang="en-US" altLang="zh-CN" sz="1100" b="1" kern="1200" dirty="0" smtClean="0">
+                          <a:solidFill>
+                            <a:schemeClr val="dk1"/>
+                          </a:solidFill>
+                          <a:latin typeface="微软雅黑" panose="020B0503020204020204" pitchFamily="34" charset="-122"/>
+                          <a:ea typeface="微软雅黑" panose="020B0503020204020204" pitchFamily="34" charset="-122"/>
+                          <a:cs typeface="+mn-cs"/>
+                        </a:rPr>
+                        <a:t>Opening ceremony</a:t>
+                      </a:r>
+                      <a:endParaRPr lang="zh-CN" altLang="en-US" sz="1100" b="1" kern="1200" dirty="0">
+                        <a:solidFill>
+                          <a:schemeClr val="dk1"/>
+                        </a:solidFill>
+                        <a:latin typeface="微软雅黑" panose="020B0503020204020204" pitchFamily="34" charset="-122"/>
+                        <a:ea typeface="微软雅黑" panose="020B0503020204020204" pitchFamily="34" charset="-122"/>
+                        <a:cs typeface="+mn-cs"/>
+                      </a:endParaRPr>
+                    </a:p>
+                  </a:txBody>
+                  <a:tcPr marL="110604" marR="110604" marT="28714" marB="28714" anchor="ctr"/>
+                </a:tc>
+                <a:extLst>
+                  <a:ext uri="{0D108BD9-81ED-4DB2-BD59-A6C34878D82A}">
+                    <a16:rowId xmlns="" xmlns:a16="http://schemas.microsoft.com/office/drawing/2014/main" val="10002"/>
+                  </a:ext>
+                </a:extLst>
+              </a:tr>
+              <a:tr h="331748">
+                <a:tc>
+                  <a:txBody>
+                    <a:bodyPr/>
+                    <a:lstStyle/>
+                    <a:p>
+                      <a:pPr marL="0" algn="ctr" defTabSz="685800" rtl="0" eaLnBrk="1" latinLnBrk="0" hangingPunct="1"/>
+                      <a:r>
+                        <a:rPr lang="en-US" altLang="zh-CN" sz="1100" b="1" kern="1200" dirty="0" err="1" smtClean="0">
+                          <a:solidFill>
+                            <a:schemeClr val="dk1"/>
+                          </a:solidFill>
+                          <a:latin typeface="微软雅黑" panose="020B0503020204020204" pitchFamily="34" charset="-122"/>
+                          <a:ea typeface="微软雅黑" panose="020B0503020204020204" pitchFamily="34" charset="-122"/>
+                          <a:cs typeface="+mn-cs"/>
+                        </a:rPr>
+                        <a:t>ZhiYu</a:t>
+                      </a:r>
+                      <a:r>
+                        <a:rPr lang="en-US" altLang="zh-CN" sz="1100" b="1" kern="1200" dirty="0" smtClean="0">
+                          <a:solidFill>
+                            <a:schemeClr val="dk1"/>
+                          </a:solidFill>
+                          <a:latin typeface="微软雅黑" panose="020B0503020204020204" pitchFamily="34" charset="-122"/>
+                          <a:ea typeface="微软雅黑" panose="020B0503020204020204" pitchFamily="34" charset="-122"/>
+                          <a:cs typeface="+mn-cs"/>
+                        </a:rPr>
+                        <a:t> Yang(</a:t>
+                      </a:r>
+                      <a:r>
+                        <a:rPr lang="zh-CN" altLang="en-US" sz="1100" b="1" kern="1200" dirty="0" smtClean="0">
+                          <a:solidFill>
+                            <a:schemeClr val="dk1"/>
+                          </a:solidFill>
+                          <a:latin typeface="微软雅黑" panose="020B0503020204020204" pitchFamily="34" charset="-122"/>
+                          <a:ea typeface="微软雅黑" panose="020B0503020204020204" pitchFamily="34" charset="-122"/>
+                          <a:cs typeface="+mn-cs"/>
+                        </a:rPr>
+                        <a:t>杨志宇</a:t>
+                      </a:r>
+                      <a:r>
+                        <a:rPr lang="en-US" altLang="zh-CN" sz="1100" b="1" kern="1200" dirty="0" smtClean="0">
+                          <a:solidFill>
+                            <a:schemeClr val="dk1"/>
+                          </a:solidFill>
+                          <a:latin typeface="微软雅黑" panose="020B0503020204020204" pitchFamily="34" charset="-122"/>
+                          <a:ea typeface="微软雅黑" panose="020B0503020204020204" pitchFamily="34" charset="-122"/>
+                          <a:cs typeface="+mn-cs"/>
+                        </a:rPr>
+                        <a:t>)</a:t>
+                      </a:r>
+                      <a:endParaRPr lang="zh-CN" altLang="en-US" sz="1100" b="1" kern="1200" dirty="0">
+                        <a:solidFill>
+                          <a:schemeClr val="dk1"/>
+                        </a:solidFill>
+                        <a:latin typeface="微软雅黑" panose="020B0503020204020204" pitchFamily="34" charset="-122"/>
+                        <a:ea typeface="微软雅黑" panose="020B0503020204020204" pitchFamily="34" charset="-122"/>
+                        <a:cs typeface="+mn-cs"/>
+                      </a:endParaRPr>
+                    </a:p>
+                  </a:txBody>
+                  <a:tcPr marL="110604" marR="110604" marT="28714" marB="28714" anchor="ctr"/>
+                </a:tc>
+                <a:tc>
+                  <a:txBody>
+                    <a:bodyPr/>
+                    <a:lstStyle/>
+                    <a:p>
+                      <a:pPr marL="0" algn="ctr" defTabSz="685800" rtl="0" eaLnBrk="1" latinLnBrk="0" hangingPunct="1"/>
+                      <a:r>
+                        <a:rPr lang="en-US" altLang="zh-CN" sz="1100" b="1" kern="1200" dirty="0" smtClean="0">
+                          <a:solidFill>
+                            <a:schemeClr val="dk1"/>
+                          </a:solidFill>
+                          <a:latin typeface="微软雅黑" panose="020B0503020204020204" pitchFamily="34" charset="-122"/>
+                          <a:ea typeface="微软雅黑" panose="020B0503020204020204" pitchFamily="34" charset="-122"/>
+                          <a:cs typeface="+mn-cs"/>
+                        </a:rPr>
+                        <a:t>16:35-17:00</a:t>
+                      </a:r>
+                      <a:endParaRPr lang="zh-CN" altLang="en-US" sz="1100" b="1" kern="1200" dirty="0">
+                        <a:solidFill>
+                          <a:schemeClr val="dk1"/>
+                        </a:solidFill>
+                        <a:latin typeface="微软雅黑" panose="020B0503020204020204" pitchFamily="34" charset="-122"/>
+                        <a:ea typeface="微软雅黑" panose="020B0503020204020204" pitchFamily="34" charset="-122"/>
+                        <a:cs typeface="+mn-cs"/>
+                      </a:endParaRPr>
+                    </a:p>
+                  </a:txBody>
+                  <a:tcPr marL="110604" marR="110604" marT="28714" marB="28714" anchor="ctr"/>
+                </a:tc>
+                <a:tc>
+                  <a:txBody>
+                    <a:bodyPr/>
+                    <a:lstStyle/>
+                    <a:p>
+                      <a:pPr marL="0" algn="ctr" defTabSz="685800" rtl="0" eaLnBrk="1" latinLnBrk="0" hangingPunct="1"/>
+                      <a:r>
+                        <a:rPr lang="en-US" altLang="zh-CN" sz="1100" b="1" kern="1200" dirty="0" smtClean="0">
+                          <a:solidFill>
+                            <a:schemeClr val="dk1"/>
+                          </a:solidFill>
+                          <a:latin typeface="微软雅黑" panose="020B0503020204020204" pitchFamily="34" charset="-122"/>
+                          <a:ea typeface="微软雅黑" panose="020B0503020204020204" pitchFamily="34" charset="-122"/>
+                          <a:cs typeface="+mn-cs"/>
+                        </a:rPr>
+                        <a:t>Coherent wave manipulations</a:t>
+                      </a:r>
+                      <a:endParaRPr lang="zh-CN" altLang="en-US" sz="1100" b="1" kern="1200" dirty="0">
+                        <a:solidFill>
+                          <a:schemeClr val="dk1"/>
+                        </a:solidFill>
+                        <a:latin typeface="微软雅黑" panose="020B0503020204020204" pitchFamily="34" charset="-122"/>
+                        <a:ea typeface="微软雅黑" panose="020B0503020204020204" pitchFamily="34" charset="-122"/>
+                        <a:cs typeface="+mn-cs"/>
+                      </a:endParaRPr>
+                    </a:p>
+                  </a:txBody>
+                  <a:tcPr marL="110604" marR="110604" marT="28714" marB="28714" anchor="ctr"/>
+                </a:tc>
+                <a:extLst>
+                  <a:ext uri="{0D108BD9-81ED-4DB2-BD59-A6C34878D82A}">
+                    <a16:rowId xmlns="" xmlns:a16="http://schemas.microsoft.com/office/drawing/2014/main" val="10003"/>
+                  </a:ext>
+                </a:extLst>
+              </a:tr>
+              <a:tr h="331748">
+                <a:tc>
+                  <a:txBody>
+                    <a:bodyPr/>
+                    <a:lstStyle/>
+                    <a:p>
+                      <a:pPr marL="0" algn="ctr" defTabSz="685800" rtl="0" eaLnBrk="1" latinLnBrk="0" hangingPunct="1"/>
+                      <a:r>
+                        <a:rPr lang="en-US" altLang="zh-CN" sz="1100" b="1" kern="1200" dirty="0" err="1" smtClean="0">
+                          <a:solidFill>
+                            <a:schemeClr val="dk1"/>
+                          </a:solidFill>
+                          <a:latin typeface="微软雅黑" panose="020B0503020204020204" pitchFamily="34" charset="-122"/>
+                          <a:ea typeface="微软雅黑" panose="020B0503020204020204" pitchFamily="34" charset="-122"/>
+                          <a:cs typeface="+mn-cs"/>
+                        </a:rPr>
+                        <a:t>GuanCong</a:t>
+                      </a:r>
+                      <a:r>
+                        <a:rPr lang="en-US" altLang="zh-CN" sz="1100" b="1" kern="1200" dirty="0" smtClean="0">
+                          <a:solidFill>
+                            <a:schemeClr val="dk1"/>
+                          </a:solidFill>
+                          <a:latin typeface="微软雅黑" panose="020B0503020204020204" pitchFamily="34" charset="-122"/>
+                          <a:ea typeface="微软雅黑" panose="020B0503020204020204" pitchFamily="34" charset="-122"/>
+                          <a:cs typeface="+mn-cs"/>
+                        </a:rPr>
+                        <a:t> Ma(</a:t>
+                      </a:r>
+                      <a:r>
+                        <a:rPr lang="zh-CN" altLang="en-US" sz="1100" b="1" kern="1200" dirty="0" smtClean="0">
+                          <a:solidFill>
+                            <a:schemeClr val="dk1"/>
+                          </a:solidFill>
+                          <a:latin typeface="微软雅黑" panose="020B0503020204020204" pitchFamily="34" charset="-122"/>
+                          <a:ea typeface="微软雅黑" panose="020B0503020204020204" pitchFamily="34" charset="-122"/>
+                          <a:cs typeface="+mn-cs"/>
+                        </a:rPr>
+                        <a:t>马冠聪</a:t>
+                      </a:r>
+                      <a:r>
+                        <a:rPr lang="en-US" altLang="zh-CN" sz="1100" b="1" kern="1200" dirty="0" smtClean="0">
+                          <a:solidFill>
+                            <a:schemeClr val="dk1"/>
+                          </a:solidFill>
+                          <a:latin typeface="微软雅黑" panose="020B0503020204020204" pitchFamily="34" charset="-122"/>
+                          <a:ea typeface="微软雅黑" panose="020B0503020204020204" pitchFamily="34" charset="-122"/>
+                          <a:cs typeface="+mn-cs"/>
+                        </a:rPr>
+                        <a:t>)</a:t>
+                      </a:r>
+                      <a:endParaRPr lang="zh-CN" altLang="en-US" sz="1100" b="1" kern="1200" dirty="0">
+                        <a:solidFill>
+                          <a:schemeClr val="dk1"/>
+                        </a:solidFill>
+                        <a:latin typeface="微软雅黑" panose="020B0503020204020204" pitchFamily="34" charset="-122"/>
+                        <a:ea typeface="微软雅黑" panose="020B0503020204020204" pitchFamily="34" charset="-122"/>
+                        <a:cs typeface="+mn-cs"/>
+                      </a:endParaRPr>
+                    </a:p>
+                  </a:txBody>
+                  <a:tcPr marL="110604" marR="110604" marT="28714" marB="28714" anchor="ctr"/>
+                </a:tc>
+                <a:tc>
+                  <a:txBody>
+                    <a:bodyPr/>
+                    <a:lstStyle/>
+                    <a:p>
+                      <a:pPr marL="0" algn="ctr" defTabSz="685800" rtl="0" eaLnBrk="1" latinLnBrk="0" hangingPunct="1"/>
+                      <a:r>
+                        <a:rPr lang="en-US" altLang="zh-CN" sz="1100" b="1" kern="1200" dirty="0" smtClean="0">
+                          <a:solidFill>
+                            <a:schemeClr val="dk1"/>
+                          </a:solidFill>
+                          <a:latin typeface="微软雅黑" panose="020B0503020204020204" pitchFamily="34" charset="-122"/>
+                          <a:ea typeface="微软雅黑" panose="020B0503020204020204" pitchFamily="34" charset="-122"/>
+                          <a:cs typeface="+mn-cs"/>
+                        </a:rPr>
+                        <a:t>17:00-17:25</a:t>
+                      </a:r>
+                      <a:endParaRPr lang="zh-CN" altLang="en-US" sz="1100" b="1" kern="1200" dirty="0">
+                        <a:solidFill>
+                          <a:schemeClr val="dk1"/>
+                        </a:solidFill>
+                        <a:latin typeface="微软雅黑" panose="020B0503020204020204" pitchFamily="34" charset="-122"/>
+                        <a:ea typeface="微软雅黑" panose="020B0503020204020204" pitchFamily="34" charset="-122"/>
+                        <a:cs typeface="+mn-cs"/>
+                      </a:endParaRPr>
+                    </a:p>
+                  </a:txBody>
+                  <a:tcPr marL="110604" marR="110604" marT="28714" marB="28714" anchor="ctr"/>
+                </a:tc>
+                <a:tc>
+                  <a:txBody>
+                    <a:bodyPr/>
+                    <a:lstStyle/>
+                    <a:p>
+                      <a:pPr marL="0" algn="ctr" defTabSz="685800" rtl="0" eaLnBrk="1" latinLnBrk="0" hangingPunct="1"/>
+                      <a:r>
+                        <a:rPr lang="en-US" altLang="zh-CN" sz="1100" b="1" kern="1200" dirty="0" smtClean="0">
+                          <a:solidFill>
+                            <a:schemeClr val="dk1"/>
+                          </a:solidFill>
+                          <a:latin typeface="微软雅黑" panose="020B0503020204020204" pitchFamily="34" charset="-122"/>
+                          <a:ea typeface="微软雅黑" panose="020B0503020204020204" pitchFamily="34" charset="-122"/>
+                          <a:cs typeface="+mn-cs"/>
+                        </a:rPr>
+                        <a:t>Controlling complex  sound field with spatial sound modulator</a:t>
+                      </a:r>
+                      <a:endParaRPr lang="zh-CN" altLang="en-US" sz="1100" b="1" kern="1200" dirty="0">
+                        <a:solidFill>
+                          <a:schemeClr val="dk1"/>
+                        </a:solidFill>
+                        <a:latin typeface="微软雅黑" panose="020B0503020204020204" pitchFamily="34" charset="-122"/>
+                        <a:ea typeface="微软雅黑" panose="020B0503020204020204" pitchFamily="34" charset="-122"/>
+                        <a:cs typeface="+mn-cs"/>
+                      </a:endParaRPr>
+                    </a:p>
+                  </a:txBody>
+                  <a:tcPr marL="110604" marR="110604" marT="28714" marB="28714" anchor="ctr"/>
+                </a:tc>
+                <a:extLst>
+                  <a:ext uri="{0D108BD9-81ED-4DB2-BD59-A6C34878D82A}">
+                    <a16:rowId xmlns="" xmlns:a16="http://schemas.microsoft.com/office/drawing/2014/main" val="10004"/>
+                  </a:ext>
+                </a:extLst>
+              </a:tr>
+              <a:tr h="291582">
+                <a:tc>
+                  <a:txBody>
+                    <a:bodyPr/>
+                    <a:lstStyle/>
+                    <a:p>
+                      <a:pPr marL="0" algn="ctr" defTabSz="685800" rtl="0" eaLnBrk="1" latinLnBrk="0" hangingPunct="1"/>
+                      <a:r>
+                        <a:rPr lang="en-US" altLang="en-US" sz="1100" b="1" kern="1200" dirty="0" smtClean="0">
+                          <a:solidFill>
+                            <a:schemeClr val="tx1"/>
+                          </a:solidFill>
+                          <a:latin typeface="微软雅黑" panose="020B0503020204020204" pitchFamily="34" charset="-122"/>
+                          <a:ea typeface="微软雅黑" panose="020B0503020204020204" pitchFamily="34" charset="-122"/>
+                          <a:cs typeface="+mn-cs"/>
+                        </a:rPr>
+                        <a:t>LI Jensen </a:t>
+                      </a:r>
+                      <a:r>
+                        <a:rPr lang="en-US" altLang="en-US" sz="1100" b="1" kern="1200" dirty="0" err="1" smtClean="0">
+                          <a:solidFill>
+                            <a:schemeClr val="tx1"/>
+                          </a:solidFill>
+                          <a:latin typeface="微软雅黑" panose="020B0503020204020204" pitchFamily="34" charset="-122"/>
+                          <a:ea typeface="微软雅黑" panose="020B0503020204020204" pitchFamily="34" charset="-122"/>
+                          <a:cs typeface="+mn-cs"/>
+                        </a:rPr>
+                        <a:t>Tsan</a:t>
+                      </a:r>
+                      <a:r>
+                        <a:rPr lang="en-US" altLang="en-US" sz="1100" b="1" kern="1200" dirty="0" smtClean="0">
+                          <a:solidFill>
+                            <a:schemeClr val="tx1"/>
+                          </a:solidFill>
+                          <a:latin typeface="微软雅黑" panose="020B0503020204020204" pitchFamily="34" charset="-122"/>
+                          <a:ea typeface="微软雅黑" panose="020B0503020204020204" pitchFamily="34" charset="-122"/>
+                          <a:cs typeface="+mn-cs"/>
+                        </a:rPr>
+                        <a:t> Hang</a:t>
+                      </a:r>
+                      <a:r>
+                        <a:rPr lang="en-US" altLang="zh-CN" sz="1100" b="1" kern="1200" dirty="0" smtClean="0">
+                          <a:solidFill>
+                            <a:schemeClr val="dk1"/>
+                          </a:solidFill>
+                          <a:latin typeface="微软雅黑" panose="020B0503020204020204" pitchFamily="34" charset="-122"/>
+                          <a:ea typeface="微软雅黑" panose="020B0503020204020204" pitchFamily="34" charset="-122"/>
+                          <a:cs typeface="+mn-cs"/>
+                        </a:rPr>
+                        <a:t>(</a:t>
+                      </a:r>
+                      <a:r>
+                        <a:rPr lang="zh-CN" altLang="en-US" sz="1100" b="1" kern="1200" dirty="0" smtClean="0">
+                          <a:solidFill>
+                            <a:schemeClr val="dk1"/>
+                          </a:solidFill>
+                          <a:latin typeface="微软雅黑" panose="020B0503020204020204" pitchFamily="34" charset="-122"/>
+                          <a:ea typeface="微软雅黑" panose="020B0503020204020204" pitchFamily="34" charset="-122"/>
+                          <a:cs typeface="+mn-cs"/>
+                        </a:rPr>
+                        <a:t>李赞恒</a:t>
+                      </a:r>
+                      <a:r>
+                        <a:rPr lang="en-US" altLang="zh-CN" sz="1100" b="1" kern="1200" dirty="0" smtClean="0">
+                          <a:solidFill>
+                            <a:schemeClr val="dk1"/>
+                          </a:solidFill>
+                          <a:latin typeface="微软雅黑" panose="020B0503020204020204" pitchFamily="34" charset="-122"/>
+                          <a:ea typeface="微软雅黑" panose="020B0503020204020204" pitchFamily="34" charset="-122"/>
+                          <a:cs typeface="+mn-cs"/>
+                        </a:rPr>
+                        <a:t>)</a:t>
+                      </a:r>
+                      <a:endParaRPr lang="zh-CN" altLang="zh-CN" sz="1100" b="1" kern="1200" dirty="0">
+                        <a:solidFill>
+                          <a:schemeClr val="dk1"/>
+                        </a:solidFill>
+                        <a:latin typeface="微软雅黑" panose="020B0503020204020204" pitchFamily="34" charset="-122"/>
+                        <a:ea typeface="微软雅黑" panose="020B0503020204020204" pitchFamily="34" charset="-122"/>
+                        <a:cs typeface="+mn-cs"/>
+                      </a:endParaRPr>
+                    </a:p>
+                  </a:txBody>
+                  <a:tcPr marL="110604" marR="110604" marT="28714" marB="28714" anchor="ctr"/>
+                </a:tc>
+                <a:tc>
+                  <a:txBody>
+                    <a:bodyPr/>
+                    <a:lstStyle/>
+                    <a:p>
+                      <a:pPr marL="0" algn="ctr" defTabSz="685800" rtl="0" eaLnBrk="1" latinLnBrk="0" hangingPunct="1"/>
+                      <a:r>
+                        <a:rPr lang="en-US" altLang="zh-CN" sz="1100" b="1" kern="1200" dirty="0" smtClean="0">
+                          <a:solidFill>
+                            <a:schemeClr val="dk1"/>
+                          </a:solidFill>
+                          <a:latin typeface="微软雅黑" panose="020B0503020204020204" pitchFamily="34" charset="-122"/>
+                          <a:ea typeface="微软雅黑" panose="020B0503020204020204" pitchFamily="34" charset="-122"/>
+                          <a:cs typeface="+mn-cs"/>
+                        </a:rPr>
+                        <a:t>17:25-17:40</a:t>
+                      </a:r>
+                      <a:endParaRPr lang="zh-CN" altLang="en-US" sz="1100" b="1" kern="1200" dirty="0">
+                        <a:solidFill>
+                          <a:schemeClr val="dk1"/>
+                        </a:solidFill>
+                        <a:latin typeface="微软雅黑" panose="020B0503020204020204" pitchFamily="34" charset="-122"/>
+                        <a:ea typeface="微软雅黑" panose="020B0503020204020204" pitchFamily="34" charset="-122"/>
+                        <a:cs typeface="+mn-cs"/>
+                      </a:endParaRPr>
+                    </a:p>
+                  </a:txBody>
+                  <a:tcPr marL="110604" marR="110604" marT="28714" marB="28714" anchor="ctr"/>
+                </a:tc>
+                <a:tc>
+                  <a:txBody>
+                    <a:bodyPr/>
+                    <a:lstStyle/>
+                    <a:p>
+                      <a:pPr marL="0" algn="ctr" defTabSz="685800" rtl="0" eaLnBrk="1" latinLnBrk="0" hangingPunct="1"/>
+                      <a:r>
+                        <a:rPr lang="en-US" altLang="zh-CN" sz="1100" b="1" kern="1200" dirty="0" smtClean="0">
+                          <a:solidFill>
+                            <a:schemeClr val="dk1"/>
+                          </a:solidFill>
+                          <a:latin typeface="微软雅黑" panose="020B0503020204020204" pitchFamily="34" charset="-122"/>
+                          <a:ea typeface="微软雅黑" panose="020B0503020204020204" pitchFamily="34" charset="-122"/>
+                          <a:cs typeface="+mn-cs"/>
+                        </a:rPr>
+                        <a:t>Elastic </a:t>
+                      </a:r>
+                      <a:r>
+                        <a:rPr lang="en-US" altLang="zh-CN" sz="1100" b="1" kern="1200" dirty="0" err="1" smtClean="0">
+                          <a:solidFill>
+                            <a:schemeClr val="dk1"/>
+                          </a:solidFill>
+                          <a:latin typeface="微软雅黑" panose="020B0503020204020204" pitchFamily="34" charset="-122"/>
+                          <a:ea typeface="微软雅黑" panose="020B0503020204020204" pitchFamily="34" charset="-122"/>
+                          <a:cs typeface="+mn-cs"/>
+                        </a:rPr>
+                        <a:t>metasurfaces</a:t>
+                      </a:r>
+                      <a:endParaRPr lang="zh-CN" altLang="en-US" sz="1100" b="1" kern="1200" dirty="0">
+                        <a:solidFill>
+                          <a:schemeClr val="dk1"/>
+                        </a:solidFill>
+                        <a:latin typeface="微软雅黑" panose="020B0503020204020204" pitchFamily="34" charset="-122"/>
+                        <a:ea typeface="微软雅黑" panose="020B0503020204020204" pitchFamily="34" charset="-122"/>
+                        <a:cs typeface="+mn-cs"/>
+                      </a:endParaRPr>
+                    </a:p>
+                  </a:txBody>
+                  <a:tcPr marL="110604" marR="110604" marT="28714" marB="28714" anchor="ctr"/>
+                </a:tc>
+                <a:extLst>
+                  <a:ext uri="{0D108BD9-81ED-4DB2-BD59-A6C34878D82A}">
+                    <a16:rowId xmlns="" xmlns:a16="http://schemas.microsoft.com/office/drawing/2014/main" val="10005"/>
+                  </a:ext>
+                </a:extLst>
+              </a:tr>
+            </a:tbl>
+          </a:graphicData>
+        </a:graphic>
+      </p:graphicFrame>
+      <p:sp>
+        <p:nvSpPr>
+          <p:cNvPr id="13" name="文本框 12"/>
+          <p:cNvSpPr txBox="1"/>
+          <p:nvPr/>
+        </p:nvSpPr>
+        <p:spPr>
+          <a:xfrm>
+            <a:off x="111123" y="99290"/>
+            <a:ext cx="8921751" cy="1569660"/>
+          </a:xfrm>
+          <a:prstGeom prst="rect">
+            <a:avLst/>
+          </a:prstGeom>
+          <a:solidFill>
+            <a:srgbClr val="215CC1"/>
+          </a:solidFill>
+        </p:spPr>
+        <p:txBody>
+          <a:bodyPr wrap="square" rtlCol="0">
+            <a:spAutoFit/>
+          </a:bodyPr>
+          <a:lstStyle/>
+          <a:p>
+            <a:r>
+              <a:rPr lang="en-US" altLang="zh-CN" sz="2175" b="1" dirty="0" smtClean="0">
+                <a:solidFill>
+                  <a:schemeClr val="bg1"/>
+                </a:solidFill>
+                <a:latin typeface="华文行楷" panose="02010800040101010101" pitchFamily="2" charset="-122"/>
+                <a:ea typeface="华文行楷" panose="02010800040101010101" pitchFamily="2" charset="-122"/>
+              </a:rPr>
+              <a:t>2018 </a:t>
+            </a:r>
+            <a:r>
+              <a:rPr lang="zh-CN" altLang="en-US" sz="2175" b="1" dirty="0" smtClean="0">
+                <a:solidFill>
+                  <a:schemeClr val="bg1"/>
+                </a:solidFill>
+                <a:latin typeface="华文行楷" panose="02010800040101010101" pitchFamily="2" charset="-122"/>
+                <a:ea typeface="华文行楷" panose="02010800040101010101" pitchFamily="2" charset="-122"/>
+              </a:rPr>
+              <a:t>南方科技大学</a:t>
+            </a:r>
+            <a:r>
+              <a:rPr lang="zh-CN" altLang="en-US" sz="2400" b="1" dirty="0" smtClean="0">
+                <a:ln w="10160">
+                  <a:solidFill>
+                    <a:schemeClr val="accent1">
+                      <a:lumMod val="60000"/>
+                      <a:lumOff val="40000"/>
+                    </a:schemeClr>
+                  </a:solidFill>
+                  <a:prstDash val="solid"/>
+                </a:ln>
+                <a:solidFill>
+                  <a:schemeClr val="bg1"/>
+                </a:solidFill>
+                <a:effectLst>
+                  <a:outerShdw blurRad="38100" dist="22860" dir="5400000" algn="tl" rotWithShape="0">
+                    <a:srgbClr val="000000">
+                      <a:alpha val="30000"/>
+                    </a:srgbClr>
+                  </a:outerShdw>
+                </a:effectLst>
+                <a:latin typeface="楷体" panose="02010609060101010101" pitchFamily="49" charset="-122"/>
+                <a:ea typeface="楷体" panose="02010609060101010101" pitchFamily="49" charset="-122"/>
+                <a:sym typeface="+mn-ea"/>
+              </a:rPr>
+              <a:t>“</a:t>
+            </a:r>
+            <a:r>
+              <a:rPr lang="zh-CN" altLang="en-US" sz="2175" b="1" dirty="0" smtClean="0">
+                <a:solidFill>
+                  <a:schemeClr val="bg1"/>
+                </a:solidFill>
+                <a:latin typeface="华文行楷" panose="02010800040101010101" pitchFamily="2" charset="-122"/>
+                <a:ea typeface="华文行楷" panose="02010800040101010101" pitchFamily="2" charset="-122"/>
+                <a:sym typeface="+mn-ea"/>
+              </a:rPr>
+              <a:t>大湾区超构材料与微纳光学”专题研讨会</a:t>
+            </a:r>
+            <a:endParaRPr lang="en-US" altLang="zh-CN" sz="2175" b="1" dirty="0" smtClean="0">
+              <a:solidFill>
+                <a:schemeClr val="bg1"/>
+              </a:solidFill>
+              <a:latin typeface="华文行楷" panose="02010800040101010101" pitchFamily="2" charset="-122"/>
+              <a:ea typeface="华文行楷" panose="02010800040101010101" pitchFamily="2" charset="-122"/>
+              <a:sym typeface="+mn-ea"/>
+            </a:endParaRPr>
+          </a:p>
+          <a:p>
+            <a:r>
+              <a:rPr lang="en-US" sz="2400" b="1" dirty="0" smtClean="0"/>
+              <a:t>Advanced Photonics Conference: Greater Bay Area Symposium for Wave Functional Materials  </a:t>
+            </a:r>
+            <a:endParaRPr lang="zh-CN" altLang="zh-CN" sz="2175" b="1" dirty="0" smtClean="0">
+              <a:solidFill>
+                <a:schemeClr val="bg1"/>
+              </a:solidFill>
+              <a:ea typeface="华文行楷" panose="02010800040101010101" pitchFamily="2" charset="-122"/>
+            </a:endParaRPr>
+          </a:p>
+          <a:p>
+            <a:r>
+              <a:rPr lang="en-US" sz="2400" b="1" dirty="0" smtClean="0"/>
+              <a:t> </a:t>
+            </a:r>
+            <a:endParaRPr lang="zh-CN" altLang="zh-CN" sz="2175" b="1" dirty="0">
+              <a:solidFill>
+                <a:schemeClr val="bg1"/>
+              </a:solidFill>
+              <a:ea typeface="华文行楷" panose="02010800040101010101" pitchFamily="2" charset="-122"/>
+            </a:endParaRPr>
+          </a:p>
+        </p:txBody>
+      </p:sp>
+      <p:sp>
+        <p:nvSpPr>
+          <p:cNvPr id="14" name="文本框 13"/>
+          <p:cNvSpPr txBox="1"/>
+          <p:nvPr/>
+        </p:nvSpPr>
+        <p:spPr>
+          <a:xfrm>
+            <a:off x="1142976" y="1714488"/>
+            <a:ext cx="6670780" cy="596638"/>
+          </a:xfrm>
+          <a:prstGeom prst="rect">
+            <a:avLst/>
+          </a:prstGeom>
+          <a:noFill/>
+        </p:spPr>
+        <p:txBody>
+          <a:bodyPr wrap="square" rtlCol="0">
+            <a:spAutoFit/>
+          </a:bodyPr>
+          <a:lstStyle/>
+          <a:p>
+            <a:pPr algn="ctr"/>
+            <a:r>
+              <a:rPr lang="en-US" altLang="zh-CN" sz="1100" b="1" dirty="0">
+                <a:latin typeface="微软雅黑" panose="020B0503020204020204" pitchFamily="34" charset="-122"/>
+                <a:ea typeface="微软雅黑" panose="020B0503020204020204" pitchFamily="34" charset="-122"/>
+              </a:rPr>
+              <a:t>Conference Program in </a:t>
+            </a:r>
+            <a:r>
+              <a:rPr lang="en-US" altLang="zh-CN" sz="1100" b="1" dirty="0" smtClean="0">
+                <a:latin typeface="+mj-ea"/>
+              </a:rPr>
+              <a:t>2</a:t>
+            </a:r>
+            <a:r>
+              <a:rPr lang="en-US" altLang="zh-CN" sz="1100" b="1" baseline="30000" dirty="0" smtClean="0">
+                <a:latin typeface="+mj-ea"/>
+              </a:rPr>
+              <a:t>nd </a:t>
+            </a:r>
+            <a:r>
+              <a:rPr lang="en-US" altLang="zh-CN" sz="1100" b="1" dirty="0" smtClean="0">
+                <a:latin typeface="+mj-ea"/>
+              </a:rPr>
+              <a:t>June </a:t>
+            </a:r>
+            <a:r>
+              <a:rPr lang="en-US" altLang="zh-CN" sz="1100" b="1" dirty="0">
+                <a:latin typeface="+mj-ea"/>
+              </a:rPr>
+              <a:t>2018</a:t>
+            </a:r>
+            <a:endParaRPr lang="zh-CN" altLang="en-US" sz="1100" b="1" dirty="0">
+              <a:latin typeface="+mj-ea"/>
+            </a:endParaRPr>
+          </a:p>
+          <a:p>
+            <a:pPr algn="ctr"/>
+            <a:endParaRPr lang="zh-CN" altLang="en-US" sz="2175" dirty="0">
+              <a:latin typeface="微软雅黑" panose="020B0503020204020204" pitchFamily="34" charset="-122"/>
+              <a:ea typeface="微软雅黑" panose="020B0503020204020204" pitchFamily="34" charset="-122"/>
+            </a:endParaRPr>
+          </a:p>
+        </p:txBody>
+      </p:sp>
+    </p:spTree>
+    <p:extLst>
+      <p:ext uri="{BB962C8B-B14F-4D97-AF65-F5344CB8AC3E}">
+        <p14:creationId xmlns:p14="http://schemas.microsoft.com/office/powerpoint/2010/main" val="1448245254"/>
       </p:ext>
     </p:extLst>
   </p:cSld>

--- a/text/大湾区超构材料与微纳光学专题研讨会.pptx
+++ b/text/大湾区超构材料与微纳光学专题研讨会.pptx
@@ -219,7 +219,7 @@
             <a:fld id="{D2A48B96-639E-45A3-A0BA-2464DFDB1FAA}" type="datetimeFigureOut">
               <a:rPr lang="zh-CN" altLang="en-US" smtClean="0"/>
               <a:pPr/>
-              <a:t>2018/5/29</a:t>
+              <a:t>2018/5/31</a:t>
             </a:fld>
             <a:endParaRPr lang="zh-CN" altLang="en-US"/>
           </a:p>
@@ -3001,7 +3001,7 @@
             <a:fld id="{530820CF-B880-4189-942D-D702A7CBA730}" type="datetimeFigureOut">
               <a:rPr lang="zh-CN" altLang="en-US" smtClean="0"/>
               <a:pPr/>
-              <a:t>2018/5/29</a:t>
+              <a:t>2018/5/31</a:t>
             </a:fld>
             <a:endParaRPr lang="zh-CN" altLang="en-US"/>
           </a:p>
@@ -3184,7 +3184,7 @@
             <a:fld id="{530820CF-B880-4189-942D-D702A7CBA730}" type="datetimeFigureOut">
               <a:rPr lang="zh-CN" altLang="en-US" smtClean="0"/>
               <a:pPr/>
-              <a:t>2018/5/29</a:t>
+              <a:t>2018/5/31</a:t>
             </a:fld>
             <a:endParaRPr lang="zh-CN" altLang="en-US"/>
           </a:p>
@@ -3337,7 +3337,7 @@
             <a:fld id="{530820CF-B880-4189-942D-D702A7CBA730}" type="datetimeFigureOut">
               <a:rPr lang="zh-CN" altLang="en-US" smtClean="0"/>
               <a:pPr/>
-              <a:t>2018/5/29</a:t>
+              <a:t>2018/5/31</a:t>
             </a:fld>
             <a:endParaRPr lang="zh-CN" altLang="en-US"/>
           </a:p>
@@ -5125,7 +5125,7 @@
             <a:fld id="{530820CF-B880-4189-942D-D702A7CBA730}" type="datetimeFigureOut">
               <a:rPr lang="zh-CN" altLang="en-US" smtClean="0"/>
               <a:pPr/>
-              <a:t>2018/5/29</a:t>
+              <a:t>2018/5/31</a:t>
             </a:fld>
             <a:endParaRPr lang="zh-CN" altLang="en-US"/>
           </a:p>
@@ -6957,7 +6957,7 @@
             <a:fld id="{530820CF-B880-4189-942D-D702A7CBA730}" type="datetimeFigureOut">
               <a:rPr lang="zh-CN" altLang="en-US" smtClean="0"/>
               <a:pPr/>
-              <a:t>2018/5/29</a:t>
+              <a:t>2018/5/31</a:t>
             </a:fld>
             <a:endParaRPr lang="zh-CN" altLang="en-US"/>
           </a:p>
@@ -7072,7 +7072,7 @@
             <a:fld id="{530820CF-B880-4189-942D-D702A7CBA730}" type="datetimeFigureOut">
               <a:rPr lang="zh-CN" altLang="en-US" smtClean="0"/>
               <a:pPr/>
-              <a:t>2018/5/29</a:t>
+              <a:t>2018/5/31</a:t>
             </a:fld>
             <a:endParaRPr lang="zh-CN" altLang="en-US"/>
           </a:p>
@@ -7615,7 +7615,7 @@
             <a:fld id="{530820CF-B880-4189-942D-D702A7CBA730}" type="datetimeFigureOut">
               <a:rPr lang="zh-CN" altLang="en-US" smtClean="0"/>
               <a:pPr/>
-              <a:t>2018/5/29</a:t>
+              <a:t>2018/5/31</a:t>
             </a:fld>
             <a:endParaRPr lang="zh-CN" altLang="en-US"/>
           </a:p>
@@ -7730,7 +7730,7 @@
             <a:fld id="{530820CF-B880-4189-942D-D702A7CBA730}" type="datetimeFigureOut">
               <a:rPr lang="zh-CN" altLang="en-US" smtClean="0"/>
               <a:pPr/>
-              <a:t>2018/5/29</a:t>
+              <a:t>2018/5/31</a:t>
             </a:fld>
             <a:endParaRPr lang="zh-CN" altLang="en-US"/>
           </a:p>
@@ -9403,7 +9403,7 @@
             <a:fld id="{530820CF-B880-4189-942D-D702A7CBA730}" type="datetimeFigureOut">
               <a:rPr lang="zh-CN" altLang="en-US" smtClean="0"/>
               <a:pPr/>
-              <a:t>2018/5/29</a:t>
+              <a:t>2018/5/31</a:t>
             </a:fld>
             <a:endParaRPr lang="zh-CN" altLang="en-US"/>
           </a:p>
@@ -9556,7 +9556,7 @@
             <a:fld id="{530820CF-B880-4189-942D-D702A7CBA730}" type="datetimeFigureOut">
               <a:rPr lang="zh-CN" altLang="en-US" smtClean="0"/>
               <a:pPr/>
-              <a:t>2018/5/29</a:t>
+              <a:t>2018/5/31</a:t>
             </a:fld>
             <a:endParaRPr lang="zh-CN" altLang="en-US"/>
           </a:p>
@@ -13093,7 +13093,7 @@
             <a:fld id="{530820CF-B880-4189-942D-D702A7CBA730}" type="datetimeFigureOut">
               <a:rPr lang="zh-CN" altLang="en-US" smtClean="0"/>
               <a:pPr/>
-              <a:t>2018/5/29</a:t>
+              <a:t>2018/5/31</a:t>
             </a:fld>
             <a:endParaRPr lang="zh-CN" altLang="en-US"/>
           </a:p>
@@ -14914,7 +14914,7 @@
             <a:fld id="{530820CF-B880-4189-942D-D702A7CBA730}" type="datetimeFigureOut">
               <a:rPr lang="zh-CN" altLang="en-US" smtClean="0"/>
               <a:pPr/>
-              <a:t>2018/5/29</a:t>
+              <a:t>2018/5/31</a:t>
             </a:fld>
             <a:endParaRPr lang="zh-CN" altLang="en-US"/>
           </a:p>
@@ -15818,7 +15818,7 @@
           <p:nvPr>
             <p:extLst>
               <p:ext uri="{D42A27DB-BD31-4B8C-83A1-F6EECF244321}">
-                <p14:modId xmlns:p14="http://schemas.microsoft.com/office/powerpoint/2010/main" val="1079758329"/>
+                <p14:modId xmlns:p14="http://schemas.microsoft.com/office/powerpoint/2010/main" val="2019537688"/>
               </p:ext>
             </p:extLst>
           </p:nvPr>
@@ -15837,21 +15837,21 @@
                 <a:gridCol w="2180823">
                   <a:extLst>
                     <a:ext uri="{9D8B030D-6E8A-4147-A177-3AD203B41FA5}">
-                      <a16:colId xmlns="" xmlns:a16="http://schemas.microsoft.com/office/drawing/2014/main" val="20000"/>
+                      <a16:colId xmlns:a16="http://schemas.microsoft.com/office/drawing/2014/main" xmlns="" val="20000"/>
                     </a:ext>
                   </a:extLst>
                 </a:gridCol>
                 <a:gridCol w="1803043">
                   <a:extLst>
                     <a:ext uri="{9D8B030D-6E8A-4147-A177-3AD203B41FA5}">
-                      <a16:colId xmlns="" xmlns:a16="http://schemas.microsoft.com/office/drawing/2014/main" val="20001"/>
+                      <a16:colId xmlns:a16="http://schemas.microsoft.com/office/drawing/2014/main" xmlns="" val="20001"/>
                     </a:ext>
                   </a:extLst>
                 </a:gridCol>
                 <a:gridCol w="4488063">
                   <a:extLst>
                     <a:ext uri="{9D8B030D-6E8A-4147-A177-3AD203B41FA5}">
-                      <a16:colId xmlns="" xmlns:a16="http://schemas.microsoft.com/office/drawing/2014/main" val="20002"/>
+                      <a16:colId xmlns:a16="http://schemas.microsoft.com/office/drawing/2014/main" xmlns="" val="20002"/>
                     </a:ext>
                   </a:extLst>
                 </a:gridCol>
@@ -15904,7 +15904,7 @@
                 </a:tc>
                 <a:extLst>
                   <a:ext uri="{0D108BD9-81ED-4DB2-BD59-A6C34878D82A}">
-                    <a16:rowId xmlns="" xmlns:a16="http://schemas.microsoft.com/office/drawing/2014/main" val="10000"/>
+                    <a16:rowId xmlns:a16="http://schemas.microsoft.com/office/drawing/2014/main" xmlns="" val="10000"/>
                   </a:ext>
                 </a:extLst>
               </a:tr>
@@ -16020,7 +16020,7 @@
                 </a:tc>
                 <a:extLst>
                   <a:ext uri="{0D108BD9-81ED-4DB2-BD59-A6C34878D82A}">
-                    <a16:rowId xmlns="" xmlns:a16="http://schemas.microsoft.com/office/drawing/2014/main" val="10001"/>
+                    <a16:rowId xmlns:a16="http://schemas.microsoft.com/office/drawing/2014/main" xmlns="" val="10001"/>
                   </a:ext>
                 </a:extLst>
               </a:tr>
@@ -16206,7 +16206,7 @@
                 </a:tc>
                 <a:extLst>
                   <a:ext uri="{0D108BD9-81ED-4DB2-BD59-A6C34878D82A}">
-                    <a16:rowId xmlns="" xmlns:a16="http://schemas.microsoft.com/office/drawing/2014/main" val="10002"/>
+                    <a16:rowId xmlns:a16="http://schemas.microsoft.com/office/drawing/2014/main" xmlns="" val="10002"/>
                   </a:ext>
                 </a:extLst>
               </a:tr>
@@ -16388,7 +16388,7 @@
                 </a:tc>
                 <a:extLst>
                   <a:ext uri="{0D108BD9-81ED-4DB2-BD59-A6C34878D82A}">
-                    <a16:rowId xmlns="" xmlns:a16="http://schemas.microsoft.com/office/drawing/2014/main" val="10003"/>
+                    <a16:rowId xmlns:a16="http://schemas.microsoft.com/office/drawing/2014/main" xmlns="" val="10003"/>
                   </a:ext>
                 </a:extLst>
               </a:tr>
@@ -16530,7 +16530,7 @@
                 </a:tc>
                 <a:extLst>
                   <a:ext uri="{0D108BD9-81ED-4DB2-BD59-A6C34878D82A}">
-                    <a16:rowId xmlns="" xmlns:a16="http://schemas.microsoft.com/office/drawing/2014/main" val="10004"/>
+                    <a16:rowId xmlns:a16="http://schemas.microsoft.com/office/drawing/2014/main" xmlns="" val="10004"/>
                   </a:ext>
                 </a:extLst>
               </a:tr>
@@ -16643,7 +16643,7 @@
                 </a:tc>
                 <a:extLst>
                   <a:ext uri="{0D108BD9-81ED-4DB2-BD59-A6C34878D82A}">
-                    <a16:rowId xmlns="" xmlns:a16="http://schemas.microsoft.com/office/drawing/2014/main" val="10005"/>
+                    <a16:rowId xmlns:a16="http://schemas.microsoft.com/office/drawing/2014/main" xmlns="" val="10005"/>
                   </a:ext>
                 </a:extLst>
               </a:tr>
@@ -16807,7 +16807,7 @@
                 </a:tc>
                 <a:extLst>
                   <a:ext uri="{0D108BD9-81ED-4DB2-BD59-A6C34878D82A}">
-                    <a16:rowId xmlns="" xmlns:a16="http://schemas.microsoft.com/office/drawing/2014/main" val="10006"/>
+                    <a16:rowId xmlns:a16="http://schemas.microsoft.com/office/drawing/2014/main" xmlns="" val="10006"/>
                   </a:ext>
                 </a:extLst>
               </a:tr>
@@ -16964,7 +16964,7 @@
                 </a:tc>
                 <a:extLst>
                   <a:ext uri="{0D108BD9-81ED-4DB2-BD59-A6C34878D82A}">
-                    <a16:rowId xmlns="" xmlns:a16="http://schemas.microsoft.com/office/drawing/2014/main" val="10007"/>
+                    <a16:rowId xmlns:a16="http://schemas.microsoft.com/office/drawing/2014/main" xmlns="" val="10007"/>
                   </a:ext>
                 </a:extLst>
               </a:tr>
@@ -17020,160 +17020,7 @@
                 </a:tc>
                 <a:extLst>
                   <a:ext uri="{0D108BD9-81ED-4DB2-BD59-A6C34878D82A}">
-                    <a16:rowId xmlns="" xmlns:a16="http://schemas.microsoft.com/office/drawing/2014/main" val="10008"/>
-                  </a:ext>
-                </a:extLst>
-              </a:tr>
-              <a:tr h="468908">
-                <a:tc>
-                  <a:txBody>
-                    <a:bodyPr/>
-                    <a:lstStyle/>
-                    <a:p>
-                      <a:pPr marL="0" algn="ctr" defTabSz="685800" rtl="0" eaLnBrk="1" latinLnBrk="0" hangingPunct="1"/>
-                      <a:r>
-                        <a:rPr lang="en-US" altLang="zh-CN" sz="1100" b="1" kern="1200" baseline="0" dirty="0" err="1" smtClean="0">
-                          <a:solidFill>
-                            <a:schemeClr val="tx1"/>
-                          </a:solidFill>
-                          <a:latin typeface="微软雅黑" panose="020B0503020204020204" pitchFamily="34" charset="-122"/>
-                          <a:ea typeface="微软雅黑" panose="020B0503020204020204" pitchFamily="34" charset="-122"/>
-                          <a:cs typeface="+mn-cs"/>
-                        </a:rPr>
-                        <a:t>XiaoFeng</a:t>
-                      </a:r>
-                      <a:r>
-                        <a:rPr lang="en-US" altLang="zh-CN" sz="1100" b="1" kern="1200" baseline="0" dirty="0" smtClean="0">
-                          <a:solidFill>
-                            <a:schemeClr val="tx1"/>
-                          </a:solidFill>
-                          <a:latin typeface="微软雅黑" panose="020B0503020204020204" pitchFamily="34" charset="-122"/>
-                          <a:ea typeface="微软雅黑" panose="020B0503020204020204" pitchFamily="34" charset="-122"/>
-                          <a:cs typeface="+mn-cs"/>
-                        </a:rPr>
-                        <a:t> Wang(</a:t>
-                      </a:r>
-                      <a:r>
-                        <a:rPr lang="zh-CN" altLang="en-US" sz="1100" b="1" kern="1200" baseline="0" dirty="0" smtClean="0">
-                          <a:solidFill>
-                            <a:schemeClr val="tx1"/>
-                          </a:solidFill>
-                          <a:latin typeface="微软雅黑" panose="020B0503020204020204" pitchFamily="34" charset="-122"/>
-                          <a:ea typeface="微软雅黑" panose="020B0503020204020204" pitchFamily="34" charset="-122"/>
-                          <a:cs typeface="+mn-cs"/>
-                        </a:rPr>
-                        <a:t>王晓峰</a:t>
-                      </a:r>
-                      <a:r>
-                        <a:rPr lang="en-US" altLang="zh-CN" sz="1100" b="1" kern="1200" baseline="0" dirty="0" smtClean="0">
-                          <a:solidFill>
-                            <a:schemeClr val="tx1"/>
-                          </a:solidFill>
-                          <a:latin typeface="微软雅黑" panose="020B0503020204020204" pitchFamily="34" charset="-122"/>
-                          <a:ea typeface="微软雅黑" panose="020B0503020204020204" pitchFamily="34" charset="-122"/>
-                          <a:cs typeface="+mn-cs"/>
-                        </a:rPr>
-                        <a:t>)</a:t>
-                      </a:r>
-                      <a:endParaRPr lang="zh-CN" altLang="en-US" sz="1100" b="1" kern="1200" baseline="0" dirty="0">
-                        <a:solidFill>
-                          <a:schemeClr val="tx1"/>
-                        </a:solidFill>
-                        <a:latin typeface="微软雅黑" panose="020B0503020204020204" pitchFamily="34" charset="-122"/>
-                        <a:ea typeface="微软雅黑" panose="020B0503020204020204" pitchFamily="34" charset="-122"/>
-                        <a:cs typeface="+mn-cs"/>
-                      </a:endParaRPr>
-                    </a:p>
-                  </a:txBody>
-                  <a:tcPr marL="110604" marR="110604" marT="28714" marB="28714" anchor="ctr"/>
-                </a:tc>
-                <a:tc>
-                  <a:txBody>
-                    <a:bodyPr/>
-                    <a:lstStyle/>
-                    <a:p>
-                      <a:pPr marL="0" marR="0" lvl="0" indent="0" algn="ctr" defTabSz="914400" rtl="0" eaLnBrk="1" fontAlgn="auto" latinLnBrk="0" hangingPunct="1">
-                        <a:lnSpc>
-                          <a:spcPct val="100000"/>
-                        </a:lnSpc>
-                        <a:spcBef>
-                          <a:spcPts val="0"/>
-                        </a:spcBef>
-                        <a:spcAft>
-                          <a:spcPts val="0"/>
-                        </a:spcAft>
-                        <a:buClrTx/>
-                        <a:buSzTx/>
-                        <a:buFontTx/>
-                        <a:buNone/>
-                        <a:defRPr/>
-                      </a:pPr>
-                      <a:r>
-                        <a:rPr lang="en-US" altLang="zh-CN" sz="1100" b="1" kern="1200" baseline="0" dirty="0" smtClean="0">
-                          <a:solidFill>
-                            <a:schemeClr val="tx1"/>
-                          </a:solidFill>
-                          <a:latin typeface="微软雅黑" panose="020B0503020204020204" pitchFamily="34" charset="-122"/>
-                          <a:ea typeface="微软雅黑" panose="020B0503020204020204" pitchFamily="34" charset="-122"/>
-                          <a:cs typeface="+mn-cs"/>
-                        </a:rPr>
-                        <a:t>14:00-14:15</a:t>
-                      </a:r>
-                      <a:endParaRPr lang="zh-CN" altLang="en-US" sz="1100" b="1" kern="1200" baseline="0" dirty="0">
-                        <a:solidFill>
-                          <a:schemeClr val="tx1"/>
-                        </a:solidFill>
-                        <a:latin typeface="微软雅黑" panose="020B0503020204020204" pitchFamily="34" charset="-122"/>
-                        <a:ea typeface="微软雅黑" panose="020B0503020204020204" pitchFamily="34" charset="-122"/>
-                        <a:cs typeface="+mn-cs"/>
-                      </a:endParaRPr>
-                    </a:p>
-                  </a:txBody>
-                  <a:tcPr marL="110604" marR="110604" marT="28714" marB="28714" anchor="ctr"/>
-                </a:tc>
-                <a:tc>
-                  <a:txBody>
-                    <a:bodyPr/>
-                    <a:lstStyle/>
-                    <a:p>
-                      <a:pPr algn="ctr"/>
-                      <a:r>
-                        <a:rPr lang="en-US" altLang="zh-CN" sz="1100" b="1" kern="1200" baseline="0" dirty="0" smtClean="0">
-                          <a:solidFill>
-                            <a:schemeClr val="tx1"/>
-                          </a:solidFill>
-                          <a:latin typeface="微软雅黑" panose="020B0503020204020204" pitchFamily="34" charset="-122"/>
-                          <a:ea typeface="微软雅黑" panose="020B0503020204020204" pitchFamily="34" charset="-122"/>
-                          <a:cs typeface="+mn-cs"/>
-                        </a:rPr>
-                        <a:t>Advanced Photonics</a:t>
-                      </a:r>
-                      <a:r>
-                        <a:rPr lang="zh-CN" altLang="en-US" sz="1100" b="1" kern="1200" baseline="0" dirty="0" smtClean="0">
-                          <a:solidFill>
-                            <a:schemeClr val="tx1"/>
-                          </a:solidFill>
-                          <a:latin typeface="微软雅黑" panose="020B0503020204020204" pitchFamily="34" charset="-122"/>
-                          <a:ea typeface="微软雅黑" panose="020B0503020204020204" pitchFamily="34" charset="-122"/>
-                          <a:cs typeface="+mn-cs"/>
-                        </a:rPr>
-                        <a:t>杂志介绍</a:t>
-                      </a:r>
-                      <a:endParaRPr lang="zh-CN" altLang="en-US" sz="1100" b="1" kern="1200" baseline="0" dirty="0">
-                        <a:solidFill>
-                          <a:schemeClr val="tx1"/>
-                        </a:solidFill>
-                        <a:latin typeface="微软雅黑" panose="020B0503020204020204" pitchFamily="34" charset="-122"/>
-                        <a:ea typeface="微软雅黑" panose="020B0503020204020204" pitchFamily="34" charset="-122"/>
-                        <a:cs typeface="+mn-cs"/>
-                      </a:endParaRPr>
-                    </a:p>
-                  </a:txBody>
-                  <a:tcPr marL="110604" marR="110604" marT="28714" marB="28714" anchor="ctr"/>
-                </a:tc>
-                <a:extLst>
-                  <a:ext uri="{0D108BD9-81ED-4DB2-BD59-A6C34878D82A}">
-                    <a16:rowId xmlns="" xmlns:a16="http://schemas.microsoft.com/office/drawing/2014/main" val="10009"/>
+                    <a16:rowId xmlns:a16="http://schemas.microsoft.com/office/drawing/2014/main" xmlns="" val="10008"/>
                   </a:ext>
                 </a:extLst>
               </a:tr>
@@ -17264,17 +17111,17 @@
                       <a:r>
                         <a:rPr lang="en-US" altLang="zh-CN" sz="1100" b="1" kern="1200" baseline="0" dirty="0" smtClean="0">
                           <a:solidFill>
-                            <a:schemeClr val="dk1"/>
-                          </a:solidFill>
-                          <a:latin typeface="微软雅黑" panose="020B0503020204020204" pitchFamily="34" charset="-122"/>
-                          <a:ea typeface="微软雅黑" panose="020B0503020204020204" pitchFamily="34" charset="-122"/>
-                          <a:cs typeface="+mn-cs"/>
-                        </a:rPr>
-                        <a:t>14:15-14:40</a:t>
+                            <a:schemeClr val="tx1"/>
+                          </a:solidFill>
+                          <a:latin typeface="微软雅黑" panose="020B0503020204020204" pitchFamily="34" charset="-122"/>
+                          <a:ea typeface="微软雅黑" panose="020B0503020204020204" pitchFamily="34" charset="-122"/>
+                          <a:cs typeface="+mn-cs"/>
+                        </a:rPr>
+                        <a:t>14:00-14:25</a:t>
                       </a:r>
                       <a:endParaRPr lang="zh-CN" altLang="en-US" sz="1100" b="1" kern="1200" baseline="0" dirty="0" smtClean="0">
                         <a:solidFill>
-                          <a:schemeClr val="dk1"/>
+                          <a:schemeClr val="tx1"/>
                         </a:solidFill>
                         <a:latin typeface="微软雅黑" panose="020B0503020204020204" pitchFamily="34" charset="-122"/>
                         <a:ea typeface="微软雅黑" panose="020B0503020204020204" pitchFamily="34" charset="-122"/>
@@ -17334,7 +17181,7 @@
                         </a:rPr>
                         <a:t> polarization to atomic thickness</a:t>
                       </a:r>
-                      <a:endParaRPr lang="zh-CN" altLang="en-US" sz="1100" b="1" kern="1200" baseline="0" dirty="0">
+                      <a:endParaRPr lang="zh-CN" altLang="en-US" sz="1100" b="1" kern="1200" baseline="0" dirty="0" smtClean="0">
                         <a:solidFill>
                           <a:schemeClr val="dk1"/>
                         </a:solidFill>
@@ -17348,7 +17195,7 @@
                 </a:tc>
                 <a:extLst>
                   <a:ext uri="{0D108BD9-81ED-4DB2-BD59-A6C34878D82A}">
-                    <a16:rowId xmlns="" xmlns:a16="http://schemas.microsoft.com/office/drawing/2014/main" val="10010"/>
+                    <a16:rowId xmlns:a16="http://schemas.microsoft.com/office/drawing/2014/main" xmlns="" val="10009"/>
                   </a:ext>
                 </a:extLst>
               </a:tr>
@@ -17407,7 +17254,7 @@
                         </a:rPr>
                         <a:t>)</a:t>
                       </a:r>
-                      <a:endParaRPr lang="zh-CN" altLang="en-US" sz="1100" b="1" kern="1200" dirty="0">
+                      <a:endParaRPr lang="zh-CN" altLang="zh-CN" sz="1100" b="1" kern="1200" baseline="0" dirty="0" smtClean="0">
                         <a:solidFill>
                           <a:schemeClr val="tx1"/>
                         </a:solidFill>
@@ -17424,8 +17271,139 @@
                     <a:bodyPr/>
                     <a:lstStyle/>
                     <a:p>
+                      <a:pPr marL="0" marR="0" lvl="0" indent="0" algn="ctr" defTabSz="914400" rtl="0" eaLnBrk="1" fontAlgn="auto" latinLnBrk="0" hangingPunct="1">
+                        <a:lnSpc>
+                          <a:spcPct val="100000"/>
+                        </a:lnSpc>
+                        <a:spcBef>
+                          <a:spcPts val="0"/>
+                        </a:spcBef>
+                        <a:spcAft>
+                          <a:spcPts val="0"/>
+                        </a:spcAft>
+                        <a:buClrTx/>
+                        <a:buSzTx/>
+                        <a:buFontTx/>
+                        <a:buNone/>
+                        <a:defRPr/>
+                      </a:pPr>
+                      <a:r>
+                        <a:rPr lang="en-US" altLang="zh-CN" sz="1100" b="1" kern="1200" baseline="0" dirty="0" smtClean="0">
+                          <a:solidFill>
+                            <a:schemeClr val="dk1"/>
+                          </a:solidFill>
+                          <a:latin typeface="微软雅黑" panose="020B0503020204020204" pitchFamily="34" charset="-122"/>
+                          <a:ea typeface="微软雅黑" panose="020B0503020204020204" pitchFamily="34" charset="-122"/>
+                          <a:cs typeface="+mn-cs"/>
+                        </a:rPr>
+                        <a:t>14:25-14:50</a:t>
+                      </a:r>
+                      <a:endParaRPr lang="zh-CN" altLang="en-US" sz="1100" b="1" kern="1200" baseline="0" dirty="0" smtClean="0">
+                        <a:solidFill>
+                          <a:schemeClr val="dk1"/>
+                        </a:solidFill>
+                        <a:latin typeface="微软雅黑" panose="020B0503020204020204" pitchFamily="34" charset="-122"/>
+                        <a:ea typeface="微软雅黑" panose="020B0503020204020204" pitchFamily="34" charset="-122"/>
+                        <a:cs typeface="+mn-cs"/>
+                      </a:endParaRPr>
+                    </a:p>
+                  </a:txBody>
+                  <a:tcPr marL="110604" marR="110604" marT="28714" marB="28714" anchor="ctr"/>
+                </a:tc>
+                <a:tc>
+                  <a:txBody>
+                    <a:bodyPr/>
+                    <a:lstStyle/>
+                    <a:p>
                       <a:pPr algn="ctr"/>
                       <a:r>
+                        <a:rPr lang="en-US" altLang="zh-CN" sz="1100" b="1" kern="1200" dirty="0" smtClean="0">
+                          <a:solidFill>
+                            <a:schemeClr val="tx1"/>
+                          </a:solidFill>
+                          <a:latin typeface="微软雅黑" panose="020B0503020204020204" pitchFamily="34" charset="-122"/>
+                          <a:ea typeface="微软雅黑" panose="020B0503020204020204" pitchFamily="34" charset="-122"/>
+                          <a:cs typeface="+mn-cs"/>
+                        </a:rPr>
+                        <a:t>Singular optical beam multiplexing communication towards high performance computing applications </a:t>
+                      </a:r>
+                      <a:endParaRPr lang="zh-CN" altLang="en-US" sz="1100" b="1" kern="1200" baseline="0" dirty="0" smtClean="0">
+                        <a:solidFill>
+                          <a:schemeClr val="tx1"/>
+                        </a:solidFill>
+                        <a:latin typeface="微软雅黑" panose="020B0503020204020204" pitchFamily="34" charset="-122"/>
+                        <a:ea typeface="微软雅黑" panose="020B0503020204020204" pitchFamily="34" charset="-122"/>
+                        <a:cs typeface="+mn-cs"/>
+                      </a:endParaRPr>
+                    </a:p>
+                  </a:txBody>
+                  <a:tcPr marL="110604" marR="110604" marT="28714" marB="28714" anchor="ctr"/>
+                </a:tc>
+                <a:extLst>
+                  <a:ext uri="{0D108BD9-81ED-4DB2-BD59-A6C34878D82A}">
+                    <a16:rowId xmlns:a16="http://schemas.microsoft.com/office/drawing/2014/main" xmlns="" val="10010"/>
+                  </a:ext>
+                </a:extLst>
+              </a:tr>
+              <a:tr h="468908">
+                <a:tc>
+                  <a:txBody>
+                    <a:bodyPr/>
+                    <a:lstStyle/>
+                    <a:p>
+                      <a:pPr marL="0" algn="ctr" defTabSz="685800" rtl="0" eaLnBrk="1" latinLnBrk="0" hangingPunct="1"/>
+                      <a:r>
+                        <a:rPr lang="en-US" altLang="zh-CN" sz="1100" b="1" kern="1200" dirty="0" smtClean="0">
+                          <a:solidFill>
+                            <a:schemeClr val="dk1"/>
+                          </a:solidFill>
+                          <a:latin typeface="微软雅黑" panose="020B0503020204020204" pitchFamily="34" charset="-122"/>
+                          <a:ea typeface="微软雅黑" panose="020B0503020204020204" pitchFamily="34" charset="-122"/>
+                          <a:cs typeface="+mn-cs"/>
+                        </a:rPr>
+                        <a:t>Jack Ng(</a:t>
+                      </a:r>
+                      <a:r>
+                        <a:rPr lang="zh-CN" altLang="en-US" sz="1100" b="1" kern="1200" dirty="0" smtClean="0">
+                          <a:solidFill>
+                            <a:schemeClr val="dk1"/>
+                          </a:solidFill>
+                          <a:latin typeface="微软雅黑" panose="020B0503020204020204" pitchFamily="34" charset="-122"/>
+                          <a:ea typeface="微软雅黑" panose="020B0503020204020204" pitchFamily="34" charset="-122"/>
+                          <a:cs typeface="+mn-cs"/>
+                        </a:rPr>
+                        <a:t>吴紫辉</a:t>
+                      </a:r>
+                      <a:r>
+                        <a:rPr lang="en-US" altLang="zh-CN" sz="1100" b="1" kern="1200" dirty="0" smtClean="0">
+                          <a:solidFill>
+                            <a:schemeClr val="dk1"/>
+                          </a:solidFill>
+                          <a:latin typeface="微软雅黑" panose="020B0503020204020204" pitchFamily="34" charset="-122"/>
+                          <a:ea typeface="微软雅黑" panose="020B0503020204020204" pitchFamily="34" charset="-122"/>
+                          <a:cs typeface="+mn-cs"/>
+                        </a:rPr>
+                        <a:t>)</a:t>
+                      </a:r>
+                      <a:endParaRPr lang="zh-CN" altLang="en-US" sz="1100" b="1" kern="1200" dirty="0" smtClean="0">
+                        <a:solidFill>
+                          <a:schemeClr val="dk1"/>
+                        </a:solidFill>
+                        <a:latin typeface="微软雅黑" panose="020B0503020204020204" pitchFamily="34" charset="-122"/>
+                        <a:ea typeface="微软雅黑" panose="020B0503020204020204" pitchFamily="34" charset="-122"/>
+                        <a:cs typeface="+mn-cs"/>
+                      </a:endParaRPr>
+                    </a:p>
+                  </a:txBody>
+                  <a:tcPr marL="110604" marR="110604" marT="28714" marB="28714" anchor="ctr"/>
+                </a:tc>
+                <a:tc>
+                  <a:txBody>
+                    <a:bodyPr/>
+                    <a:lstStyle/>
+                    <a:p>
+                      <a:pPr algn="ctr"/>
+                      <a:r>
                         <a:rPr lang="en-US" altLang="zh-CN" sz="1100" b="1" kern="1200" baseline="0" dirty="0" smtClean="0">
                           <a:solidFill>
                             <a:schemeClr val="tx1"/>
@@ -17434,7 +17412,7 @@
                           <a:ea typeface="微软雅黑" panose="020B0503020204020204" pitchFamily="34" charset="-122"/>
                           <a:cs typeface="+mn-cs"/>
                         </a:rPr>
-                        <a:t>14:40-15:05</a:t>
+                        <a:t>14:50-15:15</a:t>
                       </a:r>
                       <a:endParaRPr lang="zh-CN" altLang="en-US" sz="1100" b="1" kern="1200" baseline="0" dirty="0">
                         <a:solidFill>
@@ -17457,17 +17435,17 @@
                       <a:r>
                         <a:rPr lang="en-US" altLang="zh-CN" sz="1100" b="1" kern="1200" dirty="0" smtClean="0">
                           <a:solidFill>
-                            <a:schemeClr val="tx1"/>
-                          </a:solidFill>
-                          <a:latin typeface="微软雅黑" panose="020B0503020204020204" pitchFamily="34" charset="-122"/>
-                          <a:ea typeface="微软雅黑" panose="020B0503020204020204" pitchFamily="34" charset="-122"/>
-                          <a:cs typeface="+mn-cs"/>
-                        </a:rPr>
-                        <a:t>Singular optical beam multiplexing communication towards high performance computing applications </a:t>
-                      </a:r>
-                      <a:endParaRPr lang="zh-CN" altLang="en-US" sz="1100" b="1" kern="1200" baseline="0" dirty="0">
+                            <a:schemeClr val="dk1"/>
+                          </a:solidFill>
+                          <a:latin typeface="微软雅黑" panose="020B0503020204020204" pitchFamily="34" charset="-122"/>
+                          <a:ea typeface="微软雅黑" panose="020B0503020204020204" pitchFamily="34" charset="-122"/>
+                          <a:cs typeface="+mn-cs"/>
+                        </a:rPr>
+                        <a:t>Optical Tractor Beam with Macroscopic Range</a:t>
+                      </a:r>
+                      <a:endParaRPr lang="zh-CN" altLang="en-US" sz="1100" b="1" kern="1200" dirty="0">
                         <a:solidFill>
-                          <a:schemeClr val="tx1"/>
+                          <a:schemeClr val="dk1"/>
                         </a:solidFill>
                         <a:latin typeface="微软雅黑" panose="020B0503020204020204" pitchFamily="34" charset="-122"/>
                         <a:ea typeface="微软雅黑" panose="020B0503020204020204" pitchFamily="34" charset="-122"/>
@@ -17479,7 +17457,7 @@
                 </a:tc>
                 <a:extLst>
                   <a:ext uri="{0D108BD9-81ED-4DB2-BD59-A6C34878D82A}">
-                    <a16:rowId xmlns="" xmlns:a16="http://schemas.microsoft.com/office/drawing/2014/main" val="10011"/>
+                    <a16:rowId xmlns:a16="http://schemas.microsoft.com/office/drawing/2014/main" xmlns="" val="10011"/>
                   </a:ext>
                 </a:extLst>
               </a:tr>
@@ -17750,7 +17728,7 @@
           <p:nvPr>
             <p:extLst>
               <p:ext uri="{D42A27DB-BD31-4B8C-83A1-F6EECF244321}">
-                <p14:modId xmlns:p14="http://schemas.microsoft.com/office/powerpoint/2010/main" val="3715760720"/>
+                <p14:modId xmlns:p14="http://schemas.microsoft.com/office/powerpoint/2010/main" val="3095265795"/>
               </p:ext>
             </p:extLst>
           </p:nvPr>
@@ -17769,21 +17747,21 @@
                 <a:gridCol w="2180823">
                   <a:extLst>
                     <a:ext uri="{9D8B030D-6E8A-4147-A177-3AD203B41FA5}">
-                      <a16:colId xmlns="" xmlns:a16="http://schemas.microsoft.com/office/drawing/2014/main" val="20000"/>
+                      <a16:colId xmlns:a16="http://schemas.microsoft.com/office/drawing/2014/main" xmlns="" val="20000"/>
                     </a:ext>
                   </a:extLst>
                 </a:gridCol>
                 <a:gridCol w="1803043">
                   <a:extLst>
                     <a:ext uri="{9D8B030D-6E8A-4147-A177-3AD203B41FA5}">
-                      <a16:colId xmlns="" xmlns:a16="http://schemas.microsoft.com/office/drawing/2014/main" val="20001"/>
+                      <a16:colId xmlns:a16="http://schemas.microsoft.com/office/drawing/2014/main" xmlns="" val="20001"/>
                     </a:ext>
                   </a:extLst>
                 </a:gridCol>
                 <a:gridCol w="4488063">
                   <a:extLst>
                     <a:ext uri="{9D8B030D-6E8A-4147-A177-3AD203B41FA5}">
-                      <a16:colId xmlns="" xmlns:a16="http://schemas.microsoft.com/office/drawing/2014/main" val="20002"/>
+                      <a16:colId xmlns:a16="http://schemas.microsoft.com/office/drawing/2014/main" xmlns="" val="20002"/>
                     </a:ext>
                   </a:extLst>
                 </a:gridCol>
@@ -17836,7 +17814,7 @@
                 </a:tc>
                 <a:extLst>
                   <a:ext uri="{0D108BD9-81ED-4DB2-BD59-A6C34878D82A}">
-                    <a16:rowId xmlns="" xmlns:a16="http://schemas.microsoft.com/office/drawing/2014/main" val="10000"/>
+                    <a16:rowId xmlns:a16="http://schemas.microsoft.com/office/drawing/2014/main" xmlns="" val="10000"/>
                   </a:ext>
                 </a:extLst>
               </a:tr>
@@ -17874,7 +17852,7 @@
                           <a:ea typeface="微软雅黑" panose="020B0503020204020204" pitchFamily="34" charset="-122"/>
                           <a:cs typeface="+mn-cs"/>
                         </a:rPr>
-                        <a:t>15:05-15:30</a:t>
+                        <a:t>15:15-15:40</a:t>
                       </a:r>
                       <a:endParaRPr lang="zh-CN" altLang="en-US" sz="1100" b="1" kern="1200" dirty="0">
                         <a:solidFill>
@@ -17920,7 +17898,7 @@
                         </a:rPr>
                         <a:t>Coffee  Break</a:t>
                       </a:r>
-                      <a:endParaRPr lang="zh-CN" altLang="en-US" sz="1100" b="1" kern="1200" dirty="0">
+                      <a:endParaRPr lang="zh-CN" altLang="en-US" sz="1100" b="1" kern="1200" dirty="0" smtClean="0">
                         <a:solidFill>
                           <a:schemeClr val="dk1"/>
                         </a:solidFill>
@@ -17934,7 +17912,7 @@
                 </a:tc>
                 <a:extLst>
                   <a:ext uri="{0D108BD9-81ED-4DB2-BD59-A6C34878D82A}">
-                    <a16:rowId xmlns="" xmlns:a16="http://schemas.microsoft.com/office/drawing/2014/main" val="10001"/>
+                    <a16:rowId xmlns:a16="http://schemas.microsoft.com/office/drawing/2014/main" xmlns="" val="10001"/>
                   </a:ext>
                 </a:extLst>
               </a:tr>
@@ -17946,6 +17924,17 @@
                     <a:p>
                       <a:pPr marL="0" algn="ctr" defTabSz="685800" rtl="0" eaLnBrk="1" latinLnBrk="0" hangingPunct="1"/>
                       <a:r>
+                        <a:rPr lang="en-US" altLang="zh-CN" sz="1100" b="1" kern="1200" dirty="0" err="1" smtClean="0">
+                          <a:solidFill>
+                            <a:schemeClr val="dk1"/>
+                          </a:solidFill>
+                          <a:latin typeface="微软雅黑" panose="020B0503020204020204" pitchFamily="34" charset="-122"/>
+                          <a:ea typeface="微软雅黑" panose="020B0503020204020204" pitchFamily="34" charset="-122"/>
+                          <a:cs typeface="+mn-cs"/>
+                        </a:rPr>
+                        <a:t>YaoYu</a:t>
+                      </a:r>
+                      <a:r>
                         <a:rPr lang="en-US" altLang="zh-CN" sz="1100" b="1" kern="1200" dirty="0" smtClean="0">
                           <a:solidFill>
                             <a:schemeClr val="dk1"/>
@@ -17954,7 +17943,7 @@
                           <a:ea typeface="微软雅黑" panose="020B0503020204020204" pitchFamily="34" charset="-122"/>
                           <a:cs typeface="+mn-cs"/>
                         </a:rPr>
-                        <a:t>Jack Ng(</a:t>
+                        <a:t>  Cao(</a:t>
                       </a:r>
                       <a:r>
                         <a:rPr lang="zh-CN" altLang="en-US" sz="1100" b="1" kern="1200" dirty="0" smtClean="0">
@@ -17965,7 +17954,7 @@
                           <a:ea typeface="微软雅黑" panose="020B0503020204020204" pitchFamily="34" charset="-122"/>
                           <a:cs typeface="+mn-cs"/>
                         </a:rPr>
-                        <a:t>吴紫辉</a:t>
+                        <a:t>曹耀宇</a:t>
                       </a:r>
                       <a:r>
                         <a:rPr lang="en-US" altLang="zh-CN" sz="1100" b="1" kern="1200" dirty="0" smtClean="0">
@@ -18005,134 +17994,7 @@
                           <a:ea typeface="微软雅黑" panose="020B0503020204020204" pitchFamily="34" charset="-122"/>
                           <a:cs typeface="+mn-cs"/>
                         </a:rPr>
-                        <a:t>15:30-15:55</a:t>
-                      </a:r>
-                      <a:endParaRPr lang="zh-CN" altLang="en-US" sz="1100" b="1" kern="1200" dirty="0">
-                        <a:solidFill>
-                          <a:schemeClr val="dk1"/>
-                        </a:solidFill>
-                        <a:latin typeface="微软雅黑" panose="020B0503020204020204" pitchFamily="34" charset="-122"/>
-                        <a:ea typeface="微软雅黑" panose="020B0503020204020204" pitchFamily="34" charset="-122"/>
-                        <a:cs typeface="+mn-cs"/>
-                      </a:endParaRPr>
-                    </a:p>
-                  </a:txBody>
-                  <a:tcPr marL="110604" marR="110604" marT="28714" marB="28714" anchor="ctr"/>
-                </a:tc>
-                <a:tc>
-                  <a:txBody>
-                    <a:bodyPr/>
-                    <a:lstStyle/>
-                    <a:p>
-                      <a:pPr algn="ctr"/>
-                      <a:r>
-                        <a:rPr lang="en-US" altLang="zh-CN" sz="1100" b="1" kern="1200" dirty="0" smtClean="0">
-                          <a:solidFill>
-                            <a:schemeClr val="dk1"/>
-                          </a:solidFill>
-                          <a:latin typeface="微软雅黑" panose="020B0503020204020204" pitchFamily="34" charset="-122"/>
-                          <a:ea typeface="微软雅黑" panose="020B0503020204020204" pitchFamily="34" charset="-122"/>
-                          <a:cs typeface="+mn-cs"/>
-                        </a:rPr>
-                        <a:t>Optical Tractor Beam with Macroscopic Range</a:t>
-                      </a:r>
-                      <a:endParaRPr lang="zh-CN" altLang="en-US" sz="1100" b="1" kern="1200" dirty="0">
-                        <a:solidFill>
-                          <a:schemeClr val="dk1"/>
-                        </a:solidFill>
-                        <a:latin typeface="微软雅黑" panose="020B0503020204020204" pitchFamily="34" charset="-122"/>
-                        <a:ea typeface="微软雅黑" panose="020B0503020204020204" pitchFamily="34" charset="-122"/>
-                        <a:cs typeface="+mn-cs"/>
-                      </a:endParaRPr>
-                    </a:p>
-                  </a:txBody>
-                  <a:tcPr marL="110604" marR="110604" marT="28714" marB="28714" anchor="ctr"/>
-                </a:tc>
-                <a:extLst>
-                  <a:ext uri="{0D108BD9-81ED-4DB2-BD59-A6C34878D82A}">
-                    <a16:rowId xmlns="" xmlns:a16="http://schemas.microsoft.com/office/drawing/2014/main" val="10002"/>
-                  </a:ext>
-                </a:extLst>
-              </a:tr>
-              <a:tr h="475962">
-                <a:tc>
-                  <a:txBody>
-                    <a:bodyPr/>
-                    <a:lstStyle/>
-                    <a:p>
-                      <a:pPr marL="0" algn="ctr" defTabSz="685800" rtl="0" eaLnBrk="1" latinLnBrk="0" hangingPunct="1"/>
-                      <a:r>
-                        <a:rPr lang="en-US" altLang="zh-CN" sz="1100" b="1" kern="1200" dirty="0" err="1" smtClean="0">
-                          <a:solidFill>
-                            <a:schemeClr val="dk1"/>
-                          </a:solidFill>
-                          <a:latin typeface="微软雅黑" panose="020B0503020204020204" pitchFamily="34" charset="-122"/>
-                          <a:ea typeface="微软雅黑" panose="020B0503020204020204" pitchFamily="34" charset="-122"/>
-                          <a:cs typeface="+mn-cs"/>
-                        </a:rPr>
-                        <a:t>YaoYu</a:t>
-                      </a:r>
-                      <a:r>
-                        <a:rPr lang="en-US" altLang="zh-CN" sz="1100" b="1" kern="1200" dirty="0" smtClean="0">
-                          <a:solidFill>
-                            <a:schemeClr val="dk1"/>
-                          </a:solidFill>
-                          <a:latin typeface="微软雅黑" panose="020B0503020204020204" pitchFamily="34" charset="-122"/>
-                          <a:ea typeface="微软雅黑" panose="020B0503020204020204" pitchFamily="34" charset="-122"/>
-                          <a:cs typeface="+mn-cs"/>
-                        </a:rPr>
-                        <a:t>  Cao(</a:t>
-                      </a:r>
-                      <a:r>
-                        <a:rPr lang="zh-CN" altLang="en-US" sz="1100" b="1" kern="1200" dirty="0" smtClean="0">
-                          <a:solidFill>
-                            <a:schemeClr val="dk1"/>
-                          </a:solidFill>
-                          <a:latin typeface="微软雅黑" panose="020B0503020204020204" pitchFamily="34" charset="-122"/>
-                          <a:ea typeface="微软雅黑" panose="020B0503020204020204" pitchFamily="34" charset="-122"/>
-                          <a:cs typeface="+mn-cs"/>
-                        </a:rPr>
-                        <a:t>曹耀宇</a:t>
-                      </a:r>
-                      <a:r>
-                        <a:rPr lang="en-US" altLang="zh-CN" sz="1100" b="1" kern="1200" dirty="0" smtClean="0">
-                          <a:solidFill>
-                            <a:schemeClr val="dk1"/>
-                          </a:solidFill>
-                          <a:latin typeface="微软雅黑" panose="020B0503020204020204" pitchFamily="34" charset="-122"/>
-                          <a:ea typeface="微软雅黑" panose="020B0503020204020204" pitchFamily="34" charset="-122"/>
-                          <a:cs typeface="+mn-cs"/>
-                        </a:rPr>
-                        <a:t>)</a:t>
-                      </a:r>
-                      <a:endParaRPr lang="zh-CN" altLang="en-US" sz="1100" b="1" kern="1200" dirty="0">
-                        <a:solidFill>
-                          <a:schemeClr val="dk1"/>
-                        </a:solidFill>
-                        <a:latin typeface="微软雅黑" panose="020B0503020204020204" pitchFamily="34" charset="-122"/>
-                        <a:ea typeface="微软雅黑" panose="020B0503020204020204" pitchFamily="34" charset="-122"/>
-                        <a:cs typeface="+mn-cs"/>
-                      </a:endParaRPr>
-                    </a:p>
-                  </a:txBody>
-                  <a:tcPr marL="110604" marR="110604" marT="28714" marB="28714" anchor="ctr"/>
-                </a:tc>
-                <a:tc>
-                  <a:txBody>
-                    <a:bodyPr/>
-                    <a:lstStyle/>
-                    <a:p>
-                      <a:pPr marL="0" algn="ctr" defTabSz="685800" rtl="0" eaLnBrk="1" latinLnBrk="0" hangingPunct="1"/>
-                      <a:r>
-                        <a:rPr lang="en-US" altLang="zh-CN" sz="1100" b="1" kern="1200" dirty="0" smtClean="0">
-                          <a:solidFill>
-                            <a:schemeClr val="dk1"/>
-                          </a:solidFill>
-                          <a:latin typeface="微软雅黑" panose="020B0503020204020204" pitchFamily="34" charset="-122"/>
-                          <a:ea typeface="微软雅黑" panose="020B0503020204020204" pitchFamily="34" charset="-122"/>
-                          <a:cs typeface="+mn-cs"/>
-                        </a:rPr>
-                        <a:t>15:55-16:20</a:t>
+                        <a:t>15:40-16:05</a:t>
                       </a:r>
                       <a:endParaRPr lang="zh-CN" altLang="en-US" sz="1100" b="1" kern="1200" dirty="0">
                         <a:solidFill>
@@ -18200,7 +18062,7 @@
                         </a:rPr>
                         <a:t>: new challenges and opportunities</a:t>
                       </a:r>
-                      <a:endParaRPr lang="zh-CN" altLang="en-US" sz="1100" b="1" kern="1200" dirty="0">
+                      <a:endParaRPr lang="zh-CN" altLang="en-US" sz="1100" b="1" kern="1200" dirty="0" smtClean="0">
                         <a:solidFill>
                           <a:schemeClr val="dk1"/>
                         </a:solidFill>
@@ -18214,11 +18076,11 @@
                 </a:tc>
                 <a:extLst>
                   <a:ext uri="{0D108BD9-81ED-4DB2-BD59-A6C34878D82A}">
-                    <a16:rowId xmlns="" xmlns:a16="http://schemas.microsoft.com/office/drawing/2014/main" val="10003"/>
+                    <a16:rowId xmlns:a16="http://schemas.microsoft.com/office/drawing/2014/main" xmlns="" val="10002"/>
                   </a:ext>
                 </a:extLst>
               </a:tr>
-              <a:tr h="331748">
+              <a:tr h="475962">
                 <a:tc>
                   <a:txBody>
                     <a:bodyPr/>
@@ -18285,7 +18147,7 @@
                           <a:ea typeface="微软雅黑" panose="020B0503020204020204" pitchFamily="34" charset="-122"/>
                           <a:cs typeface="+mn-cs"/>
                         </a:rPr>
-                        <a:t>16:20-16:45</a:t>
+                        <a:t>16:05-16:30</a:t>
                       </a:r>
                       <a:endParaRPr lang="zh-CN" altLang="en-US" sz="1100" b="1" kern="1200" dirty="0">
                         <a:solidFill>
@@ -18304,7 +18166,6 @@
                     <a:bodyPr/>
                     <a:lstStyle/>
                     <a:p>
-                      <a:pPr algn="ctr"/>
                       <a:r>
                         <a:rPr lang="en-US" altLang="en-US" sz="1100" b="1" kern="1200" dirty="0" err="1" smtClean="0">
                           <a:solidFill>
@@ -18371,7 +18232,7 @@
                         </a:rPr>
                         <a:t> modulation with incident polarization </a:t>
                       </a:r>
-                      <a:endParaRPr lang="zh-CN" altLang="en-US" sz="1100" b="1" kern="1200" dirty="0">
+                      <a:endParaRPr lang="zh-CN" altLang="en-US" sz="1100" b="1" kern="1200" dirty="0" smtClean="0">
                         <a:solidFill>
                           <a:schemeClr val="dk1"/>
                         </a:solidFill>
@@ -18385,11 +18246,11 @@
                 </a:tc>
                 <a:extLst>
                   <a:ext uri="{0D108BD9-81ED-4DB2-BD59-A6C34878D82A}">
-                    <a16:rowId xmlns="" xmlns:a16="http://schemas.microsoft.com/office/drawing/2014/main" val="10004"/>
+                    <a16:rowId xmlns:a16="http://schemas.microsoft.com/office/drawing/2014/main" xmlns="" val="10003"/>
                   </a:ext>
                 </a:extLst>
               </a:tr>
-              <a:tr h="291582">
+              <a:tr h="331748">
                 <a:tc>
                   <a:txBody>
                     <a:bodyPr/>
@@ -18397,42 +18258,64 @@
                     <a:p>
                       <a:pPr marL="0" algn="ctr" defTabSz="685800" rtl="0" eaLnBrk="1" latinLnBrk="0" hangingPunct="1"/>
                       <a:r>
-                        <a:rPr lang="en-US" altLang="zh-CN" sz="1100" b="1" kern="1200" dirty="0" err="1" smtClean="0">
-                          <a:solidFill>
-                            <a:schemeClr val="dk1"/>
-                          </a:solidFill>
-                          <a:latin typeface="微软雅黑" panose="020B0503020204020204" pitchFamily="34" charset="-122"/>
-                          <a:ea typeface="微软雅黑" panose="020B0503020204020204" pitchFamily="34" charset="-122"/>
-                          <a:cs typeface="+mn-cs"/>
-                        </a:rPr>
-                        <a:t>GuiXin</a:t>
+                        <a:rPr lang="en-US" altLang="en-US" sz="1100" b="1" kern="1200" dirty="0" smtClean="0">
+                          <a:solidFill>
+                            <a:schemeClr val="tx1"/>
+                          </a:solidFill>
+                          <a:latin typeface="微软雅黑" panose="020B0503020204020204" pitchFamily="34" charset="-122"/>
+                          <a:ea typeface="微软雅黑" panose="020B0503020204020204" pitchFamily="34" charset="-122"/>
+                          <a:cs typeface="+mn-cs"/>
+                        </a:rPr>
+                        <a:t>LI Jensen </a:t>
+                      </a:r>
+                      <a:r>
+                        <a:rPr lang="en-US" altLang="en-US" sz="1100" b="1" kern="1200" dirty="0" err="1" smtClean="0">
+                          <a:solidFill>
+                            <a:schemeClr val="tx1"/>
+                          </a:solidFill>
+                          <a:latin typeface="微软雅黑" panose="020B0503020204020204" pitchFamily="34" charset="-122"/>
+                          <a:ea typeface="微软雅黑" panose="020B0503020204020204" pitchFamily="34" charset="-122"/>
+                          <a:cs typeface="+mn-cs"/>
+                        </a:rPr>
+                        <a:t>Tsan</a:t>
+                      </a:r>
+                      <a:r>
+                        <a:rPr lang="en-US" altLang="en-US" sz="1100" b="1" kern="1200" dirty="0" smtClean="0">
+                          <a:solidFill>
+                            <a:schemeClr val="tx1"/>
+                          </a:solidFill>
+                          <a:latin typeface="微软雅黑" panose="020B0503020204020204" pitchFamily="34" charset="-122"/>
+                          <a:ea typeface="微软雅黑" panose="020B0503020204020204" pitchFamily="34" charset="-122"/>
+                          <a:cs typeface="+mn-cs"/>
+                        </a:rPr>
+                        <a:t> Hang</a:t>
                       </a:r>
                       <a:r>
                         <a:rPr lang="en-US" altLang="zh-CN" sz="1100" b="1" kern="1200" dirty="0" smtClean="0">
                           <a:solidFill>
-                            <a:schemeClr val="dk1"/>
-                          </a:solidFill>
-                          <a:latin typeface="微软雅黑" panose="020B0503020204020204" pitchFamily="34" charset="-122"/>
-                          <a:ea typeface="微软雅黑" panose="020B0503020204020204" pitchFamily="34" charset="-122"/>
-                          <a:cs typeface="+mn-cs"/>
-                        </a:rPr>
-                        <a:t>  Li (</a:t>
+                            <a:schemeClr val="tx1"/>
+                          </a:solidFill>
+                          <a:latin typeface="微软雅黑" panose="020B0503020204020204" pitchFamily="34" charset="-122"/>
+                          <a:ea typeface="微软雅黑" panose="020B0503020204020204" pitchFamily="34" charset="-122"/>
+                          <a:cs typeface="+mn-cs"/>
+                        </a:rPr>
+                        <a:t>(</a:t>
                       </a:r>
                       <a:r>
                         <a:rPr lang="zh-CN" altLang="en-US" sz="1100" b="1" kern="1200" dirty="0" smtClean="0">
                           <a:solidFill>
-                            <a:schemeClr val="dk1"/>
-                          </a:solidFill>
-                          <a:latin typeface="微软雅黑" panose="020B0503020204020204" pitchFamily="34" charset="-122"/>
-                          <a:ea typeface="微软雅黑" panose="020B0503020204020204" pitchFamily="34" charset="-122"/>
-                          <a:cs typeface="+mn-cs"/>
-                        </a:rPr>
-                        <a:t>李贵新</a:t>
+                            <a:schemeClr val="tx1"/>
+                          </a:solidFill>
+                          <a:latin typeface="微软雅黑" panose="020B0503020204020204" pitchFamily="34" charset="-122"/>
+                          <a:ea typeface="微软雅黑" panose="020B0503020204020204" pitchFamily="34" charset="-122"/>
+                          <a:cs typeface="+mn-cs"/>
+                        </a:rPr>
+                        <a:t>李赞恒</a:t>
                       </a:r>
                       <a:r>
                         <a:rPr lang="en-US" altLang="zh-CN" sz="1100" b="1" kern="1200" dirty="0" smtClean="0">
                           <a:solidFill>
-                            <a:schemeClr val="dk1"/>
+                            <a:schemeClr val="tx1"/>
                           </a:solidFill>
                           <a:latin typeface="微软雅黑" panose="020B0503020204020204" pitchFamily="34" charset="-122"/>
                           <a:ea typeface="微软雅黑" panose="020B0503020204020204" pitchFamily="34" charset="-122"/>
@@ -18440,6 +18323,25 @@
                         </a:rPr>
                         <a:t>)</a:t>
                       </a:r>
+                      <a:r>
+                        <a:rPr lang="en-US" altLang="zh-CN" sz="1100" b="1" kern="1200" baseline="0" dirty="0" smtClean="0">
+                          <a:solidFill>
+                            <a:schemeClr val="tx1"/>
+                          </a:solidFill>
+                          <a:latin typeface="微软雅黑" panose="020B0503020204020204" pitchFamily="34" charset="-122"/>
+                          <a:ea typeface="微软雅黑" panose="020B0503020204020204" pitchFamily="34" charset="-122"/>
+                          <a:cs typeface="+mn-cs"/>
+                        </a:rPr>
+                        <a:t> </a:t>
+                      </a:r>
+                      <a:endParaRPr lang="zh-CN" altLang="en-US" sz="1100" b="1" kern="1200" dirty="0">
+                        <a:solidFill>
+                          <a:schemeClr val="tx1"/>
+                        </a:solidFill>
+                        <a:latin typeface="微软雅黑" panose="020B0503020204020204" pitchFamily="34" charset="-122"/>
+                        <a:ea typeface="微软雅黑" panose="020B0503020204020204" pitchFamily="34" charset="-122"/>
+                        <a:cs typeface="+mn-cs"/>
+                      </a:endParaRPr>
                     </a:p>
                   </a:txBody>
                   <a:tcPr marL="110604" marR="110604" marT="28714" marB="28714" anchor="ctr"/>
@@ -18459,7 +18361,7 @@
                           <a:ea typeface="微软雅黑" panose="020B0503020204020204" pitchFamily="34" charset="-122"/>
                           <a:cs typeface="+mn-cs"/>
                         </a:rPr>
-                        <a:t>16:45-17:10</a:t>
+                        <a:t>16:30-16:45</a:t>
                       </a:r>
                       <a:endParaRPr lang="zh-CN" altLang="en-US" sz="1100" b="1" kern="1200" dirty="0">
                         <a:solidFill>
@@ -18488,6 +18390,136 @@
                           <a:ea typeface="微软雅黑" panose="020B0503020204020204" pitchFamily="34" charset="-122"/>
                           <a:cs typeface="+mn-cs"/>
                         </a:rPr>
+                        <a:t>Elastic </a:t>
+                      </a:r>
+                      <a:r>
+                        <a:rPr lang="en-US" altLang="zh-CN" sz="1100" b="1" kern="1200" dirty="0" err="1" smtClean="0">
+                          <a:solidFill>
+                            <a:schemeClr val="dk1"/>
+                          </a:solidFill>
+                          <a:latin typeface="微软雅黑" panose="020B0503020204020204" pitchFamily="34" charset="-122"/>
+                          <a:ea typeface="微软雅黑" panose="020B0503020204020204" pitchFamily="34" charset="-122"/>
+                          <a:cs typeface="+mn-cs"/>
+                        </a:rPr>
+                        <a:t>metasurfaces</a:t>
+                      </a:r>
+                      <a:endParaRPr lang="en-US" altLang="zh-CN" sz="1100" b="1" kern="1200" dirty="0" smtClean="0">
+                        <a:solidFill>
+                          <a:schemeClr val="dk1"/>
+                        </a:solidFill>
+                        <a:latin typeface="微软雅黑" panose="020B0503020204020204" pitchFamily="34" charset="-122"/>
+                        <a:ea typeface="微软雅黑" panose="020B0503020204020204" pitchFamily="34" charset="-122"/>
+                        <a:cs typeface="+mn-cs"/>
+                      </a:endParaRPr>
+                    </a:p>
+                  </a:txBody>
+                  <a:tcPr marL="110604" marR="110604" marT="28714" marB="28714" anchor="ctr"/>
+                </a:tc>
+                <a:extLst>
+                  <a:ext uri="{0D108BD9-81ED-4DB2-BD59-A6C34878D82A}">
+                    <a16:rowId xmlns:a16="http://schemas.microsoft.com/office/drawing/2014/main" xmlns="" val="10004"/>
+                  </a:ext>
+                </a:extLst>
+              </a:tr>
+              <a:tr h="291582">
+                <a:tc>
+                  <a:txBody>
+                    <a:bodyPr/>
+                    <a:lstStyle/>
+                    <a:p>
+                      <a:pPr marL="0" algn="ctr" defTabSz="685800" rtl="0" eaLnBrk="1" latinLnBrk="0" hangingPunct="1"/>
+                      <a:r>
+                        <a:rPr lang="en-US" altLang="zh-CN" sz="1100" b="1" kern="1200" dirty="0" err="1" smtClean="0">
+                          <a:solidFill>
+                            <a:schemeClr val="dk1"/>
+                          </a:solidFill>
+                          <a:latin typeface="微软雅黑" panose="020B0503020204020204" pitchFamily="34" charset="-122"/>
+                          <a:ea typeface="微软雅黑" panose="020B0503020204020204" pitchFamily="34" charset="-122"/>
+                          <a:cs typeface="+mn-cs"/>
+                        </a:rPr>
+                        <a:t>GuiXin</a:t>
+                      </a:r>
+                      <a:r>
+                        <a:rPr lang="en-US" altLang="zh-CN" sz="1100" b="1" kern="1200" dirty="0" smtClean="0">
+                          <a:solidFill>
+                            <a:schemeClr val="dk1"/>
+                          </a:solidFill>
+                          <a:latin typeface="微软雅黑" panose="020B0503020204020204" pitchFamily="34" charset="-122"/>
+                          <a:ea typeface="微软雅黑" panose="020B0503020204020204" pitchFamily="34" charset="-122"/>
+                          <a:cs typeface="+mn-cs"/>
+                        </a:rPr>
+                        <a:t>  Li (</a:t>
+                      </a:r>
+                      <a:r>
+                        <a:rPr lang="zh-CN" altLang="en-US" sz="1100" b="1" kern="1200" dirty="0" smtClean="0">
+                          <a:solidFill>
+                            <a:schemeClr val="dk1"/>
+                          </a:solidFill>
+                          <a:latin typeface="微软雅黑" panose="020B0503020204020204" pitchFamily="34" charset="-122"/>
+                          <a:ea typeface="微软雅黑" panose="020B0503020204020204" pitchFamily="34" charset="-122"/>
+                          <a:cs typeface="+mn-cs"/>
+                        </a:rPr>
+                        <a:t>李贵新</a:t>
+                      </a:r>
+                      <a:r>
+                        <a:rPr lang="en-US" altLang="zh-CN" sz="1100" b="1" kern="1200" dirty="0" smtClean="0">
+                          <a:solidFill>
+                            <a:schemeClr val="dk1"/>
+                          </a:solidFill>
+                          <a:latin typeface="微软雅黑" panose="020B0503020204020204" pitchFamily="34" charset="-122"/>
+                          <a:ea typeface="微软雅黑" panose="020B0503020204020204" pitchFamily="34" charset="-122"/>
+                          <a:cs typeface="+mn-cs"/>
+                        </a:rPr>
+                        <a:t>)</a:t>
+                      </a:r>
+                    </a:p>
+                  </a:txBody>
+                  <a:tcPr marL="110604" marR="110604" marT="28714" marB="28714" anchor="ctr"/>
+                </a:tc>
+                <a:tc>
+                  <a:txBody>
+                    <a:bodyPr/>
+                    <a:lstStyle/>
+                    <a:p>
+                      <a:pPr marL="0" algn="ctr" defTabSz="685800" rtl="0" eaLnBrk="1" latinLnBrk="0" hangingPunct="1"/>
+                      <a:r>
+                        <a:rPr lang="en-US" altLang="zh-CN" sz="1100" b="1" kern="1200" dirty="0" smtClean="0">
+                          <a:solidFill>
+                            <a:schemeClr val="dk1"/>
+                          </a:solidFill>
+                          <a:latin typeface="微软雅黑" panose="020B0503020204020204" pitchFamily="34" charset="-122"/>
+                          <a:ea typeface="微软雅黑" panose="020B0503020204020204" pitchFamily="34" charset="-122"/>
+                          <a:cs typeface="+mn-cs"/>
+                        </a:rPr>
+                        <a:t>16:45-17:00</a:t>
+                      </a:r>
+                      <a:endParaRPr lang="zh-CN" altLang="en-US" sz="1100" b="1" kern="1200" dirty="0">
+                        <a:solidFill>
+                          <a:schemeClr val="dk1"/>
+                        </a:solidFill>
+                        <a:latin typeface="微软雅黑" panose="020B0503020204020204" pitchFamily="34" charset="-122"/>
+                        <a:ea typeface="微软雅黑" panose="020B0503020204020204" pitchFamily="34" charset="-122"/>
+                        <a:cs typeface="+mn-cs"/>
+                      </a:endParaRPr>
+                    </a:p>
+                  </a:txBody>
+                  <a:tcPr marL="110604" marR="110604" marT="28714" marB="28714" anchor="ctr"/>
+                </a:tc>
+                <a:tc>
+                  <a:txBody>
+                    <a:bodyPr/>
+                    <a:lstStyle/>
+                    <a:p>
+                      <a:pPr marL="0" algn="ctr" defTabSz="685800" rtl="0" eaLnBrk="1" latinLnBrk="0" hangingPunct="1"/>
+                      <a:r>
+                        <a:rPr lang="en-US" altLang="zh-CN" sz="1100" b="1" kern="1200" dirty="0" smtClean="0">
+                          <a:solidFill>
+                            <a:schemeClr val="dk1"/>
+                          </a:solidFill>
+                          <a:latin typeface="微软雅黑" panose="020B0503020204020204" pitchFamily="34" charset="-122"/>
+                          <a:ea typeface="微软雅黑" panose="020B0503020204020204" pitchFamily="34" charset="-122"/>
+                          <a:cs typeface="+mn-cs"/>
+                        </a:rPr>
                         <a:t>Nonlinear Photonic </a:t>
                       </a:r>
                       <a:r>
@@ -18515,7 +18547,7 @@
                 </a:tc>
                 <a:extLst>
                   <a:ext uri="{0D108BD9-81ED-4DB2-BD59-A6C34878D82A}">
-                    <a16:rowId xmlns="" xmlns:a16="http://schemas.microsoft.com/office/drawing/2014/main" val="10005"/>
+                    <a16:rowId xmlns:a16="http://schemas.microsoft.com/office/drawing/2014/main" xmlns="" val="10005"/>
                   </a:ext>
                 </a:extLst>
               </a:tr>
@@ -19128,7 +19160,7 @@
           <p:cNvPr id="12" name="矩形 11">
             <a:extLst>
               <a:ext uri="{FF2B5EF4-FFF2-40B4-BE49-F238E27FC236}">
-                <a16:creationId xmlns:a16="http://schemas.microsoft.com/office/drawing/2014/main" xmlns="" id="{42B28CF3-1023-471A-85FC-9F9F3ADC12F8}"/>
+                <a16:creationId xmlns="" xmlns:a16="http://schemas.microsoft.com/office/drawing/2014/main" id="{42B28CF3-1023-471A-85FC-9F9F3ADC12F8}"/>
               </a:ext>
             </a:extLst>
           </p:cNvPr>
@@ -19194,7 +19226,7 @@
           <p:cNvPr id="8" name="表格 7">
             <a:extLst>
               <a:ext uri="{FF2B5EF4-FFF2-40B4-BE49-F238E27FC236}">
-                <a16:creationId xmlns:a16="http://schemas.microsoft.com/office/drawing/2014/main" xmlns="" id="{DF1018AF-4BB1-46F7-91DD-90F84352DBBF}"/>
+                <a16:creationId xmlns="" xmlns:a16="http://schemas.microsoft.com/office/drawing/2014/main" id="{DF1018AF-4BB1-46F7-91DD-90F84352DBBF}"/>
               </a:ext>
             </a:extLst>
           </p:cNvPr>
@@ -19223,21 +19255,21 @@
                 <a:gridCol w="2180823">
                   <a:extLst>
                     <a:ext uri="{9D8B030D-6E8A-4147-A177-3AD203B41FA5}">
-                      <a16:colId xmlns:a16="http://schemas.microsoft.com/office/drawing/2014/main" xmlns="" val="271949209"/>
+                      <a16:colId xmlns="" xmlns:a16="http://schemas.microsoft.com/office/drawing/2014/main" val="271949209"/>
                     </a:ext>
                   </a:extLst>
                 </a:gridCol>
                 <a:gridCol w="1940417">
                   <a:extLst>
                     <a:ext uri="{9D8B030D-6E8A-4147-A177-3AD203B41FA5}">
-                      <a16:colId xmlns:a16="http://schemas.microsoft.com/office/drawing/2014/main" xmlns="" val="483794282"/>
+                      <a16:colId xmlns="" xmlns:a16="http://schemas.microsoft.com/office/drawing/2014/main" val="483794282"/>
                     </a:ext>
                   </a:extLst>
                 </a:gridCol>
                 <a:gridCol w="4350688">
                   <a:extLst>
                     <a:ext uri="{9D8B030D-6E8A-4147-A177-3AD203B41FA5}">
-                      <a16:colId xmlns:a16="http://schemas.microsoft.com/office/drawing/2014/main" xmlns="" val="3157286281"/>
+                      <a16:colId xmlns="" xmlns:a16="http://schemas.microsoft.com/office/drawing/2014/main" val="3157286281"/>
                     </a:ext>
                   </a:extLst>
                 </a:gridCol>
@@ -19290,7 +19322,7 @@
                 </a:tc>
                 <a:extLst>
                   <a:ext uri="{0D108BD9-81ED-4DB2-BD59-A6C34878D82A}">
-                    <a16:rowId xmlns:a16="http://schemas.microsoft.com/office/drawing/2014/main" xmlns="" val="10357417"/>
+                    <a16:rowId xmlns="" xmlns:a16="http://schemas.microsoft.com/office/drawing/2014/main" val="10357417"/>
                   </a:ext>
                 </a:extLst>
               </a:tr>
@@ -19421,7 +19453,7 @@
                 </a:tc>
                 <a:extLst>
                   <a:ext uri="{0D108BD9-81ED-4DB2-BD59-A6C34878D82A}">
-                    <a16:rowId xmlns:a16="http://schemas.microsoft.com/office/drawing/2014/main" xmlns="" val="1881350119"/>
+                    <a16:rowId xmlns="" xmlns:a16="http://schemas.microsoft.com/office/drawing/2014/main" val="1881350119"/>
                   </a:ext>
                 </a:extLst>
               </a:tr>
@@ -19596,7 +19628,7 @@
                 </a:tc>
                 <a:extLst>
                   <a:ext uri="{0D108BD9-81ED-4DB2-BD59-A6C34878D82A}">
-                    <a16:rowId xmlns:a16="http://schemas.microsoft.com/office/drawing/2014/main" xmlns="" val="1466771304"/>
+                    <a16:rowId xmlns="" xmlns:a16="http://schemas.microsoft.com/office/drawing/2014/main" val="1466771304"/>
                   </a:ext>
                 </a:extLst>
               </a:tr>
@@ -19771,7 +19803,7 @@
                 </a:tc>
                 <a:extLst>
                   <a:ext uri="{0D108BD9-81ED-4DB2-BD59-A6C34878D82A}">
-                    <a16:rowId xmlns:a16="http://schemas.microsoft.com/office/drawing/2014/main" xmlns="" val="1360372986"/>
+                    <a16:rowId xmlns="" xmlns:a16="http://schemas.microsoft.com/office/drawing/2014/main" val="1360372986"/>
                   </a:ext>
                 </a:extLst>
               </a:tr>
@@ -20143,7 +20175,7 @@
                 </a:tc>
                 <a:extLst>
                   <a:ext uri="{0D108BD9-81ED-4DB2-BD59-A6C34878D82A}">
-                    <a16:rowId xmlns:a16="http://schemas.microsoft.com/office/drawing/2014/main" xmlns="" val="2030655908"/>
+                    <a16:rowId xmlns="" xmlns:a16="http://schemas.microsoft.com/office/drawing/2014/main" val="2030655908"/>
                   </a:ext>
                 </a:extLst>
               </a:tr>
@@ -20373,7 +20405,7 @@
                 </a:tc>
                 <a:extLst>
                   <a:ext uri="{0D108BD9-81ED-4DB2-BD59-A6C34878D82A}">
-                    <a16:rowId xmlns:a16="http://schemas.microsoft.com/office/drawing/2014/main" xmlns="" val="409827977"/>
+                    <a16:rowId xmlns="" xmlns:a16="http://schemas.microsoft.com/office/drawing/2014/main" val="409827977"/>
                   </a:ext>
                 </a:extLst>
               </a:tr>
@@ -20559,7 +20591,7 @@
                 </a:tc>
                 <a:extLst>
                   <a:ext uri="{0D108BD9-81ED-4DB2-BD59-A6C34878D82A}">
-                    <a16:rowId xmlns:a16="http://schemas.microsoft.com/office/drawing/2014/main" xmlns="" val="869534706"/>
+                    <a16:rowId xmlns="" xmlns:a16="http://schemas.microsoft.com/office/drawing/2014/main" val="869534706"/>
                   </a:ext>
                 </a:extLst>
               </a:tr>
@@ -20745,7 +20777,7 @@
                 </a:tc>
                 <a:extLst>
                   <a:ext uri="{0D108BD9-81ED-4DB2-BD59-A6C34878D82A}">
-                    <a16:rowId xmlns:a16="http://schemas.microsoft.com/office/drawing/2014/main" xmlns="" val="376353898"/>
+                    <a16:rowId xmlns="" xmlns:a16="http://schemas.microsoft.com/office/drawing/2014/main" val="376353898"/>
                   </a:ext>
                 </a:extLst>
               </a:tr>
@@ -21013,7 +21045,7 @@
                 </a:tc>
                 <a:extLst>
                   <a:ext uri="{0D108BD9-81ED-4DB2-BD59-A6C34878D82A}">
-                    <a16:rowId xmlns:a16="http://schemas.microsoft.com/office/drawing/2014/main" xmlns="" val="3084526821"/>
+                    <a16:rowId xmlns="" xmlns:a16="http://schemas.microsoft.com/office/drawing/2014/main" val="3084526821"/>
                   </a:ext>
                 </a:extLst>
               </a:tr>
@@ -21188,7 +21220,7 @@
                 </a:tc>
                 <a:extLst>
                   <a:ext uri="{0D108BD9-81ED-4DB2-BD59-A6C34878D82A}">
-                    <a16:rowId xmlns:a16="http://schemas.microsoft.com/office/drawing/2014/main" xmlns="" val="3303074763"/>
+                    <a16:rowId xmlns="" xmlns:a16="http://schemas.microsoft.com/office/drawing/2014/main" val="3303074763"/>
                   </a:ext>
                 </a:extLst>
               </a:tr>
@@ -21385,7 +21417,7 @@
                 </a:tc>
                 <a:extLst>
                   <a:ext uri="{0D108BD9-81ED-4DB2-BD59-A6C34878D82A}">
-                    <a16:rowId xmlns:a16="http://schemas.microsoft.com/office/drawing/2014/main" xmlns="" val="3971897777"/>
+                    <a16:rowId xmlns="" xmlns:a16="http://schemas.microsoft.com/office/drawing/2014/main" val="3971897777"/>
                   </a:ext>
                 </a:extLst>
               </a:tr>
@@ -21398,7 +21430,7 @@
           <p:cNvPr id="13" name="文本框 12">
             <a:extLst>
               <a:ext uri="{FF2B5EF4-FFF2-40B4-BE49-F238E27FC236}">
-                <a16:creationId xmlns:a16="http://schemas.microsoft.com/office/drawing/2014/main" xmlns="" id="{740F5E40-DCD1-41FA-94E2-CA9CA7EC8E7F}"/>
+                <a16:creationId xmlns="" xmlns:a16="http://schemas.microsoft.com/office/drawing/2014/main" id="{740F5E40-DCD1-41FA-94E2-CA9CA7EC8E7F}"/>
               </a:ext>
             </a:extLst>
           </p:cNvPr>
@@ -21480,7 +21512,7 @@
           <p:cNvPr id="14" name="文本框 13">
             <a:extLst>
               <a:ext uri="{FF2B5EF4-FFF2-40B4-BE49-F238E27FC236}">
-                <a16:creationId xmlns:a16="http://schemas.microsoft.com/office/drawing/2014/main" xmlns="" id="{66ED3A95-7245-4310-8354-479C4A30391B}"/>
+                <a16:creationId xmlns="" xmlns:a16="http://schemas.microsoft.com/office/drawing/2014/main" id="{66ED3A95-7245-4310-8354-479C4A30391B}"/>
               </a:ext>
             </a:extLst>
           </p:cNvPr>
@@ -21583,7 +21615,7 @@
           <p:cNvPr id="12" name="矩形 11">
             <a:extLst>
               <a:ext uri="{FF2B5EF4-FFF2-40B4-BE49-F238E27FC236}">
-                <a16:creationId xmlns:a16="http://schemas.microsoft.com/office/drawing/2014/main" xmlns="" id="{42B28CF3-1023-471A-85FC-9F9F3ADC12F8}"/>
+                <a16:creationId xmlns="" xmlns:a16="http://schemas.microsoft.com/office/drawing/2014/main" id="{42B28CF3-1023-471A-85FC-9F9F3ADC12F8}"/>
               </a:ext>
             </a:extLst>
           </p:cNvPr>
@@ -21649,7 +21681,7 @@
           <p:cNvPr id="8" name="表格 7">
             <a:extLst>
               <a:ext uri="{FF2B5EF4-FFF2-40B4-BE49-F238E27FC236}">
-                <a16:creationId xmlns:a16="http://schemas.microsoft.com/office/drawing/2014/main" xmlns="" id="{DF1018AF-4BB1-46F7-91DD-90F84352DBBF}"/>
+                <a16:creationId xmlns="" xmlns:a16="http://schemas.microsoft.com/office/drawing/2014/main" id="{DF1018AF-4BB1-46F7-91DD-90F84352DBBF}"/>
               </a:ext>
             </a:extLst>
           </p:cNvPr>
@@ -21678,21 +21710,21 @@
                 <a:gridCol w="2180823">
                   <a:extLst>
                     <a:ext uri="{9D8B030D-6E8A-4147-A177-3AD203B41FA5}">
-                      <a16:colId xmlns:a16="http://schemas.microsoft.com/office/drawing/2014/main" xmlns="" val="271949209"/>
+                      <a16:colId xmlns="" xmlns:a16="http://schemas.microsoft.com/office/drawing/2014/main" val="271949209"/>
                     </a:ext>
                   </a:extLst>
                 </a:gridCol>
                 <a:gridCol w="1940417">
                   <a:extLst>
                     <a:ext uri="{9D8B030D-6E8A-4147-A177-3AD203B41FA5}">
-                      <a16:colId xmlns:a16="http://schemas.microsoft.com/office/drawing/2014/main" xmlns="" val="483794282"/>
+                      <a16:colId xmlns="" xmlns:a16="http://schemas.microsoft.com/office/drawing/2014/main" val="483794282"/>
                     </a:ext>
                   </a:extLst>
                 </a:gridCol>
                 <a:gridCol w="4350688">
                   <a:extLst>
                     <a:ext uri="{9D8B030D-6E8A-4147-A177-3AD203B41FA5}">
-                      <a16:colId xmlns:a16="http://schemas.microsoft.com/office/drawing/2014/main" xmlns="" val="3157286281"/>
+                      <a16:colId xmlns="" xmlns:a16="http://schemas.microsoft.com/office/drawing/2014/main" val="3157286281"/>
                     </a:ext>
                   </a:extLst>
                 </a:gridCol>
@@ -21745,7 +21777,7 @@
                 </a:tc>
                 <a:extLst>
                   <a:ext uri="{0D108BD9-81ED-4DB2-BD59-A6C34878D82A}">
-                    <a16:rowId xmlns:a16="http://schemas.microsoft.com/office/drawing/2014/main" xmlns="" val="10357417"/>
+                    <a16:rowId xmlns="" xmlns:a16="http://schemas.microsoft.com/office/drawing/2014/main" val="10357417"/>
                   </a:ext>
                 </a:extLst>
               </a:tr>
@@ -22064,7 +22096,7 @@
                 </a:tc>
                 <a:extLst>
                   <a:ext uri="{0D108BD9-81ED-4DB2-BD59-A6C34878D82A}">
-                    <a16:rowId xmlns:a16="http://schemas.microsoft.com/office/drawing/2014/main" xmlns="" val="1881350119"/>
+                    <a16:rowId xmlns="" xmlns:a16="http://schemas.microsoft.com/office/drawing/2014/main" val="1881350119"/>
                   </a:ext>
                 </a:extLst>
               </a:tr>
@@ -22191,7 +22223,7 @@
                 </a:tc>
                 <a:extLst>
                   <a:ext uri="{0D108BD9-81ED-4DB2-BD59-A6C34878D82A}">
-                    <a16:rowId xmlns:a16="http://schemas.microsoft.com/office/drawing/2014/main" xmlns="" val="1466771304"/>
+                    <a16:rowId xmlns="" xmlns:a16="http://schemas.microsoft.com/office/drawing/2014/main" val="1466771304"/>
                   </a:ext>
                 </a:extLst>
               </a:tr>
@@ -22318,7 +22350,7 @@
                 </a:tc>
                 <a:extLst>
                   <a:ext uri="{0D108BD9-81ED-4DB2-BD59-A6C34878D82A}">
-                    <a16:rowId xmlns:a16="http://schemas.microsoft.com/office/drawing/2014/main" xmlns="" val="1360372986"/>
+                    <a16:rowId xmlns="" xmlns:a16="http://schemas.microsoft.com/office/drawing/2014/main" val="1360372986"/>
                   </a:ext>
                 </a:extLst>
               </a:tr>
@@ -22472,7 +22504,7 @@
                 </a:tc>
                 <a:extLst>
                   <a:ext uri="{0D108BD9-81ED-4DB2-BD59-A6C34878D82A}">
-                    <a16:rowId xmlns:a16="http://schemas.microsoft.com/office/drawing/2014/main" xmlns="" val="3517042196"/>
+                    <a16:rowId xmlns="" xmlns:a16="http://schemas.microsoft.com/office/drawing/2014/main" val="3517042196"/>
                   </a:ext>
                 </a:extLst>
               </a:tr>
@@ -22485,7 +22517,7 @@
           <p:cNvPr id="13" name="文本框 12">
             <a:extLst>
               <a:ext uri="{FF2B5EF4-FFF2-40B4-BE49-F238E27FC236}">
-                <a16:creationId xmlns:a16="http://schemas.microsoft.com/office/drawing/2014/main" xmlns="" id="{740F5E40-DCD1-41FA-94E2-CA9CA7EC8E7F}"/>
+                <a16:creationId xmlns="" xmlns:a16="http://schemas.microsoft.com/office/drawing/2014/main" id="{740F5E40-DCD1-41FA-94E2-CA9CA7EC8E7F}"/>
               </a:ext>
             </a:extLst>
           </p:cNvPr>
@@ -22567,7 +22599,7 @@
           <p:cNvPr id="14" name="文本框 13">
             <a:extLst>
               <a:ext uri="{FF2B5EF4-FFF2-40B4-BE49-F238E27FC236}">
-                <a16:creationId xmlns:a16="http://schemas.microsoft.com/office/drawing/2014/main" xmlns="" id="{66ED3A95-7245-4310-8354-479C4A30391B}"/>
+                <a16:creationId xmlns="" xmlns:a16="http://schemas.microsoft.com/office/drawing/2014/main" id="{66ED3A95-7245-4310-8354-479C4A30391B}"/>
               </a:ext>
             </a:extLst>
           </p:cNvPr>
@@ -22689,7 +22721,7 @@
           <p:cNvPr id="12" name="矩形 11">
             <a:extLst>
               <a:ext uri="{FF2B5EF4-FFF2-40B4-BE49-F238E27FC236}">
-                <a16:creationId xmlns:a16="http://schemas.microsoft.com/office/drawing/2014/main" xmlns="" id="{42B28CF3-1023-471A-85FC-9F9F3ADC12F8}"/>
+                <a16:creationId xmlns="" xmlns:a16="http://schemas.microsoft.com/office/drawing/2014/main" id="{42B28CF3-1023-471A-85FC-9F9F3ADC12F8}"/>
               </a:ext>
             </a:extLst>
           </p:cNvPr>
@@ -22755,7 +22787,7 @@
           <p:cNvPr id="8" name="表格 7">
             <a:extLst>
               <a:ext uri="{FF2B5EF4-FFF2-40B4-BE49-F238E27FC236}">
-                <a16:creationId xmlns:a16="http://schemas.microsoft.com/office/drawing/2014/main" xmlns="" id="{DF1018AF-4BB1-46F7-91DD-90F84352DBBF}"/>
+                <a16:creationId xmlns="" xmlns:a16="http://schemas.microsoft.com/office/drawing/2014/main" id="{DF1018AF-4BB1-46F7-91DD-90F84352DBBF}"/>
               </a:ext>
             </a:extLst>
           </p:cNvPr>
@@ -22784,21 +22816,21 @@
                 <a:gridCol w="2180823">
                   <a:extLst>
                     <a:ext uri="{9D8B030D-6E8A-4147-A177-3AD203B41FA5}">
-                      <a16:colId xmlns:a16="http://schemas.microsoft.com/office/drawing/2014/main" xmlns="" val="271949209"/>
+                      <a16:colId xmlns="" xmlns:a16="http://schemas.microsoft.com/office/drawing/2014/main" val="271949209"/>
                     </a:ext>
                   </a:extLst>
                 </a:gridCol>
                 <a:gridCol w="1803043">
                   <a:extLst>
                     <a:ext uri="{9D8B030D-6E8A-4147-A177-3AD203B41FA5}">
-                      <a16:colId xmlns:a16="http://schemas.microsoft.com/office/drawing/2014/main" xmlns="" val="483794282"/>
+                      <a16:colId xmlns="" xmlns:a16="http://schemas.microsoft.com/office/drawing/2014/main" val="483794282"/>
                     </a:ext>
                   </a:extLst>
                 </a:gridCol>
                 <a:gridCol w="4488063">
                   <a:extLst>
                     <a:ext uri="{9D8B030D-6E8A-4147-A177-3AD203B41FA5}">
-                      <a16:colId xmlns:a16="http://schemas.microsoft.com/office/drawing/2014/main" xmlns="" val="3157286281"/>
+                      <a16:colId xmlns="" xmlns:a16="http://schemas.microsoft.com/office/drawing/2014/main" val="3157286281"/>
                     </a:ext>
                   </a:extLst>
                 </a:gridCol>
@@ -22851,7 +22883,7 @@
                 </a:tc>
                 <a:extLst>
                   <a:ext uri="{0D108BD9-81ED-4DB2-BD59-A6C34878D82A}">
-                    <a16:rowId xmlns:a16="http://schemas.microsoft.com/office/drawing/2014/main" xmlns="" val="10357417"/>
+                    <a16:rowId xmlns="" xmlns:a16="http://schemas.microsoft.com/office/drawing/2014/main" val="10357417"/>
                   </a:ext>
                 </a:extLst>
               </a:tr>
@@ -22967,7 +22999,7 @@
                 </a:tc>
                 <a:extLst>
                   <a:ext uri="{0D108BD9-81ED-4DB2-BD59-A6C34878D82A}">
-                    <a16:rowId xmlns:a16="http://schemas.microsoft.com/office/drawing/2014/main" xmlns="" val="1881350119"/>
+                    <a16:rowId xmlns="" xmlns:a16="http://schemas.microsoft.com/office/drawing/2014/main" val="1881350119"/>
                   </a:ext>
                 </a:extLst>
               </a:tr>
@@ -23154,7 +23186,7 @@
                 </a:tc>
                 <a:extLst>
                   <a:ext uri="{0D108BD9-81ED-4DB2-BD59-A6C34878D82A}">
-                    <a16:rowId xmlns:a16="http://schemas.microsoft.com/office/drawing/2014/main" xmlns="" val="1466771304"/>
+                    <a16:rowId xmlns="" xmlns:a16="http://schemas.microsoft.com/office/drawing/2014/main" val="1466771304"/>
                   </a:ext>
                 </a:extLst>
               </a:tr>
@@ -23281,7 +23313,7 @@
                 </a:tc>
                 <a:extLst>
                   <a:ext uri="{0D108BD9-81ED-4DB2-BD59-A6C34878D82A}">
-                    <a16:rowId xmlns:a16="http://schemas.microsoft.com/office/drawing/2014/main" xmlns="" val="1360372986"/>
+                    <a16:rowId xmlns="" xmlns:a16="http://schemas.microsoft.com/office/drawing/2014/main" val="1360372986"/>
                   </a:ext>
                 </a:extLst>
               </a:tr>
@@ -23463,7 +23495,7 @@
                 </a:tc>
                 <a:extLst>
                   <a:ext uri="{0D108BD9-81ED-4DB2-BD59-A6C34878D82A}">
-                    <a16:rowId xmlns:a16="http://schemas.microsoft.com/office/drawing/2014/main" xmlns="" val="3517042196"/>
+                    <a16:rowId xmlns="" xmlns:a16="http://schemas.microsoft.com/office/drawing/2014/main" val="3517042196"/>
                   </a:ext>
                 </a:extLst>
               </a:tr>
@@ -23562,7 +23594,7 @@
                 </a:tc>
                 <a:extLst>
                   <a:ext uri="{0D108BD9-81ED-4DB2-BD59-A6C34878D82A}">
-                    <a16:rowId xmlns:a16="http://schemas.microsoft.com/office/drawing/2014/main" xmlns="" val="2030655908"/>
+                    <a16:rowId xmlns="" xmlns:a16="http://schemas.microsoft.com/office/drawing/2014/main" val="2030655908"/>
                   </a:ext>
                 </a:extLst>
               </a:tr>
@@ -23705,7 +23737,7 @@
                 </a:tc>
                 <a:extLst>
                   <a:ext uri="{0D108BD9-81ED-4DB2-BD59-A6C34878D82A}">
-                    <a16:rowId xmlns:a16="http://schemas.microsoft.com/office/drawing/2014/main" xmlns="" val="409827977"/>
+                    <a16:rowId xmlns="" xmlns:a16="http://schemas.microsoft.com/office/drawing/2014/main" val="409827977"/>
                   </a:ext>
                 </a:extLst>
               </a:tr>
@@ -23870,7 +23902,7 @@
                 </a:tc>
                 <a:extLst>
                   <a:ext uri="{0D108BD9-81ED-4DB2-BD59-A6C34878D82A}">
-                    <a16:rowId xmlns:a16="http://schemas.microsoft.com/office/drawing/2014/main" xmlns="" val="869534706"/>
+                    <a16:rowId xmlns="" xmlns:a16="http://schemas.microsoft.com/office/drawing/2014/main" val="869534706"/>
                   </a:ext>
                 </a:extLst>
               </a:tr>
@@ -24029,7 +24061,7 @@
                 </a:tc>
                 <a:extLst>
                   <a:ext uri="{0D108BD9-81ED-4DB2-BD59-A6C34878D82A}">
-                    <a16:rowId xmlns:a16="http://schemas.microsoft.com/office/drawing/2014/main" xmlns="" val="376353898"/>
+                    <a16:rowId xmlns="" xmlns:a16="http://schemas.microsoft.com/office/drawing/2014/main" val="376353898"/>
                   </a:ext>
                 </a:extLst>
               </a:tr>
@@ -24256,7 +24288,7 @@
                 </a:tc>
                 <a:extLst>
                   <a:ext uri="{0D108BD9-81ED-4DB2-BD59-A6C34878D82A}">
-                    <a16:rowId xmlns:a16="http://schemas.microsoft.com/office/drawing/2014/main" xmlns="" val="3084526821"/>
+                    <a16:rowId xmlns="" xmlns:a16="http://schemas.microsoft.com/office/drawing/2014/main" val="3084526821"/>
                   </a:ext>
                 </a:extLst>
               </a:tr>
@@ -24399,7 +24431,7 @@
                 </a:tc>
                 <a:extLst>
                   <a:ext uri="{0D108BD9-81ED-4DB2-BD59-A6C34878D82A}">
-                    <a16:rowId xmlns:a16="http://schemas.microsoft.com/office/drawing/2014/main" xmlns="" val="3303074763"/>
+                    <a16:rowId xmlns="" xmlns:a16="http://schemas.microsoft.com/office/drawing/2014/main" val="3303074763"/>
                   </a:ext>
                 </a:extLst>
               </a:tr>
@@ -24641,7 +24673,7 @@
                 </a:tc>
                 <a:extLst>
                   <a:ext uri="{0D108BD9-81ED-4DB2-BD59-A6C34878D82A}">
-                    <a16:rowId xmlns:a16="http://schemas.microsoft.com/office/drawing/2014/main" xmlns="" val="3971897777"/>
+                    <a16:rowId xmlns="" xmlns:a16="http://schemas.microsoft.com/office/drawing/2014/main" val="3971897777"/>
                   </a:ext>
                 </a:extLst>
               </a:tr>
@@ -24654,7 +24686,7 @@
           <p:cNvPr id="13" name="文本框 12">
             <a:extLst>
               <a:ext uri="{FF2B5EF4-FFF2-40B4-BE49-F238E27FC236}">
-                <a16:creationId xmlns:a16="http://schemas.microsoft.com/office/drawing/2014/main" xmlns="" id="{740F5E40-DCD1-41FA-94E2-CA9CA7EC8E7F}"/>
+                <a16:creationId xmlns="" xmlns:a16="http://schemas.microsoft.com/office/drawing/2014/main" id="{740F5E40-DCD1-41FA-94E2-CA9CA7EC8E7F}"/>
               </a:ext>
             </a:extLst>
           </p:cNvPr>
@@ -24736,7 +24768,7 @@
           <p:cNvPr id="6" name="文本框 5">
             <a:extLst>
               <a:ext uri="{FF2B5EF4-FFF2-40B4-BE49-F238E27FC236}">
-                <a16:creationId xmlns:a16="http://schemas.microsoft.com/office/drawing/2014/main" xmlns="" id="{66ED3A95-7245-4310-8354-479C4A30391B}"/>
+                <a16:creationId xmlns="" xmlns:a16="http://schemas.microsoft.com/office/drawing/2014/main" id="{66ED3A95-7245-4310-8354-479C4A30391B}"/>
               </a:ext>
             </a:extLst>
           </p:cNvPr>
@@ -24839,7 +24871,7 @@
           <p:cNvPr id="12" name="矩形 11">
             <a:extLst>
               <a:ext uri="{FF2B5EF4-FFF2-40B4-BE49-F238E27FC236}">
-                <a16:creationId xmlns:a16="http://schemas.microsoft.com/office/drawing/2014/main" xmlns="" id="{42B28CF3-1023-471A-85FC-9F9F3ADC12F8}"/>
+                <a16:creationId xmlns="" xmlns:a16="http://schemas.microsoft.com/office/drawing/2014/main" id="{42B28CF3-1023-471A-85FC-9F9F3ADC12F8}"/>
               </a:ext>
             </a:extLst>
           </p:cNvPr>
@@ -24905,7 +24937,7 @@
           <p:cNvPr id="8" name="表格 7">
             <a:extLst>
               <a:ext uri="{FF2B5EF4-FFF2-40B4-BE49-F238E27FC236}">
-                <a16:creationId xmlns:a16="http://schemas.microsoft.com/office/drawing/2014/main" xmlns="" id="{DF1018AF-4BB1-46F7-91DD-90F84352DBBF}"/>
+                <a16:creationId xmlns="" xmlns:a16="http://schemas.microsoft.com/office/drawing/2014/main" id="{DF1018AF-4BB1-46F7-91DD-90F84352DBBF}"/>
               </a:ext>
             </a:extLst>
           </p:cNvPr>
@@ -24934,21 +24966,21 @@
                 <a:gridCol w="2180823">
                   <a:extLst>
                     <a:ext uri="{9D8B030D-6E8A-4147-A177-3AD203B41FA5}">
-                      <a16:colId xmlns:a16="http://schemas.microsoft.com/office/drawing/2014/main" xmlns="" val="271949209"/>
+                      <a16:colId xmlns="" xmlns:a16="http://schemas.microsoft.com/office/drawing/2014/main" val="271949209"/>
                     </a:ext>
                   </a:extLst>
                 </a:gridCol>
                 <a:gridCol w="1803043">
                   <a:extLst>
                     <a:ext uri="{9D8B030D-6E8A-4147-A177-3AD203B41FA5}">
-                      <a16:colId xmlns:a16="http://schemas.microsoft.com/office/drawing/2014/main" xmlns="" val="483794282"/>
+                      <a16:colId xmlns="" xmlns:a16="http://schemas.microsoft.com/office/drawing/2014/main" val="483794282"/>
                     </a:ext>
                   </a:extLst>
                 </a:gridCol>
                 <a:gridCol w="4488063">
                   <a:extLst>
                     <a:ext uri="{9D8B030D-6E8A-4147-A177-3AD203B41FA5}">
-                      <a16:colId xmlns:a16="http://schemas.microsoft.com/office/drawing/2014/main" xmlns="" val="3157286281"/>
+                      <a16:colId xmlns="" xmlns:a16="http://schemas.microsoft.com/office/drawing/2014/main" val="3157286281"/>
                     </a:ext>
                   </a:extLst>
                 </a:gridCol>
@@ -25001,7 +25033,7 @@
                 </a:tc>
                 <a:extLst>
                   <a:ext uri="{0D108BD9-81ED-4DB2-BD59-A6C34878D82A}">
-                    <a16:rowId xmlns:a16="http://schemas.microsoft.com/office/drawing/2014/main" xmlns="" val="10357417"/>
+                    <a16:rowId xmlns="" xmlns:a16="http://schemas.microsoft.com/office/drawing/2014/main" val="10357417"/>
                   </a:ext>
                 </a:extLst>
               </a:tr>
@@ -25249,7 +25281,7 @@
                 </a:tc>
                 <a:extLst>
                   <a:ext uri="{0D108BD9-81ED-4DB2-BD59-A6C34878D82A}">
-                    <a16:rowId xmlns:a16="http://schemas.microsoft.com/office/drawing/2014/main" xmlns="" val="1881350119"/>
+                    <a16:rowId xmlns="" xmlns:a16="http://schemas.microsoft.com/office/drawing/2014/main" val="1881350119"/>
                   </a:ext>
                 </a:extLst>
               </a:tr>
@@ -25414,7 +25446,7 @@
                 </a:tc>
                 <a:extLst>
                   <a:ext uri="{0D108BD9-81ED-4DB2-BD59-A6C34878D82A}">
-                    <a16:rowId xmlns:a16="http://schemas.microsoft.com/office/drawing/2014/main" xmlns="" val="1466771304"/>
+                    <a16:rowId xmlns="" xmlns:a16="http://schemas.microsoft.com/office/drawing/2014/main" val="1466771304"/>
                   </a:ext>
                 </a:extLst>
               </a:tr>
@@ -25571,7 +25603,7 @@
                 </a:tc>
                 <a:extLst>
                   <a:ext uri="{0D108BD9-81ED-4DB2-BD59-A6C34878D82A}">
-                    <a16:rowId xmlns:a16="http://schemas.microsoft.com/office/drawing/2014/main" xmlns="" val="1360372986"/>
+                    <a16:rowId xmlns="" xmlns:a16="http://schemas.microsoft.com/office/drawing/2014/main" val="1360372986"/>
                   </a:ext>
                 </a:extLst>
               </a:tr>
@@ -25701,7 +25733,7 @@
                 </a:tc>
                 <a:extLst>
                   <a:ext uri="{0D108BD9-81ED-4DB2-BD59-A6C34878D82A}">
-                    <a16:rowId xmlns:a16="http://schemas.microsoft.com/office/drawing/2014/main" xmlns="" val="3517042196"/>
+                    <a16:rowId xmlns="" xmlns:a16="http://schemas.microsoft.com/office/drawing/2014/main" val="3517042196"/>
                   </a:ext>
                 </a:extLst>
               </a:tr>
@@ -25714,7 +25746,7 @@
           <p:cNvPr id="13" name="文本框 12">
             <a:extLst>
               <a:ext uri="{FF2B5EF4-FFF2-40B4-BE49-F238E27FC236}">
-                <a16:creationId xmlns:a16="http://schemas.microsoft.com/office/drawing/2014/main" xmlns="" id="{740F5E40-DCD1-41FA-94E2-CA9CA7EC8E7F}"/>
+                <a16:creationId xmlns="" xmlns:a16="http://schemas.microsoft.com/office/drawing/2014/main" id="{740F5E40-DCD1-41FA-94E2-CA9CA7EC8E7F}"/>
               </a:ext>
             </a:extLst>
           </p:cNvPr>
@@ -25796,7 +25828,7 @@
           <p:cNvPr id="14" name="文本框 13">
             <a:extLst>
               <a:ext uri="{FF2B5EF4-FFF2-40B4-BE49-F238E27FC236}">
-                <a16:creationId xmlns:a16="http://schemas.microsoft.com/office/drawing/2014/main" xmlns="" id="{66ED3A95-7245-4310-8354-479C4A30391B}"/>
+                <a16:creationId xmlns="" xmlns:a16="http://schemas.microsoft.com/office/drawing/2014/main" id="{66ED3A95-7245-4310-8354-479C4A30391B}"/>
               </a:ext>
             </a:extLst>
           </p:cNvPr>
@@ -26063,21 +26095,21 @@
                 <a:gridCol w="2180823">
                   <a:extLst>
                     <a:ext uri="{9D8B030D-6E8A-4147-A177-3AD203B41FA5}">
-                      <a16:colId xmlns="" xmlns:a16="http://schemas.microsoft.com/office/drawing/2014/main" val="20000"/>
+                      <a16:colId xmlns:a16="http://schemas.microsoft.com/office/drawing/2014/main" xmlns="" val="20000"/>
                     </a:ext>
                   </a:extLst>
                 </a:gridCol>
                 <a:gridCol w="1940417">
                   <a:extLst>
                     <a:ext uri="{9D8B030D-6E8A-4147-A177-3AD203B41FA5}">
-                      <a16:colId xmlns="" xmlns:a16="http://schemas.microsoft.com/office/drawing/2014/main" val="20001"/>
+                      <a16:colId xmlns:a16="http://schemas.microsoft.com/office/drawing/2014/main" xmlns="" val="20001"/>
                     </a:ext>
                   </a:extLst>
                 </a:gridCol>
                 <a:gridCol w="4350688">
                   <a:extLst>
                     <a:ext uri="{9D8B030D-6E8A-4147-A177-3AD203B41FA5}">
-                      <a16:colId xmlns="" xmlns:a16="http://schemas.microsoft.com/office/drawing/2014/main" val="20002"/>
+                      <a16:colId xmlns:a16="http://schemas.microsoft.com/office/drawing/2014/main" xmlns="" val="20002"/>
                     </a:ext>
                   </a:extLst>
                 </a:gridCol>
@@ -26130,7 +26162,7 @@
                 </a:tc>
                 <a:extLst>
                   <a:ext uri="{0D108BD9-81ED-4DB2-BD59-A6C34878D82A}">
-                    <a16:rowId xmlns="" xmlns:a16="http://schemas.microsoft.com/office/drawing/2014/main" val="10000"/>
+                    <a16:rowId xmlns:a16="http://schemas.microsoft.com/office/drawing/2014/main" xmlns="" val="10000"/>
                   </a:ext>
                 </a:extLst>
               </a:tr>
@@ -26258,7 +26290,7 @@
                 </a:tc>
                 <a:extLst>
                   <a:ext uri="{0D108BD9-81ED-4DB2-BD59-A6C34878D82A}">
-                    <a16:rowId xmlns="" xmlns:a16="http://schemas.microsoft.com/office/drawing/2014/main" val="10001"/>
+                    <a16:rowId xmlns:a16="http://schemas.microsoft.com/office/drawing/2014/main" xmlns="" val="10001"/>
                   </a:ext>
                 </a:extLst>
               </a:tr>
@@ -26430,7 +26462,7 @@
                 </a:tc>
                 <a:extLst>
                   <a:ext uri="{0D108BD9-81ED-4DB2-BD59-A6C34878D82A}">
-                    <a16:rowId xmlns="" xmlns:a16="http://schemas.microsoft.com/office/drawing/2014/main" val="10002"/>
+                    <a16:rowId xmlns:a16="http://schemas.microsoft.com/office/drawing/2014/main" xmlns="" val="10002"/>
                   </a:ext>
                 </a:extLst>
               </a:tr>
@@ -26602,7 +26634,7 @@
                 </a:tc>
                 <a:extLst>
                   <a:ext uri="{0D108BD9-81ED-4DB2-BD59-A6C34878D82A}">
-                    <a16:rowId xmlns="" xmlns:a16="http://schemas.microsoft.com/office/drawing/2014/main" val="10003"/>
+                    <a16:rowId xmlns:a16="http://schemas.microsoft.com/office/drawing/2014/main" xmlns="" val="10003"/>
                   </a:ext>
                 </a:extLst>
               </a:tr>
@@ -26825,7 +26857,7 @@
                 </a:tc>
                 <a:extLst>
                   <a:ext uri="{0D108BD9-81ED-4DB2-BD59-A6C34878D82A}">
-                    <a16:rowId xmlns="" xmlns:a16="http://schemas.microsoft.com/office/drawing/2014/main" val="10004"/>
+                    <a16:rowId xmlns:a16="http://schemas.microsoft.com/office/drawing/2014/main" xmlns="" val="10004"/>
                   </a:ext>
                 </a:extLst>
               </a:tr>
@@ -26953,7 +26985,7 @@
                 </a:tc>
                 <a:extLst>
                   <a:ext uri="{0D108BD9-81ED-4DB2-BD59-A6C34878D82A}">
-                    <a16:rowId xmlns="" xmlns:a16="http://schemas.microsoft.com/office/drawing/2014/main" val="10005"/>
+                    <a16:rowId xmlns:a16="http://schemas.microsoft.com/office/drawing/2014/main" xmlns="" val="10005"/>
                   </a:ext>
                 </a:extLst>
               </a:tr>
@@ -27158,7 +27190,7 @@
                 </a:tc>
                 <a:extLst>
                   <a:ext uri="{0D108BD9-81ED-4DB2-BD59-A6C34878D82A}">
-                    <a16:rowId xmlns="" xmlns:a16="http://schemas.microsoft.com/office/drawing/2014/main" val="10006"/>
+                    <a16:rowId xmlns:a16="http://schemas.microsoft.com/office/drawing/2014/main" xmlns="" val="10006"/>
                   </a:ext>
                 </a:extLst>
               </a:tr>
@@ -27385,7 +27417,7 @@
                 </a:tc>
                 <a:extLst>
                   <a:ext uri="{0D108BD9-81ED-4DB2-BD59-A6C34878D82A}">
-                    <a16:rowId xmlns="" xmlns:a16="http://schemas.microsoft.com/office/drawing/2014/main" val="10007"/>
+                    <a16:rowId xmlns:a16="http://schemas.microsoft.com/office/drawing/2014/main" xmlns="" val="10007"/>
                   </a:ext>
                 </a:extLst>
               </a:tr>
@@ -27568,7 +27600,7 @@
                 </a:tc>
                 <a:extLst>
                   <a:ext uri="{0D108BD9-81ED-4DB2-BD59-A6C34878D82A}">
-                    <a16:rowId xmlns="" xmlns:a16="http://schemas.microsoft.com/office/drawing/2014/main" val="10008"/>
+                    <a16:rowId xmlns:a16="http://schemas.microsoft.com/office/drawing/2014/main" xmlns="" val="10008"/>
                   </a:ext>
                 </a:extLst>
               </a:tr>
@@ -27751,7 +27783,7 @@
                 </a:tc>
                 <a:extLst>
                   <a:ext uri="{0D108BD9-81ED-4DB2-BD59-A6C34878D82A}">
-                    <a16:rowId xmlns="" xmlns:a16="http://schemas.microsoft.com/office/drawing/2014/main" val="10009"/>
+                    <a16:rowId xmlns:a16="http://schemas.microsoft.com/office/drawing/2014/main" xmlns="" val="10009"/>
                   </a:ext>
                 </a:extLst>
               </a:tr>
@@ -27822,7 +27854,7 @@
                 </a:tc>
                 <a:extLst>
                   <a:ext uri="{0D108BD9-81ED-4DB2-BD59-A6C34878D82A}">
-                    <a16:rowId xmlns="" xmlns:a16="http://schemas.microsoft.com/office/drawing/2014/main" val="10010"/>
+                    <a16:rowId xmlns:a16="http://schemas.microsoft.com/office/drawing/2014/main" xmlns="" val="10010"/>
                   </a:ext>
                 </a:extLst>
               </a:tr>
@@ -28093,7 +28125,7 @@
                 </a:tc>
                 <a:extLst>
                   <a:ext uri="{0D108BD9-81ED-4DB2-BD59-A6C34878D82A}">
-                    <a16:rowId xmlns="" xmlns:a16="http://schemas.microsoft.com/office/drawing/2014/main" val="10011"/>
+                    <a16:rowId xmlns:a16="http://schemas.microsoft.com/office/drawing/2014/main" xmlns="" val="10011"/>
                   </a:ext>
                 </a:extLst>
               </a:tr>
@@ -28265,7 +28297,7 @@
                 </a:tc>
                 <a:extLst>
                   <a:ext uri="{0D108BD9-81ED-4DB2-BD59-A6C34878D82A}">
-                    <a16:rowId xmlns="" xmlns:a16="http://schemas.microsoft.com/office/drawing/2014/main" val="10012"/>
+                    <a16:rowId xmlns:a16="http://schemas.microsoft.com/office/drawing/2014/main" xmlns="" val="10012"/>
                   </a:ext>
                 </a:extLst>
               </a:tr>
@@ -28454,7 +28486,7 @@
                 </a:tc>
                 <a:extLst>
                   <a:ext uri="{0D108BD9-81ED-4DB2-BD59-A6C34878D82A}">
-                    <a16:rowId xmlns="" xmlns:a16="http://schemas.microsoft.com/office/drawing/2014/main" val="10013"/>
+                    <a16:rowId xmlns:a16="http://schemas.microsoft.com/office/drawing/2014/main" xmlns="" val="10013"/>
                   </a:ext>
                 </a:extLst>
               </a:tr>
@@ -28721,7 +28753,7 @@
           <p:nvPr>
             <p:extLst>
               <p:ext uri="{D42A27DB-BD31-4B8C-83A1-F6EECF244321}">
-                <p14:modId xmlns:p14="http://schemas.microsoft.com/office/powerpoint/2010/main" val="2660696191"/>
+                <p14:modId xmlns:p14="http://schemas.microsoft.com/office/powerpoint/2010/main" val="978499445"/>
               </p:ext>
             </p:extLst>
           </p:nvPr>
@@ -28740,21 +28772,21 @@
                 <a:gridCol w="2180823">
                   <a:extLst>
                     <a:ext uri="{9D8B030D-6E8A-4147-A177-3AD203B41FA5}">
-                      <a16:colId xmlns="" xmlns:a16="http://schemas.microsoft.com/office/drawing/2014/main" val="20000"/>
+                      <a16:colId xmlns:a16="http://schemas.microsoft.com/office/drawing/2014/main" xmlns="" val="20000"/>
                     </a:ext>
                   </a:extLst>
                 </a:gridCol>
                 <a:gridCol w="1940417">
                   <a:extLst>
                     <a:ext uri="{9D8B030D-6E8A-4147-A177-3AD203B41FA5}">
-                      <a16:colId xmlns="" xmlns:a16="http://schemas.microsoft.com/office/drawing/2014/main" val="20001"/>
+                      <a16:colId xmlns:a16="http://schemas.microsoft.com/office/drawing/2014/main" xmlns="" val="20001"/>
                     </a:ext>
                   </a:extLst>
                 </a:gridCol>
                 <a:gridCol w="4350688">
                   <a:extLst>
                     <a:ext uri="{9D8B030D-6E8A-4147-A177-3AD203B41FA5}">
-                      <a16:colId xmlns="" xmlns:a16="http://schemas.microsoft.com/office/drawing/2014/main" val="20002"/>
+                      <a16:colId xmlns:a16="http://schemas.microsoft.com/office/drawing/2014/main" xmlns="" val="20002"/>
                     </a:ext>
                   </a:extLst>
                 </a:gridCol>
@@ -28807,7 +28839,7 @@
                 </a:tc>
                 <a:extLst>
                   <a:ext uri="{0D108BD9-81ED-4DB2-BD59-A6C34878D82A}">
-                    <a16:rowId xmlns="" xmlns:a16="http://schemas.microsoft.com/office/drawing/2014/main" val="10000"/>
+                    <a16:rowId xmlns:a16="http://schemas.microsoft.com/office/drawing/2014/main" xmlns="" val="10000"/>
                   </a:ext>
                 </a:extLst>
               </a:tr>
@@ -28935,7 +28967,7 @@
                 </a:tc>
                 <a:extLst>
                   <a:ext uri="{0D108BD9-81ED-4DB2-BD59-A6C34878D82A}">
-                    <a16:rowId xmlns="" xmlns:a16="http://schemas.microsoft.com/office/drawing/2014/main" val="10001"/>
+                    <a16:rowId xmlns:a16="http://schemas.microsoft.com/office/drawing/2014/main" xmlns="" val="10001"/>
                   </a:ext>
                 </a:extLst>
               </a:tr>
@@ -29127,7 +29159,7 @@
                 </a:tc>
                 <a:extLst>
                   <a:ext uri="{0D108BD9-81ED-4DB2-BD59-A6C34878D82A}">
-                    <a16:rowId xmlns="" xmlns:a16="http://schemas.microsoft.com/office/drawing/2014/main" val="10002"/>
+                    <a16:rowId xmlns:a16="http://schemas.microsoft.com/office/drawing/2014/main" xmlns="" val="10002"/>
                   </a:ext>
                 </a:extLst>
               </a:tr>
@@ -29254,7 +29286,7 @@
                 </a:tc>
                 <a:extLst>
                   <a:ext uri="{0D108BD9-81ED-4DB2-BD59-A6C34878D82A}">
-                    <a16:rowId xmlns="" xmlns:a16="http://schemas.microsoft.com/office/drawing/2014/main" val="10003"/>
+                    <a16:rowId xmlns:a16="http://schemas.microsoft.com/office/drawing/2014/main" xmlns="" val="10003"/>
                   </a:ext>
                 </a:extLst>
               </a:tr>
@@ -29381,7 +29413,7 @@
                 </a:tc>
                 <a:extLst>
                   <a:ext uri="{0D108BD9-81ED-4DB2-BD59-A6C34878D82A}">
-                    <a16:rowId xmlns="" xmlns:a16="http://schemas.microsoft.com/office/drawing/2014/main" val="10004"/>
+                    <a16:rowId xmlns:a16="http://schemas.microsoft.com/office/drawing/2014/main" xmlns="" val="10004"/>
                   </a:ext>
                 </a:extLst>
               </a:tr>
@@ -29393,6 +29425,17 @@
                     <a:p>
                       <a:pPr marL="0" algn="ctr" defTabSz="685800" rtl="0" eaLnBrk="1" latinLnBrk="0" hangingPunct="1"/>
                       <a:r>
+                        <a:rPr lang="en-US" altLang="en-US" sz="1100" b="1" kern="1200" dirty="0" err="1" smtClean="0">
+                          <a:solidFill>
+                            <a:schemeClr val="tx1"/>
+                          </a:solidFill>
+                          <a:latin typeface="微软雅黑" panose="020B0503020204020204" pitchFamily="34" charset="-122"/>
+                          <a:ea typeface="微软雅黑" panose="020B0503020204020204" pitchFamily="34" charset="-122"/>
+                          <a:cs typeface="+mn-cs"/>
+                        </a:rPr>
+                        <a:t>XiaoFeng</a:t>
+                      </a:r>
+                      <a:r>
                         <a:rPr lang="en-US" altLang="en-US" sz="1100" b="1" kern="1200" dirty="0" smtClean="0">
                           <a:solidFill>
                             <a:schemeClr val="tx1"/>
@@ -29401,10 +29444,10 @@
                           <a:ea typeface="微软雅黑" panose="020B0503020204020204" pitchFamily="34" charset="-122"/>
                           <a:cs typeface="+mn-cs"/>
                         </a:rPr>
-                        <a:t>LI Jensen </a:t>
-                      </a:r>
-                      <a:r>
-                        <a:rPr lang="en-US" altLang="en-US" sz="1100" b="1" kern="1200" dirty="0" err="1" smtClean="0">
+                        <a:t> Wang(</a:t>
+                      </a:r>
+                      <a:r>
+                        <a:rPr lang="zh-CN" altLang="en-US" sz="1100" b="1" kern="1200" dirty="0" smtClean="0">
                           <a:solidFill>
                             <a:schemeClr val="tx1"/>
                           </a:solidFill>
@@ -29412,10 +29455,10 @@
                           <a:ea typeface="微软雅黑" panose="020B0503020204020204" pitchFamily="34" charset="-122"/>
                           <a:cs typeface="+mn-cs"/>
                         </a:rPr>
-                        <a:t>Tsan</a:t>
-                      </a:r>
-                      <a:r>
-                        <a:rPr lang="en-US" altLang="en-US" sz="1100" b="1" kern="1200" dirty="0" smtClean="0">
+                        <a:t>王晓峰</a:t>
+                      </a:r>
+                      <a:r>
+                        <a:rPr lang="en-US" altLang="zh-CN" sz="1100" b="1" kern="1200" dirty="0" smtClean="0">
                           <a:solidFill>
                             <a:schemeClr val="tx1"/>
                           </a:solidFill>
@@ -29423,44 +29466,11 @@
                           <a:ea typeface="微软雅黑" panose="020B0503020204020204" pitchFamily="34" charset="-122"/>
                           <a:cs typeface="+mn-cs"/>
                         </a:rPr>
-                        <a:t> Hang</a:t>
-                      </a:r>
-                      <a:r>
-                        <a:rPr lang="en-US" altLang="zh-CN" sz="1100" b="1" kern="1200" dirty="0" smtClean="0">
-                          <a:solidFill>
-                            <a:schemeClr val="dk1"/>
-                          </a:solidFill>
-                          <a:latin typeface="微软雅黑" panose="020B0503020204020204" pitchFamily="34" charset="-122"/>
-                          <a:ea typeface="微软雅黑" panose="020B0503020204020204" pitchFamily="34" charset="-122"/>
-                          <a:cs typeface="+mn-cs"/>
-                        </a:rPr>
-                        <a:t>(</a:t>
-                      </a:r>
-                      <a:r>
-                        <a:rPr lang="zh-CN" altLang="en-US" sz="1100" b="1" kern="1200" dirty="0" smtClean="0">
-                          <a:solidFill>
-                            <a:schemeClr val="dk1"/>
-                          </a:solidFill>
-                          <a:latin typeface="微软雅黑" panose="020B0503020204020204" pitchFamily="34" charset="-122"/>
-                          <a:ea typeface="微软雅黑" panose="020B0503020204020204" pitchFamily="34" charset="-122"/>
-                          <a:cs typeface="+mn-cs"/>
-                        </a:rPr>
-                        <a:t>李赞恒</a:t>
-                      </a:r>
-                      <a:r>
-                        <a:rPr lang="en-US" altLang="zh-CN" sz="1100" b="1" kern="1200" dirty="0" smtClean="0">
-                          <a:solidFill>
-                            <a:schemeClr val="dk1"/>
-                          </a:solidFill>
-                          <a:latin typeface="微软雅黑" panose="020B0503020204020204" pitchFamily="34" charset="-122"/>
-                          <a:ea typeface="微软雅黑" panose="020B0503020204020204" pitchFamily="34" charset="-122"/>
-                          <a:cs typeface="+mn-cs"/>
-                        </a:rPr>
                         <a:t>)</a:t>
                       </a:r>
-                      <a:endParaRPr lang="zh-CN" altLang="zh-CN" sz="1100" b="1" kern="1200" dirty="0">
+                      <a:endParaRPr lang="en-US" altLang="zh-CN" sz="1100" b="1" kern="1200" dirty="0" smtClean="0">
                         <a:solidFill>
-                          <a:schemeClr val="dk1"/>
+                          <a:schemeClr val="tx1"/>
                         </a:solidFill>
                         <a:latin typeface="微软雅黑" panose="020B0503020204020204" pitchFamily="34" charset="-122"/>
                         <a:ea typeface="微软雅黑" panose="020B0503020204020204" pitchFamily="34" charset="-122"/>
@@ -29504,44 +29514,52 @@
                     <a:bodyPr/>
                     <a:lstStyle/>
                     <a:p>
-                      <a:pPr marL="0" algn="ctr" defTabSz="685800" rtl="0" eaLnBrk="1" latinLnBrk="0" hangingPunct="1"/>
-                      <a:r>
-                        <a:rPr lang="en-US" altLang="zh-CN" sz="1100" b="1" kern="1200" dirty="0" smtClean="0">
-                          <a:solidFill>
-                            <a:schemeClr val="dk1"/>
-                          </a:solidFill>
-                          <a:latin typeface="微软雅黑" panose="020B0503020204020204" pitchFamily="34" charset="-122"/>
-                          <a:ea typeface="微软雅黑" panose="020B0503020204020204" pitchFamily="34" charset="-122"/>
-                          <a:cs typeface="+mn-cs"/>
-                        </a:rPr>
-                        <a:t>Elastic </a:t>
-                      </a:r>
-                      <a:r>
-                        <a:rPr lang="en-US" altLang="zh-CN" sz="1100" b="1" kern="1200" dirty="0" err="1" smtClean="0">
-                          <a:solidFill>
-                            <a:schemeClr val="dk1"/>
-                          </a:solidFill>
-                          <a:latin typeface="微软雅黑" panose="020B0503020204020204" pitchFamily="34" charset="-122"/>
-                          <a:ea typeface="微软雅黑" panose="020B0503020204020204" pitchFamily="34" charset="-122"/>
-                          <a:cs typeface="+mn-cs"/>
-                        </a:rPr>
-                        <a:t>metasurfaces</a:t>
-                      </a:r>
-                      <a:endParaRPr lang="zh-CN" altLang="en-US" sz="1100" b="1" kern="1200" dirty="0">
-                        <a:solidFill>
-                          <a:schemeClr val="dk1"/>
-                        </a:solidFill>
-                        <a:latin typeface="微软雅黑" panose="020B0503020204020204" pitchFamily="34" charset="-122"/>
-                        <a:ea typeface="微软雅黑" panose="020B0503020204020204" pitchFamily="34" charset="-122"/>
-                        <a:cs typeface="+mn-cs"/>
-                      </a:endParaRPr>
+                      <a:pPr marL="0" marR="0" indent="0" algn="ctr" defTabSz="685800" rtl="0" eaLnBrk="1" fontAlgn="auto" latinLnBrk="0" hangingPunct="1">
+                        <a:lnSpc>
+                          <a:spcPct val="100000"/>
+                        </a:lnSpc>
+                        <a:spcBef>
+                          <a:spcPts val="0"/>
+                        </a:spcBef>
+                        <a:spcAft>
+                          <a:spcPts val="0"/>
+                        </a:spcAft>
+                        <a:buClrTx/>
+                        <a:buSzTx/>
+                        <a:buFontTx/>
+                        <a:buNone/>
+                        <a:tabLst/>
+                        <a:defRPr/>
+                      </a:pPr>
+                      <a:r>
+                        <a:rPr lang="en-US" altLang="zh-CN" sz="1100" b="1" kern="1200" baseline="0" dirty="0" smtClean="0">
+                          <a:solidFill>
+                            <a:schemeClr val="tx1"/>
+                          </a:solidFill>
+                          <a:latin typeface="微软雅黑" panose="020B0503020204020204" pitchFamily="34" charset="-122"/>
+                          <a:ea typeface="微软雅黑" panose="020B0503020204020204" pitchFamily="34" charset="-122"/>
+                          <a:cs typeface="+mn-cs"/>
+                        </a:rPr>
+                        <a:t>Advanced Photonics</a:t>
+                      </a:r>
+                      <a:r>
+                        <a:rPr lang="zh-CN" altLang="en-US" sz="1100" b="1" kern="1200" baseline="0" dirty="0" smtClean="0">
+                          <a:solidFill>
+                            <a:schemeClr val="tx1"/>
+                          </a:solidFill>
+                          <a:latin typeface="微软雅黑" panose="020B0503020204020204" pitchFamily="34" charset="-122"/>
+                          <a:ea typeface="微软雅黑" panose="020B0503020204020204" pitchFamily="34" charset="-122"/>
+                          <a:cs typeface="+mn-cs"/>
+                        </a:rPr>
+                        <a:t>杂志介绍</a:t>
+                      </a:r>
                     </a:p>
                   </a:txBody>
                   <a:tcPr marL="110604" marR="110604" marT="28714" marB="28714" anchor="ctr"/>
                 </a:tc>
                 <a:extLst>
                   <a:ext uri="{0D108BD9-81ED-4DB2-BD59-A6C34878D82A}">
-                    <a16:rowId xmlns="" xmlns:a16="http://schemas.microsoft.com/office/drawing/2014/main" val="10005"/>
+                    <a16:rowId xmlns:a16="http://schemas.microsoft.com/office/drawing/2014/main" xmlns="" val="10005"/>
                   </a:ext>
                 </a:extLst>
               </a:tr>
